--- a/FiguresPaper.pptx
+++ b/FiguresPaper.pptx
@@ -5,10 +5,12 @@
     <p:sldMasterId id="2147483648" r:id="rId1"/>
   </p:sldMasterIdLst>
   <p:notesMasterIdLst>
-    <p:notesMasterId r:id="rId3"/>
+    <p:notesMasterId r:id="rId5"/>
   </p:notesMasterIdLst>
   <p:sldIdLst>
-    <p:sldId id="298" r:id="rId2"/>
+    <p:sldId id="299" r:id="rId2"/>
+    <p:sldId id="300" r:id="rId3"/>
+    <p:sldId id="298" r:id="rId4"/>
   </p:sldIdLst>
   <p:sldSz cx="9144000" cy="6858000" type="screen4x3"/>
   <p:notesSz cx="6858000" cy="9144000"/>
@@ -208,7 +210,7 @@
           <a:p>
             <a:fld id="{F28D62E0-191E-42FF-A98D-D06FD014851B}" type="datetimeFigureOut">
               <a:rPr lang="en-AU" smtClean="0"/>
-              <a:t>6/7/17</a:t>
+              <a:t>7/7/17</a:t>
             </a:fld>
             <a:endParaRPr lang="en-AU"/>
           </a:p>
@@ -657,7 +659,7 @@
           <a:p>
             <a:fld id="{D4351B45-279F-42A8-9B05-CE858E05D9F5}" type="datetimeFigureOut">
               <a:rPr lang="en-NZ" smtClean="0"/>
-              <a:t>6/07/17</a:t>
+              <a:t>7/07/17</a:t>
             </a:fld>
             <a:endParaRPr lang="en-NZ"/>
           </a:p>
@@ -827,7 +829,7 @@
           <a:p>
             <a:fld id="{D4351B45-279F-42A8-9B05-CE858E05D9F5}" type="datetimeFigureOut">
               <a:rPr lang="en-NZ" smtClean="0"/>
-              <a:t>6/07/17</a:t>
+              <a:t>7/07/17</a:t>
             </a:fld>
             <a:endParaRPr lang="en-NZ"/>
           </a:p>
@@ -1007,7 +1009,7 @@
           <a:p>
             <a:fld id="{D4351B45-279F-42A8-9B05-CE858E05D9F5}" type="datetimeFigureOut">
               <a:rPr lang="en-NZ" smtClean="0"/>
-              <a:t>6/07/17</a:t>
+              <a:t>7/07/17</a:t>
             </a:fld>
             <a:endParaRPr lang="en-NZ"/>
           </a:p>
@@ -1177,7 +1179,7 @@
           <a:p>
             <a:fld id="{D4351B45-279F-42A8-9B05-CE858E05D9F5}" type="datetimeFigureOut">
               <a:rPr lang="en-NZ" smtClean="0"/>
-              <a:t>6/07/17</a:t>
+              <a:t>7/07/17</a:t>
             </a:fld>
             <a:endParaRPr lang="en-NZ"/>
           </a:p>
@@ -1423,7 +1425,7 @@
           <a:p>
             <a:fld id="{D4351B45-279F-42A8-9B05-CE858E05D9F5}" type="datetimeFigureOut">
               <a:rPr lang="en-NZ" smtClean="0"/>
-              <a:t>6/07/17</a:t>
+              <a:t>7/07/17</a:t>
             </a:fld>
             <a:endParaRPr lang="en-NZ"/>
           </a:p>
@@ -1711,7 +1713,7 @@
           <a:p>
             <a:fld id="{D4351B45-279F-42A8-9B05-CE858E05D9F5}" type="datetimeFigureOut">
               <a:rPr lang="en-NZ" smtClean="0"/>
-              <a:t>6/07/17</a:t>
+              <a:t>7/07/17</a:t>
             </a:fld>
             <a:endParaRPr lang="en-NZ"/>
           </a:p>
@@ -2133,7 +2135,7 @@
           <a:p>
             <a:fld id="{D4351B45-279F-42A8-9B05-CE858E05D9F5}" type="datetimeFigureOut">
               <a:rPr lang="en-NZ" smtClean="0"/>
-              <a:t>6/07/17</a:t>
+              <a:t>7/07/17</a:t>
             </a:fld>
             <a:endParaRPr lang="en-NZ"/>
           </a:p>
@@ -2251,7 +2253,7 @@
           <a:p>
             <a:fld id="{D4351B45-279F-42A8-9B05-CE858E05D9F5}" type="datetimeFigureOut">
               <a:rPr lang="en-NZ" smtClean="0"/>
-              <a:t>6/07/17</a:t>
+              <a:t>7/07/17</a:t>
             </a:fld>
             <a:endParaRPr lang="en-NZ"/>
           </a:p>
@@ -2346,7 +2348,7 @@
           <a:p>
             <a:fld id="{D4351B45-279F-42A8-9B05-CE858E05D9F5}" type="datetimeFigureOut">
               <a:rPr lang="en-NZ" smtClean="0"/>
-              <a:t>6/07/17</a:t>
+              <a:t>7/07/17</a:t>
             </a:fld>
             <a:endParaRPr lang="en-NZ"/>
           </a:p>
@@ -2623,7 +2625,7 @@
           <a:p>
             <a:fld id="{D4351B45-279F-42A8-9B05-CE858E05D9F5}" type="datetimeFigureOut">
               <a:rPr lang="en-NZ" smtClean="0"/>
-              <a:t>6/07/17</a:t>
+              <a:t>7/07/17</a:t>
             </a:fld>
             <a:endParaRPr lang="en-NZ"/>
           </a:p>
@@ -2876,7 +2878,7 @@
           <a:p>
             <a:fld id="{D4351B45-279F-42A8-9B05-CE858E05D9F5}" type="datetimeFigureOut">
               <a:rPr lang="en-NZ" smtClean="0"/>
-              <a:t>6/07/17</a:t>
+              <a:t>7/07/17</a:t>
             </a:fld>
             <a:endParaRPr lang="en-NZ"/>
           </a:p>
@@ -3089,7 +3091,7 @@
           <a:p>
             <a:fld id="{D4351B45-279F-42A8-9B05-CE858E05D9F5}" type="datetimeFigureOut">
               <a:rPr lang="en-NZ" smtClean="0"/>
-              <a:t>6/07/17</a:t>
+              <a:t>7/07/17</a:t>
             </a:fld>
             <a:endParaRPr lang="en-NZ"/>
           </a:p>
@@ -3448,6 +3450,1542 @@
 </file>
 
 <file path=ppt/slides/slide1.xml><?xml version="1.0" encoding="utf-8"?>
+<p:sld xmlns:a="http://schemas.openxmlformats.org/drawingml/2006/main" xmlns:r="http://schemas.openxmlformats.org/officeDocument/2006/relationships" xmlns:p="http://schemas.openxmlformats.org/presentationml/2006/main">
+  <p:cSld>
+    <p:spTree>
+      <p:nvGrpSpPr>
+        <p:cNvPr id="1" name=""/>
+        <p:cNvGrpSpPr/>
+        <p:nvPr/>
+      </p:nvGrpSpPr>
+      <p:grpSpPr>
+        <a:xfrm>
+          <a:off x="0" y="0"/>
+          <a:ext cx="0" cy="0"/>
+          <a:chOff x="0" y="0"/>
+          <a:chExt cx="0" cy="0"/>
+        </a:xfrm>
+      </p:grpSpPr>
+      <mc:AlternateContent xmlns:mc="http://schemas.openxmlformats.org/markup-compatibility/2006">
+        <mc:Choice xmlns:a14="http://schemas.microsoft.com/office/drawing/2010/main" Requires="a14">
+          <p:sp>
+            <p:nvSpPr>
+              <p:cNvPr id="4" name="Oval 3"/>
+              <p:cNvSpPr/>
+              <p:nvPr/>
+            </p:nvSpPr>
+            <p:spPr>
+              <a:xfrm>
+                <a:off x="2051720" y="1565176"/>
+                <a:ext cx="792088" cy="792088"/>
+              </a:xfrm>
+              <a:prstGeom prst="ellipse">
+                <a:avLst/>
+              </a:prstGeom>
+              <a:noFill/>
+              <a:ln>
+                <a:solidFill>
+                  <a:schemeClr val="tx1"/>
+                </a:solidFill>
+              </a:ln>
+            </p:spPr>
+            <p:style>
+              <a:lnRef idx="2">
+                <a:schemeClr val="accent1">
+                  <a:shade val="50000"/>
+                </a:schemeClr>
+              </a:lnRef>
+              <a:fillRef idx="1">
+                <a:schemeClr val="accent1"/>
+              </a:fillRef>
+              <a:effectRef idx="0">
+                <a:schemeClr val="accent1"/>
+              </a:effectRef>
+              <a:fontRef idx="minor">
+                <a:schemeClr val="lt1"/>
+              </a:fontRef>
+            </p:style>
+            <p:txBody>
+              <a:bodyPr rtlCol="0" anchor="ctr"/>
+              <a:lstStyle/>
+              <a:p>
+                <a:pPr algn="ctr"/>
+                <a14:m>
+                  <m:oMathPara xmlns:m="http://schemas.openxmlformats.org/officeDocument/2006/math">
+                    <m:oMathParaPr>
+                      <m:jc m:val="centerGroup"/>
+                    </m:oMathParaPr>
+                    <m:oMath xmlns:m="http://schemas.openxmlformats.org/officeDocument/2006/math">
+                      <m:sSub>
+                        <m:sSubPr>
+                          <m:ctrlPr>
+                            <a:rPr lang="en-US" i="1" dirty="0" smtClean="0">
+                              <a:solidFill>
+                                <a:schemeClr val="tx1"/>
+                              </a:solidFill>
+                              <a:latin typeface="Cambria Math" charset="0"/>
+                            </a:rPr>
+                          </m:ctrlPr>
+                        </m:sSubPr>
+                        <m:e>
+                          <m:r>
+                            <a:rPr lang="en-AU" b="0" i="1" dirty="0" smtClean="0">
+                              <a:solidFill>
+                                <a:schemeClr val="tx1"/>
+                              </a:solidFill>
+                              <a:latin typeface="Cambria Math" charset="0"/>
+                            </a:rPr>
+                            <m:t>𝑆</m:t>
+                          </m:r>
+                        </m:e>
+                        <m:sub>
+                          <m:r>
+                            <a:rPr lang="en-AU" b="0" i="1" dirty="0" smtClean="0">
+                              <a:solidFill>
+                                <a:schemeClr val="tx1"/>
+                              </a:solidFill>
+                              <a:latin typeface="Cambria Math" charset="0"/>
+                            </a:rPr>
+                            <m:t>𝑤</m:t>
+                          </m:r>
+                        </m:sub>
+                      </m:sSub>
+                    </m:oMath>
+                  </m:oMathPara>
+                </a14:m>
+                <a:endParaRPr lang="en-US" dirty="0">
+                  <a:solidFill>
+                    <a:schemeClr val="tx1"/>
+                  </a:solidFill>
+                </a:endParaRPr>
+              </a:p>
+            </p:txBody>
+          </p:sp>
+        </mc:Choice>
+        <mc:Fallback>
+          <p:sp>
+            <p:nvSpPr>
+              <p:cNvPr id="4" name="Oval 3"/>
+              <p:cNvSpPr>
+                <a:spLocks noRot="1" noChangeAspect="1" noMove="1" noResize="1" noEditPoints="1" noAdjustHandles="1" noChangeArrowheads="1" noChangeShapeType="1" noTextEdit="1"/>
+              </p:cNvSpPr>
+              <p:nvPr/>
+            </p:nvSpPr>
+            <p:spPr>
+              <a:xfrm>
+                <a:off x="2051720" y="1565176"/>
+                <a:ext cx="792088" cy="792088"/>
+              </a:xfrm>
+              <a:prstGeom prst="ellipse">
+                <a:avLst/>
+              </a:prstGeom>
+              <a:blipFill rotWithShape="0">
+                <a:blip r:embed="rId2"/>
+                <a:stretch>
+                  <a:fillRect/>
+                </a:stretch>
+              </a:blipFill>
+              <a:ln>
+                <a:solidFill>
+                  <a:schemeClr val="tx1"/>
+                </a:solidFill>
+              </a:ln>
+            </p:spPr>
+            <p:txBody>
+              <a:bodyPr/>
+              <a:lstStyle/>
+              <a:p>
+                <a:r>
+                  <a:rPr lang="en-US">
+                    <a:noFill/>
+                  </a:rPr>
+                  <a:t> </a:t>
+                </a:r>
+              </a:p>
+            </p:txBody>
+          </p:sp>
+        </mc:Fallback>
+      </mc:AlternateContent>
+      <mc:AlternateContent xmlns:mc="http://schemas.openxmlformats.org/markup-compatibility/2006">
+        <mc:Choice xmlns:a14="http://schemas.microsoft.com/office/drawing/2010/main" Requires="a14">
+          <p:sp>
+            <p:nvSpPr>
+              <p:cNvPr id="6" name="Oval 5"/>
+              <p:cNvSpPr/>
+              <p:nvPr/>
+            </p:nvSpPr>
+            <p:spPr>
+              <a:xfrm>
+                <a:off x="331912" y="1565176"/>
+                <a:ext cx="792088" cy="792088"/>
+              </a:xfrm>
+              <a:prstGeom prst="ellipse">
+                <a:avLst/>
+              </a:prstGeom>
+              <a:noFill/>
+              <a:ln>
+                <a:solidFill>
+                  <a:schemeClr val="tx1"/>
+                </a:solidFill>
+              </a:ln>
+            </p:spPr>
+            <p:style>
+              <a:lnRef idx="2">
+                <a:schemeClr val="accent1">
+                  <a:shade val="50000"/>
+                </a:schemeClr>
+              </a:lnRef>
+              <a:fillRef idx="1">
+                <a:schemeClr val="accent1"/>
+              </a:fillRef>
+              <a:effectRef idx="0">
+                <a:schemeClr val="accent1"/>
+              </a:effectRef>
+              <a:fontRef idx="minor">
+                <a:schemeClr val="lt1"/>
+              </a:fontRef>
+            </p:style>
+            <p:txBody>
+              <a:bodyPr rtlCol="0" anchor="ctr"/>
+              <a:lstStyle/>
+              <a:p>
+                <a:pPr algn="ctr"/>
+                <a14:m>
+                  <m:oMathPara xmlns:m="http://schemas.openxmlformats.org/officeDocument/2006/math">
+                    <m:oMathParaPr>
+                      <m:jc m:val="centerGroup"/>
+                    </m:oMathParaPr>
+                    <m:oMath xmlns:m="http://schemas.openxmlformats.org/officeDocument/2006/math">
+                      <m:sSub>
+                        <m:sSubPr>
+                          <m:ctrlPr>
+                            <a:rPr lang="en-US" i="1" dirty="0" smtClean="0">
+                              <a:solidFill>
+                                <a:schemeClr val="tx1"/>
+                              </a:solidFill>
+                              <a:latin typeface="Cambria Math" charset="0"/>
+                            </a:rPr>
+                          </m:ctrlPr>
+                        </m:sSubPr>
+                        <m:e>
+                          <m:r>
+                            <a:rPr lang="en-AU" b="0" i="1" dirty="0" smtClean="0">
+                              <a:solidFill>
+                                <a:schemeClr val="tx1"/>
+                              </a:solidFill>
+                              <a:latin typeface="Cambria Math" charset="0"/>
+                            </a:rPr>
+                            <m:t>𝑆</m:t>
+                          </m:r>
+                        </m:e>
+                        <m:sub>
+                          <m:r>
+                            <a:rPr lang="en-AU" b="0" i="1" dirty="0" smtClean="0">
+                              <a:solidFill>
+                                <a:schemeClr val="tx1"/>
+                              </a:solidFill>
+                              <a:latin typeface="Cambria Math" charset="0"/>
+                            </a:rPr>
+                            <m:t>𝑖</m:t>
+                          </m:r>
+                        </m:sub>
+                      </m:sSub>
+                    </m:oMath>
+                  </m:oMathPara>
+                </a14:m>
+                <a:endParaRPr lang="en-US" dirty="0">
+                  <a:solidFill>
+                    <a:schemeClr val="tx1"/>
+                  </a:solidFill>
+                </a:endParaRPr>
+              </a:p>
+            </p:txBody>
+          </p:sp>
+        </mc:Choice>
+        <mc:Fallback>
+          <p:sp>
+            <p:nvSpPr>
+              <p:cNvPr id="6" name="Oval 5"/>
+              <p:cNvSpPr>
+                <a:spLocks noRot="1" noChangeAspect="1" noMove="1" noResize="1" noEditPoints="1" noAdjustHandles="1" noChangeArrowheads="1" noChangeShapeType="1" noTextEdit="1"/>
+              </p:cNvSpPr>
+              <p:nvPr/>
+            </p:nvSpPr>
+            <p:spPr>
+              <a:xfrm>
+                <a:off x="331912" y="1565176"/>
+                <a:ext cx="792088" cy="792088"/>
+              </a:xfrm>
+              <a:prstGeom prst="ellipse">
+                <a:avLst/>
+              </a:prstGeom>
+              <a:blipFill rotWithShape="0">
+                <a:blip r:embed="rId3"/>
+                <a:stretch>
+                  <a:fillRect/>
+                </a:stretch>
+              </a:blipFill>
+              <a:ln>
+                <a:solidFill>
+                  <a:schemeClr val="tx1"/>
+                </a:solidFill>
+              </a:ln>
+            </p:spPr>
+            <p:txBody>
+              <a:bodyPr/>
+              <a:lstStyle/>
+              <a:p>
+                <a:r>
+                  <a:rPr lang="en-US">
+                    <a:noFill/>
+                  </a:rPr>
+                  <a:t> </a:t>
+                </a:r>
+              </a:p>
+            </p:txBody>
+          </p:sp>
+        </mc:Fallback>
+      </mc:AlternateContent>
+      <p:cxnSp>
+        <p:nvCxnSpPr>
+          <p:cNvPr id="8" name="Straight Arrow Connector 7"/>
+          <p:cNvCxnSpPr>
+            <a:stCxn id="6" idx="6"/>
+            <a:endCxn id="4" idx="2"/>
+          </p:cNvCxnSpPr>
+          <p:nvPr/>
+        </p:nvCxnSpPr>
+        <p:spPr>
+          <a:xfrm>
+            <a:off x="1124000" y="1961220"/>
+            <a:ext cx="927720" cy="0"/>
+          </a:xfrm>
+          <a:prstGeom prst="straightConnector1">
+            <a:avLst/>
+          </a:prstGeom>
+          <a:ln>
+            <a:solidFill>
+              <a:schemeClr val="tx1"/>
+            </a:solidFill>
+            <a:tailEnd type="triangle"/>
+          </a:ln>
+        </p:spPr>
+        <p:style>
+          <a:lnRef idx="1">
+            <a:schemeClr val="accent1"/>
+          </a:lnRef>
+          <a:fillRef idx="0">
+            <a:schemeClr val="accent1"/>
+          </a:fillRef>
+          <a:effectRef idx="0">
+            <a:schemeClr val="accent1"/>
+          </a:effectRef>
+          <a:fontRef idx="minor">
+            <a:schemeClr val="tx1"/>
+          </a:fontRef>
+        </p:style>
+      </p:cxnSp>
+      <mc:AlternateContent xmlns:mc="http://schemas.openxmlformats.org/markup-compatibility/2006">
+        <mc:Choice xmlns:a14="http://schemas.microsoft.com/office/drawing/2010/main" Requires="a14">
+          <p:sp>
+            <p:nvSpPr>
+              <p:cNvPr id="9" name="Oval 8"/>
+              <p:cNvSpPr/>
+              <p:nvPr/>
+            </p:nvSpPr>
+            <p:spPr>
+              <a:xfrm>
+                <a:off x="3771528" y="1551180"/>
+                <a:ext cx="792088" cy="792088"/>
+              </a:xfrm>
+              <a:prstGeom prst="ellipse">
+                <a:avLst/>
+              </a:prstGeom>
+              <a:noFill/>
+              <a:ln>
+                <a:solidFill>
+                  <a:schemeClr val="tx1"/>
+                </a:solidFill>
+              </a:ln>
+            </p:spPr>
+            <p:style>
+              <a:lnRef idx="2">
+                <a:schemeClr val="accent1">
+                  <a:shade val="50000"/>
+                </a:schemeClr>
+              </a:lnRef>
+              <a:fillRef idx="1">
+                <a:schemeClr val="accent1"/>
+              </a:fillRef>
+              <a:effectRef idx="0">
+                <a:schemeClr val="accent1"/>
+              </a:effectRef>
+              <a:fontRef idx="minor">
+                <a:schemeClr val="lt1"/>
+              </a:fontRef>
+            </p:style>
+            <p:txBody>
+              <a:bodyPr rtlCol="0" anchor="ctr"/>
+              <a:lstStyle/>
+              <a:p>
+                <a:pPr algn="ctr"/>
+                <a14:m>
+                  <m:oMathPara xmlns:m="http://schemas.openxmlformats.org/officeDocument/2006/math">
+                    <m:oMathParaPr>
+                      <m:jc m:val="centerGroup"/>
+                    </m:oMathParaPr>
+                    <m:oMath xmlns:m="http://schemas.openxmlformats.org/officeDocument/2006/math">
+                      <m:sSub>
+                        <m:sSubPr>
+                          <m:ctrlPr>
+                            <a:rPr lang="en-US" i="1" dirty="0" smtClean="0">
+                              <a:solidFill>
+                                <a:schemeClr val="tx1"/>
+                              </a:solidFill>
+                              <a:latin typeface="Cambria Math" charset="0"/>
+                            </a:rPr>
+                          </m:ctrlPr>
+                        </m:sSubPr>
+                        <m:e>
+                          <m:r>
+                            <a:rPr lang="en-AU" b="0" i="1" dirty="0" smtClean="0">
+                              <a:solidFill>
+                                <a:schemeClr val="tx1"/>
+                              </a:solidFill>
+                              <a:latin typeface="Cambria Math" charset="0"/>
+                            </a:rPr>
+                            <m:t>𝑆</m:t>
+                          </m:r>
+                        </m:e>
+                        <m:sub>
+                          <m:r>
+                            <a:rPr lang="en-AU" b="0" i="1" dirty="0" smtClean="0">
+                              <a:solidFill>
+                                <a:schemeClr val="tx1"/>
+                              </a:solidFill>
+                              <a:latin typeface="Cambria Math" charset="0"/>
+                            </a:rPr>
+                            <m:t>1</m:t>
+                          </m:r>
+                        </m:sub>
+                      </m:sSub>
+                    </m:oMath>
+                  </m:oMathPara>
+                </a14:m>
+                <a:endParaRPr lang="en-US" dirty="0">
+                  <a:solidFill>
+                    <a:schemeClr val="tx1"/>
+                  </a:solidFill>
+                </a:endParaRPr>
+              </a:p>
+            </p:txBody>
+          </p:sp>
+        </mc:Choice>
+        <mc:Fallback>
+          <p:sp>
+            <p:nvSpPr>
+              <p:cNvPr id="9" name="Oval 8"/>
+              <p:cNvSpPr>
+                <a:spLocks noRot="1" noChangeAspect="1" noMove="1" noResize="1" noEditPoints="1" noAdjustHandles="1" noChangeArrowheads="1" noChangeShapeType="1" noTextEdit="1"/>
+              </p:cNvSpPr>
+              <p:nvPr/>
+            </p:nvSpPr>
+            <p:spPr>
+              <a:xfrm>
+                <a:off x="3771528" y="1551180"/>
+                <a:ext cx="792088" cy="792088"/>
+              </a:xfrm>
+              <a:prstGeom prst="ellipse">
+                <a:avLst/>
+              </a:prstGeom>
+              <a:blipFill rotWithShape="0">
+                <a:blip r:embed="rId4"/>
+                <a:stretch>
+                  <a:fillRect/>
+                </a:stretch>
+              </a:blipFill>
+              <a:ln>
+                <a:solidFill>
+                  <a:schemeClr val="tx1"/>
+                </a:solidFill>
+              </a:ln>
+            </p:spPr>
+            <p:txBody>
+              <a:bodyPr/>
+              <a:lstStyle/>
+              <a:p>
+                <a:r>
+                  <a:rPr lang="en-US">
+                    <a:noFill/>
+                  </a:rPr>
+                  <a:t> </a:t>
+                </a:r>
+              </a:p>
+            </p:txBody>
+          </p:sp>
+        </mc:Fallback>
+      </mc:AlternateContent>
+      <mc:AlternateContent xmlns:mc="http://schemas.openxmlformats.org/markup-compatibility/2006">
+        <mc:Choice xmlns:a14="http://schemas.microsoft.com/office/drawing/2010/main" Requires="a14">
+          <p:sp>
+            <p:nvSpPr>
+              <p:cNvPr id="11" name="Oval 10"/>
+              <p:cNvSpPr/>
+              <p:nvPr/>
+            </p:nvSpPr>
+            <p:spPr>
+              <a:xfrm>
+                <a:off x="7211144" y="1565176"/>
+                <a:ext cx="792088" cy="792088"/>
+              </a:xfrm>
+              <a:prstGeom prst="ellipse">
+                <a:avLst/>
+              </a:prstGeom>
+              <a:noFill/>
+              <a:ln>
+                <a:solidFill>
+                  <a:schemeClr val="tx1"/>
+                </a:solidFill>
+              </a:ln>
+            </p:spPr>
+            <p:style>
+              <a:lnRef idx="2">
+                <a:schemeClr val="accent1">
+                  <a:shade val="50000"/>
+                </a:schemeClr>
+              </a:lnRef>
+              <a:fillRef idx="1">
+                <a:schemeClr val="accent1"/>
+              </a:fillRef>
+              <a:effectRef idx="0">
+                <a:schemeClr val="accent1"/>
+              </a:effectRef>
+              <a:fontRef idx="minor">
+                <a:schemeClr val="lt1"/>
+              </a:fontRef>
+            </p:style>
+            <p:txBody>
+              <a:bodyPr rtlCol="0" anchor="ctr"/>
+              <a:lstStyle/>
+              <a:p>
+                <a:pPr algn="ctr"/>
+                <a14:m>
+                  <m:oMathPara xmlns:m="http://schemas.openxmlformats.org/officeDocument/2006/math">
+                    <m:oMathParaPr>
+                      <m:jc m:val="centerGroup"/>
+                    </m:oMathParaPr>
+                    <m:oMath xmlns:m="http://schemas.openxmlformats.org/officeDocument/2006/math">
+                      <m:sSub>
+                        <m:sSubPr>
+                          <m:ctrlPr>
+                            <a:rPr lang="en-US" i="1" dirty="0" smtClean="0">
+                              <a:solidFill>
+                                <a:schemeClr val="tx1"/>
+                              </a:solidFill>
+                              <a:latin typeface="Cambria Math" charset="0"/>
+                            </a:rPr>
+                          </m:ctrlPr>
+                        </m:sSubPr>
+                        <m:e>
+                          <m:r>
+                            <a:rPr lang="en-AU" b="0" i="1" dirty="0" smtClean="0">
+                              <a:solidFill>
+                                <a:schemeClr val="tx1"/>
+                              </a:solidFill>
+                              <a:latin typeface="Cambria Math" charset="0"/>
+                            </a:rPr>
+                            <m:t>𝑆</m:t>
+                          </m:r>
+                        </m:e>
+                        <m:sub>
+                          <m:r>
+                            <a:rPr lang="en-AU" b="0" i="1" dirty="0" smtClean="0">
+                              <a:solidFill>
+                                <a:schemeClr val="tx1"/>
+                              </a:solidFill>
+                              <a:latin typeface="Cambria Math" charset="0"/>
+                            </a:rPr>
+                            <m:t>𝑜</m:t>
+                          </m:r>
+                        </m:sub>
+                      </m:sSub>
+                    </m:oMath>
+                  </m:oMathPara>
+                </a14:m>
+                <a:endParaRPr lang="en-US" dirty="0">
+                  <a:solidFill>
+                    <a:schemeClr val="tx1"/>
+                  </a:solidFill>
+                </a:endParaRPr>
+              </a:p>
+            </p:txBody>
+          </p:sp>
+        </mc:Choice>
+        <mc:Fallback>
+          <p:sp>
+            <p:nvSpPr>
+              <p:cNvPr id="11" name="Oval 10"/>
+              <p:cNvSpPr>
+                <a:spLocks noRot="1" noChangeAspect="1" noMove="1" noResize="1" noEditPoints="1" noAdjustHandles="1" noChangeArrowheads="1" noChangeShapeType="1" noTextEdit="1"/>
+              </p:cNvSpPr>
+              <p:nvPr/>
+            </p:nvSpPr>
+            <p:spPr>
+              <a:xfrm>
+                <a:off x="7211144" y="1565176"/>
+                <a:ext cx="792088" cy="792088"/>
+              </a:xfrm>
+              <a:prstGeom prst="ellipse">
+                <a:avLst/>
+              </a:prstGeom>
+              <a:blipFill rotWithShape="0">
+                <a:blip r:embed="rId5"/>
+                <a:stretch>
+                  <a:fillRect/>
+                </a:stretch>
+              </a:blipFill>
+              <a:ln>
+                <a:solidFill>
+                  <a:schemeClr val="tx1"/>
+                </a:solidFill>
+              </a:ln>
+            </p:spPr>
+            <p:txBody>
+              <a:bodyPr/>
+              <a:lstStyle/>
+              <a:p>
+                <a:r>
+                  <a:rPr lang="en-US">
+                    <a:noFill/>
+                  </a:rPr>
+                  <a:t> </a:t>
+                </a:r>
+              </a:p>
+            </p:txBody>
+          </p:sp>
+        </mc:Fallback>
+      </mc:AlternateContent>
+      <mc:AlternateContent xmlns:mc="http://schemas.openxmlformats.org/markup-compatibility/2006">
+        <mc:Choice xmlns:a14="http://schemas.microsoft.com/office/drawing/2010/main" Requires="a14">
+          <p:sp>
+            <p:nvSpPr>
+              <p:cNvPr id="12" name="Oval 11"/>
+              <p:cNvSpPr/>
+              <p:nvPr/>
+            </p:nvSpPr>
+            <p:spPr>
+              <a:xfrm>
+                <a:off x="8930952" y="1565176"/>
+                <a:ext cx="792088" cy="792088"/>
+              </a:xfrm>
+              <a:prstGeom prst="ellipse">
+                <a:avLst/>
+              </a:prstGeom>
+              <a:noFill/>
+              <a:ln>
+                <a:solidFill>
+                  <a:schemeClr val="tx1"/>
+                </a:solidFill>
+              </a:ln>
+            </p:spPr>
+            <p:style>
+              <a:lnRef idx="2">
+                <a:schemeClr val="accent1">
+                  <a:shade val="50000"/>
+                </a:schemeClr>
+              </a:lnRef>
+              <a:fillRef idx="1">
+                <a:schemeClr val="accent1"/>
+              </a:fillRef>
+              <a:effectRef idx="0">
+                <a:schemeClr val="accent1"/>
+              </a:effectRef>
+              <a:fontRef idx="minor">
+                <a:schemeClr val="lt1"/>
+              </a:fontRef>
+            </p:style>
+            <p:txBody>
+              <a:bodyPr rtlCol="0" anchor="ctr"/>
+              <a:lstStyle/>
+              <a:p>
+                <a:pPr algn="ctr"/>
+                <a14:m>
+                  <m:oMathPara xmlns:m="http://schemas.openxmlformats.org/officeDocument/2006/math">
+                    <m:oMathParaPr>
+                      <m:jc m:val="centerGroup"/>
+                    </m:oMathParaPr>
+                    <m:oMath xmlns:m="http://schemas.openxmlformats.org/officeDocument/2006/math">
+                      <m:sSub>
+                        <m:sSubPr>
+                          <m:ctrlPr>
+                            <a:rPr lang="en-US" i="1" dirty="0" smtClean="0">
+                              <a:solidFill>
+                                <a:schemeClr val="tx1"/>
+                              </a:solidFill>
+                              <a:latin typeface="Cambria Math" charset="0"/>
+                            </a:rPr>
+                          </m:ctrlPr>
+                        </m:sSubPr>
+                        <m:e>
+                          <m:r>
+                            <a:rPr lang="en-AU" b="0" i="1" dirty="0" smtClean="0">
+                              <a:solidFill>
+                                <a:schemeClr val="tx1"/>
+                              </a:solidFill>
+                              <a:latin typeface="Cambria Math" charset="0"/>
+                            </a:rPr>
+                            <m:t>𝑆</m:t>
+                          </m:r>
+                        </m:e>
+                        <m:sub>
+                          <m:r>
+                            <a:rPr lang="en-AU" b="0" i="1" dirty="0" smtClean="0">
+                              <a:solidFill>
+                                <a:schemeClr val="tx1"/>
+                              </a:solidFill>
+                              <a:latin typeface="Cambria Math" charset="0"/>
+                            </a:rPr>
+                            <m:t>𝑒</m:t>
+                          </m:r>
+                        </m:sub>
+                      </m:sSub>
+                    </m:oMath>
+                  </m:oMathPara>
+                </a14:m>
+                <a:endParaRPr lang="en-US" dirty="0">
+                  <a:solidFill>
+                    <a:schemeClr val="tx1"/>
+                  </a:solidFill>
+                </a:endParaRPr>
+              </a:p>
+            </p:txBody>
+          </p:sp>
+        </mc:Choice>
+        <mc:Fallback>
+          <p:sp>
+            <p:nvSpPr>
+              <p:cNvPr id="12" name="Oval 11"/>
+              <p:cNvSpPr>
+                <a:spLocks noRot="1" noChangeAspect="1" noMove="1" noResize="1" noEditPoints="1" noAdjustHandles="1" noChangeArrowheads="1" noChangeShapeType="1" noTextEdit="1"/>
+              </p:cNvSpPr>
+              <p:nvPr/>
+            </p:nvSpPr>
+            <p:spPr>
+              <a:xfrm>
+                <a:off x="8930952" y="1565176"/>
+                <a:ext cx="792088" cy="792088"/>
+              </a:xfrm>
+              <a:prstGeom prst="ellipse">
+                <a:avLst/>
+              </a:prstGeom>
+              <a:blipFill rotWithShape="0">
+                <a:blip r:embed="rId6"/>
+                <a:stretch>
+                  <a:fillRect/>
+                </a:stretch>
+              </a:blipFill>
+              <a:ln>
+                <a:solidFill>
+                  <a:schemeClr val="tx1"/>
+                </a:solidFill>
+              </a:ln>
+            </p:spPr>
+            <p:txBody>
+              <a:bodyPr/>
+              <a:lstStyle/>
+              <a:p>
+                <a:r>
+                  <a:rPr lang="en-US">
+                    <a:noFill/>
+                  </a:rPr>
+                  <a:t> </a:t>
+                </a:r>
+              </a:p>
+            </p:txBody>
+          </p:sp>
+        </mc:Fallback>
+      </mc:AlternateContent>
+      <p:cxnSp>
+        <p:nvCxnSpPr>
+          <p:cNvPr id="14" name="Straight Arrow Connector 13"/>
+          <p:cNvCxnSpPr>
+            <a:stCxn id="4" idx="6"/>
+            <a:endCxn id="9" idx="2"/>
+          </p:cNvCxnSpPr>
+          <p:nvPr/>
+        </p:nvCxnSpPr>
+        <p:spPr>
+          <a:xfrm flipV="1">
+            <a:off x="2843808" y="1947224"/>
+            <a:ext cx="927720" cy="13996"/>
+          </a:xfrm>
+          <a:prstGeom prst="straightConnector1">
+            <a:avLst/>
+          </a:prstGeom>
+          <a:ln>
+            <a:solidFill>
+              <a:schemeClr val="tx1"/>
+            </a:solidFill>
+            <a:tailEnd type="triangle"/>
+          </a:ln>
+        </p:spPr>
+        <p:style>
+          <a:lnRef idx="1">
+            <a:schemeClr val="accent1"/>
+          </a:lnRef>
+          <a:fillRef idx="0">
+            <a:schemeClr val="accent1"/>
+          </a:fillRef>
+          <a:effectRef idx="0">
+            <a:schemeClr val="accent1"/>
+          </a:effectRef>
+          <a:fontRef idx="minor">
+            <a:schemeClr val="tx1"/>
+          </a:fontRef>
+        </p:style>
+      </p:cxnSp>
+      <p:cxnSp>
+        <p:nvCxnSpPr>
+          <p:cNvPr id="16" name="Straight Arrow Connector 15"/>
+          <p:cNvCxnSpPr>
+            <a:stCxn id="9" idx="6"/>
+          </p:cNvCxnSpPr>
+          <p:nvPr/>
+        </p:nvCxnSpPr>
+        <p:spPr>
+          <a:xfrm>
+            <a:off x="4563616" y="1947224"/>
+            <a:ext cx="927720" cy="13996"/>
+          </a:xfrm>
+          <a:prstGeom prst="straightConnector1">
+            <a:avLst/>
+          </a:prstGeom>
+          <a:ln>
+            <a:solidFill>
+              <a:schemeClr val="tx1"/>
+            </a:solidFill>
+            <a:tailEnd type="triangle"/>
+          </a:ln>
+        </p:spPr>
+        <p:style>
+          <a:lnRef idx="1">
+            <a:schemeClr val="accent1"/>
+          </a:lnRef>
+          <a:fillRef idx="0">
+            <a:schemeClr val="accent1"/>
+          </a:fillRef>
+          <a:effectRef idx="0">
+            <a:schemeClr val="accent1"/>
+          </a:effectRef>
+          <a:fontRef idx="minor">
+            <a:schemeClr val="tx1"/>
+          </a:fontRef>
+        </p:style>
+      </p:cxnSp>
+      <p:cxnSp>
+        <p:nvCxnSpPr>
+          <p:cNvPr id="18" name="Straight Arrow Connector 17"/>
+          <p:cNvCxnSpPr>
+            <a:endCxn id="11" idx="2"/>
+          </p:cNvCxnSpPr>
+          <p:nvPr/>
+        </p:nvCxnSpPr>
+        <p:spPr>
+          <a:xfrm>
+            <a:off x="6283424" y="1961220"/>
+            <a:ext cx="927720" cy="0"/>
+          </a:xfrm>
+          <a:prstGeom prst="straightConnector1">
+            <a:avLst/>
+          </a:prstGeom>
+          <a:ln>
+            <a:solidFill>
+              <a:schemeClr val="tx1"/>
+            </a:solidFill>
+            <a:tailEnd type="triangle"/>
+          </a:ln>
+        </p:spPr>
+        <p:style>
+          <a:lnRef idx="1">
+            <a:schemeClr val="accent1"/>
+          </a:lnRef>
+          <a:fillRef idx="0">
+            <a:schemeClr val="accent1"/>
+          </a:fillRef>
+          <a:effectRef idx="0">
+            <a:schemeClr val="accent1"/>
+          </a:effectRef>
+          <a:fontRef idx="minor">
+            <a:schemeClr val="tx1"/>
+          </a:fontRef>
+        </p:style>
+      </p:cxnSp>
+      <p:cxnSp>
+        <p:nvCxnSpPr>
+          <p:cNvPr id="20" name="Straight Arrow Connector 19"/>
+          <p:cNvCxnSpPr>
+            <a:stCxn id="11" idx="6"/>
+            <a:endCxn id="12" idx="2"/>
+          </p:cNvCxnSpPr>
+          <p:nvPr/>
+        </p:nvCxnSpPr>
+        <p:spPr>
+          <a:xfrm>
+            <a:off x="8003232" y="1961220"/>
+            <a:ext cx="927720" cy="0"/>
+          </a:xfrm>
+          <a:prstGeom prst="straightConnector1">
+            <a:avLst/>
+          </a:prstGeom>
+          <a:ln>
+            <a:solidFill>
+              <a:schemeClr val="tx1"/>
+            </a:solidFill>
+            <a:tailEnd type="triangle"/>
+          </a:ln>
+        </p:spPr>
+        <p:style>
+          <a:lnRef idx="1">
+            <a:schemeClr val="accent1"/>
+          </a:lnRef>
+          <a:fillRef idx="0">
+            <a:schemeClr val="accent1"/>
+          </a:fillRef>
+          <a:effectRef idx="0">
+            <a:schemeClr val="accent1"/>
+          </a:effectRef>
+          <a:fontRef idx="minor">
+            <a:schemeClr val="tx1"/>
+          </a:fontRef>
+        </p:style>
+      </p:cxnSp>
+      <mc:AlternateContent xmlns:mc="http://schemas.openxmlformats.org/markup-compatibility/2006">
+        <mc:Choice xmlns:a14="http://schemas.microsoft.com/office/drawing/2010/main" Requires="a14">
+          <p:sp>
+            <p:nvSpPr>
+              <p:cNvPr id="21" name="TextBox 20"/>
+              <p:cNvSpPr txBox="1"/>
+              <p:nvPr/>
+            </p:nvSpPr>
+            <p:spPr>
+              <a:xfrm>
+                <a:off x="1286170" y="1619508"/>
+                <a:ext cx="576064" cy="369332"/>
+              </a:xfrm>
+              <a:prstGeom prst="rect">
+                <a:avLst/>
+              </a:prstGeom>
+              <a:noFill/>
+            </p:spPr>
+            <p:txBody>
+              <a:bodyPr wrap="square" rtlCol="0">
+                <a:spAutoFit/>
+              </a:bodyPr>
+              <a:lstStyle/>
+              <a:p>
+                <a14:m>
+                  <m:oMathPara xmlns:m="http://schemas.openxmlformats.org/officeDocument/2006/math">
+                    <m:oMathParaPr>
+                      <m:jc m:val="centerGroup"/>
+                    </m:oMathParaPr>
+                    <m:oMath xmlns:m="http://schemas.openxmlformats.org/officeDocument/2006/math">
+                      <m:r>
+                        <a:rPr lang="en-AU" b="0" i="1" smtClean="0">
+                          <a:latin typeface="Cambria Math" charset="0"/>
+                        </a:rPr>
+                        <m:t>𝑖</m:t>
+                      </m:r>
+                    </m:oMath>
+                  </m:oMathPara>
+                </a14:m>
+                <a:endParaRPr lang="en-US" dirty="0"/>
+              </a:p>
+            </p:txBody>
+          </p:sp>
+        </mc:Choice>
+        <mc:Fallback>
+          <p:sp>
+            <p:nvSpPr>
+              <p:cNvPr id="21" name="TextBox 20"/>
+              <p:cNvSpPr txBox="1">
+                <a:spLocks noRot="1" noChangeAspect="1" noMove="1" noResize="1" noEditPoints="1" noAdjustHandles="1" noChangeArrowheads="1" noChangeShapeType="1" noTextEdit="1"/>
+              </p:cNvSpPr>
+              <p:nvPr/>
+            </p:nvSpPr>
+            <p:spPr>
+              <a:xfrm>
+                <a:off x="1286170" y="1619508"/>
+                <a:ext cx="576064" cy="369332"/>
+              </a:xfrm>
+              <a:prstGeom prst="rect">
+                <a:avLst/>
+              </a:prstGeom>
+              <a:blipFill rotWithShape="0">
+                <a:blip r:embed="rId7"/>
+                <a:stretch>
+                  <a:fillRect/>
+                </a:stretch>
+              </a:blipFill>
+            </p:spPr>
+            <p:txBody>
+              <a:bodyPr/>
+              <a:lstStyle/>
+              <a:p>
+                <a:r>
+                  <a:rPr lang="en-US">
+                    <a:noFill/>
+                  </a:rPr>
+                  <a:t> </a:t>
+                </a:r>
+              </a:p>
+            </p:txBody>
+          </p:sp>
+        </mc:Fallback>
+      </mc:AlternateContent>
+      <mc:AlternateContent xmlns:mc="http://schemas.openxmlformats.org/markup-compatibility/2006">
+        <mc:Choice xmlns:a14="http://schemas.microsoft.com/office/drawing/2010/main" Requires="a14">
+          <p:sp>
+            <p:nvSpPr>
+              <p:cNvPr id="22" name="TextBox 21"/>
+              <p:cNvSpPr txBox="1"/>
+              <p:nvPr/>
+            </p:nvSpPr>
+            <p:spPr>
+              <a:xfrm>
+                <a:off x="2987824" y="1551180"/>
+                <a:ext cx="576064" cy="369332"/>
+              </a:xfrm>
+              <a:prstGeom prst="rect">
+                <a:avLst/>
+              </a:prstGeom>
+              <a:noFill/>
+            </p:spPr>
+            <p:txBody>
+              <a:bodyPr wrap="square" rtlCol="0">
+                <a:spAutoFit/>
+              </a:bodyPr>
+              <a:lstStyle/>
+              <a:p>
+                <a14:m>
+                  <m:oMathPara xmlns:m="http://schemas.openxmlformats.org/officeDocument/2006/math">
+                    <m:oMathParaPr>
+                      <m:jc m:val="centerGroup"/>
+                    </m:oMathParaPr>
+                    <m:oMath xmlns:m="http://schemas.openxmlformats.org/officeDocument/2006/math">
+                      <m:r>
+                        <a:rPr lang="en-AU" b="0" i="1" dirty="0" smtClean="0">
+                          <a:latin typeface="Cambria Math" charset="0"/>
+                        </a:rPr>
+                        <m:t>[</m:t>
+                      </m:r>
+                      <m:sSub>
+                        <m:sSubPr>
+                          <m:ctrlPr>
+                            <a:rPr lang="en-US" i="1" dirty="0">
+                              <a:latin typeface="Cambria Math" charset="0"/>
+                            </a:rPr>
+                          </m:ctrlPr>
+                        </m:sSubPr>
+                        <m:e>
+                          <m:r>
+                            <a:rPr lang="en-AU" b="0" i="1" dirty="0" smtClean="0">
+                              <a:latin typeface="Cambria Math" charset="0"/>
+                            </a:rPr>
+                            <m:t>𝑤</m:t>
+                          </m:r>
+                        </m:e>
+                        <m:sub>
+                          <m:r>
+                            <a:rPr lang="en-AU" b="0" i="1" dirty="0" smtClean="0">
+                              <a:latin typeface="Cambria Math" charset="0"/>
+                            </a:rPr>
+                            <m:t>1</m:t>
+                          </m:r>
+                        </m:sub>
+                      </m:sSub>
+                      <m:r>
+                        <a:rPr lang="en-AU" b="0" i="1" dirty="0" smtClean="0">
+                          <a:latin typeface="Cambria Math" charset="0"/>
+                        </a:rPr>
+                        <m:t>]</m:t>
+                      </m:r>
+                      <m:sSub>
+                        <m:sSubPr>
+                          <m:ctrlPr>
+                            <a:rPr lang="en-US" b="0" i="1" dirty="0" smtClean="0">
+                              <a:latin typeface="Cambria Math" charset="0"/>
+                            </a:rPr>
+                          </m:ctrlPr>
+                        </m:sSubPr>
+                        <m:e>
+                          <m:r>
+                            <a:rPr lang="en-AU" b="0" i="1" dirty="0" smtClean="0">
+                              <a:latin typeface="Cambria Math" charset="0"/>
+                            </a:rPr>
+                            <m:t>𝑓</m:t>
+                          </m:r>
+                        </m:e>
+                        <m:sub>
+                          <m:r>
+                            <a:rPr lang="en-AU" b="0" i="1" dirty="0" smtClean="0">
+                              <a:latin typeface="Cambria Math" charset="0"/>
+                            </a:rPr>
+                            <m:t>1</m:t>
+                          </m:r>
+                        </m:sub>
+                      </m:sSub>
+                    </m:oMath>
+                  </m:oMathPara>
+                </a14:m>
+                <a:endParaRPr lang="en-US" dirty="0"/>
+              </a:p>
+            </p:txBody>
+          </p:sp>
+        </mc:Choice>
+        <mc:Fallback>
+          <p:sp>
+            <p:nvSpPr>
+              <p:cNvPr id="22" name="TextBox 21"/>
+              <p:cNvSpPr txBox="1">
+                <a:spLocks noRot="1" noChangeAspect="1" noMove="1" noResize="1" noEditPoints="1" noAdjustHandles="1" noChangeArrowheads="1" noChangeShapeType="1" noTextEdit="1"/>
+              </p:cNvSpPr>
+              <p:nvPr/>
+            </p:nvSpPr>
+            <p:spPr>
+              <a:xfrm>
+                <a:off x="2987824" y="1551180"/>
+                <a:ext cx="576064" cy="369332"/>
+              </a:xfrm>
+              <a:prstGeom prst="rect">
+                <a:avLst/>
+              </a:prstGeom>
+              <a:blipFill rotWithShape="0">
+                <a:blip r:embed="rId8"/>
+                <a:stretch>
+                  <a:fillRect l="-3158" r="-31579" b="-13115"/>
+                </a:stretch>
+              </a:blipFill>
+            </p:spPr>
+            <p:txBody>
+              <a:bodyPr/>
+              <a:lstStyle/>
+              <a:p>
+                <a:r>
+                  <a:rPr lang="en-US">
+                    <a:noFill/>
+                  </a:rPr>
+                  <a:t> </a:t>
+                </a:r>
+              </a:p>
+            </p:txBody>
+          </p:sp>
+        </mc:Fallback>
+      </mc:AlternateContent>
+      <mc:AlternateContent xmlns:mc="http://schemas.openxmlformats.org/markup-compatibility/2006">
+        <mc:Choice xmlns:a14="http://schemas.microsoft.com/office/drawing/2010/main" Requires="a14">
+          <p:sp>
+            <p:nvSpPr>
+              <p:cNvPr id="23" name="TextBox 22"/>
+              <p:cNvSpPr txBox="1"/>
+              <p:nvPr/>
+            </p:nvSpPr>
+            <p:spPr>
+              <a:xfrm>
+                <a:off x="4644008" y="1556792"/>
+                <a:ext cx="576064" cy="369332"/>
+              </a:xfrm>
+              <a:prstGeom prst="rect">
+                <a:avLst/>
+              </a:prstGeom>
+              <a:noFill/>
+            </p:spPr>
+            <p:txBody>
+              <a:bodyPr wrap="square" rtlCol="0">
+                <a:spAutoFit/>
+              </a:bodyPr>
+              <a:lstStyle/>
+              <a:p>
+                <a14:m>
+                  <m:oMathPara xmlns:m="http://schemas.openxmlformats.org/officeDocument/2006/math">
+                    <m:oMathParaPr>
+                      <m:jc m:val="centerGroup"/>
+                    </m:oMathParaPr>
+                    <m:oMath xmlns:m="http://schemas.openxmlformats.org/officeDocument/2006/math">
+                      <m:r>
+                        <a:rPr lang="en-AU" b="0" i="1" dirty="0" smtClean="0">
+                          <a:latin typeface="Cambria Math" charset="0"/>
+                        </a:rPr>
+                        <m:t>[</m:t>
+                      </m:r>
+                      <m:sSub>
+                        <m:sSubPr>
+                          <m:ctrlPr>
+                            <a:rPr lang="en-US" i="1" dirty="0">
+                              <a:latin typeface="Cambria Math" charset="0"/>
+                            </a:rPr>
+                          </m:ctrlPr>
+                        </m:sSubPr>
+                        <m:e>
+                          <m:r>
+                            <a:rPr lang="en-AU" b="0" i="1" dirty="0" smtClean="0">
+                              <a:latin typeface="Cambria Math" charset="0"/>
+                            </a:rPr>
+                            <m:t>𝑤</m:t>
+                          </m:r>
+                        </m:e>
+                        <m:sub>
+                          <m:r>
+                            <a:rPr lang="en-AU" b="0" i="1" dirty="0" smtClean="0">
+                              <a:latin typeface="Cambria Math" charset="0"/>
+                            </a:rPr>
+                            <m:t>2</m:t>
+                          </m:r>
+                        </m:sub>
+                      </m:sSub>
+                      <m:r>
+                        <a:rPr lang="en-AU" b="0" i="1" dirty="0" smtClean="0">
+                          <a:latin typeface="Cambria Math" charset="0"/>
+                        </a:rPr>
+                        <m:t>]</m:t>
+                      </m:r>
+                      <m:sSub>
+                        <m:sSubPr>
+                          <m:ctrlPr>
+                            <a:rPr lang="en-US" b="0" i="1" dirty="0" smtClean="0">
+                              <a:latin typeface="Cambria Math" charset="0"/>
+                            </a:rPr>
+                          </m:ctrlPr>
+                        </m:sSubPr>
+                        <m:e>
+                          <m:r>
+                            <a:rPr lang="en-AU" b="0" i="1" dirty="0" smtClean="0">
+                              <a:latin typeface="Cambria Math" charset="0"/>
+                            </a:rPr>
+                            <m:t>𝑓</m:t>
+                          </m:r>
+                        </m:e>
+                        <m:sub>
+                          <m:r>
+                            <a:rPr lang="en-AU" b="0" i="1" dirty="0" smtClean="0">
+                              <a:latin typeface="Cambria Math" charset="0"/>
+                            </a:rPr>
+                            <m:t>2</m:t>
+                          </m:r>
+                        </m:sub>
+                      </m:sSub>
+                    </m:oMath>
+                  </m:oMathPara>
+                </a14:m>
+                <a:endParaRPr lang="en-US" dirty="0"/>
+              </a:p>
+            </p:txBody>
+          </p:sp>
+        </mc:Choice>
+        <mc:Fallback>
+          <p:sp>
+            <p:nvSpPr>
+              <p:cNvPr id="23" name="TextBox 22"/>
+              <p:cNvSpPr txBox="1">
+                <a:spLocks noRot="1" noChangeAspect="1" noMove="1" noResize="1" noEditPoints="1" noAdjustHandles="1" noChangeArrowheads="1" noChangeShapeType="1" noTextEdit="1"/>
+              </p:cNvSpPr>
+              <p:nvPr/>
+            </p:nvSpPr>
+            <p:spPr>
+              <a:xfrm>
+                <a:off x="4644008" y="1556792"/>
+                <a:ext cx="576064" cy="369332"/>
+              </a:xfrm>
+              <a:prstGeom prst="rect">
+                <a:avLst/>
+              </a:prstGeom>
+              <a:blipFill rotWithShape="0">
+                <a:blip r:embed="rId9"/>
+                <a:stretch>
+                  <a:fillRect l="-3191" r="-32979" b="-13115"/>
+                </a:stretch>
+              </a:blipFill>
+            </p:spPr>
+            <p:txBody>
+              <a:bodyPr/>
+              <a:lstStyle/>
+              <a:p>
+                <a:r>
+                  <a:rPr lang="en-US">
+                    <a:noFill/>
+                  </a:rPr>
+                  <a:t> </a:t>
+                </a:r>
+              </a:p>
+            </p:txBody>
+          </p:sp>
+        </mc:Fallback>
+      </mc:AlternateContent>
+      <mc:AlternateContent xmlns:mc="http://schemas.openxmlformats.org/markup-compatibility/2006">
+        <mc:Choice xmlns:a14="http://schemas.microsoft.com/office/drawing/2010/main" Requires="a14">
+          <p:sp>
+            <p:nvSpPr>
+              <p:cNvPr id="24" name="TextBox 23"/>
+              <p:cNvSpPr txBox="1"/>
+              <p:nvPr/>
+            </p:nvSpPr>
+            <p:spPr>
+              <a:xfrm>
+                <a:off x="6372200" y="1556792"/>
+                <a:ext cx="576064" cy="369332"/>
+              </a:xfrm>
+              <a:prstGeom prst="rect">
+                <a:avLst/>
+              </a:prstGeom>
+              <a:noFill/>
+            </p:spPr>
+            <p:txBody>
+              <a:bodyPr wrap="square" rtlCol="0">
+                <a:spAutoFit/>
+              </a:bodyPr>
+              <a:lstStyle/>
+              <a:p>
+                <a14:m>
+                  <m:oMathPara xmlns:m="http://schemas.openxmlformats.org/officeDocument/2006/math">
+                    <m:oMathParaPr>
+                      <m:jc m:val="centerGroup"/>
+                    </m:oMathParaPr>
+                    <m:oMath xmlns:m="http://schemas.openxmlformats.org/officeDocument/2006/math">
+                      <m:r>
+                        <a:rPr lang="en-AU" b="0" i="1" dirty="0" smtClean="0">
+                          <a:latin typeface="Cambria Math" charset="0"/>
+                        </a:rPr>
+                        <m:t>[</m:t>
+                      </m:r>
+                      <m:sSub>
+                        <m:sSubPr>
+                          <m:ctrlPr>
+                            <a:rPr lang="en-US" i="1" dirty="0">
+                              <a:latin typeface="Cambria Math" charset="0"/>
+                            </a:rPr>
+                          </m:ctrlPr>
+                        </m:sSubPr>
+                        <m:e>
+                          <m:r>
+                            <a:rPr lang="en-AU" b="0" i="1" dirty="0" smtClean="0">
+                              <a:latin typeface="Cambria Math" charset="0"/>
+                            </a:rPr>
+                            <m:t>𝑤</m:t>
+                          </m:r>
+                        </m:e>
+                        <m:sub>
+                          <m:r>
+                            <a:rPr lang="en-AU" b="0" i="1" dirty="0" smtClean="0">
+                              <a:latin typeface="Cambria Math" charset="0"/>
+                            </a:rPr>
+                            <m:t>𝑛</m:t>
+                          </m:r>
+                        </m:sub>
+                      </m:sSub>
+                      <m:r>
+                        <a:rPr lang="en-AU" b="0" i="1" dirty="0" smtClean="0">
+                          <a:latin typeface="Cambria Math" charset="0"/>
+                        </a:rPr>
+                        <m:t>]</m:t>
+                      </m:r>
+                      <m:sSub>
+                        <m:sSubPr>
+                          <m:ctrlPr>
+                            <a:rPr lang="en-US" b="0" i="1" dirty="0" smtClean="0">
+                              <a:latin typeface="Cambria Math" charset="0"/>
+                            </a:rPr>
+                          </m:ctrlPr>
+                        </m:sSubPr>
+                        <m:e>
+                          <m:r>
+                            <a:rPr lang="en-AU" b="0" i="1" dirty="0" smtClean="0">
+                              <a:latin typeface="Cambria Math" charset="0"/>
+                            </a:rPr>
+                            <m:t>𝑓</m:t>
+                          </m:r>
+                        </m:e>
+                        <m:sub>
+                          <m:r>
+                            <a:rPr lang="en-AU" b="0" i="1" dirty="0" smtClean="0">
+                              <a:latin typeface="Cambria Math" charset="0"/>
+                            </a:rPr>
+                            <m:t>𝑛</m:t>
+                          </m:r>
+                        </m:sub>
+                      </m:sSub>
+                    </m:oMath>
+                  </m:oMathPara>
+                </a14:m>
+                <a:endParaRPr lang="en-US" dirty="0"/>
+              </a:p>
+            </p:txBody>
+          </p:sp>
+        </mc:Choice>
+        <mc:Fallback>
+          <p:sp>
+            <p:nvSpPr>
+              <p:cNvPr id="24" name="TextBox 23"/>
+              <p:cNvSpPr txBox="1">
+                <a:spLocks noRot="1" noChangeAspect="1" noMove="1" noResize="1" noEditPoints="1" noAdjustHandles="1" noChangeArrowheads="1" noChangeShapeType="1" noTextEdit="1"/>
+              </p:cNvSpPr>
+              <p:nvPr/>
+            </p:nvSpPr>
+            <p:spPr>
+              <a:xfrm>
+                <a:off x="6372200" y="1556792"/>
+                <a:ext cx="576064" cy="369332"/>
+              </a:xfrm>
+              <a:prstGeom prst="rect">
+                <a:avLst/>
+              </a:prstGeom>
+              <a:blipFill rotWithShape="0">
+                <a:blip r:embed="rId10"/>
+                <a:stretch>
+                  <a:fillRect l="-3158" r="-32632" b="-13115"/>
+                </a:stretch>
+              </a:blipFill>
+            </p:spPr>
+            <p:txBody>
+              <a:bodyPr/>
+              <a:lstStyle/>
+              <a:p>
+                <a:r>
+                  <a:rPr lang="en-US">
+                    <a:noFill/>
+                  </a:rPr>
+                  <a:t> </a:t>
+                </a:r>
+              </a:p>
+            </p:txBody>
+          </p:sp>
+        </mc:Fallback>
+      </mc:AlternateContent>
+      <mc:AlternateContent xmlns:mc="http://schemas.openxmlformats.org/markup-compatibility/2006">
+        <mc:Choice xmlns:a14="http://schemas.microsoft.com/office/drawing/2010/main" Requires="a14">
+          <p:sp>
+            <p:nvSpPr>
+              <p:cNvPr id="25" name="TextBox 24"/>
+              <p:cNvSpPr txBox="1"/>
+              <p:nvPr/>
+            </p:nvSpPr>
+            <p:spPr>
+              <a:xfrm>
+                <a:off x="8244408" y="1619508"/>
+                <a:ext cx="576064" cy="369332"/>
+              </a:xfrm>
+              <a:prstGeom prst="rect">
+                <a:avLst/>
+              </a:prstGeom>
+              <a:noFill/>
+            </p:spPr>
+            <p:txBody>
+              <a:bodyPr wrap="square" rtlCol="0">
+                <a:spAutoFit/>
+              </a:bodyPr>
+              <a:lstStyle/>
+              <a:p>
+                <a14:m>
+                  <m:oMathPara xmlns:m="http://schemas.openxmlformats.org/officeDocument/2006/math">
+                    <m:oMathParaPr>
+                      <m:jc m:val="centerGroup"/>
+                    </m:oMathParaPr>
+                    <m:oMath xmlns:m="http://schemas.openxmlformats.org/officeDocument/2006/math">
+                      <m:r>
+                        <a:rPr lang="en-AU" b="0" i="1" smtClean="0">
+                          <a:latin typeface="Cambria Math" charset="0"/>
+                        </a:rPr>
+                        <m:t>𝑜</m:t>
+                      </m:r>
+                    </m:oMath>
+                  </m:oMathPara>
+                </a14:m>
+                <a:endParaRPr lang="en-US" dirty="0"/>
+              </a:p>
+            </p:txBody>
+          </p:sp>
+        </mc:Choice>
+        <mc:Fallback>
+          <p:sp>
+            <p:nvSpPr>
+              <p:cNvPr id="25" name="TextBox 24"/>
+              <p:cNvSpPr txBox="1">
+                <a:spLocks noRot="1" noChangeAspect="1" noMove="1" noResize="1" noEditPoints="1" noAdjustHandles="1" noChangeArrowheads="1" noChangeShapeType="1" noTextEdit="1"/>
+              </p:cNvSpPr>
+              <p:nvPr/>
+            </p:nvSpPr>
+            <p:spPr>
+              <a:xfrm>
+                <a:off x="8244408" y="1619508"/>
+                <a:ext cx="576064" cy="369332"/>
+              </a:xfrm>
+              <a:prstGeom prst="rect">
+                <a:avLst/>
+              </a:prstGeom>
+              <a:blipFill rotWithShape="0">
+                <a:blip r:embed="rId11"/>
+                <a:stretch>
+                  <a:fillRect/>
+                </a:stretch>
+              </a:blipFill>
+            </p:spPr>
+            <p:txBody>
+              <a:bodyPr/>
+              <a:lstStyle/>
+              <a:p>
+                <a:r>
+                  <a:rPr lang="en-US">
+                    <a:noFill/>
+                  </a:rPr>
+                  <a:t> </a:t>
+                </a:r>
+              </a:p>
+            </p:txBody>
+          </p:sp>
+        </mc:Fallback>
+      </mc:AlternateContent>
+    </p:spTree>
+    <p:extLst>
+      <p:ext uri="{BB962C8B-B14F-4D97-AF65-F5344CB8AC3E}">
+        <p14:creationId xmlns:p14="http://schemas.microsoft.com/office/powerpoint/2010/main" val="578201474"/>
+      </p:ext>
+    </p:extLst>
+  </p:cSld>
+  <p:clrMapOvr>
+    <a:masterClrMapping/>
+  </p:clrMapOvr>
+</p:sld>
+</file>
+
+<file path=ppt/slides/slide2.xml><?xml version="1.0" encoding="utf-8"?>
+<p:sld xmlns:a="http://schemas.openxmlformats.org/drawingml/2006/main" xmlns:r="http://schemas.openxmlformats.org/officeDocument/2006/relationships" xmlns:p="http://schemas.openxmlformats.org/presentationml/2006/main">
+  <p:cSld>
+    <p:spTree>
+      <p:nvGrpSpPr>
+        <p:cNvPr id="1" name=""/>
+        <p:cNvGrpSpPr/>
+        <p:nvPr/>
+      </p:nvGrpSpPr>
+      <p:grpSpPr>
+        <a:xfrm>
+          <a:off x="0" y="0"/>
+          <a:ext cx="0" cy="0"/>
+          <a:chOff x="0" y="0"/>
+          <a:chExt cx="0" cy="0"/>
+        </a:xfrm>
+      </p:grpSpPr>
+    </p:spTree>
+    <p:extLst>
+      <p:ext uri="{BB962C8B-B14F-4D97-AF65-F5344CB8AC3E}">
+        <p14:creationId xmlns:p14="http://schemas.microsoft.com/office/powerpoint/2010/main" val="593115402"/>
+      </p:ext>
+    </p:extLst>
+  </p:cSld>
+  <p:clrMapOvr>
+    <a:masterClrMapping/>
+  </p:clrMapOvr>
+</p:sld>
+</file>
+
+<file path=ppt/slides/slide3.xml><?xml version="1.0" encoding="utf-8"?>
 <p:sld xmlns:a="http://schemas.openxmlformats.org/drawingml/2006/main" xmlns:r="http://schemas.openxmlformats.org/officeDocument/2006/relationships" xmlns:p="http://schemas.openxmlformats.org/presentationml/2006/main">
   <p:cSld>
     <p:spTree>

--- a/FiguresPaper.pptx
+++ b/FiguresPaper.pptx
@@ -4383,6 +4383,7 @@
               </a:bodyPr>
               <a:lstStyle/>
               <a:p>
+                <a:pPr/>
                 <a14:m>
                   <m:oMathPara xmlns:m="http://schemas.openxmlformats.org/officeDocument/2006/math">
                     <m:oMathParaPr>
@@ -4466,6 +4467,7 @@
               </a:bodyPr>
               <a:lstStyle/>
               <a:p>
+                <a:pPr/>
                 <a14:m>
                   <m:oMathPara xmlns:m="http://schemas.openxmlformats.org/officeDocument/2006/math">
                     <m:oMathParaPr>
@@ -4605,6 +4607,7 @@
               </a:bodyPr>
               <a:lstStyle/>
               <a:p>
+                <a:pPr/>
                 <a14:m>
                   <m:oMathPara xmlns:m="http://schemas.openxmlformats.org/officeDocument/2006/math">
                     <m:oMathParaPr>
@@ -4744,6 +4747,7 @@
               </a:bodyPr>
               <a:lstStyle/>
               <a:p>
+                <a:pPr/>
                 <a14:m>
                   <m:oMathPara xmlns:m="http://schemas.openxmlformats.org/officeDocument/2006/math">
                     <m:oMathParaPr>
@@ -4883,6 +4887,7 @@
               </a:bodyPr>
               <a:lstStyle/>
               <a:p>
+                <a:pPr/>
                 <a14:m>
                   <m:oMathPara xmlns:m="http://schemas.openxmlformats.org/officeDocument/2006/math">
                     <m:oMathParaPr>
@@ -4942,6 +4947,42 @@
           </p:sp>
         </mc:Fallback>
       </mc:AlternateContent>
+      <p:cxnSp>
+        <p:nvCxnSpPr>
+          <p:cNvPr id="5" name="Straight Connector 4"/>
+          <p:cNvCxnSpPr/>
+          <p:nvPr/>
+        </p:nvCxnSpPr>
+        <p:spPr>
+          <a:xfrm flipV="1">
+            <a:off x="5796136" y="1961220"/>
+            <a:ext cx="297650" cy="13996"/>
+          </a:xfrm>
+          <a:prstGeom prst="line">
+            <a:avLst/>
+          </a:prstGeom>
+          <a:ln w="47625">
+            <a:solidFill>
+              <a:schemeClr val="tx1"/>
+            </a:solidFill>
+            <a:prstDash val="sysDot"/>
+          </a:ln>
+        </p:spPr>
+        <p:style>
+          <a:lnRef idx="1">
+            <a:schemeClr val="accent1"/>
+          </a:lnRef>
+          <a:fillRef idx="0">
+            <a:schemeClr val="accent1"/>
+          </a:fillRef>
+          <a:effectRef idx="0">
+            <a:schemeClr val="accent1"/>
+          </a:effectRef>
+          <a:fontRef idx="minor">
+            <a:schemeClr val="tx1"/>
+          </a:fontRef>
+        </p:style>
+      </p:cxnSp>
     </p:spTree>
     <p:extLst>
       <p:ext uri="{BB962C8B-B14F-4D97-AF65-F5344CB8AC3E}">
@@ -4972,6 +5013,1168 @@
           <a:chExt cx="0" cy="0"/>
         </a:xfrm>
       </p:grpSpPr>
+      <mc:AlternateContent xmlns:mc="http://schemas.openxmlformats.org/markup-compatibility/2006">
+        <mc:Choice xmlns:a14="http://schemas.microsoft.com/office/drawing/2010/main" Requires="a14">
+          <p:sp>
+            <p:nvSpPr>
+              <p:cNvPr id="2" name="Oval 1"/>
+              <p:cNvSpPr/>
+              <p:nvPr/>
+            </p:nvSpPr>
+            <p:spPr>
+              <a:xfrm>
+                <a:off x="2051720" y="1565176"/>
+                <a:ext cx="792088" cy="792088"/>
+              </a:xfrm>
+              <a:prstGeom prst="ellipse">
+                <a:avLst/>
+              </a:prstGeom>
+              <a:noFill/>
+              <a:ln>
+                <a:solidFill>
+                  <a:schemeClr val="tx1"/>
+                </a:solidFill>
+              </a:ln>
+            </p:spPr>
+            <p:style>
+              <a:lnRef idx="2">
+                <a:schemeClr val="accent1">
+                  <a:shade val="50000"/>
+                </a:schemeClr>
+              </a:lnRef>
+              <a:fillRef idx="1">
+                <a:schemeClr val="accent1"/>
+              </a:fillRef>
+              <a:effectRef idx="0">
+                <a:schemeClr val="accent1"/>
+              </a:effectRef>
+              <a:fontRef idx="minor">
+                <a:schemeClr val="lt1"/>
+              </a:fontRef>
+            </p:style>
+            <p:txBody>
+              <a:bodyPr rtlCol="0" anchor="ctr"/>
+              <a:lstStyle/>
+              <a:p>
+                <a:pPr algn="ctr"/>
+                <a14:m>
+                  <m:oMathPara xmlns:m="http://schemas.openxmlformats.org/officeDocument/2006/math">
+                    <m:oMathParaPr>
+                      <m:jc m:val="centerGroup"/>
+                    </m:oMathParaPr>
+                    <m:oMath xmlns:m="http://schemas.openxmlformats.org/officeDocument/2006/math">
+                      <m:sSub>
+                        <m:sSubPr>
+                          <m:ctrlPr>
+                            <a:rPr lang="en-US" i="1" dirty="0" smtClean="0">
+                              <a:solidFill>
+                                <a:schemeClr val="tx1"/>
+                              </a:solidFill>
+                              <a:latin typeface="Cambria Math" charset="0"/>
+                            </a:rPr>
+                          </m:ctrlPr>
+                        </m:sSubPr>
+                        <m:e>
+                          <m:r>
+                            <a:rPr lang="en-AU" b="0" i="1" dirty="0" smtClean="0">
+                              <a:solidFill>
+                                <a:schemeClr val="tx1"/>
+                              </a:solidFill>
+                              <a:latin typeface="Cambria Math" charset="0"/>
+                            </a:rPr>
+                            <m:t>𝑆</m:t>
+                          </m:r>
+                        </m:e>
+                        <m:sub>
+                          <m:r>
+                            <a:rPr lang="en-AU" b="0" i="1" dirty="0" smtClean="0">
+                              <a:solidFill>
+                                <a:schemeClr val="tx1"/>
+                              </a:solidFill>
+                              <a:latin typeface="Cambria Math" charset="0"/>
+                            </a:rPr>
+                            <m:t>𝑤</m:t>
+                          </m:r>
+                        </m:sub>
+                      </m:sSub>
+                    </m:oMath>
+                  </m:oMathPara>
+                </a14:m>
+                <a:endParaRPr lang="en-US" dirty="0">
+                  <a:solidFill>
+                    <a:schemeClr val="tx1"/>
+                  </a:solidFill>
+                </a:endParaRPr>
+              </a:p>
+            </p:txBody>
+          </p:sp>
+        </mc:Choice>
+        <mc:Fallback>
+          <p:sp>
+            <p:nvSpPr>
+              <p:cNvPr id="2" name="Oval 1"/>
+              <p:cNvSpPr>
+                <a:spLocks noRot="1" noChangeAspect="1" noMove="1" noResize="1" noEditPoints="1" noAdjustHandles="1" noChangeArrowheads="1" noChangeShapeType="1" noTextEdit="1"/>
+              </p:cNvSpPr>
+              <p:nvPr/>
+            </p:nvSpPr>
+            <p:spPr>
+              <a:xfrm>
+                <a:off x="2051720" y="1565176"/>
+                <a:ext cx="792088" cy="792088"/>
+              </a:xfrm>
+              <a:prstGeom prst="ellipse">
+                <a:avLst/>
+              </a:prstGeom>
+              <a:blipFill rotWithShape="0">
+                <a:blip r:embed="rId2"/>
+                <a:stretch>
+                  <a:fillRect/>
+                </a:stretch>
+              </a:blipFill>
+              <a:ln>
+                <a:solidFill>
+                  <a:schemeClr val="tx1"/>
+                </a:solidFill>
+              </a:ln>
+            </p:spPr>
+            <p:txBody>
+              <a:bodyPr/>
+              <a:lstStyle/>
+              <a:p>
+                <a:r>
+                  <a:rPr lang="en-US">
+                    <a:noFill/>
+                  </a:rPr>
+                  <a:t> </a:t>
+                </a:r>
+              </a:p>
+            </p:txBody>
+          </p:sp>
+        </mc:Fallback>
+      </mc:AlternateContent>
+      <mc:AlternateContent xmlns:mc="http://schemas.openxmlformats.org/markup-compatibility/2006">
+        <mc:Choice xmlns:a14="http://schemas.microsoft.com/office/drawing/2010/main" Requires="a14">
+          <p:sp>
+            <p:nvSpPr>
+              <p:cNvPr id="3" name="Oval 2"/>
+              <p:cNvSpPr/>
+              <p:nvPr/>
+            </p:nvSpPr>
+            <p:spPr>
+              <a:xfrm>
+                <a:off x="331912" y="1565176"/>
+                <a:ext cx="792088" cy="792088"/>
+              </a:xfrm>
+              <a:prstGeom prst="ellipse">
+                <a:avLst/>
+              </a:prstGeom>
+              <a:noFill/>
+              <a:ln>
+                <a:solidFill>
+                  <a:schemeClr val="tx1"/>
+                </a:solidFill>
+              </a:ln>
+            </p:spPr>
+            <p:style>
+              <a:lnRef idx="2">
+                <a:schemeClr val="accent1">
+                  <a:shade val="50000"/>
+                </a:schemeClr>
+              </a:lnRef>
+              <a:fillRef idx="1">
+                <a:schemeClr val="accent1"/>
+              </a:fillRef>
+              <a:effectRef idx="0">
+                <a:schemeClr val="accent1"/>
+              </a:effectRef>
+              <a:fontRef idx="minor">
+                <a:schemeClr val="lt1"/>
+              </a:fontRef>
+            </p:style>
+            <p:txBody>
+              <a:bodyPr rtlCol="0" anchor="ctr"/>
+              <a:lstStyle/>
+              <a:p>
+                <a:pPr algn="ctr"/>
+                <a14:m>
+                  <m:oMathPara xmlns:m="http://schemas.openxmlformats.org/officeDocument/2006/math">
+                    <m:oMathParaPr>
+                      <m:jc m:val="centerGroup"/>
+                    </m:oMathParaPr>
+                    <m:oMath xmlns:m="http://schemas.openxmlformats.org/officeDocument/2006/math">
+                      <m:sSub>
+                        <m:sSubPr>
+                          <m:ctrlPr>
+                            <a:rPr lang="en-US" i="1" dirty="0" smtClean="0">
+                              <a:solidFill>
+                                <a:schemeClr val="tx1"/>
+                              </a:solidFill>
+                              <a:latin typeface="Cambria Math" charset="0"/>
+                            </a:rPr>
+                          </m:ctrlPr>
+                        </m:sSubPr>
+                        <m:e>
+                          <m:r>
+                            <a:rPr lang="en-AU" b="0" i="1" dirty="0" smtClean="0">
+                              <a:solidFill>
+                                <a:schemeClr val="tx1"/>
+                              </a:solidFill>
+                              <a:latin typeface="Cambria Math" charset="0"/>
+                            </a:rPr>
+                            <m:t>𝑆</m:t>
+                          </m:r>
+                        </m:e>
+                        <m:sub>
+                          <m:r>
+                            <a:rPr lang="en-AU" b="0" i="1" dirty="0" smtClean="0">
+                              <a:solidFill>
+                                <a:schemeClr val="tx1"/>
+                              </a:solidFill>
+                              <a:latin typeface="Cambria Math" charset="0"/>
+                            </a:rPr>
+                            <m:t>𝑖</m:t>
+                          </m:r>
+                        </m:sub>
+                      </m:sSub>
+                    </m:oMath>
+                  </m:oMathPara>
+                </a14:m>
+                <a:endParaRPr lang="en-US" dirty="0">
+                  <a:solidFill>
+                    <a:schemeClr val="tx1"/>
+                  </a:solidFill>
+                </a:endParaRPr>
+              </a:p>
+            </p:txBody>
+          </p:sp>
+        </mc:Choice>
+        <mc:Fallback>
+          <p:sp>
+            <p:nvSpPr>
+              <p:cNvPr id="3" name="Oval 2"/>
+              <p:cNvSpPr>
+                <a:spLocks noRot="1" noChangeAspect="1" noMove="1" noResize="1" noEditPoints="1" noAdjustHandles="1" noChangeArrowheads="1" noChangeShapeType="1" noTextEdit="1"/>
+              </p:cNvSpPr>
+              <p:nvPr/>
+            </p:nvSpPr>
+            <p:spPr>
+              <a:xfrm>
+                <a:off x="331912" y="1565176"/>
+                <a:ext cx="792088" cy="792088"/>
+              </a:xfrm>
+              <a:prstGeom prst="ellipse">
+                <a:avLst/>
+              </a:prstGeom>
+              <a:blipFill rotWithShape="0">
+                <a:blip r:embed="rId3"/>
+                <a:stretch>
+                  <a:fillRect/>
+                </a:stretch>
+              </a:blipFill>
+              <a:ln>
+                <a:solidFill>
+                  <a:schemeClr val="tx1"/>
+                </a:solidFill>
+              </a:ln>
+            </p:spPr>
+            <p:txBody>
+              <a:bodyPr/>
+              <a:lstStyle/>
+              <a:p>
+                <a:r>
+                  <a:rPr lang="en-US">
+                    <a:noFill/>
+                  </a:rPr>
+                  <a:t> </a:t>
+                </a:r>
+              </a:p>
+            </p:txBody>
+          </p:sp>
+        </mc:Fallback>
+      </mc:AlternateContent>
+      <p:cxnSp>
+        <p:nvCxnSpPr>
+          <p:cNvPr id="4" name="Straight Arrow Connector 3"/>
+          <p:cNvCxnSpPr>
+            <a:stCxn id="6" idx="6"/>
+            <a:endCxn id="4" idx="2"/>
+          </p:cNvCxnSpPr>
+          <p:nvPr/>
+        </p:nvCxnSpPr>
+        <p:spPr>
+          <a:xfrm>
+            <a:off x="1124000" y="1961220"/>
+            <a:ext cx="927720" cy="0"/>
+          </a:xfrm>
+          <a:prstGeom prst="straightConnector1">
+            <a:avLst/>
+          </a:prstGeom>
+          <a:ln>
+            <a:solidFill>
+              <a:schemeClr val="tx1"/>
+            </a:solidFill>
+            <a:tailEnd type="triangle"/>
+          </a:ln>
+        </p:spPr>
+        <p:style>
+          <a:lnRef idx="1">
+            <a:schemeClr val="accent1"/>
+          </a:lnRef>
+          <a:fillRef idx="0">
+            <a:schemeClr val="accent1"/>
+          </a:fillRef>
+          <a:effectRef idx="0">
+            <a:schemeClr val="accent1"/>
+          </a:effectRef>
+          <a:fontRef idx="minor">
+            <a:schemeClr val="tx1"/>
+          </a:fontRef>
+        </p:style>
+      </p:cxnSp>
+      <mc:AlternateContent xmlns:mc="http://schemas.openxmlformats.org/markup-compatibility/2006">
+        <mc:Choice xmlns:a14="http://schemas.microsoft.com/office/drawing/2010/main" Requires="a14">
+          <p:sp>
+            <p:nvSpPr>
+              <p:cNvPr id="6" name="Oval 5"/>
+              <p:cNvSpPr/>
+              <p:nvPr/>
+            </p:nvSpPr>
+            <p:spPr>
+              <a:xfrm>
+                <a:off x="7211144" y="1565176"/>
+                <a:ext cx="792088" cy="792088"/>
+              </a:xfrm>
+              <a:prstGeom prst="ellipse">
+                <a:avLst/>
+              </a:prstGeom>
+              <a:noFill/>
+              <a:ln>
+                <a:solidFill>
+                  <a:schemeClr val="tx1"/>
+                </a:solidFill>
+              </a:ln>
+            </p:spPr>
+            <p:style>
+              <a:lnRef idx="2">
+                <a:schemeClr val="accent1">
+                  <a:shade val="50000"/>
+                </a:schemeClr>
+              </a:lnRef>
+              <a:fillRef idx="1">
+                <a:schemeClr val="accent1"/>
+              </a:fillRef>
+              <a:effectRef idx="0">
+                <a:schemeClr val="accent1"/>
+              </a:effectRef>
+              <a:fontRef idx="minor">
+                <a:schemeClr val="lt1"/>
+              </a:fontRef>
+            </p:style>
+            <p:txBody>
+              <a:bodyPr rtlCol="0" anchor="ctr"/>
+              <a:lstStyle/>
+              <a:p>
+                <a:pPr algn="ctr"/>
+                <a14:m>
+                  <m:oMathPara xmlns:m="http://schemas.openxmlformats.org/officeDocument/2006/math">
+                    <m:oMathParaPr>
+                      <m:jc m:val="centerGroup"/>
+                    </m:oMathParaPr>
+                    <m:oMath xmlns:m="http://schemas.openxmlformats.org/officeDocument/2006/math">
+                      <m:sSub>
+                        <m:sSubPr>
+                          <m:ctrlPr>
+                            <a:rPr lang="en-US" i="1" dirty="0" smtClean="0">
+                              <a:solidFill>
+                                <a:schemeClr val="tx1"/>
+                              </a:solidFill>
+                              <a:latin typeface="Cambria Math" charset="0"/>
+                            </a:rPr>
+                          </m:ctrlPr>
+                        </m:sSubPr>
+                        <m:e>
+                          <m:r>
+                            <a:rPr lang="en-AU" b="0" i="1" dirty="0" smtClean="0">
+                              <a:solidFill>
+                                <a:schemeClr val="tx1"/>
+                              </a:solidFill>
+                              <a:latin typeface="Cambria Math" charset="0"/>
+                            </a:rPr>
+                            <m:t>𝑆</m:t>
+                          </m:r>
+                        </m:e>
+                        <m:sub>
+                          <m:r>
+                            <a:rPr lang="en-AU" b="0" i="1" dirty="0" smtClean="0">
+                              <a:solidFill>
+                                <a:schemeClr val="tx1"/>
+                              </a:solidFill>
+                              <a:latin typeface="Cambria Math" charset="0"/>
+                            </a:rPr>
+                            <m:t>𝑜</m:t>
+                          </m:r>
+                        </m:sub>
+                      </m:sSub>
+                    </m:oMath>
+                  </m:oMathPara>
+                </a14:m>
+                <a:endParaRPr lang="en-US" dirty="0">
+                  <a:solidFill>
+                    <a:schemeClr val="tx1"/>
+                  </a:solidFill>
+                </a:endParaRPr>
+              </a:p>
+            </p:txBody>
+          </p:sp>
+        </mc:Choice>
+        <mc:Fallback>
+          <p:sp>
+            <p:nvSpPr>
+              <p:cNvPr id="6" name="Oval 5"/>
+              <p:cNvSpPr>
+                <a:spLocks noRot="1" noChangeAspect="1" noMove="1" noResize="1" noEditPoints="1" noAdjustHandles="1" noChangeArrowheads="1" noChangeShapeType="1" noTextEdit="1"/>
+              </p:cNvSpPr>
+              <p:nvPr/>
+            </p:nvSpPr>
+            <p:spPr>
+              <a:xfrm>
+                <a:off x="7211144" y="1565176"/>
+                <a:ext cx="792088" cy="792088"/>
+              </a:xfrm>
+              <a:prstGeom prst="ellipse">
+                <a:avLst/>
+              </a:prstGeom>
+              <a:blipFill rotWithShape="0">
+                <a:blip r:embed="rId4"/>
+                <a:stretch>
+                  <a:fillRect/>
+                </a:stretch>
+              </a:blipFill>
+              <a:ln>
+                <a:solidFill>
+                  <a:schemeClr val="tx1"/>
+                </a:solidFill>
+              </a:ln>
+            </p:spPr>
+            <p:txBody>
+              <a:bodyPr/>
+              <a:lstStyle/>
+              <a:p>
+                <a:r>
+                  <a:rPr lang="en-US">
+                    <a:noFill/>
+                  </a:rPr>
+                  <a:t> </a:t>
+                </a:r>
+              </a:p>
+            </p:txBody>
+          </p:sp>
+        </mc:Fallback>
+      </mc:AlternateContent>
+      <mc:AlternateContent xmlns:mc="http://schemas.openxmlformats.org/markup-compatibility/2006">
+        <mc:Choice xmlns:a14="http://schemas.microsoft.com/office/drawing/2010/main" Requires="a14">
+          <p:sp>
+            <p:nvSpPr>
+              <p:cNvPr id="7" name="Oval 6"/>
+              <p:cNvSpPr/>
+              <p:nvPr/>
+            </p:nvSpPr>
+            <p:spPr>
+              <a:xfrm>
+                <a:off x="8930952" y="1565176"/>
+                <a:ext cx="792088" cy="792088"/>
+              </a:xfrm>
+              <a:prstGeom prst="ellipse">
+                <a:avLst/>
+              </a:prstGeom>
+              <a:noFill/>
+              <a:ln>
+                <a:solidFill>
+                  <a:schemeClr val="tx1"/>
+                </a:solidFill>
+              </a:ln>
+            </p:spPr>
+            <p:style>
+              <a:lnRef idx="2">
+                <a:schemeClr val="accent1">
+                  <a:shade val="50000"/>
+                </a:schemeClr>
+              </a:lnRef>
+              <a:fillRef idx="1">
+                <a:schemeClr val="accent1"/>
+              </a:fillRef>
+              <a:effectRef idx="0">
+                <a:schemeClr val="accent1"/>
+              </a:effectRef>
+              <a:fontRef idx="minor">
+                <a:schemeClr val="lt1"/>
+              </a:fontRef>
+            </p:style>
+            <p:txBody>
+              <a:bodyPr rtlCol="0" anchor="ctr"/>
+              <a:lstStyle/>
+              <a:p>
+                <a:pPr algn="ctr"/>
+                <a14:m>
+                  <m:oMathPara xmlns:m="http://schemas.openxmlformats.org/officeDocument/2006/math">
+                    <m:oMathParaPr>
+                      <m:jc m:val="centerGroup"/>
+                    </m:oMathParaPr>
+                    <m:oMath xmlns:m="http://schemas.openxmlformats.org/officeDocument/2006/math">
+                      <m:sSub>
+                        <m:sSubPr>
+                          <m:ctrlPr>
+                            <a:rPr lang="en-US" i="1" dirty="0" smtClean="0">
+                              <a:solidFill>
+                                <a:schemeClr val="tx1"/>
+                              </a:solidFill>
+                              <a:latin typeface="Cambria Math" charset="0"/>
+                            </a:rPr>
+                          </m:ctrlPr>
+                        </m:sSubPr>
+                        <m:e>
+                          <m:r>
+                            <a:rPr lang="en-AU" b="0" i="1" dirty="0" smtClean="0">
+                              <a:solidFill>
+                                <a:schemeClr val="tx1"/>
+                              </a:solidFill>
+                              <a:latin typeface="Cambria Math" charset="0"/>
+                            </a:rPr>
+                            <m:t>𝑆</m:t>
+                          </m:r>
+                        </m:e>
+                        <m:sub>
+                          <m:r>
+                            <a:rPr lang="en-AU" b="0" i="1" dirty="0" smtClean="0">
+                              <a:solidFill>
+                                <a:schemeClr val="tx1"/>
+                              </a:solidFill>
+                              <a:latin typeface="Cambria Math" charset="0"/>
+                            </a:rPr>
+                            <m:t>𝑒</m:t>
+                          </m:r>
+                        </m:sub>
+                      </m:sSub>
+                    </m:oMath>
+                  </m:oMathPara>
+                </a14:m>
+                <a:endParaRPr lang="en-US" dirty="0">
+                  <a:solidFill>
+                    <a:schemeClr val="tx1"/>
+                  </a:solidFill>
+                </a:endParaRPr>
+              </a:p>
+            </p:txBody>
+          </p:sp>
+        </mc:Choice>
+        <mc:Fallback>
+          <p:sp>
+            <p:nvSpPr>
+              <p:cNvPr id="7" name="Oval 6"/>
+              <p:cNvSpPr>
+                <a:spLocks noRot="1" noChangeAspect="1" noMove="1" noResize="1" noEditPoints="1" noAdjustHandles="1" noChangeArrowheads="1" noChangeShapeType="1" noTextEdit="1"/>
+              </p:cNvSpPr>
+              <p:nvPr/>
+            </p:nvSpPr>
+            <p:spPr>
+              <a:xfrm>
+                <a:off x="8930952" y="1565176"/>
+                <a:ext cx="792088" cy="792088"/>
+              </a:xfrm>
+              <a:prstGeom prst="ellipse">
+                <a:avLst/>
+              </a:prstGeom>
+              <a:blipFill rotWithShape="0">
+                <a:blip r:embed="rId5"/>
+                <a:stretch>
+                  <a:fillRect/>
+                </a:stretch>
+              </a:blipFill>
+              <a:ln>
+                <a:solidFill>
+                  <a:schemeClr val="tx1"/>
+                </a:solidFill>
+              </a:ln>
+            </p:spPr>
+            <p:txBody>
+              <a:bodyPr/>
+              <a:lstStyle/>
+              <a:p>
+                <a:r>
+                  <a:rPr lang="en-US">
+                    <a:noFill/>
+                  </a:rPr>
+                  <a:t> </a:t>
+                </a:r>
+              </a:p>
+            </p:txBody>
+          </p:sp>
+        </mc:Fallback>
+      </mc:AlternateContent>
+      <p:cxnSp>
+        <p:nvCxnSpPr>
+          <p:cNvPr id="8" name="Straight Arrow Connector 7"/>
+          <p:cNvCxnSpPr>
+            <a:stCxn id="4" idx="6"/>
+          </p:cNvCxnSpPr>
+          <p:nvPr/>
+        </p:nvCxnSpPr>
+        <p:spPr>
+          <a:xfrm flipV="1">
+            <a:off x="2843808" y="1947224"/>
+            <a:ext cx="927720" cy="13996"/>
+          </a:xfrm>
+          <a:prstGeom prst="straightConnector1">
+            <a:avLst/>
+          </a:prstGeom>
+          <a:ln>
+            <a:solidFill>
+              <a:schemeClr val="tx1"/>
+            </a:solidFill>
+            <a:tailEnd type="triangle"/>
+          </a:ln>
+        </p:spPr>
+        <p:style>
+          <a:lnRef idx="1">
+            <a:schemeClr val="accent1"/>
+          </a:lnRef>
+          <a:fillRef idx="0">
+            <a:schemeClr val="accent1"/>
+          </a:fillRef>
+          <a:effectRef idx="0">
+            <a:schemeClr val="accent1"/>
+          </a:effectRef>
+          <a:fontRef idx="minor">
+            <a:schemeClr val="tx1"/>
+          </a:fontRef>
+        </p:style>
+      </p:cxnSp>
+      <p:cxnSp>
+        <p:nvCxnSpPr>
+          <p:cNvPr id="10" name="Straight Arrow Connector 9"/>
+          <p:cNvCxnSpPr>
+            <a:endCxn id="11" idx="2"/>
+          </p:cNvCxnSpPr>
+          <p:nvPr/>
+        </p:nvCxnSpPr>
+        <p:spPr>
+          <a:xfrm>
+            <a:off x="6283424" y="1961220"/>
+            <a:ext cx="927720" cy="0"/>
+          </a:xfrm>
+          <a:prstGeom prst="straightConnector1">
+            <a:avLst/>
+          </a:prstGeom>
+          <a:ln>
+            <a:solidFill>
+              <a:schemeClr val="tx1"/>
+            </a:solidFill>
+            <a:tailEnd type="triangle"/>
+          </a:ln>
+        </p:spPr>
+        <p:style>
+          <a:lnRef idx="1">
+            <a:schemeClr val="accent1"/>
+          </a:lnRef>
+          <a:fillRef idx="0">
+            <a:schemeClr val="accent1"/>
+          </a:fillRef>
+          <a:effectRef idx="0">
+            <a:schemeClr val="accent1"/>
+          </a:effectRef>
+          <a:fontRef idx="minor">
+            <a:schemeClr val="tx1"/>
+          </a:fontRef>
+        </p:style>
+      </p:cxnSp>
+      <p:cxnSp>
+        <p:nvCxnSpPr>
+          <p:cNvPr id="11" name="Straight Arrow Connector 10"/>
+          <p:cNvCxnSpPr>
+            <a:stCxn id="11" idx="6"/>
+            <a:endCxn id="12" idx="2"/>
+          </p:cNvCxnSpPr>
+          <p:nvPr/>
+        </p:nvCxnSpPr>
+        <p:spPr>
+          <a:xfrm>
+            <a:off x="8003232" y="1961220"/>
+            <a:ext cx="927720" cy="0"/>
+          </a:xfrm>
+          <a:prstGeom prst="straightConnector1">
+            <a:avLst/>
+          </a:prstGeom>
+          <a:ln>
+            <a:solidFill>
+              <a:schemeClr val="tx1"/>
+            </a:solidFill>
+            <a:tailEnd type="triangle"/>
+          </a:ln>
+        </p:spPr>
+        <p:style>
+          <a:lnRef idx="1">
+            <a:schemeClr val="accent1"/>
+          </a:lnRef>
+          <a:fillRef idx="0">
+            <a:schemeClr val="accent1"/>
+          </a:fillRef>
+          <a:effectRef idx="0">
+            <a:schemeClr val="accent1"/>
+          </a:effectRef>
+          <a:fontRef idx="minor">
+            <a:schemeClr val="tx1"/>
+          </a:fontRef>
+        </p:style>
+      </p:cxnSp>
+      <mc:AlternateContent xmlns:mc="http://schemas.openxmlformats.org/markup-compatibility/2006">
+        <mc:Choice xmlns:a14="http://schemas.microsoft.com/office/drawing/2010/main" Requires="a14">
+          <p:sp>
+            <p:nvSpPr>
+              <p:cNvPr id="12" name="TextBox 11"/>
+              <p:cNvSpPr txBox="1"/>
+              <p:nvPr/>
+            </p:nvSpPr>
+            <p:spPr>
+              <a:xfrm>
+                <a:off x="1286170" y="1619508"/>
+                <a:ext cx="576064" cy="369332"/>
+              </a:xfrm>
+              <a:prstGeom prst="rect">
+                <a:avLst/>
+              </a:prstGeom>
+              <a:noFill/>
+            </p:spPr>
+            <p:txBody>
+              <a:bodyPr wrap="square" rtlCol="0">
+                <a:spAutoFit/>
+              </a:bodyPr>
+              <a:lstStyle/>
+              <a:p>
+                <a:pPr/>
+                <a14:m>
+                  <m:oMathPara xmlns:m="http://schemas.openxmlformats.org/officeDocument/2006/math">
+                    <m:oMathParaPr>
+                      <m:jc m:val="centerGroup"/>
+                    </m:oMathParaPr>
+                    <m:oMath xmlns:m="http://schemas.openxmlformats.org/officeDocument/2006/math">
+                      <m:r>
+                        <a:rPr lang="en-AU" b="0" i="1" smtClean="0">
+                          <a:latin typeface="Cambria Math" charset="0"/>
+                        </a:rPr>
+                        <m:t>𝑖</m:t>
+                      </m:r>
+                    </m:oMath>
+                  </m:oMathPara>
+                </a14:m>
+                <a:endParaRPr lang="en-US" dirty="0"/>
+              </a:p>
+            </p:txBody>
+          </p:sp>
+        </mc:Choice>
+        <mc:Fallback>
+          <p:sp>
+            <p:nvSpPr>
+              <p:cNvPr id="12" name="TextBox 11"/>
+              <p:cNvSpPr txBox="1">
+                <a:spLocks noRot="1" noChangeAspect="1" noMove="1" noResize="1" noEditPoints="1" noAdjustHandles="1" noChangeArrowheads="1" noChangeShapeType="1" noTextEdit="1"/>
+              </p:cNvSpPr>
+              <p:nvPr/>
+            </p:nvSpPr>
+            <p:spPr>
+              <a:xfrm>
+                <a:off x="1286170" y="1619508"/>
+                <a:ext cx="576064" cy="369332"/>
+              </a:xfrm>
+              <a:prstGeom prst="rect">
+                <a:avLst/>
+              </a:prstGeom>
+              <a:blipFill rotWithShape="0">
+                <a:blip r:embed="rId6"/>
+                <a:stretch>
+                  <a:fillRect/>
+                </a:stretch>
+              </a:blipFill>
+            </p:spPr>
+            <p:txBody>
+              <a:bodyPr/>
+              <a:lstStyle/>
+              <a:p>
+                <a:r>
+                  <a:rPr lang="en-US">
+                    <a:noFill/>
+                  </a:rPr>
+                  <a:t> </a:t>
+                </a:r>
+              </a:p>
+            </p:txBody>
+          </p:sp>
+        </mc:Fallback>
+      </mc:AlternateContent>
+      <mc:AlternateContent xmlns:mc="http://schemas.openxmlformats.org/markup-compatibility/2006">
+        <mc:Choice xmlns:a14="http://schemas.microsoft.com/office/drawing/2010/main" Requires="a14">
+          <p:sp>
+            <p:nvSpPr>
+              <p:cNvPr id="13" name="TextBox 12"/>
+              <p:cNvSpPr txBox="1"/>
+              <p:nvPr/>
+            </p:nvSpPr>
+            <p:spPr>
+              <a:xfrm>
+                <a:off x="2987824" y="1551180"/>
+                <a:ext cx="576064" cy="369332"/>
+              </a:xfrm>
+              <a:prstGeom prst="rect">
+                <a:avLst/>
+              </a:prstGeom>
+              <a:noFill/>
+            </p:spPr>
+            <p:txBody>
+              <a:bodyPr wrap="square" rtlCol="0">
+                <a:spAutoFit/>
+              </a:bodyPr>
+              <a:lstStyle/>
+              <a:p>
+                <a:pPr/>
+                <a14:m>
+                  <m:oMathPara xmlns:m="http://schemas.openxmlformats.org/officeDocument/2006/math">
+                    <m:oMathParaPr>
+                      <m:jc m:val="centerGroup"/>
+                    </m:oMathParaPr>
+                    <m:oMath xmlns:m="http://schemas.openxmlformats.org/officeDocument/2006/math">
+                      <m:r>
+                        <a:rPr lang="en-AU" b="0" i="1" dirty="0" smtClean="0">
+                          <a:latin typeface="Cambria Math" charset="0"/>
+                        </a:rPr>
+                        <m:t>[</m:t>
+                      </m:r>
+                      <m:sSub>
+                        <m:sSubPr>
+                          <m:ctrlPr>
+                            <a:rPr lang="en-US" i="1" dirty="0">
+                              <a:latin typeface="Cambria Math" charset="0"/>
+                            </a:rPr>
+                          </m:ctrlPr>
+                        </m:sSubPr>
+                        <m:e>
+                          <m:r>
+                            <a:rPr lang="en-AU" b="0" i="1" dirty="0" smtClean="0">
+                              <a:latin typeface="Cambria Math" charset="0"/>
+                            </a:rPr>
+                            <m:t>𝑤</m:t>
+                          </m:r>
+                        </m:e>
+                        <m:sub>
+                          <m:r>
+                            <a:rPr lang="en-AU" b="0" i="1" dirty="0" smtClean="0">
+                              <a:latin typeface="Cambria Math" charset="0"/>
+                            </a:rPr>
+                            <m:t>1</m:t>
+                          </m:r>
+                        </m:sub>
+                      </m:sSub>
+                      <m:r>
+                        <a:rPr lang="en-AU" b="0" i="1" dirty="0" smtClean="0">
+                          <a:latin typeface="Cambria Math" charset="0"/>
+                        </a:rPr>
+                        <m:t>]</m:t>
+                      </m:r>
+                      <m:sSub>
+                        <m:sSubPr>
+                          <m:ctrlPr>
+                            <a:rPr lang="en-US" b="0" i="1" dirty="0" smtClean="0">
+                              <a:latin typeface="Cambria Math" charset="0"/>
+                            </a:rPr>
+                          </m:ctrlPr>
+                        </m:sSubPr>
+                        <m:e>
+                          <m:r>
+                            <a:rPr lang="en-AU" b="0" i="1" dirty="0" smtClean="0">
+                              <a:latin typeface="Cambria Math" charset="0"/>
+                            </a:rPr>
+                            <m:t>𝑓</m:t>
+                          </m:r>
+                        </m:e>
+                        <m:sub>
+                          <m:r>
+                            <a:rPr lang="en-AU" b="0" i="1" dirty="0" smtClean="0">
+                              <a:latin typeface="Cambria Math" charset="0"/>
+                            </a:rPr>
+                            <m:t>1</m:t>
+                          </m:r>
+                        </m:sub>
+                      </m:sSub>
+                    </m:oMath>
+                  </m:oMathPara>
+                </a14:m>
+                <a:endParaRPr lang="en-US" dirty="0"/>
+              </a:p>
+            </p:txBody>
+          </p:sp>
+        </mc:Choice>
+        <mc:Fallback>
+          <p:sp>
+            <p:nvSpPr>
+              <p:cNvPr id="13" name="TextBox 12"/>
+              <p:cNvSpPr txBox="1">
+                <a:spLocks noRot="1" noChangeAspect="1" noMove="1" noResize="1" noEditPoints="1" noAdjustHandles="1" noChangeArrowheads="1" noChangeShapeType="1" noTextEdit="1"/>
+              </p:cNvSpPr>
+              <p:nvPr/>
+            </p:nvSpPr>
+            <p:spPr>
+              <a:xfrm>
+                <a:off x="2987824" y="1551180"/>
+                <a:ext cx="576064" cy="369332"/>
+              </a:xfrm>
+              <a:prstGeom prst="rect">
+                <a:avLst/>
+              </a:prstGeom>
+              <a:blipFill rotWithShape="0">
+                <a:blip r:embed="rId7"/>
+                <a:stretch>
+                  <a:fillRect l="-3158" r="-31579" b="-13115"/>
+                </a:stretch>
+              </a:blipFill>
+            </p:spPr>
+            <p:txBody>
+              <a:bodyPr/>
+              <a:lstStyle/>
+              <a:p>
+                <a:r>
+                  <a:rPr lang="en-US">
+                    <a:noFill/>
+                  </a:rPr>
+                  <a:t> </a:t>
+                </a:r>
+              </a:p>
+            </p:txBody>
+          </p:sp>
+        </mc:Fallback>
+      </mc:AlternateContent>
+      <mc:AlternateContent xmlns:mc="http://schemas.openxmlformats.org/markup-compatibility/2006">
+        <mc:Choice xmlns:a14="http://schemas.microsoft.com/office/drawing/2010/main" Requires="a14">
+          <p:sp>
+            <p:nvSpPr>
+              <p:cNvPr id="15" name="TextBox 14"/>
+              <p:cNvSpPr txBox="1"/>
+              <p:nvPr/>
+            </p:nvSpPr>
+            <p:spPr>
+              <a:xfrm>
+                <a:off x="6372200" y="1556792"/>
+                <a:ext cx="576064" cy="369332"/>
+              </a:xfrm>
+              <a:prstGeom prst="rect">
+                <a:avLst/>
+              </a:prstGeom>
+              <a:noFill/>
+            </p:spPr>
+            <p:txBody>
+              <a:bodyPr wrap="square" rtlCol="0">
+                <a:spAutoFit/>
+              </a:bodyPr>
+              <a:lstStyle/>
+              <a:p>
+                <a:pPr/>
+                <a14:m>
+                  <m:oMathPara xmlns:m="http://schemas.openxmlformats.org/officeDocument/2006/math">
+                    <m:oMathParaPr>
+                      <m:jc m:val="centerGroup"/>
+                    </m:oMathParaPr>
+                    <m:oMath xmlns:m="http://schemas.openxmlformats.org/officeDocument/2006/math">
+                      <m:r>
+                        <a:rPr lang="en-AU" b="0" i="1" dirty="0" smtClean="0">
+                          <a:latin typeface="Cambria Math" charset="0"/>
+                        </a:rPr>
+                        <m:t>[</m:t>
+                      </m:r>
+                      <m:sSub>
+                        <m:sSubPr>
+                          <m:ctrlPr>
+                            <a:rPr lang="en-US" i="1" dirty="0">
+                              <a:latin typeface="Cambria Math" charset="0"/>
+                            </a:rPr>
+                          </m:ctrlPr>
+                        </m:sSubPr>
+                        <m:e>
+                          <m:r>
+                            <a:rPr lang="en-AU" b="0" i="1" dirty="0" smtClean="0">
+                              <a:latin typeface="Cambria Math" charset="0"/>
+                            </a:rPr>
+                            <m:t>𝑤</m:t>
+                          </m:r>
+                        </m:e>
+                        <m:sub>
+                          <m:r>
+                            <a:rPr lang="en-AU" b="0" i="1" dirty="0" smtClean="0">
+                              <a:latin typeface="Cambria Math" charset="0"/>
+                            </a:rPr>
+                            <m:t>𝑛</m:t>
+                          </m:r>
+                        </m:sub>
+                      </m:sSub>
+                      <m:r>
+                        <a:rPr lang="en-AU" b="0" i="1" dirty="0" smtClean="0">
+                          <a:latin typeface="Cambria Math" charset="0"/>
+                        </a:rPr>
+                        <m:t>]</m:t>
+                      </m:r>
+                      <m:sSub>
+                        <m:sSubPr>
+                          <m:ctrlPr>
+                            <a:rPr lang="en-US" b="0" i="1" dirty="0" smtClean="0">
+                              <a:latin typeface="Cambria Math" charset="0"/>
+                            </a:rPr>
+                          </m:ctrlPr>
+                        </m:sSubPr>
+                        <m:e>
+                          <m:r>
+                            <a:rPr lang="en-AU" b="0" i="1" dirty="0" smtClean="0">
+                              <a:latin typeface="Cambria Math" charset="0"/>
+                            </a:rPr>
+                            <m:t>𝑓</m:t>
+                          </m:r>
+                        </m:e>
+                        <m:sub>
+                          <m:r>
+                            <a:rPr lang="en-AU" b="0" i="1" dirty="0" smtClean="0">
+                              <a:latin typeface="Cambria Math" charset="0"/>
+                            </a:rPr>
+                            <m:t>𝑛</m:t>
+                          </m:r>
+                        </m:sub>
+                      </m:sSub>
+                    </m:oMath>
+                  </m:oMathPara>
+                </a14:m>
+                <a:endParaRPr lang="en-US" dirty="0"/>
+              </a:p>
+            </p:txBody>
+          </p:sp>
+        </mc:Choice>
+        <mc:Fallback>
+          <p:sp>
+            <p:nvSpPr>
+              <p:cNvPr id="15" name="TextBox 14"/>
+              <p:cNvSpPr txBox="1">
+                <a:spLocks noRot="1" noChangeAspect="1" noMove="1" noResize="1" noEditPoints="1" noAdjustHandles="1" noChangeArrowheads="1" noChangeShapeType="1" noTextEdit="1"/>
+              </p:cNvSpPr>
+              <p:nvPr/>
+            </p:nvSpPr>
+            <p:spPr>
+              <a:xfrm>
+                <a:off x="6372200" y="1556792"/>
+                <a:ext cx="576064" cy="369332"/>
+              </a:xfrm>
+              <a:prstGeom prst="rect">
+                <a:avLst/>
+              </a:prstGeom>
+              <a:blipFill rotWithShape="0">
+                <a:blip r:embed="rId8"/>
+                <a:stretch>
+                  <a:fillRect l="-3158" r="-32632" b="-13115"/>
+                </a:stretch>
+              </a:blipFill>
+            </p:spPr>
+            <p:txBody>
+              <a:bodyPr/>
+              <a:lstStyle/>
+              <a:p>
+                <a:r>
+                  <a:rPr lang="en-US">
+                    <a:noFill/>
+                  </a:rPr>
+                  <a:t> </a:t>
+                </a:r>
+              </a:p>
+            </p:txBody>
+          </p:sp>
+        </mc:Fallback>
+      </mc:AlternateContent>
+      <mc:AlternateContent xmlns:mc="http://schemas.openxmlformats.org/markup-compatibility/2006">
+        <mc:Choice xmlns:a14="http://schemas.microsoft.com/office/drawing/2010/main" Requires="a14">
+          <p:sp>
+            <p:nvSpPr>
+              <p:cNvPr id="16" name="TextBox 15"/>
+              <p:cNvSpPr txBox="1"/>
+              <p:nvPr/>
+            </p:nvSpPr>
+            <p:spPr>
+              <a:xfrm>
+                <a:off x="8244408" y="1619508"/>
+                <a:ext cx="576064" cy="369332"/>
+              </a:xfrm>
+              <a:prstGeom prst="rect">
+                <a:avLst/>
+              </a:prstGeom>
+              <a:noFill/>
+            </p:spPr>
+            <p:txBody>
+              <a:bodyPr wrap="square" rtlCol="0">
+                <a:spAutoFit/>
+              </a:bodyPr>
+              <a:lstStyle/>
+              <a:p>
+                <a:pPr/>
+                <a14:m>
+                  <m:oMathPara xmlns:m="http://schemas.openxmlformats.org/officeDocument/2006/math">
+                    <m:oMathParaPr>
+                      <m:jc m:val="centerGroup"/>
+                    </m:oMathParaPr>
+                    <m:oMath xmlns:m="http://schemas.openxmlformats.org/officeDocument/2006/math">
+                      <m:r>
+                        <a:rPr lang="en-AU" b="0" i="1" smtClean="0">
+                          <a:latin typeface="Cambria Math" charset="0"/>
+                        </a:rPr>
+                        <m:t>𝑜</m:t>
+                      </m:r>
+                    </m:oMath>
+                  </m:oMathPara>
+                </a14:m>
+                <a:endParaRPr lang="en-US" dirty="0"/>
+              </a:p>
+            </p:txBody>
+          </p:sp>
+        </mc:Choice>
+        <mc:Fallback>
+          <p:sp>
+            <p:nvSpPr>
+              <p:cNvPr id="16" name="TextBox 15"/>
+              <p:cNvSpPr txBox="1">
+                <a:spLocks noRot="1" noChangeAspect="1" noMove="1" noResize="1" noEditPoints="1" noAdjustHandles="1" noChangeArrowheads="1" noChangeShapeType="1" noTextEdit="1"/>
+              </p:cNvSpPr>
+              <p:nvPr/>
+            </p:nvSpPr>
+            <p:spPr>
+              <a:xfrm>
+                <a:off x="8244408" y="1619508"/>
+                <a:ext cx="576064" cy="369332"/>
+              </a:xfrm>
+              <a:prstGeom prst="rect">
+                <a:avLst/>
+              </a:prstGeom>
+              <a:blipFill rotWithShape="0">
+                <a:blip r:embed="rId9"/>
+                <a:stretch>
+                  <a:fillRect/>
+                </a:stretch>
+              </a:blipFill>
+            </p:spPr>
+            <p:txBody>
+              <a:bodyPr/>
+              <a:lstStyle/>
+              <a:p>
+                <a:r>
+                  <a:rPr lang="en-US">
+                    <a:noFill/>
+                  </a:rPr>
+                  <a:t> </a:t>
+                </a:r>
+              </a:p>
+            </p:txBody>
+          </p:sp>
+        </mc:Fallback>
+      </mc:AlternateContent>
     </p:spTree>
     <p:extLst>
       <p:ext uri="{BB962C8B-B14F-4D97-AF65-F5344CB8AC3E}">

--- a/FiguresPaper.pptx
+++ b/FiguresPaper.pptx
@@ -9,7 +9,7 @@
   </p:notesMasterIdLst>
   <p:sldIdLst>
     <p:sldId id="299" r:id="rId2"/>
-    <p:sldId id="300" r:id="rId3"/>
+    <p:sldId id="301" r:id="rId3"/>
     <p:sldId id="298" r:id="rId4"/>
   </p:sldIdLst>
   <p:sldSz cx="9144000" cy="6858000" type="screen4x3"/>
@@ -210,7 +210,7 @@
           <a:p>
             <a:fld id="{F28D62E0-191E-42FF-A98D-D06FD014851B}" type="datetimeFigureOut">
               <a:rPr lang="en-AU" smtClean="0"/>
-              <a:t>7/7/17</a:t>
+              <a:t>10/7/17</a:t>
             </a:fld>
             <a:endParaRPr lang="en-AU"/>
           </a:p>
@@ -659,7 +659,7 @@
           <a:p>
             <a:fld id="{D4351B45-279F-42A8-9B05-CE858E05D9F5}" type="datetimeFigureOut">
               <a:rPr lang="en-NZ" smtClean="0"/>
-              <a:t>7/07/17</a:t>
+              <a:t>10/07/17</a:t>
             </a:fld>
             <a:endParaRPr lang="en-NZ"/>
           </a:p>
@@ -829,7 +829,7 @@
           <a:p>
             <a:fld id="{D4351B45-279F-42A8-9B05-CE858E05D9F5}" type="datetimeFigureOut">
               <a:rPr lang="en-NZ" smtClean="0"/>
-              <a:t>7/07/17</a:t>
+              <a:t>10/07/17</a:t>
             </a:fld>
             <a:endParaRPr lang="en-NZ"/>
           </a:p>
@@ -1009,7 +1009,7 @@
           <a:p>
             <a:fld id="{D4351B45-279F-42A8-9B05-CE858E05D9F5}" type="datetimeFigureOut">
               <a:rPr lang="en-NZ" smtClean="0"/>
-              <a:t>7/07/17</a:t>
+              <a:t>10/07/17</a:t>
             </a:fld>
             <a:endParaRPr lang="en-NZ"/>
           </a:p>
@@ -1179,7 +1179,7 @@
           <a:p>
             <a:fld id="{D4351B45-279F-42A8-9B05-CE858E05D9F5}" type="datetimeFigureOut">
               <a:rPr lang="en-NZ" smtClean="0"/>
-              <a:t>7/07/17</a:t>
+              <a:t>10/07/17</a:t>
             </a:fld>
             <a:endParaRPr lang="en-NZ"/>
           </a:p>
@@ -1425,7 +1425,7 @@
           <a:p>
             <a:fld id="{D4351B45-279F-42A8-9B05-CE858E05D9F5}" type="datetimeFigureOut">
               <a:rPr lang="en-NZ" smtClean="0"/>
-              <a:t>7/07/17</a:t>
+              <a:t>10/07/17</a:t>
             </a:fld>
             <a:endParaRPr lang="en-NZ"/>
           </a:p>
@@ -1713,7 +1713,7 @@
           <a:p>
             <a:fld id="{D4351B45-279F-42A8-9B05-CE858E05D9F5}" type="datetimeFigureOut">
               <a:rPr lang="en-NZ" smtClean="0"/>
-              <a:t>7/07/17</a:t>
+              <a:t>10/07/17</a:t>
             </a:fld>
             <a:endParaRPr lang="en-NZ"/>
           </a:p>
@@ -2135,7 +2135,7 @@
           <a:p>
             <a:fld id="{D4351B45-279F-42A8-9B05-CE858E05D9F5}" type="datetimeFigureOut">
               <a:rPr lang="en-NZ" smtClean="0"/>
-              <a:t>7/07/17</a:t>
+              <a:t>10/07/17</a:t>
             </a:fld>
             <a:endParaRPr lang="en-NZ"/>
           </a:p>
@@ -2253,7 +2253,7 @@
           <a:p>
             <a:fld id="{D4351B45-279F-42A8-9B05-CE858E05D9F5}" type="datetimeFigureOut">
               <a:rPr lang="en-NZ" smtClean="0"/>
-              <a:t>7/07/17</a:t>
+              <a:t>10/07/17</a:t>
             </a:fld>
             <a:endParaRPr lang="en-NZ"/>
           </a:p>
@@ -2348,7 +2348,7 @@
           <a:p>
             <a:fld id="{D4351B45-279F-42A8-9B05-CE858E05D9F5}" type="datetimeFigureOut">
               <a:rPr lang="en-NZ" smtClean="0"/>
-              <a:t>7/07/17</a:t>
+              <a:t>10/07/17</a:t>
             </a:fld>
             <a:endParaRPr lang="en-NZ"/>
           </a:p>
@@ -2625,7 +2625,7 @@
           <a:p>
             <a:fld id="{D4351B45-279F-42A8-9B05-CE858E05D9F5}" type="datetimeFigureOut">
               <a:rPr lang="en-NZ" smtClean="0"/>
-              <a:t>7/07/17</a:t>
+              <a:t>10/07/17</a:t>
             </a:fld>
             <a:endParaRPr lang="en-NZ"/>
           </a:p>
@@ -2878,7 +2878,7 @@
           <a:p>
             <a:fld id="{D4351B45-279F-42A8-9B05-CE858E05D9F5}" type="datetimeFigureOut">
               <a:rPr lang="en-NZ" smtClean="0"/>
-              <a:t>7/07/17</a:t>
+              <a:t>10/07/17</a:t>
             </a:fld>
             <a:endParaRPr lang="en-NZ"/>
           </a:p>
@@ -3091,7 +3091,7 @@
           <a:p>
             <a:fld id="{D4351B45-279F-42A8-9B05-CE858E05D9F5}" type="datetimeFigureOut">
               <a:rPr lang="en-NZ" smtClean="0"/>
-              <a:t>7/07/17</a:t>
+              <a:t>10/07/17</a:t>
             </a:fld>
             <a:endParaRPr lang="en-NZ"/>
           </a:p>
@@ -3466,8 +3466,8 @@
           <a:chExt cx="0" cy="0"/>
         </a:xfrm>
       </p:grpSpPr>
-      <mc:AlternateContent xmlns:mc="http://schemas.openxmlformats.org/markup-compatibility/2006">
-        <mc:Choice xmlns:a14="http://schemas.microsoft.com/office/drawing/2010/main" Requires="a14">
+      <mc:AlternateContent xmlns:mc="http://schemas.openxmlformats.org/markup-compatibility/2006" xmlns:a14="http://schemas.microsoft.com/office/drawing/2010/main">
+        <mc:Choice Requires="a14">
           <p:sp>
             <p:nvSpPr>
               <p:cNvPr id="4" name="Oval 3"/>
@@ -3562,7 +3562,7 @@
             </p:txBody>
           </p:sp>
         </mc:Choice>
-        <mc:Fallback>
+        <mc:Fallback xmlns="">
           <p:sp>
             <p:nvSpPr>
               <p:cNvPr id="4" name="Oval 3"/>
@@ -3606,8 +3606,8 @@
           </p:sp>
         </mc:Fallback>
       </mc:AlternateContent>
-      <mc:AlternateContent xmlns:mc="http://schemas.openxmlformats.org/markup-compatibility/2006">
-        <mc:Choice xmlns:a14="http://schemas.microsoft.com/office/drawing/2010/main" Requires="a14">
+      <mc:AlternateContent xmlns:mc="http://schemas.openxmlformats.org/markup-compatibility/2006" xmlns:a14="http://schemas.microsoft.com/office/drawing/2010/main">
+        <mc:Choice Requires="a14">
           <p:sp>
             <p:nvSpPr>
               <p:cNvPr id="6" name="Oval 5"/>
@@ -3702,7 +3702,7 @@
             </p:txBody>
           </p:sp>
         </mc:Choice>
-        <mc:Fallback>
+        <mc:Fallback xmlns="">
           <p:sp>
             <p:nvSpPr>
               <p:cNvPr id="6" name="Oval 5"/>
@@ -3785,8 +3785,8 @@
           </a:fontRef>
         </p:style>
       </p:cxnSp>
-      <mc:AlternateContent xmlns:mc="http://schemas.openxmlformats.org/markup-compatibility/2006">
-        <mc:Choice xmlns:a14="http://schemas.microsoft.com/office/drawing/2010/main" Requires="a14">
+      <mc:AlternateContent xmlns:mc="http://schemas.openxmlformats.org/markup-compatibility/2006" xmlns:a14="http://schemas.microsoft.com/office/drawing/2010/main">
+        <mc:Choice Requires="a14">
           <p:sp>
             <p:nvSpPr>
               <p:cNvPr id="9" name="Oval 8"/>
@@ -3881,7 +3881,7 @@
             </p:txBody>
           </p:sp>
         </mc:Choice>
-        <mc:Fallback>
+        <mc:Fallback xmlns="">
           <p:sp>
             <p:nvSpPr>
               <p:cNvPr id="9" name="Oval 8"/>
@@ -3925,8 +3925,8 @@
           </p:sp>
         </mc:Fallback>
       </mc:AlternateContent>
-      <mc:AlternateContent xmlns:mc="http://schemas.openxmlformats.org/markup-compatibility/2006">
-        <mc:Choice xmlns:a14="http://schemas.microsoft.com/office/drawing/2010/main" Requires="a14">
+      <mc:AlternateContent xmlns:mc="http://schemas.openxmlformats.org/markup-compatibility/2006" xmlns:a14="http://schemas.microsoft.com/office/drawing/2010/main">
+        <mc:Choice Requires="a14">
           <p:sp>
             <p:nvSpPr>
               <p:cNvPr id="11" name="Oval 10"/>
@@ -4021,7 +4021,7 @@
             </p:txBody>
           </p:sp>
         </mc:Choice>
-        <mc:Fallback>
+        <mc:Fallback xmlns="">
           <p:sp>
             <p:nvSpPr>
               <p:cNvPr id="11" name="Oval 10"/>
@@ -4065,8 +4065,8 @@
           </p:sp>
         </mc:Fallback>
       </mc:AlternateContent>
-      <mc:AlternateContent xmlns:mc="http://schemas.openxmlformats.org/markup-compatibility/2006">
-        <mc:Choice xmlns:a14="http://schemas.microsoft.com/office/drawing/2010/main" Requires="a14">
+      <mc:AlternateContent xmlns:mc="http://schemas.openxmlformats.org/markup-compatibility/2006" xmlns:a14="http://schemas.microsoft.com/office/drawing/2010/main">
+        <mc:Choice Requires="a14">
           <p:sp>
             <p:nvSpPr>
               <p:cNvPr id="12" name="Oval 11"/>
@@ -4161,7 +4161,7 @@
             </p:txBody>
           </p:sp>
         </mc:Choice>
-        <mc:Fallback>
+        <mc:Fallback xmlns="">
           <p:sp>
             <p:nvSpPr>
               <p:cNvPr id="12" name="Oval 11"/>
@@ -4359,8 +4359,8 @@
           </a:fontRef>
         </p:style>
       </p:cxnSp>
-      <mc:AlternateContent xmlns:mc="http://schemas.openxmlformats.org/markup-compatibility/2006">
-        <mc:Choice xmlns:a14="http://schemas.microsoft.com/office/drawing/2010/main" Requires="a14">
+      <mc:AlternateContent xmlns:mc="http://schemas.openxmlformats.org/markup-compatibility/2006" xmlns:a14="http://schemas.microsoft.com/office/drawing/2010/main">
+        <mc:Choice Requires="a14">
           <p:sp>
             <p:nvSpPr>
               <p:cNvPr id="21" name="TextBox 20"/>
@@ -4404,7 +4404,7 @@
             </p:txBody>
           </p:sp>
         </mc:Choice>
-        <mc:Fallback>
+        <mc:Fallback xmlns="">
           <p:sp>
             <p:nvSpPr>
               <p:cNvPr id="21" name="TextBox 20"/>
@@ -4443,8 +4443,8 @@
           </p:sp>
         </mc:Fallback>
       </mc:AlternateContent>
-      <mc:AlternateContent xmlns:mc="http://schemas.openxmlformats.org/markup-compatibility/2006">
-        <mc:Choice xmlns:a14="http://schemas.microsoft.com/office/drawing/2010/main" Requires="a14">
+      <mc:AlternateContent xmlns:mc="http://schemas.openxmlformats.org/markup-compatibility/2006" xmlns:a14="http://schemas.microsoft.com/office/drawing/2010/main">
+        <mc:Choice Requires="a14">
           <p:sp>
             <p:nvSpPr>
               <p:cNvPr id="22" name="TextBox 21"/>
@@ -4544,7 +4544,7 @@
             </p:txBody>
           </p:sp>
         </mc:Choice>
-        <mc:Fallback>
+        <mc:Fallback xmlns="">
           <p:sp>
             <p:nvSpPr>
               <p:cNvPr id="22" name="TextBox 21"/>
@@ -4583,8 +4583,8 @@
           </p:sp>
         </mc:Fallback>
       </mc:AlternateContent>
-      <mc:AlternateContent xmlns:mc="http://schemas.openxmlformats.org/markup-compatibility/2006">
-        <mc:Choice xmlns:a14="http://schemas.microsoft.com/office/drawing/2010/main" Requires="a14">
+      <mc:AlternateContent xmlns:mc="http://schemas.openxmlformats.org/markup-compatibility/2006" xmlns:a14="http://schemas.microsoft.com/office/drawing/2010/main">
+        <mc:Choice Requires="a14">
           <p:sp>
             <p:nvSpPr>
               <p:cNvPr id="23" name="TextBox 22"/>
@@ -4684,7 +4684,7 @@
             </p:txBody>
           </p:sp>
         </mc:Choice>
-        <mc:Fallback>
+        <mc:Fallback xmlns="">
           <p:sp>
             <p:nvSpPr>
               <p:cNvPr id="23" name="TextBox 22"/>
@@ -4723,8 +4723,8 @@
           </p:sp>
         </mc:Fallback>
       </mc:AlternateContent>
-      <mc:AlternateContent xmlns:mc="http://schemas.openxmlformats.org/markup-compatibility/2006">
-        <mc:Choice xmlns:a14="http://schemas.microsoft.com/office/drawing/2010/main" Requires="a14">
+      <mc:AlternateContent xmlns:mc="http://schemas.openxmlformats.org/markup-compatibility/2006" xmlns:a14="http://schemas.microsoft.com/office/drawing/2010/main">
+        <mc:Choice Requires="a14">
           <p:sp>
             <p:nvSpPr>
               <p:cNvPr id="24" name="TextBox 23"/>
@@ -4824,7 +4824,7 @@
             </p:txBody>
           </p:sp>
         </mc:Choice>
-        <mc:Fallback>
+        <mc:Fallback xmlns="">
           <p:sp>
             <p:nvSpPr>
               <p:cNvPr id="24" name="TextBox 23"/>
@@ -4863,8 +4863,8 @@
           </p:sp>
         </mc:Fallback>
       </mc:AlternateContent>
-      <mc:AlternateContent xmlns:mc="http://schemas.openxmlformats.org/markup-compatibility/2006">
-        <mc:Choice xmlns:a14="http://schemas.microsoft.com/office/drawing/2010/main" Requires="a14">
+      <mc:AlternateContent xmlns:mc="http://schemas.openxmlformats.org/markup-compatibility/2006" xmlns:a14="http://schemas.microsoft.com/office/drawing/2010/main">
+        <mc:Choice Requires="a14">
           <p:sp>
             <p:nvSpPr>
               <p:cNvPr id="25" name="TextBox 24"/>
@@ -4908,7 +4908,7 @@
             </p:txBody>
           </p:sp>
         </mc:Choice>
-        <mc:Fallback>
+        <mc:Fallback xmlns="">
           <p:sp>
             <p:nvSpPr>
               <p:cNvPr id="25" name="TextBox 24"/>
@@ -5013,20 +5013,602 @@
           <a:chExt cx="0" cy="0"/>
         </a:xfrm>
       </p:grpSpPr>
+      <p:grpSp>
+        <p:nvGrpSpPr>
+          <p:cNvPr id="7" name="Group 6"/>
+          <p:cNvGrpSpPr/>
+          <p:nvPr/>
+        </p:nvGrpSpPr>
+        <p:grpSpPr>
+          <a:xfrm>
+            <a:off x="3903336" y="2525023"/>
+            <a:ext cx="1068585" cy="1068585"/>
+            <a:chOff x="2513707" y="1497707"/>
+            <a:chExt cx="1068585" cy="1068585"/>
+          </a:xfrm>
+        </p:grpSpPr>
+        <p:sp>
+          <p:nvSpPr>
+            <p:cNvPr id="20" name="Oval 19"/>
+            <p:cNvSpPr/>
+            <p:nvPr/>
+          </p:nvSpPr>
+          <p:spPr>
+            <a:xfrm>
+              <a:off x="2513707" y="1497707"/>
+              <a:ext cx="1068585" cy="1068585"/>
+            </a:xfrm>
+            <a:prstGeom prst="ellipse">
+              <a:avLst/>
+            </a:prstGeom>
+            <a:noFill/>
+            <a:ln>
+              <a:solidFill>
+                <a:schemeClr val="tx1"/>
+              </a:solidFill>
+            </a:ln>
+          </p:spPr>
+          <p:style>
+            <a:lnRef idx="2">
+              <a:scrgbClr r="0" g="0" b="0"/>
+            </a:lnRef>
+            <a:fillRef idx="1">
+              <a:scrgbClr r="0" g="0" b="0"/>
+            </a:fillRef>
+            <a:effectRef idx="0">
+              <a:schemeClr val="accent1">
+                <a:hueOff val="0"/>
+                <a:satOff val="0"/>
+                <a:lumOff val="0"/>
+                <a:alphaOff val="0"/>
+              </a:schemeClr>
+            </a:effectRef>
+            <a:fontRef idx="minor">
+              <a:schemeClr val="lt1"/>
+            </a:fontRef>
+          </p:style>
+        </p:sp>
+        <p:sp>
+          <p:nvSpPr>
+            <p:cNvPr id="21" name="Oval 4"/>
+            <p:cNvSpPr/>
+            <p:nvPr/>
+          </p:nvSpPr>
+          <p:spPr>
+            <a:xfrm>
+              <a:off x="2670198" y="1654198"/>
+              <a:ext cx="755603" cy="755603"/>
+            </a:xfrm>
+            <a:prstGeom prst="rect">
+              <a:avLst/>
+            </a:prstGeom>
+          </p:spPr>
+          <p:style>
+            <a:lnRef idx="0">
+              <a:scrgbClr r="0" g="0" b="0"/>
+            </a:lnRef>
+            <a:fillRef idx="0">
+              <a:scrgbClr r="0" g="0" b="0"/>
+            </a:fillRef>
+            <a:effectRef idx="0">
+              <a:scrgbClr r="0" g="0" b="0"/>
+            </a:effectRef>
+            <a:fontRef idx="minor">
+              <a:schemeClr val="lt1"/>
+            </a:fontRef>
+          </p:style>
+          <p:txBody>
+            <a:bodyPr spcFirstLastPara="0" vert="horz" wrap="square" lIns="22860" tIns="22860" rIns="22860" bIns="22860" numCol="1" spcCol="1270" anchor="ctr" anchorCtr="0">
+              <a:noAutofit/>
+            </a:bodyPr>
+            <a:lstStyle/>
+            <a:p>
+              <a:pPr lvl="0" algn="ctr" defTabSz="800100">
+                <a:lnSpc>
+                  <a:spcPct val="90000"/>
+                </a:lnSpc>
+                <a:spcBef>
+                  <a:spcPct val="0"/>
+                </a:spcBef>
+                <a:spcAft>
+                  <a:spcPct val="35000"/>
+                </a:spcAft>
+              </a:pPr>
+              <a:r>
+                <a:rPr lang="en-US" sz="1800" kern="1200" dirty="0" smtClean="0">
+                  <a:solidFill>
+                    <a:schemeClr val="tx1"/>
+                  </a:solidFill>
+                </a:rPr>
+                <a:t>Web Service</a:t>
+              </a:r>
+              <a:endParaRPr lang="en-US" sz="1800" kern="1200" dirty="0">
+                <a:solidFill>
+                  <a:schemeClr val="tx1"/>
+                </a:solidFill>
+              </a:endParaRPr>
+            </a:p>
+          </p:txBody>
+        </p:sp>
+      </p:grpSp>
+      <p:grpSp>
+        <p:nvGrpSpPr>
+          <p:cNvPr id="8" name="Group 7"/>
+          <p:cNvGrpSpPr/>
+          <p:nvPr/>
+        </p:nvGrpSpPr>
+        <p:grpSpPr>
+          <a:xfrm>
+            <a:off x="4255969" y="2204864"/>
+            <a:ext cx="363319" cy="226246"/>
+            <a:chOff x="2866340" y="1177548"/>
+            <a:chExt cx="363319" cy="226246"/>
+          </a:xfrm>
+        </p:grpSpPr>
+        <p:sp>
+          <p:nvSpPr>
+            <p:cNvPr id="18" name="Right Arrow 17"/>
+            <p:cNvSpPr/>
+            <p:nvPr/>
+          </p:nvSpPr>
+          <p:spPr>
+            <a:xfrm rot="16200000">
+              <a:off x="2934877" y="1109011"/>
+              <a:ext cx="226245" cy="363319"/>
+            </a:xfrm>
+            <a:prstGeom prst="rightArrow">
+              <a:avLst>
+                <a:gd name="adj1" fmla="val 60000"/>
+                <a:gd name="adj2" fmla="val 50000"/>
+              </a:avLst>
+            </a:prstGeom>
+          </p:spPr>
+          <p:style>
+            <a:lnRef idx="0">
+              <a:schemeClr val="accent1">
+                <a:tint val="60000"/>
+                <a:hueOff val="0"/>
+                <a:satOff val="0"/>
+                <a:lumOff val="0"/>
+                <a:alphaOff val="0"/>
+              </a:schemeClr>
+            </a:lnRef>
+            <a:fillRef idx="1">
+              <a:schemeClr val="accent1">
+                <a:tint val="60000"/>
+                <a:hueOff val="0"/>
+                <a:satOff val="0"/>
+                <a:lumOff val="0"/>
+                <a:alphaOff val="0"/>
+              </a:schemeClr>
+            </a:fillRef>
+            <a:effectRef idx="0">
+              <a:schemeClr val="accent1">
+                <a:tint val="60000"/>
+                <a:hueOff val="0"/>
+                <a:satOff val="0"/>
+                <a:lumOff val="0"/>
+                <a:alphaOff val="0"/>
+              </a:schemeClr>
+            </a:effectRef>
+            <a:fontRef idx="minor">
+              <a:schemeClr val="lt1"/>
+            </a:fontRef>
+          </p:style>
+        </p:sp>
+        <p:sp>
+          <p:nvSpPr>
+            <p:cNvPr id="19" name="Right Arrow 6"/>
+            <p:cNvSpPr/>
+            <p:nvPr/>
+          </p:nvSpPr>
+          <p:spPr>
+            <a:xfrm rot="16200000">
+              <a:off x="2968814" y="1215612"/>
+              <a:ext cx="158372" cy="217991"/>
+            </a:xfrm>
+            <a:prstGeom prst="rect">
+              <a:avLst/>
+            </a:prstGeom>
+          </p:spPr>
+          <p:style>
+            <a:lnRef idx="0">
+              <a:scrgbClr r="0" g="0" b="0"/>
+            </a:lnRef>
+            <a:fillRef idx="0">
+              <a:scrgbClr r="0" g="0" b="0"/>
+            </a:fillRef>
+            <a:effectRef idx="0">
+              <a:scrgbClr r="0" g="0" b="0"/>
+            </a:effectRef>
+            <a:fontRef idx="minor">
+              <a:schemeClr val="lt1"/>
+            </a:fontRef>
+          </p:style>
+          <p:txBody>
+            <a:bodyPr spcFirstLastPara="0" vert="horz" wrap="square" lIns="0" tIns="0" rIns="0" bIns="0" numCol="1" spcCol="1270" anchor="ctr" anchorCtr="0">
+              <a:noAutofit/>
+            </a:bodyPr>
+            <a:lstStyle/>
+            <a:p>
+              <a:pPr lvl="0" algn="ctr" defTabSz="666750">
+                <a:lnSpc>
+                  <a:spcPct val="90000"/>
+                </a:lnSpc>
+                <a:spcBef>
+                  <a:spcPct val="0"/>
+                </a:spcBef>
+                <a:spcAft>
+                  <a:spcPct val="35000"/>
+                </a:spcAft>
+              </a:pPr>
+              <a:endParaRPr lang="en-US" sz="1500" kern="1200"/>
+            </a:p>
+          </p:txBody>
+        </p:sp>
+      </p:grpSp>
+      <p:grpSp>
+        <p:nvGrpSpPr>
+          <p:cNvPr id="9" name="Group 8"/>
+          <p:cNvGrpSpPr/>
+          <p:nvPr/>
+        </p:nvGrpSpPr>
+        <p:grpSpPr>
+          <a:xfrm>
+            <a:off x="5065835" y="2877656"/>
+            <a:ext cx="226245" cy="363319"/>
+            <a:chOff x="3676206" y="1850340"/>
+            <a:chExt cx="226245" cy="363319"/>
+          </a:xfrm>
+        </p:grpSpPr>
+        <p:sp>
+          <p:nvSpPr>
+            <p:cNvPr id="16" name="Right Arrow 15"/>
+            <p:cNvSpPr/>
+            <p:nvPr/>
+          </p:nvSpPr>
+          <p:spPr>
+            <a:xfrm>
+              <a:off x="3676206" y="1850340"/>
+              <a:ext cx="226245" cy="363319"/>
+            </a:xfrm>
+            <a:prstGeom prst="rightArrow">
+              <a:avLst>
+                <a:gd name="adj1" fmla="val 60000"/>
+                <a:gd name="adj2" fmla="val 50000"/>
+              </a:avLst>
+            </a:prstGeom>
+          </p:spPr>
+          <p:style>
+            <a:lnRef idx="0">
+              <a:schemeClr val="accent1">
+                <a:tint val="60000"/>
+                <a:hueOff val="0"/>
+                <a:satOff val="0"/>
+                <a:lumOff val="0"/>
+                <a:alphaOff val="0"/>
+              </a:schemeClr>
+            </a:lnRef>
+            <a:fillRef idx="1">
+              <a:schemeClr val="accent1">
+                <a:tint val="60000"/>
+                <a:hueOff val="0"/>
+                <a:satOff val="0"/>
+                <a:lumOff val="0"/>
+                <a:alphaOff val="0"/>
+              </a:schemeClr>
+            </a:fillRef>
+            <a:effectRef idx="0">
+              <a:schemeClr val="accent1">
+                <a:tint val="60000"/>
+                <a:hueOff val="0"/>
+                <a:satOff val="0"/>
+                <a:lumOff val="0"/>
+                <a:alphaOff val="0"/>
+              </a:schemeClr>
+            </a:effectRef>
+            <a:fontRef idx="minor">
+              <a:schemeClr val="lt1"/>
+            </a:fontRef>
+          </p:style>
+        </p:sp>
+        <p:sp>
+          <p:nvSpPr>
+            <p:cNvPr id="17" name="Right Arrow 8"/>
+            <p:cNvSpPr/>
+            <p:nvPr/>
+          </p:nvSpPr>
+          <p:spPr>
+            <a:xfrm>
+              <a:off x="3676206" y="1923004"/>
+              <a:ext cx="158372" cy="217991"/>
+            </a:xfrm>
+            <a:prstGeom prst="rect">
+              <a:avLst/>
+            </a:prstGeom>
+          </p:spPr>
+          <p:style>
+            <a:lnRef idx="0">
+              <a:scrgbClr r="0" g="0" b="0"/>
+            </a:lnRef>
+            <a:fillRef idx="0">
+              <a:scrgbClr r="0" g="0" b="0"/>
+            </a:fillRef>
+            <a:effectRef idx="0">
+              <a:scrgbClr r="0" g="0" b="0"/>
+            </a:effectRef>
+            <a:fontRef idx="minor">
+              <a:schemeClr val="lt1"/>
+            </a:fontRef>
+          </p:style>
+          <p:txBody>
+            <a:bodyPr spcFirstLastPara="0" vert="horz" wrap="square" lIns="0" tIns="0" rIns="0" bIns="0" numCol="1" spcCol="1270" anchor="ctr" anchorCtr="0">
+              <a:noAutofit/>
+            </a:bodyPr>
+            <a:lstStyle/>
+            <a:p>
+              <a:pPr lvl="0" algn="ctr" defTabSz="666750">
+                <a:lnSpc>
+                  <a:spcPct val="90000"/>
+                </a:lnSpc>
+                <a:spcBef>
+                  <a:spcPct val="0"/>
+                </a:spcBef>
+                <a:spcAft>
+                  <a:spcPct val="35000"/>
+                </a:spcAft>
+              </a:pPr>
+              <a:endParaRPr lang="en-US" sz="1500" kern="1200"/>
+            </a:p>
+          </p:txBody>
+        </p:sp>
+      </p:grpSp>
+      <p:grpSp>
+        <p:nvGrpSpPr>
+          <p:cNvPr id="10" name="Group 9"/>
+          <p:cNvGrpSpPr/>
+          <p:nvPr/>
+        </p:nvGrpSpPr>
+        <p:grpSpPr>
+          <a:xfrm>
+            <a:off x="4255969" y="3687522"/>
+            <a:ext cx="363319" cy="226245"/>
+            <a:chOff x="2866340" y="2660206"/>
+            <a:chExt cx="363319" cy="226245"/>
+          </a:xfrm>
+        </p:grpSpPr>
+        <p:sp>
+          <p:nvSpPr>
+            <p:cNvPr id="14" name="Right Arrow 13"/>
+            <p:cNvSpPr/>
+            <p:nvPr/>
+          </p:nvSpPr>
+          <p:spPr>
+            <a:xfrm rot="5400000">
+              <a:off x="2934877" y="2591669"/>
+              <a:ext cx="226245" cy="363319"/>
+            </a:xfrm>
+            <a:prstGeom prst="rightArrow">
+              <a:avLst>
+                <a:gd name="adj1" fmla="val 60000"/>
+                <a:gd name="adj2" fmla="val 50000"/>
+              </a:avLst>
+            </a:prstGeom>
+          </p:spPr>
+          <p:style>
+            <a:lnRef idx="0">
+              <a:schemeClr val="accent1">
+                <a:tint val="60000"/>
+                <a:hueOff val="0"/>
+                <a:satOff val="0"/>
+                <a:lumOff val="0"/>
+                <a:alphaOff val="0"/>
+              </a:schemeClr>
+            </a:lnRef>
+            <a:fillRef idx="1">
+              <a:schemeClr val="accent1">
+                <a:tint val="60000"/>
+                <a:hueOff val="0"/>
+                <a:satOff val="0"/>
+                <a:lumOff val="0"/>
+                <a:alphaOff val="0"/>
+              </a:schemeClr>
+            </a:fillRef>
+            <a:effectRef idx="0">
+              <a:schemeClr val="accent1">
+                <a:tint val="60000"/>
+                <a:hueOff val="0"/>
+                <a:satOff val="0"/>
+                <a:lumOff val="0"/>
+                <a:alphaOff val="0"/>
+              </a:schemeClr>
+            </a:effectRef>
+            <a:fontRef idx="minor">
+              <a:schemeClr val="lt1"/>
+            </a:fontRef>
+          </p:style>
+        </p:sp>
+        <p:sp>
+          <p:nvSpPr>
+            <p:cNvPr id="15" name="Right Arrow 10"/>
+            <p:cNvSpPr/>
+            <p:nvPr/>
+          </p:nvSpPr>
+          <p:spPr>
+            <a:xfrm rot="5400000">
+              <a:off x="2968814" y="2630397"/>
+              <a:ext cx="158372" cy="217991"/>
+            </a:xfrm>
+            <a:prstGeom prst="rect">
+              <a:avLst/>
+            </a:prstGeom>
+          </p:spPr>
+          <p:style>
+            <a:lnRef idx="0">
+              <a:scrgbClr r="0" g="0" b="0"/>
+            </a:lnRef>
+            <a:fillRef idx="0">
+              <a:scrgbClr r="0" g="0" b="0"/>
+            </a:fillRef>
+            <a:effectRef idx="0">
+              <a:scrgbClr r="0" g="0" b="0"/>
+            </a:effectRef>
+            <a:fontRef idx="minor">
+              <a:schemeClr val="lt1"/>
+            </a:fontRef>
+          </p:style>
+          <p:txBody>
+            <a:bodyPr spcFirstLastPara="0" vert="horz" wrap="square" lIns="0" tIns="0" rIns="0" bIns="0" numCol="1" spcCol="1270" anchor="ctr" anchorCtr="0">
+              <a:noAutofit/>
+            </a:bodyPr>
+            <a:lstStyle/>
+            <a:p>
+              <a:pPr lvl="0" algn="ctr" defTabSz="666750">
+                <a:lnSpc>
+                  <a:spcPct val="90000"/>
+                </a:lnSpc>
+                <a:spcBef>
+                  <a:spcPct val="0"/>
+                </a:spcBef>
+                <a:spcAft>
+                  <a:spcPct val="35000"/>
+                </a:spcAft>
+              </a:pPr>
+              <a:endParaRPr lang="en-US" sz="1500" kern="1200"/>
+            </a:p>
+          </p:txBody>
+        </p:sp>
+      </p:grpSp>
+      <p:grpSp>
+        <p:nvGrpSpPr>
+          <p:cNvPr id="11" name="Group 10"/>
+          <p:cNvGrpSpPr/>
+          <p:nvPr/>
+        </p:nvGrpSpPr>
+        <p:grpSpPr>
+          <a:xfrm>
+            <a:off x="3583177" y="2877656"/>
+            <a:ext cx="226245" cy="363319"/>
+            <a:chOff x="2193548" y="1850340"/>
+            <a:chExt cx="226245" cy="363319"/>
+          </a:xfrm>
+        </p:grpSpPr>
+        <p:sp>
+          <p:nvSpPr>
+            <p:cNvPr id="12" name="Right Arrow 11"/>
+            <p:cNvSpPr/>
+            <p:nvPr/>
+          </p:nvSpPr>
+          <p:spPr>
+            <a:xfrm rot="10800000">
+              <a:off x="2193548" y="1850340"/>
+              <a:ext cx="226245" cy="363319"/>
+            </a:xfrm>
+            <a:prstGeom prst="rightArrow">
+              <a:avLst>
+                <a:gd name="adj1" fmla="val 60000"/>
+                <a:gd name="adj2" fmla="val 50000"/>
+              </a:avLst>
+            </a:prstGeom>
+          </p:spPr>
+          <p:style>
+            <a:lnRef idx="0">
+              <a:schemeClr val="accent1">
+                <a:tint val="60000"/>
+                <a:hueOff val="0"/>
+                <a:satOff val="0"/>
+                <a:lumOff val="0"/>
+                <a:alphaOff val="0"/>
+              </a:schemeClr>
+            </a:lnRef>
+            <a:fillRef idx="1">
+              <a:schemeClr val="accent1">
+                <a:tint val="60000"/>
+                <a:hueOff val="0"/>
+                <a:satOff val="0"/>
+                <a:lumOff val="0"/>
+                <a:alphaOff val="0"/>
+              </a:schemeClr>
+            </a:fillRef>
+            <a:effectRef idx="0">
+              <a:schemeClr val="accent1">
+                <a:tint val="60000"/>
+                <a:hueOff val="0"/>
+                <a:satOff val="0"/>
+                <a:lumOff val="0"/>
+                <a:alphaOff val="0"/>
+              </a:schemeClr>
+            </a:effectRef>
+            <a:fontRef idx="minor">
+              <a:schemeClr val="lt1"/>
+            </a:fontRef>
+          </p:style>
+        </p:sp>
+        <p:sp>
+          <p:nvSpPr>
+            <p:cNvPr id="13" name="Right Arrow 12"/>
+            <p:cNvSpPr/>
+            <p:nvPr/>
+          </p:nvSpPr>
+          <p:spPr>
+            <a:xfrm rot="21600000">
+              <a:off x="2261421" y="1923004"/>
+              <a:ext cx="158372" cy="217991"/>
+            </a:xfrm>
+            <a:prstGeom prst="rect">
+              <a:avLst/>
+            </a:prstGeom>
+          </p:spPr>
+          <p:style>
+            <a:lnRef idx="0">
+              <a:scrgbClr r="0" g="0" b="0"/>
+            </a:lnRef>
+            <a:fillRef idx="0">
+              <a:scrgbClr r="0" g="0" b="0"/>
+            </a:fillRef>
+            <a:effectRef idx="0">
+              <a:scrgbClr r="0" g="0" b="0"/>
+            </a:effectRef>
+            <a:fontRef idx="minor">
+              <a:schemeClr val="lt1"/>
+            </a:fontRef>
+          </p:style>
+          <p:txBody>
+            <a:bodyPr spcFirstLastPara="0" vert="horz" wrap="square" lIns="0" tIns="0" rIns="0" bIns="0" numCol="1" spcCol="1270" anchor="ctr" anchorCtr="0">
+              <a:noAutofit/>
+            </a:bodyPr>
+            <a:lstStyle/>
+            <a:p>
+              <a:pPr lvl="0" algn="ctr" defTabSz="666750">
+                <a:lnSpc>
+                  <a:spcPct val="90000"/>
+                </a:lnSpc>
+                <a:spcBef>
+                  <a:spcPct val="0"/>
+                </a:spcBef>
+                <a:spcAft>
+                  <a:spcPct val="35000"/>
+                </a:spcAft>
+              </a:pPr>
+              <a:endParaRPr lang="en-US" sz="1500" kern="1200"/>
+            </a:p>
+          </p:txBody>
+        </p:sp>
+      </p:grpSp>
       <mc:AlternateContent xmlns:mc="http://schemas.openxmlformats.org/markup-compatibility/2006">
         <mc:Choice xmlns:a14="http://schemas.microsoft.com/office/drawing/2010/main" Requires="a14">
           <p:sp>
             <p:nvSpPr>
-              <p:cNvPr id="2" name="Oval 1"/>
+              <p:cNvPr id="23" name="Rectangle 22"/>
               <p:cNvSpPr/>
               <p:nvPr/>
             </p:nvSpPr>
             <p:spPr>
               <a:xfrm>
-                <a:off x="2051720" y="1565176"/>
-                <a:ext cx="792088" cy="792088"/>
+                <a:off x="3465520" y="1622563"/>
+                <a:ext cx="1944216" cy="504056"/>
               </a:xfrm>
-              <a:prstGeom prst="ellipse">
+              <a:prstGeom prst="rect">
                 <a:avLst/>
               </a:prstGeom>
               <a:noFill/>
@@ -5056,7 +5638,7 @@
               <a:bodyPr rtlCol="0" anchor="ctr"/>
               <a:lstStyle/>
               <a:p>
-                <a:pPr algn="ctr"/>
+                <a:pPr lvl="0"/>
                 <a14:m>
                   <m:oMathPara xmlns:m="http://schemas.openxmlformats.org/officeDocument/2006/math">
                     <m:oMathParaPr>
@@ -5066,7 +5648,7 @@
                       <m:sSub>
                         <m:sSubPr>
                           <m:ctrlPr>
-                            <a:rPr lang="en-US" i="1" dirty="0" smtClean="0">
+                            <a:rPr lang="en-US" i="1" smtClean="0">
                               <a:solidFill>
                                 <a:schemeClr val="tx1"/>
                               </a:solidFill>
@@ -5076,27 +5658,179 @@
                         </m:sSubPr>
                         <m:e>
                           <m:r>
-                            <a:rPr lang="en-AU" b="0" i="1" dirty="0" smtClean="0">
+                            <a:rPr lang="en-AU" i="1">
                               <a:solidFill>
                                 <a:schemeClr val="tx1"/>
                               </a:solidFill>
                               <a:latin typeface="Cambria Math" charset="0"/>
                             </a:rPr>
-                            <m:t>𝑆</m:t>
+                            <m:t>𝑣</m:t>
+                          </m:r>
+                        </m:e>
+                        <m:sub>
+                          <m:sSub>
+                            <m:sSubPr>
+                              <m:ctrlPr>
+                                <a:rPr lang="en-US" i="1">
+                                  <a:solidFill>
+                                    <a:schemeClr val="tx1"/>
+                                  </a:solidFill>
+                                  <a:latin typeface="Cambria Math" charset="0"/>
+                                </a:rPr>
+                              </m:ctrlPr>
+                            </m:sSubPr>
+                            <m:e>
+                              <m:r>
+                                <a:rPr lang="en-AU" i="1">
+                                  <a:solidFill>
+                                    <a:schemeClr val="tx1"/>
+                                  </a:solidFill>
+                                  <a:latin typeface="Cambria Math" charset="0"/>
+                                </a:rPr>
+                                <m:t>𝑞</m:t>
+                              </m:r>
+                            </m:e>
+                            <m:sub>
+                              <m:r>
+                                <a:rPr lang="en-AU" i="1">
+                                  <a:solidFill>
+                                    <a:schemeClr val="tx1"/>
+                                  </a:solidFill>
+                                  <a:latin typeface="Cambria Math" charset="0"/>
+                                </a:rPr>
+                                <m:t>1</m:t>
+                              </m:r>
+                            </m:sub>
+                          </m:sSub>
+                        </m:sub>
+                      </m:sSub>
+                      <m:r>
+                        <a:rPr lang="en-US" i="1">
+                          <a:solidFill>
+                            <a:schemeClr val="tx1"/>
+                          </a:solidFill>
+                          <a:latin typeface="Cambria Math" charset="0"/>
+                          <a:ea typeface="Cambria Math" charset="0"/>
+                          <a:cs typeface="Cambria Math" charset="0"/>
+                        </a:rPr>
+                        <m:t>∈</m:t>
+                      </m:r>
+                      <m:r>
+                        <a:rPr lang="zh-CN" altLang="en-US" i="1">
+                          <a:solidFill>
+                            <a:schemeClr val="tx1"/>
+                          </a:solidFill>
+                          <a:latin typeface="Cambria Math" charset="0"/>
+                          <a:ea typeface="Cambria Math" charset="0"/>
+                          <a:cs typeface="Cambria Math" charset="0"/>
+                        </a:rPr>
+                        <m:t> </m:t>
+                      </m:r>
+                      <m:sSub>
+                        <m:sSubPr>
+                          <m:ctrlPr>
+                            <a:rPr lang="en-US" altLang="zh-CN" i="1">
+                              <a:solidFill>
+                                <a:schemeClr val="tx1"/>
+                              </a:solidFill>
+                              <a:latin typeface="Cambria Math" charset="0"/>
+                              <a:ea typeface="Cambria Math" charset="0"/>
+                              <a:cs typeface="Cambria Math" charset="0"/>
+                            </a:rPr>
+                          </m:ctrlPr>
+                        </m:sSubPr>
+                        <m:e>
+                          <m:r>
+                            <a:rPr lang="en-AU" altLang="zh-CN" i="1">
+                              <a:solidFill>
+                                <a:schemeClr val="tx1"/>
+                              </a:solidFill>
+                              <a:latin typeface="Cambria Math" charset="0"/>
+                              <a:ea typeface="Cambria Math" charset="0"/>
+                              <a:cs typeface="Cambria Math" charset="0"/>
+                            </a:rPr>
+                            <m:t>𝑉</m:t>
                           </m:r>
                         </m:e>
                         <m:sub>
                           <m:r>
-                            <a:rPr lang="en-AU" b="0" i="1" dirty="0" smtClean="0">
+                            <a:rPr lang="en-AU" altLang="zh-CN" i="1">
                               <a:solidFill>
                                 <a:schemeClr val="tx1"/>
                               </a:solidFill>
                               <a:latin typeface="Cambria Math" charset="0"/>
+                              <a:ea typeface="Cambria Math" charset="0"/>
+                              <a:cs typeface="Cambria Math" charset="0"/>
                             </a:rPr>
-                            <m:t>𝑤</m:t>
+                            <m:t>𝑡</m:t>
+                          </m:r>
+                          <m:r>
+                            <a:rPr lang="en-AU" altLang="zh-CN" i="1">
+                              <a:solidFill>
+                                <a:schemeClr val="tx1"/>
+                              </a:solidFill>
+                              <a:latin typeface="Cambria Math" charset="0"/>
+                              <a:ea typeface="Cambria Math" charset="0"/>
+                              <a:cs typeface="Cambria Math" charset="0"/>
+                            </a:rPr>
+                            <m:t>(</m:t>
+                          </m:r>
+                          <m:sSub>
+                            <m:sSubPr>
+                              <m:ctrlPr>
+                                <a:rPr lang="en-US" i="1">
+                                  <a:solidFill>
+                                    <a:schemeClr val="tx1"/>
+                                  </a:solidFill>
+                                  <a:latin typeface="Cambria Math" charset="0"/>
+                                </a:rPr>
+                              </m:ctrlPr>
+                            </m:sSubPr>
+                            <m:e>
+                              <m:r>
+                                <a:rPr lang="en-AU" i="1">
+                                  <a:solidFill>
+                                    <a:schemeClr val="tx1"/>
+                                  </a:solidFill>
+                                  <a:latin typeface="Cambria Math" charset="0"/>
+                                </a:rPr>
+                                <m:t>𝑞</m:t>
+                              </m:r>
+                            </m:e>
+                            <m:sub>
+                              <m:r>
+                                <a:rPr lang="en-AU" i="1">
+                                  <a:solidFill>
+                                    <a:schemeClr val="tx1"/>
+                                  </a:solidFill>
+                                  <a:latin typeface="Cambria Math" charset="0"/>
+                                </a:rPr>
+                                <m:t>1</m:t>
+                              </m:r>
+                            </m:sub>
+                          </m:sSub>
+                          <m:r>
+                            <a:rPr lang="en-AU" altLang="zh-CN" i="1">
+                              <a:solidFill>
+                                <a:schemeClr val="tx1"/>
+                              </a:solidFill>
+                              <a:latin typeface="Cambria Math" charset="0"/>
+                              <a:ea typeface="Cambria Math" charset="0"/>
+                              <a:cs typeface="Cambria Math" charset="0"/>
+                            </a:rPr>
+                            <m:t>)</m:t>
                           </m:r>
                         </m:sub>
                       </m:sSub>
+                      <m:r>
+                        <a:rPr lang="zh-CN" altLang="en-US" i="1">
+                          <a:solidFill>
+                            <a:schemeClr val="tx1"/>
+                          </a:solidFill>
+                          <a:latin typeface="Cambria Math" charset="0"/>
+                        </a:rPr>
+                        <m:t>  </m:t>
+                      </m:r>
                     </m:oMath>
                   </m:oMathPara>
                 </a14:m>
@@ -5112,7 +5846,7 @@
         <mc:Fallback>
           <p:sp>
             <p:nvSpPr>
-              <p:cNvPr id="2" name="Oval 1"/>
+              <p:cNvPr id="23" name="Rectangle 22"/>
               <p:cNvSpPr>
                 <a:spLocks noRot="1" noChangeAspect="1" noMove="1" noResize="1" noEditPoints="1" noAdjustHandles="1" noChangeArrowheads="1" noChangeShapeType="1" noTextEdit="1"/>
               </p:cNvSpPr>
@@ -5120,16 +5854,16 @@
             </p:nvSpPr>
             <p:spPr>
               <a:xfrm>
-                <a:off x="2051720" y="1565176"/>
-                <a:ext cx="792088" cy="792088"/>
+                <a:off x="3465520" y="1622563"/>
+                <a:ext cx="1944216" cy="504056"/>
               </a:xfrm>
-              <a:prstGeom prst="ellipse">
+              <a:prstGeom prst="rect">
                 <a:avLst/>
               </a:prstGeom>
               <a:blipFill rotWithShape="0">
                 <a:blip r:embed="rId2"/>
                 <a:stretch>
-                  <a:fillRect/>
+                  <a:fillRect t="-52874" b="-68966"/>
                 </a:stretch>
               </a:blipFill>
               <a:ln>
@@ -5157,16 +5891,16 @@
         <mc:Choice xmlns:a14="http://schemas.microsoft.com/office/drawing/2010/main" Requires="a14">
           <p:sp>
             <p:nvSpPr>
-              <p:cNvPr id="3" name="Oval 2"/>
+              <p:cNvPr id="25" name="Rectangle 24"/>
               <p:cNvSpPr/>
               <p:nvPr/>
             </p:nvSpPr>
             <p:spPr>
               <a:xfrm>
-                <a:off x="331912" y="1565176"/>
-                <a:ext cx="792088" cy="792088"/>
+                <a:off x="5412914" y="2807287"/>
+                <a:ext cx="1944216" cy="504056"/>
               </a:xfrm>
-              <a:prstGeom prst="ellipse">
+              <a:prstGeom prst="rect">
                 <a:avLst/>
               </a:prstGeom>
               <a:noFill/>
@@ -5196,7 +5930,7 @@
               <a:bodyPr rtlCol="0" anchor="ctr"/>
               <a:lstStyle/>
               <a:p>
-                <a:pPr algn="ctr"/>
+                <a:pPr lvl="0"/>
                 <a14:m>
                   <m:oMathPara xmlns:m="http://schemas.openxmlformats.org/officeDocument/2006/math">
                     <m:oMathParaPr>
@@ -5206,7 +5940,7 @@
                       <m:sSub>
                         <m:sSubPr>
                           <m:ctrlPr>
-                            <a:rPr lang="en-US" i="1" dirty="0" smtClean="0">
+                            <a:rPr lang="en-US" i="1" smtClean="0">
                               <a:solidFill>
                                 <a:schemeClr val="tx1"/>
                               </a:solidFill>
@@ -5216,27 +5950,179 @@
                         </m:sSubPr>
                         <m:e>
                           <m:r>
-                            <a:rPr lang="en-AU" b="0" i="1" dirty="0" smtClean="0">
+                            <a:rPr lang="en-AU" i="1">
                               <a:solidFill>
                                 <a:schemeClr val="tx1"/>
                               </a:solidFill>
                               <a:latin typeface="Cambria Math" charset="0"/>
                             </a:rPr>
-                            <m:t>𝑆</m:t>
+                            <m:t>𝑣</m:t>
+                          </m:r>
+                        </m:e>
+                        <m:sub>
+                          <m:sSub>
+                            <m:sSubPr>
+                              <m:ctrlPr>
+                                <a:rPr lang="en-US" i="1">
+                                  <a:solidFill>
+                                    <a:schemeClr val="tx1"/>
+                                  </a:solidFill>
+                                  <a:latin typeface="Cambria Math" charset="0"/>
+                                </a:rPr>
+                              </m:ctrlPr>
+                            </m:sSubPr>
+                            <m:e>
+                              <m:r>
+                                <a:rPr lang="en-AU" i="1">
+                                  <a:solidFill>
+                                    <a:schemeClr val="tx1"/>
+                                  </a:solidFill>
+                                  <a:latin typeface="Cambria Math" charset="0"/>
+                                </a:rPr>
+                                <m:t>𝑞</m:t>
+                              </m:r>
+                            </m:e>
+                            <m:sub>
+                              <m:r>
+                                <a:rPr lang="en-US" altLang="zh-CN" b="0" i="1" smtClean="0">
+                                  <a:solidFill>
+                                    <a:schemeClr val="tx1"/>
+                                  </a:solidFill>
+                                  <a:latin typeface="Cambria Math" charset="0"/>
+                                </a:rPr>
+                                <m:t>2</m:t>
+                              </m:r>
+                            </m:sub>
+                          </m:sSub>
+                        </m:sub>
+                      </m:sSub>
+                      <m:r>
+                        <a:rPr lang="en-US" i="1">
+                          <a:solidFill>
+                            <a:schemeClr val="tx1"/>
+                          </a:solidFill>
+                          <a:latin typeface="Cambria Math" charset="0"/>
+                          <a:ea typeface="Cambria Math" charset="0"/>
+                          <a:cs typeface="Cambria Math" charset="0"/>
+                        </a:rPr>
+                        <m:t>∈</m:t>
+                      </m:r>
+                      <m:r>
+                        <a:rPr lang="zh-CN" altLang="en-US" i="1">
+                          <a:solidFill>
+                            <a:schemeClr val="tx1"/>
+                          </a:solidFill>
+                          <a:latin typeface="Cambria Math" charset="0"/>
+                          <a:ea typeface="Cambria Math" charset="0"/>
+                          <a:cs typeface="Cambria Math" charset="0"/>
+                        </a:rPr>
+                        <m:t> </m:t>
+                      </m:r>
+                      <m:sSub>
+                        <m:sSubPr>
+                          <m:ctrlPr>
+                            <a:rPr lang="en-US" altLang="zh-CN" i="1">
+                              <a:solidFill>
+                                <a:schemeClr val="tx1"/>
+                              </a:solidFill>
+                              <a:latin typeface="Cambria Math" charset="0"/>
+                              <a:ea typeface="Cambria Math" charset="0"/>
+                              <a:cs typeface="Cambria Math" charset="0"/>
+                            </a:rPr>
+                          </m:ctrlPr>
+                        </m:sSubPr>
+                        <m:e>
+                          <m:r>
+                            <a:rPr lang="en-AU" altLang="zh-CN" i="1">
+                              <a:solidFill>
+                                <a:schemeClr val="tx1"/>
+                              </a:solidFill>
+                              <a:latin typeface="Cambria Math" charset="0"/>
+                              <a:ea typeface="Cambria Math" charset="0"/>
+                              <a:cs typeface="Cambria Math" charset="0"/>
+                            </a:rPr>
+                            <m:t>𝑉</m:t>
                           </m:r>
                         </m:e>
                         <m:sub>
                           <m:r>
-                            <a:rPr lang="en-AU" b="0" i="1" dirty="0" smtClean="0">
+                            <a:rPr lang="en-AU" altLang="zh-CN" i="1">
                               <a:solidFill>
                                 <a:schemeClr val="tx1"/>
                               </a:solidFill>
                               <a:latin typeface="Cambria Math" charset="0"/>
+                              <a:ea typeface="Cambria Math" charset="0"/>
+                              <a:cs typeface="Cambria Math" charset="0"/>
                             </a:rPr>
-                            <m:t>𝑖</m:t>
+                            <m:t>𝑡</m:t>
+                          </m:r>
+                          <m:r>
+                            <a:rPr lang="en-AU" altLang="zh-CN" i="1">
+                              <a:solidFill>
+                                <a:schemeClr val="tx1"/>
+                              </a:solidFill>
+                              <a:latin typeface="Cambria Math" charset="0"/>
+                              <a:ea typeface="Cambria Math" charset="0"/>
+                              <a:cs typeface="Cambria Math" charset="0"/>
+                            </a:rPr>
+                            <m:t>(</m:t>
+                          </m:r>
+                          <m:sSub>
+                            <m:sSubPr>
+                              <m:ctrlPr>
+                                <a:rPr lang="en-US" i="1">
+                                  <a:solidFill>
+                                    <a:schemeClr val="tx1"/>
+                                  </a:solidFill>
+                                  <a:latin typeface="Cambria Math" charset="0"/>
+                                </a:rPr>
+                              </m:ctrlPr>
+                            </m:sSubPr>
+                            <m:e>
+                              <m:r>
+                                <a:rPr lang="en-AU" i="1">
+                                  <a:solidFill>
+                                    <a:schemeClr val="tx1"/>
+                                  </a:solidFill>
+                                  <a:latin typeface="Cambria Math" charset="0"/>
+                                </a:rPr>
+                                <m:t>𝑞</m:t>
+                              </m:r>
+                            </m:e>
+                            <m:sub>
+                              <m:r>
+                                <a:rPr lang="en-US" altLang="zh-CN" b="0" i="1" smtClean="0">
+                                  <a:solidFill>
+                                    <a:schemeClr val="tx1"/>
+                                  </a:solidFill>
+                                  <a:latin typeface="Cambria Math" charset="0"/>
+                                </a:rPr>
+                                <m:t>2</m:t>
+                              </m:r>
+                            </m:sub>
+                          </m:sSub>
+                          <m:r>
+                            <a:rPr lang="en-AU" altLang="zh-CN" i="1">
+                              <a:solidFill>
+                                <a:schemeClr val="tx1"/>
+                              </a:solidFill>
+                              <a:latin typeface="Cambria Math" charset="0"/>
+                              <a:ea typeface="Cambria Math" charset="0"/>
+                              <a:cs typeface="Cambria Math" charset="0"/>
+                            </a:rPr>
+                            <m:t>)</m:t>
                           </m:r>
                         </m:sub>
                       </m:sSub>
+                      <m:r>
+                        <a:rPr lang="zh-CN" altLang="en-US" i="1">
+                          <a:solidFill>
+                            <a:schemeClr val="tx1"/>
+                          </a:solidFill>
+                          <a:latin typeface="Cambria Math" charset="0"/>
+                        </a:rPr>
+                        <m:t>  </m:t>
+                      </m:r>
                     </m:oMath>
                   </m:oMathPara>
                 </a14:m>
@@ -5252,7 +6138,7 @@
         <mc:Fallback>
           <p:sp>
             <p:nvSpPr>
-              <p:cNvPr id="3" name="Oval 2"/>
+              <p:cNvPr id="25" name="Rectangle 24"/>
               <p:cNvSpPr>
                 <a:spLocks noRot="1" noChangeAspect="1" noMove="1" noResize="1" noEditPoints="1" noAdjustHandles="1" noChangeArrowheads="1" noChangeShapeType="1" noTextEdit="1"/>
               </p:cNvSpPr>
@@ -5260,16 +6146,16 @@
             </p:nvSpPr>
             <p:spPr>
               <a:xfrm>
-                <a:off x="331912" y="1565176"/>
-                <a:ext cx="792088" cy="792088"/>
+                <a:off x="5412914" y="2807287"/>
+                <a:ext cx="1944216" cy="504056"/>
               </a:xfrm>
-              <a:prstGeom prst="ellipse">
+              <a:prstGeom prst="rect">
                 <a:avLst/>
               </a:prstGeom>
               <a:blipFill rotWithShape="0">
                 <a:blip r:embed="rId3"/>
                 <a:stretch>
-                  <a:fillRect/>
+                  <a:fillRect t="-54651" b="-69767"/>
                 </a:stretch>
               </a:blipFill>
               <a:ln>
@@ -5293,59 +6179,20 @@
           </p:sp>
         </mc:Fallback>
       </mc:AlternateContent>
-      <p:cxnSp>
-        <p:nvCxnSpPr>
-          <p:cNvPr id="4" name="Straight Arrow Connector 3"/>
-          <p:cNvCxnSpPr>
-            <a:stCxn id="6" idx="6"/>
-            <a:endCxn id="4" idx="2"/>
-          </p:cNvCxnSpPr>
-          <p:nvPr/>
-        </p:nvCxnSpPr>
-        <p:spPr>
-          <a:xfrm>
-            <a:off x="1124000" y="1961220"/>
-            <a:ext cx="927720" cy="0"/>
-          </a:xfrm>
-          <a:prstGeom prst="straightConnector1">
-            <a:avLst/>
-          </a:prstGeom>
-          <a:ln>
-            <a:solidFill>
-              <a:schemeClr val="tx1"/>
-            </a:solidFill>
-            <a:tailEnd type="triangle"/>
-          </a:ln>
-        </p:spPr>
-        <p:style>
-          <a:lnRef idx="1">
-            <a:schemeClr val="accent1"/>
-          </a:lnRef>
-          <a:fillRef idx="0">
-            <a:schemeClr val="accent1"/>
-          </a:fillRef>
-          <a:effectRef idx="0">
-            <a:schemeClr val="accent1"/>
-          </a:effectRef>
-          <a:fontRef idx="minor">
-            <a:schemeClr val="tx1"/>
-          </a:fontRef>
-        </p:style>
-      </p:cxnSp>
       <mc:AlternateContent xmlns:mc="http://schemas.openxmlformats.org/markup-compatibility/2006">
         <mc:Choice xmlns:a14="http://schemas.microsoft.com/office/drawing/2010/main" Requires="a14">
           <p:sp>
             <p:nvSpPr>
-              <p:cNvPr id="6" name="Oval 5"/>
+              <p:cNvPr id="26" name="Rectangle 25"/>
               <p:cNvSpPr/>
               <p:nvPr/>
             </p:nvSpPr>
             <p:spPr>
               <a:xfrm>
-                <a:off x="7211144" y="1565176"/>
-                <a:ext cx="792088" cy="792088"/>
+                <a:off x="3465520" y="4062380"/>
+                <a:ext cx="1944216" cy="504056"/>
               </a:xfrm>
-              <a:prstGeom prst="ellipse">
+              <a:prstGeom prst="rect">
                 <a:avLst/>
               </a:prstGeom>
               <a:noFill/>
@@ -5375,7 +6222,7 @@
               <a:bodyPr rtlCol="0" anchor="ctr"/>
               <a:lstStyle/>
               <a:p>
-                <a:pPr algn="ctr"/>
+                <a:pPr lvl="0"/>
                 <a14:m>
                   <m:oMathPara xmlns:m="http://schemas.openxmlformats.org/officeDocument/2006/math">
                     <m:oMathParaPr>
@@ -5385,7 +6232,7 @@
                       <m:sSub>
                         <m:sSubPr>
                           <m:ctrlPr>
-                            <a:rPr lang="en-US" i="1" dirty="0" smtClean="0">
+                            <a:rPr lang="en-US" i="1" smtClean="0">
                               <a:solidFill>
                                 <a:schemeClr val="tx1"/>
                               </a:solidFill>
@@ -5395,27 +6242,197 @@
                         </m:sSubPr>
                         <m:e>
                           <m:r>
-                            <a:rPr lang="en-AU" b="0" i="1" dirty="0" smtClean="0">
+                            <a:rPr lang="en-AU" i="1">
                               <a:solidFill>
                                 <a:schemeClr val="tx1"/>
                               </a:solidFill>
                               <a:latin typeface="Cambria Math" charset="0"/>
                             </a:rPr>
-                            <m:t>𝑆</m:t>
+                            <m:t>𝑣</m:t>
+                          </m:r>
+                        </m:e>
+                        <m:sub>
+                          <m:sSub>
+                            <m:sSubPr>
+                              <m:ctrlPr>
+                                <a:rPr lang="en-US" i="1">
+                                  <a:solidFill>
+                                    <a:schemeClr val="tx1"/>
+                                  </a:solidFill>
+                                  <a:latin typeface="Cambria Math" charset="0"/>
+                                </a:rPr>
+                              </m:ctrlPr>
+                            </m:sSubPr>
+                            <m:e>
+                              <m:r>
+                                <a:rPr lang="en-AU" i="1">
+                                  <a:solidFill>
+                                    <a:schemeClr val="tx1"/>
+                                  </a:solidFill>
+                                  <a:latin typeface="Cambria Math" charset="0"/>
+                                </a:rPr>
+                                <m:t>𝑞</m:t>
+                              </m:r>
+                            </m:e>
+                            <m:sub>
+                              <m:r>
+                                <a:rPr lang="en-AU" b="0" i="1" smtClean="0">
+                                  <a:solidFill>
+                                    <a:schemeClr val="tx1"/>
+                                  </a:solidFill>
+                                  <a:latin typeface="Cambria Math" charset="0"/>
+                                </a:rPr>
+                                <m:t>𝑛</m:t>
+                              </m:r>
+                              <m:r>
+                                <a:rPr lang="en-AU" b="0" i="1" smtClean="0">
+                                  <a:solidFill>
+                                    <a:schemeClr val="tx1"/>
+                                  </a:solidFill>
+                                  <a:latin typeface="Cambria Math" charset="0"/>
+                                </a:rPr>
+                                <m:t>−1</m:t>
+                              </m:r>
+                            </m:sub>
+                          </m:sSub>
+                        </m:sub>
+                      </m:sSub>
+                      <m:r>
+                        <a:rPr lang="en-US" i="1">
+                          <a:solidFill>
+                            <a:schemeClr val="tx1"/>
+                          </a:solidFill>
+                          <a:latin typeface="Cambria Math" charset="0"/>
+                          <a:ea typeface="Cambria Math" charset="0"/>
+                          <a:cs typeface="Cambria Math" charset="0"/>
+                        </a:rPr>
+                        <m:t>∈</m:t>
+                      </m:r>
+                      <m:r>
+                        <a:rPr lang="zh-CN" altLang="en-US" i="1">
+                          <a:solidFill>
+                            <a:schemeClr val="tx1"/>
+                          </a:solidFill>
+                          <a:latin typeface="Cambria Math" charset="0"/>
+                          <a:ea typeface="Cambria Math" charset="0"/>
+                          <a:cs typeface="Cambria Math" charset="0"/>
+                        </a:rPr>
+                        <m:t> </m:t>
+                      </m:r>
+                      <m:sSub>
+                        <m:sSubPr>
+                          <m:ctrlPr>
+                            <a:rPr lang="en-US" altLang="zh-CN" i="1">
+                              <a:solidFill>
+                                <a:schemeClr val="tx1"/>
+                              </a:solidFill>
+                              <a:latin typeface="Cambria Math" charset="0"/>
+                              <a:ea typeface="Cambria Math" charset="0"/>
+                              <a:cs typeface="Cambria Math" charset="0"/>
+                            </a:rPr>
+                          </m:ctrlPr>
+                        </m:sSubPr>
+                        <m:e>
+                          <m:r>
+                            <a:rPr lang="en-AU" altLang="zh-CN" i="1">
+                              <a:solidFill>
+                                <a:schemeClr val="tx1"/>
+                              </a:solidFill>
+                              <a:latin typeface="Cambria Math" charset="0"/>
+                              <a:ea typeface="Cambria Math" charset="0"/>
+                              <a:cs typeface="Cambria Math" charset="0"/>
+                            </a:rPr>
+                            <m:t>𝑉</m:t>
                           </m:r>
                         </m:e>
                         <m:sub>
                           <m:r>
-                            <a:rPr lang="en-AU" b="0" i="1" dirty="0" smtClean="0">
+                            <a:rPr lang="en-AU" altLang="zh-CN" i="1">
                               <a:solidFill>
                                 <a:schemeClr val="tx1"/>
                               </a:solidFill>
                               <a:latin typeface="Cambria Math" charset="0"/>
+                              <a:ea typeface="Cambria Math" charset="0"/>
+                              <a:cs typeface="Cambria Math" charset="0"/>
                             </a:rPr>
-                            <m:t>𝑜</m:t>
+                            <m:t>𝑡</m:t>
+                          </m:r>
+                          <m:r>
+                            <a:rPr lang="en-AU" altLang="zh-CN" i="1">
+                              <a:solidFill>
+                                <a:schemeClr val="tx1"/>
+                              </a:solidFill>
+                              <a:latin typeface="Cambria Math" charset="0"/>
+                              <a:ea typeface="Cambria Math" charset="0"/>
+                              <a:cs typeface="Cambria Math" charset="0"/>
+                            </a:rPr>
+                            <m:t>(</m:t>
+                          </m:r>
+                          <m:sSub>
+                            <m:sSubPr>
+                              <m:ctrlPr>
+                                <a:rPr lang="en-US" i="1">
+                                  <a:solidFill>
+                                    <a:schemeClr val="tx1"/>
+                                  </a:solidFill>
+                                  <a:latin typeface="Cambria Math" charset="0"/>
+                                </a:rPr>
+                              </m:ctrlPr>
+                            </m:sSubPr>
+                            <m:e>
+                              <m:r>
+                                <a:rPr lang="en-AU" i="1">
+                                  <a:solidFill>
+                                    <a:schemeClr val="tx1"/>
+                                  </a:solidFill>
+                                  <a:latin typeface="Cambria Math" charset="0"/>
+                                </a:rPr>
+                                <m:t>𝑞</m:t>
+                              </m:r>
+                            </m:e>
+                            <m:sub>
+                              <m:r>
+                                <a:rPr lang="en-AU" b="0" i="1" smtClean="0">
+                                  <a:solidFill>
+                                    <a:schemeClr val="tx1"/>
+                                  </a:solidFill>
+                                  <a:latin typeface="Cambria Math" charset="0"/>
+                                </a:rPr>
+                                <m:t>𝑛</m:t>
+                              </m:r>
+                              <m:r>
+                                <a:rPr lang="en-AU" b="0" i="1" smtClean="0">
+                                  <a:solidFill>
+                                    <a:schemeClr val="tx1"/>
+                                  </a:solidFill>
+                                  <a:latin typeface="Cambria Math" charset="0"/>
+                                </a:rPr>
+                                <m:t>−1</m:t>
+                              </m:r>
+                            </m:sub>
+                          </m:sSub>
+                          <m:r>
+                            <a:rPr lang="en-AU" altLang="zh-CN" i="1">
+                              <a:solidFill>
+                                <a:schemeClr val="tx1"/>
+                              </a:solidFill>
+                              <a:latin typeface="Cambria Math" charset="0"/>
+                              <a:ea typeface="Cambria Math" charset="0"/>
+                              <a:cs typeface="Cambria Math" charset="0"/>
+                            </a:rPr>
+                            <m:t>)</m:t>
                           </m:r>
                         </m:sub>
                       </m:sSub>
+                      <m:r>
+                        <a:rPr lang="zh-CN" altLang="en-US" i="1">
+                          <a:solidFill>
+                            <a:schemeClr val="tx1"/>
+                          </a:solidFill>
+                          <a:latin typeface="Cambria Math" charset="0"/>
+                        </a:rPr>
+                        <m:t>  </m:t>
+                      </m:r>
                     </m:oMath>
                   </m:oMathPara>
                 </a14:m>
@@ -5431,7 +6448,7 @@
         <mc:Fallback>
           <p:sp>
             <p:nvSpPr>
-              <p:cNvPr id="6" name="Oval 5"/>
+              <p:cNvPr id="26" name="Rectangle 25"/>
               <p:cNvSpPr>
                 <a:spLocks noRot="1" noChangeAspect="1" noMove="1" noResize="1" noEditPoints="1" noAdjustHandles="1" noChangeArrowheads="1" noChangeShapeType="1" noTextEdit="1"/>
               </p:cNvSpPr>
@@ -5439,16 +6456,16 @@
             </p:nvSpPr>
             <p:spPr>
               <a:xfrm>
-                <a:off x="7211144" y="1565176"/>
-                <a:ext cx="792088" cy="792088"/>
+                <a:off x="3465520" y="4062380"/>
+                <a:ext cx="1944216" cy="504056"/>
               </a:xfrm>
-              <a:prstGeom prst="ellipse">
+              <a:prstGeom prst="rect">
                 <a:avLst/>
               </a:prstGeom>
               <a:blipFill rotWithShape="0">
                 <a:blip r:embed="rId4"/>
                 <a:stretch>
-                  <a:fillRect/>
+                  <a:fillRect t="-52874" b="-68966"/>
                 </a:stretch>
               </a:blipFill>
               <a:ln>
@@ -5476,16 +6493,16 @@
         <mc:Choice xmlns:a14="http://schemas.microsoft.com/office/drawing/2010/main" Requires="a14">
           <p:sp>
             <p:nvSpPr>
-              <p:cNvPr id="7" name="Oval 6"/>
+              <p:cNvPr id="27" name="Rectangle 26"/>
               <p:cNvSpPr/>
               <p:nvPr/>
             </p:nvSpPr>
             <p:spPr>
               <a:xfrm>
-                <a:off x="8930952" y="1565176"/>
-                <a:ext cx="792088" cy="792088"/>
+                <a:off x="1418464" y="2807287"/>
+                <a:ext cx="1944216" cy="504056"/>
               </a:xfrm>
-              <a:prstGeom prst="ellipse">
+              <a:prstGeom prst="rect">
                 <a:avLst/>
               </a:prstGeom>
               <a:noFill/>
@@ -5515,7 +6532,7 @@
               <a:bodyPr rtlCol="0" anchor="ctr"/>
               <a:lstStyle/>
               <a:p>
-                <a:pPr algn="ctr"/>
+                <a:pPr lvl="0"/>
                 <a14:m>
                   <m:oMathPara xmlns:m="http://schemas.openxmlformats.org/officeDocument/2006/math">
                     <m:oMathParaPr>
@@ -5525,7 +6542,7 @@
                       <m:sSub>
                         <m:sSubPr>
                           <m:ctrlPr>
-                            <a:rPr lang="en-US" i="1" dirty="0" smtClean="0">
+                            <a:rPr lang="en-US" i="1" smtClean="0">
                               <a:solidFill>
                                 <a:schemeClr val="tx1"/>
                               </a:solidFill>
@@ -5535,27 +6552,179 @@
                         </m:sSubPr>
                         <m:e>
                           <m:r>
-                            <a:rPr lang="en-AU" b="0" i="1" dirty="0" smtClean="0">
+                            <a:rPr lang="en-AU" i="1">
                               <a:solidFill>
                                 <a:schemeClr val="tx1"/>
                               </a:solidFill>
                               <a:latin typeface="Cambria Math" charset="0"/>
                             </a:rPr>
-                            <m:t>𝑆</m:t>
+                            <m:t>𝑣</m:t>
+                          </m:r>
+                        </m:e>
+                        <m:sub>
+                          <m:sSub>
+                            <m:sSubPr>
+                              <m:ctrlPr>
+                                <a:rPr lang="en-US" i="1">
+                                  <a:solidFill>
+                                    <a:schemeClr val="tx1"/>
+                                  </a:solidFill>
+                                  <a:latin typeface="Cambria Math" charset="0"/>
+                                </a:rPr>
+                              </m:ctrlPr>
+                            </m:sSubPr>
+                            <m:e>
+                              <m:r>
+                                <a:rPr lang="en-AU" i="1">
+                                  <a:solidFill>
+                                    <a:schemeClr val="tx1"/>
+                                  </a:solidFill>
+                                  <a:latin typeface="Cambria Math" charset="0"/>
+                                </a:rPr>
+                                <m:t>𝑞</m:t>
+                              </m:r>
+                            </m:e>
+                            <m:sub>
+                              <m:r>
+                                <a:rPr lang="en-AU" b="0" i="1" smtClean="0">
+                                  <a:solidFill>
+                                    <a:schemeClr val="tx1"/>
+                                  </a:solidFill>
+                                  <a:latin typeface="Cambria Math" charset="0"/>
+                                </a:rPr>
+                                <m:t>𝑛</m:t>
+                              </m:r>
+                            </m:sub>
+                          </m:sSub>
+                        </m:sub>
+                      </m:sSub>
+                      <m:r>
+                        <a:rPr lang="en-US" i="1">
+                          <a:solidFill>
+                            <a:schemeClr val="tx1"/>
+                          </a:solidFill>
+                          <a:latin typeface="Cambria Math" charset="0"/>
+                          <a:ea typeface="Cambria Math" charset="0"/>
+                          <a:cs typeface="Cambria Math" charset="0"/>
+                        </a:rPr>
+                        <m:t>∈</m:t>
+                      </m:r>
+                      <m:r>
+                        <a:rPr lang="zh-CN" altLang="en-US" i="1">
+                          <a:solidFill>
+                            <a:schemeClr val="tx1"/>
+                          </a:solidFill>
+                          <a:latin typeface="Cambria Math" charset="0"/>
+                          <a:ea typeface="Cambria Math" charset="0"/>
+                          <a:cs typeface="Cambria Math" charset="0"/>
+                        </a:rPr>
+                        <m:t> </m:t>
+                      </m:r>
+                      <m:sSub>
+                        <m:sSubPr>
+                          <m:ctrlPr>
+                            <a:rPr lang="en-US" altLang="zh-CN" i="1">
+                              <a:solidFill>
+                                <a:schemeClr val="tx1"/>
+                              </a:solidFill>
+                              <a:latin typeface="Cambria Math" charset="0"/>
+                              <a:ea typeface="Cambria Math" charset="0"/>
+                              <a:cs typeface="Cambria Math" charset="0"/>
+                            </a:rPr>
+                          </m:ctrlPr>
+                        </m:sSubPr>
+                        <m:e>
+                          <m:r>
+                            <a:rPr lang="en-AU" altLang="zh-CN" i="1">
+                              <a:solidFill>
+                                <a:schemeClr val="tx1"/>
+                              </a:solidFill>
+                              <a:latin typeface="Cambria Math" charset="0"/>
+                              <a:ea typeface="Cambria Math" charset="0"/>
+                              <a:cs typeface="Cambria Math" charset="0"/>
+                            </a:rPr>
+                            <m:t>𝑉</m:t>
                           </m:r>
                         </m:e>
                         <m:sub>
                           <m:r>
-                            <a:rPr lang="en-AU" b="0" i="1" dirty="0" smtClean="0">
+                            <a:rPr lang="en-AU" altLang="zh-CN" i="1">
                               <a:solidFill>
                                 <a:schemeClr val="tx1"/>
                               </a:solidFill>
                               <a:latin typeface="Cambria Math" charset="0"/>
+                              <a:ea typeface="Cambria Math" charset="0"/>
+                              <a:cs typeface="Cambria Math" charset="0"/>
                             </a:rPr>
-                            <m:t>𝑒</m:t>
+                            <m:t>𝑡</m:t>
+                          </m:r>
+                          <m:r>
+                            <a:rPr lang="en-AU" altLang="zh-CN" i="1">
+                              <a:solidFill>
+                                <a:schemeClr val="tx1"/>
+                              </a:solidFill>
+                              <a:latin typeface="Cambria Math" charset="0"/>
+                              <a:ea typeface="Cambria Math" charset="0"/>
+                              <a:cs typeface="Cambria Math" charset="0"/>
+                            </a:rPr>
+                            <m:t>(</m:t>
+                          </m:r>
+                          <m:sSub>
+                            <m:sSubPr>
+                              <m:ctrlPr>
+                                <a:rPr lang="en-US" i="1">
+                                  <a:solidFill>
+                                    <a:schemeClr val="tx1"/>
+                                  </a:solidFill>
+                                  <a:latin typeface="Cambria Math" charset="0"/>
+                                </a:rPr>
+                              </m:ctrlPr>
+                            </m:sSubPr>
+                            <m:e>
+                              <m:r>
+                                <a:rPr lang="en-AU" i="1">
+                                  <a:solidFill>
+                                    <a:schemeClr val="tx1"/>
+                                  </a:solidFill>
+                                  <a:latin typeface="Cambria Math" charset="0"/>
+                                </a:rPr>
+                                <m:t>𝑞</m:t>
+                              </m:r>
+                            </m:e>
+                            <m:sub>
+                              <m:r>
+                                <a:rPr lang="en-AU" b="0" i="1" smtClean="0">
+                                  <a:solidFill>
+                                    <a:schemeClr val="tx1"/>
+                                  </a:solidFill>
+                                  <a:latin typeface="Cambria Math" charset="0"/>
+                                </a:rPr>
+                                <m:t>𝑛</m:t>
+                              </m:r>
+                            </m:sub>
+                          </m:sSub>
+                          <m:r>
+                            <a:rPr lang="en-AU" altLang="zh-CN" i="1">
+                              <a:solidFill>
+                                <a:schemeClr val="tx1"/>
+                              </a:solidFill>
+                              <a:latin typeface="Cambria Math" charset="0"/>
+                              <a:ea typeface="Cambria Math" charset="0"/>
+                              <a:cs typeface="Cambria Math" charset="0"/>
+                            </a:rPr>
+                            <m:t>)</m:t>
                           </m:r>
                         </m:sub>
                       </m:sSub>
+                      <m:r>
+                        <a:rPr lang="zh-CN" altLang="en-US" i="1">
+                          <a:solidFill>
+                            <a:schemeClr val="tx1"/>
+                          </a:solidFill>
+                          <a:latin typeface="Cambria Math" charset="0"/>
+                        </a:rPr>
+                        <m:t>  </m:t>
+                      </m:r>
                     </m:oMath>
                   </m:oMathPara>
                 </a14:m>
@@ -5571,7 +6740,7 @@
         <mc:Fallback>
           <p:sp>
             <p:nvSpPr>
-              <p:cNvPr id="7" name="Oval 6"/>
+              <p:cNvPr id="27" name="Rectangle 26"/>
               <p:cNvSpPr>
                 <a:spLocks noRot="1" noChangeAspect="1" noMove="1" noResize="1" noEditPoints="1" noAdjustHandles="1" noChangeArrowheads="1" noChangeShapeType="1" noTextEdit="1"/>
               </p:cNvSpPr>
@@ -5579,16 +6748,16 @@
             </p:nvSpPr>
             <p:spPr>
               <a:xfrm>
-                <a:off x="8930952" y="1565176"/>
-                <a:ext cx="792088" cy="792088"/>
+                <a:off x="1418464" y="2807287"/>
+                <a:ext cx="1944216" cy="504056"/>
               </a:xfrm>
-              <a:prstGeom prst="ellipse">
+              <a:prstGeom prst="rect">
                 <a:avLst/>
               </a:prstGeom>
               <a:blipFill rotWithShape="0">
                 <a:blip r:embed="rId5"/>
                 <a:stretch>
-                  <a:fillRect/>
+                  <a:fillRect t="-54651" b="-69767"/>
                 </a:stretch>
               </a:blipFill>
               <a:ln>
@@ -5612,27 +6781,51 @@
           </p:sp>
         </mc:Fallback>
       </mc:AlternateContent>
-      <p:cxnSp>
-        <p:nvCxnSpPr>
-          <p:cNvPr id="8" name="Straight Arrow Connector 7"/>
-          <p:cNvCxnSpPr>
-            <a:stCxn id="4" idx="6"/>
-          </p:cNvCxnSpPr>
+      <p:sp>
+        <p:nvSpPr>
+          <p:cNvPr id="29" name="Arc 28"/>
+          <p:cNvSpPr/>
           <p:nvPr/>
-        </p:nvCxnSpPr>
+        </p:nvSpPr>
         <p:spPr>
-          <a:xfrm flipV="1">
-            <a:off x="2843808" y="1947224"/>
-            <a:ext cx="927720" cy="13996"/>
-          </a:xfrm>
-          <a:prstGeom prst="straightConnector1">
+          <a:xfrm rot="5400000">
+            <a:off x="4398362" y="3026575"/>
+            <a:ext cx="790915" cy="587654"/>
+          </a:xfrm>
+          <a:prstGeom prst="arc">
             <a:avLst/>
           </a:prstGeom>
-          <a:ln>
-            <a:solidFill>
-              <a:schemeClr val="tx1"/>
-            </a:solidFill>
-            <a:tailEnd type="triangle"/>
+          <a:ln w="107950">
+            <a:gradFill>
+              <a:gsLst>
+                <a:gs pos="0">
+                  <a:schemeClr val="accent1">
+                    <a:lumMod val="5000"/>
+                    <a:lumOff val="95000"/>
+                  </a:schemeClr>
+                </a:gs>
+                <a:gs pos="74000">
+                  <a:schemeClr val="accent1">
+                    <a:lumMod val="45000"/>
+                    <a:lumOff val="55000"/>
+                  </a:schemeClr>
+                </a:gs>
+                <a:gs pos="83000">
+                  <a:schemeClr val="accent1">
+                    <a:lumMod val="45000"/>
+                    <a:lumOff val="55000"/>
+                  </a:schemeClr>
+                </a:gs>
+                <a:gs pos="100000">
+                  <a:schemeClr val="accent1">
+                    <a:lumMod val="30000"/>
+                    <a:lumOff val="70000"/>
+                  </a:schemeClr>
+                </a:gs>
+              </a:gsLst>
+              <a:lin ang="5400000" scaled="1"/>
+            </a:gradFill>
+            <a:prstDash val="sysDot"/>
           </a:ln>
         </p:spPr>
         <p:style>
@@ -5649,536 +6842,19 @@
             <a:schemeClr val="tx1"/>
           </a:fontRef>
         </p:style>
-      </p:cxnSp>
-      <p:cxnSp>
-        <p:nvCxnSpPr>
-          <p:cNvPr id="10" name="Straight Arrow Connector 9"/>
-          <p:cNvCxnSpPr>
-            <a:endCxn id="11" idx="2"/>
-          </p:cNvCxnSpPr>
-          <p:nvPr/>
-        </p:nvCxnSpPr>
-        <p:spPr>
-          <a:xfrm>
-            <a:off x="6283424" y="1961220"/>
-            <a:ext cx="927720" cy="0"/>
-          </a:xfrm>
-          <a:prstGeom prst="straightConnector1">
-            <a:avLst/>
-          </a:prstGeom>
-          <a:ln>
-            <a:solidFill>
-              <a:schemeClr val="tx1"/>
-            </a:solidFill>
-            <a:tailEnd type="triangle"/>
-          </a:ln>
-        </p:spPr>
-        <p:style>
-          <a:lnRef idx="1">
-            <a:schemeClr val="accent1"/>
-          </a:lnRef>
-          <a:fillRef idx="0">
-            <a:schemeClr val="accent1"/>
-          </a:fillRef>
-          <a:effectRef idx="0">
-            <a:schemeClr val="accent1"/>
-          </a:effectRef>
-          <a:fontRef idx="minor">
-            <a:schemeClr val="tx1"/>
-          </a:fontRef>
-        </p:style>
-      </p:cxnSp>
-      <p:cxnSp>
-        <p:nvCxnSpPr>
-          <p:cNvPr id="11" name="Straight Arrow Connector 10"/>
-          <p:cNvCxnSpPr>
-            <a:stCxn id="11" idx="6"/>
-            <a:endCxn id="12" idx="2"/>
-          </p:cNvCxnSpPr>
-          <p:nvPr/>
-        </p:nvCxnSpPr>
-        <p:spPr>
-          <a:xfrm>
-            <a:off x="8003232" y="1961220"/>
-            <a:ext cx="927720" cy="0"/>
-          </a:xfrm>
-          <a:prstGeom prst="straightConnector1">
-            <a:avLst/>
-          </a:prstGeom>
-          <a:ln>
-            <a:solidFill>
-              <a:schemeClr val="tx1"/>
-            </a:solidFill>
-            <a:tailEnd type="triangle"/>
-          </a:ln>
-        </p:spPr>
-        <p:style>
-          <a:lnRef idx="1">
-            <a:schemeClr val="accent1"/>
-          </a:lnRef>
-          <a:fillRef idx="0">
-            <a:schemeClr val="accent1"/>
-          </a:fillRef>
-          <a:effectRef idx="0">
-            <a:schemeClr val="accent1"/>
-          </a:effectRef>
-          <a:fontRef idx="minor">
-            <a:schemeClr val="tx1"/>
-          </a:fontRef>
-        </p:style>
-      </p:cxnSp>
-      <mc:AlternateContent xmlns:mc="http://schemas.openxmlformats.org/markup-compatibility/2006">
-        <mc:Choice xmlns:a14="http://schemas.microsoft.com/office/drawing/2010/main" Requires="a14">
-          <p:sp>
-            <p:nvSpPr>
-              <p:cNvPr id="12" name="TextBox 11"/>
-              <p:cNvSpPr txBox="1"/>
-              <p:nvPr/>
-            </p:nvSpPr>
-            <p:spPr>
-              <a:xfrm>
-                <a:off x="1286170" y="1619508"/>
-                <a:ext cx="576064" cy="369332"/>
-              </a:xfrm>
-              <a:prstGeom prst="rect">
-                <a:avLst/>
-              </a:prstGeom>
-              <a:noFill/>
-            </p:spPr>
-            <p:txBody>
-              <a:bodyPr wrap="square" rtlCol="0">
-                <a:spAutoFit/>
-              </a:bodyPr>
-              <a:lstStyle/>
-              <a:p>
-                <a:pPr/>
-                <a14:m>
-                  <m:oMathPara xmlns:m="http://schemas.openxmlformats.org/officeDocument/2006/math">
-                    <m:oMathParaPr>
-                      <m:jc m:val="centerGroup"/>
-                    </m:oMathParaPr>
-                    <m:oMath xmlns:m="http://schemas.openxmlformats.org/officeDocument/2006/math">
-                      <m:r>
-                        <a:rPr lang="en-AU" b="0" i="1" smtClean="0">
-                          <a:latin typeface="Cambria Math" charset="0"/>
-                        </a:rPr>
-                        <m:t>𝑖</m:t>
-                      </m:r>
-                    </m:oMath>
-                  </m:oMathPara>
-                </a14:m>
-                <a:endParaRPr lang="en-US" dirty="0"/>
-              </a:p>
-            </p:txBody>
-          </p:sp>
-        </mc:Choice>
-        <mc:Fallback>
-          <p:sp>
-            <p:nvSpPr>
-              <p:cNvPr id="12" name="TextBox 11"/>
-              <p:cNvSpPr txBox="1">
-                <a:spLocks noRot="1" noChangeAspect="1" noMove="1" noResize="1" noEditPoints="1" noAdjustHandles="1" noChangeArrowheads="1" noChangeShapeType="1" noTextEdit="1"/>
-              </p:cNvSpPr>
-              <p:nvPr/>
-            </p:nvSpPr>
-            <p:spPr>
-              <a:xfrm>
-                <a:off x="1286170" y="1619508"/>
-                <a:ext cx="576064" cy="369332"/>
-              </a:xfrm>
-              <a:prstGeom prst="rect">
-                <a:avLst/>
-              </a:prstGeom>
-              <a:blipFill rotWithShape="0">
-                <a:blip r:embed="rId6"/>
-                <a:stretch>
-                  <a:fillRect/>
-                </a:stretch>
-              </a:blipFill>
-            </p:spPr>
-            <p:txBody>
-              <a:bodyPr/>
-              <a:lstStyle/>
-              <a:p>
-                <a:r>
-                  <a:rPr lang="en-US">
-                    <a:noFill/>
-                  </a:rPr>
-                  <a:t> </a:t>
-                </a:r>
-              </a:p>
-            </p:txBody>
-          </p:sp>
-        </mc:Fallback>
-      </mc:AlternateContent>
-      <mc:AlternateContent xmlns:mc="http://schemas.openxmlformats.org/markup-compatibility/2006">
-        <mc:Choice xmlns:a14="http://schemas.microsoft.com/office/drawing/2010/main" Requires="a14">
-          <p:sp>
-            <p:nvSpPr>
-              <p:cNvPr id="13" name="TextBox 12"/>
-              <p:cNvSpPr txBox="1"/>
-              <p:nvPr/>
-            </p:nvSpPr>
-            <p:spPr>
-              <a:xfrm>
-                <a:off x="2987824" y="1551180"/>
-                <a:ext cx="576064" cy="369332"/>
-              </a:xfrm>
-              <a:prstGeom prst="rect">
-                <a:avLst/>
-              </a:prstGeom>
-              <a:noFill/>
-            </p:spPr>
-            <p:txBody>
-              <a:bodyPr wrap="square" rtlCol="0">
-                <a:spAutoFit/>
-              </a:bodyPr>
-              <a:lstStyle/>
-              <a:p>
-                <a:pPr/>
-                <a14:m>
-                  <m:oMathPara xmlns:m="http://schemas.openxmlformats.org/officeDocument/2006/math">
-                    <m:oMathParaPr>
-                      <m:jc m:val="centerGroup"/>
-                    </m:oMathParaPr>
-                    <m:oMath xmlns:m="http://schemas.openxmlformats.org/officeDocument/2006/math">
-                      <m:r>
-                        <a:rPr lang="en-AU" b="0" i="1" dirty="0" smtClean="0">
-                          <a:latin typeface="Cambria Math" charset="0"/>
-                        </a:rPr>
-                        <m:t>[</m:t>
-                      </m:r>
-                      <m:sSub>
-                        <m:sSubPr>
-                          <m:ctrlPr>
-                            <a:rPr lang="en-US" i="1" dirty="0">
-                              <a:latin typeface="Cambria Math" charset="0"/>
-                            </a:rPr>
-                          </m:ctrlPr>
-                        </m:sSubPr>
-                        <m:e>
-                          <m:r>
-                            <a:rPr lang="en-AU" b="0" i="1" dirty="0" smtClean="0">
-                              <a:latin typeface="Cambria Math" charset="0"/>
-                            </a:rPr>
-                            <m:t>𝑤</m:t>
-                          </m:r>
-                        </m:e>
-                        <m:sub>
-                          <m:r>
-                            <a:rPr lang="en-AU" b="0" i="1" dirty="0" smtClean="0">
-                              <a:latin typeface="Cambria Math" charset="0"/>
-                            </a:rPr>
-                            <m:t>1</m:t>
-                          </m:r>
-                        </m:sub>
-                      </m:sSub>
-                      <m:r>
-                        <a:rPr lang="en-AU" b="0" i="1" dirty="0" smtClean="0">
-                          <a:latin typeface="Cambria Math" charset="0"/>
-                        </a:rPr>
-                        <m:t>]</m:t>
-                      </m:r>
-                      <m:sSub>
-                        <m:sSubPr>
-                          <m:ctrlPr>
-                            <a:rPr lang="en-US" b="0" i="1" dirty="0" smtClean="0">
-                              <a:latin typeface="Cambria Math" charset="0"/>
-                            </a:rPr>
-                          </m:ctrlPr>
-                        </m:sSubPr>
-                        <m:e>
-                          <m:r>
-                            <a:rPr lang="en-AU" b="0" i="1" dirty="0" smtClean="0">
-                              <a:latin typeface="Cambria Math" charset="0"/>
-                            </a:rPr>
-                            <m:t>𝑓</m:t>
-                          </m:r>
-                        </m:e>
-                        <m:sub>
-                          <m:r>
-                            <a:rPr lang="en-AU" b="0" i="1" dirty="0" smtClean="0">
-                              <a:latin typeface="Cambria Math" charset="0"/>
-                            </a:rPr>
-                            <m:t>1</m:t>
-                          </m:r>
-                        </m:sub>
-                      </m:sSub>
-                    </m:oMath>
-                  </m:oMathPara>
-                </a14:m>
-                <a:endParaRPr lang="en-US" dirty="0"/>
-              </a:p>
-            </p:txBody>
-          </p:sp>
-        </mc:Choice>
-        <mc:Fallback>
-          <p:sp>
-            <p:nvSpPr>
-              <p:cNvPr id="13" name="TextBox 12"/>
-              <p:cNvSpPr txBox="1">
-                <a:spLocks noRot="1" noChangeAspect="1" noMove="1" noResize="1" noEditPoints="1" noAdjustHandles="1" noChangeArrowheads="1" noChangeShapeType="1" noTextEdit="1"/>
-              </p:cNvSpPr>
-              <p:nvPr/>
-            </p:nvSpPr>
-            <p:spPr>
-              <a:xfrm>
-                <a:off x="2987824" y="1551180"/>
-                <a:ext cx="576064" cy="369332"/>
-              </a:xfrm>
-              <a:prstGeom prst="rect">
-                <a:avLst/>
-              </a:prstGeom>
-              <a:blipFill rotWithShape="0">
-                <a:blip r:embed="rId7"/>
-                <a:stretch>
-                  <a:fillRect l="-3158" r="-31579" b="-13115"/>
-                </a:stretch>
-              </a:blipFill>
-            </p:spPr>
-            <p:txBody>
-              <a:bodyPr/>
-              <a:lstStyle/>
-              <a:p>
-                <a:r>
-                  <a:rPr lang="en-US">
-                    <a:noFill/>
-                  </a:rPr>
-                  <a:t> </a:t>
-                </a:r>
-              </a:p>
-            </p:txBody>
-          </p:sp>
-        </mc:Fallback>
-      </mc:AlternateContent>
-      <mc:AlternateContent xmlns:mc="http://schemas.openxmlformats.org/markup-compatibility/2006">
-        <mc:Choice xmlns:a14="http://schemas.microsoft.com/office/drawing/2010/main" Requires="a14">
-          <p:sp>
-            <p:nvSpPr>
-              <p:cNvPr id="15" name="TextBox 14"/>
-              <p:cNvSpPr txBox="1"/>
-              <p:nvPr/>
-            </p:nvSpPr>
-            <p:spPr>
-              <a:xfrm>
-                <a:off x="6372200" y="1556792"/>
-                <a:ext cx="576064" cy="369332"/>
-              </a:xfrm>
-              <a:prstGeom prst="rect">
-                <a:avLst/>
-              </a:prstGeom>
-              <a:noFill/>
-            </p:spPr>
-            <p:txBody>
-              <a:bodyPr wrap="square" rtlCol="0">
-                <a:spAutoFit/>
-              </a:bodyPr>
-              <a:lstStyle/>
-              <a:p>
-                <a:pPr/>
-                <a14:m>
-                  <m:oMathPara xmlns:m="http://schemas.openxmlformats.org/officeDocument/2006/math">
-                    <m:oMathParaPr>
-                      <m:jc m:val="centerGroup"/>
-                    </m:oMathParaPr>
-                    <m:oMath xmlns:m="http://schemas.openxmlformats.org/officeDocument/2006/math">
-                      <m:r>
-                        <a:rPr lang="en-AU" b="0" i="1" dirty="0" smtClean="0">
-                          <a:latin typeface="Cambria Math" charset="0"/>
-                        </a:rPr>
-                        <m:t>[</m:t>
-                      </m:r>
-                      <m:sSub>
-                        <m:sSubPr>
-                          <m:ctrlPr>
-                            <a:rPr lang="en-US" i="1" dirty="0">
-                              <a:latin typeface="Cambria Math" charset="0"/>
-                            </a:rPr>
-                          </m:ctrlPr>
-                        </m:sSubPr>
-                        <m:e>
-                          <m:r>
-                            <a:rPr lang="en-AU" b="0" i="1" dirty="0" smtClean="0">
-                              <a:latin typeface="Cambria Math" charset="0"/>
-                            </a:rPr>
-                            <m:t>𝑤</m:t>
-                          </m:r>
-                        </m:e>
-                        <m:sub>
-                          <m:r>
-                            <a:rPr lang="en-AU" b="0" i="1" dirty="0" smtClean="0">
-                              <a:latin typeface="Cambria Math" charset="0"/>
-                            </a:rPr>
-                            <m:t>𝑛</m:t>
-                          </m:r>
-                        </m:sub>
-                      </m:sSub>
-                      <m:r>
-                        <a:rPr lang="en-AU" b="0" i="1" dirty="0" smtClean="0">
-                          <a:latin typeface="Cambria Math" charset="0"/>
-                        </a:rPr>
-                        <m:t>]</m:t>
-                      </m:r>
-                      <m:sSub>
-                        <m:sSubPr>
-                          <m:ctrlPr>
-                            <a:rPr lang="en-US" b="0" i="1" dirty="0" smtClean="0">
-                              <a:latin typeface="Cambria Math" charset="0"/>
-                            </a:rPr>
-                          </m:ctrlPr>
-                        </m:sSubPr>
-                        <m:e>
-                          <m:r>
-                            <a:rPr lang="en-AU" b="0" i="1" dirty="0" smtClean="0">
-                              <a:latin typeface="Cambria Math" charset="0"/>
-                            </a:rPr>
-                            <m:t>𝑓</m:t>
-                          </m:r>
-                        </m:e>
-                        <m:sub>
-                          <m:r>
-                            <a:rPr lang="en-AU" b="0" i="1" dirty="0" smtClean="0">
-                              <a:latin typeface="Cambria Math" charset="0"/>
-                            </a:rPr>
-                            <m:t>𝑛</m:t>
-                          </m:r>
-                        </m:sub>
-                      </m:sSub>
-                    </m:oMath>
-                  </m:oMathPara>
-                </a14:m>
-                <a:endParaRPr lang="en-US" dirty="0"/>
-              </a:p>
-            </p:txBody>
-          </p:sp>
-        </mc:Choice>
-        <mc:Fallback>
-          <p:sp>
-            <p:nvSpPr>
-              <p:cNvPr id="15" name="TextBox 14"/>
-              <p:cNvSpPr txBox="1">
-                <a:spLocks noRot="1" noChangeAspect="1" noMove="1" noResize="1" noEditPoints="1" noAdjustHandles="1" noChangeArrowheads="1" noChangeShapeType="1" noTextEdit="1"/>
-              </p:cNvSpPr>
-              <p:nvPr/>
-            </p:nvSpPr>
-            <p:spPr>
-              <a:xfrm>
-                <a:off x="6372200" y="1556792"/>
-                <a:ext cx="576064" cy="369332"/>
-              </a:xfrm>
-              <a:prstGeom prst="rect">
-                <a:avLst/>
-              </a:prstGeom>
-              <a:blipFill rotWithShape="0">
-                <a:blip r:embed="rId8"/>
-                <a:stretch>
-                  <a:fillRect l="-3158" r="-32632" b="-13115"/>
-                </a:stretch>
-              </a:blipFill>
-            </p:spPr>
-            <p:txBody>
-              <a:bodyPr/>
-              <a:lstStyle/>
-              <a:p>
-                <a:r>
-                  <a:rPr lang="en-US">
-                    <a:noFill/>
-                  </a:rPr>
-                  <a:t> </a:t>
-                </a:r>
-              </a:p>
-            </p:txBody>
-          </p:sp>
-        </mc:Fallback>
-      </mc:AlternateContent>
-      <mc:AlternateContent xmlns:mc="http://schemas.openxmlformats.org/markup-compatibility/2006">
-        <mc:Choice xmlns:a14="http://schemas.microsoft.com/office/drawing/2010/main" Requires="a14">
-          <p:sp>
-            <p:nvSpPr>
-              <p:cNvPr id="16" name="TextBox 15"/>
-              <p:cNvSpPr txBox="1"/>
-              <p:nvPr/>
-            </p:nvSpPr>
-            <p:spPr>
-              <a:xfrm>
-                <a:off x="8244408" y="1619508"/>
-                <a:ext cx="576064" cy="369332"/>
-              </a:xfrm>
-              <a:prstGeom prst="rect">
-                <a:avLst/>
-              </a:prstGeom>
-              <a:noFill/>
-            </p:spPr>
-            <p:txBody>
-              <a:bodyPr wrap="square" rtlCol="0">
-                <a:spAutoFit/>
-              </a:bodyPr>
-              <a:lstStyle/>
-              <a:p>
-                <a:pPr/>
-                <a14:m>
-                  <m:oMathPara xmlns:m="http://schemas.openxmlformats.org/officeDocument/2006/math">
-                    <m:oMathParaPr>
-                      <m:jc m:val="centerGroup"/>
-                    </m:oMathParaPr>
-                    <m:oMath xmlns:m="http://schemas.openxmlformats.org/officeDocument/2006/math">
-                      <m:r>
-                        <a:rPr lang="en-AU" b="0" i="1" smtClean="0">
-                          <a:latin typeface="Cambria Math" charset="0"/>
-                        </a:rPr>
-                        <m:t>𝑜</m:t>
-                      </m:r>
-                    </m:oMath>
-                  </m:oMathPara>
-                </a14:m>
-                <a:endParaRPr lang="en-US" dirty="0"/>
-              </a:p>
-            </p:txBody>
-          </p:sp>
-        </mc:Choice>
-        <mc:Fallback>
-          <p:sp>
-            <p:nvSpPr>
-              <p:cNvPr id="16" name="TextBox 15"/>
-              <p:cNvSpPr txBox="1">
-                <a:spLocks noRot="1" noChangeAspect="1" noMove="1" noResize="1" noEditPoints="1" noAdjustHandles="1" noChangeArrowheads="1" noChangeShapeType="1" noTextEdit="1"/>
-              </p:cNvSpPr>
-              <p:nvPr/>
-            </p:nvSpPr>
-            <p:spPr>
-              <a:xfrm>
-                <a:off x="8244408" y="1619508"/>
-                <a:ext cx="576064" cy="369332"/>
-              </a:xfrm>
-              <a:prstGeom prst="rect">
-                <a:avLst/>
-              </a:prstGeom>
-              <a:blipFill rotWithShape="0">
-                <a:blip r:embed="rId9"/>
-                <a:stretch>
-                  <a:fillRect/>
-                </a:stretch>
-              </a:blipFill>
-            </p:spPr>
-            <p:txBody>
-              <a:bodyPr/>
-              <a:lstStyle/>
-              <a:p>
-                <a:r>
-                  <a:rPr lang="en-US">
-                    <a:noFill/>
-                  </a:rPr>
-                  <a:t> </a:t>
-                </a:r>
-              </a:p>
-            </p:txBody>
-          </p:sp>
-        </mc:Fallback>
-      </mc:AlternateContent>
+        <p:txBody>
+          <a:bodyPr rtlCol="0" anchor="ctr"/>
+          <a:lstStyle/>
+          <a:p>
+            <a:pPr algn="ctr"/>
+            <a:endParaRPr lang="en-US"/>
+          </a:p>
+        </p:txBody>
+      </p:sp>
     </p:spTree>
     <p:extLst>
       <p:ext uri="{BB962C8B-B14F-4D97-AF65-F5344CB8AC3E}">
-        <p14:creationId xmlns:p14="http://schemas.microsoft.com/office/powerpoint/2010/main" val="593115402"/>
+        <p14:creationId xmlns:p14="http://schemas.microsoft.com/office/powerpoint/2010/main" val="348797200"/>
       </p:ext>
     </p:extLst>
   </p:cSld>

--- a/FiguresPaper.pptx
+++ b/FiguresPaper.pptx
@@ -5,12 +5,13 @@
     <p:sldMasterId id="2147483648" r:id="rId1"/>
   </p:sldMasterIdLst>
   <p:notesMasterIdLst>
-    <p:notesMasterId r:id="rId5"/>
+    <p:notesMasterId r:id="rId6"/>
   </p:notesMasterIdLst>
   <p:sldIdLst>
     <p:sldId id="299" r:id="rId2"/>
-    <p:sldId id="301" r:id="rId3"/>
-    <p:sldId id="298" r:id="rId4"/>
+    <p:sldId id="302" r:id="rId3"/>
+    <p:sldId id="301" r:id="rId4"/>
+    <p:sldId id="298" r:id="rId5"/>
   </p:sldIdLst>
   <p:sldSz cx="9144000" cy="6858000" type="screen4x3"/>
   <p:notesSz cx="6858000" cy="9144000"/>
@@ -210,7 +211,7 @@
           <a:p>
             <a:fld id="{F28D62E0-191E-42FF-A98D-D06FD014851B}" type="datetimeFigureOut">
               <a:rPr lang="en-AU" smtClean="0"/>
-              <a:t>10/7/17</a:t>
+              <a:t>11/7/17</a:t>
             </a:fld>
             <a:endParaRPr lang="en-AU"/>
           </a:p>
@@ -659,7 +660,7 @@
           <a:p>
             <a:fld id="{D4351B45-279F-42A8-9B05-CE858E05D9F5}" type="datetimeFigureOut">
               <a:rPr lang="en-NZ" smtClean="0"/>
-              <a:t>10/07/17</a:t>
+              <a:t>11/07/17</a:t>
             </a:fld>
             <a:endParaRPr lang="en-NZ"/>
           </a:p>
@@ -829,7 +830,7 @@
           <a:p>
             <a:fld id="{D4351B45-279F-42A8-9B05-CE858E05D9F5}" type="datetimeFigureOut">
               <a:rPr lang="en-NZ" smtClean="0"/>
-              <a:t>10/07/17</a:t>
+              <a:t>11/07/17</a:t>
             </a:fld>
             <a:endParaRPr lang="en-NZ"/>
           </a:p>
@@ -1009,7 +1010,7 @@
           <a:p>
             <a:fld id="{D4351B45-279F-42A8-9B05-CE858E05D9F5}" type="datetimeFigureOut">
               <a:rPr lang="en-NZ" smtClean="0"/>
-              <a:t>10/07/17</a:t>
+              <a:t>11/07/17</a:t>
             </a:fld>
             <a:endParaRPr lang="en-NZ"/>
           </a:p>
@@ -1179,7 +1180,7 @@
           <a:p>
             <a:fld id="{D4351B45-279F-42A8-9B05-CE858E05D9F5}" type="datetimeFigureOut">
               <a:rPr lang="en-NZ" smtClean="0"/>
-              <a:t>10/07/17</a:t>
+              <a:t>11/07/17</a:t>
             </a:fld>
             <a:endParaRPr lang="en-NZ"/>
           </a:p>
@@ -1425,7 +1426,7 @@
           <a:p>
             <a:fld id="{D4351B45-279F-42A8-9B05-CE858E05D9F5}" type="datetimeFigureOut">
               <a:rPr lang="en-NZ" smtClean="0"/>
-              <a:t>10/07/17</a:t>
+              <a:t>11/07/17</a:t>
             </a:fld>
             <a:endParaRPr lang="en-NZ"/>
           </a:p>
@@ -1713,7 +1714,7 @@
           <a:p>
             <a:fld id="{D4351B45-279F-42A8-9B05-CE858E05D9F5}" type="datetimeFigureOut">
               <a:rPr lang="en-NZ" smtClean="0"/>
-              <a:t>10/07/17</a:t>
+              <a:t>11/07/17</a:t>
             </a:fld>
             <a:endParaRPr lang="en-NZ"/>
           </a:p>
@@ -2135,7 +2136,7 @@
           <a:p>
             <a:fld id="{D4351B45-279F-42A8-9B05-CE858E05D9F5}" type="datetimeFigureOut">
               <a:rPr lang="en-NZ" smtClean="0"/>
-              <a:t>10/07/17</a:t>
+              <a:t>11/07/17</a:t>
             </a:fld>
             <a:endParaRPr lang="en-NZ"/>
           </a:p>
@@ -2253,7 +2254,7 @@
           <a:p>
             <a:fld id="{D4351B45-279F-42A8-9B05-CE858E05D9F5}" type="datetimeFigureOut">
               <a:rPr lang="en-NZ" smtClean="0"/>
-              <a:t>10/07/17</a:t>
+              <a:t>11/07/17</a:t>
             </a:fld>
             <a:endParaRPr lang="en-NZ"/>
           </a:p>
@@ -2348,7 +2349,7 @@
           <a:p>
             <a:fld id="{D4351B45-279F-42A8-9B05-CE858E05D9F5}" type="datetimeFigureOut">
               <a:rPr lang="en-NZ" smtClean="0"/>
-              <a:t>10/07/17</a:t>
+              <a:t>11/07/17</a:t>
             </a:fld>
             <a:endParaRPr lang="en-NZ"/>
           </a:p>
@@ -2625,7 +2626,7 @@
           <a:p>
             <a:fld id="{D4351B45-279F-42A8-9B05-CE858E05D9F5}" type="datetimeFigureOut">
               <a:rPr lang="en-NZ" smtClean="0"/>
-              <a:t>10/07/17</a:t>
+              <a:t>11/07/17</a:t>
             </a:fld>
             <a:endParaRPr lang="en-NZ"/>
           </a:p>
@@ -2878,7 +2879,7 @@
           <a:p>
             <a:fld id="{D4351B45-279F-42A8-9B05-CE858E05D9F5}" type="datetimeFigureOut">
               <a:rPr lang="en-NZ" smtClean="0"/>
-              <a:t>10/07/17</a:t>
+              <a:t>11/07/17</a:t>
             </a:fld>
             <a:endParaRPr lang="en-NZ"/>
           </a:p>
@@ -3091,7 +3092,7 @@
           <a:p>
             <a:fld id="{D4351B45-279F-42A8-9B05-CE858E05D9F5}" type="datetimeFigureOut">
               <a:rPr lang="en-NZ" smtClean="0"/>
-              <a:t>10/07/17</a:t>
+              <a:t>11/07/17</a:t>
             </a:fld>
             <a:endParaRPr lang="en-NZ"/>
           </a:p>
@@ -3466,8 +3467,8 @@
           <a:chExt cx="0" cy="0"/>
         </a:xfrm>
       </p:grpSpPr>
-      <mc:AlternateContent xmlns:mc="http://schemas.openxmlformats.org/markup-compatibility/2006" xmlns:a14="http://schemas.microsoft.com/office/drawing/2010/main">
-        <mc:Choice Requires="a14">
+      <mc:AlternateContent xmlns:mc="http://schemas.openxmlformats.org/markup-compatibility/2006">
+        <mc:Choice xmlns:a14="http://schemas.microsoft.com/office/drawing/2010/main" Requires="a14">
           <p:sp>
             <p:nvSpPr>
               <p:cNvPr id="4" name="Oval 3"/>
@@ -3562,7 +3563,7 @@
             </p:txBody>
           </p:sp>
         </mc:Choice>
-        <mc:Fallback xmlns="">
+        <mc:Fallback>
           <p:sp>
             <p:nvSpPr>
               <p:cNvPr id="4" name="Oval 3"/>
@@ -3606,8 +3607,8 @@
           </p:sp>
         </mc:Fallback>
       </mc:AlternateContent>
-      <mc:AlternateContent xmlns:mc="http://schemas.openxmlformats.org/markup-compatibility/2006" xmlns:a14="http://schemas.microsoft.com/office/drawing/2010/main">
-        <mc:Choice Requires="a14">
+      <mc:AlternateContent xmlns:mc="http://schemas.openxmlformats.org/markup-compatibility/2006">
+        <mc:Choice xmlns:a14="http://schemas.microsoft.com/office/drawing/2010/main" Requires="a14">
           <p:sp>
             <p:nvSpPr>
               <p:cNvPr id="6" name="Oval 5"/>
@@ -3702,7 +3703,7 @@
             </p:txBody>
           </p:sp>
         </mc:Choice>
-        <mc:Fallback xmlns="">
+        <mc:Fallback>
           <p:sp>
             <p:nvSpPr>
               <p:cNvPr id="6" name="Oval 5"/>
@@ -3785,8 +3786,8 @@
           </a:fontRef>
         </p:style>
       </p:cxnSp>
-      <mc:AlternateContent xmlns:mc="http://schemas.openxmlformats.org/markup-compatibility/2006" xmlns:a14="http://schemas.microsoft.com/office/drawing/2010/main">
-        <mc:Choice Requires="a14">
+      <mc:AlternateContent xmlns:mc="http://schemas.openxmlformats.org/markup-compatibility/2006">
+        <mc:Choice xmlns:a14="http://schemas.microsoft.com/office/drawing/2010/main" Requires="a14">
           <p:sp>
             <p:nvSpPr>
               <p:cNvPr id="9" name="Oval 8"/>
@@ -3881,7 +3882,7 @@
             </p:txBody>
           </p:sp>
         </mc:Choice>
-        <mc:Fallback xmlns="">
+        <mc:Fallback>
           <p:sp>
             <p:nvSpPr>
               <p:cNvPr id="9" name="Oval 8"/>
@@ -3925,8 +3926,8 @@
           </p:sp>
         </mc:Fallback>
       </mc:AlternateContent>
-      <mc:AlternateContent xmlns:mc="http://schemas.openxmlformats.org/markup-compatibility/2006" xmlns:a14="http://schemas.microsoft.com/office/drawing/2010/main">
-        <mc:Choice Requires="a14">
+      <mc:AlternateContent xmlns:mc="http://schemas.openxmlformats.org/markup-compatibility/2006">
+        <mc:Choice xmlns:a14="http://schemas.microsoft.com/office/drawing/2010/main" Requires="a14">
           <p:sp>
             <p:nvSpPr>
               <p:cNvPr id="11" name="Oval 10"/>
@@ -4021,7 +4022,7 @@
             </p:txBody>
           </p:sp>
         </mc:Choice>
-        <mc:Fallback xmlns="">
+        <mc:Fallback>
           <p:sp>
             <p:nvSpPr>
               <p:cNvPr id="11" name="Oval 10"/>
@@ -4065,8 +4066,8 @@
           </p:sp>
         </mc:Fallback>
       </mc:AlternateContent>
-      <mc:AlternateContent xmlns:mc="http://schemas.openxmlformats.org/markup-compatibility/2006" xmlns:a14="http://schemas.microsoft.com/office/drawing/2010/main">
-        <mc:Choice Requires="a14">
+      <mc:AlternateContent xmlns:mc="http://schemas.openxmlformats.org/markup-compatibility/2006">
+        <mc:Choice xmlns:a14="http://schemas.microsoft.com/office/drawing/2010/main" Requires="a14">
           <p:sp>
             <p:nvSpPr>
               <p:cNvPr id="12" name="Oval 11"/>
@@ -4161,7 +4162,7 @@
             </p:txBody>
           </p:sp>
         </mc:Choice>
-        <mc:Fallback xmlns="">
+        <mc:Fallback>
           <p:sp>
             <p:nvSpPr>
               <p:cNvPr id="12" name="Oval 11"/>
@@ -4359,8 +4360,8 @@
           </a:fontRef>
         </p:style>
       </p:cxnSp>
-      <mc:AlternateContent xmlns:mc="http://schemas.openxmlformats.org/markup-compatibility/2006" xmlns:a14="http://schemas.microsoft.com/office/drawing/2010/main">
-        <mc:Choice Requires="a14">
+      <mc:AlternateContent xmlns:mc="http://schemas.openxmlformats.org/markup-compatibility/2006">
+        <mc:Choice xmlns:a14="http://schemas.microsoft.com/office/drawing/2010/main" Requires="a14">
           <p:sp>
             <p:nvSpPr>
               <p:cNvPr id="21" name="TextBox 20"/>
@@ -4404,7 +4405,7 @@
             </p:txBody>
           </p:sp>
         </mc:Choice>
-        <mc:Fallback xmlns="">
+        <mc:Fallback>
           <p:sp>
             <p:nvSpPr>
               <p:cNvPr id="21" name="TextBox 20"/>
@@ -4443,8 +4444,8 @@
           </p:sp>
         </mc:Fallback>
       </mc:AlternateContent>
-      <mc:AlternateContent xmlns:mc="http://schemas.openxmlformats.org/markup-compatibility/2006" xmlns:a14="http://schemas.microsoft.com/office/drawing/2010/main">
-        <mc:Choice Requires="a14">
+      <mc:AlternateContent xmlns:mc="http://schemas.openxmlformats.org/markup-compatibility/2006">
+        <mc:Choice xmlns:a14="http://schemas.microsoft.com/office/drawing/2010/main" Requires="a14">
           <p:sp>
             <p:nvSpPr>
               <p:cNvPr id="22" name="TextBox 21"/>
@@ -4544,7 +4545,7 @@
             </p:txBody>
           </p:sp>
         </mc:Choice>
-        <mc:Fallback xmlns="">
+        <mc:Fallback>
           <p:sp>
             <p:nvSpPr>
               <p:cNvPr id="22" name="TextBox 21"/>
@@ -4583,8 +4584,8 @@
           </p:sp>
         </mc:Fallback>
       </mc:AlternateContent>
-      <mc:AlternateContent xmlns:mc="http://schemas.openxmlformats.org/markup-compatibility/2006" xmlns:a14="http://schemas.microsoft.com/office/drawing/2010/main">
-        <mc:Choice Requires="a14">
+      <mc:AlternateContent xmlns:mc="http://schemas.openxmlformats.org/markup-compatibility/2006">
+        <mc:Choice xmlns:a14="http://schemas.microsoft.com/office/drawing/2010/main" Requires="a14">
           <p:sp>
             <p:nvSpPr>
               <p:cNvPr id="23" name="TextBox 22"/>
@@ -4684,7 +4685,7 @@
             </p:txBody>
           </p:sp>
         </mc:Choice>
-        <mc:Fallback xmlns="">
+        <mc:Fallback>
           <p:sp>
             <p:nvSpPr>
               <p:cNvPr id="23" name="TextBox 22"/>
@@ -4723,8 +4724,8 @@
           </p:sp>
         </mc:Fallback>
       </mc:AlternateContent>
-      <mc:AlternateContent xmlns:mc="http://schemas.openxmlformats.org/markup-compatibility/2006" xmlns:a14="http://schemas.microsoft.com/office/drawing/2010/main">
-        <mc:Choice Requires="a14">
+      <mc:AlternateContent xmlns:mc="http://schemas.openxmlformats.org/markup-compatibility/2006">
+        <mc:Choice xmlns:a14="http://schemas.microsoft.com/office/drawing/2010/main" Requires="a14">
           <p:sp>
             <p:nvSpPr>
               <p:cNvPr id="24" name="TextBox 23"/>
@@ -4824,7 +4825,7 @@
             </p:txBody>
           </p:sp>
         </mc:Choice>
-        <mc:Fallback xmlns="">
+        <mc:Fallback>
           <p:sp>
             <p:nvSpPr>
               <p:cNvPr id="24" name="TextBox 23"/>
@@ -4863,8 +4864,8 @@
           </p:sp>
         </mc:Fallback>
       </mc:AlternateContent>
-      <mc:AlternateContent xmlns:mc="http://schemas.openxmlformats.org/markup-compatibility/2006" xmlns:a14="http://schemas.microsoft.com/office/drawing/2010/main">
-        <mc:Choice Requires="a14">
+      <mc:AlternateContent xmlns:mc="http://schemas.openxmlformats.org/markup-compatibility/2006">
+        <mc:Choice xmlns:a14="http://schemas.microsoft.com/office/drawing/2010/main" Requires="a14">
           <p:sp>
             <p:nvSpPr>
               <p:cNvPr id="25" name="TextBox 24"/>
@@ -4908,7 +4909,7 @@
             </p:txBody>
           </p:sp>
         </mc:Choice>
-        <mc:Fallback xmlns="">
+        <mc:Fallback>
           <p:sp>
             <p:nvSpPr>
               <p:cNvPr id="25" name="TextBox 24"/>
@@ -4997,6 +4998,830 @@
 </file>
 
 <file path=ppt/slides/slide2.xml><?xml version="1.0" encoding="utf-8"?>
+<p:sld xmlns:a="http://schemas.openxmlformats.org/drawingml/2006/main" xmlns:r="http://schemas.openxmlformats.org/officeDocument/2006/relationships" xmlns:p="http://schemas.openxmlformats.org/presentationml/2006/main">
+  <p:cSld>
+    <p:spTree>
+      <p:nvGrpSpPr>
+        <p:cNvPr id="1" name=""/>
+        <p:cNvGrpSpPr/>
+        <p:nvPr/>
+      </p:nvGrpSpPr>
+      <p:grpSpPr>
+        <a:xfrm>
+          <a:off x="0" y="0"/>
+          <a:ext cx="0" cy="0"/>
+          <a:chOff x="0" y="0"/>
+          <a:chExt cx="0" cy="0"/>
+        </a:xfrm>
+      </p:grpSpPr>
+      <mc:AlternateContent xmlns:mc="http://schemas.openxmlformats.org/markup-compatibility/2006">
+        <mc:Choice xmlns:a14="http://schemas.microsoft.com/office/drawing/2010/main" Requires="a14">
+          <p:sp>
+            <p:nvSpPr>
+              <p:cNvPr id="4" name="Oval 3"/>
+              <p:cNvSpPr/>
+              <p:nvPr/>
+            </p:nvSpPr>
+            <p:spPr>
+              <a:xfrm>
+                <a:off x="2051720" y="1565176"/>
+                <a:ext cx="792088" cy="792088"/>
+              </a:xfrm>
+              <a:prstGeom prst="ellipse">
+                <a:avLst/>
+              </a:prstGeom>
+              <a:noFill/>
+              <a:ln>
+                <a:solidFill>
+                  <a:schemeClr val="tx1"/>
+                </a:solidFill>
+              </a:ln>
+            </p:spPr>
+            <p:style>
+              <a:lnRef idx="2">
+                <a:schemeClr val="accent1">
+                  <a:shade val="50000"/>
+                </a:schemeClr>
+              </a:lnRef>
+              <a:fillRef idx="1">
+                <a:schemeClr val="accent1"/>
+              </a:fillRef>
+              <a:effectRef idx="0">
+                <a:schemeClr val="accent1"/>
+              </a:effectRef>
+              <a:fontRef idx="minor">
+                <a:schemeClr val="lt1"/>
+              </a:fontRef>
+            </p:style>
+            <p:txBody>
+              <a:bodyPr rtlCol="0" anchor="ctr"/>
+              <a:lstStyle/>
+              <a:p>
+                <a:pPr algn="ctr"/>
+                <a14:m>
+                  <m:oMathPara xmlns:m="http://schemas.openxmlformats.org/officeDocument/2006/math">
+                    <m:oMathParaPr>
+                      <m:jc m:val="centerGroup"/>
+                    </m:oMathParaPr>
+                    <m:oMath xmlns:m="http://schemas.openxmlformats.org/officeDocument/2006/math">
+                      <m:sSub>
+                        <m:sSubPr>
+                          <m:ctrlPr>
+                            <a:rPr lang="en-US" i="1" dirty="0" smtClean="0">
+                              <a:solidFill>
+                                <a:schemeClr val="tx1"/>
+                              </a:solidFill>
+                              <a:latin typeface="Cambria Math" charset="0"/>
+                            </a:rPr>
+                          </m:ctrlPr>
+                        </m:sSubPr>
+                        <m:e>
+                          <m:r>
+                            <a:rPr lang="en-AU" b="0" i="1" dirty="0" smtClean="0">
+                              <a:solidFill>
+                                <a:schemeClr val="tx1"/>
+                              </a:solidFill>
+                              <a:latin typeface="Cambria Math" charset="0"/>
+                            </a:rPr>
+                            <m:t>𝑆</m:t>
+                          </m:r>
+                        </m:e>
+                        <m:sub>
+                          <m:r>
+                            <a:rPr lang="en-AU" b="0" i="1" dirty="0" smtClean="0">
+                              <a:solidFill>
+                                <a:schemeClr val="tx1"/>
+                              </a:solidFill>
+                              <a:latin typeface="Cambria Math" charset="0"/>
+                            </a:rPr>
+                            <m:t>𝑤</m:t>
+                          </m:r>
+                        </m:sub>
+                      </m:sSub>
+                    </m:oMath>
+                  </m:oMathPara>
+                </a14:m>
+                <a:endParaRPr lang="en-US" dirty="0">
+                  <a:solidFill>
+                    <a:schemeClr val="tx1"/>
+                  </a:solidFill>
+                </a:endParaRPr>
+              </a:p>
+            </p:txBody>
+          </p:sp>
+        </mc:Choice>
+        <mc:Fallback>
+          <p:sp>
+            <p:nvSpPr>
+              <p:cNvPr id="4" name="Oval 3"/>
+              <p:cNvSpPr>
+                <a:spLocks noRot="1" noChangeAspect="1" noMove="1" noResize="1" noEditPoints="1" noAdjustHandles="1" noChangeArrowheads="1" noChangeShapeType="1" noTextEdit="1"/>
+              </p:cNvSpPr>
+              <p:nvPr/>
+            </p:nvSpPr>
+            <p:spPr>
+              <a:xfrm>
+                <a:off x="2051720" y="1565176"/>
+                <a:ext cx="792088" cy="792088"/>
+              </a:xfrm>
+              <a:prstGeom prst="ellipse">
+                <a:avLst/>
+              </a:prstGeom>
+              <a:blipFill rotWithShape="0">
+                <a:blip r:embed="rId2"/>
+                <a:stretch>
+                  <a:fillRect/>
+                </a:stretch>
+              </a:blipFill>
+              <a:ln>
+                <a:solidFill>
+                  <a:schemeClr val="tx1"/>
+                </a:solidFill>
+              </a:ln>
+            </p:spPr>
+            <p:txBody>
+              <a:bodyPr/>
+              <a:lstStyle/>
+              <a:p>
+                <a:r>
+                  <a:rPr lang="en-US">
+                    <a:noFill/>
+                  </a:rPr>
+                  <a:t> </a:t>
+                </a:r>
+              </a:p>
+            </p:txBody>
+          </p:sp>
+        </mc:Fallback>
+      </mc:AlternateContent>
+      <mc:AlternateContent xmlns:mc="http://schemas.openxmlformats.org/markup-compatibility/2006">
+        <mc:Choice xmlns:a14="http://schemas.microsoft.com/office/drawing/2010/main" Requires="a14">
+          <p:sp>
+            <p:nvSpPr>
+              <p:cNvPr id="6" name="Oval 5"/>
+              <p:cNvSpPr/>
+              <p:nvPr/>
+            </p:nvSpPr>
+            <p:spPr>
+              <a:xfrm>
+                <a:off x="331912" y="1565176"/>
+                <a:ext cx="792088" cy="792088"/>
+              </a:xfrm>
+              <a:prstGeom prst="ellipse">
+                <a:avLst/>
+              </a:prstGeom>
+              <a:noFill/>
+              <a:ln>
+                <a:solidFill>
+                  <a:schemeClr val="tx1"/>
+                </a:solidFill>
+              </a:ln>
+            </p:spPr>
+            <p:style>
+              <a:lnRef idx="2">
+                <a:schemeClr val="accent1">
+                  <a:shade val="50000"/>
+                </a:schemeClr>
+              </a:lnRef>
+              <a:fillRef idx="1">
+                <a:schemeClr val="accent1"/>
+              </a:fillRef>
+              <a:effectRef idx="0">
+                <a:schemeClr val="accent1"/>
+              </a:effectRef>
+              <a:fontRef idx="minor">
+                <a:schemeClr val="lt1"/>
+              </a:fontRef>
+            </p:style>
+            <p:txBody>
+              <a:bodyPr rtlCol="0" anchor="ctr"/>
+              <a:lstStyle/>
+              <a:p>
+                <a:pPr algn="ctr"/>
+                <a14:m>
+                  <m:oMathPara xmlns:m="http://schemas.openxmlformats.org/officeDocument/2006/math">
+                    <m:oMathParaPr>
+                      <m:jc m:val="centerGroup"/>
+                    </m:oMathParaPr>
+                    <m:oMath xmlns:m="http://schemas.openxmlformats.org/officeDocument/2006/math">
+                      <m:sSub>
+                        <m:sSubPr>
+                          <m:ctrlPr>
+                            <a:rPr lang="en-US" i="1" dirty="0" smtClean="0">
+                              <a:solidFill>
+                                <a:schemeClr val="tx1"/>
+                              </a:solidFill>
+                              <a:latin typeface="Cambria Math" charset="0"/>
+                            </a:rPr>
+                          </m:ctrlPr>
+                        </m:sSubPr>
+                        <m:e>
+                          <m:r>
+                            <a:rPr lang="en-AU" b="0" i="1" dirty="0" smtClean="0">
+                              <a:solidFill>
+                                <a:schemeClr val="tx1"/>
+                              </a:solidFill>
+                              <a:latin typeface="Cambria Math" charset="0"/>
+                            </a:rPr>
+                            <m:t>𝑆</m:t>
+                          </m:r>
+                        </m:e>
+                        <m:sub>
+                          <m:r>
+                            <a:rPr lang="en-AU" b="0" i="1" dirty="0" smtClean="0">
+                              <a:solidFill>
+                                <a:schemeClr val="tx1"/>
+                              </a:solidFill>
+                              <a:latin typeface="Cambria Math" charset="0"/>
+                            </a:rPr>
+                            <m:t>𝑖</m:t>
+                          </m:r>
+                        </m:sub>
+                      </m:sSub>
+                    </m:oMath>
+                  </m:oMathPara>
+                </a14:m>
+                <a:endParaRPr lang="en-US" dirty="0">
+                  <a:solidFill>
+                    <a:schemeClr val="tx1"/>
+                  </a:solidFill>
+                </a:endParaRPr>
+              </a:p>
+            </p:txBody>
+          </p:sp>
+        </mc:Choice>
+        <mc:Fallback>
+          <p:sp>
+            <p:nvSpPr>
+              <p:cNvPr id="6" name="Oval 5"/>
+              <p:cNvSpPr>
+                <a:spLocks noRot="1" noChangeAspect="1" noMove="1" noResize="1" noEditPoints="1" noAdjustHandles="1" noChangeArrowheads="1" noChangeShapeType="1" noTextEdit="1"/>
+              </p:cNvSpPr>
+              <p:nvPr/>
+            </p:nvSpPr>
+            <p:spPr>
+              <a:xfrm>
+                <a:off x="331912" y="1565176"/>
+                <a:ext cx="792088" cy="792088"/>
+              </a:xfrm>
+              <a:prstGeom prst="ellipse">
+                <a:avLst/>
+              </a:prstGeom>
+              <a:blipFill rotWithShape="0">
+                <a:blip r:embed="rId3"/>
+                <a:stretch>
+                  <a:fillRect/>
+                </a:stretch>
+              </a:blipFill>
+              <a:ln>
+                <a:solidFill>
+                  <a:schemeClr val="tx1"/>
+                </a:solidFill>
+              </a:ln>
+            </p:spPr>
+            <p:txBody>
+              <a:bodyPr/>
+              <a:lstStyle/>
+              <a:p>
+                <a:r>
+                  <a:rPr lang="en-US">
+                    <a:noFill/>
+                  </a:rPr>
+                  <a:t> </a:t>
+                </a:r>
+              </a:p>
+            </p:txBody>
+          </p:sp>
+        </mc:Fallback>
+      </mc:AlternateContent>
+      <p:cxnSp>
+        <p:nvCxnSpPr>
+          <p:cNvPr id="8" name="Straight Arrow Connector 7"/>
+          <p:cNvCxnSpPr>
+            <a:stCxn id="6" idx="6"/>
+            <a:endCxn id="4" idx="2"/>
+          </p:cNvCxnSpPr>
+          <p:nvPr/>
+        </p:nvCxnSpPr>
+        <p:spPr>
+          <a:xfrm>
+            <a:off x="1124000" y="1961220"/>
+            <a:ext cx="927720" cy="0"/>
+          </a:xfrm>
+          <a:prstGeom prst="straightConnector1">
+            <a:avLst/>
+          </a:prstGeom>
+          <a:ln>
+            <a:solidFill>
+              <a:schemeClr val="tx1"/>
+            </a:solidFill>
+            <a:tailEnd type="triangle"/>
+          </a:ln>
+        </p:spPr>
+        <p:style>
+          <a:lnRef idx="1">
+            <a:schemeClr val="accent1"/>
+          </a:lnRef>
+          <a:fillRef idx="0">
+            <a:schemeClr val="accent1"/>
+          </a:fillRef>
+          <a:effectRef idx="0">
+            <a:schemeClr val="accent1"/>
+          </a:effectRef>
+          <a:fontRef idx="minor">
+            <a:schemeClr val="tx1"/>
+          </a:fontRef>
+        </p:style>
+      </p:cxnSp>
+      <mc:AlternateContent xmlns:mc="http://schemas.openxmlformats.org/markup-compatibility/2006">
+        <mc:Choice xmlns:a14="http://schemas.microsoft.com/office/drawing/2010/main" Requires="a14">
+          <p:sp>
+            <p:nvSpPr>
+              <p:cNvPr id="11" name="Oval 10"/>
+              <p:cNvSpPr/>
+              <p:nvPr/>
+            </p:nvSpPr>
+            <p:spPr>
+              <a:xfrm>
+                <a:off x="5148064" y="1565176"/>
+                <a:ext cx="792088" cy="792088"/>
+              </a:xfrm>
+              <a:prstGeom prst="ellipse">
+                <a:avLst/>
+              </a:prstGeom>
+              <a:noFill/>
+              <a:ln>
+                <a:solidFill>
+                  <a:schemeClr val="tx1"/>
+                </a:solidFill>
+              </a:ln>
+            </p:spPr>
+            <p:style>
+              <a:lnRef idx="2">
+                <a:schemeClr val="accent1">
+                  <a:shade val="50000"/>
+                </a:schemeClr>
+              </a:lnRef>
+              <a:fillRef idx="1">
+                <a:schemeClr val="accent1"/>
+              </a:fillRef>
+              <a:effectRef idx="0">
+                <a:schemeClr val="accent1"/>
+              </a:effectRef>
+              <a:fontRef idx="minor">
+                <a:schemeClr val="lt1"/>
+              </a:fontRef>
+            </p:style>
+            <p:txBody>
+              <a:bodyPr rtlCol="0" anchor="ctr"/>
+              <a:lstStyle/>
+              <a:p>
+                <a:pPr algn="ctr"/>
+                <a14:m>
+                  <m:oMathPara xmlns:m="http://schemas.openxmlformats.org/officeDocument/2006/math">
+                    <m:oMathParaPr>
+                      <m:jc m:val="centerGroup"/>
+                    </m:oMathParaPr>
+                    <m:oMath xmlns:m="http://schemas.openxmlformats.org/officeDocument/2006/math">
+                      <m:sSub>
+                        <m:sSubPr>
+                          <m:ctrlPr>
+                            <a:rPr lang="en-US" i="1" dirty="0" smtClean="0">
+                              <a:solidFill>
+                                <a:schemeClr val="tx1"/>
+                              </a:solidFill>
+                              <a:latin typeface="Cambria Math" charset="0"/>
+                            </a:rPr>
+                          </m:ctrlPr>
+                        </m:sSubPr>
+                        <m:e>
+                          <m:r>
+                            <a:rPr lang="en-AU" b="0" i="1" dirty="0" smtClean="0">
+                              <a:solidFill>
+                                <a:schemeClr val="tx1"/>
+                              </a:solidFill>
+                              <a:latin typeface="Cambria Math" charset="0"/>
+                            </a:rPr>
+                            <m:t>𝑆</m:t>
+                          </m:r>
+                        </m:e>
+                        <m:sub>
+                          <m:r>
+                            <a:rPr lang="en-AU" b="0" i="1" dirty="0" smtClean="0">
+                              <a:solidFill>
+                                <a:schemeClr val="tx1"/>
+                              </a:solidFill>
+                              <a:latin typeface="Cambria Math" charset="0"/>
+                            </a:rPr>
+                            <m:t>𝑜</m:t>
+                          </m:r>
+                        </m:sub>
+                      </m:sSub>
+                    </m:oMath>
+                  </m:oMathPara>
+                </a14:m>
+                <a:endParaRPr lang="en-US" dirty="0">
+                  <a:solidFill>
+                    <a:schemeClr val="tx1"/>
+                  </a:solidFill>
+                </a:endParaRPr>
+              </a:p>
+            </p:txBody>
+          </p:sp>
+        </mc:Choice>
+        <mc:Fallback>
+          <p:sp>
+            <p:nvSpPr>
+              <p:cNvPr id="11" name="Oval 10"/>
+              <p:cNvSpPr>
+                <a:spLocks noRot="1" noChangeAspect="1" noMove="1" noResize="1" noEditPoints="1" noAdjustHandles="1" noChangeArrowheads="1" noChangeShapeType="1" noTextEdit="1"/>
+              </p:cNvSpPr>
+              <p:nvPr/>
+            </p:nvSpPr>
+            <p:spPr>
+              <a:xfrm>
+                <a:off x="5148064" y="1565176"/>
+                <a:ext cx="792088" cy="792088"/>
+              </a:xfrm>
+              <a:prstGeom prst="ellipse">
+                <a:avLst/>
+              </a:prstGeom>
+              <a:blipFill rotWithShape="0">
+                <a:blip r:embed="rId4"/>
+                <a:stretch>
+                  <a:fillRect/>
+                </a:stretch>
+              </a:blipFill>
+              <a:ln>
+                <a:solidFill>
+                  <a:schemeClr val="tx1"/>
+                </a:solidFill>
+              </a:ln>
+            </p:spPr>
+            <p:txBody>
+              <a:bodyPr/>
+              <a:lstStyle/>
+              <a:p>
+                <a:r>
+                  <a:rPr lang="en-US">
+                    <a:noFill/>
+                  </a:rPr>
+                  <a:t> </a:t>
+                </a:r>
+              </a:p>
+            </p:txBody>
+          </p:sp>
+        </mc:Fallback>
+      </mc:AlternateContent>
+      <p:cxnSp>
+        <p:nvCxnSpPr>
+          <p:cNvPr id="14" name="Straight Arrow Connector 13"/>
+          <p:cNvCxnSpPr>
+            <a:stCxn id="4" idx="6"/>
+            <a:endCxn id="11" idx="2"/>
+          </p:cNvCxnSpPr>
+          <p:nvPr/>
+        </p:nvCxnSpPr>
+        <p:spPr>
+          <a:xfrm>
+            <a:off x="2843808" y="1961220"/>
+            <a:ext cx="2304256" cy="0"/>
+          </a:xfrm>
+          <a:prstGeom prst="straightConnector1">
+            <a:avLst/>
+          </a:prstGeom>
+          <a:ln w="28575">
+            <a:solidFill>
+              <a:schemeClr val="tx1"/>
+            </a:solidFill>
+            <a:prstDash val="sysDot"/>
+            <a:tailEnd type="triangle"/>
+          </a:ln>
+        </p:spPr>
+        <p:style>
+          <a:lnRef idx="1">
+            <a:schemeClr val="accent1"/>
+          </a:lnRef>
+          <a:fillRef idx="0">
+            <a:schemeClr val="accent1"/>
+          </a:fillRef>
+          <a:effectRef idx="0">
+            <a:schemeClr val="accent1"/>
+          </a:effectRef>
+          <a:fontRef idx="minor">
+            <a:schemeClr val="tx1"/>
+          </a:fontRef>
+        </p:style>
+      </p:cxnSp>
+      <mc:AlternateContent xmlns:mc="http://schemas.openxmlformats.org/markup-compatibility/2006">
+        <mc:Choice xmlns:a14="http://schemas.microsoft.com/office/drawing/2010/main" Requires="a14">
+          <p:sp>
+            <p:nvSpPr>
+              <p:cNvPr id="21" name="TextBox 20"/>
+              <p:cNvSpPr txBox="1"/>
+              <p:nvPr/>
+            </p:nvSpPr>
+            <p:spPr>
+              <a:xfrm>
+                <a:off x="1286170" y="1619508"/>
+                <a:ext cx="576064" cy="369332"/>
+              </a:xfrm>
+              <a:prstGeom prst="rect">
+                <a:avLst/>
+              </a:prstGeom>
+              <a:noFill/>
+            </p:spPr>
+            <p:txBody>
+              <a:bodyPr wrap="square" rtlCol="0">
+                <a:spAutoFit/>
+              </a:bodyPr>
+              <a:lstStyle/>
+              <a:p>
+                <a:pPr/>
+                <a14:m>
+                  <m:oMathPara xmlns:m="http://schemas.openxmlformats.org/officeDocument/2006/math">
+                    <m:oMathParaPr>
+                      <m:jc m:val="centerGroup"/>
+                    </m:oMathParaPr>
+                    <m:oMath xmlns:m="http://schemas.openxmlformats.org/officeDocument/2006/math">
+                      <m:r>
+                        <a:rPr lang="en-AU" b="0" i="1" smtClean="0">
+                          <a:latin typeface="Cambria Math" charset="0"/>
+                        </a:rPr>
+                        <m:t>𝑖</m:t>
+                      </m:r>
+                    </m:oMath>
+                  </m:oMathPara>
+                </a14:m>
+                <a:endParaRPr lang="en-US" dirty="0"/>
+              </a:p>
+            </p:txBody>
+          </p:sp>
+        </mc:Choice>
+        <mc:Fallback>
+          <p:sp>
+            <p:nvSpPr>
+              <p:cNvPr id="21" name="TextBox 20"/>
+              <p:cNvSpPr txBox="1">
+                <a:spLocks noRot="1" noChangeAspect="1" noMove="1" noResize="1" noEditPoints="1" noAdjustHandles="1" noChangeArrowheads="1" noChangeShapeType="1" noTextEdit="1"/>
+              </p:cNvSpPr>
+              <p:nvPr/>
+            </p:nvSpPr>
+            <p:spPr>
+              <a:xfrm>
+                <a:off x="1286170" y="1619508"/>
+                <a:ext cx="576064" cy="369332"/>
+              </a:xfrm>
+              <a:prstGeom prst="rect">
+                <a:avLst/>
+              </a:prstGeom>
+              <a:blipFill rotWithShape="0">
+                <a:blip r:embed="rId5"/>
+                <a:stretch>
+                  <a:fillRect/>
+                </a:stretch>
+              </a:blipFill>
+            </p:spPr>
+            <p:txBody>
+              <a:bodyPr/>
+              <a:lstStyle/>
+              <a:p>
+                <a:r>
+                  <a:rPr lang="en-US">
+                    <a:noFill/>
+                  </a:rPr>
+                  <a:t> </a:t>
+                </a:r>
+              </a:p>
+            </p:txBody>
+          </p:sp>
+        </mc:Fallback>
+      </mc:AlternateContent>
+      <mc:AlternateContent xmlns:mc="http://schemas.openxmlformats.org/markup-compatibility/2006">
+        <mc:Choice xmlns:a14="http://schemas.microsoft.com/office/drawing/2010/main" Requires="a14">
+          <p:sp>
+            <p:nvSpPr>
+              <p:cNvPr id="25" name="TextBox 24"/>
+              <p:cNvSpPr txBox="1"/>
+              <p:nvPr/>
+            </p:nvSpPr>
+            <p:spPr>
+              <a:xfrm>
+                <a:off x="6181328" y="1691516"/>
+                <a:ext cx="576064" cy="369332"/>
+              </a:xfrm>
+              <a:prstGeom prst="rect">
+                <a:avLst/>
+              </a:prstGeom>
+              <a:noFill/>
+            </p:spPr>
+            <p:txBody>
+              <a:bodyPr wrap="square" rtlCol="0">
+                <a:spAutoFit/>
+              </a:bodyPr>
+              <a:lstStyle/>
+              <a:p>
+                <a:pPr/>
+                <a14:m>
+                  <m:oMathPara xmlns:m="http://schemas.openxmlformats.org/officeDocument/2006/math">
+                    <m:oMathParaPr>
+                      <m:jc m:val="centerGroup"/>
+                    </m:oMathParaPr>
+                    <m:oMath xmlns:m="http://schemas.openxmlformats.org/officeDocument/2006/math">
+                      <m:r>
+                        <a:rPr lang="en-AU" b="0" i="1" smtClean="0">
+                          <a:latin typeface="Cambria Math" charset="0"/>
+                        </a:rPr>
+                        <m:t>𝑜</m:t>
+                      </m:r>
+                    </m:oMath>
+                  </m:oMathPara>
+                </a14:m>
+                <a:endParaRPr lang="en-US" dirty="0"/>
+              </a:p>
+            </p:txBody>
+          </p:sp>
+        </mc:Choice>
+        <mc:Fallback>
+          <p:sp>
+            <p:nvSpPr>
+              <p:cNvPr id="25" name="TextBox 24"/>
+              <p:cNvSpPr txBox="1">
+                <a:spLocks noRot="1" noChangeAspect="1" noMove="1" noResize="1" noEditPoints="1" noAdjustHandles="1" noChangeArrowheads="1" noChangeShapeType="1" noTextEdit="1"/>
+              </p:cNvSpPr>
+              <p:nvPr/>
+            </p:nvSpPr>
+            <p:spPr>
+              <a:xfrm>
+                <a:off x="6181328" y="1691516"/>
+                <a:ext cx="576064" cy="369332"/>
+              </a:xfrm>
+              <a:prstGeom prst="rect">
+                <a:avLst/>
+              </a:prstGeom>
+              <a:blipFill rotWithShape="0">
+                <a:blip r:embed="rId6"/>
+                <a:stretch>
+                  <a:fillRect/>
+                </a:stretch>
+              </a:blipFill>
+            </p:spPr>
+            <p:txBody>
+              <a:bodyPr/>
+              <a:lstStyle/>
+              <a:p>
+                <a:r>
+                  <a:rPr lang="en-US">
+                    <a:noFill/>
+                  </a:rPr>
+                  <a:t> </a:t>
+                </a:r>
+              </a:p>
+            </p:txBody>
+          </p:sp>
+        </mc:Fallback>
+      </mc:AlternateContent>
+      <mc:AlternateContent xmlns:mc="http://schemas.openxmlformats.org/markup-compatibility/2006">
+        <mc:Choice xmlns:a14="http://schemas.microsoft.com/office/drawing/2010/main" Requires="a14">
+          <p:sp>
+            <p:nvSpPr>
+              <p:cNvPr id="19" name="TextBox 18"/>
+              <p:cNvSpPr txBox="1"/>
+              <p:nvPr/>
+            </p:nvSpPr>
+            <p:spPr>
+              <a:xfrm>
+                <a:off x="3203848" y="1565176"/>
+                <a:ext cx="1584176" cy="369332"/>
+              </a:xfrm>
+              <a:prstGeom prst="rect">
+                <a:avLst/>
+              </a:prstGeom>
+              <a:noFill/>
+            </p:spPr>
+            <p:txBody>
+              <a:bodyPr wrap="square" rtlCol="0">
+                <a:spAutoFit/>
+              </a:bodyPr>
+              <a:lstStyle/>
+              <a:p>
+                <a:pPr/>
+                <a14:m>
+                  <m:oMathPara xmlns:m="http://schemas.openxmlformats.org/officeDocument/2006/math">
+                    <m:oMathParaPr>
+                      <m:jc m:val="centerGroup"/>
+                    </m:oMathParaPr>
+                    <m:oMath xmlns:m="http://schemas.openxmlformats.org/officeDocument/2006/math">
+                      <m:r>
+                        <a:rPr lang="en-AU" b="0" i="1" smtClean="0">
+                          <a:latin typeface="Cambria Math" charset="0"/>
+                        </a:rPr>
+                        <m:t>𝐶𝑜𝑚𝑝𝑢𝑡𝑎𝑡𝑖𝑜𝑛</m:t>
+                      </m:r>
+                    </m:oMath>
+                  </m:oMathPara>
+                </a14:m>
+                <a:endParaRPr lang="en-US" dirty="0"/>
+              </a:p>
+            </p:txBody>
+          </p:sp>
+        </mc:Choice>
+        <mc:Fallback>
+          <p:sp>
+            <p:nvSpPr>
+              <p:cNvPr id="19" name="TextBox 18"/>
+              <p:cNvSpPr txBox="1">
+                <a:spLocks noRot="1" noChangeAspect="1" noMove="1" noResize="1" noEditPoints="1" noAdjustHandles="1" noChangeArrowheads="1" noChangeShapeType="1" noTextEdit="1"/>
+              </p:cNvSpPr>
+              <p:nvPr/>
+            </p:nvSpPr>
+            <p:spPr>
+              <a:xfrm>
+                <a:off x="3203848" y="1565176"/>
+                <a:ext cx="1584176" cy="369332"/>
+              </a:xfrm>
+              <a:prstGeom prst="rect">
+                <a:avLst/>
+              </a:prstGeom>
+              <a:blipFill rotWithShape="0">
+                <a:blip r:embed="rId7"/>
+                <a:stretch>
+                  <a:fillRect b="-13333"/>
+                </a:stretch>
+              </a:blipFill>
+            </p:spPr>
+            <p:txBody>
+              <a:bodyPr/>
+              <a:lstStyle/>
+              <a:p>
+                <a:r>
+                  <a:rPr lang="en-US">
+                    <a:noFill/>
+                  </a:rPr>
+                  <a:t> </a:t>
+                </a:r>
+              </a:p>
+            </p:txBody>
+          </p:sp>
+        </mc:Fallback>
+      </mc:AlternateContent>
+      <p:cxnSp>
+        <p:nvCxnSpPr>
+          <p:cNvPr id="10" name="Curved Connector 9"/>
+          <p:cNvCxnSpPr>
+            <a:stCxn id="11" idx="7"/>
+            <a:endCxn id="11" idx="5"/>
+          </p:cNvCxnSpPr>
+          <p:nvPr/>
+        </p:nvCxnSpPr>
+        <p:spPr>
+          <a:xfrm rot="16200000" flipH="1">
+            <a:off x="5544108" y="1961220"/>
+            <a:ext cx="560090" cy="12700"/>
+          </a:xfrm>
+          <a:prstGeom prst="curvedConnector5">
+            <a:avLst>
+              <a:gd name="adj1" fmla="val -52645"/>
+              <a:gd name="adj2" fmla="val 4097449"/>
+              <a:gd name="adj3" fmla="val 140815"/>
+            </a:avLst>
+          </a:prstGeom>
+          <a:ln>
+            <a:solidFill>
+              <a:schemeClr val="tx1"/>
+            </a:solidFill>
+            <a:tailEnd type="triangle"/>
+          </a:ln>
+        </p:spPr>
+        <p:style>
+          <a:lnRef idx="1">
+            <a:schemeClr val="accent1"/>
+          </a:lnRef>
+          <a:fillRef idx="0">
+            <a:schemeClr val="accent1"/>
+          </a:fillRef>
+          <a:effectRef idx="0">
+            <a:schemeClr val="accent1"/>
+          </a:effectRef>
+          <a:fontRef idx="minor">
+            <a:schemeClr val="tx1"/>
+          </a:fontRef>
+        </p:style>
+      </p:cxnSp>
+    </p:spTree>
+    <p:extLst>
+      <p:ext uri="{BB962C8B-B14F-4D97-AF65-F5344CB8AC3E}">
+        <p14:creationId xmlns:p14="http://schemas.microsoft.com/office/powerpoint/2010/main" val="1794872336"/>
+      </p:ext>
+    </p:extLst>
+  </p:cSld>
+  <p:clrMapOvr>
+    <a:masterClrMapping/>
+  </p:clrMapOvr>
+</p:sld>
+</file>
+
+<file path=ppt/slides/slide3.xml><?xml version="1.0" encoding="utf-8"?>
 <p:sld xmlns:a="http://schemas.openxmlformats.org/drawingml/2006/main" xmlns:r="http://schemas.openxmlformats.org/officeDocument/2006/relationships" xmlns:p="http://schemas.openxmlformats.org/presentationml/2006/main">
   <p:cSld>
     <p:spTree>
@@ -5595,8 +6420,8 @@
           </p:txBody>
         </p:sp>
       </p:grpSp>
-      <mc:AlternateContent xmlns:mc="http://schemas.openxmlformats.org/markup-compatibility/2006">
-        <mc:Choice xmlns:a14="http://schemas.microsoft.com/office/drawing/2010/main" Requires="a14">
+      <mc:AlternateContent xmlns:mc="http://schemas.openxmlformats.org/markup-compatibility/2006" xmlns:a14="http://schemas.microsoft.com/office/drawing/2010/main">
+        <mc:Choice Requires="a14">
           <p:sp>
             <p:nvSpPr>
               <p:cNvPr id="23" name="Rectangle 22"/>
@@ -5843,7 +6668,7 @@
             </p:txBody>
           </p:sp>
         </mc:Choice>
-        <mc:Fallback>
+        <mc:Fallback xmlns="">
           <p:sp>
             <p:nvSpPr>
               <p:cNvPr id="23" name="Rectangle 22"/>
@@ -5887,8 +6712,8 @@
           </p:sp>
         </mc:Fallback>
       </mc:AlternateContent>
-      <mc:AlternateContent xmlns:mc="http://schemas.openxmlformats.org/markup-compatibility/2006">
-        <mc:Choice xmlns:a14="http://schemas.microsoft.com/office/drawing/2010/main" Requires="a14">
+      <mc:AlternateContent xmlns:mc="http://schemas.openxmlformats.org/markup-compatibility/2006" xmlns:a14="http://schemas.microsoft.com/office/drawing/2010/main">
+        <mc:Choice Requires="a14">
           <p:sp>
             <p:nvSpPr>
               <p:cNvPr id="25" name="Rectangle 24"/>
@@ -6135,7 +6960,7 @@
             </p:txBody>
           </p:sp>
         </mc:Choice>
-        <mc:Fallback>
+        <mc:Fallback xmlns="">
           <p:sp>
             <p:nvSpPr>
               <p:cNvPr id="25" name="Rectangle 24"/>
@@ -6179,8 +7004,8 @@
           </p:sp>
         </mc:Fallback>
       </mc:AlternateContent>
-      <mc:AlternateContent xmlns:mc="http://schemas.openxmlformats.org/markup-compatibility/2006">
-        <mc:Choice xmlns:a14="http://schemas.microsoft.com/office/drawing/2010/main" Requires="a14">
+      <mc:AlternateContent xmlns:mc="http://schemas.openxmlformats.org/markup-compatibility/2006" xmlns:a14="http://schemas.microsoft.com/office/drawing/2010/main">
+        <mc:Choice Requires="a14">
           <p:sp>
             <p:nvSpPr>
               <p:cNvPr id="26" name="Rectangle 25"/>
@@ -6445,7 +7270,7 @@
             </p:txBody>
           </p:sp>
         </mc:Choice>
-        <mc:Fallback>
+        <mc:Fallback xmlns="">
           <p:sp>
             <p:nvSpPr>
               <p:cNvPr id="26" name="Rectangle 25"/>
@@ -6489,8 +7314,8 @@
           </p:sp>
         </mc:Fallback>
       </mc:AlternateContent>
-      <mc:AlternateContent xmlns:mc="http://schemas.openxmlformats.org/markup-compatibility/2006">
-        <mc:Choice xmlns:a14="http://schemas.microsoft.com/office/drawing/2010/main" Requires="a14">
+      <mc:AlternateContent xmlns:mc="http://schemas.openxmlformats.org/markup-compatibility/2006" xmlns:a14="http://schemas.microsoft.com/office/drawing/2010/main">
+        <mc:Choice Requires="a14">
           <p:sp>
             <p:nvSpPr>
               <p:cNvPr id="27" name="Rectangle 26"/>
@@ -6737,7 +7562,7 @@
             </p:txBody>
           </p:sp>
         </mc:Choice>
-        <mc:Fallback>
+        <mc:Fallback xmlns="">
           <p:sp>
             <p:nvSpPr>
               <p:cNvPr id="27" name="Rectangle 26"/>
@@ -6864,7 +7689,7 @@
 </p:sld>
 </file>
 
-<file path=ppt/slides/slide3.xml><?xml version="1.0" encoding="utf-8"?>
+<file path=ppt/slides/slide4.xml><?xml version="1.0" encoding="utf-8"?>
 <p:sld xmlns:a="http://schemas.openxmlformats.org/drawingml/2006/main" xmlns:r="http://schemas.openxmlformats.org/officeDocument/2006/relationships" xmlns:p="http://schemas.openxmlformats.org/presentationml/2006/main">
   <p:cSld>
     <p:spTree>

--- a/FiguresPaper.pptx
+++ b/FiguresPaper.pptx
@@ -5,13 +5,12 @@
     <p:sldMasterId id="2147483648" r:id="rId1"/>
   </p:sldMasterIdLst>
   <p:notesMasterIdLst>
-    <p:notesMasterId r:id="rId6"/>
+    <p:notesMasterId r:id="rId5"/>
   </p:notesMasterIdLst>
   <p:sldIdLst>
-    <p:sldId id="299" r:id="rId2"/>
-    <p:sldId id="302" r:id="rId3"/>
-    <p:sldId id="301" r:id="rId4"/>
-    <p:sldId id="298" r:id="rId5"/>
+    <p:sldId id="301" r:id="rId2"/>
+    <p:sldId id="299" r:id="rId3"/>
+    <p:sldId id="298" r:id="rId4"/>
   </p:sldIdLst>
   <p:sldSz cx="9144000" cy="6858000" type="screen4x3"/>
   <p:notesSz cx="6858000" cy="9144000"/>
@@ -3451,2377 +3450,6 @@
 </file>
 
 <file path=ppt/slides/slide1.xml><?xml version="1.0" encoding="utf-8"?>
-<p:sld xmlns:a="http://schemas.openxmlformats.org/drawingml/2006/main" xmlns:r="http://schemas.openxmlformats.org/officeDocument/2006/relationships" xmlns:p="http://schemas.openxmlformats.org/presentationml/2006/main">
-  <p:cSld>
-    <p:spTree>
-      <p:nvGrpSpPr>
-        <p:cNvPr id="1" name=""/>
-        <p:cNvGrpSpPr/>
-        <p:nvPr/>
-      </p:nvGrpSpPr>
-      <p:grpSpPr>
-        <a:xfrm>
-          <a:off x="0" y="0"/>
-          <a:ext cx="0" cy="0"/>
-          <a:chOff x="0" y="0"/>
-          <a:chExt cx="0" cy="0"/>
-        </a:xfrm>
-      </p:grpSpPr>
-      <mc:AlternateContent xmlns:mc="http://schemas.openxmlformats.org/markup-compatibility/2006">
-        <mc:Choice xmlns:a14="http://schemas.microsoft.com/office/drawing/2010/main" Requires="a14">
-          <p:sp>
-            <p:nvSpPr>
-              <p:cNvPr id="4" name="Oval 3"/>
-              <p:cNvSpPr/>
-              <p:nvPr/>
-            </p:nvSpPr>
-            <p:spPr>
-              <a:xfrm>
-                <a:off x="2051720" y="1565176"/>
-                <a:ext cx="792088" cy="792088"/>
-              </a:xfrm>
-              <a:prstGeom prst="ellipse">
-                <a:avLst/>
-              </a:prstGeom>
-              <a:noFill/>
-              <a:ln>
-                <a:solidFill>
-                  <a:schemeClr val="tx1"/>
-                </a:solidFill>
-              </a:ln>
-            </p:spPr>
-            <p:style>
-              <a:lnRef idx="2">
-                <a:schemeClr val="accent1">
-                  <a:shade val="50000"/>
-                </a:schemeClr>
-              </a:lnRef>
-              <a:fillRef idx="1">
-                <a:schemeClr val="accent1"/>
-              </a:fillRef>
-              <a:effectRef idx="0">
-                <a:schemeClr val="accent1"/>
-              </a:effectRef>
-              <a:fontRef idx="minor">
-                <a:schemeClr val="lt1"/>
-              </a:fontRef>
-            </p:style>
-            <p:txBody>
-              <a:bodyPr rtlCol="0" anchor="ctr"/>
-              <a:lstStyle/>
-              <a:p>
-                <a:pPr algn="ctr"/>
-                <a14:m>
-                  <m:oMathPara xmlns:m="http://schemas.openxmlformats.org/officeDocument/2006/math">
-                    <m:oMathParaPr>
-                      <m:jc m:val="centerGroup"/>
-                    </m:oMathParaPr>
-                    <m:oMath xmlns:m="http://schemas.openxmlformats.org/officeDocument/2006/math">
-                      <m:sSub>
-                        <m:sSubPr>
-                          <m:ctrlPr>
-                            <a:rPr lang="en-US" i="1" dirty="0" smtClean="0">
-                              <a:solidFill>
-                                <a:schemeClr val="tx1"/>
-                              </a:solidFill>
-                              <a:latin typeface="Cambria Math" charset="0"/>
-                            </a:rPr>
-                          </m:ctrlPr>
-                        </m:sSubPr>
-                        <m:e>
-                          <m:r>
-                            <a:rPr lang="en-AU" b="0" i="1" dirty="0" smtClean="0">
-                              <a:solidFill>
-                                <a:schemeClr val="tx1"/>
-                              </a:solidFill>
-                              <a:latin typeface="Cambria Math" charset="0"/>
-                            </a:rPr>
-                            <m:t>𝑆</m:t>
-                          </m:r>
-                        </m:e>
-                        <m:sub>
-                          <m:r>
-                            <a:rPr lang="en-AU" b="0" i="1" dirty="0" smtClean="0">
-                              <a:solidFill>
-                                <a:schemeClr val="tx1"/>
-                              </a:solidFill>
-                              <a:latin typeface="Cambria Math" charset="0"/>
-                            </a:rPr>
-                            <m:t>𝑤</m:t>
-                          </m:r>
-                        </m:sub>
-                      </m:sSub>
-                    </m:oMath>
-                  </m:oMathPara>
-                </a14:m>
-                <a:endParaRPr lang="en-US" dirty="0">
-                  <a:solidFill>
-                    <a:schemeClr val="tx1"/>
-                  </a:solidFill>
-                </a:endParaRPr>
-              </a:p>
-            </p:txBody>
-          </p:sp>
-        </mc:Choice>
-        <mc:Fallback>
-          <p:sp>
-            <p:nvSpPr>
-              <p:cNvPr id="4" name="Oval 3"/>
-              <p:cNvSpPr>
-                <a:spLocks noRot="1" noChangeAspect="1" noMove="1" noResize="1" noEditPoints="1" noAdjustHandles="1" noChangeArrowheads="1" noChangeShapeType="1" noTextEdit="1"/>
-              </p:cNvSpPr>
-              <p:nvPr/>
-            </p:nvSpPr>
-            <p:spPr>
-              <a:xfrm>
-                <a:off x="2051720" y="1565176"/>
-                <a:ext cx="792088" cy="792088"/>
-              </a:xfrm>
-              <a:prstGeom prst="ellipse">
-                <a:avLst/>
-              </a:prstGeom>
-              <a:blipFill rotWithShape="0">
-                <a:blip r:embed="rId2"/>
-                <a:stretch>
-                  <a:fillRect/>
-                </a:stretch>
-              </a:blipFill>
-              <a:ln>
-                <a:solidFill>
-                  <a:schemeClr val="tx1"/>
-                </a:solidFill>
-              </a:ln>
-            </p:spPr>
-            <p:txBody>
-              <a:bodyPr/>
-              <a:lstStyle/>
-              <a:p>
-                <a:r>
-                  <a:rPr lang="en-US">
-                    <a:noFill/>
-                  </a:rPr>
-                  <a:t> </a:t>
-                </a:r>
-              </a:p>
-            </p:txBody>
-          </p:sp>
-        </mc:Fallback>
-      </mc:AlternateContent>
-      <mc:AlternateContent xmlns:mc="http://schemas.openxmlformats.org/markup-compatibility/2006">
-        <mc:Choice xmlns:a14="http://schemas.microsoft.com/office/drawing/2010/main" Requires="a14">
-          <p:sp>
-            <p:nvSpPr>
-              <p:cNvPr id="6" name="Oval 5"/>
-              <p:cNvSpPr/>
-              <p:nvPr/>
-            </p:nvSpPr>
-            <p:spPr>
-              <a:xfrm>
-                <a:off x="331912" y="1565176"/>
-                <a:ext cx="792088" cy="792088"/>
-              </a:xfrm>
-              <a:prstGeom prst="ellipse">
-                <a:avLst/>
-              </a:prstGeom>
-              <a:noFill/>
-              <a:ln>
-                <a:solidFill>
-                  <a:schemeClr val="tx1"/>
-                </a:solidFill>
-              </a:ln>
-            </p:spPr>
-            <p:style>
-              <a:lnRef idx="2">
-                <a:schemeClr val="accent1">
-                  <a:shade val="50000"/>
-                </a:schemeClr>
-              </a:lnRef>
-              <a:fillRef idx="1">
-                <a:schemeClr val="accent1"/>
-              </a:fillRef>
-              <a:effectRef idx="0">
-                <a:schemeClr val="accent1"/>
-              </a:effectRef>
-              <a:fontRef idx="minor">
-                <a:schemeClr val="lt1"/>
-              </a:fontRef>
-            </p:style>
-            <p:txBody>
-              <a:bodyPr rtlCol="0" anchor="ctr"/>
-              <a:lstStyle/>
-              <a:p>
-                <a:pPr algn="ctr"/>
-                <a14:m>
-                  <m:oMathPara xmlns:m="http://schemas.openxmlformats.org/officeDocument/2006/math">
-                    <m:oMathParaPr>
-                      <m:jc m:val="centerGroup"/>
-                    </m:oMathParaPr>
-                    <m:oMath xmlns:m="http://schemas.openxmlformats.org/officeDocument/2006/math">
-                      <m:sSub>
-                        <m:sSubPr>
-                          <m:ctrlPr>
-                            <a:rPr lang="en-US" i="1" dirty="0" smtClean="0">
-                              <a:solidFill>
-                                <a:schemeClr val="tx1"/>
-                              </a:solidFill>
-                              <a:latin typeface="Cambria Math" charset="0"/>
-                            </a:rPr>
-                          </m:ctrlPr>
-                        </m:sSubPr>
-                        <m:e>
-                          <m:r>
-                            <a:rPr lang="en-AU" b="0" i="1" dirty="0" smtClean="0">
-                              <a:solidFill>
-                                <a:schemeClr val="tx1"/>
-                              </a:solidFill>
-                              <a:latin typeface="Cambria Math" charset="0"/>
-                            </a:rPr>
-                            <m:t>𝑆</m:t>
-                          </m:r>
-                        </m:e>
-                        <m:sub>
-                          <m:r>
-                            <a:rPr lang="en-AU" b="0" i="1" dirty="0" smtClean="0">
-                              <a:solidFill>
-                                <a:schemeClr val="tx1"/>
-                              </a:solidFill>
-                              <a:latin typeface="Cambria Math" charset="0"/>
-                            </a:rPr>
-                            <m:t>𝑖</m:t>
-                          </m:r>
-                        </m:sub>
-                      </m:sSub>
-                    </m:oMath>
-                  </m:oMathPara>
-                </a14:m>
-                <a:endParaRPr lang="en-US" dirty="0">
-                  <a:solidFill>
-                    <a:schemeClr val="tx1"/>
-                  </a:solidFill>
-                </a:endParaRPr>
-              </a:p>
-            </p:txBody>
-          </p:sp>
-        </mc:Choice>
-        <mc:Fallback>
-          <p:sp>
-            <p:nvSpPr>
-              <p:cNvPr id="6" name="Oval 5"/>
-              <p:cNvSpPr>
-                <a:spLocks noRot="1" noChangeAspect="1" noMove="1" noResize="1" noEditPoints="1" noAdjustHandles="1" noChangeArrowheads="1" noChangeShapeType="1" noTextEdit="1"/>
-              </p:cNvSpPr>
-              <p:nvPr/>
-            </p:nvSpPr>
-            <p:spPr>
-              <a:xfrm>
-                <a:off x="331912" y="1565176"/>
-                <a:ext cx="792088" cy="792088"/>
-              </a:xfrm>
-              <a:prstGeom prst="ellipse">
-                <a:avLst/>
-              </a:prstGeom>
-              <a:blipFill rotWithShape="0">
-                <a:blip r:embed="rId3"/>
-                <a:stretch>
-                  <a:fillRect/>
-                </a:stretch>
-              </a:blipFill>
-              <a:ln>
-                <a:solidFill>
-                  <a:schemeClr val="tx1"/>
-                </a:solidFill>
-              </a:ln>
-            </p:spPr>
-            <p:txBody>
-              <a:bodyPr/>
-              <a:lstStyle/>
-              <a:p>
-                <a:r>
-                  <a:rPr lang="en-US">
-                    <a:noFill/>
-                  </a:rPr>
-                  <a:t> </a:t>
-                </a:r>
-              </a:p>
-            </p:txBody>
-          </p:sp>
-        </mc:Fallback>
-      </mc:AlternateContent>
-      <p:cxnSp>
-        <p:nvCxnSpPr>
-          <p:cNvPr id="8" name="Straight Arrow Connector 7"/>
-          <p:cNvCxnSpPr>
-            <a:stCxn id="6" idx="6"/>
-            <a:endCxn id="4" idx="2"/>
-          </p:cNvCxnSpPr>
-          <p:nvPr/>
-        </p:nvCxnSpPr>
-        <p:spPr>
-          <a:xfrm>
-            <a:off x="1124000" y="1961220"/>
-            <a:ext cx="927720" cy="0"/>
-          </a:xfrm>
-          <a:prstGeom prst="straightConnector1">
-            <a:avLst/>
-          </a:prstGeom>
-          <a:ln>
-            <a:solidFill>
-              <a:schemeClr val="tx1"/>
-            </a:solidFill>
-            <a:tailEnd type="triangle"/>
-          </a:ln>
-        </p:spPr>
-        <p:style>
-          <a:lnRef idx="1">
-            <a:schemeClr val="accent1"/>
-          </a:lnRef>
-          <a:fillRef idx="0">
-            <a:schemeClr val="accent1"/>
-          </a:fillRef>
-          <a:effectRef idx="0">
-            <a:schemeClr val="accent1"/>
-          </a:effectRef>
-          <a:fontRef idx="minor">
-            <a:schemeClr val="tx1"/>
-          </a:fontRef>
-        </p:style>
-      </p:cxnSp>
-      <mc:AlternateContent xmlns:mc="http://schemas.openxmlformats.org/markup-compatibility/2006">
-        <mc:Choice xmlns:a14="http://schemas.microsoft.com/office/drawing/2010/main" Requires="a14">
-          <p:sp>
-            <p:nvSpPr>
-              <p:cNvPr id="9" name="Oval 8"/>
-              <p:cNvSpPr/>
-              <p:nvPr/>
-            </p:nvSpPr>
-            <p:spPr>
-              <a:xfrm>
-                <a:off x="3771528" y="1551180"/>
-                <a:ext cx="792088" cy="792088"/>
-              </a:xfrm>
-              <a:prstGeom prst="ellipse">
-                <a:avLst/>
-              </a:prstGeom>
-              <a:noFill/>
-              <a:ln>
-                <a:solidFill>
-                  <a:schemeClr val="tx1"/>
-                </a:solidFill>
-              </a:ln>
-            </p:spPr>
-            <p:style>
-              <a:lnRef idx="2">
-                <a:schemeClr val="accent1">
-                  <a:shade val="50000"/>
-                </a:schemeClr>
-              </a:lnRef>
-              <a:fillRef idx="1">
-                <a:schemeClr val="accent1"/>
-              </a:fillRef>
-              <a:effectRef idx="0">
-                <a:schemeClr val="accent1"/>
-              </a:effectRef>
-              <a:fontRef idx="minor">
-                <a:schemeClr val="lt1"/>
-              </a:fontRef>
-            </p:style>
-            <p:txBody>
-              <a:bodyPr rtlCol="0" anchor="ctr"/>
-              <a:lstStyle/>
-              <a:p>
-                <a:pPr algn="ctr"/>
-                <a14:m>
-                  <m:oMathPara xmlns:m="http://schemas.openxmlformats.org/officeDocument/2006/math">
-                    <m:oMathParaPr>
-                      <m:jc m:val="centerGroup"/>
-                    </m:oMathParaPr>
-                    <m:oMath xmlns:m="http://schemas.openxmlformats.org/officeDocument/2006/math">
-                      <m:sSub>
-                        <m:sSubPr>
-                          <m:ctrlPr>
-                            <a:rPr lang="en-US" i="1" dirty="0" smtClean="0">
-                              <a:solidFill>
-                                <a:schemeClr val="tx1"/>
-                              </a:solidFill>
-                              <a:latin typeface="Cambria Math" charset="0"/>
-                            </a:rPr>
-                          </m:ctrlPr>
-                        </m:sSubPr>
-                        <m:e>
-                          <m:r>
-                            <a:rPr lang="en-AU" b="0" i="1" dirty="0" smtClean="0">
-                              <a:solidFill>
-                                <a:schemeClr val="tx1"/>
-                              </a:solidFill>
-                              <a:latin typeface="Cambria Math" charset="0"/>
-                            </a:rPr>
-                            <m:t>𝑆</m:t>
-                          </m:r>
-                        </m:e>
-                        <m:sub>
-                          <m:r>
-                            <a:rPr lang="en-AU" b="0" i="1" dirty="0" smtClean="0">
-                              <a:solidFill>
-                                <a:schemeClr val="tx1"/>
-                              </a:solidFill>
-                              <a:latin typeface="Cambria Math" charset="0"/>
-                            </a:rPr>
-                            <m:t>1</m:t>
-                          </m:r>
-                        </m:sub>
-                      </m:sSub>
-                    </m:oMath>
-                  </m:oMathPara>
-                </a14:m>
-                <a:endParaRPr lang="en-US" dirty="0">
-                  <a:solidFill>
-                    <a:schemeClr val="tx1"/>
-                  </a:solidFill>
-                </a:endParaRPr>
-              </a:p>
-            </p:txBody>
-          </p:sp>
-        </mc:Choice>
-        <mc:Fallback>
-          <p:sp>
-            <p:nvSpPr>
-              <p:cNvPr id="9" name="Oval 8"/>
-              <p:cNvSpPr>
-                <a:spLocks noRot="1" noChangeAspect="1" noMove="1" noResize="1" noEditPoints="1" noAdjustHandles="1" noChangeArrowheads="1" noChangeShapeType="1" noTextEdit="1"/>
-              </p:cNvSpPr>
-              <p:nvPr/>
-            </p:nvSpPr>
-            <p:spPr>
-              <a:xfrm>
-                <a:off x="3771528" y="1551180"/>
-                <a:ext cx="792088" cy="792088"/>
-              </a:xfrm>
-              <a:prstGeom prst="ellipse">
-                <a:avLst/>
-              </a:prstGeom>
-              <a:blipFill rotWithShape="0">
-                <a:blip r:embed="rId4"/>
-                <a:stretch>
-                  <a:fillRect/>
-                </a:stretch>
-              </a:blipFill>
-              <a:ln>
-                <a:solidFill>
-                  <a:schemeClr val="tx1"/>
-                </a:solidFill>
-              </a:ln>
-            </p:spPr>
-            <p:txBody>
-              <a:bodyPr/>
-              <a:lstStyle/>
-              <a:p>
-                <a:r>
-                  <a:rPr lang="en-US">
-                    <a:noFill/>
-                  </a:rPr>
-                  <a:t> </a:t>
-                </a:r>
-              </a:p>
-            </p:txBody>
-          </p:sp>
-        </mc:Fallback>
-      </mc:AlternateContent>
-      <mc:AlternateContent xmlns:mc="http://schemas.openxmlformats.org/markup-compatibility/2006">
-        <mc:Choice xmlns:a14="http://schemas.microsoft.com/office/drawing/2010/main" Requires="a14">
-          <p:sp>
-            <p:nvSpPr>
-              <p:cNvPr id="11" name="Oval 10"/>
-              <p:cNvSpPr/>
-              <p:nvPr/>
-            </p:nvSpPr>
-            <p:spPr>
-              <a:xfrm>
-                <a:off x="7211144" y="1565176"/>
-                <a:ext cx="792088" cy="792088"/>
-              </a:xfrm>
-              <a:prstGeom prst="ellipse">
-                <a:avLst/>
-              </a:prstGeom>
-              <a:noFill/>
-              <a:ln>
-                <a:solidFill>
-                  <a:schemeClr val="tx1"/>
-                </a:solidFill>
-              </a:ln>
-            </p:spPr>
-            <p:style>
-              <a:lnRef idx="2">
-                <a:schemeClr val="accent1">
-                  <a:shade val="50000"/>
-                </a:schemeClr>
-              </a:lnRef>
-              <a:fillRef idx="1">
-                <a:schemeClr val="accent1"/>
-              </a:fillRef>
-              <a:effectRef idx="0">
-                <a:schemeClr val="accent1"/>
-              </a:effectRef>
-              <a:fontRef idx="minor">
-                <a:schemeClr val="lt1"/>
-              </a:fontRef>
-            </p:style>
-            <p:txBody>
-              <a:bodyPr rtlCol="0" anchor="ctr"/>
-              <a:lstStyle/>
-              <a:p>
-                <a:pPr algn="ctr"/>
-                <a14:m>
-                  <m:oMathPara xmlns:m="http://schemas.openxmlformats.org/officeDocument/2006/math">
-                    <m:oMathParaPr>
-                      <m:jc m:val="centerGroup"/>
-                    </m:oMathParaPr>
-                    <m:oMath xmlns:m="http://schemas.openxmlformats.org/officeDocument/2006/math">
-                      <m:sSub>
-                        <m:sSubPr>
-                          <m:ctrlPr>
-                            <a:rPr lang="en-US" i="1" dirty="0" smtClean="0">
-                              <a:solidFill>
-                                <a:schemeClr val="tx1"/>
-                              </a:solidFill>
-                              <a:latin typeface="Cambria Math" charset="0"/>
-                            </a:rPr>
-                          </m:ctrlPr>
-                        </m:sSubPr>
-                        <m:e>
-                          <m:r>
-                            <a:rPr lang="en-AU" b="0" i="1" dirty="0" smtClean="0">
-                              <a:solidFill>
-                                <a:schemeClr val="tx1"/>
-                              </a:solidFill>
-                              <a:latin typeface="Cambria Math" charset="0"/>
-                            </a:rPr>
-                            <m:t>𝑆</m:t>
-                          </m:r>
-                        </m:e>
-                        <m:sub>
-                          <m:r>
-                            <a:rPr lang="en-AU" b="0" i="1" dirty="0" smtClean="0">
-                              <a:solidFill>
-                                <a:schemeClr val="tx1"/>
-                              </a:solidFill>
-                              <a:latin typeface="Cambria Math" charset="0"/>
-                            </a:rPr>
-                            <m:t>𝑜</m:t>
-                          </m:r>
-                        </m:sub>
-                      </m:sSub>
-                    </m:oMath>
-                  </m:oMathPara>
-                </a14:m>
-                <a:endParaRPr lang="en-US" dirty="0">
-                  <a:solidFill>
-                    <a:schemeClr val="tx1"/>
-                  </a:solidFill>
-                </a:endParaRPr>
-              </a:p>
-            </p:txBody>
-          </p:sp>
-        </mc:Choice>
-        <mc:Fallback>
-          <p:sp>
-            <p:nvSpPr>
-              <p:cNvPr id="11" name="Oval 10"/>
-              <p:cNvSpPr>
-                <a:spLocks noRot="1" noChangeAspect="1" noMove="1" noResize="1" noEditPoints="1" noAdjustHandles="1" noChangeArrowheads="1" noChangeShapeType="1" noTextEdit="1"/>
-              </p:cNvSpPr>
-              <p:nvPr/>
-            </p:nvSpPr>
-            <p:spPr>
-              <a:xfrm>
-                <a:off x="7211144" y="1565176"/>
-                <a:ext cx="792088" cy="792088"/>
-              </a:xfrm>
-              <a:prstGeom prst="ellipse">
-                <a:avLst/>
-              </a:prstGeom>
-              <a:blipFill rotWithShape="0">
-                <a:blip r:embed="rId5"/>
-                <a:stretch>
-                  <a:fillRect/>
-                </a:stretch>
-              </a:blipFill>
-              <a:ln>
-                <a:solidFill>
-                  <a:schemeClr val="tx1"/>
-                </a:solidFill>
-              </a:ln>
-            </p:spPr>
-            <p:txBody>
-              <a:bodyPr/>
-              <a:lstStyle/>
-              <a:p>
-                <a:r>
-                  <a:rPr lang="en-US">
-                    <a:noFill/>
-                  </a:rPr>
-                  <a:t> </a:t>
-                </a:r>
-              </a:p>
-            </p:txBody>
-          </p:sp>
-        </mc:Fallback>
-      </mc:AlternateContent>
-      <mc:AlternateContent xmlns:mc="http://schemas.openxmlformats.org/markup-compatibility/2006">
-        <mc:Choice xmlns:a14="http://schemas.microsoft.com/office/drawing/2010/main" Requires="a14">
-          <p:sp>
-            <p:nvSpPr>
-              <p:cNvPr id="12" name="Oval 11"/>
-              <p:cNvSpPr/>
-              <p:nvPr/>
-            </p:nvSpPr>
-            <p:spPr>
-              <a:xfrm>
-                <a:off x="8930952" y="1565176"/>
-                <a:ext cx="792088" cy="792088"/>
-              </a:xfrm>
-              <a:prstGeom prst="ellipse">
-                <a:avLst/>
-              </a:prstGeom>
-              <a:noFill/>
-              <a:ln>
-                <a:solidFill>
-                  <a:schemeClr val="tx1"/>
-                </a:solidFill>
-              </a:ln>
-            </p:spPr>
-            <p:style>
-              <a:lnRef idx="2">
-                <a:schemeClr val="accent1">
-                  <a:shade val="50000"/>
-                </a:schemeClr>
-              </a:lnRef>
-              <a:fillRef idx="1">
-                <a:schemeClr val="accent1"/>
-              </a:fillRef>
-              <a:effectRef idx="0">
-                <a:schemeClr val="accent1"/>
-              </a:effectRef>
-              <a:fontRef idx="minor">
-                <a:schemeClr val="lt1"/>
-              </a:fontRef>
-            </p:style>
-            <p:txBody>
-              <a:bodyPr rtlCol="0" anchor="ctr"/>
-              <a:lstStyle/>
-              <a:p>
-                <a:pPr algn="ctr"/>
-                <a14:m>
-                  <m:oMathPara xmlns:m="http://schemas.openxmlformats.org/officeDocument/2006/math">
-                    <m:oMathParaPr>
-                      <m:jc m:val="centerGroup"/>
-                    </m:oMathParaPr>
-                    <m:oMath xmlns:m="http://schemas.openxmlformats.org/officeDocument/2006/math">
-                      <m:sSub>
-                        <m:sSubPr>
-                          <m:ctrlPr>
-                            <a:rPr lang="en-US" i="1" dirty="0" smtClean="0">
-                              <a:solidFill>
-                                <a:schemeClr val="tx1"/>
-                              </a:solidFill>
-                              <a:latin typeface="Cambria Math" charset="0"/>
-                            </a:rPr>
-                          </m:ctrlPr>
-                        </m:sSubPr>
-                        <m:e>
-                          <m:r>
-                            <a:rPr lang="en-AU" b="0" i="1" dirty="0" smtClean="0">
-                              <a:solidFill>
-                                <a:schemeClr val="tx1"/>
-                              </a:solidFill>
-                              <a:latin typeface="Cambria Math" charset="0"/>
-                            </a:rPr>
-                            <m:t>𝑆</m:t>
-                          </m:r>
-                        </m:e>
-                        <m:sub>
-                          <m:r>
-                            <a:rPr lang="en-AU" b="0" i="1" dirty="0" smtClean="0">
-                              <a:solidFill>
-                                <a:schemeClr val="tx1"/>
-                              </a:solidFill>
-                              <a:latin typeface="Cambria Math" charset="0"/>
-                            </a:rPr>
-                            <m:t>𝑒</m:t>
-                          </m:r>
-                        </m:sub>
-                      </m:sSub>
-                    </m:oMath>
-                  </m:oMathPara>
-                </a14:m>
-                <a:endParaRPr lang="en-US" dirty="0">
-                  <a:solidFill>
-                    <a:schemeClr val="tx1"/>
-                  </a:solidFill>
-                </a:endParaRPr>
-              </a:p>
-            </p:txBody>
-          </p:sp>
-        </mc:Choice>
-        <mc:Fallback>
-          <p:sp>
-            <p:nvSpPr>
-              <p:cNvPr id="12" name="Oval 11"/>
-              <p:cNvSpPr>
-                <a:spLocks noRot="1" noChangeAspect="1" noMove="1" noResize="1" noEditPoints="1" noAdjustHandles="1" noChangeArrowheads="1" noChangeShapeType="1" noTextEdit="1"/>
-              </p:cNvSpPr>
-              <p:nvPr/>
-            </p:nvSpPr>
-            <p:spPr>
-              <a:xfrm>
-                <a:off x="8930952" y="1565176"/>
-                <a:ext cx="792088" cy="792088"/>
-              </a:xfrm>
-              <a:prstGeom prst="ellipse">
-                <a:avLst/>
-              </a:prstGeom>
-              <a:blipFill rotWithShape="0">
-                <a:blip r:embed="rId6"/>
-                <a:stretch>
-                  <a:fillRect/>
-                </a:stretch>
-              </a:blipFill>
-              <a:ln>
-                <a:solidFill>
-                  <a:schemeClr val="tx1"/>
-                </a:solidFill>
-              </a:ln>
-            </p:spPr>
-            <p:txBody>
-              <a:bodyPr/>
-              <a:lstStyle/>
-              <a:p>
-                <a:r>
-                  <a:rPr lang="en-US">
-                    <a:noFill/>
-                  </a:rPr>
-                  <a:t> </a:t>
-                </a:r>
-              </a:p>
-            </p:txBody>
-          </p:sp>
-        </mc:Fallback>
-      </mc:AlternateContent>
-      <p:cxnSp>
-        <p:nvCxnSpPr>
-          <p:cNvPr id="14" name="Straight Arrow Connector 13"/>
-          <p:cNvCxnSpPr>
-            <a:stCxn id="4" idx="6"/>
-            <a:endCxn id="9" idx="2"/>
-          </p:cNvCxnSpPr>
-          <p:nvPr/>
-        </p:nvCxnSpPr>
-        <p:spPr>
-          <a:xfrm flipV="1">
-            <a:off x="2843808" y="1947224"/>
-            <a:ext cx="927720" cy="13996"/>
-          </a:xfrm>
-          <a:prstGeom prst="straightConnector1">
-            <a:avLst/>
-          </a:prstGeom>
-          <a:ln>
-            <a:solidFill>
-              <a:schemeClr val="tx1"/>
-            </a:solidFill>
-            <a:tailEnd type="triangle"/>
-          </a:ln>
-        </p:spPr>
-        <p:style>
-          <a:lnRef idx="1">
-            <a:schemeClr val="accent1"/>
-          </a:lnRef>
-          <a:fillRef idx="0">
-            <a:schemeClr val="accent1"/>
-          </a:fillRef>
-          <a:effectRef idx="0">
-            <a:schemeClr val="accent1"/>
-          </a:effectRef>
-          <a:fontRef idx="minor">
-            <a:schemeClr val="tx1"/>
-          </a:fontRef>
-        </p:style>
-      </p:cxnSp>
-      <p:cxnSp>
-        <p:nvCxnSpPr>
-          <p:cNvPr id="16" name="Straight Arrow Connector 15"/>
-          <p:cNvCxnSpPr>
-            <a:stCxn id="9" idx="6"/>
-          </p:cNvCxnSpPr>
-          <p:nvPr/>
-        </p:nvCxnSpPr>
-        <p:spPr>
-          <a:xfrm>
-            <a:off x="4563616" y="1947224"/>
-            <a:ext cx="927720" cy="13996"/>
-          </a:xfrm>
-          <a:prstGeom prst="straightConnector1">
-            <a:avLst/>
-          </a:prstGeom>
-          <a:ln>
-            <a:solidFill>
-              <a:schemeClr val="tx1"/>
-            </a:solidFill>
-            <a:tailEnd type="triangle"/>
-          </a:ln>
-        </p:spPr>
-        <p:style>
-          <a:lnRef idx="1">
-            <a:schemeClr val="accent1"/>
-          </a:lnRef>
-          <a:fillRef idx="0">
-            <a:schemeClr val="accent1"/>
-          </a:fillRef>
-          <a:effectRef idx="0">
-            <a:schemeClr val="accent1"/>
-          </a:effectRef>
-          <a:fontRef idx="minor">
-            <a:schemeClr val="tx1"/>
-          </a:fontRef>
-        </p:style>
-      </p:cxnSp>
-      <p:cxnSp>
-        <p:nvCxnSpPr>
-          <p:cNvPr id="18" name="Straight Arrow Connector 17"/>
-          <p:cNvCxnSpPr>
-            <a:endCxn id="11" idx="2"/>
-          </p:cNvCxnSpPr>
-          <p:nvPr/>
-        </p:nvCxnSpPr>
-        <p:spPr>
-          <a:xfrm>
-            <a:off x="6283424" y="1961220"/>
-            <a:ext cx="927720" cy="0"/>
-          </a:xfrm>
-          <a:prstGeom prst="straightConnector1">
-            <a:avLst/>
-          </a:prstGeom>
-          <a:ln>
-            <a:solidFill>
-              <a:schemeClr val="tx1"/>
-            </a:solidFill>
-            <a:tailEnd type="triangle"/>
-          </a:ln>
-        </p:spPr>
-        <p:style>
-          <a:lnRef idx="1">
-            <a:schemeClr val="accent1"/>
-          </a:lnRef>
-          <a:fillRef idx="0">
-            <a:schemeClr val="accent1"/>
-          </a:fillRef>
-          <a:effectRef idx="0">
-            <a:schemeClr val="accent1"/>
-          </a:effectRef>
-          <a:fontRef idx="minor">
-            <a:schemeClr val="tx1"/>
-          </a:fontRef>
-        </p:style>
-      </p:cxnSp>
-      <p:cxnSp>
-        <p:nvCxnSpPr>
-          <p:cNvPr id="20" name="Straight Arrow Connector 19"/>
-          <p:cNvCxnSpPr>
-            <a:stCxn id="11" idx="6"/>
-            <a:endCxn id="12" idx="2"/>
-          </p:cNvCxnSpPr>
-          <p:nvPr/>
-        </p:nvCxnSpPr>
-        <p:spPr>
-          <a:xfrm>
-            <a:off x="8003232" y="1961220"/>
-            <a:ext cx="927720" cy="0"/>
-          </a:xfrm>
-          <a:prstGeom prst="straightConnector1">
-            <a:avLst/>
-          </a:prstGeom>
-          <a:ln>
-            <a:solidFill>
-              <a:schemeClr val="tx1"/>
-            </a:solidFill>
-            <a:tailEnd type="triangle"/>
-          </a:ln>
-        </p:spPr>
-        <p:style>
-          <a:lnRef idx="1">
-            <a:schemeClr val="accent1"/>
-          </a:lnRef>
-          <a:fillRef idx="0">
-            <a:schemeClr val="accent1"/>
-          </a:fillRef>
-          <a:effectRef idx="0">
-            <a:schemeClr val="accent1"/>
-          </a:effectRef>
-          <a:fontRef idx="minor">
-            <a:schemeClr val="tx1"/>
-          </a:fontRef>
-        </p:style>
-      </p:cxnSp>
-      <mc:AlternateContent xmlns:mc="http://schemas.openxmlformats.org/markup-compatibility/2006">
-        <mc:Choice xmlns:a14="http://schemas.microsoft.com/office/drawing/2010/main" Requires="a14">
-          <p:sp>
-            <p:nvSpPr>
-              <p:cNvPr id="21" name="TextBox 20"/>
-              <p:cNvSpPr txBox="1"/>
-              <p:nvPr/>
-            </p:nvSpPr>
-            <p:spPr>
-              <a:xfrm>
-                <a:off x="1286170" y="1619508"/>
-                <a:ext cx="576064" cy="369332"/>
-              </a:xfrm>
-              <a:prstGeom prst="rect">
-                <a:avLst/>
-              </a:prstGeom>
-              <a:noFill/>
-            </p:spPr>
-            <p:txBody>
-              <a:bodyPr wrap="square" rtlCol="0">
-                <a:spAutoFit/>
-              </a:bodyPr>
-              <a:lstStyle/>
-              <a:p>
-                <a:pPr/>
-                <a14:m>
-                  <m:oMathPara xmlns:m="http://schemas.openxmlformats.org/officeDocument/2006/math">
-                    <m:oMathParaPr>
-                      <m:jc m:val="centerGroup"/>
-                    </m:oMathParaPr>
-                    <m:oMath xmlns:m="http://schemas.openxmlformats.org/officeDocument/2006/math">
-                      <m:r>
-                        <a:rPr lang="en-AU" b="0" i="1" smtClean="0">
-                          <a:latin typeface="Cambria Math" charset="0"/>
-                        </a:rPr>
-                        <m:t>𝑖</m:t>
-                      </m:r>
-                    </m:oMath>
-                  </m:oMathPara>
-                </a14:m>
-                <a:endParaRPr lang="en-US" dirty="0"/>
-              </a:p>
-            </p:txBody>
-          </p:sp>
-        </mc:Choice>
-        <mc:Fallback>
-          <p:sp>
-            <p:nvSpPr>
-              <p:cNvPr id="21" name="TextBox 20"/>
-              <p:cNvSpPr txBox="1">
-                <a:spLocks noRot="1" noChangeAspect="1" noMove="1" noResize="1" noEditPoints="1" noAdjustHandles="1" noChangeArrowheads="1" noChangeShapeType="1" noTextEdit="1"/>
-              </p:cNvSpPr>
-              <p:nvPr/>
-            </p:nvSpPr>
-            <p:spPr>
-              <a:xfrm>
-                <a:off x="1286170" y="1619508"/>
-                <a:ext cx="576064" cy="369332"/>
-              </a:xfrm>
-              <a:prstGeom prst="rect">
-                <a:avLst/>
-              </a:prstGeom>
-              <a:blipFill rotWithShape="0">
-                <a:blip r:embed="rId7"/>
-                <a:stretch>
-                  <a:fillRect/>
-                </a:stretch>
-              </a:blipFill>
-            </p:spPr>
-            <p:txBody>
-              <a:bodyPr/>
-              <a:lstStyle/>
-              <a:p>
-                <a:r>
-                  <a:rPr lang="en-US">
-                    <a:noFill/>
-                  </a:rPr>
-                  <a:t> </a:t>
-                </a:r>
-              </a:p>
-            </p:txBody>
-          </p:sp>
-        </mc:Fallback>
-      </mc:AlternateContent>
-      <mc:AlternateContent xmlns:mc="http://schemas.openxmlformats.org/markup-compatibility/2006">
-        <mc:Choice xmlns:a14="http://schemas.microsoft.com/office/drawing/2010/main" Requires="a14">
-          <p:sp>
-            <p:nvSpPr>
-              <p:cNvPr id="22" name="TextBox 21"/>
-              <p:cNvSpPr txBox="1"/>
-              <p:nvPr/>
-            </p:nvSpPr>
-            <p:spPr>
-              <a:xfrm>
-                <a:off x="2987824" y="1551180"/>
-                <a:ext cx="576064" cy="369332"/>
-              </a:xfrm>
-              <a:prstGeom prst="rect">
-                <a:avLst/>
-              </a:prstGeom>
-              <a:noFill/>
-            </p:spPr>
-            <p:txBody>
-              <a:bodyPr wrap="square" rtlCol="0">
-                <a:spAutoFit/>
-              </a:bodyPr>
-              <a:lstStyle/>
-              <a:p>
-                <a:pPr/>
-                <a14:m>
-                  <m:oMathPara xmlns:m="http://schemas.openxmlformats.org/officeDocument/2006/math">
-                    <m:oMathParaPr>
-                      <m:jc m:val="centerGroup"/>
-                    </m:oMathParaPr>
-                    <m:oMath xmlns:m="http://schemas.openxmlformats.org/officeDocument/2006/math">
-                      <m:r>
-                        <a:rPr lang="en-AU" b="0" i="1" dirty="0" smtClean="0">
-                          <a:latin typeface="Cambria Math" charset="0"/>
-                        </a:rPr>
-                        <m:t>[</m:t>
-                      </m:r>
-                      <m:sSub>
-                        <m:sSubPr>
-                          <m:ctrlPr>
-                            <a:rPr lang="en-US" i="1" dirty="0">
-                              <a:latin typeface="Cambria Math" charset="0"/>
-                            </a:rPr>
-                          </m:ctrlPr>
-                        </m:sSubPr>
-                        <m:e>
-                          <m:r>
-                            <a:rPr lang="en-AU" b="0" i="1" dirty="0" smtClean="0">
-                              <a:latin typeface="Cambria Math" charset="0"/>
-                            </a:rPr>
-                            <m:t>𝑤</m:t>
-                          </m:r>
-                        </m:e>
-                        <m:sub>
-                          <m:r>
-                            <a:rPr lang="en-AU" b="0" i="1" dirty="0" smtClean="0">
-                              <a:latin typeface="Cambria Math" charset="0"/>
-                            </a:rPr>
-                            <m:t>1</m:t>
-                          </m:r>
-                        </m:sub>
-                      </m:sSub>
-                      <m:r>
-                        <a:rPr lang="en-AU" b="0" i="1" dirty="0" smtClean="0">
-                          <a:latin typeface="Cambria Math" charset="0"/>
-                        </a:rPr>
-                        <m:t>]</m:t>
-                      </m:r>
-                      <m:sSub>
-                        <m:sSubPr>
-                          <m:ctrlPr>
-                            <a:rPr lang="en-US" b="0" i="1" dirty="0" smtClean="0">
-                              <a:latin typeface="Cambria Math" charset="0"/>
-                            </a:rPr>
-                          </m:ctrlPr>
-                        </m:sSubPr>
-                        <m:e>
-                          <m:r>
-                            <a:rPr lang="en-AU" b="0" i="1" dirty="0" smtClean="0">
-                              <a:latin typeface="Cambria Math" charset="0"/>
-                            </a:rPr>
-                            <m:t>𝑓</m:t>
-                          </m:r>
-                        </m:e>
-                        <m:sub>
-                          <m:r>
-                            <a:rPr lang="en-AU" b="0" i="1" dirty="0" smtClean="0">
-                              <a:latin typeface="Cambria Math" charset="0"/>
-                            </a:rPr>
-                            <m:t>1</m:t>
-                          </m:r>
-                        </m:sub>
-                      </m:sSub>
-                    </m:oMath>
-                  </m:oMathPara>
-                </a14:m>
-                <a:endParaRPr lang="en-US" dirty="0"/>
-              </a:p>
-            </p:txBody>
-          </p:sp>
-        </mc:Choice>
-        <mc:Fallback>
-          <p:sp>
-            <p:nvSpPr>
-              <p:cNvPr id="22" name="TextBox 21"/>
-              <p:cNvSpPr txBox="1">
-                <a:spLocks noRot="1" noChangeAspect="1" noMove="1" noResize="1" noEditPoints="1" noAdjustHandles="1" noChangeArrowheads="1" noChangeShapeType="1" noTextEdit="1"/>
-              </p:cNvSpPr>
-              <p:nvPr/>
-            </p:nvSpPr>
-            <p:spPr>
-              <a:xfrm>
-                <a:off x="2987824" y="1551180"/>
-                <a:ext cx="576064" cy="369332"/>
-              </a:xfrm>
-              <a:prstGeom prst="rect">
-                <a:avLst/>
-              </a:prstGeom>
-              <a:blipFill rotWithShape="0">
-                <a:blip r:embed="rId8"/>
-                <a:stretch>
-                  <a:fillRect l="-3158" r="-31579" b="-13115"/>
-                </a:stretch>
-              </a:blipFill>
-            </p:spPr>
-            <p:txBody>
-              <a:bodyPr/>
-              <a:lstStyle/>
-              <a:p>
-                <a:r>
-                  <a:rPr lang="en-US">
-                    <a:noFill/>
-                  </a:rPr>
-                  <a:t> </a:t>
-                </a:r>
-              </a:p>
-            </p:txBody>
-          </p:sp>
-        </mc:Fallback>
-      </mc:AlternateContent>
-      <mc:AlternateContent xmlns:mc="http://schemas.openxmlformats.org/markup-compatibility/2006">
-        <mc:Choice xmlns:a14="http://schemas.microsoft.com/office/drawing/2010/main" Requires="a14">
-          <p:sp>
-            <p:nvSpPr>
-              <p:cNvPr id="23" name="TextBox 22"/>
-              <p:cNvSpPr txBox="1"/>
-              <p:nvPr/>
-            </p:nvSpPr>
-            <p:spPr>
-              <a:xfrm>
-                <a:off x="4644008" y="1556792"/>
-                <a:ext cx="576064" cy="369332"/>
-              </a:xfrm>
-              <a:prstGeom prst="rect">
-                <a:avLst/>
-              </a:prstGeom>
-              <a:noFill/>
-            </p:spPr>
-            <p:txBody>
-              <a:bodyPr wrap="square" rtlCol="0">
-                <a:spAutoFit/>
-              </a:bodyPr>
-              <a:lstStyle/>
-              <a:p>
-                <a:pPr/>
-                <a14:m>
-                  <m:oMathPara xmlns:m="http://schemas.openxmlformats.org/officeDocument/2006/math">
-                    <m:oMathParaPr>
-                      <m:jc m:val="centerGroup"/>
-                    </m:oMathParaPr>
-                    <m:oMath xmlns:m="http://schemas.openxmlformats.org/officeDocument/2006/math">
-                      <m:r>
-                        <a:rPr lang="en-AU" b="0" i="1" dirty="0" smtClean="0">
-                          <a:latin typeface="Cambria Math" charset="0"/>
-                        </a:rPr>
-                        <m:t>[</m:t>
-                      </m:r>
-                      <m:sSub>
-                        <m:sSubPr>
-                          <m:ctrlPr>
-                            <a:rPr lang="en-US" i="1" dirty="0">
-                              <a:latin typeface="Cambria Math" charset="0"/>
-                            </a:rPr>
-                          </m:ctrlPr>
-                        </m:sSubPr>
-                        <m:e>
-                          <m:r>
-                            <a:rPr lang="en-AU" b="0" i="1" dirty="0" smtClean="0">
-                              <a:latin typeface="Cambria Math" charset="0"/>
-                            </a:rPr>
-                            <m:t>𝑤</m:t>
-                          </m:r>
-                        </m:e>
-                        <m:sub>
-                          <m:r>
-                            <a:rPr lang="en-AU" b="0" i="1" dirty="0" smtClean="0">
-                              <a:latin typeface="Cambria Math" charset="0"/>
-                            </a:rPr>
-                            <m:t>2</m:t>
-                          </m:r>
-                        </m:sub>
-                      </m:sSub>
-                      <m:r>
-                        <a:rPr lang="en-AU" b="0" i="1" dirty="0" smtClean="0">
-                          <a:latin typeface="Cambria Math" charset="0"/>
-                        </a:rPr>
-                        <m:t>]</m:t>
-                      </m:r>
-                      <m:sSub>
-                        <m:sSubPr>
-                          <m:ctrlPr>
-                            <a:rPr lang="en-US" b="0" i="1" dirty="0" smtClean="0">
-                              <a:latin typeface="Cambria Math" charset="0"/>
-                            </a:rPr>
-                          </m:ctrlPr>
-                        </m:sSubPr>
-                        <m:e>
-                          <m:r>
-                            <a:rPr lang="en-AU" b="0" i="1" dirty="0" smtClean="0">
-                              <a:latin typeface="Cambria Math" charset="0"/>
-                            </a:rPr>
-                            <m:t>𝑓</m:t>
-                          </m:r>
-                        </m:e>
-                        <m:sub>
-                          <m:r>
-                            <a:rPr lang="en-AU" b="0" i="1" dirty="0" smtClean="0">
-                              <a:latin typeface="Cambria Math" charset="0"/>
-                            </a:rPr>
-                            <m:t>2</m:t>
-                          </m:r>
-                        </m:sub>
-                      </m:sSub>
-                    </m:oMath>
-                  </m:oMathPara>
-                </a14:m>
-                <a:endParaRPr lang="en-US" dirty="0"/>
-              </a:p>
-            </p:txBody>
-          </p:sp>
-        </mc:Choice>
-        <mc:Fallback>
-          <p:sp>
-            <p:nvSpPr>
-              <p:cNvPr id="23" name="TextBox 22"/>
-              <p:cNvSpPr txBox="1">
-                <a:spLocks noRot="1" noChangeAspect="1" noMove="1" noResize="1" noEditPoints="1" noAdjustHandles="1" noChangeArrowheads="1" noChangeShapeType="1" noTextEdit="1"/>
-              </p:cNvSpPr>
-              <p:nvPr/>
-            </p:nvSpPr>
-            <p:spPr>
-              <a:xfrm>
-                <a:off x="4644008" y="1556792"/>
-                <a:ext cx="576064" cy="369332"/>
-              </a:xfrm>
-              <a:prstGeom prst="rect">
-                <a:avLst/>
-              </a:prstGeom>
-              <a:blipFill rotWithShape="0">
-                <a:blip r:embed="rId9"/>
-                <a:stretch>
-                  <a:fillRect l="-3191" r="-32979" b="-13115"/>
-                </a:stretch>
-              </a:blipFill>
-            </p:spPr>
-            <p:txBody>
-              <a:bodyPr/>
-              <a:lstStyle/>
-              <a:p>
-                <a:r>
-                  <a:rPr lang="en-US">
-                    <a:noFill/>
-                  </a:rPr>
-                  <a:t> </a:t>
-                </a:r>
-              </a:p>
-            </p:txBody>
-          </p:sp>
-        </mc:Fallback>
-      </mc:AlternateContent>
-      <mc:AlternateContent xmlns:mc="http://schemas.openxmlformats.org/markup-compatibility/2006">
-        <mc:Choice xmlns:a14="http://schemas.microsoft.com/office/drawing/2010/main" Requires="a14">
-          <p:sp>
-            <p:nvSpPr>
-              <p:cNvPr id="24" name="TextBox 23"/>
-              <p:cNvSpPr txBox="1"/>
-              <p:nvPr/>
-            </p:nvSpPr>
-            <p:spPr>
-              <a:xfrm>
-                <a:off x="6372200" y="1556792"/>
-                <a:ext cx="576064" cy="369332"/>
-              </a:xfrm>
-              <a:prstGeom prst="rect">
-                <a:avLst/>
-              </a:prstGeom>
-              <a:noFill/>
-            </p:spPr>
-            <p:txBody>
-              <a:bodyPr wrap="square" rtlCol="0">
-                <a:spAutoFit/>
-              </a:bodyPr>
-              <a:lstStyle/>
-              <a:p>
-                <a:pPr/>
-                <a14:m>
-                  <m:oMathPara xmlns:m="http://schemas.openxmlformats.org/officeDocument/2006/math">
-                    <m:oMathParaPr>
-                      <m:jc m:val="centerGroup"/>
-                    </m:oMathParaPr>
-                    <m:oMath xmlns:m="http://schemas.openxmlformats.org/officeDocument/2006/math">
-                      <m:r>
-                        <a:rPr lang="en-AU" b="0" i="1" dirty="0" smtClean="0">
-                          <a:latin typeface="Cambria Math" charset="0"/>
-                        </a:rPr>
-                        <m:t>[</m:t>
-                      </m:r>
-                      <m:sSub>
-                        <m:sSubPr>
-                          <m:ctrlPr>
-                            <a:rPr lang="en-US" i="1" dirty="0">
-                              <a:latin typeface="Cambria Math" charset="0"/>
-                            </a:rPr>
-                          </m:ctrlPr>
-                        </m:sSubPr>
-                        <m:e>
-                          <m:r>
-                            <a:rPr lang="en-AU" b="0" i="1" dirty="0" smtClean="0">
-                              <a:latin typeface="Cambria Math" charset="0"/>
-                            </a:rPr>
-                            <m:t>𝑤</m:t>
-                          </m:r>
-                        </m:e>
-                        <m:sub>
-                          <m:r>
-                            <a:rPr lang="en-AU" b="0" i="1" dirty="0" smtClean="0">
-                              <a:latin typeface="Cambria Math" charset="0"/>
-                            </a:rPr>
-                            <m:t>𝑛</m:t>
-                          </m:r>
-                        </m:sub>
-                      </m:sSub>
-                      <m:r>
-                        <a:rPr lang="en-AU" b="0" i="1" dirty="0" smtClean="0">
-                          <a:latin typeface="Cambria Math" charset="0"/>
-                        </a:rPr>
-                        <m:t>]</m:t>
-                      </m:r>
-                      <m:sSub>
-                        <m:sSubPr>
-                          <m:ctrlPr>
-                            <a:rPr lang="en-US" b="0" i="1" dirty="0" smtClean="0">
-                              <a:latin typeface="Cambria Math" charset="0"/>
-                            </a:rPr>
-                          </m:ctrlPr>
-                        </m:sSubPr>
-                        <m:e>
-                          <m:r>
-                            <a:rPr lang="en-AU" b="0" i="1" dirty="0" smtClean="0">
-                              <a:latin typeface="Cambria Math" charset="0"/>
-                            </a:rPr>
-                            <m:t>𝑓</m:t>
-                          </m:r>
-                        </m:e>
-                        <m:sub>
-                          <m:r>
-                            <a:rPr lang="en-AU" b="0" i="1" dirty="0" smtClean="0">
-                              <a:latin typeface="Cambria Math" charset="0"/>
-                            </a:rPr>
-                            <m:t>𝑛</m:t>
-                          </m:r>
-                        </m:sub>
-                      </m:sSub>
-                    </m:oMath>
-                  </m:oMathPara>
-                </a14:m>
-                <a:endParaRPr lang="en-US" dirty="0"/>
-              </a:p>
-            </p:txBody>
-          </p:sp>
-        </mc:Choice>
-        <mc:Fallback>
-          <p:sp>
-            <p:nvSpPr>
-              <p:cNvPr id="24" name="TextBox 23"/>
-              <p:cNvSpPr txBox="1">
-                <a:spLocks noRot="1" noChangeAspect="1" noMove="1" noResize="1" noEditPoints="1" noAdjustHandles="1" noChangeArrowheads="1" noChangeShapeType="1" noTextEdit="1"/>
-              </p:cNvSpPr>
-              <p:nvPr/>
-            </p:nvSpPr>
-            <p:spPr>
-              <a:xfrm>
-                <a:off x="6372200" y="1556792"/>
-                <a:ext cx="576064" cy="369332"/>
-              </a:xfrm>
-              <a:prstGeom prst="rect">
-                <a:avLst/>
-              </a:prstGeom>
-              <a:blipFill rotWithShape="0">
-                <a:blip r:embed="rId10"/>
-                <a:stretch>
-                  <a:fillRect l="-3158" r="-32632" b="-13115"/>
-                </a:stretch>
-              </a:blipFill>
-            </p:spPr>
-            <p:txBody>
-              <a:bodyPr/>
-              <a:lstStyle/>
-              <a:p>
-                <a:r>
-                  <a:rPr lang="en-US">
-                    <a:noFill/>
-                  </a:rPr>
-                  <a:t> </a:t>
-                </a:r>
-              </a:p>
-            </p:txBody>
-          </p:sp>
-        </mc:Fallback>
-      </mc:AlternateContent>
-      <mc:AlternateContent xmlns:mc="http://schemas.openxmlformats.org/markup-compatibility/2006">
-        <mc:Choice xmlns:a14="http://schemas.microsoft.com/office/drawing/2010/main" Requires="a14">
-          <p:sp>
-            <p:nvSpPr>
-              <p:cNvPr id="25" name="TextBox 24"/>
-              <p:cNvSpPr txBox="1"/>
-              <p:nvPr/>
-            </p:nvSpPr>
-            <p:spPr>
-              <a:xfrm>
-                <a:off x="8244408" y="1619508"/>
-                <a:ext cx="576064" cy="369332"/>
-              </a:xfrm>
-              <a:prstGeom prst="rect">
-                <a:avLst/>
-              </a:prstGeom>
-              <a:noFill/>
-            </p:spPr>
-            <p:txBody>
-              <a:bodyPr wrap="square" rtlCol="0">
-                <a:spAutoFit/>
-              </a:bodyPr>
-              <a:lstStyle/>
-              <a:p>
-                <a:pPr/>
-                <a14:m>
-                  <m:oMathPara xmlns:m="http://schemas.openxmlformats.org/officeDocument/2006/math">
-                    <m:oMathParaPr>
-                      <m:jc m:val="centerGroup"/>
-                    </m:oMathParaPr>
-                    <m:oMath xmlns:m="http://schemas.openxmlformats.org/officeDocument/2006/math">
-                      <m:r>
-                        <a:rPr lang="en-AU" b="0" i="1" smtClean="0">
-                          <a:latin typeface="Cambria Math" charset="0"/>
-                        </a:rPr>
-                        <m:t>𝑜</m:t>
-                      </m:r>
-                    </m:oMath>
-                  </m:oMathPara>
-                </a14:m>
-                <a:endParaRPr lang="en-US" dirty="0"/>
-              </a:p>
-            </p:txBody>
-          </p:sp>
-        </mc:Choice>
-        <mc:Fallback>
-          <p:sp>
-            <p:nvSpPr>
-              <p:cNvPr id="25" name="TextBox 24"/>
-              <p:cNvSpPr txBox="1">
-                <a:spLocks noRot="1" noChangeAspect="1" noMove="1" noResize="1" noEditPoints="1" noAdjustHandles="1" noChangeArrowheads="1" noChangeShapeType="1" noTextEdit="1"/>
-              </p:cNvSpPr>
-              <p:nvPr/>
-            </p:nvSpPr>
-            <p:spPr>
-              <a:xfrm>
-                <a:off x="8244408" y="1619508"/>
-                <a:ext cx="576064" cy="369332"/>
-              </a:xfrm>
-              <a:prstGeom prst="rect">
-                <a:avLst/>
-              </a:prstGeom>
-              <a:blipFill rotWithShape="0">
-                <a:blip r:embed="rId11"/>
-                <a:stretch>
-                  <a:fillRect/>
-                </a:stretch>
-              </a:blipFill>
-            </p:spPr>
-            <p:txBody>
-              <a:bodyPr/>
-              <a:lstStyle/>
-              <a:p>
-                <a:r>
-                  <a:rPr lang="en-US">
-                    <a:noFill/>
-                  </a:rPr>
-                  <a:t> </a:t>
-                </a:r>
-              </a:p>
-            </p:txBody>
-          </p:sp>
-        </mc:Fallback>
-      </mc:AlternateContent>
-      <p:cxnSp>
-        <p:nvCxnSpPr>
-          <p:cNvPr id="5" name="Straight Connector 4"/>
-          <p:cNvCxnSpPr/>
-          <p:nvPr/>
-        </p:nvCxnSpPr>
-        <p:spPr>
-          <a:xfrm flipV="1">
-            <a:off x="5796136" y="1961220"/>
-            <a:ext cx="297650" cy="13996"/>
-          </a:xfrm>
-          <a:prstGeom prst="line">
-            <a:avLst/>
-          </a:prstGeom>
-          <a:ln w="47625">
-            <a:solidFill>
-              <a:schemeClr val="tx1"/>
-            </a:solidFill>
-            <a:prstDash val="sysDot"/>
-          </a:ln>
-        </p:spPr>
-        <p:style>
-          <a:lnRef idx="1">
-            <a:schemeClr val="accent1"/>
-          </a:lnRef>
-          <a:fillRef idx="0">
-            <a:schemeClr val="accent1"/>
-          </a:fillRef>
-          <a:effectRef idx="0">
-            <a:schemeClr val="accent1"/>
-          </a:effectRef>
-          <a:fontRef idx="minor">
-            <a:schemeClr val="tx1"/>
-          </a:fontRef>
-        </p:style>
-      </p:cxnSp>
-    </p:spTree>
-    <p:extLst>
-      <p:ext uri="{BB962C8B-B14F-4D97-AF65-F5344CB8AC3E}">
-        <p14:creationId xmlns:p14="http://schemas.microsoft.com/office/powerpoint/2010/main" val="578201474"/>
-      </p:ext>
-    </p:extLst>
-  </p:cSld>
-  <p:clrMapOvr>
-    <a:masterClrMapping/>
-  </p:clrMapOvr>
-</p:sld>
-</file>
-
-<file path=ppt/slides/slide2.xml><?xml version="1.0" encoding="utf-8"?>
-<p:sld xmlns:a="http://schemas.openxmlformats.org/drawingml/2006/main" xmlns:r="http://schemas.openxmlformats.org/officeDocument/2006/relationships" xmlns:p="http://schemas.openxmlformats.org/presentationml/2006/main">
-  <p:cSld>
-    <p:spTree>
-      <p:nvGrpSpPr>
-        <p:cNvPr id="1" name=""/>
-        <p:cNvGrpSpPr/>
-        <p:nvPr/>
-      </p:nvGrpSpPr>
-      <p:grpSpPr>
-        <a:xfrm>
-          <a:off x="0" y="0"/>
-          <a:ext cx="0" cy="0"/>
-          <a:chOff x="0" y="0"/>
-          <a:chExt cx="0" cy="0"/>
-        </a:xfrm>
-      </p:grpSpPr>
-      <mc:AlternateContent xmlns:mc="http://schemas.openxmlformats.org/markup-compatibility/2006">
-        <mc:Choice xmlns:a14="http://schemas.microsoft.com/office/drawing/2010/main" Requires="a14">
-          <p:sp>
-            <p:nvSpPr>
-              <p:cNvPr id="4" name="Oval 3"/>
-              <p:cNvSpPr/>
-              <p:nvPr/>
-            </p:nvSpPr>
-            <p:spPr>
-              <a:xfrm>
-                <a:off x="2051720" y="1565176"/>
-                <a:ext cx="792088" cy="792088"/>
-              </a:xfrm>
-              <a:prstGeom prst="ellipse">
-                <a:avLst/>
-              </a:prstGeom>
-              <a:noFill/>
-              <a:ln>
-                <a:solidFill>
-                  <a:schemeClr val="tx1"/>
-                </a:solidFill>
-              </a:ln>
-            </p:spPr>
-            <p:style>
-              <a:lnRef idx="2">
-                <a:schemeClr val="accent1">
-                  <a:shade val="50000"/>
-                </a:schemeClr>
-              </a:lnRef>
-              <a:fillRef idx="1">
-                <a:schemeClr val="accent1"/>
-              </a:fillRef>
-              <a:effectRef idx="0">
-                <a:schemeClr val="accent1"/>
-              </a:effectRef>
-              <a:fontRef idx="minor">
-                <a:schemeClr val="lt1"/>
-              </a:fontRef>
-            </p:style>
-            <p:txBody>
-              <a:bodyPr rtlCol="0" anchor="ctr"/>
-              <a:lstStyle/>
-              <a:p>
-                <a:pPr algn="ctr"/>
-                <a14:m>
-                  <m:oMathPara xmlns:m="http://schemas.openxmlformats.org/officeDocument/2006/math">
-                    <m:oMathParaPr>
-                      <m:jc m:val="centerGroup"/>
-                    </m:oMathParaPr>
-                    <m:oMath xmlns:m="http://schemas.openxmlformats.org/officeDocument/2006/math">
-                      <m:sSub>
-                        <m:sSubPr>
-                          <m:ctrlPr>
-                            <a:rPr lang="en-US" i="1" dirty="0" smtClean="0">
-                              <a:solidFill>
-                                <a:schemeClr val="tx1"/>
-                              </a:solidFill>
-                              <a:latin typeface="Cambria Math" charset="0"/>
-                            </a:rPr>
-                          </m:ctrlPr>
-                        </m:sSubPr>
-                        <m:e>
-                          <m:r>
-                            <a:rPr lang="en-AU" b="0" i="1" dirty="0" smtClean="0">
-                              <a:solidFill>
-                                <a:schemeClr val="tx1"/>
-                              </a:solidFill>
-                              <a:latin typeface="Cambria Math" charset="0"/>
-                            </a:rPr>
-                            <m:t>𝑆</m:t>
-                          </m:r>
-                        </m:e>
-                        <m:sub>
-                          <m:r>
-                            <a:rPr lang="en-AU" b="0" i="1" dirty="0" smtClean="0">
-                              <a:solidFill>
-                                <a:schemeClr val="tx1"/>
-                              </a:solidFill>
-                              <a:latin typeface="Cambria Math" charset="0"/>
-                            </a:rPr>
-                            <m:t>𝑤</m:t>
-                          </m:r>
-                        </m:sub>
-                      </m:sSub>
-                    </m:oMath>
-                  </m:oMathPara>
-                </a14:m>
-                <a:endParaRPr lang="en-US" dirty="0">
-                  <a:solidFill>
-                    <a:schemeClr val="tx1"/>
-                  </a:solidFill>
-                </a:endParaRPr>
-              </a:p>
-            </p:txBody>
-          </p:sp>
-        </mc:Choice>
-        <mc:Fallback>
-          <p:sp>
-            <p:nvSpPr>
-              <p:cNvPr id="4" name="Oval 3"/>
-              <p:cNvSpPr>
-                <a:spLocks noRot="1" noChangeAspect="1" noMove="1" noResize="1" noEditPoints="1" noAdjustHandles="1" noChangeArrowheads="1" noChangeShapeType="1" noTextEdit="1"/>
-              </p:cNvSpPr>
-              <p:nvPr/>
-            </p:nvSpPr>
-            <p:spPr>
-              <a:xfrm>
-                <a:off x="2051720" y="1565176"/>
-                <a:ext cx="792088" cy="792088"/>
-              </a:xfrm>
-              <a:prstGeom prst="ellipse">
-                <a:avLst/>
-              </a:prstGeom>
-              <a:blipFill rotWithShape="0">
-                <a:blip r:embed="rId2"/>
-                <a:stretch>
-                  <a:fillRect/>
-                </a:stretch>
-              </a:blipFill>
-              <a:ln>
-                <a:solidFill>
-                  <a:schemeClr val="tx1"/>
-                </a:solidFill>
-              </a:ln>
-            </p:spPr>
-            <p:txBody>
-              <a:bodyPr/>
-              <a:lstStyle/>
-              <a:p>
-                <a:r>
-                  <a:rPr lang="en-US">
-                    <a:noFill/>
-                  </a:rPr>
-                  <a:t> </a:t>
-                </a:r>
-              </a:p>
-            </p:txBody>
-          </p:sp>
-        </mc:Fallback>
-      </mc:AlternateContent>
-      <mc:AlternateContent xmlns:mc="http://schemas.openxmlformats.org/markup-compatibility/2006">
-        <mc:Choice xmlns:a14="http://schemas.microsoft.com/office/drawing/2010/main" Requires="a14">
-          <p:sp>
-            <p:nvSpPr>
-              <p:cNvPr id="6" name="Oval 5"/>
-              <p:cNvSpPr/>
-              <p:nvPr/>
-            </p:nvSpPr>
-            <p:spPr>
-              <a:xfrm>
-                <a:off x="331912" y="1565176"/>
-                <a:ext cx="792088" cy="792088"/>
-              </a:xfrm>
-              <a:prstGeom prst="ellipse">
-                <a:avLst/>
-              </a:prstGeom>
-              <a:noFill/>
-              <a:ln>
-                <a:solidFill>
-                  <a:schemeClr val="tx1"/>
-                </a:solidFill>
-              </a:ln>
-            </p:spPr>
-            <p:style>
-              <a:lnRef idx="2">
-                <a:schemeClr val="accent1">
-                  <a:shade val="50000"/>
-                </a:schemeClr>
-              </a:lnRef>
-              <a:fillRef idx="1">
-                <a:schemeClr val="accent1"/>
-              </a:fillRef>
-              <a:effectRef idx="0">
-                <a:schemeClr val="accent1"/>
-              </a:effectRef>
-              <a:fontRef idx="minor">
-                <a:schemeClr val="lt1"/>
-              </a:fontRef>
-            </p:style>
-            <p:txBody>
-              <a:bodyPr rtlCol="0" anchor="ctr"/>
-              <a:lstStyle/>
-              <a:p>
-                <a:pPr algn="ctr"/>
-                <a14:m>
-                  <m:oMathPara xmlns:m="http://schemas.openxmlformats.org/officeDocument/2006/math">
-                    <m:oMathParaPr>
-                      <m:jc m:val="centerGroup"/>
-                    </m:oMathParaPr>
-                    <m:oMath xmlns:m="http://schemas.openxmlformats.org/officeDocument/2006/math">
-                      <m:sSub>
-                        <m:sSubPr>
-                          <m:ctrlPr>
-                            <a:rPr lang="en-US" i="1" dirty="0" smtClean="0">
-                              <a:solidFill>
-                                <a:schemeClr val="tx1"/>
-                              </a:solidFill>
-                              <a:latin typeface="Cambria Math" charset="0"/>
-                            </a:rPr>
-                          </m:ctrlPr>
-                        </m:sSubPr>
-                        <m:e>
-                          <m:r>
-                            <a:rPr lang="en-AU" b="0" i="1" dirty="0" smtClean="0">
-                              <a:solidFill>
-                                <a:schemeClr val="tx1"/>
-                              </a:solidFill>
-                              <a:latin typeface="Cambria Math" charset="0"/>
-                            </a:rPr>
-                            <m:t>𝑆</m:t>
-                          </m:r>
-                        </m:e>
-                        <m:sub>
-                          <m:r>
-                            <a:rPr lang="en-AU" b="0" i="1" dirty="0" smtClean="0">
-                              <a:solidFill>
-                                <a:schemeClr val="tx1"/>
-                              </a:solidFill>
-                              <a:latin typeface="Cambria Math" charset="0"/>
-                            </a:rPr>
-                            <m:t>𝑖</m:t>
-                          </m:r>
-                        </m:sub>
-                      </m:sSub>
-                    </m:oMath>
-                  </m:oMathPara>
-                </a14:m>
-                <a:endParaRPr lang="en-US" dirty="0">
-                  <a:solidFill>
-                    <a:schemeClr val="tx1"/>
-                  </a:solidFill>
-                </a:endParaRPr>
-              </a:p>
-            </p:txBody>
-          </p:sp>
-        </mc:Choice>
-        <mc:Fallback>
-          <p:sp>
-            <p:nvSpPr>
-              <p:cNvPr id="6" name="Oval 5"/>
-              <p:cNvSpPr>
-                <a:spLocks noRot="1" noChangeAspect="1" noMove="1" noResize="1" noEditPoints="1" noAdjustHandles="1" noChangeArrowheads="1" noChangeShapeType="1" noTextEdit="1"/>
-              </p:cNvSpPr>
-              <p:nvPr/>
-            </p:nvSpPr>
-            <p:spPr>
-              <a:xfrm>
-                <a:off x="331912" y="1565176"/>
-                <a:ext cx="792088" cy="792088"/>
-              </a:xfrm>
-              <a:prstGeom prst="ellipse">
-                <a:avLst/>
-              </a:prstGeom>
-              <a:blipFill rotWithShape="0">
-                <a:blip r:embed="rId3"/>
-                <a:stretch>
-                  <a:fillRect/>
-                </a:stretch>
-              </a:blipFill>
-              <a:ln>
-                <a:solidFill>
-                  <a:schemeClr val="tx1"/>
-                </a:solidFill>
-              </a:ln>
-            </p:spPr>
-            <p:txBody>
-              <a:bodyPr/>
-              <a:lstStyle/>
-              <a:p>
-                <a:r>
-                  <a:rPr lang="en-US">
-                    <a:noFill/>
-                  </a:rPr>
-                  <a:t> </a:t>
-                </a:r>
-              </a:p>
-            </p:txBody>
-          </p:sp>
-        </mc:Fallback>
-      </mc:AlternateContent>
-      <p:cxnSp>
-        <p:nvCxnSpPr>
-          <p:cNvPr id="8" name="Straight Arrow Connector 7"/>
-          <p:cNvCxnSpPr>
-            <a:stCxn id="6" idx="6"/>
-            <a:endCxn id="4" idx="2"/>
-          </p:cNvCxnSpPr>
-          <p:nvPr/>
-        </p:nvCxnSpPr>
-        <p:spPr>
-          <a:xfrm>
-            <a:off x="1124000" y="1961220"/>
-            <a:ext cx="927720" cy="0"/>
-          </a:xfrm>
-          <a:prstGeom prst="straightConnector1">
-            <a:avLst/>
-          </a:prstGeom>
-          <a:ln>
-            <a:solidFill>
-              <a:schemeClr val="tx1"/>
-            </a:solidFill>
-            <a:tailEnd type="triangle"/>
-          </a:ln>
-        </p:spPr>
-        <p:style>
-          <a:lnRef idx="1">
-            <a:schemeClr val="accent1"/>
-          </a:lnRef>
-          <a:fillRef idx="0">
-            <a:schemeClr val="accent1"/>
-          </a:fillRef>
-          <a:effectRef idx="0">
-            <a:schemeClr val="accent1"/>
-          </a:effectRef>
-          <a:fontRef idx="minor">
-            <a:schemeClr val="tx1"/>
-          </a:fontRef>
-        </p:style>
-      </p:cxnSp>
-      <mc:AlternateContent xmlns:mc="http://schemas.openxmlformats.org/markup-compatibility/2006">
-        <mc:Choice xmlns:a14="http://schemas.microsoft.com/office/drawing/2010/main" Requires="a14">
-          <p:sp>
-            <p:nvSpPr>
-              <p:cNvPr id="11" name="Oval 10"/>
-              <p:cNvSpPr/>
-              <p:nvPr/>
-            </p:nvSpPr>
-            <p:spPr>
-              <a:xfrm>
-                <a:off x="5148064" y="1565176"/>
-                <a:ext cx="792088" cy="792088"/>
-              </a:xfrm>
-              <a:prstGeom prst="ellipse">
-                <a:avLst/>
-              </a:prstGeom>
-              <a:noFill/>
-              <a:ln>
-                <a:solidFill>
-                  <a:schemeClr val="tx1"/>
-                </a:solidFill>
-              </a:ln>
-            </p:spPr>
-            <p:style>
-              <a:lnRef idx="2">
-                <a:schemeClr val="accent1">
-                  <a:shade val="50000"/>
-                </a:schemeClr>
-              </a:lnRef>
-              <a:fillRef idx="1">
-                <a:schemeClr val="accent1"/>
-              </a:fillRef>
-              <a:effectRef idx="0">
-                <a:schemeClr val="accent1"/>
-              </a:effectRef>
-              <a:fontRef idx="minor">
-                <a:schemeClr val="lt1"/>
-              </a:fontRef>
-            </p:style>
-            <p:txBody>
-              <a:bodyPr rtlCol="0" anchor="ctr"/>
-              <a:lstStyle/>
-              <a:p>
-                <a:pPr algn="ctr"/>
-                <a14:m>
-                  <m:oMathPara xmlns:m="http://schemas.openxmlformats.org/officeDocument/2006/math">
-                    <m:oMathParaPr>
-                      <m:jc m:val="centerGroup"/>
-                    </m:oMathParaPr>
-                    <m:oMath xmlns:m="http://schemas.openxmlformats.org/officeDocument/2006/math">
-                      <m:sSub>
-                        <m:sSubPr>
-                          <m:ctrlPr>
-                            <a:rPr lang="en-US" i="1" dirty="0" smtClean="0">
-                              <a:solidFill>
-                                <a:schemeClr val="tx1"/>
-                              </a:solidFill>
-                              <a:latin typeface="Cambria Math" charset="0"/>
-                            </a:rPr>
-                          </m:ctrlPr>
-                        </m:sSubPr>
-                        <m:e>
-                          <m:r>
-                            <a:rPr lang="en-AU" b="0" i="1" dirty="0" smtClean="0">
-                              <a:solidFill>
-                                <a:schemeClr val="tx1"/>
-                              </a:solidFill>
-                              <a:latin typeface="Cambria Math" charset="0"/>
-                            </a:rPr>
-                            <m:t>𝑆</m:t>
-                          </m:r>
-                        </m:e>
-                        <m:sub>
-                          <m:r>
-                            <a:rPr lang="en-AU" b="0" i="1" dirty="0" smtClean="0">
-                              <a:solidFill>
-                                <a:schemeClr val="tx1"/>
-                              </a:solidFill>
-                              <a:latin typeface="Cambria Math" charset="0"/>
-                            </a:rPr>
-                            <m:t>𝑜</m:t>
-                          </m:r>
-                        </m:sub>
-                      </m:sSub>
-                    </m:oMath>
-                  </m:oMathPara>
-                </a14:m>
-                <a:endParaRPr lang="en-US" dirty="0">
-                  <a:solidFill>
-                    <a:schemeClr val="tx1"/>
-                  </a:solidFill>
-                </a:endParaRPr>
-              </a:p>
-            </p:txBody>
-          </p:sp>
-        </mc:Choice>
-        <mc:Fallback>
-          <p:sp>
-            <p:nvSpPr>
-              <p:cNvPr id="11" name="Oval 10"/>
-              <p:cNvSpPr>
-                <a:spLocks noRot="1" noChangeAspect="1" noMove="1" noResize="1" noEditPoints="1" noAdjustHandles="1" noChangeArrowheads="1" noChangeShapeType="1" noTextEdit="1"/>
-              </p:cNvSpPr>
-              <p:nvPr/>
-            </p:nvSpPr>
-            <p:spPr>
-              <a:xfrm>
-                <a:off x="5148064" y="1565176"/>
-                <a:ext cx="792088" cy="792088"/>
-              </a:xfrm>
-              <a:prstGeom prst="ellipse">
-                <a:avLst/>
-              </a:prstGeom>
-              <a:blipFill rotWithShape="0">
-                <a:blip r:embed="rId4"/>
-                <a:stretch>
-                  <a:fillRect/>
-                </a:stretch>
-              </a:blipFill>
-              <a:ln>
-                <a:solidFill>
-                  <a:schemeClr val="tx1"/>
-                </a:solidFill>
-              </a:ln>
-            </p:spPr>
-            <p:txBody>
-              <a:bodyPr/>
-              <a:lstStyle/>
-              <a:p>
-                <a:r>
-                  <a:rPr lang="en-US">
-                    <a:noFill/>
-                  </a:rPr>
-                  <a:t> </a:t>
-                </a:r>
-              </a:p>
-            </p:txBody>
-          </p:sp>
-        </mc:Fallback>
-      </mc:AlternateContent>
-      <p:cxnSp>
-        <p:nvCxnSpPr>
-          <p:cNvPr id="14" name="Straight Arrow Connector 13"/>
-          <p:cNvCxnSpPr>
-            <a:stCxn id="4" idx="6"/>
-            <a:endCxn id="11" idx="2"/>
-          </p:cNvCxnSpPr>
-          <p:nvPr/>
-        </p:nvCxnSpPr>
-        <p:spPr>
-          <a:xfrm>
-            <a:off x="2843808" y="1961220"/>
-            <a:ext cx="2304256" cy="0"/>
-          </a:xfrm>
-          <a:prstGeom prst="straightConnector1">
-            <a:avLst/>
-          </a:prstGeom>
-          <a:ln w="28575">
-            <a:solidFill>
-              <a:schemeClr val="tx1"/>
-            </a:solidFill>
-            <a:prstDash val="sysDot"/>
-            <a:tailEnd type="triangle"/>
-          </a:ln>
-        </p:spPr>
-        <p:style>
-          <a:lnRef idx="1">
-            <a:schemeClr val="accent1"/>
-          </a:lnRef>
-          <a:fillRef idx="0">
-            <a:schemeClr val="accent1"/>
-          </a:fillRef>
-          <a:effectRef idx="0">
-            <a:schemeClr val="accent1"/>
-          </a:effectRef>
-          <a:fontRef idx="minor">
-            <a:schemeClr val="tx1"/>
-          </a:fontRef>
-        </p:style>
-      </p:cxnSp>
-      <mc:AlternateContent xmlns:mc="http://schemas.openxmlformats.org/markup-compatibility/2006">
-        <mc:Choice xmlns:a14="http://schemas.microsoft.com/office/drawing/2010/main" Requires="a14">
-          <p:sp>
-            <p:nvSpPr>
-              <p:cNvPr id="21" name="TextBox 20"/>
-              <p:cNvSpPr txBox="1"/>
-              <p:nvPr/>
-            </p:nvSpPr>
-            <p:spPr>
-              <a:xfrm>
-                <a:off x="1286170" y="1619508"/>
-                <a:ext cx="576064" cy="369332"/>
-              </a:xfrm>
-              <a:prstGeom prst="rect">
-                <a:avLst/>
-              </a:prstGeom>
-              <a:noFill/>
-            </p:spPr>
-            <p:txBody>
-              <a:bodyPr wrap="square" rtlCol="0">
-                <a:spAutoFit/>
-              </a:bodyPr>
-              <a:lstStyle/>
-              <a:p>
-                <a:pPr/>
-                <a14:m>
-                  <m:oMathPara xmlns:m="http://schemas.openxmlformats.org/officeDocument/2006/math">
-                    <m:oMathParaPr>
-                      <m:jc m:val="centerGroup"/>
-                    </m:oMathParaPr>
-                    <m:oMath xmlns:m="http://schemas.openxmlformats.org/officeDocument/2006/math">
-                      <m:r>
-                        <a:rPr lang="en-AU" b="0" i="1" smtClean="0">
-                          <a:latin typeface="Cambria Math" charset="0"/>
-                        </a:rPr>
-                        <m:t>𝑖</m:t>
-                      </m:r>
-                    </m:oMath>
-                  </m:oMathPara>
-                </a14:m>
-                <a:endParaRPr lang="en-US" dirty="0"/>
-              </a:p>
-            </p:txBody>
-          </p:sp>
-        </mc:Choice>
-        <mc:Fallback>
-          <p:sp>
-            <p:nvSpPr>
-              <p:cNvPr id="21" name="TextBox 20"/>
-              <p:cNvSpPr txBox="1">
-                <a:spLocks noRot="1" noChangeAspect="1" noMove="1" noResize="1" noEditPoints="1" noAdjustHandles="1" noChangeArrowheads="1" noChangeShapeType="1" noTextEdit="1"/>
-              </p:cNvSpPr>
-              <p:nvPr/>
-            </p:nvSpPr>
-            <p:spPr>
-              <a:xfrm>
-                <a:off x="1286170" y="1619508"/>
-                <a:ext cx="576064" cy="369332"/>
-              </a:xfrm>
-              <a:prstGeom prst="rect">
-                <a:avLst/>
-              </a:prstGeom>
-              <a:blipFill rotWithShape="0">
-                <a:blip r:embed="rId5"/>
-                <a:stretch>
-                  <a:fillRect/>
-                </a:stretch>
-              </a:blipFill>
-            </p:spPr>
-            <p:txBody>
-              <a:bodyPr/>
-              <a:lstStyle/>
-              <a:p>
-                <a:r>
-                  <a:rPr lang="en-US">
-                    <a:noFill/>
-                  </a:rPr>
-                  <a:t> </a:t>
-                </a:r>
-              </a:p>
-            </p:txBody>
-          </p:sp>
-        </mc:Fallback>
-      </mc:AlternateContent>
-      <mc:AlternateContent xmlns:mc="http://schemas.openxmlformats.org/markup-compatibility/2006">
-        <mc:Choice xmlns:a14="http://schemas.microsoft.com/office/drawing/2010/main" Requires="a14">
-          <p:sp>
-            <p:nvSpPr>
-              <p:cNvPr id="25" name="TextBox 24"/>
-              <p:cNvSpPr txBox="1"/>
-              <p:nvPr/>
-            </p:nvSpPr>
-            <p:spPr>
-              <a:xfrm>
-                <a:off x="6181328" y="1691516"/>
-                <a:ext cx="576064" cy="369332"/>
-              </a:xfrm>
-              <a:prstGeom prst="rect">
-                <a:avLst/>
-              </a:prstGeom>
-              <a:noFill/>
-            </p:spPr>
-            <p:txBody>
-              <a:bodyPr wrap="square" rtlCol="0">
-                <a:spAutoFit/>
-              </a:bodyPr>
-              <a:lstStyle/>
-              <a:p>
-                <a:pPr/>
-                <a14:m>
-                  <m:oMathPara xmlns:m="http://schemas.openxmlformats.org/officeDocument/2006/math">
-                    <m:oMathParaPr>
-                      <m:jc m:val="centerGroup"/>
-                    </m:oMathParaPr>
-                    <m:oMath xmlns:m="http://schemas.openxmlformats.org/officeDocument/2006/math">
-                      <m:r>
-                        <a:rPr lang="en-AU" b="0" i="1" smtClean="0">
-                          <a:latin typeface="Cambria Math" charset="0"/>
-                        </a:rPr>
-                        <m:t>𝑜</m:t>
-                      </m:r>
-                    </m:oMath>
-                  </m:oMathPara>
-                </a14:m>
-                <a:endParaRPr lang="en-US" dirty="0"/>
-              </a:p>
-            </p:txBody>
-          </p:sp>
-        </mc:Choice>
-        <mc:Fallback>
-          <p:sp>
-            <p:nvSpPr>
-              <p:cNvPr id="25" name="TextBox 24"/>
-              <p:cNvSpPr txBox="1">
-                <a:spLocks noRot="1" noChangeAspect="1" noMove="1" noResize="1" noEditPoints="1" noAdjustHandles="1" noChangeArrowheads="1" noChangeShapeType="1" noTextEdit="1"/>
-              </p:cNvSpPr>
-              <p:nvPr/>
-            </p:nvSpPr>
-            <p:spPr>
-              <a:xfrm>
-                <a:off x="6181328" y="1691516"/>
-                <a:ext cx="576064" cy="369332"/>
-              </a:xfrm>
-              <a:prstGeom prst="rect">
-                <a:avLst/>
-              </a:prstGeom>
-              <a:blipFill rotWithShape="0">
-                <a:blip r:embed="rId6"/>
-                <a:stretch>
-                  <a:fillRect/>
-                </a:stretch>
-              </a:blipFill>
-            </p:spPr>
-            <p:txBody>
-              <a:bodyPr/>
-              <a:lstStyle/>
-              <a:p>
-                <a:r>
-                  <a:rPr lang="en-US">
-                    <a:noFill/>
-                  </a:rPr>
-                  <a:t> </a:t>
-                </a:r>
-              </a:p>
-            </p:txBody>
-          </p:sp>
-        </mc:Fallback>
-      </mc:AlternateContent>
-      <mc:AlternateContent xmlns:mc="http://schemas.openxmlformats.org/markup-compatibility/2006">
-        <mc:Choice xmlns:a14="http://schemas.microsoft.com/office/drawing/2010/main" Requires="a14">
-          <p:sp>
-            <p:nvSpPr>
-              <p:cNvPr id="19" name="TextBox 18"/>
-              <p:cNvSpPr txBox="1"/>
-              <p:nvPr/>
-            </p:nvSpPr>
-            <p:spPr>
-              <a:xfrm>
-                <a:off x="3203848" y="1565176"/>
-                <a:ext cx="1584176" cy="369332"/>
-              </a:xfrm>
-              <a:prstGeom prst="rect">
-                <a:avLst/>
-              </a:prstGeom>
-              <a:noFill/>
-            </p:spPr>
-            <p:txBody>
-              <a:bodyPr wrap="square" rtlCol="0">
-                <a:spAutoFit/>
-              </a:bodyPr>
-              <a:lstStyle/>
-              <a:p>
-                <a:pPr/>
-                <a14:m>
-                  <m:oMathPara xmlns:m="http://schemas.openxmlformats.org/officeDocument/2006/math">
-                    <m:oMathParaPr>
-                      <m:jc m:val="centerGroup"/>
-                    </m:oMathParaPr>
-                    <m:oMath xmlns:m="http://schemas.openxmlformats.org/officeDocument/2006/math">
-                      <m:r>
-                        <a:rPr lang="en-AU" b="0" i="1" smtClean="0">
-                          <a:latin typeface="Cambria Math" charset="0"/>
-                        </a:rPr>
-                        <m:t>𝐶𝑜𝑚𝑝𝑢𝑡𝑎𝑡𝑖𝑜𝑛</m:t>
-                      </m:r>
-                    </m:oMath>
-                  </m:oMathPara>
-                </a14:m>
-                <a:endParaRPr lang="en-US" dirty="0"/>
-              </a:p>
-            </p:txBody>
-          </p:sp>
-        </mc:Choice>
-        <mc:Fallback>
-          <p:sp>
-            <p:nvSpPr>
-              <p:cNvPr id="19" name="TextBox 18"/>
-              <p:cNvSpPr txBox="1">
-                <a:spLocks noRot="1" noChangeAspect="1" noMove="1" noResize="1" noEditPoints="1" noAdjustHandles="1" noChangeArrowheads="1" noChangeShapeType="1" noTextEdit="1"/>
-              </p:cNvSpPr>
-              <p:nvPr/>
-            </p:nvSpPr>
-            <p:spPr>
-              <a:xfrm>
-                <a:off x="3203848" y="1565176"/>
-                <a:ext cx="1584176" cy="369332"/>
-              </a:xfrm>
-              <a:prstGeom prst="rect">
-                <a:avLst/>
-              </a:prstGeom>
-              <a:blipFill rotWithShape="0">
-                <a:blip r:embed="rId7"/>
-                <a:stretch>
-                  <a:fillRect b="-13333"/>
-                </a:stretch>
-              </a:blipFill>
-            </p:spPr>
-            <p:txBody>
-              <a:bodyPr/>
-              <a:lstStyle/>
-              <a:p>
-                <a:r>
-                  <a:rPr lang="en-US">
-                    <a:noFill/>
-                  </a:rPr>
-                  <a:t> </a:t>
-                </a:r>
-              </a:p>
-            </p:txBody>
-          </p:sp>
-        </mc:Fallback>
-      </mc:AlternateContent>
-      <p:cxnSp>
-        <p:nvCxnSpPr>
-          <p:cNvPr id="10" name="Curved Connector 9"/>
-          <p:cNvCxnSpPr>
-            <a:stCxn id="11" idx="7"/>
-            <a:endCxn id="11" idx="5"/>
-          </p:cNvCxnSpPr>
-          <p:nvPr/>
-        </p:nvCxnSpPr>
-        <p:spPr>
-          <a:xfrm rot="16200000" flipH="1">
-            <a:off x="5544108" y="1961220"/>
-            <a:ext cx="560090" cy="12700"/>
-          </a:xfrm>
-          <a:prstGeom prst="curvedConnector5">
-            <a:avLst>
-              <a:gd name="adj1" fmla="val -52645"/>
-              <a:gd name="adj2" fmla="val 4097449"/>
-              <a:gd name="adj3" fmla="val 140815"/>
-            </a:avLst>
-          </a:prstGeom>
-          <a:ln>
-            <a:solidFill>
-              <a:schemeClr val="tx1"/>
-            </a:solidFill>
-            <a:tailEnd type="triangle"/>
-          </a:ln>
-        </p:spPr>
-        <p:style>
-          <a:lnRef idx="1">
-            <a:schemeClr val="accent1"/>
-          </a:lnRef>
-          <a:fillRef idx="0">
-            <a:schemeClr val="accent1"/>
-          </a:fillRef>
-          <a:effectRef idx="0">
-            <a:schemeClr val="accent1"/>
-          </a:effectRef>
-          <a:fontRef idx="minor">
-            <a:schemeClr val="tx1"/>
-          </a:fontRef>
-        </p:style>
-      </p:cxnSp>
-    </p:spTree>
-    <p:extLst>
-      <p:ext uri="{BB962C8B-B14F-4D97-AF65-F5344CB8AC3E}">
-        <p14:creationId xmlns:p14="http://schemas.microsoft.com/office/powerpoint/2010/main" val="1794872336"/>
-      </p:ext>
-    </p:extLst>
-  </p:cSld>
-  <p:clrMapOvr>
-    <a:masterClrMapping/>
-  </p:clrMapOvr>
-</p:sld>
-</file>
-
-<file path=ppt/slides/slide3.xml><?xml version="1.0" encoding="utf-8"?>
 <p:sld xmlns:a="http://schemas.openxmlformats.org/drawingml/2006/main" xmlns:r="http://schemas.openxmlformats.org/officeDocument/2006/relationships" xmlns:p="http://schemas.openxmlformats.org/presentationml/2006/main">
   <p:cSld>
     <p:spTree>
@@ -7689,7 +5317,2429 @@
 </p:sld>
 </file>
 
-<file path=ppt/slides/slide4.xml><?xml version="1.0" encoding="utf-8"?>
+<file path=ppt/slides/slide2.xml><?xml version="1.0" encoding="utf-8"?>
+<p:sld xmlns:a="http://schemas.openxmlformats.org/drawingml/2006/main" xmlns:r="http://schemas.openxmlformats.org/officeDocument/2006/relationships" xmlns:p="http://schemas.openxmlformats.org/presentationml/2006/main">
+  <p:cSld>
+    <p:spTree>
+      <p:nvGrpSpPr>
+        <p:cNvPr id="1" name=""/>
+        <p:cNvGrpSpPr/>
+        <p:nvPr/>
+      </p:nvGrpSpPr>
+      <p:grpSpPr>
+        <a:xfrm>
+          <a:off x="0" y="0"/>
+          <a:ext cx="0" cy="0"/>
+          <a:chOff x="0" y="0"/>
+          <a:chExt cx="0" cy="0"/>
+        </a:xfrm>
+      </p:grpSpPr>
+      <mc:AlternateContent xmlns:mc="http://schemas.openxmlformats.org/markup-compatibility/2006">
+        <mc:Choice xmlns:a14="http://schemas.microsoft.com/office/drawing/2010/main" Requires="a14">
+          <p:sp>
+            <p:nvSpPr>
+              <p:cNvPr id="4" name="Oval 3"/>
+              <p:cNvSpPr/>
+              <p:nvPr/>
+            </p:nvSpPr>
+            <p:spPr>
+              <a:xfrm>
+                <a:off x="2051720" y="1565176"/>
+                <a:ext cx="792088" cy="792088"/>
+              </a:xfrm>
+              <a:prstGeom prst="ellipse">
+                <a:avLst/>
+              </a:prstGeom>
+              <a:noFill/>
+              <a:ln>
+                <a:solidFill>
+                  <a:schemeClr val="tx1"/>
+                </a:solidFill>
+              </a:ln>
+            </p:spPr>
+            <p:style>
+              <a:lnRef idx="2">
+                <a:schemeClr val="accent1">
+                  <a:shade val="50000"/>
+                </a:schemeClr>
+              </a:lnRef>
+              <a:fillRef idx="1">
+                <a:schemeClr val="accent1"/>
+              </a:fillRef>
+              <a:effectRef idx="0">
+                <a:schemeClr val="accent1"/>
+              </a:effectRef>
+              <a:fontRef idx="minor">
+                <a:schemeClr val="lt1"/>
+              </a:fontRef>
+            </p:style>
+            <p:txBody>
+              <a:bodyPr rtlCol="0" anchor="ctr"/>
+              <a:lstStyle/>
+              <a:p>
+                <a:pPr algn="ctr"/>
+                <a14:m>
+                  <m:oMathPara xmlns:m="http://schemas.openxmlformats.org/officeDocument/2006/math">
+                    <m:oMathParaPr>
+                      <m:jc m:val="centerGroup"/>
+                    </m:oMathParaPr>
+                    <m:oMath xmlns:m="http://schemas.openxmlformats.org/officeDocument/2006/math">
+                      <m:sSub>
+                        <m:sSubPr>
+                          <m:ctrlPr>
+                            <a:rPr lang="en-US" i="1" dirty="0" smtClean="0">
+                              <a:solidFill>
+                                <a:schemeClr val="tx1"/>
+                              </a:solidFill>
+                              <a:latin typeface="Cambria Math" charset="0"/>
+                            </a:rPr>
+                          </m:ctrlPr>
+                        </m:sSubPr>
+                        <m:e>
+                          <m:r>
+                            <a:rPr lang="en-AU" b="0" i="1" dirty="0" smtClean="0">
+                              <a:solidFill>
+                                <a:schemeClr val="tx1"/>
+                              </a:solidFill>
+                              <a:latin typeface="Cambria Math" charset="0"/>
+                            </a:rPr>
+                            <m:t>𝑆</m:t>
+                          </m:r>
+                        </m:e>
+                        <m:sub>
+                          <m:r>
+                            <a:rPr lang="en-AU" b="0" i="1" dirty="0" smtClean="0">
+                              <a:solidFill>
+                                <a:schemeClr val="tx1"/>
+                              </a:solidFill>
+                              <a:latin typeface="Cambria Math" charset="0"/>
+                            </a:rPr>
+                            <m:t>𝑤</m:t>
+                          </m:r>
+                        </m:sub>
+                      </m:sSub>
+                    </m:oMath>
+                  </m:oMathPara>
+                </a14:m>
+                <a:endParaRPr lang="en-US" dirty="0">
+                  <a:solidFill>
+                    <a:schemeClr val="tx1"/>
+                  </a:solidFill>
+                </a:endParaRPr>
+              </a:p>
+            </p:txBody>
+          </p:sp>
+        </mc:Choice>
+        <mc:Fallback>
+          <p:sp>
+            <p:nvSpPr>
+              <p:cNvPr id="4" name="Oval 3"/>
+              <p:cNvSpPr>
+                <a:spLocks noRot="1" noChangeAspect="1" noMove="1" noResize="1" noEditPoints="1" noAdjustHandles="1" noChangeArrowheads="1" noChangeShapeType="1" noTextEdit="1"/>
+              </p:cNvSpPr>
+              <p:nvPr/>
+            </p:nvSpPr>
+            <p:spPr>
+              <a:xfrm>
+                <a:off x="2051720" y="1565176"/>
+                <a:ext cx="792088" cy="792088"/>
+              </a:xfrm>
+              <a:prstGeom prst="ellipse">
+                <a:avLst/>
+              </a:prstGeom>
+              <a:blipFill rotWithShape="0">
+                <a:blip r:embed="rId2"/>
+                <a:stretch>
+                  <a:fillRect/>
+                </a:stretch>
+              </a:blipFill>
+              <a:ln>
+                <a:solidFill>
+                  <a:schemeClr val="tx1"/>
+                </a:solidFill>
+              </a:ln>
+            </p:spPr>
+            <p:txBody>
+              <a:bodyPr/>
+              <a:lstStyle/>
+              <a:p>
+                <a:r>
+                  <a:rPr lang="en-US">
+                    <a:noFill/>
+                  </a:rPr>
+                  <a:t> </a:t>
+                </a:r>
+              </a:p>
+            </p:txBody>
+          </p:sp>
+        </mc:Fallback>
+      </mc:AlternateContent>
+      <mc:AlternateContent xmlns:mc="http://schemas.openxmlformats.org/markup-compatibility/2006">
+        <mc:Choice xmlns:a14="http://schemas.microsoft.com/office/drawing/2010/main" Requires="a14">
+          <p:sp>
+            <p:nvSpPr>
+              <p:cNvPr id="6" name="Oval 5"/>
+              <p:cNvSpPr/>
+              <p:nvPr/>
+            </p:nvSpPr>
+            <p:spPr>
+              <a:xfrm>
+                <a:off x="331912" y="1565176"/>
+                <a:ext cx="792088" cy="792088"/>
+              </a:xfrm>
+              <a:prstGeom prst="ellipse">
+                <a:avLst/>
+              </a:prstGeom>
+              <a:noFill/>
+              <a:ln>
+                <a:solidFill>
+                  <a:schemeClr val="tx1"/>
+                </a:solidFill>
+              </a:ln>
+            </p:spPr>
+            <p:style>
+              <a:lnRef idx="2">
+                <a:schemeClr val="accent1">
+                  <a:shade val="50000"/>
+                </a:schemeClr>
+              </a:lnRef>
+              <a:fillRef idx="1">
+                <a:schemeClr val="accent1"/>
+              </a:fillRef>
+              <a:effectRef idx="0">
+                <a:schemeClr val="accent1"/>
+              </a:effectRef>
+              <a:fontRef idx="minor">
+                <a:schemeClr val="lt1"/>
+              </a:fontRef>
+            </p:style>
+            <p:txBody>
+              <a:bodyPr rtlCol="0" anchor="ctr"/>
+              <a:lstStyle/>
+              <a:p>
+                <a:pPr algn="ctr"/>
+                <a14:m>
+                  <m:oMathPara xmlns:m="http://schemas.openxmlformats.org/officeDocument/2006/math">
+                    <m:oMathParaPr>
+                      <m:jc m:val="centerGroup"/>
+                    </m:oMathParaPr>
+                    <m:oMath xmlns:m="http://schemas.openxmlformats.org/officeDocument/2006/math">
+                      <m:sSub>
+                        <m:sSubPr>
+                          <m:ctrlPr>
+                            <a:rPr lang="en-US" i="1" dirty="0" smtClean="0">
+                              <a:solidFill>
+                                <a:schemeClr val="tx1"/>
+                              </a:solidFill>
+                              <a:latin typeface="Cambria Math" charset="0"/>
+                            </a:rPr>
+                          </m:ctrlPr>
+                        </m:sSubPr>
+                        <m:e>
+                          <m:r>
+                            <a:rPr lang="en-AU" b="0" i="1" dirty="0" smtClean="0">
+                              <a:solidFill>
+                                <a:schemeClr val="tx1"/>
+                              </a:solidFill>
+                              <a:latin typeface="Cambria Math" charset="0"/>
+                            </a:rPr>
+                            <m:t>𝑆</m:t>
+                          </m:r>
+                        </m:e>
+                        <m:sub>
+                          <m:r>
+                            <a:rPr lang="en-AU" b="0" i="1" dirty="0" smtClean="0">
+                              <a:solidFill>
+                                <a:schemeClr val="tx1"/>
+                              </a:solidFill>
+                              <a:latin typeface="Cambria Math" charset="0"/>
+                            </a:rPr>
+                            <m:t>𝑖</m:t>
+                          </m:r>
+                        </m:sub>
+                      </m:sSub>
+                    </m:oMath>
+                  </m:oMathPara>
+                </a14:m>
+                <a:endParaRPr lang="en-US" dirty="0">
+                  <a:solidFill>
+                    <a:schemeClr val="tx1"/>
+                  </a:solidFill>
+                </a:endParaRPr>
+              </a:p>
+            </p:txBody>
+          </p:sp>
+        </mc:Choice>
+        <mc:Fallback>
+          <p:sp>
+            <p:nvSpPr>
+              <p:cNvPr id="6" name="Oval 5"/>
+              <p:cNvSpPr>
+                <a:spLocks noRot="1" noChangeAspect="1" noMove="1" noResize="1" noEditPoints="1" noAdjustHandles="1" noChangeArrowheads="1" noChangeShapeType="1" noTextEdit="1"/>
+              </p:cNvSpPr>
+              <p:nvPr/>
+            </p:nvSpPr>
+            <p:spPr>
+              <a:xfrm>
+                <a:off x="331912" y="1565176"/>
+                <a:ext cx="792088" cy="792088"/>
+              </a:xfrm>
+              <a:prstGeom prst="ellipse">
+                <a:avLst/>
+              </a:prstGeom>
+              <a:blipFill rotWithShape="0">
+                <a:blip r:embed="rId3"/>
+                <a:stretch>
+                  <a:fillRect/>
+                </a:stretch>
+              </a:blipFill>
+              <a:ln>
+                <a:solidFill>
+                  <a:schemeClr val="tx1"/>
+                </a:solidFill>
+              </a:ln>
+            </p:spPr>
+            <p:txBody>
+              <a:bodyPr/>
+              <a:lstStyle/>
+              <a:p>
+                <a:r>
+                  <a:rPr lang="en-US">
+                    <a:noFill/>
+                  </a:rPr>
+                  <a:t> </a:t>
+                </a:r>
+              </a:p>
+            </p:txBody>
+          </p:sp>
+        </mc:Fallback>
+      </mc:AlternateContent>
+      <p:cxnSp>
+        <p:nvCxnSpPr>
+          <p:cNvPr id="8" name="Straight Arrow Connector 7"/>
+          <p:cNvCxnSpPr>
+            <a:stCxn id="6" idx="6"/>
+            <a:endCxn id="4" idx="2"/>
+          </p:cNvCxnSpPr>
+          <p:nvPr/>
+        </p:nvCxnSpPr>
+        <p:spPr>
+          <a:xfrm>
+            <a:off x="1124000" y="1961220"/>
+            <a:ext cx="927720" cy="0"/>
+          </a:xfrm>
+          <a:prstGeom prst="straightConnector1">
+            <a:avLst/>
+          </a:prstGeom>
+          <a:ln>
+            <a:solidFill>
+              <a:schemeClr val="tx1"/>
+            </a:solidFill>
+            <a:tailEnd type="triangle"/>
+          </a:ln>
+        </p:spPr>
+        <p:style>
+          <a:lnRef idx="1">
+            <a:schemeClr val="accent1"/>
+          </a:lnRef>
+          <a:fillRef idx="0">
+            <a:schemeClr val="accent1"/>
+          </a:fillRef>
+          <a:effectRef idx="0">
+            <a:schemeClr val="accent1"/>
+          </a:effectRef>
+          <a:fontRef idx="minor">
+            <a:schemeClr val="tx1"/>
+          </a:fontRef>
+        </p:style>
+      </p:cxnSp>
+      <mc:AlternateContent xmlns:mc="http://schemas.openxmlformats.org/markup-compatibility/2006">
+        <mc:Choice xmlns:a14="http://schemas.microsoft.com/office/drawing/2010/main" Requires="a14">
+          <p:sp>
+            <p:nvSpPr>
+              <p:cNvPr id="9" name="Oval 8"/>
+              <p:cNvSpPr/>
+              <p:nvPr/>
+            </p:nvSpPr>
+            <p:spPr>
+              <a:xfrm>
+                <a:off x="3771528" y="1551180"/>
+                <a:ext cx="792088" cy="792088"/>
+              </a:xfrm>
+              <a:prstGeom prst="ellipse">
+                <a:avLst/>
+              </a:prstGeom>
+              <a:noFill/>
+              <a:ln>
+                <a:solidFill>
+                  <a:schemeClr val="tx1"/>
+                </a:solidFill>
+              </a:ln>
+            </p:spPr>
+            <p:style>
+              <a:lnRef idx="2">
+                <a:schemeClr val="accent1">
+                  <a:shade val="50000"/>
+                </a:schemeClr>
+              </a:lnRef>
+              <a:fillRef idx="1">
+                <a:schemeClr val="accent1"/>
+              </a:fillRef>
+              <a:effectRef idx="0">
+                <a:schemeClr val="accent1"/>
+              </a:effectRef>
+              <a:fontRef idx="minor">
+                <a:schemeClr val="lt1"/>
+              </a:fontRef>
+            </p:style>
+            <p:txBody>
+              <a:bodyPr rtlCol="0" anchor="ctr"/>
+              <a:lstStyle/>
+              <a:p>
+                <a:pPr algn="ctr"/>
+                <a14:m>
+                  <m:oMathPara xmlns:m="http://schemas.openxmlformats.org/officeDocument/2006/math">
+                    <m:oMathParaPr>
+                      <m:jc m:val="centerGroup"/>
+                    </m:oMathParaPr>
+                    <m:oMath xmlns:m="http://schemas.openxmlformats.org/officeDocument/2006/math">
+                      <m:sSub>
+                        <m:sSubPr>
+                          <m:ctrlPr>
+                            <a:rPr lang="en-US" i="1" dirty="0" smtClean="0">
+                              <a:solidFill>
+                                <a:schemeClr val="tx1"/>
+                              </a:solidFill>
+                              <a:latin typeface="Cambria Math" charset="0"/>
+                            </a:rPr>
+                          </m:ctrlPr>
+                        </m:sSubPr>
+                        <m:e>
+                          <m:r>
+                            <a:rPr lang="en-AU" b="0" i="1" dirty="0" smtClean="0">
+                              <a:solidFill>
+                                <a:schemeClr val="tx1"/>
+                              </a:solidFill>
+                              <a:latin typeface="Cambria Math" charset="0"/>
+                            </a:rPr>
+                            <m:t>𝑆</m:t>
+                          </m:r>
+                        </m:e>
+                        <m:sub>
+                          <m:r>
+                            <a:rPr lang="en-AU" b="0" i="1" dirty="0" smtClean="0">
+                              <a:solidFill>
+                                <a:schemeClr val="tx1"/>
+                              </a:solidFill>
+                              <a:latin typeface="Cambria Math" charset="0"/>
+                            </a:rPr>
+                            <m:t>1</m:t>
+                          </m:r>
+                        </m:sub>
+                      </m:sSub>
+                    </m:oMath>
+                  </m:oMathPara>
+                </a14:m>
+                <a:endParaRPr lang="en-US" dirty="0">
+                  <a:solidFill>
+                    <a:schemeClr val="tx1"/>
+                  </a:solidFill>
+                </a:endParaRPr>
+              </a:p>
+            </p:txBody>
+          </p:sp>
+        </mc:Choice>
+        <mc:Fallback>
+          <p:sp>
+            <p:nvSpPr>
+              <p:cNvPr id="9" name="Oval 8"/>
+              <p:cNvSpPr>
+                <a:spLocks noRot="1" noChangeAspect="1" noMove="1" noResize="1" noEditPoints="1" noAdjustHandles="1" noChangeArrowheads="1" noChangeShapeType="1" noTextEdit="1"/>
+              </p:cNvSpPr>
+              <p:nvPr/>
+            </p:nvSpPr>
+            <p:spPr>
+              <a:xfrm>
+                <a:off x="3771528" y="1551180"/>
+                <a:ext cx="792088" cy="792088"/>
+              </a:xfrm>
+              <a:prstGeom prst="ellipse">
+                <a:avLst/>
+              </a:prstGeom>
+              <a:blipFill rotWithShape="0">
+                <a:blip r:embed="rId4"/>
+                <a:stretch>
+                  <a:fillRect/>
+                </a:stretch>
+              </a:blipFill>
+              <a:ln>
+                <a:solidFill>
+                  <a:schemeClr val="tx1"/>
+                </a:solidFill>
+              </a:ln>
+            </p:spPr>
+            <p:txBody>
+              <a:bodyPr/>
+              <a:lstStyle/>
+              <a:p>
+                <a:r>
+                  <a:rPr lang="en-US">
+                    <a:noFill/>
+                  </a:rPr>
+                  <a:t> </a:t>
+                </a:r>
+              </a:p>
+            </p:txBody>
+          </p:sp>
+        </mc:Fallback>
+      </mc:AlternateContent>
+      <mc:AlternateContent xmlns:mc="http://schemas.openxmlformats.org/markup-compatibility/2006">
+        <mc:Choice xmlns:a14="http://schemas.microsoft.com/office/drawing/2010/main" Requires="a14">
+          <p:sp>
+            <p:nvSpPr>
+              <p:cNvPr id="11" name="Oval 10"/>
+              <p:cNvSpPr/>
+              <p:nvPr/>
+            </p:nvSpPr>
+            <p:spPr>
+              <a:xfrm>
+                <a:off x="7211144" y="1565176"/>
+                <a:ext cx="792088" cy="792088"/>
+              </a:xfrm>
+              <a:prstGeom prst="ellipse">
+                <a:avLst/>
+              </a:prstGeom>
+              <a:noFill/>
+              <a:ln>
+                <a:solidFill>
+                  <a:schemeClr val="tx1"/>
+                </a:solidFill>
+              </a:ln>
+            </p:spPr>
+            <p:style>
+              <a:lnRef idx="2">
+                <a:schemeClr val="accent1">
+                  <a:shade val="50000"/>
+                </a:schemeClr>
+              </a:lnRef>
+              <a:fillRef idx="1">
+                <a:schemeClr val="accent1"/>
+              </a:fillRef>
+              <a:effectRef idx="0">
+                <a:schemeClr val="accent1"/>
+              </a:effectRef>
+              <a:fontRef idx="minor">
+                <a:schemeClr val="lt1"/>
+              </a:fontRef>
+            </p:style>
+            <p:txBody>
+              <a:bodyPr rtlCol="0" anchor="ctr"/>
+              <a:lstStyle/>
+              <a:p>
+                <a:pPr algn="ctr"/>
+                <a14:m>
+                  <m:oMathPara xmlns:m="http://schemas.openxmlformats.org/officeDocument/2006/math">
+                    <m:oMathParaPr>
+                      <m:jc m:val="centerGroup"/>
+                    </m:oMathParaPr>
+                    <m:oMath xmlns:m="http://schemas.openxmlformats.org/officeDocument/2006/math">
+                      <m:sSub>
+                        <m:sSubPr>
+                          <m:ctrlPr>
+                            <a:rPr lang="en-US" i="1" dirty="0" smtClean="0">
+                              <a:solidFill>
+                                <a:schemeClr val="tx1"/>
+                              </a:solidFill>
+                              <a:latin typeface="Cambria Math" charset="0"/>
+                            </a:rPr>
+                          </m:ctrlPr>
+                        </m:sSubPr>
+                        <m:e>
+                          <m:r>
+                            <a:rPr lang="en-AU" b="0" i="1" dirty="0" smtClean="0">
+                              <a:solidFill>
+                                <a:schemeClr val="tx1"/>
+                              </a:solidFill>
+                              <a:latin typeface="Cambria Math" charset="0"/>
+                            </a:rPr>
+                            <m:t>𝑆</m:t>
+                          </m:r>
+                        </m:e>
+                        <m:sub>
+                          <m:r>
+                            <a:rPr lang="en-AU" b="0" i="1" dirty="0" smtClean="0">
+                              <a:solidFill>
+                                <a:schemeClr val="tx1"/>
+                              </a:solidFill>
+                              <a:latin typeface="Cambria Math" charset="0"/>
+                            </a:rPr>
+                            <m:t>𝑜</m:t>
+                          </m:r>
+                        </m:sub>
+                      </m:sSub>
+                    </m:oMath>
+                  </m:oMathPara>
+                </a14:m>
+                <a:endParaRPr lang="en-US" dirty="0">
+                  <a:solidFill>
+                    <a:schemeClr val="tx1"/>
+                  </a:solidFill>
+                </a:endParaRPr>
+              </a:p>
+            </p:txBody>
+          </p:sp>
+        </mc:Choice>
+        <mc:Fallback>
+          <p:sp>
+            <p:nvSpPr>
+              <p:cNvPr id="11" name="Oval 10"/>
+              <p:cNvSpPr>
+                <a:spLocks noRot="1" noChangeAspect="1" noMove="1" noResize="1" noEditPoints="1" noAdjustHandles="1" noChangeArrowheads="1" noChangeShapeType="1" noTextEdit="1"/>
+              </p:cNvSpPr>
+              <p:nvPr/>
+            </p:nvSpPr>
+            <p:spPr>
+              <a:xfrm>
+                <a:off x="7211144" y="1565176"/>
+                <a:ext cx="792088" cy="792088"/>
+              </a:xfrm>
+              <a:prstGeom prst="ellipse">
+                <a:avLst/>
+              </a:prstGeom>
+              <a:blipFill rotWithShape="0">
+                <a:blip r:embed="rId5"/>
+                <a:stretch>
+                  <a:fillRect/>
+                </a:stretch>
+              </a:blipFill>
+              <a:ln>
+                <a:solidFill>
+                  <a:schemeClr val="tx1"/>
+                </a:solidFill>
+              </a:ln>
+            </p:spPr>
+            <p:txBody>
+              <a:bodyPr/>
+              <a:lstStyle/>
+              <a:p>
+                <a:r>
+                  <a:rPr lang="en-US">
+                    <a:noFill/>
+                  </a:rPr>
+                  <a:t> </a:t>
+                </a:r>
+              </a:p>
+            </p:txBody>
+          </p:sp>
+        </mc:Fallback>
+      </mc:AlternateContent>
+      <mc:AlternateContent xmlns:mc="http://schemas.openxmlformats.org/markup-compatibility/2006">
+        <mc:Choice xmlns:a14="http://schemas.microsoft.com/office/drawing/2010/main" Requires="a14">
+          <p:sp>
+            <p:nvSpPr>
+              <p:cNvPr id="12" name="Oval 11"/>
+              <p:cNvSpPr/>
+              <p:nvPr/>
+            </p:nvSpPr>
+            <p:spPr>
+              <a:xfrm>
+                <a:off x="8930952" y="1565176"/>
+                <a:ext cx="792088" cy="792088"/>
+              </a:xfrm>
+              <a:prstGeom prst="ellipse">
+                <a:avLst/>
+              </a:prstGeom>
+              <a:noFill/>
+              <a:ln>
+                <a:solidFill>
+                  <a:schemeClr val="tx1"/>
+                </a:solidFill>
+              </a:ln>
+            </p:spPr>
+            <p:style>
+              <a:lnRef idx="2">
+                <a:schemeClr val="accent1">
+                  <a:shade val="50000"/>
+                </a:schemeClr>
+              </a:lnRef>
+              <a:fillRef idx="1">
+                <a:schemeClr val="accent1"/>
+              </a:fillRef>
+              <a:effectRef idx="0">
+                <a:schemeClr val="accent1"/>
+              </a:effectRef>
+              <a:fontRef idx="minor">
+                <a:schemeClr val="lt1"/>
+              </a:fontRef>
+            </p:style>
+            <p:txBody>
+              <a:bodyPr rtlCol="0" anchor="ctr"/>
+              <a:lstStyle/>
+              <a:p>
+                <a:pPr algn="ctr"/>
+                <a14:m>
+                  <m:oMathPara xmlns:m="http://schemas.openxmlformats.org/officeDocument/2006/math">
+                    <m:oMathParaPr>
+                      <m:jc m:val="centerGroup"/>
+                    </m:oMathParaPr>
+                    <m:oMath xmlns:m="http://schemas.openxmlformats.org/officeDocument/2006/math">
+                      <m:sSub>
+                        <m:sSubPr>
+                          <m:ctrlPr>
+                            <a:rPr lang="en-US" i="1" dirty="0" smtClean="0">
+                              <a:solidFill>
+                                <a:schemeClr val="tx1"/>
+                              </a:solidFill>
+                              <a:latin typeface="Cambria Math" charset="0"/>
+                            </a:rPr>
+                          </m:ctrlPr>
+                        </m:sSubPr>
+                        <m:e>
+                          <m:r>
+                            <a:rPr lang="en-AU" b="0" i="1" dirty="0" smtClean="0">
+                              <a:solidFill>
+                                <a:schemeClr val="tx1"/>
+                              </a:solidFill>
+                              <a:latin typeface="Cambria Math" charset="0"/>
+                            </a:rPr>
+                            <m:t>𝑆</m:t>
+                          </m:r>
+                        </m:e>
+                        <m:sub>
+                          <m:r>
+                            <a:rPr lang="en-AU" b="0" i="1" dirty="0" smtClean="0">
+                              <a:solidFill>
+                                <a:schemeClr val="tx1"/>
+                              </a:solidFill>
+                              <a:latin typeface="Cambria Math" charset="0"/>
+                            </a:rPr>
+                            <m:t>𝑒</m:t>
+                          </m:r>
+                        </m:sub>
+                      </m:sSub>
+                    </m:oMath>
+                  </m:oMathPara>
+                </a14:m>
+                <a:endParaRPr lang="en-US" dirty="0">
+                  <a:solidFill>
+                    <a:schemeClr val="tx1"/>
+                  </a:solidFill>
+                </a:endParaRPr>
+              </a:p>
+            </p:txBody>
+          </p:sp>
+        </mc:Choice>
+        <mc:Fallback>
+          <p:sp>
+            <p:nvSpPr>
+              <p:cNvPr id="12" name="Oval 11"/>
+              <p:cNvSpPr>
+                <a:spLocks noRot="1" noChangeAspect="1" noMove="1" noResize="1" noEditPoints="1" noAdjustHandles="1" noChangeArrowheads="1" noChangeShapeType="1" noTextEdit="1"/>
+              </p:cNvSpPr>
+              <p:nvPr/>
+            </p:nvSpPr>
+            <p:spPr>
+              <a:xfrm>
+                <a:off x="8930952" y="1565176"/>
+                <a:ext cx="792088" cy="792088"/>
+              </a:xfrm>
+              <a:prstGeom prst="ellipse">
+                <a:avLst/>
+              </a:prstGeom>
+              <a:blipFill rotWithShape="0">
+                <a:blip r:embed="rId6"/>
+                <a:stretch>
+                  <a:fillRect/>
+                </a:stretch>
+              </a:blipFill>
+              <a:ln>
+                <a:solidFill>
+                  <a:schemeClr val="tx1"/>
+                </a:solidFill>
+              </a:ln>
+            </p:spPr>
+            <p:txBody>
+              <a:bodyPr/>
+              <a:lstStyle/>
+              <a:p>
+                <a:r>
+                  <a:rPr lang="en-US">
+                    <a:noFill/>
+                  </a:rPr>
+                  <a:t> </a:t>
+                </a:r>
+              </a:p>
+            </p:txBody>
+          </p:sp>
+        </mc:Fallback>
+      </mc:AlternateContent>
+      <p:cxnSp>
+        <p:nvCxnSpPr>
+          <p:cNvPr id="14" name="Straight Arrow Connector 13"/>
+          <p:cNvCxnSpPr>
+            <a:stCxn id="4" idx="6"/>
+            <a:endCxn id="9" idx="2"/>
+          </p:cNvCxnSpPr>
+          <p:nvPr/>
+        </p:nvCxnSpPr>
+        <p:spPr>
+          <a:xfrm flipV="1">
+            <a:off x="2843808" y="1947224"/>
+            <a:ext cx="927720" cy="13996"/>
+          </a:xfrm>
+          <a:prstGeom prst="straightConnector1">
+            <a:avLst/>
+          </a:prstGeom>
+          <a:ln>
+            <a:solidFill>
+              <a:schemeClr val="tx1"/>
+            </a:solidFill>
+            <a:tailEnd type="triangle"/>
+          </a:ln>
+        </p:spPr>
+        <p:style>
+          <a:lnRef idx="1">
+            <a:schemeClr val="accent1"/>
+          </a:lnRef>
+          <a:fillRef idx="0">
+            <a:schemeClr val="accent1"/>
+          </a:fillRef>
+          <a:effectRef idx="0">
+            <a:schemeClr val="accent1"/>
+          </a:effectRef>
+          <a:fontRef idx="minor">
+            <a:schemeClr val="tx1"/>
+          </a:fontRef>
+        </p:style>
+      </p:cxnSp>
+      <p:cxnSp>
+        <p:nvCxnSpPr>
+          <p:cNvPr id="16" name="Straight Arrow Connector 15"/>
+          <p:cNvCxnSpPr>
+            <a:stCxn id="9" idx="6"/>
+          </p:cNvCxnSpPr>
+          <p:nvPr/>
+        </p:nvCxnSpPr>
+        <p:spPr>
+          <a:xfrm>
+            <a:off x="4563616" y="1947224"/>
+            <a:ext cx="927720" cy="13996"/>
+          </a:xfrm>
+          <a:prstGeom prst="straightConnector1">
+            <a:avLst/>
+          </a:prstGeom>
+          <a:ln>
+            <a:solidFill>
+              <a:schemeClr val="tx1"/>
+            </a:solidFill>
+            <a:tailEnd type="triangle"/>
+          </a:ln>
+        </p:spPr>
+        <p:style>
+          <a:lnRef idx="1">
+            <a:schemeClr val="accent1"/>
+          </a:lnRef>
+          <a:fillRef idx="0">
+            <a:schemeClr val="accent1"/>
+          </a:fillRef>
+          <a:effectRef idx="0">
+            <a:schemeClr val="accent1"/>
+          </a:effectRef>
+          <a:fontRef idx="minor">
+            <a:schemeClr val="tx1"/>
+          </a:fontRef>
+        </p:style>
+      </p:cxnSp>
+      <p:cxnSp>
+        <p:nvCxnSpPr>
+          <p:cNvPr id="18" name="Straight Arrow Connector 17"/>
+          <p:cNvCxnSpPr>
+            <a:endCxn id="11" idx="2"/>
+          </p:cNvCxnSpPr>
+          <p:nvPr/>
+        </p:nvCxnSpPr>
+        <p:spPr>
+          <a:xfrm>
+            <a:off x="6283424" y="1961220"/>
+            <a:ext cx="927720" cy="0"/>
+          </a:xfrm>
+          <a:prstGeom prst="straightConnector1">
+            <a:avLst/>
+          </a:prstGeom>
+          <a:ln>
+            <a:solidFill>
+              <a:schemeClr val="tx1"/>
+            </a:solidFill>
+            <a:tailEnd type="triangle"/>
+          </a:ln>
+        </p:spPr>
+        <p:style>
+          <a:lnRef idx="1">
+            <a:schemeClr val="accent1"/>
+          </a:lnRef>
+          <a:fillRef idx="0">
+            <a:schemeClr val="accent1"/>
+          </a:fillRef>
+          <a:effectRef idx="0">
+            <a:schemeClr val="accent1"/>
+          </a:effectRef>
+          <a:fontRef idx="minor">
+            <a:schemeClr val="tx1"/>
+          </a:fontRef>
+        </p:style>
+      </p:cxnSp>
+      <p:cxnSp>
+        <p:nvCxnSpPr>
+          <p:cNvPr id="20" name="Straight Arrow Connector 19"/>
+          <p:cNvCxnSpPr>
+            <a:stCxn id="11" idx="6"/>
+            <a:endCxn id="12" idx="2"/>
+          </p:cNvCxnSpPr>
+          <p:nvPr/>
+        </p:nvCxnSpPr>
+        <p:spPr>
+          <a:xfrm>
+            <a:off x="8003232" y="1961220"/>
+            <a:ext cx="927720" cy="0"/>
+          </a:xfrm>
+          <a:prstGeom prst="straightConnector1">
+            <a:avLst/>
+          </a:prstGeom>
+          <a:ln>
+            <a:solidFill>
+              <a:schemeClr val="tx1"/>
+            </a:solidFill>
+            <a:tailEnd type="triangle"/>
+          </a:ln>
+        </p:spPr>
+        <p:style>
+          <a:lnRef idx="1">
+            <a:schemeClr val="accent1"/>
+          </a:lnRef>
+          <a:fillRef idx="0">
+            <a:schemeClr val="accent1"/>
+          </a:fillRef>
+          <a:effectRef idx="0">
+            <a:schemeClr val="accent1"/>
+          </a:effectRef>
+          <a:fontRef idx="minor">
+            <a:schemeClr val="tx1"/>
+          </a:fontRef>
+        </p:style>
+      </p:cxnSp>
+      <mc:AlternateContent xmlns:mc="http://schemas.openxmlformats.org/markup-compatibility/2006">
+        <mc:Choice xmlns:a14="http://schemas.microsoft.com/office/drawing/2010/main" Requires="a14">
+          <p:sp>
+            <p:nvSpPr>
+              <p:cNvPr id="21" name="TextBox 20"/>
+              <p:cNvSpPr txBox="1"/>
+              <p:nvPr/>
+            </p:nvSpPr>
+            <p:spPr>
+              <a:xfrm>
+                <a:off x="1286170" y="1619508"/>
+                <a:ext cx="576064" cy="369332"/>
+              </a:xfrm>
+              <a:prstGeom prst="rect">
+                <a:avLst/>
+              </a:prstGeom>
+              <a:noFill/>
+            </p:spPr>
+            <p:txBody>
+              <a:bodyPr wrap="square" rtlCol="0">
+                <a:spAutoFit/>
+              </a:bodyPr>
+              <a:lstStyle/>
+              <a:p>
+                <a:pPr/>
+                <a14:m>
+                  <m:oMathPara xmlns:m="http://schemas.openxmlformats.org/officeDocument/2006/math">
+                    <m:oMathParaPr>
+                      <m:jc m:val="centerGroup"/>
+                    </m:oMathParaPr>
+                    <m:oMath xmlns:m="http://schemas.openxmlformats.org/officeDocument/2006/math">
+                      <m:r>
+                        <a:rPr lang="en-AU" b="0" i="1" smtClean="0">
+                          <a:latin typeface="Cambria Math" charset="0"/>
+                        </a:rPr>
+                        <m:t>𝑖</m:t>
+                      </m:r>
+                    </m:oMath>
+                  </m:oMathPara>
+                </a14:m>
+                <a:endParaRPr lang="en-US" dirty="0"/>
+              </a:p>
+            </p:txBody>
+          </p:sp>
+        </mc:Choice>
+        <mc:Fallback>
+          <p:sp>
+            <p:nvSpPr>
+              <p:cNvPr id="21" name="TextBox 20"/>
+              <p:cNvSpPr txBox="1">
+                <a:spLocks noRot="1" noChangeAspect="1" noMove="1" noResize="1" noEditPoints="1" noAdjustHandles="1" noChangeArrowheads="1" noChangeShapeType="1" noTextEdit="1"/>
+              </p:cNvSpPr>
+              <p:nvPr/>
+            </p:nvSpPr>
+            <p:spPr>
+              <a:xfrm>
+                <a:off x="1286170" y="1619508"/>
+                <a:ext cx="576064" cy="369332"/>
+              </a:xfrm>
+              <a:prstGeom prst="rect">
+                <a:avLst/>
+              </a:prstGeom>
+              <a:blipFill rotWithShape="0">
+                <a:blip r:embed="rId7"/>
+                <a:stretch>
+                  <a:fillRect/>
+                </a:stretch>
+              </a:blipFill>
+            </p:spPr>
+            <p:txBody>
+              <a:bodyPr/>
+              <a:lstStyle/>
+              <a:p>
+                <a:r>
+                  <a:rPr lang="en-US">
+                    <a:noFill/>
+                  </a:rPr>
+                  <a:t> </a:t>
+                </a:r>
+              </a:p>
+            </p:txBody>
+          </p:sp>
+        </mc:Fallback>
+      </mc:AlternateContent>
+      <mc:AlternateContent xmlns:mc="http://schemas.openxmlformats.org/markup-compatibility/2006">
+        <mc:Choice xmlns:a14="http://schemas.microsoft.com/office/drawing/2010/main" Requires="a14">
+          <p:sp>
+            <p:nvSpPr>
+              <p:cNvPr id="22" name="TextBox 21"/>
+              <p:cNvSpPr txBox="1"/>
+              <p:nvPr/>
+            </p:nvSpPr>
+            <p:spPr>
+              <a:xfrm>
+                <a:off x="2987824" y="1551180"/>
+                <a:ext cx="576064" cy="369332"/>
+              </a:xfrm>
+              <a:prstGeom prst="rect">
+                <a:avLst/>
+              </a:prstGeom>
+              <a:noFill/>
+            </p:spPr>
+            <p:txBody>
+              <a:bodyPr wrap="square" rtlCol="0">
+                <a:spAutoFit/>
+              </a:bodyPr>
+              <a:lstStyle/>
+              <a:p>
+                <a:pPr/>
+                <a14:m>
+                  <m:oMathPara xmlns:m="http://schemas.openxmlformats.org/officeDocument/2006/math">
+                    <m:oMathParaPr>
+                      <m:jc m:val="centerGroup"/>
+                    </m:oMathParaPr>
+                    <m:oMath xmlns:m="http://schemas.openxmlformats.org/officeDocument/2006/math">
+                      <m:r>
+                        <a:rPr lang="en-AU" b="0" i="1" dirty="0" smtClean="0">
+                          <a:latin typeface="Cambria Math" charset="0"/>
+                        </a:rPr>
+                        <m:t>[</m:t>
+                      </m:r>
+                      <m:sSub>
+                        <m:sSubPr>
+                          <m:ctrlPr>
+                            <a:rPr lang="en-US" i="1" dirty="0">
+                              <a:latin typeface="Cambria Math" charset="0"/>
+                            </a:rPr>
+                          </m:ctrlPr>
+                        </m:sSubPr>
+                        <m:e>
+                          <m:r>
+                            <a:rPr lang="en-AU" b="0" i="1" dirty="0" smtClean="0">
+                              <a:latin typeface="Cambria Math" charset="0"/>
+                            </a:rPr>
+                            <m:t>𝑤</m:t>
+                          </m:r>
+                        </m:e>
+                        <m:sub>
+                          <m:r>
+                            <a:rPr lang="en-AU" b="0" i="1" dirty="0" smtClean="0">
+                              <a:latin typeface="Cambria Math" charset="0"/>
+                            </a:rPr>
+                            <m:t>1</m:t>
+                          </m:r>
+                        </m:sub>
+                      </m:sSub>
+                      <m:r>
+                        <a:rPr lang="en-AU" b="0" i="1" dirty="0" smtClean="0">
+                          <a:latin typeface="Cambria Math" charset="0"/>
+                        </a:rPr>
+                        <m:t>]</m:t>
+                      </m:r>
+                      <m:sSub>
+                        <m:sSubPr>
+                          <m:ctrlPr>
+                            <a:rPr lang="en-US" b="0" i="1" dirty="0" smtClean="0">
+                              <a:latin typeface="Cambria Math" charset="0"/>
+                            </a:rPr>
+                          </m:ctrlPr>
+                        </m:sSubPr>
+                        <m:e>
+                          <m:r>
+                            <a:rPr lang="en-AU" b="0" i="1" dirty="0" smtClean="0">
+                              <a:latin typeface="Cambria Math" charset="0"/>
+                            </a:rPr>
+                            <m:t>𝑓</m:t>
+                          </m:r>
+                        </m:e>
+                        <m:sub>
+                          <m:r>
+                            <a:rPr lang="en-AU" b="0" i="1" dirty="0" smtClean="0">
+                              <a:latin typeface="Cambria Math" charset="0"/>
+                            </a:rPr>
+                            <m:t>1</m:t>
+                          </m:r>
+                        </m:sub>
+                      </m:sSub>
+                    </m:oMath>
+                  </m:oMathPara>
+                </a14:m>
+                <a:endParaRPr lang="en-US" dirty="0"/>
+              </a:p>
+            </p:txBody>
+          </p:sp>
+        </mc:Choice>
+        <mc:Fallback>
+          <p:sp>
+            <p:nvSpPr>
+              <p:cNvPr id="22" name="TextBox 21"/>
+              <p:cNvSpPr txBox="1">
+                <a:spLocks noRot="1" noChangeAspect="1" noMove="1" noResize="1" noEditPoints="1" noAdjustHandles="1" noChangeArrowheads="1" noChangeShapeType="1" noTextEdit="1"/>
+              </p:cNvSpPr>
+              <p:nvPr/>
+            </p:nvSpPr>
+            <p:spPr>
+              <a:xfrm>
+                <a:off x="2987824" y="1551180"/>
+                <a:ext cx="576064" cy="369332"/>
+              </a:xfrm>
+              <a:prstGeom prst="rect">
+                <a:avLst/>
+              </a:prstGeom>
+              <a:blipFill rotWithShape="0">
+                <a:blip r:embed="rId8"/>
+                <a:stretch>
+                  <a:fillRect l="-3158" r="-31579" b="-13115"/>
+                </a:stretch>
+              </a:blipFill>
+            </p:spPr>
+            <p:txBody>
+              <a:bodyPr/>
+              <a:lstStyle/>
+              <a:p>
+                <a:r>
+                  <a:rPr lang="en-US">
+                    <a:noFill/>
+                  </a:rPr>
+                  <a:t> </a:t>
+                </a:r>
+              </a:p>
+            </p:txBody>
+          </p:sp>
+        </mc:Fallback>
+      </mc:AlternateContent>
+      <mc:AlternateContent xmlns:mc="http://schemas.openxmlformats.org/markup-compatibility/2006">
+        <mc:Choice xmlns:a14="http://schemas.microsoft.com/office/drawing/2010/main" Requires="a14">
+          <p:sp>
+            <p:nvSpPr>
+              <p:cNvPr id="23" name="TextBox 22"/>
+              <p:cNvSpPr txBox="1"/>
+              <p:nvPr/>
+            </p:nvSpPr>
+            <p:spPr>
+              <a:xfrm>
+                <a:off x="4644008" y="1556792"/>
+                <a:ext cx="576064" cy="369332"/>
+              </a:xfrm>
+              <a:prstGeom prst="rect">
+                <a:avLst/>
+              </a:prstGeom>
+              <a:noFill/>
+            </p:spPr>
+            <p:txBody>
+              <a:bodyPr wrap="square" rtlCol="0">
+                <a:spAutoFit/>
+              </a:bodyPr>
+              <a:lstStyle/>
+              <a:p>
+                <a:pPr/>
+                <a14:m>
+                  <m:oMathPara xmlns:m="http://schemas.openxmlformats.org/officeDocument/2006/math">
+                    <m:oMathParaPr>
+                      <m:jc m:val="centerGroup"/>
+                    </m:oMathParaPr>
+                    <m:oMath xmlns:m="http://schemas.openxmlformats.org/officeDocument/2006/math">
+                      <m:r>
+                        <a:rPr lang="en-AU" b="0" i="1" dirty="0" smtClean="0">
+                          <a:latin typeface="Cambria Math" charset="0"/>
+                        </a:rPr>
+                        <m:t>[</m:t>
+                      </m:r>
+                      <m:sSub>
+                        <m:sSubPr>
+                          <m:ctrlPr>
+                            <a:rPr lang="en-US" i="1" dirty="0">
+                              <a:latin typeface="Cambria Math" charset="0"/>
+                            </a:rPr>
+                          </m:ctrlPr>
+                        </m:sSubPr>
+                        <m:e>
+                          <m:r>
+                            <a:rPr lang="en-AU" b="0" i="1" dirty="0" smtClean="0">
+                              <a:latin typeface="Cambria Math" charset="0"/>
+                            </a:rPr>
+                            <m:t>𝑤</m:t>
+                          </m:r>
+                        </m:e>
+                        <m:sub>
+                          <m:r>
+                            <a:rPr lang="en-AU" b="0" i="1" dirty="0" smtClean="0">
+                              <a:latin typeface="Cambria Math" charset="0"/>
+                            </a:rPr>
+                            <m:t>2</m:t>
+                          </m:r>
+                        </m:sub>
+                      </m:sSub>
+                      <m:r>
+                        <a:rPr lang="en-AU" b="0" i="1" dirty="0" smtClean="0">
+                          <a:latin typeface="Cambria Math" charset="0"/>
+                        </a:rPr>
+                        <m:t>]</m:t>
+                      </m:r>
+                      <m:sSub>
+                        <m:sSubPr>
+                          <m:ctrlPr>
+                            <a:rPr lang="en-US" b="0" i="1" dirty="0" smtClean="0">
+                              <a:latin typeface="Cambria Math" charset="0"/>
+                            </a:rPr>
+                          </m:ctrlPr>
+                        </m:sSubPr>
+                        <m:e>
+                          <m:r>
+                            <a:rPr lang="en-AU" b="0" i="1" dirty="0" smtClean="0">
+                              <a:latin typeface="Cambria Math" charset="0"/>
+                            </a:rPr>
+                            <m:t>𝑓</m:t>
+                          </m:r>
+                        </m:e>
+                        <m:sub>
+                          <m:r>
+                            <a:rPr lang="en-AU" b="0" i="1" dirty="0" smtClean="0">
+                              <a:latin typeface="Cambria Math" charset="0"/>
+                            </a:rPr>
+                            <m:t>2</m:t>
+                          </m:r>
+                        </m:sub>
+                      </m:sSub>
+                    </m:oMath>
+                  </m:oMathPara>
+                </a14:m>
+                <a:endParaRPr lang="en-US" dirty="0"/>
+              </a:p>
+            </p:txBody>
+          </p:sp>
+        </mc:Choice>
+        <mc:Fallback>
+          <p:sp>
+            <p:nvSpPr>
+              <p:cNvPr id="23" name="TextBox 22"/>
+              <p:cNvSpPr txBox="1">
+                <a:spLocks noRot="1" noChangeAspect="1" noMove="1" noResize="1" noEditPoints="1" noAdjustHandles="1" noChangeArrowheads="1" noChangeShapeType="1" noTextEdit="1"/>
+              </p:cNvSpPr>
+              <p:nvPr/>
+            </p:nvSpPr>
+            <p:spPr>
+              <a:xfrm>
+                <a:off x="4644008" y="1556792"/>
+                <a:ext cx="576064" cy="369332"/>
+              </a:xfrm>
+              <a:prstGeom prst="rect">
+                <a:avLst/>
+              </a:prstGeom>
+              <a:blipFill rotWithShape="0">
+                <a:blip r:embed="rId9"/>
+                <a:stretch>
+                  <a:fillRect l="-3191" r="-32979" b="-13115"/>
+                </a:stretch>
+              </a:blipFill>
+            </p:spPr>
+            <p:txBody>
+              <a:bodyPr/>
+              <a:lstStyle/>
+              <a:p>
+                <a:r>
+                  <a:rPr lang="en-US">
+                    <a:noFill/>
+                  </a:rPr>
+                  <a:t> </a:t>
+                </a:r>
+              </a:p>
+            </p:txBody>
+          </p:sp>
+        </mc:Fallback>
+      </mc:AlternateContent>
+      <mc:AlternateContent xmlns:mc="http://schemas.openxmlformats.org/markup-compatibility/2006">
+        <mc:Choice xmlns:a14="http://schemas.microsoft.com/office/drawing/2010/main" Requires="a14">
+          <p:sp>
+            <p:nvSpPr>
+              <p:cNvPr id="24" name="TextBox 23"/>
+              <p:cNvSpPr txBox="1"/>
+              <p:nvPr/>
+            </p:nvSpPr>
+            <p:spPr>
+              <a:xfrm>
+                <a:off x="6372200" y="1556792"/>
+                <a:ext cx="576064" cy="369332"/>
+              </a:xfrm>
+              <a:prstGeom prst="rect">
+                <a:avLst/>
+              </a:prstGeom>
+              <a:noFill/>
+            </p:spPr>
+            <p:txBody>
+              <a:bodyPr wrap="square" rtlCol="0">
+                <a:spAutoFit/>
+              </a:bodyPr>
+              <a:lstStyle/>
+              <a:p>
+                <a:pPr/>
+                <a14:m>
+                  <m:oMathPara xmlns:m="http://schemas.openxmlformats.org/officeDocument/2006/math">
+                    <m:oMathParaPr>
+                      <m:jc m:val="centerGroup"/>
+                    </m:oMathParaPr>
+                    <m:oMath xmlns:m="http://schemas.openxmlformats.org/officeDocument/2006/math">
+                      <m:r>
+                        <a:rPr lang="en-AU" b="0" i="1" dirty="0" smtClean="0">
+                          <a:latin typeface="Cambria Math" charset="0"/>
+                        </a:rPr>
+                        <m:t>[</m:t>
+                      </m:r>
+                      <m:sSub>
+                        <m:sSubPr>
+                          <m:ctrlPr>
+                            <a:rPr lang="en-US" i="1" dirty="0">
+                              <a:latin typeface="Cambria Math" charset="0"/>
+                            </a:rPr>
+                          </m:ctrlPr>
+                        </m:sSubPr>
+                        <m:e>
+                          <m:r>
+                            <a:rPr lang="en-AU" b="0" i="1" dirty="0" smtClean="0">
+                              <a:latin typeface="Cambria Math" charset="0"/>
+                            </a:rPr>
+                            <m:t>𝑤</m:t>
+                          </m:r>
+                        </m:e>
+                        <m:sub>
+                          <m:r>
+                            <a:rPr lang="en-AU" b="0" i="1" dirty="0" smtClean="0">
+                              <a:latin typeface="Cambria Math" charset="0"/>
+                            </a:rPr>
+                            <m:t>𝑛</m:t>
+                          </m:r>
+                        </m:sub>
+                      </m:sSub>
+                      <m:r>
+                        <a:rPr lang="en-AU" b="0" i="1" dirty="0" smtClean="0">
+                          <a:latin typeface="Cambria Math" charset="0"/>
+                        </a:rPr>
+                        <m:t>]</m:t>
+                      </m:r>
+                      <m:sSub>
+                        <m:sSubPr>
+                          <m:ctrlPr>
+                            <a:rPr lang="en-US" b="0" i="1" dirty="0" smtClean="0">
+                              <a:latin typeface="Cambria Math" charset="0"/>
+                            </a:rPr>
+                          </m:ctrlPr>
+                        </m:sSubPr>
+                        <m:e>
+                          <m:r>
+                            <a:rPr lang="en-AU" b="0" i="1" dirty="0" smtClean="0">
+                              <a:latin typeface="Cambria Math" charset="0"/>
+                            </a:rPr>
+                            <m:t>𝑓</m:t>
+                          </m:r>
+                        </m:e>
+                        <m:sub>
+                          <m:r>
+                            <a:rPr lang="en-AU" b="0" i="1" dirty="0" smtClean="0">
+                              <a:latin typeface="Cambria Math" charset="0"/>
+                            </a:rPr>
+                            <m:t>𝑛</m:t>
+                          </m:r>
+                        </m:sub>
+                      </m:sSub>
+                    </m:oMath>
+                  </m:oMathPara>
+                </a14:m>
+                <a:endParaRPr lang="en-US" dirty="0"/>
+              </a:p>
+            </p:txBody>
+          </p:sp>
+        </mc:Choice>
+        <mc:Fallback>
+          <p:sp>
+            <p:nvSpPr>
+              <p:cNvPr id="24" name="TextBox 23"/>
+              <p:cNvSpPr txBox="1">
+                <a:spLocks noRot="1" noChangeAspect="1" noMove="1" noResize="1" noEditPoints="1" noAdjustHandles="1" noChangeArrowheads="1" noChangeShapeType="1" noTextEdit="1"/>
+              </p:cNvSpPr>
+              <p:nvPr/>
+            </p:nvSpPr>
+            <p:spPr>
+              <a:xfrm>
+                <a:off x="6372200" y="1556792"/>
+                <a:ext cx="576064" cy="369332"/>
+              </a:xfrm>
+              <a:prstGeom prst="rect">
+                <a:avLst/>
+              </a:prstGeom>
+              <a:blipFill rotWithShape="0">
+                <a:blip r:embed="rId10"/>
+                <a:stretch>
+                  <a:fillRect l="-3158" r="-32632" b="-13115"/>
+                </a:stretch>
+              </a:blipFill>
+            </p:spPr>
+            <p:txBody>
+              <a:bodyPr/>
+              <a:lstStyle/>
+              <a:p>
+                <a:r>
+                  <a:rPr lang="en-US">
+                    <a:noFill/>
+                  </a:rPr>
+                  <a:t> </a:t>
+                </a:r>
+              </a:p>
+            </p:txBody>
+          </p:sp>
+        </mc:Fallback>
+      </mc:AlternateContent>
+      <mc:AlternateContent xmlns:mc="http://schemas.openxmlformats.org/markup-compatibility/2006">
+        <mc:Choice xmlns:a14="http://schemas.microsoft.com/office/drawing/2010/main" Requires="a14">
+          <p:sp>
+            <p:nvSpPr>
+              <p:cNvPr id="25" name="TextBox 24"/>
+              <p:cNvSpPr txBox="1"/>
+              <p:nvPr/>
+            </p:nvSpPr>
+            <p:spPr>
+              <a:xfrm>
+                <a:off x="8244408" y="1619508"/>
+                <a:ext cx="576064" cy="369332"/>
+              </a:xfrm>
+              <a:prstGeom prst="rect">
+                <a:avLst/>
+              </a:prstGeom>
+              <a:noFill/>
+            </p:spPr>
+            <p:txBody>
+              <a:bodyPr wrap="square" rtlCol="0">
+                <a:spAutoFit/>
+              </a:bodyPr>
+              <a:lstStyle/>
+              <a:p>
+                <a:pPr/>
+                <a14:m>
+                  <m:oMathPara xmlns:m="http://schemas.openxmlformats.org/officeDocument/2006/math">
+                    <m:oMathParaPr>
+                      <m:jc m:val="centerGroup"/>
+                    </m:oMathParaPr>
+                    <m:oMath xmlns:m="http://schemas.openxmlformats.org/officeDocument/2006/math">
+                      <m:r>
+                        <a:rPr lang="en-AU" b="0" i="1" smtClean="0">
+                          <a:latin typeface="Cambria Math" charset="0"/>
+                        </a:rPr>
+                        <m:t>𝑜</m:t>
+                      </m:r>
+                    </m:oMath>
+                  </m:oMathPara>
+                </a14:m>
+                <a:endParaRPr lang="en-US" dirty="0"/>
+              </a:p>
+            </p:txBody>
+          </p:sp>
+        </mc:Choice>
+        <mc:Fallback>
+          <p:sp>
+            <p:nvSpPr>
+              <p:cNvPr id="25" name="TextBox 24"/>
+              <p:cNvSpPr txBox="1">
+                <a:spLocks noRot="1" noChangeAspect="1" noMove="1" noResize="1" noEditPoints="1" noAdjustHandles="1" noChangeArrowheads="1" noChangeShapeType="1" noTextEdit="1"/>
+              </p:cNvSpPr>
+              <p:nvPr/>
+            </p:nvSpPr>
+            <p:spPr>
+              <a:xfrm>
+                <a:off x="8244408" y="1619508"/>
+                <a:ext cx="576064" cy="369332"/>
+              </a:xfrm>
+              <a:prstGeom prst="rect">
+                <a:avLst/>
+              </a:prstGeom>
+              <a:blipFill rotWithShape="0">
+                <a:blip r:embed="rId11"/>
+                <a:stretch>
+                  <a:fillRect/>
+                </a:stretch>
+              </a:blipFill>
+            </p:spPr>
+            <p:txBody>
+              <a:bodyPr/>
+              <a:lstStyle/>
+              <a:p>
+                <a:r>
+                  <a:rPr lang="en-US">
+                    <a:noFill/>
+                  </a:rPr>
+                  <a:t> </a:t>
+                </a:r>
+              </a:p>
+            </p:txBody>
+          </p:sp>
+        </mc:Fallback>
+      </mc:AlternateContent>
+      <p:cxnSp>
+        <p:nvCxnSpPr>
+          <p:cNvPr id="5" name="Straight Connector 4"/>
+          <p:cNvCxnSpPr/>
+          <p:nvPr/>
+        </p:nvCxnSpPr>
+        <p:spPr>
+          <a:xfrm>
+            <a:off x="5815595" y="1961220"/>
+            <a:ext cx="259742" cy="0"/>
+          </a:xfrm>
+          <a:prstGeom prst="line">
+            <a:avLst/>
+          </a:prstGeom>
+          <a:ln w="47625">
+            <a:solidFill>
+              <a:schemeClr val="tx1"/>
+            </a:solidFill>
+            <a:prstDash val="sysDot"/>
+          </a:ln>
+        </p:spPr>
+        <p:style>
+          <a:lnRef idx="1">
+            <a:schemeClr val="accent1"/>
+          </a:lnRef>
+          <a:fillRef idx="0">
+            <a:schemeClr val="accent1"/>
+          </a:fillRef>
+          <a:effectRef idx="0">
+            <a:schemeClr val="accent1"/>
+          </a:effectRef>
+          <a:fontRef idx="minor">
+            <a:schemeClr val="tx1"/>
+          </a:fontRef>
+        </p:style>
+      </p:cxnSp>
+      <mc:AlternateContent xmlns:mc="http://schemas.openxmlformats.org/markup-compatibility/2006">
+        <mc:Choice xmlns:a14="http://schemas.microsoft.com/office/drawing/2010/main" Requires="a14">
+          <p:sp>
+            <p:nvSpPr>
+              <p:cNvPr id="19" name="Oval 18"/>
+              <p:cNvSpPr/>
+              <p:nvPr/>
+            </p:nvSpPr>
+            <p:spPr>
+              <a:xfrm>
+                <a:off x="2051720" y="3429000"/>
+                <a:ext cx="792088" cy="792088"/>
+              </a:xfrm>
+              <a:prstGeom prst="ellipse">
+                <a:avLst/>
+              </a:prstGeom>
+              <a:noFill/>
+              <a:ln>
+                <a:solidFill>
+                  <a:schemeClr val="tx1"/>
+                </a:solidFill>
+              </a:ln>
+            </p:spPr>
+            <p:style>
+              <a:lnRef idx="2">
+                <a:schemeClr val="accent1">
+                  <a:shade val="50000"/>
+                </a:schemeClr>
+              </a:lnRef>
+              <a:fillRef idx="1">
+                <a:schemeClr val="accent1"/>
+              </a:fillRef>
+              <a:effectRef idx="0">
+                <a:schemeClr val="accent1"/>
+              </a:effectRef>
+              <a:fontRef idx="minor">
+                <a:schemeClr val="lt1"/>
+              </a:fontRef>
+            </p:style>
+            <p:txBody>
+              <a:bodyPr rtlCol="0" anchor="ctr"/>
+              <a:lstStyle/>
+              <a:p>
+                <a:pPr algn="ctr"/>
+                <a14:m>
+                  <m:oMathPara xmlns:m="http://schemas.openxmlformats.org/officeDocument/2006/math">
+                    <m:oMathParaPr>
+                      <m:jc m:val="centerGroup"/>
+                    </m:oMathParaPr>
+                    <m:oMath xmlns:m="http://schemas.openxmlformats.org/officeDocument/2006/math">
+                      <m:sSub>
+                        <m:sSubPr>
+                          <m:ctrlPr>
+                            <a:rPr lang="en-US" i="1" dirty="0" smtClean="0">
+                              <a:solidFill>
+                                <a:schemeClr val="tx1"/>
+                              </a:solidFill>
+                              <a:latin typeface="Cambria Math" charset="0"/>
+                            </a:rPr>
+                          </m:ctrlPr>
+                        </m:sSubPr>
+                        <m:e>
+                          <m:r>
+                            <a:rPr lang="en-AU" b="0" i="1" dirty="0" smtClean="0">
+                              <a:solidFill>
+                                <a:schemeClr val="tx1"/>
+                              </a:solidFill>
+                              <a:latin typeface="Cambria Math" charset="0"/>
+                            </a:rPr>
+                            <m:t>𝑆</m:t>
+                          </m:r>
+                        </m:e>
+                        <m:sub>
+                          <m:r>
+                            <a:rPr lang="en-AU" b="0" i="1" dirty="0" smtClean="0">
+                              <a:solidFill>
+                                <a:schemeClr val="tx1"/>
+                              </a:solidFill>
+                              <a:latin typeface="Cambria Math" charset="0"/>
+                            </a:rPr>
+                            <m:t>𝑤</m:t>
+                          </m:r>
+                        </m:sub>
+                      </m:sSub>
+                    </m:oMath>
+                  </m:oMathPara>
+                </a14:m>
+                <a:endParaRPr lang="en-US" dirty="0">
+                  <a:solidFill>
+                    <a:schemeClr val="tx1"/>
+                  </a:solidFill>
+                </a:endParaRPr>
+              </a:p>
+            </p:txBody>
+          </p:sp>
+        </mc:Choice>
+        <mc:Fallback>
+          <p:sp>
+            <p:nvSpPr>
+              <p:cNvPr id="19" name="Oval 18"/>
+              <p:cNvSpPr>
+                <a:spLocks noRot="1" noChangeAspect="1" noMove="1" noResize="1" noEditPoints="1" noAdjustHandles="1" noChangeArrowheads="1" noChangeShapeType="1" noTextEdit="1"/>
+              </p:cNvSpPr>
+              <p:nvPr/>
+            </p:nvSpPr>
+            <p:spPr>
+              <a:xfrm>
+                <a:off x="2051720" y="3429000"/>
+                <a:ext cx="792088" cy="792088"/>
+              </a:xfrm>
+              <a:prstGeom prst="ellipse">
+                <a:avLst/>
+              </a:prstGeom>
+              <a:blipFill rotWithShape="0">
+                <a:blip r:embed="rId12"/>
+                <a:stretch>
+                  <a:fillRect/>
+                </a:stretch>
+              </a:blipFill>
+              <a:ln>
+                <a:solidFill>
+                  <a:schemeClr val="tx1"/>
+                </a:solidFill>
+              </a:ln>
+            </p:spPr>
+            <p:txBody>
+              <a:bodyPr/>
+              <a:lstStyle/>
+              <a:p>
+                <a:r>
+                  <a:rPr lang="en-US">
+                    <a:noFill/>
+                  </a:rPr>
+                  <a:t> </a:t>
+                </a:r>
+              </a:p>
+            </p:txBody>
+          </p:sp>
+        </mc:Fallback>
+      </mc:AlternateContent>
+      <mc:AlternateContent xmlns:mc="http://schemas.openxmlformats.org/markup-compatibility/2006">
+        <mc:Choice xmlns:a14="http://schemas.microsoft.com/office/drawing/2010/main" Requires="a14">
+          <p:sp>
+            <p:nvSpPr>
+              <p:cNvPr id="26" name="Oval 25"/>
+              <p:cNvSpPr/>
+              <p:nvPr/>
+            </p:nvSpPr>
+            <p:spPr>
+              <a:xfrm>
+                <a:off x="331912" y="3429000"/>
+                <a:ext cx="792088" cy="792088"/>
+              </a:xfrm>
+              <a:prstGeom prst="ellipse">
+                <a:avLst/>
+              </a:prstGeom>
+              <a:noFill/>
+              <a:ln>
+                <a:solidFill>
+                  <a:schemeClr val="tx1"/>
+                </a:solidFill>
+              </a:ln>
+            </p:spPr>
+            <p:style>
+              <a:lnRef idx="2">
+                <a:schemeClr val="accent1">
+                  <a:shade val="50000"/>
+                </a:schemeClr>
+              </a:lnRef>
+              <a:fillRef idx="1">
+                <a:schemeClr val="accent1"/>
+              </a:fillRef>
+              <a:effectRef idx="0">
+                <a:schemeClr val="accent1"/>
+              </a:effectRef>
+              <a:fontRef idx="minor">
+                <a:schemeClr val="lt1"/>
+              </a:fontRef>
+            </p:style>
+            <p:txBody>
+              <a:bodyPr rtlCol="0" anchor="ctr"/>
+              <a:lstStyle/>
+              <a:p>
+                <a:pPr algn="ctr"/>
+                <a14:m>
+                  <m:oMathPara xmlns:m="http://schemas.openxmlformats.org/officeDocument/2006/math">
+                    <m:oMathParaPr>
+                      <m:jc m:val="centerGroup"/>
+                    </m:oMathParaPr>
+                    <m:oMath xmlns:m="http://schemas.openxmlformats.org/officeDocument/2006/math">
+                      <m:sSub>
+                        <m:sSubPr>
+                          <m:ctrlPr>
+                            <a:rPr lang="en-US" i="1" dirty="0" smtClean="0">
+                              <a:solidFill>
+                                <a:schemeClr val="tx1"/>
+                              </a:solidFill>
+                              <a:latin typeface="Cambria Math" charset="0"/>
+                            </a:rPr>
+                          </m:ctrlPr>
+                        </m:sSubPr>
+                        <m:e>
+                          <m:r>
+                            <a:rPr lang="en-AU" b="0" i="1" dirty="0" smtClean="0">
+                              <a:solidFill>
+                                <a:schemeClr val="tx1"/>
+                              </a:solidFill>
+                              <a:latin typeface="Cambria Math" charset="0"/>
+                            </a:rPr>
+                            <m:t>𝑆</m:t>
+                          </m:r>
+                        </m:e>
+                        <m:sub>
+                          <m:r>
+                            <a:rPr lang="en-AU" b="0" i="1" dirty="0" smtClean="0">
+                              <a:solidFill>
+                                <a:schemeClr val="tx1"/>
+                              </a:solidFill>
+                              <a:latin typeface="Cambria Math" charset="0"/>
+                            </a:rPr>
+                            <m:t>𝑖</m:t>
+                          </m:r>
+                        </m:sub>
+                      </m:sSub>
+                    </m:oMath>
+                  </m:oMathPara>
+                </a14:m>
+                <a:endParaRPr lang="en-US" dirty="0">
+                  <a:solidFill>
+                    <a:schemeClr val="tx1"/>
+                  </a:solidFill>
+                </a:endParaRPr>
+              </a:p>
+            </p:txBody>
+          </p:sp>
+        </mc:Choice>
+        <mc:Fallback>
+          <p:sp>
+            <p:nvSpPr>
+              <p:cNvPr id="26" name="Oval 25"/>
+              <p:cNvSpPr>
+                <a:spLocks noRot="1" noChangeAspect="1" noMove="1" noResize="1" noEditPoints="1" noAdjustHandles="1" noChangeArrowheads="1" noChangeShapeType="1" noTextEdit="1"/>
+              </p:cNvSpPr>
+              <p:nvPr/>
+            </p:nvSpPr>
+            <p:spPr>
+              <a:xfrm>
+                <a:off x="331912" y="3429000"/>
+                <a:ext cx="792088" cy="792088"/>
+              </a:xfrm>
+              <a:prstGeom prst="ellipse">
+                <a:avLst/>
+              </a:prstGeom>
+              <a:blipFill rotWithShape="0">
+                <a:blip r:embed="rId13"/>
+                <a:stretch>
+                  <a:fillRect/>
+                </a:stretch>
+              </a:blipFill>
+              <a:ln>
+                <a:solidFill>
+                  <a:schemeClr val="tx1"/>
+                </a:solidFill>
+              </a:ln>
+            </p:spPr>
+            <p:txBody>
+              <a:bodyPr/>
+              <a:lstStyle/>
+              <a:p>
+                <a:r>
+                  <a:rPr lang="en-US">
+                    <a:noFill/>
+                  </a:rPr>
+                  <a:t> </a:t>
+                </a:r>
+              </a:p>
+            </p:txBody>
+          </p:sp>
+        </mc:Fallback>
+      </mc:AlternateContent>
+      <p:cxnSp>
+        <p:nvCxnSpPr>
+          <p:cNvPr id="27" name="Straight Arrow Connector 26"/>
+          <p:cNvCxnSpPr>
+            <a:endCxn id="27" idx="2"/>
+          </p:cNvCxnSpPr>
+          <p:nvPr/>
+        </p:nvCxnSpPr>
+        <p:spPr>
+          <a:xfrm>
+            <a:off x="1124000" y="3825044"/>
+            <a:ext cx="927720" cy="0"/>
+          </a:xfrm>
+          <a:prstGeom prst="straightConnector1">
+            <a:avLst/>
+          </a:prstGeom>
+          <a:ln>
+            <a:solidFill>
+              <a:schemeClr val="tx1"/>
+            </a:solidFill>
+            <a:tailEnd type="triangle"/>
+          </a:ln>
+        </p:spPr>
+        <p:style>
+          <a:lnRef idx="1">
+            <a:schemeClr val="accent1"/>
+          </a:lnRef>
+          <a:fillRef idx="0">
+            <a:schemeClr val="accent1"/>
+          </a:fillRef>
+          <a:effectRef idx="0">
+            <a:schemeClr val="accent1"/>
+          </a:effectRef>
+          <a:fontRef idx="minor">
+            <a:schemeClr val="tx1"/>
+          </a:fontRef>
+        </p:style>
+      </p:cxnSp>
+      <mc:AlternateContent xmlns:mc="http://schemas.openxmlformats.org/markup-compatibility/2006">
+        <mc:Choice xmlns:a14="http://schemas.microsoft.com/office/drawing/2010/main" Requires="a14">
+          <p:sp>
+            <p:nvSpPr>
+              <p:cNvPr id="28" name="Oval 27"/>
+              <p:cNvSpPr/>
+              <p:nvPr/>
+            </p:nvSpPr>
+            <p:spPr>
+              <a:xfrm>
+                <a:off x="7236296" y="3429000"/>
+                <a:ext cx="792088" cy="792088"/>
+              </a:xfrm>
+              <a:prstGeom prst="ellipse">
+                <a:avLst/>
+              </a:prstGeom>
+              <a:noFill/>
+              <a:ln>
+                <a:solidFill>
+                  <a:schemeClr val="tx1"/>
+                </a:solidFill>
+              </a:ln>
+            </p:spPr>
+            <p:style>
+              <a:lnRef idx="2">
+                <a:schemeClr val="accent1">
+                  <a:shade val="50000"/>
+                </a:schemeClr>
+              </a:lnRef>
+              <a:fillRef idx="1">
+                <a:schemeClr val="accent1"/>
+              </a:fillRef>
+              <a:effectRef idx="0">
+                <a:schemeClr val="accent1"/>
+              </a:effectRef>
+              <a:fontRef idx="minor">
+                <a:schemeClr val="lt1"/>
+              </a:fontRef>
+            </p:style>
+            <p:txBody>
+              <a:bodyPr rtlCol="0" anchor="ctr"/>
+              <a:lstStyle/>
+              <a:p>
+                <a:pPr algn="ctr"/>
+                <a14:m>
+                  <m:oMathPara xmlns:m="http://schemas.openxmlformats.org/officeDocument/2006/math">
+                    <m:oMathParaPr>
+                      <m:jc m:val="centerGroup"/>
+                    </m:oMathParaPr>
+                    <m:oMath xmlns:m="http://schemas.openxmlformats.org/officeDocument/2006/math">
+                      <m:sSub>
+                        <m:sSubPr>
+                          <m:ctrlPr>
+                            <a:rPr lang="en-US" i="1" dirty="0" smtClean="0">
+                              <a:solidFill>
+                                <a:schemeClr val="tx1"/>
+                              </a:solidFill>
+                              <a:latin typeface="Cambria Math" charset="0"/>
+                            </a:rPr>
+                          </m:ctrlPr>
+                        </m:sSubPr>
+                        <m:e>
+                          <m:r>
+                            <a:rPr lang="en-AU" b="0" i="1" dirty="0" smtClean="0">
+                              <a:solidFill>
+                                <a:schemeClr val="tx1"/>
+                              </a:solidFill>
+                              <a:latin typeface="Cambria Math" charset="0"/>
+                            </a:rPr>
+                            <m:t>𝑆</m:t>
+                          </m:r>
+                        </m:e>
+                        <m:sub>
+                          <m:r>
+                            <a:rPr lang="en-AU" b="0" i="1" dirty="0" smtClean="0">
+                              <a:solidFill>
+                                <a:schemeClr val="tx1"/>
+                              </a:solidFill>
+                              <a:latin typeface="Cambria Math" charset="0"/>
+                            </a:rPr>
+                            <m:t>𝑜</m:t>
+                          </m:r>
+                        </m:sub>
+                      </m:sSub>
+                    </m:oMath>
+                  </m:oMathPara>
+                </a14:m>
+                <a:endParaRPr lang="en-US" dirty="0">
+                  <a:solidFill>
+                    <a:schemeClr val="tx1"/>
+                  </a:solidFill>
+                </a:endParaRPr>
+              </a:p>
+            </p:txBody>
+          </p:sp>
+        </mc:Choice>
+        <mc:Fallback>
+          <p:sp>
+            <p:nvSpPr>
+              <p:cNvPr id="28" name="Oval 27"/>
+              <p:cNvSpPr>
+                <a:spLocks noRot="1" noChangeAspect="1" noMove="1" noResize="1" noEditPoints="1" noAdjustHandles="1" noChangeArrowheads="1" noChangeShapeType="1" noTextEdit="1"/>
+              </p:cNvSpPr>
+              <p:nvPr/>
+            </p:nvSpPr>
+            <p:spPr>
+              <a:xfrm>
+                <a:off x="7236296" y="3429000"/>
+                <a:ext cx="792088" cy="792088"/>
+              </a:xfrm>
+              <a:prstGeom prst="ellipse">
+                <a:avLst/>
+              </a:prstGeom>
+              <a:blipFill rotWithShape="0">
+                <a:blip r:embed="rId14"/>
+                <a:stretch>
+                  <a:fillRect/>
+                </a:stretch>
+              </a:blipFill>
+              <a:ln>
+                <a:solidFill>
+                  <a:schemeClr val="tx1"/>
+                </a:solidFill>
+              </a:ln>
+            </p:spPr>
+            <p:txBody>
+              <a:bodyPr/>
+              <a:lstStyle/>
+              <a:p>
+                <a:r>
+                  <a:rPr lang="en-US">
+                    <a:noFill/>
+                  </a:rPr>
+                  <a:t> </a:t>
+                </a:r>
+              </a:p>
+            </p:txBody>
+          </p:sp>
+        </mc:Fallback>
+      </mc:AlternateContent>
+      <mc:AlternateContent xmlns:mc="http://schemas.openxmlformats.org/markup-compatibility/2006">
+        <mc:Choice xmlns:a14="http://schemas.microsoft.com/office/drawing/2010/main" Requires="a14">
+          <p:sp>
+            <p:nvSpPr>
+              <p:cNvPr id="30" name="TextBox 29"/>
+              <p:cNvSpPr txBox="1"/>
+              <p:nvPr/>
+            </p:nvSpPr>
+            <p:spPr>
+              <a:xfrm>
+                <a:off x="1286170" y="3483332"/>
+                <a:ext cx="576064" cy="369332"/>
+              </a:xfrm>
+              <a:prstGeom prst="rect">
+                <a:avLst/>
+              </a:prstGeom>
+              <a:noFill/>
+            </p:spPr>
+            <p:txBody>
+              <a:bodyPr wrap="square" rtlCol="0">
+                <a:spAutoFit/>
+              </a:bodyPr>
+              <a:lstStyle/>
+              <a:p>
+                <a:pPr/>
+                <a14:m>
+                  <m:oMathPara xmlns:m="http://schemas.openxmlformats.org/officeDocument/2006/math">
+                    <m:oMathParaPr>
+                      <m:jc m:val="centerGroup"/>
+                    </m:oMathParaPr>
+                    <m:oMath xmlns:m="http://schemas.openxmlformats.org/officeDocument/2006/math">
+                      <m:r>
+                        <a:rPr lang="en-AU" b="0" i="1" smtClean="0">
+                          <a:latin typeface="Cambria Math" charset="0"/>
+                        </a:rPr>
+                        <m:t>𝑖</m:t>
+                      </m:r>
+                    </m:oMath>
+                  </m:oMathPara>
+                </a14:m>
+                <a:endParaRPr lang="en-US" dirty="0"/>
+              </a:p>
+            </p:txBody>
+          </p:sp>
+        </mc:Choice>
+        <mc:Fallback>
+          <p:sp>
+            <p:nvSpPr>
+              <p:cNvPr id="30" name="TextBox 29"/>
+              <p:cNvSpPr txBox="1">
+                <a:spLocks noRot="1" noChangeAspect="1" noMove="1" noResize="1" noEditPoints="1" noAdjustHandles="1" noChangeArrowheads="1" noChangeShapeType="1" noTextEdit="1"/>
+              </p:cNvSpPr>
+              <p:nvPr/>
+            </p:nvSpPr>
+            <p:spPr>
+              <a:xfrm>
+                <a:off x="1286170" y="3483332"/>
+                <a:ext cx="576064" cy="369332"/>
+              </a:xfrm>
+              <a:prstGeom prst="rect">
+                <a:avLst/>
+              </a:prstGeom>
+              <a:blipFill rotWithShape="0">
+                <a:blip r:embed="rId15"/>
+                <a:stretch>
+                  <a:fillRect/>
+                </a:stretch>
+              </a:blipFill>
+            </p:spPr>
+            <p:txBody>
+              <a:bodyPr/>
+              <a:lstStyle/>
+              <a:p>
+                <a:r>
+                  <a:rPr lang="en-US">
+                    <a:noFill/>
+                  </a:rPr>
+                  <a:t> </a:t>
+                </a:r>
+              </a:p>
+            </p:txBody>
+          </p:sp>
+        </mc:Fallback>
+      </mc:AlternateContent>
+      <mc:AlternateContent xmlns:mc="http://schemas.openxmlformats.org/markup-compatibility/2006">
+        <mc:Choice xmlns:a14="http://schemas.microsoft.com/office/drawing/2010/main" Requires="a14">
+          <p:sp>
+            <p:nvSpPr>
+              <p:cNvPr id="31" name="TextBox 30"/>
+              <p:cNvSpPr txBox="1"/>
+              <p:nvPr/>
+            </p:nvSpPr>
+            <p:spPr>
+              <a:xfrm>
+                <a:off x="8269560" y="3555340"/>
+                <a:ext cx="576064" cy="369332"/>
+              </a:xfrm>
+              <a:prstGeom prst="rect">
+                <a:avLst/>
+              </a:prstGeom>
+              <a:noFill/>
+            </p:spPr>
+            <p:txBody>
+              <a:bodyPr wrap="square" rtlCol="0">
+                <a:spAutoFit/>
+              </a:bodyPr>
+              <a:lstStyle/>
+              <a:p>
+                <a:pPr/>
+                <a14:m>
+                  <m:oMathPara xmlns:m="http://schemas.openxmlformats.org/officeDocument/2006/math">
+                    <m:oMathParaPr>
+                      <m:jc m:val="centerGroup"/>
+                    </m:oMathParaPr>
+                    <m:oMath xmlns:m="http://schemas.openxmlformats.org/officeDocument/2006/math">
+                      <m:r>
+                        <a:rPr lang="en-AU" b="0" i="1" smtClean="0">
+                          <a:latin typeface="Cambria Math" charset="0"/>
+                        </a:rPr>
+                        <m:t>𝑜</m:t>
+                      </m:r>
+                    </m:oMath>
+                  </m:oMathPara>
+                </a14:m>
+                <a:endParaRPr lang="en-US" dirty="0"/>
+              </a:p>
+            </p:txBody>
+          </p:sp>
+        </mc:Choice>
+        <mc:Fallback>
+          <p:sp>
+            <p:nvSpPr>
+              <p:cNvPr id="31" name="TextBox 30"/>
+              <p:cNvSpPr txBox="1">
+                <a:spLocks noRot="1" noChangeAspect="1" noMove="1" noResize="1" noEditPoints="1" noAdjustHandles="1" noChangeArrowheads="1" noChangeShapeType="1" noTextEdit="1"/>
+              </p:cNvSpPr>
+              <p:nvPr/>
+            </p:nvSpPr>
+            <p:spPr>
+              <a:xfrm>
+                <a:off x="8269560" y="3555340"/>
+                <a:ext cx="576064" cy="369332"/>
+              </a:xfrm>
+              <a:prstGeom prst="rect">
+                <a:avLst/>
+              </a:prstGeom>
+              <a:blipFill rotWithShape="0">
+                <a:blip r:embed="rId16"/>
+                <a:stretch>
+                  <a:fillRect/>
+                </a:stretch>
+              </a:blipFill>
+            </p:spPr>
+            <p:txBody>
+              <a:bodyPr/>
+              <a:lstStyle/>
+              <a:p>
+                <a:r>
+                  <a:rPr lang="en-US">
+                    <a:noFill/>
+                  </a:rPr>
+                  <a:t> </a:t>
+                </a:r>
+              </a:p>
+            </p:txBody>
+          </p:sp>
+        </mc:Fallback>
+      </mc:AlternateContent>
+      <mc:AlternateContent xmlns:mc="http://schemas.openxmlformats.org/markup-compatibility/2006">
+        <mc:Choice xmlns:a14="http://schemas.microsoft.com/office/drawing/2010/main" Requires="a14">
+          <p:sp>
+            <p:nvSpPr>
+              <p:cNvPr id="32" name="TextBox 31"/>
+              <p:cNvSpPr txBox="1"/>
+              <p:nvPr/>
+            </p:nvSpPr>
+            <p:spPr>
+              <a:xfrm>
+                <a:off x="4281162" y="3419708"/>
+                <a:ext cx="1584176" cy="369332"/>
+              </a:xfrm>
+              <a:prstGeom prst="rect">
+                <a:avLst/>
+              </a:prstGeom>
+              <a:noFill/>
+            </p:spPr>
+            <p:txBody>
+              <a:bodyPr wrap="square" rtlCol="0">
+                <a:spAutoFit/>
+              </a:bodyPr>
+              <a:lstStyle/>
+              <a:p>
+                <a:pPr/>
+                <a14:m>
+                  <m:oMathPara xmlns:m="http://schemas.openxmlformats.org/officeDocument/2006/math">
+                    <m:oMathParaPr>
+                      <m:jc m:val="centerGroup"/>
+                    </m:oMathParaPr>
+                    <m:oMath xmlns:m="http://schemas.openxmlformats.org/officeDocument/2006/math">
+                      <m:r>
+                        <a:rPr lang="en-AU" b="0" i="1" smtClean="0">
+                          <a:latin typeface="Cambria Math" charset="0"/>
+                        </a:rPr>
+                        <m:t>𝐶𝑜𝑚𝑝𝑢𝑡𝑎𝑡𝑖𝑜𝑛</m:t>
+                      </m:r>
+                    </m:oMath>
+                  </m:oMathPara>
+                </a14:m>
+                <a:endParaRPr lang="en-US" dirty="0"/>
+              </a:p>
+            </p:txBody>
+          </p:sp>
+        </mc:Choice>
+        <mc:Fallback>
+          <p:sp>
+            <p:nvSpPr>
+              <p:cNvPr id="32" name="TextBox 31"/>
+              <p:cNvSpPr txBox="1">
+                <a:spLocks noRot="1" noChangeAspect="1" noMove="1" noResize="1" noEditPoints="1" noAdjustHandles="1" noChangeArrowheads="1" noChangeShapeType="1" noTextEdit="1"/>
+              </p:cNvSpPr>
+              <p:nvPr/>
+            </p:nvSpPr>
+            <p:spPr>
+              <a:xfrm>
+                <a:off x="4281162" y="3419708"/>
+                <a:ext cx="1584176" cy="369332"/>
+              </a:xfrm>
+              <a:prstGeom prst="rect">
+                <a:avLst/>
+              </a:prstGeom>
+              <a:blipFill rotWithShape="0">
+                <a:blip r:embed="rId17"/>
+                <a:stretch>
+                  <a:fillRect b="-11475"/>
+                </a:stretch>
+              </a:blipFill>
+            </p:spPr>
+            <p:txBody>
+              <a:bodyPr/>
+              <a:lstStyle/>
+              <a:p>
+                <a:r>
+                  <a:rPr lang="en-US">
+                    <a:noFill/>
+                  </a:rPr>
+                  <a:t> </a:t>
+                </a:r>
+              </a:p>
+            </p:txBody>
+          </p:sp>
+        </mc:Fallback>
+      </mc:AlternateContent>
+      <p:cxnSp>
+        <p:nvCxnSpPr>
+          <p:cNvPr id="33" name="Curved Connector 32"/>
+          <p:cNvCxnSpPr/>
+          <p:nvPr/>
+        </p:nvCxnSpPr>
+        <p:spPr>
+          <a:xfrm rot="16200000" flipH="1">
+            <a:off x="7632340" y="3825044"/>
+            <a:ext cx="560090" cy="12700"/>
+          </a:xfrm>
+          <a:prstGeom prst="curvedConnector5">
+            <a:avLst>
+              <a:gd name="adj1" fmla="val -52645"/>
+              <a:gd name="adj2" fmla="val 4097449"/>
+              <a:gd name="adj3" fmla="val 140815"/>
+            </a:avLst>
+          </a:prstGeom>
+          <a:ln>
+            <a:solidFill>
+              <a:schemeClr val="tx1"/>
+            </a:solidFill>
+            <a:tailEnd type="triangle"/>
+          </a:ln>
+        </p:spPr>
+        <p:style>
+          <a:lnRef idx="1">
+            <a:schemeClr val="accent1"/>
+          </a:lnRef>
+          <a:fillRef idx="0">
+            <a:schemeClr val="accent1"/>
+          </a:fillRef>
+          <a:effectRef idx="0">
+            <a:schemeClr val="accent1"/>
+          </a:effectRef>
+          <a:fontRef idx="minor">
+            <a:schemeClr val="tx1"/>
+          </a:fontRef>
+        </p:style>
+      </p:cxnSp>
+      <p:cxnSp>
+        <p:nvCxnSpPr>
+          <p:cNvPr id="2306" name="Straight Arrow Connector 2305"/>
+          <p:cNvCxnSpPr>
+            <a:stCxn id="19" idx="6"/>
+            <a:endCxn id="28" idx="2"/>
+          </p:cNvCxnSpPr>
+          <p:nvPr/>
+        </p:nvCxnSpPr>
+        <p:spPr>
+          <a:xfrm>
+            <a:off x="2843808" y="3825044"/>
+            <a:ext cx="4392488" cy="0"/>
+          </a:xfrm>
+          <a:prstGeom prst="straightConnector1">
+            <a:avLst/>
+          </a:prstGeom>
+          <a:ln w="47625">
+            <a:solidFill>
+              <a:schemeClr val="tx1"/>
+            </a:solidFill>
+            <a:prstDash val="sysDot"/>
+            <a:tailEnd type="triangle"/>
+          </a:ln>
+        </p:spPr>
+        <p:style>
+          <a:lnRef idx="1">
+            <a:schemeClr val="accent1"/>
+          </a:lnRef>
+          <a:fillRef idx="0">
+            <a:schemeClr val="accent1"/>
+          </a:fillRef>
+          <a:effectRef idx="0">
+            <a:schemeClr val="accent1"/>
+          </a:effectRef>
+          <a:fontRef idx="minor">
+            <a:schemeClr val="tx1"/>
+          </a:fontRef>
+        </p:style>
+      </p:cxnSp>
+      <p:sp>
+        <p:nvSpPr>
+          <p:cNvPr id="2314" name="Striped Right Arrow 2313"/>
+          <p:cNvSpPr/>
+          <p:nvPr/>
+        </p:nvSpPr>
+        <p:spPr>
+          <a:xfrm rot="5400000">
+            <a:off x="4410986" y="2495897"/>
+            <a:ext cx="1050638" cy="745381"/>
+          </a:xfrm>
+          <a:prstGeom prst="stripedRightArrow">
+            <a:avLst>
+              <a:gd name="adj1" fmla="val 50000"/>
+              <a:gd name="adj2" fmla="val 49524"/>
+            </a:avLst>
+          </a:prstGeom>
+          <a:solidFill>
+            <a:schemeClr val="bg1"/>
+          </a:solidFill>
+          <a:ln w="12700">
+            <a:solidFill>
+              <a:schemeClr val="tx1"/>
+            </a:solidFill>
+          </a:ln>
+        </p:spPr>
+        <p:style>
+          <a:lnRef idx="2">
+            <a:schemeClr val="accent1">
+              <a:shade val="50000"/>
+            </a:schemeClr>
+          </a:lnRef>
+          <a:fillRef idx="1">
+            <a:schemeClr val="accent1"/>
+          </a:fillRef>
+          <a:effectRef idx="0">
+            <a:schemeClr val="accent1"/>
+          </a:effectRef>
+          <a:fontRef idx="minor">
+            <a:schemeClr val="lt1"/>
+          </a:fontRef>
+        </p:style>
+        <p:txBody>
+          <a:bodyPr rtlCol="0" anchor="ctr"/>
+          <a:lstStyle/>
+          <a:p>
+            <a:pPr algn="ctr"/>
+            <a:endParaRPr lang="en-US" sz="1200" dirty="0">
+              <a:solidFill>
+                <a:schemeClr val="tx1"/>
+              </a:solidFill>
+            </a:endParaRPr>
+          </a:p>
+        </p:txBody>
+      </p:sp>
+      <p:sp>
+        <p:nvSpPr>
+          <p:cNvPr id="2315" name="Rectangle 2314"/>
+          <p:cNvSpPr/>
+          <p:nvPr/>
+        </p:nvSpPr>
+        <p:spPr>
+          <a:xfrm>
+            <a:off x="5211972" y="2564904"/>
+            <a:ext cx="963662" cy="369332"/>
+          </a:xfrm>
+          <a:prstGeom prst="rect">
+            <a:avLst/>
+          </a:prstGeom>
+        </p:spPr>
+        <p:txBody>
+          <a:bodyPr wrap="none">
+            <a:spAutoFit/>
+          </a:bodyPr>
+          <a:lstStyle/>
+          <a:p>
+            <a:pPr algn="ctr"/>
+            <a:r>
+              <a:rPr lang="en-US" altLang="zh-CN" i="1" dirty="0" smtClean="0"/>
+              <a:t>Abstract</a:t>
+            </a:r>
+            <a:endParaRPr lang="en-US" i="1" dirty="0"/>
+          </a:p>
+        </p:txBody>
+      </p:sp>
+    </p:spTree>
+    <p:extLst>
+      <p:ext uri="{BB962C8B-B14F-4D97-AF65-F5344CB8AC3E}">
+        <p14:creationId xmlns:p14="http://schemas.microsoft.com/office/powerpoint/2010/main" val="578201474"/>
+      </p:ext>
+    </p:extLst>
+  </p:cSld>
+  <p:clrMapOvr>
+    <a:masterClrMapping/>
+  </p:clrMapOvr>
+</p:sld>
+</file>
+
+<file path=ppt/slides/slide3.xml><?xml version="1.0" encoding="utf-8"?>
 <p:sld xmlns:a="http://schemas.openxmlformats.org/drawingml/2006/main" xmlns:r="http://schemas.openxmlformats.org/officeDocument/2006/relationships" xmlns:p="http://schemas.openxmlformats.org/presentationml/2006/main">
   <p:cSld>
     <p:spTree>

--- a/FiguresPaper.pptx
+++ b/FiguresPaper.pptx
@@ -5,12 +5,13 @@
     <p:sldMasterId id="2147483648" r:id="rId1"/>
   </p:sldMasterIdLst>
   <p:notesMasterIdLst>
-    <p:notesMasterId r:id="rId5"/>
+    <p:notesMasterId r:id="rId6"/>
   </p:notesMasterIdLst>
   <p:sldIdLst>
     <p:sldId id="301" r:id="rId2"/>
     <p:sldId id="299" r:id="rId3"/>
-    <p:sldId id="298" r:id="rId4"/>
+    <p:sldId id="302" r:id="rId4"/>
+    <p:sldId id="298" r:id="rId5"/>
   </p:sldIdLst>
   <p:sldSz cx="9144000" cy="6858000" type="screen4x3"/>
   <p:notesSz cx="6858000" cy="9144000"/>
@@ -210,7 +211,7 @@
           <a:p>
             <a:fld id="{F28D62E0-191E-42FF-A98D-D06FD014851B}" type="datetimeFigureOut">
               <a:rPr lang="en-AU" smtClean="0"/>
-              <a:t>11/7/17</a:t>
+              <a:t>13/7/17</a:t>
             </a:fld>
             <a:endParaRPr lang="en-AU"/>
           </a:p>
@@ -659,7 +660,7 @@
           <a:p>
             <a:fld id="{D4351B45-279F-42A8-9B05-CE858E05D9F5}" type="datetimeFigureOut">
               <a:rPr lang="en-NZ" smtClean="0"/>
-              <a:t>11/07/17</a:t>
+              <a:t>13/07/17</a:t>
             </a:fld>
             <a:endParaRPr lang="en-NZ"/>
           </a:p>
@@ -829,7 +830,7 @@
           <a:p>
             <a:fld id="{D4351B45-279F-42A8-9B05-CE858E05D9F5}" type="datetimeFigureOut">
               <a:rPr lang="en-NZ" smtClean="0"/>
-              <a:t>11/07/17</a:t>
+              <a:t>13/07/17</a:t>
             </a:fld>
             <a:endParaRPr lang="en-NZ"/>
           </a:p>
@@ -1009,7 +1010,7 @@
           <a:p>
             <a:fld id="{D4351B45-279F-42A8-9B05-CE858E05D9F5}" type="datetimeFigureOut">
               <a:rPr lang="en-NZ" smtClean="0"/>
-              <a:t>11/07/17</a:t>
+              <a:t>13/07/17</a:t>
             </a:fld>
             <a:endParaRPr lang="en-NZ"/>
           </a:p>
@@ -1179,7 +1180,7 @@
           <a:p>
             <a:fld id="{D4351B45-279F-42A8-9B05-CE858E05D9F5}" type="datetimeFigureOut">
               <a:rPr lang="en-NZ" smtClean="0"/>
-              <a:t>11/07/17</a:t>
+              <a:t>13/07/17</a:t>
             </a:fld>
             <a:endParaRPr lang="en-NZ"/>
           </a:p>
@@ -1425,7 +1426,7 @@
           <a:p>
             <a:fld id="{D4351B45-279F-42A8-9B05-CE858E05D9F5}" type="datetimeFigureOut">
               <a:rPr lang="en-NZ" smtClean="0"/>
-              <a:t>11/07/17</a:t>
+              <a:t>13/07/17</a:t>
             </a:fld>
             <a:endParaRPr lang="en-NZ"/>
           </a:p>
@@ -1713,7 +1714,7 @@
           <a:p>
             <a:fld id="{D4351B45-279F-42A8-9B05-CE858E05D9F5}" type="datetimeFigureOut">
               <a:rPr lang="en-NZ" smtClean="0"/>
-              <a:t>11/07/17</a:t>
+              <a:t>13/07/17</a:t>
             </a:fld>
             <a:endParaRPr lang="en-NZ"/>
           </a:p>
@@ -2135,7 +2136,7 @@
           <a:p>
             <a:fld id="{D4351B45-279F-42A8-9B05-CE858E05D9F5}" type="datetimeFigureOut">
               <a:rPr lang="en-NZ" smtClean="0"/>
-              <a:t>11/07/17</a:t>
+              <a:t>13/07/17</a:t>
             </a:fld>
             <a:endParaRPr lang="en-NZ"/>
           </a:p>
@@ -2253,7 +2254,7 @@
           <a:p>
             <a:fld id="{D4351B45-279F-42A8-9B05-CE858E05D9F5}" type="datetimeFigureOut">
               <a:rPr lang="en-NZ" smtClean="0"/>
-              <a:t>11/07/17</a:t>
+              <a:t>13/07/17</a:t>
             </a:fld>
             <a:endParaRPr lang="en-NZ"/>
           </a:p>
@@ -2348,7 +2349,7 @@
           <a:p>
             <a:fld id="{D4351B45-279F-42A8-9B05-CE858E05D9F5}" type="datetimeFigureOut">
               <a:rPr lang="en-NZ" smtClean="0"/>
-              <a:t>11/07/17</a:t>
+              <a:t>13/07/17</a:t>
             </a:fld>
             <a:endParaRPr lang="en-NZ"/>
           </a:p>
@@ -2625,7 +2626,7 @@
           <a:p>
             <a:fld id="{D4351B45-279F-42A8-9B05-CE858E05D9F5}" type="datetimeFigureOut">
               <a:rPr lang="en-NZ" smtClean="0"/>
-              <a:t>11/07/17</a:t>
+              <a:t>13/07/17</a:t>
             </a:fld>
             <a:endParaRPr lang="en-NZ"/>
           </a:p>
@@ -2878,7 +2879,7 @@
           <a:p>
             <a:fld id="{D4351B45-279F-42A8-9B05-CE858E05D9F5}" type="datetimeFigureOut">
               <a:rPr lang="en-NZ" smtClean="0"/>
-              <a:t>11/07/17</a:t>
+              <a:t>13/07/17</a:t>
             </a:fld>
             <a:endParaRPr lang="en-NZ"/>
           </a:p>
@@ -3091,7 +3092,7 @@
           <a:p>
             <a:fld id="{D4351B45-279F-42A8-9B05-CE858E05D9F5}" type="datetimeFigureOut">
               <a:rPr lang="en-NZ" smtClean="0"/>
-              <a:t>11/07/17</a:t>
+              <a:t>13/07/17</a:t>
             </a:fld>
             <a:endParaRPr lang="en-NZ"/>
           </a:p>
@@ -5334,8 +5335,8 @@
           <a:chExt cx="0" cy="0"/>
         </a:xfrm>
       </p:grpSpPr>
-      <mc:AlternateContent xmlns:mc="http://schemas.openxmlformats.org/markup-compatibility/2006">
-        <mc:Choice xmlns:a14="http://schemas.microsoft.com/office/drawing/2010/main" Requires="a14">
+      <mc:AlternateContent xmlns:mc="http://schemas.openxmlformats.org/markup-compatibility/2006" xmlns:a14="http://schemas.microsoft.com/office/drawing/2010/main">
+        <mc:Choice Requires="a14">
           <p:sp>
             <p:nvSpPr>
               <p:cNvPr id="4" name="Oval 3"/>
@@ -5430,7 +5431,7 @@
             </p:txBody>
           </p:sp>
         </mc:Choice>
-        <mc:Fallback>
+        <mc:Fallback xmlns="">
           <p:sp>
             <p:nvSpPr>
               <p:cNvPr id="4" name="Oval 3"/>
@@ -5474,8 +5475,8 @@
           </p:sp>
         </mc:Fallback>
       </mc:AlternateContent>
-      <mc:AlternateContent xmlns:mc="http://schemas.openxmlformats.org/markup-compatibility/2006">
-        <mc:Choice xmlns:a14="http://schemas.microsoft.com/office/drawing/2010/main" Requires="a14">
+      <mc:AlternateContent xmlns:mc="http://schemas.openxmlformats.org/markup-compatibility/2006" xmlns:a14="http://schemas.microsoft.com/office/drawing/2010/main">
+        <mc:Choice Requires="a14">
           <p:sp>
             <p:nvSpPr>
               <p:cNvPr id="6" name="Oval 5"/>
@@ -5570,7 +5571,7 @@
             </p:txBody>
           </p:sp>
         </mc:Choice>
-        <mc:Fallback>
+        <mc:Fallback xmlns="">
           <p:sp>
             <p:nvSpPr>
               <p:cNvPr id="6" name="Oval 5"/>
@@ -5653,8 +5654,8 @@
           </a:fontRef>
         </p:style>
       </p:cxnSp>
-      <mc:AlternateContent xmlns:mc="http://schemas.openxmlformats.org/markup-compatibility/2006">
-        <mc:Choice xmlns:a14="http://schemas.microsoft.com/office/drawing/2010/main" Requires="a14">
+      <mc:AlternateContent xmlns:mc="http://schemas.openxmlformats.org/markup-compatibility/2006" xmlns:a14="http://schemas.microsoft.com/office/drawing/2010/main">
+        <mc:Choice Requires="a14">
           <p:sp>
             <p:nvSpPr>
               <p:cNvPr id="9" name="Oval 8"/>
@@ -5749,7 +5750,7 @@
             </p:txBody>
           </p:sp>
         </mc:Choice>
-        <mc:Fallback>
+        <mc:Fallback xmlns="">
           <p:sp>
             <p:nvSpPr>
               <p:cNvPr id="9" name="Oval 8"/>
@@ -5793,8 +5794,8 @@
           </p:sp>
         </mc:Fallback>
       </mc:AlternateContent>
-      <mc:AlternateContent xmlns:mc="http://schemas.openxmlformats.org/markup-compatibility/2006">
-        <mc:Choice xmlns:a14="http://schemas.microsoft.com/office/drawing/2010/main" Requires="a14">
+      <mc:AlternateContent xmlns:mc="http://schemas.openxmlformats.org/markup-compatibility/2006" xmlns:a14="http://schemas.microsoft.com/office/drawing/2010/main">
+        <mc:Choice Requires="a14">
           <p:sp>
             <p:nvSpPr>
               <p:cNvPr id="11" name="Oval 10"/>
@@ -5889,7 +5890,7 @@
             </p:txBody>
           </p:sp>
         </mc:Choice>
-        <mc:Fallback>
+        <mc:Fallback xmlns="">
           <p:sp>
             <p:nvSpPr>
               <p:cNvPr id="11" name="Oval 10"/>
@@ -5933,8 +5934,8 @@
           </p:sp>
         </mc:Fallback>
       </mc:AlternateContent>
-      <mc:AlternateContent xmlns:mc="http://schemas.openxmlformats.org/markup-compatibility/2006">
-        <mc:Choice xmlns:a14="http://schemas.microsoft.com/office/drawing/2010/main" Requires="a14">
+      <mc:AlternateContent xmlns:mc="http://schemas.openxmlformats.org/markup-compatibility/2006" xmlns:a14="http://schemas.microsoft.com/office/drawing/2010/main">
+        <mc:Choice Requires="a14">
           <p:sp>
             <p:nvSpPr>
               <p:cNvPr id="12" name="Oval 11"/>
@@ -6029,7 +6030,7 @@
             </p:txBody>
           </p:sp>
         </mc:Choice>
-        <mc:Fallback>
+        <mc:Fallback xmlns="">
           <p:sp>
             <p:nvSpPr>
               <p:cNvPr id="12" name="Oval 11"/>
@@ -6227,8 +6228,8 @@
           </a:fontRef>
         </p:style>
       </p:cxnSp>
-      <mc:AlternateContent xmlns:mc="http://schemas.openxmlformats.org/markup-compatibility/2006">
-        <mc:Choice xmlns:a14="http://schemas.microsoft.com/office/drawing/2010/main" Requires="a14">
+      <mc:AlternateContent xmlns:mc="http://schemas.openxmlformats.org/markup-compatibility/2006" xmlns:a14="http://schemas.microsoft.com/office/drawing/2010/main">
+        <mc:Choice Requires="a14">
           <p:sp>
             <p:nvSpPr>
               <p:cNvPr id="21" name="TextBox 20"/>
@@ -6272,7 +6273,7 @@
             </p:txBody>
           </p:sp>
         </mc:Choice>
-        <mc:Fallback>
+        <mc:Fallback xmlns="">
           <p:sp>
             <p:nvSpPr>
               <p:cNvPr id="21" name="TextBox 20"/>
@@ -6311,8 +6312,8 @@
           </p:sp>
         </mc:Fallback>
       </mc:AlternateContent>
-      <mc:AlternateContent xmlns:mc="http://schemas.openxmlformats.org/markup-compatibility/2006">
-        <mc:Choice xmlns:a14="http://schemas.microsoft.com/office/drawing/2010/main" Requires="a14">
+      <mc:AlternateContent xmlns:mc="http://schemas.openxmlformats.org/markup-compatibility/2006" xmlns:a14="http://schemas.microsoft.com/office/drawing/2010/main">
+        <mc:Choice Requires="a14">
           <p:sp>
             <p:nvSpPr>
               <p:cNvPr id="22" name="TextBox 21"/>
@@ -6412,7 +6413,7 @@
             </p:txBody>
           </p:sp>
         </mc:Choice>
-        <mc:Fallback>
+        <mc:Fallback xmlns="">
           <p:sp>
             <p:nvSpPr>
               <p:cNvPr id="22" name="TextBox 21"/>
@@ -6451,8 +6452,8 @@
           </p:sp>
         </mc:Fallback>
       </mc:AlternateContent>
-      <mc:AlternateContent xmlns:mc="http://schemas.openxmlformats.org/markup-compatibility/2006">
-        <mc:Choice xmlns:a14="http://schemas.microsoft.com/office/drawing/2010/main" Requires="a14">
+      <mc:AlternateContent xmlns:mc="http://schemas.openxmlformats.org/markup-compatibility/2006" xmlns:a14="http://schemas.microsoft.com/office/drawing/2010/main">
+        <mc:Choice Requires="a14">
           <p:sp>
             <p:nvSpPr>
               <p:cNvPr id="23" name="TextBox 22"/>
@@ -6552,7 +6553,7 @@
             </p:txBody>
           </p:sp>
         </mc:Choice>
-        <mc:Fallback>
+        <mc:Fallback xmlns="">
           <p:sp>
             <p:nvSpPr>
               <p:cNvPr id="23" name="TextBox 22"/>
@@ -6591,8 +6592,8 @@
           </p:sp>
         </mc:Fallback>
       </mc:AlternateContent>
-      <mc:AlternateContent xmlns:mc="http://schemas.openxmlformats.org/markup-compatibility/2006">
-        <mc:Choice xmlns:a14="http://schemas.microsoft.com/office/drawing/2010/main" Requires="a14">
+      <mc:AlternateContent xmlns:mc="http://schemas.openxmlformats.org/markup-compatibility/2006" xmlns:a14="http://schemas.microsoft.com/office/drawing/2010/main">
+        <mc:Choice Requires="a14">
           <p:sp>
             <p:nvSpPr>
               <p:cNvPr id="24" name="TextBox 23"/>
@@ -6692,7 +6693,7 @@
             </p:txBody>
           </p:sp>
         </mc:Choice>
-        <mc:Fallback>
+        <mc:Fallback xmlns="">
           <p:sp>
             <p:nvSpPr>
               <p:cNvPr id="24" name="TextBox 23"/>
@@ -6731,8 +6732,8 @@
           </p:sp>
         </mc:Fallback>
       </mc:AlternateContent>
-      <mc:AlternateContent xmlns:mc="http://schemas.openxmlformats.org/markup-compatibility/2006">
-        <mc:Choice xmlns:a14="http://schemas.microsoft.com/office/drawing/2010/main" Requires="a14">
+      <mc:AlternateContent xmlns:mc="http://schemas.openxmlformats.org/markup-compatibility/2006" xmlns:a14="http://schemas.microsoft.com/office/drawing/2010/main">
+        <mc:Choice Requires="a14">
           <p:sp>
             <p:nvSpPr>
               <p:cNvPr id="25" name="TextBox 24"/>
@@ -6776,7 +6777,7 @@
             </p:txBody>
           </p:sp>
         </mc:Choice>
-        <mc:Fallback>
+        <mc:Fallback xmlns="">
           <p:sp>
             <p:nvSpPr>
               <p:cNvPr id="25" name="TextBox 24"/>
@@ -6851,8 +6852,8 @@
           </a:fontRef>
         </p:style>
       </p:cxnSp>
-      <mc:AlternateContent xmlns:mc="http://schemas.openxmlformats.org/markup-compatibility/2006">
-        <mc:Choice xmlns:a14="http://schemas.microsoft.com/office/drawing/2010/main" Requires="a14">
+      <mc:AlternateContent xmlns:mc="http://schemas.openxmlformats.org/markup-compatibility/2006" xmlns:a14="http://schemas.microsoft.com/office/drawing/2010/main">
+        <mc:Choice Requires="a14">
           <p:sp>
             <p:nvSpPr>
               <p:cNvPr id="19" name="Oval 18"/>
@@ -6947,7 +6948,7 @@
             </p:txBody>
           </p:sp>
         </mc:Choice>
-        <mc:Fallback>
+        <mc:Fallback xmlns="">
           <p:sp>
             <p:nvSpPr>
               <p:cNvPr id="19" name="Oval 18"/>
@@ -6991,8 +6992,8 @@
           </p:sp>
         </mc:Fallback>
       </mc:AlternateContent>
-      <mc:AlternateContent xmlns:mc="http://schemas.openxmlformats.org/markup-compatibility/2006">
-        <mc:Choice xmlns:a14="http://schemas.microsoft.com/office/drawing/2010/main" Requires="a14">
+      <mc:AlternateContent xmlns:mc="http://schemas.openxmlformats.org/markup-compatibility/2006" xmlns:a14="http://schemas.microsoft.com/office/drawing/2010/main">
+        <mc:Choice Requires="a14">
           <p:sp>
             <p:nvSpPr>
               <p:cNvPr id="26" name="Oval 25"/>
@@ -7087,7 +7088,7 @@
             </p:txBody>
           </p:sp>
         </mc:Choice>
-        <mc:Fallback>
+        <mc:Fallback xmlns="">
           <p:sp>
             <p:nvSpPr>
               <p:cNvPr id="26" name="Oval 25"/>
@@ -7169,8 +7170,8 @@
           </a:fontRef>
         </p:style>
       </p:cxnSp>
-      <mc:AlternateContent xmlns:mc="http://schemas.openxmlformats.org/markup-compatibility/2006">
-        <mc:Choice xmlns:a14="http://schemas.microsoft.com/office/drawing/2010/main" Requires="a14">
+      <mc:AlternateContent xmlns:mc="http://schemas.openxmlformats.org/markup-compatibility/2006" xmlns:a14="http://schemas.microsoft.com/office/drawing/2010/main">
+        <mc:Choice Requires="a14">
           <p:sp>
             <p:nvSpPr>
               <p:cNvPr id="28" name="Oval 27"/>
@@ -7265,7 +7266,7 @@
             </p:txBody>
           </p:sp>
         </mc:Choice>
-        <mc:Fallback>
+        <mc:Fallback xmlns="">
           <p:sp>
             <p:nvSpPr>
               <p:cNvPr id="28" name="Oval 27"/>
@@ -7309,8 +7310,8 @@
           </p:sp>
         </mc:Fallback>
       </mc:AlternateContent>
-      <mc:AlternateContent xmlns:mc="http://schemas.openxmlformats.org/markup-compatibility/2006">
-        <mc:Choice xmlns:a14="http://schemas.microsoft.com/office/drawing/2010/main" Requires="a14">
+      <mc:AlternateContent xmlns:mc="http://schemas.openxmlformats.org/markup-compatibility/2006" xmlns:a14="http://schemas.microsoft.com/office/drawing/2010/main">
+        <mc:Choice Requires="a14">
           <p:sp>
             <p:nvSpPr>
               <p:cNvPr id="30" name="TextBox 29"/>
@@ -7354,7 +7355,7 @@
             </p:txBody>
           </p:sp>
         </mc:Choice>
-        <mc:Fallback>
+        <mc:Fallback xmlns="">
           <p:sp>
             <p:nvSpPr>
               <p:cNvPr id="30" name="TextBox 29"/>
@@ -7393,8 +7394,8 @@
           </p:sp>
         </mc:Fallback>
       </mc:AlternateContent>
-      <mc:AlternateContent xmlns:mc="http://schemas.openxmlformats.org/markup-compatibility/2006">
-        <mc:Choice xmlns:a14="http://schemas.microsoft.com/office/drawing/2010/main" Requires="a14">
+      <mc:AlternateContent xmlns:mc="http://schemas.openxmlformats.org/markup-compatibility/2006" xmlns:a14="http://schemas.microsoft.com/office/drawing/2010/main">
+        <mc:Choice Requires="a14">
           <p:sp>
             <p:nvSpPr>
               <p:cNvPr id="31" name="TextBox 30"/>
@@ -7438,7 +7439,7 @@
             </p:txBody>
           </p:sp>
         </mc:Choice>
-        <mc:Fallback>
+        <mc:Fallback xmlns="">
           <p:sp>
             <p:nvSpPr>
               <p:cNvPr id="31" name="TextBox 30"/>
@@ -7477,8 +7478,8 @@
           </p:sp>
         </mc:Fallback>
       </mc:AlternateContent>
-      <mc:AlternateContent xmlns:mc="http://schemas.openxmlformats.org/markup-compatibility/2006">
-        <mc:Choice xmlns:a14="http://schemas.microsoft.com/office/drawing/2010/main" Requires="a14">
+      <mc:AlternateContent xmlns:mc="http://schemas.openxmlformats.org/markup-compatibility/2006" xmlns:a14="http://schemas.microsoft.com/office/drawing/2010/main">
+        <mc:Choice Requires="a14">
           <p:sp>
             <p:nvSpPr>
               <p:cNvPr id="32" name="TextBox 31"/>
@@ -7522,7 +7523,7 @@
             </p:txBody>
           </p:sp>
         </mc:Choice>
-        <mc:Fallback>
+        <mc:Fallback xmlns="">
           <p:sp>
             <p:nvSpPr>
               <p:cNvPr id="32" name="TextBox 31"/>
@@ -7740,6 +7741,590 @@
 </file>
 
 <file path=ppt/slides/slide3.xml><?xml version="1.0" encoding="utf-8"?>
+<p:sld xmlns:a="http://schemas.openxmlformats.org/drawingml/2006/main" xmlns:r="http://schemas.openxmlformats.org/officeDocument/2006/relationships" xmlns:p="http://schemas.openxmlformats.org/presentationml/2006/main">
+  <p:cSld>
+    <p:spTree>
+      <p:nvGrpSpPr>
+        <p:cNvPr id="1" name=""/>
+        <p:cNvGrpSpPr/>
+        <p:nvPr/>
+      </p:nvGrpSpPr>
+      <p:grpSpPr>
+        <a:xfrm>
+          <a:off x="0" y="0"/>
+          <a:ext cx="0" cy="0"/>
+          <a:chOff x="0" y="0"/>
+          <a:chExt cx="0" cy="0"/>
+        </a:xfrm>
+      </p:grpSpPr>
+      <p:grpSp>
+        <p:nvGrpSpPr>
+          <p:cNvPr id="4" name="Group 3"/>
+          <p:cNvGrpSpPr/>
+          <p:nvPr/>
+        </p:nvGrpSpPr>
+        <p:grpSpPr>
+          <a:xfrm>
+            <a:off x="3903336" y="2525023"/>
+            <a:ext cx="1068585" cy="1068585"/>
+            <a:chOff x="2513707" y="1497707"/>
+            <a:chExt cx="1068585" cy="1068585"/>
+          </a:xfrm>
+        </p:grpSpPr>
+        <p:sp>
+          <p:nvSpPr>
+            <p:cNvPr id="5" name="Oval 4"/>
+            <p:cNvSpPr/>
+            <p:nvPr/>
+          </p:nvSpPr>
+          <p:spPr>
+            <a:xfrm>
+              <a:off x="2513707" y="1497707"/>
+              <a:ext cx="1068585" cy="1068585"/>
+            </a:xfrm>
+            <a:prstGeom prst="ellipse">
+              <a:avLst/>
+            </a:prstGeom>
+            <a:noFill/>
+            <a:ln>
+              <a:solidFill>
+                <a:schemeClr val="tx1"/>
+              </a:solidFill>
+            </a:ln>
+          </p:spPr>
+          <p:style>
+            <a:lnRef idx="2">
+              <a:scrgbClr r="0" g="0" b="0"/>
+            </a:lnRef>
+            <a:fillRef idx="1">
+              <a:scrgbClr r="0" g="0" b="0"/>
+            </a:fillRef>
+            <a:effectRef idx="0">
+              <a:schemeClr val="accent1">
+                <a:hueOff val="0"/>
+                <a:satOff val="0"/>
+                <a:lumOff val="0"/>
+                <a:alphaOff val="0"/>
+              </a:schemeClr>
+            </a:effectRef>
+            <a:fontRef idx="minor">
+              <a:schemeClr val="lt1"/>
+            </a:fontRef>
+          </p:style>
+        </p:sp>
+        <p:sp>
+          <p:nvSpPr>
+            <p:cNvPr id="6" name="Oval 4"/>
+            <p:cNvSpPr/>
+            <p:nvPr/>
+          </p:nvSpPr>
+          <p:spPr>
+            <a:xfrm>
+              <a:off x="2670198" y="1654198"/>
+              <a:ext cx="755603" cy="755603"/>
+            </a:xfrm>
+            <a:prstGeom prst="rect">
+              <a:avLst/>
+            </a:prstGeom>
+          </p:spPr>
+          <p:style>
+            <a:lnRef idx="0">
+              <a:scrgbClr r="0" g="0" b="0"/>
+            </a:lnRef>
+            <a:fillRef idx="0">
+              <a:scrgbClr r="0" g="0" b="0"/>
+            </a:fillRef>
+            <a:effectRef idx="0">
+              <a:scrgbClr r="0" g="0" b="0"/>
+            </a:effectRef>
+            <a:fontRef idx="minor">
+              <a:schemeClr val="lt1"/>
+            </a:fontRef>
+          </p:style>
+          <p:txBody>
+            <a:bodyPr spcFirstLastPara="0" vert="horz" wrap="square" lIns="22860" tIns="22860" rIns="22860" bIns="22860" numCol="1" spcCol="1270" anchor="ctr" anchorCtr="0">
+              <a:noAutofit/>
+            </a:bodyPr>
+            <a:lstStyle/>
+            <a:p>
+              <a:pPr lvl="0" algn="ctr" defTabSz="800100">
+                <a:lnSpc>
+                  <a:spcPct val="90000"/>
+                </a:lnSpc>
+                <a:spcBef>
+                  <a:spcPct val="0"/>
+                </a:spcBef>
+                <a:spcAft>
+                  <a:spcPct val="35000"/>
+                </a:spcAft>
+              </a:pPr>
+              <a:r>
+                <a:rPr lang="en-US" sz="1800" kern="1200" dirty="0" smtClean="0">
+                  <a:solidFill>
+                    <a:schemeClr val="tx1"/>
+                  </a:solidFill>
+                </a:rPr>
+                <a:t>Web Service</a:t>
+              </a:r>
+              <a:endParaRPr lang="en-US" sz="1800" kern="1200" dirty="0">
+                <a:solidFill>
+                  <a:schemeClr val="tx1"/>
+                </a:solidFill>
+              </a:endParaRPr>
+            </a:p>
+          </p:txBody>
+        </p:sp>
+      </p:grpSp>
+      <p:grpSp>
+        <p:nvGrpSpPr>
+          <p:cNvPr id="7" name="Group 6"/>
+          <p:cNvGrpSpPr/>
+          <p:nvPr/>
+        </p:nvGrpSpPr>
+        <p:grpSpPr>
+          <a:xfrm>
+            <a:off x="5065835" y="2877656"/>
+            <a:ext cx="946325" cy="363319"/>
+            <a:chOff x="3676206" y="1850340"/>
+            <a:chExt cx="226245" cy="363319"/>
+          </a:xfrm>
+        </p:grpSpPr>
+        <p:sp>
+          <p:nvSpPr>
+            <p:cNvPr id="8" name="Right Arrow 7"/>
+            <p:cNvSpPr/>
+            <p:nvPr/>
+          </p:nvSpPr>
+          <p:spPr>
+            <a:xfrm>
+              <a:off x="3676206" y="1850340"/>
+              <a:ext cx="226245" cy="363319"/>
+            </a:xfrm>
+            <a:prstGeom prst="rightArrow">
+              <a:avLst>
+                <a:gd name="adj1" fmla="val 60000"/>
+                <a:gd name="adj2" fmla="val 50000"/>
+              </a:avLst>
+            </a:prstGeom>
+          </p:spPr>
+          <p:style>
+            <a:lnRef idx="0">
+              <a:schemeClr val="accent1">
+                <a:tint val="60000"/>
+                <a:hueOff val="0"/>
+                <a:satOff val="0"/>
+                <a:lumOff val="0"/>
+                <a:alphaOff val="0"/>
+              </a:schemeClr>
+            </a:lnRef>
+            <a:fillRef idx="1">
+              <a:schemeClr val="accent1">
+                <a:tint val="60000"/>
+                <a:hueOff val="0"/>
+                <a:satOff val="0"/>
+                <a:lumOff val="0"/>
+                <a:alphaOff val="0"/>
+              </a:schemeClr>
+            </a:fillRef>
+            <a:effectRef idx="0">
+              <a:schemeClr val="accent1">
+                <a:tint val="60000"/>
+                <a:hueOff val="0"/>
+                <a:satOff val="0"/>
+                <a:lumOff val="0"/>
+                <a:alphaOff val="0"/>
+              </a:schemeClr>
+            </a:effectRef>
+            <a:fontRef idx="minor">
+              <a:schemeClr val="lt1"/>
+            </a:fontRef>
+          </p:style>
+        </p:sp>
+        <p:sp>
+          <p:nvSpPr>
+            <p:cNvPr id="9" name="Right Arrow 8"/>
+            <p:cNvSpPr/>
+            <p:nvPr/>
+          </p:nvSpPr>
+          <p:spPr>
+            <a:xfrm>
+              <a:off x="3676206" y="1923004"/>
+              <a:ext cx="158372" cy="217991"/>
+            </a:xfrm>
+            <a:prstGeom prst="rect">
+              <a:avLst/>
+            </a:prstGeom>
+          </p:spPr>
+          <p:style>
+            <a:lnRef idx="0">
+              <a:scrgbClr r="0" g="0" b="0"/>
+            </a:lnRef>
+            <a:fillRef idx="0">
+              <a:scrgbClr r="0" g="0" b="0"/>
+            </a:fillRef>
+            <a:effectRef idx="0">
+              <a:scrgbClr r="0" g="0" b="0"/>
+            </a:effectRef>
+            <a:fontRef idx="minor">
+              <a:schemeClr val="lt1"/>
+            </a:fontRef>
+          </p:style>
+          <p:txBody>
+            <a:bodyPr spcFirstLastPara="0" vert="horz" wrap="square" lIns="0" tIns="0" rIns="0" bIns="0" numCol="1" spcCol="1270" anchor="ctr" anchorCtr="0">
+              <a:noAutofit/>
+            </a:bodyPr>
+            <a:lstStyle/>
+            <a:p>
+              <a:pPr lvl="0" algn="ctr" defTabSz="666750">
+                <a:lnSpc>
+                  <a:spcPct val="90000"/>
+                </a:lnSpc>
+                <a:spcBef>
+                  <a:spcPct val="0"/>
+                </a:spcBef>
+                <a:spcAft>
+                  <a:spcPct val="35000"/>
+                </a:spcAft>
+              </a:pPr>
+              <a:endParaRPr lang="en-US" sz="1500" kern="1200"/>
+            </a:p>
+          </p:txBody>
+        </p:sp>
+      </p:grpSp>
+      <p:grpSp>
+        <p:nvGrpSpPr>
+          <p:cNvPr id="10" name="Group 9"/>
+          <p:cNvGrpSpPr/>
+          <p:nvPr/>
+        </p:nvGrpSpPr>
+        <p:grpSpPr>
+          <a:xfrm>
+            <a:off x="2909031" y="2877656"/>
+            <a:ext cx="942889" cy="363319"/>
+            <a:chOff x="3676206" y="1850340"/>
+            <a:chExt cx="226245" cy="363319"/>
+          </a:xfrm>
+        </p:grpSpPr>
+        <p:sp>
+          <p:nvSpPr>
+            <p:cNvPr id="11" name="Right Arrow 10"/>
+            <p:cNvSpPr/>
+            <p:nvPr/>
+          </p:nvSpPr>
+          <p:spPr>
+            <a:xfrm>
+              <a:off x="3676206" y="1850340"/>
+              <a:ext cx="226245" cy="363319"/>
+            </a:xfrm>
+            <a:prstGeom prst="rightArrow">
+              <a:avLst>
+                <a:gd name="adj1" fmla="val 60000"/>
+                <a:gd name="adj2" fmla="val 50000"/>
+              </a:avLst>
+            </a:prstGeom>
+          </p:spPr>
+          <p:style>
+            <a:lnRef idx="0">
+              <a:schemeClr val="accent1">
+                <a:tint val="60000"/>
+                <a:hueOff val="0"/>
+                <a:satOff val="0"/>
+                <a:lumOff val="0"/>
+                <a:alphaOff val="0"/>
+              </a:schemeClr>
+            </a:lnRef>
+            <a:fillRef idx="1">
+              <a:schemeClr val="accent1">
+                <a:tint val="60000"/>
+                <a:hueOff val="0"/>
+                <a:satOff val="0"/>
+                <a:lumOff val="0"/>
+                <a:alphaOff val="0"/>
+              </a:schemeClr>
+            </a:fillRef>
+            <a:effectRef idx="0">
+              <a:schemeClr val="accent1">
+                <a:tint val="60000"/>
+                <a:hueOff val="0"/>
+                <a:satOff val="0"/>
+                <a:lumOff val="0"/>
+                <a:alphaOff val="0"/>
+              </a:schemeClr>
+            </a:effectRef>
+            <a:fontRef idx="minor">
+              <a:schemeClr val="lt1"/>
+            </a:fontRef>
+          </p:style>
+        </p:sp>
+        <p:sp>
+          <p:nvSpPr>
+            <p:cNvPr id="12" name="Right Arrow 8"/>
+            <p:cNvSpPr/>
+            <p:nvPr/>
+          </p:nvSpPr>
+          <p:spPr>
+            <a:xfrm>
+              <a:off x="3676206" y="1923004"/>
+              <a:ext cx="158372" cy="217991"/>
+            </a:xfrm>
+            <a:prstGeom prst="rect">
+              <a:avLst/>
+            </a:prstGeom>
+          </p:spPr>
+          <p:style>
+            <a:lnRef idx="0">
+              <a:scrgbClr r="0" g="0" b="0"/>
+            </a:lnRef>
+            <a:fillRef idx="0">
+              <a:scrgbClr r="0" g="0" b="0"/>
+            </a:fillRef>
+            <a:effectRef idx="0">
+              <a:scrgbClr r="0" g="0" b="0"/>
+            </a:effectRef>
+            <a:fontRef idx="minor">
+              <a:schemeClr val="lt1"/>
+            </a:fontRef>
+          </p:style>
+          <p:txBody>
+            <a:bodyPr spcFirstLastPara="0" vert="horz" wrap="square" lIns="0" tIns="0" rIns="0" bIns="0" numCol="1" spcCol="1270" anchor="ctr" anchorCtr="0">
+              <a:noAutofit/>
+            </a:bodyPr>
+            <a:lstStyle/>
+            <a:p>
+              <a:pPr lvl="0" algn="ctr" defTabSz="666750">
+                <a:lnSpc>
+                  <a:spcPct val="90000"/>
+                </a:lnSpc>
+                <a:spcBef>
+                  <a:spcPct val="0"/>
+                </a:spcBef>
+                <a:spcAft>
+                  <a:spcPct val="35000"/>
+                </a:spcAft>
+              </a:pPr>
+              <a:endParaRPr lang="en-US" sz="1500" kern="1200"/>
+            </a:p>
+          </p:txBody>
+        </p:sp>
+      </p:grpSp>
+      <mc:AlternateContent xmlns:mc="http://schemas.openxmlformats.org/markup-compatibility/2006">
+        <mc:Choice xmlns:a14="http://schemas.microsoft.com/office/drawing/2010/main" Requires="a14">
+          <p:sp>
+            <p:nvSpPr>
+              <p:cNvPr id="16" name="TextBox 15"/>
+              <p:cNvSpPr txBox="1"/>
+              <p:nvPr/>
+            </p:nvSpPr>
+            <p:spPr>
+              <a:xfrm>
+                <a:off x="2901571" y="2580988"/>
+                <a:ext cx="845273" cy="369332"/>
+              </a:xfrm>
+              <a:prstGeom prst="rect">
+                <a:avLst/>
+              </a:prstGeom>
+              <a:noFill/>
+            </p:spPr>
+            <p:txBody>
+              <a:bodyPr wrap="square" rtlCol="0">
+                <a:spAutoFit/>
+              </a:bodyPr>
+              <a:lstStyle/>
+              <a:p>
+                <a:pPr/>
+                <a14:m>
+                  <m:oMathPara xmlns:m="http://schemas.openxmlformats.org/officeDocument/2006/math">
+                    <m:oMathParaPr>
+                      <m:jc m:val="centerGroup"/>
+                    </m:oMathParaPr>
+                    <m:oMath xmlns:m="http://schemas.openxmlformats.org/officeDocument/2006/math">
+                      <m:r>
+                        <a:rPr lang="en-AU" b="0" i="1" smtClean="0">
+                          <a:latin typeface="Cambria Math" charset="0"/>
+                          <a:ea typeface="Cambria Math" charset="0"/>
+                          <a:cs typeface="Cambria Math" charset="0"/>
+                        </a:rPr>
+                        <m:t>𝐼</m:t>
+                      </m:r>
+                      <m:r>
+                        <a:rPr lang="en-AU" b="0" i="1" smtClean="0">
+                          <a:latin typeface="Cambria Math" charset="0"/>
+                          <a:ea typeface="Cambria Math" charset="0"/>
+                          <a:cs typeface="Cambria Math" charset="0"/>
+                        </a:rPr>
+                        <m:t>, </m:t>
+                      </m:r>
+                      <m:r>
+                        <a:rPr lang="en-US" i="1">
+                          <a:latin typeface="Cambria Math" charset="0"/>
+                          <a:ea typeface="Cambria Math" charset="0"/>
+                          <a:cs typeface="Cambria Math" charset="0"/>
+                        </a:rPr>
+                        <m:t>𝜙</m:t>
+                      </m:r>
+                    </m:oMath>
+                  </m:oMathPara>
+                </a14:m>
+                <a:endParaRPr lang="en-US" dirty="0"/>
+              </a:p>
+            </p:txBody>
+          </p:sp>
+        </mc:Choice>
+        <mc:Fallback>
+          <p:sp>
+            <p:nvSpPr>
+              <p:cNvPr id="16" name="TextBox 15"/>
+              <p:cNvSpPr txBox="1">
+                <a:spLocks noRot="1" noChangeAspect="1" noMove="1" noResize="1" noEditPoints="1" noAdjustHandles="1" noChangeArrowheads="1" noChangeShapeType="1" noTextEdit="1"/>
+              </p:cNvSpPr>
+              <p:nvPr/>
+            </p:nvSpPr>
+            <p:spPr>
+              <a:xfrm>
+                <a:off x="2901571" y="2580988"/>
+                <a:ext cx="845273" cy="369332"/>
+              </a:xfrm>
+              <a:prstGeom prst="rect">
+                <a:avLst/>
+              </a:prstGeom>
+              <a:blipFill rotWithShape="0">
+                <a:blip r:embed="rId2"/>
+                <a:stretch>
+                  <a:fillRect b="-11475"/>
+                </a:stretch>
+              </a:blipFill>
+            </p:spPr>
+            <p:txBody>
+              <a:bodyPr/>
+              <a:lstStyle/>
+              <a:p>
+                <a:r>
+                  <a:rPr lang="en-US">
+                    <a:noFill/>
+                  </a:rPr>
+                  <a:t> </a:t>
+                </a:r>
+              </a:p>
+            </p:txBody>
+          </p:sp>
+        </mc:Fallback>
+      </mc:AlternateContent>
+      <mc:AlternateContent xmlns:mc="http://schemas.openxmlformats.org/markup-compatibility/2006">
+        <mc:Choice xmlns:a14="http://schemas.microsoft.com/office/drawing/2010/main" Requires="a14">
+          <p:sp>
+            <p:nvSpPr>
+              <p:cNvPr id="17" name="TextBox 16"/>
+              <p:cNvSpPr txBox="1"/>
+              <p:nvPr/>
+            </p:nvSpPr>
+            <p:spPr>
+              <a:xfrm>
+                <a:off x="5128412" y="2580988"/>
+                <a:ext cx="576064" cy="369332"/>
+              </a:xfrm>
+              <a:prstGeom prst="rect">
+                <a:avLst/>
+              </a:prstGeom>
+              <a:noFill/>
+            </p:spPr>
+            <p:txBody>
+              <a:bodyPr wrap="square" rtlCol="0">
+                <a:spAutoFit/>
+              </a:bodyPr>
+              <a:lstStyle/>
+              <a:p>
+                <a:pPr/>
+                <a14:m>
+                  <m:oMathPara xmlns:m="http://schemas.openxmlformats.org/officeDocument/2006/math">
+                    <m:oMathParaPr>
+                      <m:jc m:val="centerGroup"/>
+                    </m:oMathParaPr>
+                    <m:oMath xmlns:m="http://schemas.openxmlformats.org/officeDocument/2006/math">
+                      <m:r>
+                        <a:rPr lang="en-AU" b="0" i="1" smtClean="0">
+                          <a:latin typeface="Cambria Math" charset="0"/>
+                          <a:ea typeface="Cambria Math" charset="0"/>
+                          <a:cs typeface="Cambria Math" charset="0"/>
+                        </a:rPr>
+                        <m:t>𝑂</m:t>
+                      </m:r>
+                      <m:r>
+                        <a:rPr lang="en-AU" b="0" i="1" smtClean="0">
+                          <a:latin typeface="Cambria Math" charset="0"/>
+                          <a:ea typeface="Cambria Math" charset="0"/>
+                          <a:cs typeface="Cambria Math" charset="0"/>
+                        </a:rPr>
+                        <m:t>, </m:t>
+                      </m:r>
+                      <m:r>
+                        <a:rPr lang="en-US" i="1" smtClean="0">
+                          <a:latin typeface="Cambria Math" charset="0"/>
+                          <a:ea typeface="Cambria Math" charset="0"/>
+                          <a:cs typeface="Cambria Math" charset="0"/>
+                        </a:rPr>
+                        <m:t>𝜓</m:t>
+                      </m:r>
+                    </m:oMath>
+                  </m:oMathPara>
+                </a14:m>
+                <a:endParaRPr lang="en-US" dirty="0"/>
+              </a:p>
+            </p:txBody>
+          </p:sp>
+        </mc:Choice>
+        <mc:Fallback>
+          <p:sp>
+            <p:nvSpPr>
+              <p:cNvPr id="17" name="TextBox 16"/>
+              <p:cNvSpPr txBox="1">
+                <a:spLocks noRot="1" noChangeAspect="1" noMove="1" noResize="1" noEditPoints="1" noAdjustHandles="1" noChangeArrowheads="1" noChangeShapeType="1" noTextEdit="1"/>
+              </p:cNvSpPr>
+              <p:nvPr/>
+            </p:nvSpPr>
+            <p:spPr>
+              <a:xfrm>
+                <a:off x="5128412" y="2580988"/>
+                <a:ext cx="576064" cy="369332"/>
+              </a:xfrm>
+              <a:prstGeom prst="rect">
+                <a:avLst/>
+              </a:prstGeom>
+              <a:blipFill rotWithShape="0">
+                <a:blip r:embed="rId3"/>
+                <a:stretch>
+                  <a:fillRect r="-5263" b="-11475"/>
+                </a:stretch>
+              </a:blipFill>
+            </p:spPr>
+            <p:txBody>
+              <a:bodyPr/>
+              <a:lstStyle/>
+              <a:p>
+                <a:r>
+                  <a:rPr lang="en-US">
+                    <a:noFill/>
+                  </a:rPr>
+                  <a:t> </a:t>
+                </a:r>
+              </a:p>
+            </p:txBody>
+          </p:sp>
+        </mc:Fallback>
+      </mc:AlternateContent>
+    </p:spTree>
+    <p:extLst>
+      <p:ext uri="{BB962C8B-B14F-4D97-AF65-F5344CB8AC3E}">
+        <p14:creationId xmlns:p14="http://schemas.microsoft.com/office/powerpoint/2010/main" val="397106506"/>
+      </p:ext>
+    </p:extLst>
+  </p:cSld>
+  <p:clrMapOvr>
+    <a:masterClrMapping/>
+  </p:clrMapOvr>
+</p:sld>
+</file>
+
+<file path=ppt/slides/slide4.xml><?xml version="1.0" encoding="utf-8"?>
 <p:sld xmlns:a="http://schemas.openxmlformats.org/drawingml/2006/main" xmlns:r="http://schemas.openxmlformats.org/officeDocument/2006/relationships" xmlns:p="http://schemas.openxmlformats.org/presentationml/2006/main">
   <p:cSld>
     <p:spTree>

--- a/FiguresPaper.pptx
+++ b/FiguresPaper.pptx
@@ -5335,8 +5335,8 @@
           <a:chExt cx="0" cy="0"/>
         </a:xfrm>
       </p:grpSpPr>
-      <mc:AlternateContent xmlns:mc="http://schemas.openxmlformats.org/markup-compatibility/2006" xmlns:a14="http://schemas.microsoft.com/office/drawing/2010/main">
-        <mc:Choice Requires="a14">
+      <mc:AlternateContent xmlns:mc="http://schemas.openxmlformats.org/markup-compatibility/2006">
+        <mc:Choice xmlns:a14="http://schemas.microsoft.com/office/drawing/2010/main" Requires="a14">
           <p:sp>
             <p:nvSpPr>
               <p:cNvPr id="4" name="Oval 3"/>
@@ -5345,7 +5345,7 @@
             </p:nvSpPr>
             <p:spPr>
               <a:xfrm>
-                <a:off x="2051720" y="1565176"/>
+                <a:off x="2051720" y="1916832"/>
                 <a:ext cx="792088" cy="792088"/>
               </a:xfrm>
               <a:prstGeom prst="ellipse">
@@ -5431,7 +5431,7 @@
             </p:txBody>
           </p:sp>
         </mc:Choice>
-        <mc:Fallback xmlns="">
+        <mc:Fallback>
           <p:sp>
             <p:nvSpPr>
               <p:cNvPr id="4" name="Oval 3"/>
@@ -5442,7 +5442,7 @@
             </p:nvSpPr>
             <p:spPr>
               <a:xfrm>
-                <a:off x="2051720" y="1565176"/>
+                <a:off x="2051720" y="1916832"/>
                 <a:ext cx="792088" cy="792088"/>
               </a:xfrm>
               <a:prstGeom prst="ellipse">
@@ -5475,8 +5475,8 @@
           </p:sp>
         </mc:Fallback>
       </mc:AlternateContent>
-      <mc:AlternateContent xmlns:mc="http://schemas.openxmlformats.org/markup-compatibility/2006" xmlns:a14="http://schemas.microsoft.com/office/drawing/2010/main">
-        <mc:Choice Requires="a14">
+      <mc:AlternateContent xmlns:mc="http://schemas.openxmlformats.org/markup-compatibility/2006">
+        <mc:Choice xmlns:a14="http://schemas.microsoft.com/office/drawing/2010/main" Requires="a14">
           <p:sp>
             <p:nvSpPr>
               <p:cNvPr id="6" name="Oval 5"/>
@@ -5485,7 +5485,7 @@
             </p:nvSpPr>
             <p:spPr>
               <a:xfrm>
-                <a:off x="331912" y="1565176"/>
+                <a:off x="331912" y="1916832"/>
                 <a:ext cx="792088" cy="792088"/>
               </a:xfrm>
               <a:prstGeom prst="ellipse">
@@ -5571,7 +5571,7 @@
             </p:txBody>
           </p:sp>
         </mc:Choice>
-        <mc:Fallback xmlns="">
+        <mc:Fallback>
           <p:sp>
             <p:nvSpPr>
               <p:cNvPr id="6" name="Oval 5"/>
@@ -5582,7 +5582,7 @@
             </p:nvSpPr>
             <p:spPr>
               <a:xfrm>
-                <a:off x="331912" y="1565176"/>
+                <a:off x="331912" y="1916832"/>
                 <a:ext cx="792088" cy="792088"/>
               </a:xfrm>
               <a:prstGeom prst="ellipse">
@@ -5626,7 +5626,7 @@
         </p:nvCxnSpPr>
         <p:spPr>
           <a:xfrm>
-            <a:off x="1124000" y="1961220"/>
+            <a:off x="1124000" y="2312876"/>
             <a:ext cx="927720" cy="0"/>
           </a:xfrm>
           <a:prstGeom prst="straightConnector1">
@@ -5654,8 +5654,8 @@
           </a:fontRef>
         </p:style>
       </p:cxnSp>
-      <mc:AlternateContent xmlns:mc="http://schemas.openxmlformats.org/markup-compatibility/2006" xmlns:a14="http://schemas.microsoft.com/office/drawing/2010/main">
-        <mc:Choice Requires="a14">
+      <mc:AlternateContent xmlns:mc="http://schemas.openxmlformats.org/markup-compatibility/2006">
+        <mc:Choice xmlns:a14="http://schemas.microsoft.com/office/drawing/2010/main" Requires="a14">
           <p:sp>
             <p:nvSpPr>
               <p:cNvPr id="9" name="Oval 8"/>
@@ -5664,7 +5664,7 @@
             </p:nvSpPr>
             <p:spPr>
               <a:xfrm>
-                <a:off x="3771528" y="1551180"/>
+                <a:off x="3771528" y="1902836"/>
                 <a:ext cx="792088" cy="792088"/>
               </a:xfrm>
               <a:prstGeom prst="ellipse">
@@ -5750,7 +5750,7 @@
             </p:txBody>
           </p:sp>
         </mc:Choice>
-        <mc:Fallback xmlns="">
+        <mc:Fallback>
           <p:sp>
             <p:nvSpPr>
               <p:cNvPr id="9" name="Oval 8"/>
@@ -5761,7 +5761,7 @@
             </p:nvSpPr>
             <p:spPr>
               <a:xfrm>
-                <a:off x="3771528" y="1551180"/>
+                <a:off x="3771528" y="1902836"/>
                 <a:ext cx="792088" cy="792088"/>
               </a:xfrm>
               <a:prstGeom prst="ellipse">
@@ -5794,8 +5794,8 @@
           </p:sp>
         </mc:Fallback>
       </mc:AlternateContent>
-      <mc:AlternateContent xmlns:mc="http://schemas.openxmlformats.org/markup-compatibility/2006" xmlns:a14="http://schemas.microsoft.com/office/drawing/2010/main">
-        <mc:Choice Requires="a14">
+      <mc:AlternateContent xmlns:mc="http://schemas.openxmlformats.org/markup-compatibility/2006">
+        <mc:Choice xmlns:a14="http://schemas.microsoft.com/office/drawing/2010/main" Requires="a14">
           <p:sp>
             <p:nvSpPr>
               <p:cNvPr id="11" name="Oval 10"/>
@@ -5804,7 +5804,7 @@
             </p:nvSpPr>
             <p:spPr>
               <a:xfrm>
-                <a:off x="7211144" y="1565176"/>
+                <a:off x="7211144" y="1916832"/>
                 <a:ext cx="792088" cy="792088"/>
               </a:xfrm>
               <a:prstGeom prst="ellipse">
@@ -5890,7 +5890,7 @@
             </p:txBody>
           </p:sp>
         </mc:Choice>
-        <mc:Fallback xmlns="">
+        <mc:Fallback>
           <p:sp>
             <p:nvSpPr>
               <p:cNvPr id="11" name="Oval 10"/>
@@ -5901,7 +5901,7 @@
             </p:nvSpPr>
             <p:spPr>
               <a:xfrm>
-                <a:off x="7211144" y="1565176"/>
+                <a:off x="7211144" y="1916832"/>
                 <a:ext cx="792088" cy="792088"/>
               </a:xfrm>
               <a:prstGeom prst="ellipse">
@@ -5934,8 +5934,8 @@
           </p:sp>
         </mc:Fallback>
       </mc:AlternateContent>
-      <mc:AlternateContent xmlns:mc="http://schemas.openxmlformats.org/markup-compatibility/2006" xmlns:a14="http://schemas.microsoft.com/office/drawing/2010/main">
-        <mc:Choice Requires="a14">
+      <mc:AlternateContent xmlns:mc="http://schemas.openxmlformats.org/markup-compatibility/2006">
+        <mc:Choice xmlns:a14="http://schemas.microsoft.com/office/drawing/2010/main" Requires="a14">
           <p:sp>
             <p:nvSpPr>
               <p:cNvPr id="12" name="Oval 11"/>
@@ -5944,7 +5944,7 @@
             </p:nvSpPr>
             <p:spPr>
               <a:xfrm>
-                <a:off x="8930952" y="1565176"/>
+                <a:off x="8930952" y="1916832"/>
                 <a:ext cx="792088" cy="792088"/>
               </a:xfrm>
               <a:prstGeom prst="ellipse">
@@ -6030,7 +6030,7 @@
             </p:txBody>
           </p:sp>
         </mc:Choice>
-        <mc:Fallback xmlns="">
+        <mc:Fallback>
           <p:sp>
             <p:nvSpPr>
               <p:cNvPr id="12" name="Oval 11"/>
@@ -6041,7 +6041,7 @@
             </p:nvSpPr>
             <p:spPr>
               <a:xfrm>
-                <a:off x="8930952" y="1565176"/>
+                <a:off x="8930952" y="1916832"/>
                 <a:ext cx="792088" cy="792088"/>
               </a:xfrm>
               <a:prstGeom prst="ellipse">
@@ -6085,7 +6085,7 @@
         </p:nvCxnSpPr>
         <p:spPr>
           <a:xfrm flipV="1">
-            <a:off x="2843808" y="1947224"/>
+            <a:off x="2843808" y="2298880"/>
             <a:ext cx="927720" cy="13996"/>
           </a:xfrm>
           <a:prstGeom prst="straightConnector1">
@@ -6123,7 +6123,7 @@
         </p:nvCxnSpPr>
         <p:spPr>
           <a:xfrm>
-            <a:off x="4563616" y="1947224"/>
+            <a:off x="4563616" y="2298880"/>
             <a:ext cx="927720" cy="13996"/>
           </a:xfrm>
           <a:prstGeom prst="straightConnector1">
@@ -6161,7 +6161,7 @@
         </p:nvCxnSpPr>
         <p:spPr>
           <a:xfrm>
-            <a:off x="6283424" y="1961220"/>
+            <a:off x="6283424" y="2312876"/>
             <a:ext cx="927720" cy="0"/>
           </a:xfrm>
           <a:prstGeom prst="straightConnector1">
@@ -6200,7 +6200,7 @@
         </p:nvCxnSpPr>
         <p:spPr>
           <a:xfrm>
-            <a:off x="8003232" y="1961220"/>
+            <a:off x="8003232" y="2312876"/>
             <a:ext cx="927720" cy="0"/>
           </a:xfrm>
           <a:prstGeom prst="straightConnector1">
@@ -6228,8 +6228,8 @@
           </a:fontRef>
         </p:style>
       </p:cxnSp>
-      <mc:AlternateContent xmlns:mc="http://schemas.openxmlformats.org/markup-compatibility/2006" xmlns:a14="http://schemas.microsoft.com/office/drawing/2010/main">
-        <mc:Choice Requires="a14">
+      <mc:AlternateContent xmlns:mc="http://schemas.openxmlformats.org/markup-compatibility/2006">
+        <mc:Choice xmlns:a14="http://schemas.microsoft.com/office/drawing/2010/main" Requires="a14">
           <p:sp>
             <p:nvSpPr>
               <p:cNvPr id="21" name="TextBox 20"/>
@@ -6238,7 +6238,7 @@
             </p:nvSpPr>
             <p:spPr>
               <a:xfrm>
-                <a:off x="1286170" y="1619508"/>
+                <a:off x="1286170" y="1971164"/>
                 <a:ext cx="576064" cy="369332"/>
               </a:xfrm>
               <a:prstGeom prst="rect">
@@ -6273,7 +6273,7 @@
             </p:txBody>
           </p:sp>
         </mc:Choice>
-        <mc:Fallback xmlns="">
+        <mc:Fallback>
           <p:sp>
             <p:nvSpPr>
               <p:cNvPr id="21" name="TextBox 20"/>
@@ -6284,7 +6284,7 @@
             </p:nvSpPr>
             <p:spPr>
               <a:xfrm>
-                <a:off x="1286170" y="1619508"/>
+                <a:off x="1286170" y="1971164"/>
                 <a:ext cx="576064" cy="369332"/>
               </a:xfrm>
               <a:prstGeom prst="rect">
@@ -6312,8 +6312,8 @@
           </p:sp>
         </mc:Fallback>
       </mc:AlternateContent>
-      <mc:AlternateContent xmlns:mc="http://schemas.openxmlformats.org/markup-compatibility/2006" xmlns:a14="http://schemas.microsoft.com/office/drawing/2010/main">
-        <mc:Choice Requires="a14">
+      <mc:AlternateContent xmlns:mc="http://schemas.openxmlformats.org/markup-compatibility/2006">
+        <mc:Choice xmlns:a14="http://schemas.microsoft.com/office/drawing/2010/main" Requires="a14">
           <p:sp>
             <p:nvSpPr>
               <p:cNvPr id="22" name="TextBox 21"/>
@@ -6322,7 +6322,7 @@
             </p:nvSpPr>
             <p:spPr>
               <a:xfrm>
-                <a:off x="2987824" y="1551180"/>
+                <a:off x="2987824" y="1902836"/>
                 <a:ext cx="576064" cy="369332"/>
               </a:xfrm>
               <a:prstGeom prst="rect">
@@ -6413,7 +6413,7 @@
             </p:txBody>
           </p:sp>
         </mc:Choice>
-        <mc:Fallback xmlns="">
+        <mc:Fallback>
           <p:sp>
             <p:nvSpPr>
               <p:cNvPr id="22" name="TextBox 21"/>
@@ -6424,7 +6424,7 @@
             </p:nvSpPr>
             <p:spPr>
               <a:xfrm>
-                <a:off x="2987824" y="1551180"/>
+                <a:off x="2987824" y="1902836"/>
                 <a:ext cx="576064" cy="369332"/>
               </a:xfrm>
               <a:prstGeom prst="rect">
@@ -6452,8 +6452,8 @@
           </p:sp>
         </mc:Fallback>
       </mc:AlternateContent>
-      <mc:AlternateContent xmlns:mc="http://schemas.openxmlformats.org/markup-compatibility/2006" xmlns:a14="http://schemas.microsoft.com/office/drawing/2010/main">
-        <mc:Choice Requires="a14">
+      <mc:AlternateContent xmlns:mc="http://schemas.openxmlformats.org/markup-compatibility/2006">
+        <mc:Choice xmlns:a14="http://schemas.microsoft.com/office/drawing/2010/main" Requires="a14">
           <p:sp>
             <p:nvSpPr>
               <p:cNvPr id="23" name="TextBox 22"/>
@@ -6462,7 +6462,7 @@
             </p:nvSpPr>
             <p:spPr>
               <a:xfrm>
-                <a:off x="4644008" y="1556792"/>
+                <a:off x="4644008" y="1908448"/>
                 <a:ext cx="576064" cy="369332"/>
               </a:xfrm>
               <a:prstGeom prst="rect">
@@ -6553,7 +6553,7 @@
             </p:txBody>
           </p:sp>
         </mc:Choice>
-        <mc:Fallback xmlns="">
+        <mc:Fallback>
           <p:sp>
             <p:nvSpPr>
               <p:cNvPr id="23" name="TextBox 22"/>
@@ -6564,7 +6564,7 @@
             </p:nvSpPr>
             <p:spPr>
               <a:xfrm>
-                <a:off x="4644008" y="1556792"/>
+                <a:off x="4644008" y="1908448"/>
                 <a:ext cx="576064" cy="369332"/>
               </a:xfrm>
               <a:prstGeom prst="rect">
@@ -6592,8 +6592,8 @@
           </p:sp>
         </mc:Fallback>
       </mc:AlternateContent>
-      <mc:AlternateContent xmlns:mc="http://schemas.openxmlformats.org/markup-compatibility/2006" xmlns:a14="http://schemas.microsoft.com/office/drawing/2010/main">
-        <mc:Choice Requires="a14">
+      <mc:AlternateContent xmlns:mc="http://schemas.openxmlformats.org/markup-compatibility/2006">
+        <mc:Choice xmlns:a14="http://schemas.microsoft.com/office/drawing/2010/main" Requires="a14">
           <p:sp>
             <p:nvSpPr>
               <p:cNvPr id="24" name="TextBox 23"/>
@@ -6602,7 +6602,7 @@
             </p:nvSpPr>
             <p:spPr>
               <a:xfrm>
-                <a:off x="6372200" y="1556792"/>
+                <a:off x="6372200" y="1908448"/>
                 <a:ext cx="576064" cy="369332"/>
               </a:xfrm>
               <a:prstGeom prst="rect">
@@ -6693,7 +6693,7 @@
             </p:txBody>
           </p:sp>
         </mc:Choice>
-        <mc:Fallback xmlns="">
+        <mc:Fallback>
           <p:sp>
             <p:nvSpPr>
               <p:cNvPr id="24" name="TextBox 23"/>
@@ -6704,7 +6704,7 @@
             </p:nvSpPr>
             <p:spPr>
               <a:xfrm>
-                <a:off x="6372200" y="1556792"/>
+                <a:off x="6372200" y="1908448"/>
                 <a:ext cx="576064" cy="369332"/>
               </a:xfrm>
               <a:prstGeom prst="rect">
@@ -6732,8 +6732,8 @@
           </p:sp>
         </mc:Fallback>
       </mc:AlternateContent>
-      <mc:AlternateContent xmlns:mc="http://schemas.openxmlformats.org/markup-compatibility/2006" xmlns:a14="http://schemas.microsoft.com/office/drawing/2010/main">
-        <mc:Choice Requires="a14">
+      <mc:AlternateContent xmlns:mc="http://schemas.openxmlformats.org/markup-compatibility/2006">
+        <mc:Choice xmlns:a14="http://schemas.microsoft.com/office/drawing/2010/main" Requires="a14">
           <p:sp>
             <p:nvSpPr>
               <p:cNvPr id="25" name="TextBox 24"/>
@@ -6742,7 +6742,7 @@
             </p:nvSpPr>
             <p:spPr>
               <a:xfrm>
-                <a:off x="8244408" y="1619508"/>
+                <a:off x="8244408" y="1971164"/>
                 <a:ext cx="576064" cy="369332"/>
               </a:xfrm>
               <a:prstGeom prst="rect">
@@ -6777,7 +6777,7 @@
             </p:txBody>
           </p:sp>
         </mc:Choice>
-        <mc:Fallback xmlns="">
+        <mc:Fallback>
           <p:sp>
             <p:nvSpPr>
               <p:cNvPr id="25" name="TextBox 24"/>
@@ -6788,7 +6788,7 @@
             </p:nvSpPr>
             <p:spPr>
               <a:xfrm>
-                <a:off x="8244408" y="1619508"/>
+                <a:off x="8244408" y="1971164"/>
                 <a:ext cx="576064" cy="369332"/>
               </a:xfrm>
               <a:prstGeom prst="rect">
@@ -6824,7 +6824,7 @@
         </p:nvCxnSpPr>
         <p:spPr>
           <a:xfrm>
-            <a:off x="5815595" y="1961220"/>
+            <a:off x="5815595" y="2312876"/>
             <a:ext cx="259742" cy="0"/>
           </a:xfrm>
           <a:prstGeom prst="line">
@@ -6852,8 +6852,8 @@
           </a:fontRef>
         </p:style>
       </p:cxnSp>
-      <mc:AlternateContent xmlns:mc="http://schemas.openxmlformats.org/markup-compatibility/2006" xmlns:a14="http://schemas.microsoft.com/office/drawing/2010/main">
-        <mc:Choice Requires="a14">
+      <mc:AlternateContent xmlns:mc="http://schemas.openxmlformats.org/markup-compatibility/2006">
+        <mc:Choice xmlns:a14="http://schemas.microsoft.com/office/drawing/2010/main" Requires="a14">
           <p:sp>
             <p:nvSpPr>
               <p:cNvPr id="19" name="Oval 18"/>
@@ -6948,7 +6948,7 @@
             </p:txBody>
           </p:sp>
         </mc:Choice>
-        <mc:Fallback xmlns="">
+        <mc:Fallback>
           <p:sp>
             <p:nvSpPr>
               <p:cNvPr id="19" name="Oval 18"/>
@@ -6992,8 +6992,8 @@
           </p:sp>
         </mc:Fallback>
       </mc:AlternateContent>
-      <mc:AlternateContent xmlns:mc="http://schemas.openxmlformats.org/markup-compatibility/2006" xmlns:a14="http://schemas.microsoft.com/office/drawing/2010/main">
-        <mc:Choice Requires="a14">
+      <mc:AlternateContent xmlns:mc="http://schemas.openxmlformats.org/markup-compatibility/2006">
+        <mc:Choice xmlns:a14="http://schemas.microsoft.com/office/drawing/2010/main" Requires="a14">
           <p:sp>
             <p:nvSpPr>
               <p:cNvPr id="26" name="Oval 25"/>
@@ -7088,7 +7088,7 @@
             </p:txBody>
           </p:sp>
         </mc:Choice>
-        <mc:Fallback xmlns="">
+        <mc:Fallback>
           <p:sp>
             <p:nvSpPr>
               <p:cNvPr id="26" name="Oval 25"/>
@@ -7170,8 +7170,8 @@
           </a:fontRef>
         </p:style>
       </p:cxnSp>
-      <mc:AlternateContent xmlns:mc="http://schemas.openxmlformats.org/markup-compatibility/2006" xmlns:a14="http://schemas.microsoft.com/office/drawing/2010/main">
-        <mc:Choice Requires="a14">
+      <mc:AlternateContent xmlns:mc="http://schemas.openxmlformats.org/markup-compatibility/2006">
+        <mc:Choice xmlns:a14="http://schemas.microsoft.com/office/drawing/2010/main" Requires="a14">
           <p:sp>
             <p:nvSpPr>
               <p:cNvPr id="28" name="Oval 27"/>
@@ -7266,7 +7266,7 @@
             </p:txBody>
           </p:sp>
         </mc:Choice>
-        <mc:Fallback xmlns="">
+        <mc:Fallback>
           <p:sp>
             <p:nvSpPr>
               <p:cNvPr id="28" name="Oval 27"/>
@@ -7310,8 +7310,8 @@
           </p:sp>
         </mc:Fallback>
       </mc:AlternateContent>
-      <mc:AlternateContent xmlns:mc="http://schemas.openxmlformats.org/markup-compatibility/2006" xmlns:a14="http://schemas.microsoft.com/office/drawing/2010/main">
-        <mc:Choice Requires="a14">
+      <mc:AlternateContent xmlns:mc="http://schemas.openxmlformats.org/markup-compatibility/2006">
+        <mc:Choice xmlns:a14="http://schemas.microsoft.com/office/drawing/2010/main" Requires="a14">
           <p:sp>
             <p:nvSpPr>
               <p:cNvPr id="30" name="TextBox 29"/>
@@ -7355,7 +7355,7 @@
             </p:txBody>
           </p:sp>
         </mc:Choice>
-        <mc:Fallback xmlns="">
+        <mc:Fallback>
           <p:sp>
             <p:nvSpPr>
               <p:cNvPr id="30" name="TextBox 29"/>
@@ -7373,7 +7373,7 @@
                 <a:avLst/>
               </a:prstGeom>
               <a:blipFill rotWithShape="0">
-                <a:blip r:embed="rId15"/>
+                <a:blip r:embed="rId7"/>
                 <a:stretch>
                   <a:fillRect/>
                 </a:stretch>
@@ -7394,8 +7394,8 @@
           </p:sp>
         </mc:Fallback>
       </mc:AlternateContent>
-      <mc:AlternateContent xmlns:mc="http://schemas.openxmlformats.org/markup-compatibility/2006" xmlns:a14="http://schemas.microsoft.com/office/drawing/2010/main">
-        <mc:Choice Requires="a14">
+      <mc:AlternateContent xmlns:mc="http://schemas.openxmlformats.org/markup-compatibility/2006">
+        <mc:Choice xmlns:a14="http://schemas.microsoft.com/office/drawing/2010/main" Requires="a14">
           <p:sp>
             <p:nvSpPr>
               <p:cNvPr id="31" name="TextBox 30"/>
@@ -7439,7 +7439,7 @@
             </p:txBody>
           </p:sp>
         </mc:Choice>
-        <mc:Fallback xmlns="">
+        <mc:Fallback>
           <p:sp>
             <p:nvSpPr>
               <p:cNvPr id="31" name="TextBox 30"/>
@@ -7457,7 +7457,7 @@
                 <a:avLst/>
               </a:prstGeom>
               <a:blipFill rotWithShape="0">
-                <a:blip r:embed="rId16"/>
+                <a:blip r:embed="rId15"/>
                 <a:stretch>
                   <a:fillRect/>
                 </a:stretch>
@@ -7478,8 +7478,8 @@
           </p:sp>
         </mc:Fallback>
       </mc:AlternateContent>
-      <mc:AlternateContent xmlns:mc="http://schemas.openxmlformats.org/markup-compatibility/2006" xmlns:a14="http://schemas.microsoft.com/office/drawing/2010/main">
-        <mc:Choice Requires="a14">
+      <mc:AlternateContent xmlns:mc="http://schemas.openxmlformats.org/markup-compatibility/2006">
+        <mc:Choice xmlns:a14="http://schemas.microsoft.com/office/drawing/2010/main" Requires="a14">
           <p:sp>
             <p:nvSpPr>
               <p:cNvPr id="32" name="TextBox 31"/>
@@ -7523,7 +7523,7 @@
             </p:txBody>
           </p:sp>
         </mc:Choice>
-        <mc:Fallback xmlns="">
+        <mc:Fallback>
           <p:sp>
             <p:nvSpPr>
               <p:cNvPr id="32" name="TextBox 31"/>
@@ -7541,7 +7541,7 @@
                 <a:avLst/>
               </a:prstGeom>
               <a:blipFill rotWithShape="0">
-                <a:blip r:embed="rId17"/>
+                <a:blip r:embed="rId16"/>
                 <a:stretch>
                   <a:fillRect b="-11475"/>
                 </a:stretch>
@@ -7644,25 +7644,372 @@
       </p:cxnSp>
       <p:sp>
         <p:nvSpPr>
-          <p:cNvPr id="2314" name="Striped Right Arrow 2313"/>
+          <p:cNvPr id="2315" name="Rectangle 2314"/>
           <p:cNvSpPr/>
           <p:nvPr/>
         </p:nvSpPr>
         <p:spPr>
-          <a:xfrm rot="5400000">
-            <a:off x="4410986" y="2495897"/>
-            <a:ext cx="1050638" cy="745381"/>
+          <a:xfrm>
+            <a:off x="230538" y="2903530"/>
+            <a:ext cx="2878801" cy="369332"/>
           </a:xfrm>
-          <a:prstGeom prst="stripedRightArrow">
-            <a:avLst>
-              <a:gd name="adj1" fmla="val 50000"/>
-              <a:gd name="adj2" fmla="val 49524"/>
-            </a:avLst>
+          <a:prstGeom prst="rect">
+            <a:avLst/>
           </a:prstGeom>
-          <a:solidFill>
-            <a:schemeClr val="bg1"/>
-          </a:solidFill>
-          <a:ln w="12700">
+        </p:spPr>
+        <p:txBody>
+          <a:bodyPr wrap="none">
+            <a:spAutoFit/>
+          </a:bodyPr>
+          <a:lstStyle/>
+          <a:p>
+            <a:pPr algn="ctr"/>
+            <a:r>
+              <a:rPr lang="en-US" altLang="zh-CN" i="1" dirty="0"/>
+              <a:t>Abstract </a:t>
+            </a:r>
+            <a:r>
+              <a:rPr lang="en-US" altLang="zh-CN" i="1" dirty="0" smtClean="0"/>
+              <a:t>Functionality </a:t>
+            </a:r>
+            <a:r>
+              <a:rPr lang="en-US" altLang="zh-CN" i="1" dirty="0"/>
+              <a:t>Model</a:t>
+            </a:r>
+            <a:endParaRPr lang="en-US" i="1" dirty="0"/>
+          </a:p>
+        </p:txBody>
+      </p:sp>
+      <mc:AlternateContent xmlns:mc="http://schemas.openxmlformats.org/markup-compatibility/2006">
+        <mc:Choice xmlns:a14="http://schemas.microsoft.com/office/drawing/2010/main" Requires="a14">
+          <p:sp>
+            <p:nvSpPr>
+              <p:cNvPr id="42" name="TextBox 41"/>
+              <p:cNvSpPr txBox="1"/>
+              <p:nvPr/>
+            </p:nvSpPr>
+            <p:spPr>
+              <a:xfrm>
+                <a:off x="1240925" y="4821725"/>
+                <a:ext cx="688538" cy="369332"/>
+              </a:xfrm>
+              <a:prstGeom prst="rect">
+                <a:avLst/>
+              </a:prstGeom>
+              <a:noFill/>
+            </p:spPr>
+            <p:txBody>
+              <a:bodyPr wrap="square" rtlCol="0">
+                <a:spAutoFit/>
+              </a:bodyPr>
+              <a:lstStyle/>
+              <a:p>
+                <a:pPr/>
+                <a14:m>
+                  <m:oMathPara xmlns:m="http://schemas.openxmlformats.org/officeDocument/2006/math">
+                    <m:oMathParaPr>
+                      <m:jc m:val="centerGroup"/>
+                    </m:oMathParaPr>
+                    <m:oMath xmlns:m="http://schemas.openxmlformats.org/officeDocument/2006/math">
+                      <m:r>
+                        <a:rPr lang="en-AU" b="0" i="1" smtClean="0">
+                          <a:latin typeface="Cambria Math" charset="0"/>
+                          <a:ea typeface="Cambria Math" charset="0"/>
+                          <a:cs typeface="Cambria Math" charset="0"/>
+                        </a:rPr>
+                        <m:t>𝐼</m:t>
+                      </m:r>
+                      <m:r>
+                        <a:rPr lang="en-AU" b="0" i="1" smtClean="0">
+                          <a:latin typeface="Cambria Math" charset="0"/>
+                          <a:ea typeface="Cambria Math" charset="0"/>
+                          <a:cs typeface="Cambria Math" charset="0"/>
+                        </a:rPr>
+                        <m:t>, </m:t>
+                      </m:r>
+                      <m:r>
+                        <a:rPr lang="en-US" i="1">
+                          <a:latin typeface="Cambria Math" charset="0"/>
+                          <a:ea typeface="Cambria Math" charset="0"/>
+                          <a:cs typeface="Cambria Math" charset="0"/>
+                        </a:rPr>
+                        <m:t>𝜙</m:t>
+                      </m:r>
+                    </m:oMath>
+                  </m:oMathPara>
+                </a14:m>
+                <a:endParaRPr lang="en-US" dirty="0"/>
+              </a:p>
+            </p:txBody>
+          </p:sp>
+        </mc:Choice>
+        <mc:Fallback>
+          <p:sp>
+            <p:nvSpPr>
+              <p:cNvPr id="42" name="TextBox 41"/>
+              <p:cNvSpPr txBox="1">
+                <a:spLocks noRot="1" noChangeAspect="1" noMove="1" noResize="1" noEditPoints="1" noAdjustHandles="1" noChangeArrowheads="1" noChangeShapeType="1" noTextEdit="1"/>
+              </p:cNvSpPr>
+              <p:nvPr/>
+            </p:nvSpPr>
+            <p:spPr>
+              <a:xfrm>
+                <a:off x="1240925" y="4821725"/>
+                <a:ext cx="688538" cy="369332"/>
+              </a:xfrm>
+              <a:prstGeom prst="rect">
+                <a:avLst/>
+              </a:prstGeom>
+              <a:blipFill rotWithShape="0">
+                <a:blip r:embed="rId17"/>
+                <a:stretch>
+                  <a:fillRect b="-11475"/>
+                </a:stretch>
+              </a:blipFill>
+            </p:spPr>
+            <p:txBody>
+              <a:bodyPr/>
+              <a:lstStyle/>
+              <a:p>
+                <a:r>
+                  <a:rPr lang="en-US">
+                    <a:noFill/>
+                  </a:rPr>
+                  <a:t> </a:t>
+                </a:r>
+              </a:p>
+            </p:txBody>
+          </p:sp>
+        </mc:Fallback>
+      </mc:AlternateContent>
+      <mc:AlternateContent xmlns:mc="http://schemas.openxmlformats.org/markup-compatibility/2006">
+        <mc:Choice xmlns:a14="http://schemas.microsoft.com/office/drawing/2010/main" Requires="a14">
+          <p:sp>
+            <p:nvSpPr>
+              <p:cNvPr id="43" name="TextBox 42"/>
+              <p:cNvSpPr txBox="1"/>
+              <p:nvPr/>
+            </p:nvSpPr>
+            <p:spPr>
+              <a:xfrm>
+                <a:off x="3009583" y="4837220"/>
+                <a:ext cx="469247" cy="369332"/>
+              </a:xfrm>
+              <a:prstGeom prst="rect">
+                <a:avLst/>
+              </a:prstGeom>
+              <a:noFill/>
+            </p:spPr>
+            <p:txBody>
+              <a:bodyPr wrap="square" rtlCol="0">
+                <a:spAutoFit/>
+              </a:bodyPr>
+              <a:lstStyle/>
+              <a:p>
+                <a:pPr/>
+                <a14:m>
+                  <m:oMathPara xmlns:m="http://schemas.openxmlformats.org/officeDocument/2006/math">
+                    <m:oMathParaPr>
+                      <m:jc m:val="centerGroup"/>
+                    </m:oMathParaPr>
+                    <m:oMath xmlns:m="http://schemas.openxmlformats.org/officeDocument/2006/math">
+                      <m:r>
+                        <a:rPr lang="en-AU" b="0" i="1" smtClean="0">
+                          <a:latin typeface="Cambria Math" charset="0"/>
+                          <a:ea typeface="Cambria Math" charset="0"/>
+                          <a:cs typeface="Cambria Math" charset="0"/>
+                        </a:rPr>
+                        <m:t>𝑂</m:t>
+                      </m:r>
+                      <m:r>
+                        <a:rPr lang="en-AU" b="0" i="1" smtClean="0">
+                          <a:latin typeface="Cambria Math" charset="0"/>
+                          <a:ea typeface="Cambria Math" charset="0"/>
+                          <a:cs typeface="Cambria Math" charset="0"/>
+                        </a:rPr>
+                        <m:t>, </m:t>
+                      </m:r>
+                      <m:r>
+                        <a:rPr lang="en-US" i="1" smtClean="0">
+                          <a:latin typeface="Cambria Math" charset="0"/>
+                          <a:ea typeface="Cambria Math" charset="0"/>
+                          <a:cs typeface="Cambria Math" charset="0"/>
+                        </a:rPr>
+                        <m:t>𝜓</m:t>
+                      </m:r>
+                    </m:oMath>
+                  </m:oMathPara>
+                </a14:m>
+                <a:endParaRPr lang="en-US" dirty="0"/>
+              </a:p>
+            </p:txBody>
+          </p:sp>
+        </mc:Choice>
+        <mc:Fallback>
+          <p:sp>
+            <p:nvSpPr>
+              <p:cNvPr id="43" name="TextBox 42"/>
+              <p:cNvSpPr txBox="1">
+                <a:spLocks noRot="1" noChangeAspect="1" noMove="1" noResize="1" noEditPoints="1" noAdjustHandles="1" noChangeArrowheads="1" noChangeShapeType="1" noTextEdit="1"/>
+              </p:cNvSpPr>
+              <p:nvPr/>
+            </p:nvSpPr>
+            <p:spPr>
+              <a:xfrm>
+                <a:off x="3009583" y="4837220"/>
+                <a:ext cx="469247" cy="369332"/>
+              </a:xfrm>
+              <a:prstGeom prst="rect">
+                <a:avLst/>
+              </a:prstGeom>
+              <a:blipFill rotWithShape="0">
+                <a:blip r:embed="rId18"/>
+                <a:stretch>
+                  <a:fillRect r="-28571" b="-13333"/>
+                </a:stretch>
+              </a:blipFill>
+            </p:spPr>
+            <p:txBody>
+              <a:bodyPr/>
+              <a:lstStyle/>
+              <a:p>
+                <a:r>
+                  <a:rPr lang="en-US">
+                    <a:noFill/>
+                  </a:rPr>
+                  <a:t> </a:t>
+                </a:r>
+              </a:p>
+            </p:txBody>
+          </p:sp>
+        </mc:Fallback>
+      </mc:AlternateContent>
+      <p:sp>
+        <p:nvSpPr>
+          <p:cNvPr id="45" name="Rectangle 44"/>
+          <p:cNvSpPr/>
+          <p:nvPr/>
+        </p:nvSpPr>
+        <p:spPr>
+          <a:xfrm>
+            <a:off x="206493" y="4400037"/>
+            <a:ext cx="2902846" cy="369332"/>
+          </a:xfrm>
+          <a:prstGeom prst="rect">
+            <a:avLst/>
+          </a:prstGeom>
+        </p:spPr>
+        <p:txBody>
+          <a:bodyPr wrap="none">
+            <a:spAutoFit/>
+          </a:bodyPr>
+          <a:lstStyle/>
+          <a:p>
+            <a:pPr algn="ctr"/>
+            <a:r>
+              <a:rPr lang="en-US" altLang="zh-CN" i="1"/>
+              <a:t>Updated Functionality </a:t>
+            </a:r>
+            <a:r>
+              <a:rPr lang="en-US" altLang="zh-CN" i="1" dirty="0" smtClean="0"/>
+              <a:t>Model</a:t>
+            </a:r>
+            <a:endParaRPr lang="en-US" i="1" dirty="0"/>
+          </a:p>
+        </p:txBody>
+      </p:sp>
+      <p:cxnSp>
+        <p:nvCxnSpPr>
+          <p:cNvPr id="46" name="Straight Arrow Connector 45"/>
+          <p:cNvCxnSpPr>
+            <a:endCxn id="48" idx="2"/>
+          </p:cNvCxnSpPr>
+          <p:nvPr/>
+        </p:nvCxnSpPr>
+        <p:spPr>
+          <a:xfrm>
+            <a:off x="1043608" y="5193196"/>
+            <a:ext cx="1014732" cy="0"/>
+          </a:xfrm>
+          <a:prstGeom prst="straightConnector1">
+            <a:avLst/>
+          </a:prstGeom>
+          <a:ln>
+            <a:solidFill>
+              <a:schemeClr val="tx1"/>
+            </a:solidFill>
+            <a:tailEnd type="triangle"/>
+          </a:ln>
+        </p:spPr>
+        <p:style>
+          <a:lnRef idx="1">
+            <a:schemeClr val="accent1"/>
+          </a:lnRef>
+          <a:fillRef idx="0">
+            <a:schemeClr val="accent1"/>
+          </a:fillRef>
+          <a:effectRef idx="0">
+            <a:schemeClr val="accent1"/>
+          </a:effectRef>
+          <a:fontRef idx="minor">
+            <a:schemeClr val="tx1"/>
+          </a:fontRef>
+        </p:style>
+      </p:cxnSp>
+      <p:cxnSp>
+        <p:nvCxnSpPr>
+          <p:cNvPr id="47" name="Straight Arrow Connector 46"/>
+          <p:cNvCxnSpPr>
+            <a:stCxn id="48" idx="6"/>
+          </p:cNvCxnSpPr>
+          <p:nvPr/>
+        </p:nvCxnSpPr>
+        <p:spPr>
+          <a:xfrm>
+            <a:off x="2850428" y="5193196"/>
+            <a:ext cx="968979" cy="0"/>
+          </a:xfrm>
+          <a:prstGeom prst="straightConnector1">
+            <a:avLst/>
+          </a:prstGeom>
+          <a:ln>
+            <a:solidFill>
+              <a:schemeClr val="tx1"/>
+            </a:solidFill>
+            <a:tailEnd type="triangle"/>
+          </a:ln>
+        </p:spPr>
+        <p:style>
+          <a:lnRef idx="1">
+            <a:schemeClr val="accent1"/>
+          </a:lnRef>
+          <a:fillRef idx="0">
+            <a:schemeClr val="accent1"/>
+          </a:fillRef>
+          <a:effectRef idx="0">
+            <a:schemeClr val="accent1"/>
+          </a:effectRef>
+          <a:fontRef idx="minor">
+            <a:schemeClr val="tx1"/>
+          </a:fontRef>
+        </p:style>
+      </p:cxnSp>
+      <p:sp>
+        <p:nvSpPr>
+          <p:cNvPr id="48" name="Oval 47"/>
+          <p:cNvSpPr/>
+          <p:nvPr/>
+        </p:nvSpPr>
+        <p:spPr>
+          <a:xfrm>
+            <a:off x="2058340" y="4797152"/>
+            <a:ext cx="792088" cy="792088"/>
+          </a:xfrm>
+          <a:prstGeom prst="ellipse">
+            <a:avLst/>
+          </a:prstGeom>
+          <a:noFill/>
+          <a:ln>
             <a:solidFill>
               <a:schemeClr val="tx1"/>
             </a:solidFill>
@@ -7689,7 +8036,15 @@
           <a:lstStyle/>
           <a:p>
             <a:pPr algn="ctr"/>
-            <a:endParaRPr lang="en-US" sz="1200" dirty="0">
+            <a:r>
+              <a:rPr lang="en-US" sz="1000" b="1" dirty="0" smtClean="0">
+                <a:solidFill>
+                  <a:schemeClr val="tx1"/>
+                </a:solidFill>
+              </a:rPr>
+              <a:t>Web Service</a:t>
+            </a:r>
+            <a:endParaRPr lang="en-US" sz="1000" b="1" dirty="0">
               <a:solidFill>
                 <a:schemeClr val="tx1"/>
               </a:solidFill>
@@ -7699,14 +8054,14 @@
       </p:sp>
       <p:sp>
         <p:nvSpPr>
-          <p:cNvPr id="2315" name="Rectangle 2314"/>
+          <p:cNvPr id="53" name="Rectangle 52"/>
           <p:cNvSpPr/>
           <p:nvPr/>
         </p:nvSpPr>
         <p:spPr>
           <a:xfrm>
-            <a:off x="5211972" y="2564904"/>
-            <a:ext cx="963662" cy="369332"/>
+            <a:off x="331912" y="1459570"/>
+            <a:ext cx="2040687" cy="369332"/>
           </a:xfrm>
           <a:prstGeom prst="rect">
             <a:avLst/>
@@ -7721,7 +8076,11 @@
             <a:pPr algn="ctr"/>
             <a:r>
               <a:rPr lang="en-US" altLang="zh-CN" i="1" dirty="0" smtClean="0"/>
-              <a:t>Abstract</a:t>
+              <a:t>Functionality</a:t>
+            </a:r>
+            <a:r>
+              <a:rPr lang="en-US" altLang="zh-CN" i="1" dirty="0" smtClean="0"/>
+              <a:t> Model</a:t>
             </a:r>
             <a:endParaRPr lang="en-US" i="1" dirty="0"/>
           </a:p>
@@ -8107,8 +8466,8 @@
           </p:txBody>
         </p:sp>
       </p:grpSp>
-      <mc:AlternateContent xmlns:mc="http://schemas.openxmlformats.org/markup-compatibility/2006">
-        <mc:Choice xmlns:a14="http://schemas.microsoft.com/office/drawing/2010/main" Requires="a14">
+      <mc:AlternateContent xmlns:mc="http://schemas.openxmlformats.org/markup-compatibility/2006" xmlns:a14="http://schemas.microsoft.com/office/drawing/2010/main">
+        <mc:Choice Requires="a14">
           <p:sp>
             <p:nvSpPr>
               <p:cNvPr id="16" name="TextBox 15"/>
@@ -8170,7 +8529,7 @@
             </p:txBody>
           </p:sp>
         </mc:Choice>
-        <mc:Fallback>
+        <mc:Fallback xmlns="">
           <p:sp>
             <p:nvSpPr>
               <p:cNvPr id="16" name="TextBox 15"/>
@@ -8209,8 +8568,8 @@
           </p:sp>
         </mc:Fallback>
       </mc:AlternateContent>
-      <mc:AlternateContent xmlns:mc="http://schemas.openxmlformats.org/markup-compatibility/2006">
-        <mc:Choice xmlns:a14="http://schemas.microsoft.com/office/drawing/2010/main" Requires="a14">
+      <mc:AlternateContent xmlns:mc="http://schemas.openxmlformats.org/markup-compatibility/2006" xmlns:a14="http://schemas.microsoft.com/office/drawing/2010/main">
+        <mc:Choice Requires="a14">
           <p:sp>
             <p:nvSpPr>
               <p:cNvPr id="17" name="TextBox 16"/>
@@ -8272,7 +8631,7 @@
             </p:txBody>
           </p:sp>
         </mc:Choice>
-        <mc:Fallback>
+        <mc:Fallback xmlns="">
           <p:sp>
             <p:nvSpPr>
               <p:cNvPr id="17" name="TextBox 16"/>

--- a/FiguresPaper.pptx
+++ b/FiguresPaper.pptx
@@ -211,7 +211,7 @@
           <a:p>
             <a:fld id="{F28D62E0-191E-42FF-A98D-D06FD014851B}" type="datetimeFigureOut">
               <a:rPr lang="en-AU" smtClean="0"/>
-              <a:t>13/7/17</a:t>
+              <a:t>23/8/17</a:t>
             </a:fld>
             <a:endParaRPr lang="en-AU"/>
           </a:p>
@@ -660,7 +660,7 @@
           <a:p>
             <a:fld id="{D4351B45-279F-42A8-9B05-CE858E05D9F5}" type="datetimeFigureOut">
               <a:rPr lang="en-NZ" smtClean="0"/>
-              <a:t>13/07/17</a:t>
+              <a:t>23/08/17</a:t>
             </a:fld>
             <a:endParaRPr lang="en-NZ"/>
           </a:p>
@@ -830,7 +830,7 @@
           <a:p>
             <a:fld id="{D4351B45-279F-42A8-9B05-CE858E05D9F5}" type="datetimeFigureOut">
               <a:rPr lang="en-NZ" smtClean="0"/>
-              <a:t>13/07/17</a:t>
+              <a:t>23/08/17</a:t>
             </a:fld>
             <a:endParaRPr lang="en-NZ"/>
           </a:p>
@@ -1010,7 +1010,7 @@
           <a:p>
             <a:fld id="{D4351B45-279F-42A8-9B05-CE858E05D9F5}" type="datetimeFigureOut">
               <a:rPr lang="en-NZ" smtClean="0"/>
-              <a:t>13/07/17</a:t>
+              <a:t>23/08/17</a:t>
             </a:fld>
             <a:endParaRPr lang="en-NZ"/>
           </a:p>
@@ -1180,7 +1180,7 @@
           <a:p>
             <a:fld id="{D4351B45-279F-42A8-9B05-CE858E05D9F5}" type="datetimeFigureOut">
               <a:rPr lang="en-NZ" smtClean="0"/>
-              <a:t>13/07/17</a:t>
+              <a:t>23/08/17</a:t>
             </a:fld>
             <a:endParaRPr lang="en-NZ"/>
           </a:p>
@@ -1426,7 +1426,7 @@
           <a:p>
             <a:fld id="{D4351B45-279F-42A8-9B05-CE858E05D9F5}" type="datetimeFigureOut">
               <a:rPr lang="en-NZ" smtClean="0"/>
-              <a:t>13/07/17</a:t>
+              <a:t>23/08/17</a:t>
             </a:fld>
             <a:endParaRPr lang="en-NZ"/>
           </a:p>
@@ -1714,7 +1714,7 @@
           <a:p>
             <a:fld id="{D4351B45-279F-42A8-9B05-CE858E05D9F5}" type="datetimeFigureOut">
               <a:rPr lang="en-NZ" smtClean="0"/>
-              <a:t>13/07/17</a:t>
+              <a:t>23/08/17</a:t>
             </a:fld>
             <a:endParaRPr lang="en-NZ"/>
           </a:p>
@@ -2136,7 +2136,7 @@
           <a:p>
             <a:fld id="{D4351B45-279F-42A8-9B05-CE858E05D9F5}" type="datetimeFigureOut">
               <a:rPr lang="en-NZ" smtClean="0"/>
-              <a:t>13/07/17</a:t>
+              <a:t>23/08/17</a:t>
             </a:fld>
             <a:endParaRPr lang="en-NZ"/>
           </a:p>
@@ -2254,7 +2254,7 @@
           <a:p>
             <a:fld id="{D4351B45-279F-42A8-9B05-CE858E05D9F5}" type="datetimeFigureOut">
               <a:rPr lang="en-NZ" smtClean="0"/>
-              <a:t>13/07/17</a:t>
+              <a:t>23/08/17</a:t>
             </a:fld>
             <a:endParaRPr lang="en-NZ"/>
           </a:p>
@@ -2349,7 +2349,7 @@
           <a:p>
             <a:fld id="{D4351B45-279F-42A8-9B05-CE858E05D9F5}" type="datetimeFigureOut">
               <a:rPr lang="en-NZ" smtClean="0"/>
-              <a:t>13/07/17</a:t>
+              <a:t>23/08/17</a:t>
             </a:fld>
             <a:endParaRPr lang="en-NZ"/>
           </a:p>
@@ -2626,7 +2626,7 @@
           <a:p>
             <a:fld id="{D4351B45-279F-42A8-9B05-CE858E05D9F5}" type="datetimeFigureOut">
               <a:rPr lang="en-NZ" smtClean="0"/>
-              <a:t>13/07/17</a:t>
+              <a:t>23/08/17</a:t>
             </a:fld>
             <a:endParaRPr lang="en-NZ"/>
           </a:p>
@@ -2879,7 +2879,7 @@
           <a:p>
             <a:fld id="{D4351B45-279F-42A8-9B05-CE858E05D9F5}" type="datetimeFigureOut">
               <a:rPr lang="en-NZ" smtClean="0"/>
-              <a:t>13/07/17</a:t>
+              <a:t>23/08/17</a:t>
             </a:fld>
             <a:endParaRPr lang="en-NZ"/>
           </a:p>
@@ -3092,7 +3092,7 @@
           <a:p>
             <a:fld id="{D4351B45-279F-42A8-9B05-CE858E05D9F5}" type="datetimeFigureOut">
               <a:rPr lang="en-NZ" smtClean="0"/>
-              <a:t>13/07/17</a:t>
+              <a:t>23/08/17</a:t>
             </a:fld>
             <a:endParaRPr lang="en-NZ"/>
           </a:p>
@@ -5335,8 +5335,8 @@
           <a:chExt cx="0" cy="0"/>
         </a:xfrm>
       </p:grpSpPr>
-      <mc:AlternateContent xmlns:mc="http://schemas.openxmlformats.org/markup-compatibility/2006">
-        <mc:Choice xmlns:a14="http://schemas.microsoft.com/office/drawing/2010/main" Requires="a14">
+      <mc:AlternateContent xmlns:mc="http://schemas.openxmlformats.org/markup-compatibility/2006" xmlns:a14="http://schemas.microsoft.com/office/drawing/2010/main">
+        <mc:Choice Requires="a14">
           <p:sp>
             <p:nvSpPr>
               <p:cNvPr id="4" name="Oval 3"/>
@@ -5431,7 +5431,7 @@
             </p:txBody>
           </p:sp>
         </mc:Choice>
-        <mc:Fallback>
+        <mc:Fallback xmlns="">
           <p:sp>
             <p:nvSpPr>
               <p:cNvPr id="4" name="Oval 3"/>
@@ -5475,8 +5475,8 @@
           </p:sp>
         </mc:Fallback>
       </mc:AlternateContent>
-      <mc:AlternateContent xmlns:mc="http://schemas.openxmlformats.org/markup-compatibility/2006">
-        <mc:Choice xmlns:a14="http://schemas.microsoft.com/office/drawing/2010/main" Requires="a14">
+      <mc:AlternateContent xmlns:mc="http://schemas.openxmlformats.org/markup-compatibility/2006" xmlns:a14="http://schemas.microsoft.com/office/drawing/2010/main">
+        <mc:Choice Requires="a14">
           <p:sp>
             <p:nvSpPr>
               <p:cNvPr id="6" name="Oval 5"/>
@@ -5571,7 +5571,7 @@
             </p:txBody>
           </p:sp>
         </mc:Choice>
-        <mc:Fallback>
+        <mc:Fallback xmlns="">
           <p:sp>
             <p:nvSpPr>
               <p:cNvPr id="6" name="Oval 5"/>
@@ -5654,8 +5654,8 @@
           </a:fontRef>
         </p:style>
       </p:cxnSp>
-      <mc:AlternateContent xmlns:mc="http://schemas.openxmlformats.org/markup-compatibility/2006">
-        <mc:Choice xmlns:a14="http://schemas.microsoft.com/office/drawing/2010/main" Requires="a14">
+      <mc:AlternateContent xmlns:mc="http://schemas.openxmlformats.org/markup-compatibility/2006" xmlns:a14="http://schemas.microsoft.com/office/drawing/2010/main">
+        <mc:Choice Requires="a14">
           <p:sp>
             <p:nvSpPr>
               <p:cNvPr id="9" name="Oval 8"/>
@@ -5750,7 +5750,7 @@
             </p:txBody>
           </p:sp>
         </mc:Choice>
-        <mc:Fallback>
+        <mc:Fallback xmlns="">
           <p:sp>
             <p:nvSpPr>
               <p:cNvPr id="9" name="Oval 8"/>
@@ -5794,8 +5794,8 @@
           </p:sp>
         </mc:Fallback>
       </mc:AlternateContent>
-      <mc:AlternateContent xmlns:mc="http://schemas.openxmlformats.org/markup-compatibility/2006">
-        <mc:Choice xmlns:a14="http://schemas.microsoft.com/office/drawing/2010/main" Requires="a14">
+      <mc:AlternateContent xmlns:mc="http://schemas.openxmlformats.org/markup-compatibility/2006" xmlns:a14="http://schemas.microsoft.com/office/drawing/2010/main">
+        <mc:Choice Requires="a14">
           <p:sp>
             <p:nvSpPr>
               <p:cNvPr id="11" name="Oval 10"/>
@@ -5890,7 +5890,7 @@
             </p:txBody>
           </p:sp>
         </mc:Choice>
-        <mc:Fallback>
+        <mc:Fallback xmlns="">
           <p:sp>
             <p:nvSpPr>
               <p:cNvPr id="11" name="Oval 10"/>
@@ -5934,8 +5934,8 @@
           </p:sp>
         </mc:Fallback>
       </mc:AlternateContent>
-      <mc:AlternateContent xmlns:mc="http://schemas.openxmlformats.org/markup-compatibility/2006">
-        <mc:Choice xmlns:a14="http://schemas.microsoft.com/office/drawing/2010/main" Requires="a14">
+      <mc:AlternateContent xmlns:mc="http://schemas.openxmlformats.org/markup-compatibility/2006" xmlns:a14="http://schemas.microsoft.com/office/drawing/2010/main">
+        <mc:Choice Requires="a14">
           <p:sp>
             <p:nvSpPr>
               <p:cNvPr id="12" name="Oval 11"/>
@@ -6030,7 +6030,7 @@
             </p:txBody>
           </p:sp>
         </mc:Choice>
-        <mc:Fallback>
+        <mc:Fallback xmlns="">
           <p:sp>
             <p:nvSpPr>
               <p:cNvPr id="12" name="Oval 11"/>
@@ -6228,8 +6228,8 @@
           </a:fontRef>
         </p:style>
       </p:cxnSp>
-      <mc:AlternateContent xmlns:mc="http://schemas.openxmlformats.org/markup-compatibility/2006">
-        <mc:Choice xmlns:a14="http://schemas.microsoft.com/office/drawing/2010/main" Requires="a14">
+      <mc:AlternateContent xmlns:mc="http://schemas.openxmlformats.org/markup-compatibility/2006" xmlns:a14="http://schemas.microsoft.com/office/drawing/2010/main">
+        <mc:Choice Requires="a14">
           <p:sp>
             <p:nvSpPr>
               <p:cNvPr id="21" name="TextBox 20"/>
@@ -6273,7 +6273,7 @@
             </p:txBody>
           </p:sp>
         </mc:Choice>
-        <mc:Fallback>
+        <mc:Fallback xmlns="">
           <p:sp>
             <p:nvSpPr>
               <p:cNvPr id="21" name="TextBox 20"/>
@@ -6312,8 +6312,8 @@
           </p:sp>
         </mc:Fallback>
       </mc:AlternateContent>
-      <mc:AlternateContent xmlns:mc="http://schemas.openxmlformats.org/markup-compatibility/2006">
-        <mc:Choice xmlns:a14="http://schemas.microsoft.com/office/drawing/2010/main" Requires="a14">
+      <mc:AlternateContent xmlns:mc="http://schemas.openxmlformats.org/markup-compatibility/2006" xmlns:a14="http://schemas.microsoft.com/office/drawing/2010/main">
+        <mc:Choice Requires="a14">
           <p:sp>
             <p:nvSpPr>
               <p:cNvPr id="22" name="TextBox 21"/>
@@ -6413,7 +6413,7 @@
             </p:txBody>
           </p:sp>
         </mc:Choice>
-        <mc:Fallback>
+        <mc:Fallback xmlns="">
           <p:sp>
             <p:nvSpPr>
               <p:cNvPr id="22" name="TextBox 21"/>
@@ -6452,8 +6452,8 @@
           </p:sp>
         </mc:Fallback>
       </mc:AlternateContent>
-      <mc:AlternateContent xmlns:mc="http://schemas.openxmlformats.org/markup-compatibility/2006">
-        <mc:Choice xmlns:a14="http://schemas.microsoft.com/office/drawing/2010/main" Requires="a14">
+      <mc:AlternateContent xmlns:mc="http://schemas.openxmlformats.org/markup-compatibility/2006" xmlns:a14="http://schemas.microsoft.com/office/drawing/2010/main">
+        <mc:Choice Requires="a14">
           <p:sp>
             <p:nvSpPr>
               <p:cNvPr id="23" name="TextBox 22"/>
@@ -6553,7 +6553,7 @@
             </p:txBody>
           </p:sp>
         </mc:Choice>
-        <mc:Fallback>
+        <mc:Fallback xmlns="">
           <p:sp>
             <p:nvSpPr>
               <p:cNvPr id="23" name="TextBox 22"/>
@@ -6592,8 +6592,8 @@
           </p:sp>
         </mc:Fallback>
       </mc:AlternateContent>
-      <mc:AlternateContent xmlns:mc="http://schemas.openxmlformats.org/markup-compatibility/2006">
-        <mc:Choice xmlns:a14="http://schemas.microsoft.com/office/drawing/2010/main" Requires="a14">
+      <mc:AlternateContent xmlns:mc="http://schemas.openxmlformats.org/markup-compatibility/2006" xmlns:a14="http://schemas.microsoft.com/office/drawing/2010/main">
+        <mc:Choice Requires="a14">
           <p:sp>
             <p:nvSpPr>
               <p:cNvPr id="24" name="TextBox 23"/>
@@ -6693,7 +6693,7 @@
             </p:txBody>
           </p:sp>
         </mc:Choice>
-        <mc:Fallback>
+        <mc:Fallback xmlns="">
           <p:sp>
             <p:nvSpPr>
               <p:cNvPr id="24" name="TextBox 23"/>
@@ -6732,8 +6732,8 @@
           </p:sp>
         </mc:Fallback>
       </mc:AlternateContent>
-      <mc:AlternateContent xmlns:mc="http://schemas.openxmlformats.org/markup-compatibility/2006">
-        <mc:Choice xmlns:a14="http://schemas.microsoft.com/office/drawing/2010/main" Requires="a14">
+      <mc:AlternateContent xmlns:mc="http://schemas.openxmlformats.org/markup-compatibility/2006" xmlns:a14="http://schemas.microsoft.com/office/drawing/2010/main">
+        <mc:Choice Requires="a14">
           <p:sp>
             <p:nvSpPr>
               <p:cNvPr id="25" name="TextBox 24"/>
@@ -6777,7 +6777,7 @@
             </p:txBody>
           </p:sp>
         </mc:Choice>
-        <mc:Fallback>
+        <mc:Fallback xmlns="">
           <p:sp>
             <p:nvSpPr>
               <p:cNvPr id="25" name="TextBox 24"/>
@@ -6852,8 +6852,8 @@
           </a:fontRef>
         </p:style>
       </p:cxnSp>
-      <mc:AlternateContent xmlns:mc="http://schemas.openxmlformats.org/markup-compatibility/2006">
-        <mc:Choice xmlns:a14="http://schemas.microsoft.com/office/drawing/2010/main" Requires="a14">
+      <mc:AlternateContent xmlns:mc="http://schemas.openxmlformats.org/markup-compatibility/2006" xmlns:a14="http://schemas.microsoft.com/office/drawing/2010/main">
+        <mc:Choice Requires="a14">
           <p:sp>
             <p:nvSpPr>
               <p:cNvPr id="19" name="Oval 18"/>
@@ -6948,7 +6948,7 @@
             </p:txBody>
           </p:sp>
         </mc:Choice>
-        <mc:Fallback>
+        <mc:Fallback xmlns="">
           <p:sp>
             <p:nvSpPr>
               <p:cNvPr id="19" name="Oval 18"/>
@@ -6992,8 +6992,8 @@
           </p:sp>
         </mc:Fallback>
       </mc:AlternateContent>
-      <mc:AlternateContent xmlns:mc="http://schemas.openxmlformats.org/markup-compatibility/2006">
-        <mc:Choice xmlns:a14="http://schemas.microsoft.com/office/drawing/2010/main" Requires="a14">
+      <mc:AlternateContent xmlns:mc="http://schemas.openxmlformats.org/markup-compatibility/2006" xmlns:a14="http://schemas.microsoft.com/office/drawing/2010/main">
+        <mc:Choice Requires="a14">
           <p:sp>
             <p:nvSpPr>
               <p:cNvPr id="26" name="Oval 25"/>
@@ -7088,7 +7088,7 @@
             </p:txBody>
           </p:sp>
         </mc:Choice>
-        <mc:Fallback>
+        <mc:Fallback xmlns="">
           <p:sp>
             <p:nvSpPr>
               <p:cNvPr id="26" name="Oval 25"/>
@@ -7170,8 +7170,8 @@
           </a:fontRef>
         </p:style>
       </p:cxnSp>
-      <mc:AlternateContent xmlns:mc="http://schemas.openxmlformats.org/markup-compatibility/2006">
-        <mc:Choice xmlns:a14="http://schemas.microsoft.com/office/drawing/2010/main" Requires="a14">
+      <mc:AlternateContent xmlns:mc="http://schemas.openxmlformats.org/markup-compatibility/2006" xmlns:a14="http://schemas.microsoft.com/office/drawing/2010/main">
+        <mc:Choice Requires="a14">
           <p:sp>
             <p:nvSpPr>
               <p:cNvPr id="28" name="Oval 27"/>
@@ -7266,7 +7266,7 @@
             </p:txBody>
           </p:sp>
         </mc:Choice>
-        <mc:Fallback>
+        <mc:Fallback xmlns="">
           <p:sp>
             <p:nvSpPr>
               <p:cNvPr id="28" name="Oval 27"/>
@@ -7310,8 +7310,8 @@
           </p:sp>
         </mc:Fallback>
       </mc:AlternateContent>
-      <mc:AlternateContent xmlns:mc="http://schemas.openxmlformats.org/markup-compatibility/2006">
-        <mc:Choice xmlns:a14="http://schemas.microsoft.com/office/drawing/2010/main" Requires="a14">
+      <mc:AlternateContent xmlns:mc="http://schemas.openxmlformats.org/markup-compatibility/2006" xmlns:a14="http://schemas.microsoft.com/office/drawing/2010/main">
+        <mc:Choice Requires="a14">
           <p:sp>
             <p:nvSpPr>
               <p:cNvPr id="30" name="TextBox 29"/>
@@ -7355,7 +7355,7 @@
             </p:txBody>
           </p:sp>
         </mc:Choice>
-        <mc:Fallback>
+        <mc:Fallback xmlns="">
           <p:sp>
             <p:nvSpPr>
               <p:cNvPr id="30" name="TextBox 29"/>
@@ -7394,8 +7394,8 @@
           </p:sp>
         </mc:Fallback>
       </mc:AlternateContent>
-      <mc:AlternateContent xmlns:mc="http://schemas.openxmlformats.org/markup-compatibility/2006">
-        <mc:Choice xmlns:a14="http://schemas.microsoft.com/office/drawing/2010/main" Requires="a14">
+      <mc:AlternateContent xmlns:mc="http://schemas.openxmlformats.org/markup-compatibility/2006" xmlns:a14="http://schemas.microsoft.com/office/drawing/2010/main">
+        <mc:Choice Requires="a14">
           <p:sp>
             <p:nvSpPr>
               <p:cNvPr id="31" name="TextBox 30"/>
@@ -7439,7 +7439,7 @@
             </p:txBody>
           </p:sp>
         </mc:Choice>
-        <mc:Fallback>
+        <mc:Fallback xmlns="">
           <p:sp>
             <p:nvSpPr>
               <p:cNvPr id="31" name="TextBox 30"/>
@@ -7478,8 +7478,8 @@
           </p:sp>
         </mc:Fallback>
       </mc:AlternateContent>
-      <mc:AlternateContent xmlns:mc="http://schemas.openxmlformats.org/markup-compatibility/2006">
-        <mc:Choice xmlns:a14="http://schemas.microsoft.com/office/drawing/2010/main" Requires="a14">
+      <mc:AlternateContent xmlns:mc="http://schemas.openxmlformats.org/markup-compatibility/2006" xmlns:a14="http://schemas.microsoft.com/office/drawing/2010/main">
+        <mc:Choice Requires="a14">
           <p:sp>
             <p:nvSpPr>
               <p:cNvPr id="32" name="TextBox 31"/>
@@ -7523,7 +7523,7 @@
             </p:txBody>
           </p:sp>
         </mc:Choice>
-        <mc:Fallback>
+        <mc:Fallback xmlns="">
           <p:sp>
             <p:nvSpPr>
               <p:cNvPr id="32" name="TextBox 31"/>
@@ -7680,8 +7680,8 @@
           </a:p>
         </p:txBody>
       </p:sp>
-      <mc:AlternateContent xmlns:mc="http://schemas.openxmlformats.org/markup-compatibility/2006">
-        <mc:Choice xmlns:a14="http://schemas.microsoft.com/office/drawing/2010/main" Requires="a14">
+      <mc:AlternateContent xmlns:mc="http://schemas.openxmlformats.org/markup-compatibility/2006" xmlns:a14="http://schemas.microsoft.com/office/drawing/2010/main">
+        <mc:Choice Requires="a14">
           <p:sp>
             <p:nvSpPr>
               <p:cNvPr id="42" name="TextBox 41"/>
@@ -7743,7 +7743,7 @@
             </p:txBody>
           </p:sp>
         </mc:Choice>
-        <mc:Fallback>
+        <mc:Fallback xmlns="">
           <p:sp>
             <p:nvSpPr>
               <p:cNvPr id="42" name="TextBox 41"/>
@@ -7782,8 +7782,8 @@
           </p:sp>
         </mc:Fallback>
       </mc:AlternateContent>
-      <mc:AlternateContent xmlns:mc="http://schemas.openxmlformats.org/markup-compatibility/2006">
-        <mc:Choice xmlns:a14="http://schemas.microsoft.com/office/drawing/2010/main" Requires="a14">
+      <mc:AlternateContent xmlns:mc="http://schemas.openxmlformats.org/markup-compatibility/2006" xmlns:a14="http://schemas.microsoft.com/office/drawing/2010/main">
+        <mc:Choice Requires="a14">
           <p:sp>
             <p:nvSpPr>
               <p:cNvPr id="43" name="TextBox 42"/>
@@ -7845,7 +7845,7 @@
             </p:txBody>
           </p:sp>
         </mc:Choice>
-        <mc:Fallback>
+        <mc:Fallback xmlns="">
           <p:sp>
             <p:nvSpPr>
               <p:cNvPr id="43" name="TextBox 42"/>
@@ -8076,11 +8076,7 @@
             <a:pPr algn="ctr"/>
             <a:r>
               <a:rPr lang="en-US" altLang="zh-CN" i="1" dirty="0" smtClean="0"/>
-              <a:t>Functionality</a:t>
-            </a:r>
-            <a:r>
-              <a:rPr lang="en-US" altLang="zh-CN" i="1" dirty="0" smtClean="0"/>
-              <a:t> Model</a:t>
+              <a:t>Functionality Model</a:t>
             </a:r>
             <a:endParaRPr lang="en-US" i="1" dirty="0"/>
           </a:p>
@@ -8466,8 +8462,8 @@
           </p:txBody>
         </p:sp>
       </p:grpSp>
-      <mc:AlternateContent xmlns:mc="http://schemas.openxmlformats.org/markup-compatibility/2006" xmlns:a14="http://schemas.microsoft.com/office/drawing/2010/main">
-        <mc:Choice Requires="a14">
+      <mc:AlternateContent xmlns:mc="http://schemas.openxmlformats.org/markup-compatibility/2006">
+        <mc:Choice xmlns:a14="http://schemas.microsoft.com/office/drawing/2010/main" Requires="a14">
           <p:sp>
             <p:nvSpPr>
               <p:cNvPr id="16" name="TextBox 15"/>
@@ -8511,7 +8507,7 @@
                           <a:ea typeface="Cambria Math" charset="0"/>
                           <a:cs typeface="Cambria Math" charset="0"/>
                         </a:rPr>
-                        <m:t>, </m:t>
+                        <m:t>, (</m:t>
                       </m:r>
                       <m:r>
                         <a:rPr lang="en-US" i="1">
@@ -8521,6 +8517,14 @@
                         </a:rPr>
                         <m:t>𝜙</m:t>
                       </m:r>
+                      <m:r>
+                        <a:rPr lang="en-US" b="0" i="1" smtClean="0">
+                          <a:latin typeface="Cambria Math" charset="0"/>
+                          <a:ea typeface="Cambria Math" charset="0"/>
+                          <a:cs typeface="Cambria Math" charset="0"/>
+                        </a:rPr>
+                        <m:t>)</m:t>
+                      </m:r>
                     </m:oMath>
                   </m:oMathPara>
                 </a14:m>
@@ -8529,7 +8533,7 @@
             </p:txBody>
           </p:sp>
         </mc:Choice>
-        <mc:Fallback xmlns="">
+        <mc:Fallback>
           <p:sp>
             <p:nvSpPr>
               <p:cNvPr id="16" name="TextBox 15"/>
@@ -8549,7 +8553,7 @@
               <a:blipFill rotWithShape="0">
                 <a:blip r:embed="rId2"/>
                 <a:stretch>
-                  <a:fillRect b="-11475"/>
+                  <a:fillRect b="-13115"/>
                 </a:stretch>
               </a:blipFill>
             </p:spPr>
@@ -8568,8 +8572,8 @@
           </p:sp>
         </mc:Fallback>
       </mc:AlternateContent>
-      <mc:AlternateContent xmlns:mc="http://schemas.openxmlformats.org/markup-compatibility/2006" xmlns:a14="http://schemas.microsoft.com/office/drawing/2010/main">
-        <mc:Choice Requires="a14">
+      <mc:AlternateContent xmlns:mc="http://schemas.openxmlformats.org/markup-compatibility/2006">
+        <mc:Choice xmlns:a14="http://schemas.microsoft.com/office/drawing/2010/main" Requires="a14">
           <p:sp>
             <p:nvSpPr>
               <p:cNvPr id="17" name="TextBox 16"/>
@@ -8613,7 +8617,7 @@
                           <a:ea typeface="Cambria Math" charset="0"/>
                           <a:cs typeface="Cambria Math" charset="0"/>
                         </a:rPr>
-                        <m:t>, </m:t>
+                        <m:t>, (</m:t>
                       </m:r>
                       <m:r>
                         <a:rPr lang="en-US" i="1" smtClean="0">
@@ -8623,6 +8627,14 @@
                         </a:rPr>
                         <m:t>𝜓</m:t>
                       </m:r>
+                      <m:r>
+                        <a:rPr lang="en-US" b="0" i="1" smtClean="0">
+                          <a:latin typeface="Cambria Math" charset="0"/>
+                          <a:ea typeface="Cambria Math" charset="0"/>
+                          <a:cs typeface="Cambria Math" charset="0"/>
+                        </a:rPr>
+                        <m:t>)</m:t>
+                      </m:r>
                     </m:oMath>
                   </m:oMathPara>
                 </a14:m>
@@ -8631,7 +8643,7 @@
             </p:txBody>
           </p:sp>
         </mc:Choice>
-        <mc:Fallback xmlns="">
+        <mc:Fallback>
           <p:sp>
             <p:nvSpPr>
               <p:cNvPr id="17" name="TextBox 16"/>
@@ -8651,7 +8663,7 @@
               <a:blipFill rotWithShape="0">
                 <a:blip r:embed="rId3"/>
                 <a:stretch>
-                  <a:fillRect r="-5263" b="-11475"/>
+                  <a:fillRect r="-38947" b="-13115"/>
                 </a:stretch>
               </a:blipFill>
             </p:spPr>

--- a/FiguresPaper.pptx
+++ b/FiguresPaper.pptx
@@ -5,13 +5,16 @@
     <p:sldMasterId id="2147483648" r:id="rId1"/>
   </p:sldMasterIdLst>
   <p:notesMasterIdLst>
-    <p:notesMasterId r:id="rId6"/>
+    <p:notesMasterId r:id="rId9"/>
   </p:notesMasterIdLst>
   <p:sldIdLst>
     <p:sldId id="301" r:id="rId2"/>
     <p:sldId id="299" r:id="rId3"/>
     <p:sldId id="302" r:id="rId4"/>
     <p:sldId id="298" r:id="rId5"/>
+    <p:sldId id="303" r:id="rId6"/>
+    <p:sldId id="304" r:id="rId7"/>
+    <p:sldId id="305" r:id="rId8"/>
   </p:sldIdLst>
   <p:sldSz cx="9144000" cy="6858000" type="screen4x3"/>
   <p:notesSz cx="6858000" cy="9144000"/>
@@ -477,6 +480,1294 @@
     </a:lvl9pPr>
   </p:notesStyle>
 </p:notesMaster>
+</file>
+
+<file path=ppt/notesSlides/notesSlide1.xml><?xml version="1.0" encoding="utf-8"?>
+<p:notes xmlns:a="http://schemas.openxmlformats.org/drawingml/2006/main" xmlns:r="http://schemas.openxmlformats.org/officeDocument/2006/relationships" xmlns:p="http://schemas.openxmlformats.org/presentationml/2006/main">
+  <p:cSld>
+    <p:spTree>
+      <p:nvGrpSpPr>
+        <p:cNvPr id="1" name=""/>
+        <p:cNvGrpSpPr/>
+        <p:nvPr/>
+      </p:nvGrpSpPr>
+      <p:grpSpPr>
+        <a:xfrm>
+          <a:off x="0" y="0"/>
+          <a:ext cx="0" cy="0"/>
+          <a:chOff x="0" y="0"/>
+          <a:chExt cx="0" cy="0"/>
+        </a:xfrm>
+      </p:grpSpPr>
+      <p:sp>
+        <p:nvSpPr>
+          <p:cNvPr id="22529" name="Slide Image Placeholder 1"/>
+          <p:cNvSpPr>
+            <a:spLocks noGrp="1" noRot="1" noChangeAspect="1" noTextEdit="1"/>
+          </p:cNvSpPr>
+          <p:nvPr>
+            <p:ph type="sldImg"/>
+          </p:nvPr>
+        </p:nvSpPr>
+        <p:spPr bwMode="auto">
+          <a:noFill/>
+          <a:ln>
+            <a:solidFill>
+              <a:srgbClr val="000000"/>
+            </a:solidFill>
+            <a:miter lim="800000"/>
+            <a:headEnd/>
+            <a:tailEnd/>
+          </a:ln>
+          <a:extLst>
+            <a:ext uri="{909E8E84-426E-40DD-AFC4-6F175D3DCCD1}">
+              <a14:hiddenFill xmlns:a14="http://schemas.microsoft.com/office/drawing/2010/main">
+                <a:solidFill>
+                  <a:srgbClr val="FFFFFF"/>
+                </a:solidFill>
+              </a14:hiddenFill>
+            </a:ext>
+            <a:ext uri="{FAA26D3D-D897-4be2-8F04-BA451C77F1D7}">
+              <ma14:placeholderFlag xmlns:ma14="http://schemas.microsoft.com/office/mac/drawingml/2011/main" val="1"/>
+            </a:ext>
+          </a:extLst>
+        </p:spPr>
+      </p:sp>
+      <p:sp>
+        <p:nvSpPr>
+          <p:cNvPr id="22530" name="Notes Placeholder 2"/>
+          <p:cNvSpPr>
+            <a:spLocks noGrp="1"/>
+          </p:cNvSpPr>
+          <p:nvPr>
+            <p:ph type="body" idx="1"/>
+          </p:nvPr>
+        </p:nvSpPr>
+        <p:spPr bwMode="auto">
+          <a:noFill/>
+          <a:extLst>
+            <a:ext uri="{909E8E84-426E-40DD-AFC4-6F175D3DCCD1}">
+              <a14:hiddenFill xmlns:a14="http://schemas.microsoft.com/office/drawing/2010/main">
+                <a:solidFill>
+                  <a:srgbClr val="FFFFFF"/>
+                </a:solidFill>
+              </a14:hiddenFill>
+            </a:ext>
+            <a:ext uri="{91240B29-F687-4F45-9708-019B960494DF}">
+              <a14:hiddenLine xmlns:a14="http://schemas.microsoft.com/office/drawing/2010/main" w="9525">
+                <a:solidFill>
+                  <a:srgbClr val="000000"/>
+                </a:solidFill>
+                <a:miter lim="800000"/>
+                <a:headEnd/>
+                <a:tailEnd/>
+              </a14:hiddenLine>
+            </a:ext>
+          </a:extLst>
+        </p:spPr>
+        <p:txBody>
+          <a:bodyPr/>
+          <a:lstStyle/>
+          <a:p>
+            <a:pPr marL="171450" marR="0" lvl="0" indent="-171450" algn="l" defTabSz="914400" rtl="0" eaLnBrk="1" fontAlgn="base" latinLnBrk="0" hangingPunct="1">
+              <a:lnSpc>
+                <a:spcPct val="100000"/>
+              </a:lnSpc>
+              <a:spcBef>
+                <a:spcPct val="0"/>
+              </a:spcBef>
+              <a:spcAft>
+                <a:spcPct val="0"/>
+              </a:spcAft>
+              <a:buClrTx/>
+              <a:buSzTx/>
+              <a:buFont typeface="Arial" charset="0"/>
+              <a:buChar char="•"/>
+              <a:tabLst/>
+              <a:defRPr/>
+            </a:pPr>
+            <a:r>
+              <a:rPr lang="en-NZ" altLang="en-US" dirty="0" smtClean="0"/>
+              <a:t>Now why we</a:t>
+            </a:r>
+            <a:r>
+              <a:rPr lang="en-NZ" altLang="en-US" baseline="0" dirty="0" smtClean="0"/>
+              <a:t> need service composition ?</a:t>
+            </a:r>
+            <a:endParaRPr lang="en-NZ" altLang="en-US" dirty="0" smtClean="0"/>
+          </a:p>
+          <a:p>
+            <a:pPr marL="171450" marR="0" lvl="0" indent="-171450" algn="l" defTabSz="914400" rtl="0" eaLnBrk="1" fontAlgn="base" latinLnBrk="0" hangingPunct="1">
+              <a:lnSpc>
+                <a:spcPct val="100000"/>
+              </a:lnSpc>
+              <a:spcBef>
+                <a:spcPct val="0"/>
+              </a:spcBef>
+              <a:spcAft>
+                <a:spcPct val="0"/>
+              </a:spcAft>
+              <a:buClrTx/>
+              <a:buSzTx/>
+              <a:buFont typeface="Arial" charset="0"/>
+              <a:buChar char="•"/>
+              <a:tabLst/>
+              <a:defRPr/>
+            </a:pPr>
+            <a:r>
+              <a:rPr lang="en-NZ" altLang="en-US" dirty="0" smtClean="0"/>
+              <a:t>Since one atomic web service could not satisfy or fully satisfy users' complex requirements, web services are composed together to meet</a:t>
+            </a:r>
+            <a:r>
+              <a:rPr lang="en-NZ" altLang="en-US" baseline="0" dirty="0" smtClean="0"/>
+              <a:t> </a:t>
+            </a:r>
+            <a:r>
+              <a:rPr lang="en-NZ" altLang="en-US" dirty="0" smtClean="0"/>
+              <a:t>more sophisticated meet a more complex requirement. </a:t>
+            </a:r>
+          </a:p>
+          <a:p>
+            <a:pPr marL="171450" marR="0" lvl="0" indent="-171450" algn="l" defTabSz="914400" rtl="0" eaLnBrk="1" fontAlgn="base" latinLnBrk="0" hangingPunct="1">
+              <a:lnSpc>
+                <a:spcPct val="100000"/>
+              </a:lnSpc>
+              <a:spcBef>
+                <a:spcPct val="0"/>
+              </a:spcBef>
+              <a:spcAft>
+                <a:spcPct val="0"/>
+              </a:spcAft>
+              <a:buClrTx/>
+              <a:buSzTx/>
+              <a:buFont typeface="Arial" charset="0"/>
+              <a:buChar char="•"/>
+              <a:tabLst/>
+              <a:defRPr/>
+            </a:pPr>
+            <a:r>
+              <a:rPr lang="en-NZ" altLang="en-US" dirty="0" smtClean="0"/>
+              <a:t>This slide shows a popular web service composition example from travel domain, In this scenario, the agency provide services of booking flights, accommodation and bus for</a:t>
+            </a:r>
+            <a:r>
+              <a:rPr lang="en-NZ" altLang="en-US" baseline="0" dirty="0" smtClean="0"/>
+              <a:t> </a:t>
+            </a:r>
+            <a:r>
+              <a:rPr lang="en-NZ" altLang="en-US" dirty="0" smtClean="0"/>
+              <a:t>users. </a:t>
+            </a:r>
+          </a:p>
+          <a:p>
+            <a:pPr marL="171450" marR="0" lvl="0" indent="-171450" algn="l" defTabSz="914400" rtl="0" eaLnBrk="1" fontAlgn="base" latinLnBrk="0" hangingPunct="1">
+              <a:lnSpc>
+                <a:spcPct val="100000"/>
+              </a:lnSpc>
+              <a:spcBef>
+                <a:spcPct val="0"/>
+              </a:spcBef>
+              <a:spcAft>
+                <a:spcPct val="0"/>
+              </a:spcAft>
+              <a:buClrTx/>
+              <a:buSzTx/>
+              <a:buFont typeface="Arial" charset="0"/>
+              <a:buChar char="•"/>
+              <a:tabLst/>
+              <a:defRPr/>
+            </a:pPr>
+            <a:r>
+              <a:rPr lang="en-NZ" altLang="en-US" dirty="0" smtClean="0"/>
+              <a:t>The inputs are gathered from customers, and the outputs are expected to be returned. </a:t>
+            </a:r>
+          </a:p>
+          <a:p>
+            <a:pPr marL="171450" marR="0" lvl="0" indent="-171450" algn="l" defTabSz="914400" rtl="0" eaLnBrk="1" fontAlgn="base" latinLnBrk="0" hangingPunct="1">
+              <a:lnSpc>
+                <a:spcPct val="100000"/>
+              </a:lnSpc>
+              <a:spcBef>
+                <a:spcPct val="0"/>
+              </a:spcBef>
+              <a:spcAft>
+                <a:spcPct val="0"/>
+              </a:spcAft>
+              <a:buClrTx/>
+              <a:buSzTx/>
+              <a:buFont typeface="Arial" charset="0"/>
+              <a:buChar char="•"/>
+              <a:tabLst/>
+              <a:defRPr/>
+            </a:pPr>
+            <a:r>
+              <a:rPr lang="en-NZ" altLang="en-US" dirty="0" smtClean="0"/>
+              <a:t>We begin by executing the </a:t>
+            </a:r>
+            <a:r>
+              <a:rPr lang="en-NZ" altLang="en-US" dirty="0" err="1" smtClean="0"/>
+              <a:t>FlightBooking</a:t>
+            </a:r>
+            <a:r>
+              <a:rPr lang="en-NZ" altLang="en-US" dirty="0" smtClean="0"/>
+              <a:t> Service and </a:t>
+            </a:r>
+            <a:r>
+              <a:rPr lang="en-NZ" altLang="en-US" dirty="0" err="1" smtClean="0"/>
+              <a:t>GenerateMap</a:t>
+            </a:r>
+            <a:r>
+              <a:rPr lang="en-NZ" altLang="en-US" baseline="0" dirty="0" smtClean="0"/>
+              <a:t> Service</a:t>
+            </a:r>
+            <a:r>
+              <a:rPr lang="en-NZ" altLang="en-US" dirty="0" smtClean="0"/>
+              <a:t>, the</a:t>
+            </a:r>
+            <a:r>
+              <a:rPr lang="en-NZ" altLang="en-US" baseline="0" dirty="0" smtClean="0"/>
+              <a:t> </a:t>
+            </a:r>
+            <a:r>
+              <a:rPr lang="en-NZ" altLang="en-US" baseline="0" dirty="0" err="1" smtClean="0"/>
+              <a:t>FilightInformation</a:t>
+            </a:r>
+            <a:r>
+              <a:rPr lang="en-NZ" altLang="en-US" baseline="0" dirty="0" smtClean="0"/>
+              <a:t> </a:t>
+            </a:r>
+            <a:r>
+              <a:rPr lang="en-NZ" altLang="en-US" baseline="0" dirty="0" err="1" smtClean="0"/>
+              <a:t>serevice</a:t>
+            </a:r>
+            <a:r>
+              <a:rPr lang="en-NZ" altLang="en-US" dirty="0" smtClean="0"/>
+              <a:t> books the flights and determines the arrival date. Then, we use the arrival date together with the other given data, we can book the hotel and bus.  Together, these three services produce all required outputs.</a:t>
+            </a:r>
+            <a:endParaRPr lang="en-NZ" altLang="en-US" dirty="0"/>
+          </a:p>
+        </p:txBody>
+      </p:sp>
+      <p:sp>
+        <p:nvSpPr>
+          <p:cNvPr id="22531" name="Slide Number Placeholder 3"/>
+          <p:cNvSpPr>
+            <a:spLocks noGrp="1"/>
+          </p:cNvSpPr>
+          <p:nvPr>
+            <p:ph type="sldNum" sz="quarter" idx="5"/>
+          </p:nvPr>
+        </p:nvSpPr>
+        <p:spPr bwMode="auto">
+          <a:noFill/>
+          <a:extLst>
+            <a:ext uri="{909E8E84-426E-40DD-AFC4-6F175D3DCCD1}">
+              <a14:hiddenFill xmlns:a14="http://schemas.microsoft.com/office/drawing/2010/main">
+                <a:solidFill>
+                  <a:srgbClr val="FFFFFF"/>
+                </a:solidFill>
+              </a14:hiddenFill>
+            </a:ext>
+            <a:ext uri="{91240B29-F687-4F45-9708-019B960494DF}">
+              <a14:hiddenLine xmlns:a14="http://schemas.microsoft.com/office/drawing/2010/main" w="9525">
+                <a:solidFill>
+                  <a:srgbClr val="000000"/>
+                </a:solidFill>
+                <a:miter lim="800000"/>
+                <a:headEnd/>
+                <a:tailEnd/>
+              </a14:hiddenLine>
+            </a:ext>
+          </a:extLst>
+        </p:spPr>
+        <p:txBody>
+          <a:bodyPr/>
+          <a:lstStyle>
+            <a:lvl1pPr>
+              <a:defRPr>
+                <a:solidFill>
+                  <a:schemeClr val="tx1"/>
+                </a:solidFill>
+                <a:latin typeface="Calibri" charset="0"/>
+              </a:defRPr>
+            </a:lvl1pPr>
+            <a:lvl2pPr marL="742950" indent="-285750">
+              <a:defRPr>
+                <a:solidFill>
+                  <a:schemeClr val="tx1"/>
+                </a:solidFill>
+                <a:latin typeface="Calibri" charset="0"/>
+              </a:defRPr>
+            </a:lvl2pPr>
+            <a:lvl3pPr marL="1143000" indent="-228600">
+              <a:defRPr>
+                <a:solidFill>
+                  <a:schemeClr val="tx1"/>
+                </a:solidFill>
+                <a:latin typeface="Calibri" charset="0"/>
+              </a:defRPr>
+            </a:lvl3pPr>
+            <a:lvl4pPr marL="1600200" indent="-228600">
+              <a:defRPr>
+                <a:solidFill>
+                  <a:schemeClr val="tx1"/>
+                </a:solidFill>
+                <a:latin typeface="Calibri" charset="0"/>
+              </a:defRPr>
+            </a:lvl4pPr>
+            <a:lvl5pPr marL="2057400" indent="-228600">
+              <a:defRPr>
+                <a:solidFill>
+                  <a:schemeClr val="tx1"/>
+                </a:solidFill>
+                <a:latin typeface="Calibri" charset="0"/>
+              </a:defRPr>
+            </a:lvl5pPr>
+            <a:lvl6pPr marL="2514600" indent="-228600" eaLnBrk="0" fontAlgn="base" hangingPunct="0">
+              <a:spcBef>
+                <a:spcPct val="0"/>
+              </a:spcBef>
+              <a:spcAft>
+                <a:spcPct val="0"/>
+              </a:spcAft>
+              <a:defRPr>
+                <a:solidFill>
+                  <a:schemeClr val="tx1"/>
+                </a:solidFill>
+                <a:latin typeface="Calibri" charset="0"/>
+              </a:defRPr>
+            </a:lvl6pPr>
+            <a:lvl7pPr marL="2971800" indent="-228600" eaLnBrk="0" fontAlgn="base" hangingPunct="0">
+              <a:spcBef>
+                <a:spcPct val="0"/>
+              </a:spcBef>
+              <a:spcAft>
+                <a:spcPct val="0"/>
+              </a:spcAft>
+              <a:defRPr>
+                <a:solidFill>
+                  <a:schemeClr val="tx1"/>
+                </a:solidFill>
+                <a:latin typeface="Calibri" charset="0"/>
+              </a:defRPr>
+            </a:lvl7pPr>
+            <a:lvl8pPr marL="3429000" indent="-228600" eaLnBrk="0" fontAlgn="base" hangingPunct="0">
+              <a:spcBef>
+                <a:spcPct val="0"/>
+              </a:spcBef>
+              <a:spcAft>
+                <a:spcPct val="0"/>
+              </a:spcAft>
+              <a:defRPr>
+                <a:solidFill>
+                  <a:schemeClr val="tx1"/>
+                </a:solidFill>
+                <a:latin typeface="Calibri" charset="0"/>
+              </a:defRPr>
+            </a:lvl8pPr>
+            <a:lvl9pPr marL="3886200" indent="-228600" eaLnBrk="0" fontAlgn="base" hangingPunct="0">
+              <a:spcBef>
+                <a:spcPct val="0"/>
+              </a:spcBef>
+              <a:spcAft>
+                <a:spcPct val="0"/>
+              </a:spcAft>
+              <a:defRPr>
+                <a:solidFill>
+                  <a:schemeClr val="tx1"/>
+                </a:solidFill>
+                <a:latin typeface="Calibri" charset="0"/>
+              </a:defRPr>
+            </a:lvl9pPr>
+          </a:lstStyle>
+          <a:p>
+            <a:fld id="{85CC1D6C-06A7-1349-9C3E-94822FDBF396}" type="slidenum">
+              <a:rPr lang="en-NZ" altLang="en-US"/>
+              <a:pPr/>
+              <a:t>5</a:t>
+            </a:fld>
+            <a:endParaRPr lang="en-NZ" altLang="en-US"/>
+          </a:p>
+        </p:txBody>
+      </p:sp>
+    </p:spTree>
+    <p:extLst>
+      <p:ext uri="{BB962C8B-B14F-4D97-AF65-F5344CB8AC3E}">
+        <p14:creationId xmlns:p14="http://schemas.microsoft.com/office/powerpoint/2010/main" val="2119751103"/>
+      </p:ext>
+    </p:extLst>
+  </p:cSld>
+  <p:clrMapOvr>
+    <a:masterClrMapping/>
+  </p:clrMapOvr>
+</p:notes>
+</file>
+
+<file path=ppt/notesSlides/notesSlide2.xml><?xml version="1.0" encoding="utf-8"?>
+<p:notes xmlns:a="http://schemas.openxmlformats.org/drawingml/2006/main" xmlns:r="http://schemas.openxmlformats.org/officeDocument/2006/relationships" xmlns:p="http://schemas.openxmlformats.org/presentationml/2006/main">
+  <p:cSld>
+    <p:spTree>
+      <p:nvGrpSpPr>
+        <p:cNvPr id="1" name=""/>
+        <p:cNvGrpSpPr/>
+        <p:nvPr/>
+      </p:nvGrpSpPr>
+      <p:grpSpPr>
+        <a:xfrm>
+          <a:off x="0" y="0"/>
+          <a:ext cx="0" cy="0"/>
+          <a:chOff x="0" y="0"/>
+          <a:chExt cx="0" cy="0"/>
+        </a:xfrm>
+      </p:grpSpPr>
+      <p:sp>
+        <p:nvSpPr>
+          <p:cNvPr id="20481" name="Slide Image Placeholder 1"/>
+          <p:cNvSpPr>
+            <a:spLocks noGrp="1" noRot="1" noChangeAspect="1" noTextEdit="1"/>
+          </p:cNvSpPr>
+          <p:nvPr>
+            <p:ph type="sldImg"/>
+          </p:nvPr>
+        </p:nvSpPr>
+        <p:spPr bwMode="auto">
+          <a:noFill/>
+          <a:ln>
+            <a:solidFill>
+              <a:srgbClr val="000000"/>
+            </a:solidFill>
+            <a:miter lim="800000"/>
+            <a:headEnd/>
+            <a:tailEnd/>
+          </a:ln>
+          <a:extLst>
+            <a:ext uri="{909E8E84-426E-40DD-AFC4-6F175D3DCCD1}">
+              <a14:hiddenFill xmlns:a14="http://schemas.microsoft.com/office/drawing/2010/main">
+                <a:solidFill>
+                  <a:srgbClr val="FFFFFF"/>
+                </a:solidFill>
+              </a14:hiddenFill>
+            </a:ext>
+            <a:ext uri="{FAA26D3D-D897-4be2-8F04-BA451C77F1D7}">
+              <ma14:placeholderFlag xmlns:ma14="http://schemas.microsoft.com/office/mac/drawingml/2011/main" val="1"/>
+            </a:ext>
+          </a:extLst>
+        </p:spPr>
+      </p:sp>
+      <p:sp>
+        <p:nvSpPr>
+          <p:cNvPr id="20482" name="Notes Placeholder 2"/>
+          <p:cNvSpPr>
+            <a:spLocks noGrp="1"/>
+          </p:cNvSpPr>
+          <p:nvPr>
+            <p:ph type="body" idx="1"/>
+          </p:nvPr>
+        </p:nvSpPr>
+        <p:spPr bwMode="auto">
+          <a:noFill/>
+          <a:extLst>
+            <a:ext uri="{909E8E84-426E-40DD-AFC4-6F175D3DCCD1}">
+              <a14:hiddenFill xmlns:a14="http://schemas.microsoft.com/office/drawing/2010/main">
+                <a:solidFill>
+                  <a:srgbClr val="FFFFFF"/>
+                </a:solidFill>
+              </a14:hiddenFill>
+            </a:ext>
+            <a:ext uri="{91240B29-F687-4F45-9708-019B960494DF}">
+              <a14:hiddenLine xmlns:a14="http://schemas.microsoft.com/office/drawing/2010/main" w="9525">
+                <a:solidFill>
+                  <a:srgbClr val="000000"/>
+                </a:solidFill>
+                <a:miter lim="800000"/>
+                <a:headEnd/>
+                <a:tailEnd/>
+              </a14:hiddenLine>
+            </a:ext>
+          </a:extLst>
+        </p:spPr>
+        <p:txBody>
+          <a:bodyPr/>
+          <a:lstStyle/>
+          <a:p>
+            <a:pPr marL="171450" indent="-171450" eaLnBrk="1" hangingPunct="1">
+              <a:spcBef>
+                <a:spcPct val="0"/>
+              </a:spcBef>
+              <a:buFontTx/>
+              <a:buChar char="•"/>
+            </a:pPr>
+            <a:r>
+              <a:rPr lang="en-NZ" altLang="en-US" dirty="0" smtClean="0"/>
+              <a:t>From the</a:t>
+            </a:r>
+            <a:r>
+              <a:rPr lang="en-NZ" altLang="en-US" baseline="0" dirty="0" smtClean="0"/>
+              <a:t> previous example, two features are addressed in its functional properties.</a:t>
+            </a:r>
+            <a:endParaRPr lang="en-NZ" altLang="en-US" dirty="0" smtClean="0"/>
+          </a:p>
+          <a:p>
+            <a:pPr marL="171450" indent="-171450" eaLnBrk="1" hangingPunct="1">
+              <a:spcBef>
+                <a:spcPct val="0"/>
+              </a:spcBef>
+              <a:buFontTx/>
+              <a:buChar char="•"/>
+            </a:pPr>
+            <a:r>
+              <a:rPr lang="en-NZ" altLang="en-US" baseline="0" dirty="0" smtClean="0"/>
+              <a:t>O</a:t>
+            </a:r>
+            <a:r>
+              <a:rPr lang="en-NZ" altLang="en-US" dirty="0" smtClean="0"/>
+              <a:t>ne is the Valid functionalities, another is Semantic matchmaking quality.</a:t>
+            </a:r>
+          </a:p>
+          <a:p>
+            <a:pPr marL="171450" indent="-171450" eaLnBrk="1" hangingPunct="1">
+              <a:spcBef>
+                <a:spcPct val="0"/>
+              </a:spcBef>
+              <a:buFontTx/>
+              <a:buChar char="•"/>
+            </a:pPr>
+            <a:r>
+              <a:rPr lang="en-NZ" altLang="en-US" dirty="0" smtClean="0"/>
+              <a:t>In the first feature, all inputs of involved services must be satisfied for</a:t>
+            </a:r>
+            <a:r>
+              <a:rPr lang="en-NZ" altLang="en-US" baseline="0" dirty="0" smtClean="0"/>
+              <a:t> the </a:t>
+            </a:r>
+            <a:r>
+              <a:rPr lang="en-NZ" altLang="en-US" dirty="0" smtClean="0"/>
+              <a:t>execution</a:t>
+            </a:r>
+            <a:r>
+              <a:rPr lang="en-NZ" altLang="en-US" baseline="0" dirty="0" smtClean="0"/>
+              <a:t> of </a:t>
+            </a:r>
+            <a:r>
+              <a:rPr lang="en-NZ" altLang="en-US" dirty="0" smtClean="0"/>
+              <a:t>service composition.</a:t>
+            </a:r>
+            <a:r>
+              <a:rPr lang="en-NZ" altLang="en-US" baseline="0" dirty="0" smtClean="0"/>
+              <a:t> Meanwhile,  </a:t>
+            </a:r>
+            <a:r>
+              <a:rPr lang="en-NZ" altLang="en-US" dirty="0" smtClean="0"/>
+              <a:t>the required outputs of service composition is a a subset of outputs of all involved web services</a:t>
+            </a:r>
+          </a:p>
+          <a:p>
+            <a:pPr marL="0" indent="0">
+              <a:buNone/>
+            </a:pPr>
+            <a:r>
+              <a:rPr lang="en-NZ" altLang="en-US" dirty="0" smtClean="0"/>
+              <a:t>The</a:t>
+            </a:r>
+            <a:r>
+              <a:rPr lang="en-NZ" altLang="en-US" baseline="0" dirty="0" smtClean="0"/>
+              <a:t> second feature is t</a:t>
+            </a:r>
+            <a:r>
+              <a:rPr lang="en-NZ" altLang="en-US" dirty="0" smtClean="0"/>
+              <a:t>he quality of the matchmaking, it answers</a:t>
+            </a:r>
+            <a:r>
+              <a:rPr lang="en-NZ" altLang="en-US" baseline="0" dirty="0" smtClean="0"/>
+              <a:t> h</a:t>
+            </a:r>
+            <a:r>
+              <a:rPr lang="en-NZ" altLang="x-none" sz="1200" dirty="0" smtClean="0"/>
+              <a:t>ow perfect does the provided inputs match the required outputs</a:t>
+            </a:r>
+          </a:p>
+          <a:p>
+            <a:pPr marL="171450" indent="-171450" eaLnBrk="1" hangingPunct="1">
+              <a:spcBef>
+                <a:spcPct val="0"/>
+              </a:spcBef>
+              <a:buFontTx/>
+              <a:buChar char="•"/>
+            </a:pPr>
+            <a:r>
+              <a:rPr lang="en-NZ" altLang="en-US" dirty="0" smtClean="0"/>
+              <a:t>On</a:t>
+            </a:r>
+            <a:r>
+              <a:rPr lang="en-NZ" altLang="en-US" baseline="0" dirty="0" smtClean="0"/>
+              <a:t>e component service from previous example</a:t>
+            </a:r>
+            <a:r>
+              <a:rPr lang="en-NZ" altLang="en-US" dirty="0" smtClean="0"/>
+              <a:t>, a </a:t>
+            </a:r>
+            <a:r>
+              <a:rPr lang="en-NZ" altLang="en-US" dirty="0" err="1" smtClean="0"/>
+              <a:t>generateMap</a:t>
+            </a:r>
+            <a:r>
+              <a:rPr lang="en-NZ" altLang="en-US" dirty="0" smtClean="0"/>
+              <a:t> service requires inputs </a:t>
+            </a:r>
+            <a:r>
+              <a:rPr lang="en-NZ" altLang="en-US" dirty="0" err="1" smtClean="0"/>
+              <a:t>MappedLocation</a:t>
+            </a:r>
+            <a:r>
+              <a:rPr lang="en-NZ" altLang="en-US" dirty="0" smtClean="0"/>
+              <a:t> and producing output </a:t>
+            </a:r>
+            <a:r>
+              <a:rPr lang="en-NZ" altLang="en-US" dirty="0" err="1" smtClean="0"/>
+              <a:t>StreetMap</a:t>
+            </a:r>
+            <a:r>
+              <a:rPr lang="en-NZ" altLang="en-US" dirty="0" smtClean="0"/>
+              <a:t>. However, </a:t>
+            </a:r>
+            <a:r>
+              <a:rPr lang="en-NZ" altLang="en-US" dirty="0" err="1" smtClean="0"/>
+              <a:t>MappedLocation</a:t>
+            </a:r>
+            <a:r>
+              <a:rPr lang="en-NZ" altLang="en-US" dirty="0" smtClean="0"/>
+              <a:t> is not provided, only </a:t>
+            </a:r>
+            <a:r>
+              <a:rPr lang="en-NZ" altLang="en-US" dirty="0" err="1" smtClean="0"/>
+              <a:t>ConferenceCity</a:t>
+            </a:r>
+            <a:r>
+              <a:rPr lang="en-NZ" altLang="en-US" dirty="0" smtClean="0"/>
+              <a:t> is provided satisfying the relationship here. We can see that </a:t>
+            </a:r>
+            <a:r>
+              <a:rPr lang="en-NZ" altLang="en-US" dirty="0" err="1" smtClean="0"/>
+              <a:t>ConferenceCity</a:t>
+            </a:r>
+            <a:r>
+              <a:rPr lang="en-NZ" altLang="en-US" dirty="0" smtClean="0"/>
+              <a:t> is less preferable compared to </a:t>
+            </a:r>
+            <a:r>
+              <a:rPr lang="en-NZ" altLang="en-US" dirty="0" err="1" smtClean="0"/>
+              <a:t>MappedLocation</a:t>
+            </a:r>
+            <a:r>
+              <a:rPr lang="en-NZ" altLang="en-US" dirty="0" smtClean="0"/>
+              <a:t>. Therefore, Semantic matchmaking quality between </a:t>
+            </a:r>
+            <a:r>
+              <a:rPr lang="en-NZ" altLang="en-US" dirty="0" err="1" smtClean="0"/>
+              <a:t>ConferenceCity</a:t>
+            </a:r>
+            <a:r>
+              <a:rPr lang="en-NZ" altLang="en-US" dirty="0" smtClean="0"/>
+              <a:t> and  </a:t>
+            </a:r>
+            <a:r>
+              <a:rPr lang="en-NZ" altLang="en-US" dirty="0" err="1" smtClean="0"/>
+              <a:t>MappedLocation</a:t>
+            </a:r>
+            <a:r>
+              <a:rPr lang="en-NZ" altLang="en-US" dirty="0" smtClean="0"/>
+              <a:t> is relatively lower. \end{itemize}</a:t>
+            </a:r>
+            <a:endParaRPr lang="en-NZ" altLang="en-US" dirty="0"/>
+          </a:p>
+        </p:txBody>
+      </p:sp>
+      <p:sp>
+        <p:nvSpPr>
+          <p:cNvPr id="20483" name="Slide Number Placeholder 3"/>
+          <p:cNvSpPr>
+            <a:spLocks noGrp="1"/>
+          </p:cNvSpPr>
+          <p:nvPr>
+            <p:ph type="sldNum" sz="quarter" idx="5"/>
+          </p:nvPr>
+        </p:nvSpPr>
+        <p:spPr bwMode="auto">
+          <a:noFill/>
+          <a:extLst>
+            <a:ext uri="{909E8E84-426E-40DD-AFC4-6F175D3DCCD1}">
+              <a14:hiddenFill xmlns:a14="http://schemas.microsoft.com/office/drawing/2010/main">
+                <a:solidFill>
+                  <a:srgbClr val="FFFFFF"/>
+                </a:solidFill>
+              </a14:hiddenFill>
+            </a:ext>
+            <a:ext uri="{91240B29-F687-4F45-9708-019B960494DF}">
+              <a14:hiddenLine xmlns:a14="http://schemas.microsoft.com/office/drawing/2010/main" w="9525">
+                <a:solidFill>
+                  <a:srgbClr val="000000"/>
+                </a:solidFill>
+                <a:miter lim="800000"/>
+                <a:headEnd/>
+                <a:tailEnd/>
+              </a14:hiddenLine>
+            </a:ext>
+          </a:extLst>
+        </p:spPr>
+        <p:txBody>
+          <a:bodyPr/>
+          <a:lstStyle>
+            <a:lvl1pPr>
+              <a:defRPr>
+                <a:solidFill>
+                  <a:schemeClr val="tx1"/>
+                </a:solidFill>
+                <a:latin typeface="Calibri" charset="0"/>
+              </a:defRPr>
+            </a:lvl1pPr>
+            <a:lvl2pPr marL="742950" indent="-285750">
+              <a:defRPr>
+                <a:solidFill>
+                  <a:schemeClr val="tx1"/>
+                </a:solidFill>
+                <a:latin typeface="Calibri" charset="0"/>
+              </a:defRPr>
+            </a:lvl2pPr>
+            <a:lvl3pPr marL="1143000" indent="-228600">
+              <a:defRPr>
+                <a:solidFill>
+                  <a:schemeClr val="tx1"/>
+                </a:solidFill>
+                <a:latin typeface="Calibri" charset="0"/>
+              </a:defRPr>
+            </a:lvl3pPr>
+            <a:lvl4pPr marL="1600200" indent="-228600">
+              <a:defRPr>
+                <a:solidFill>
+                  <a:schemeClr val="tx1"/>
+                </a:solidFill>
+                <a:latin typeface="Calibri" charset="0"/>
+              </a:defRPr>
+            </a:lvl4pPr>
+            <a:lvl5pPr marL="2057400" indent="-228600">
+              <a:defRPr>
+                <a:solidFill>
+                  <a:schemeClr val="tx1"/>
+                </a:solidFill>
+                <a:latin typeface="Calibri" charset="0"/>
+              </a:defRPr>
+            </a:lvl5pPr>
+            <a:lvl6pPr marL="2514600" indent="-228600" eaLnBrk="0" fontAlgn="base" hangingPunct="0">
+              <a:spcBef>
+                <a:spcPct val="0"/>
+              </a:spcBef>
+              <a:spcAft>
+                <a:spcPct val="0"/>
+              </a:spcAft>
+              <a:defRPr>
+                <a:solidFill>
+                  <a:schemeClr val="tx1"/>
+                </a:solidFill>
+                <a:latin typeface="Calibri" charset="0"/>
+              </a:defRPr>
+            </a:lvl6pPr>
+            <a:lvl7pPr marL="2971800" indent="-228600" eaLnBrk="0" fontAlgn="base" hangingPunct="0">
+              <a:spcBef>
+                <a:spcPct val="0"/>
+              </a:spcBef>
+              <a:spcAft>
+                <a:spcPct val="0"/>
+              </a:spcAft>
+              <a:defRPr>
+                <a:solidFill>
+                  <a:schemeClr val="tx1"/>
+                </a:solidFill>
+                <a:latin typeface="Calibri" charset="0"/>
+              </a:defRPr>
+            </a:lvl7pPr>
+            <a:lvl8pPr marL="3429000" indent="-228600" eaLnBrk="0" fontAlgn="base" hangingPunct="0">
+              <a:spcBef>
+                <a:spcPct val="0"/>
+              </a:spcBef>
+              <a:spcAft>
+                <a:spcPct val="0"/>
+              </a:spcAft>
+              <a:defRPr>
+                <a:solidFill>
+                  <a:schemeClr val="tx1"/>
+                </a:solidFill>
+                <a:latin typeface="Calibri" charset="0"/>
+              </a:defRPr>
+            </a:lvl8pPr>
+            <a:lvl9pPr marL="3886200" indent="-228600" eaLnBrk="0" fontAlgn="base" hangingPunct="0">
+              <a:spcBef>
+                <a:spcPct val="0"/>
+              </a:spcBef>
+              <a:spcAft>
+                <a:spcPct val="0"/>
+              </a:spcAft>
+              <a:defRPr>
+                <a:solidFill>
+                  <a:schemeClr val="tx1"/>
+                </a:solidFill>
+                <a:latin typeface="Calibri" charset="0"/>
+              </a:defRPr>
+            </a:lvl9pPr>
+          </a:lstStyle>
+          <a:p>
+            <a:fld id="{CD87E67D-D445-A74F-8C89-8CDC849ECFA0}" type="slidenum">
+              <a:rPr lang="en-NZ" altLang="en-US"/>
+              <a:pPr/>
+              <a:t>6</a:t>
+            </a:fld>
+            <a:endParaRPr lang="en-NZ" altLang="en-US"/>
+          </a:p>
+        </p:txBody>
+      </p:sp>
+    </p:spTree>
+    <p:extLst>
+      <p:ext uri="{BB962C8B-B14F-4D97-AF65-F5344CB8AC3E}">
+        <p14:creationId xmlns:p14="http://schemas.microsoft.com/office/powerpoint/2010/main" val="1079447610"/>
+      </p:ext>
+    </p:extLst>
+  </p:cSld>
+  <p:clrMapOvr>
+    <a:masterClrMapping/>
+  </p:clrMapOvr>
+</p:notes>
+</file>
+
+<file path=ppt/notesSlides/notesSlide3.xml><?xml version="1.0" encoding="utf-8"?>
+<p:notes xmlns:a="http://schemas.openxmlformats.org/drawingml/2006/main" xmlns:r="http://schemas.openxmlformats.org/officeDocument/2006/relationships" xmlns:p="http://schemas.openxmlformats.org/presentationml/2006/main">
+  <p:cSld>
+    <p:spTree>
+      <p:nvGrpSpPr>
+        <p:cNvPr id="1" name=""/>
+        <p:cNvGrpSpPr/>
+        <p:nvPr/>
+      </p:nvGrpSpPr>
+      <p:grpSpPr>
+        <a:xfrm>
+          <a:off x="0" y="0"/>
+          <a:ext cx="0" cy="0"/>
+          <a:chOff x="0" y="0"/>
+          <a:chExt cx="0" cy="0"/>
+        </a:xfrm>
+      </p:grpSpPr>
+      <p:sp>
+        <p:nvSpPr>
+          <p:cNvPr id="20481" name="Slide Image Placeholder 1"/>
+          <p:cNvSpPr>
+            <a:spLocks noGrp="1" noRot="1" noChangeAspect="1" noTextEdit="1"/>
+          </p:cNvSpPr>
+          <p:nvPr>
+            <p:ph type="sldImg"/>
+          </p:nvPr>
+        </p:nvSpPr>
+        <p:spPr bwMode="auto">
+          <a:noFill/>
+          <a:ln>
+            <a:solidFill>
+              <a:srgbClr val="000000"/>
+            </a:solidFill>
+            <a:miter lim="800000"/>
+            <a:headEnd/>
+            <a:tailEnd/>
+          </a:ln>
+          <a:extLst>
+            <a:ext uri="{909E8E84-426E-40DD-AFC4-6F175D3DCCD1}">
+              <a14:hiddenFill xmlns:a14="http://schemas.microsoft.com/office/drawing/2010/main">
+                <a:solidFill>
+                  <a:srgbClr val="FFFFFF"/>
+                </a:solidFill>
+              </a14:hiddenFill>
+            </a:ext>
+            <a:ext uri="{FAA26D3D-D897-4be2-8F04-BA451C77F1D7}">
+              <ma14:placeholderFlag xmlns:ma14="http://schemas.microsoft.com/office/mac/drawingml/2011/main" val="1"/>
+            </a:ext>
+          </a:extLst>
+        </p:spPr>
+      </p:sp>
+      <p:sp>
+        <p:nvSpPr>
+          <p:cNvPr id="20482" name="Notes Placeholder 2"/>
+          <p:cNvSpPr>
+            <a:spLocks noGrp="1"/>
+          </p:cNvSpPr>
+          <p:nvPr>
+            <p:ph type="body" idx="1"/>
+          </p:nvPr>
+        </p:nvSpPr>
+        <p:spPr bwMode="auto">
+          <a:noFill/>
+          <a:extLst>
+            <a:ext uri="{909E8E84-426E-40DD-AFC4-6F175D3DCCD1}">
+              <a14:hiddenFill xmlns:a14="http://schemas.microsoft.com/office/drawing/2010/main">
+                <a:solidFill>
+                  <a:srgbClr val="FFFFFF"/>
+                </a:solidFill>
+              </a14:hiddenFill>
+            </a:ext>
+            <a:ext uri="{91240B29-F687-4F45-9708-019B960494DF}">
+              <a14:hiddenLine xmlns:a14="http://schemas.microsoft.com/office/drawing/2010/main" w="9525">
+                <a:solidFill>
+                  <a:srgbClr val="000000"/>
+                </a:solidFill>
+                <a:miter lim="800000"/>
+                <a:headEnd/>
+                <a:tailEnd/>
+              </a14:hiddenLine>
+            </a:ext>
+          </a:extLst>
+        </p:spPr>
+        <p:txBody>
+          <a:bodyPr/>
+          <a:lstStyle/>
+          <a:p>
+            <a:pPr marL="171450" indent="-171450" eaLnBrk="1" hangingPunct="1">
+              <a:spcBef>
+                <a:spcPct val="0"/>
+              </a:spcBef>
+              <a:buFontTx/>
+              <a:buChar char="•"/>
+            </a:pPr>
+            <a:r>
+              <a:rPr lang="en-NZ" altLang="en-US" dirty="0" smtClean="0"/>
+              <a:t>From the</a:t>
+            </a:r>
+            <a:r>
+              <a:rPr lang="en-NZ" altLang="en-US" baseline="0" dirty="0" smtClean="0"/>
+              <a:t> previous example, two features are addressed in its functional properties.</a:t>
+            </a:r>
+            <a:endParaRPr lang="en-NZ" altLang="en-US" dirty="0" smtClean="0"/>
+          </a:p>
+          <a:p>
+            <a:pPr marL="171450" indent="-171450" eaLnBrk="1" hangingPunct="1">
+              <a:spcBef>
+                <a:spcPct val="0"/>
+              </a:spcBef>
+              <a:buFontTx/>
+              <a:buChar char="•"/>
+            </a:pPr>
+            <a:r>
+              <a:rPr lang="en-NZ" altLang="en-US" baseline="0" dirty="0" smtClean="0"/>
+              <a:t>O</a:t>
+            </a:r>
+            <a:r>
+              <a:rPr lang="en-NZ" altLang="en-US" dirty="0" smtClean="0"/>
+              <a:t>ne is the Valid functionalities, another is Semantic matchmaking quality.</a:t>
+            </a:r>
+          </a:p>
+          <a:p>
+            <a:pPr marL="171450" indent="-171450" eaLnBrk="1" hangingPunct="1">
+              <a:spcBef>
+                <a:spcPct val="0"/>
+              </a:spcBef>
+              <a:buFontTx/>
+              <a:buChar char="•"/>
+            </a:pPr>
+            <a:r>
+              <a:rPr lang="en-NZ" altLang="en-US" dirty="0" smtClean="0"/>
+              <a:t>In the first feature, all inputs of involved services must be satisfied for</a:t>
+            </a:r>
+            <a:r>
+              <a:rPr lang="en-NZ" altLang="en-US" baseline="0" dirty="0" smtClean="0"/>
+              <a:t> the </a:t>
+            </a:r>
+            <a:r>
+              <a:rPr lang="en-NZ" altLang="en-US" dirty="0" smtClean="0"/>
+              <a:t>execution</a:t>
+            </a:r>
+            <a:r>
+              <a:rPr lang="en-NZ" altLang="en-US" baseline="0" dirty="0" smtClean="0"/>
+              <a:t> of </a:t>
+            </a:r>
+            <a:r>
+              <a:rPr lang="en-NZ" altLang="en-US" dirty="0" smtClean="0"/>
+              <a:t>service composition.</a:t>
+            </a:r>
+            <a:r>
+              <a:rPr lang="en-NZ" altLang="en-US" baseline="0" dirty="0" smtClean="0"/>
+              <a:t> Meanwhile,  </a:t>
+            </a:r>
+            <a:r>
+              <a:rPr lang="en-NZ" altLang="en-US" dirty="0" smtClean="0"/>
+              <a:t>the required outputs of service composition is a a subset of outputs of all involved web services</a:t>
+            </a:r>
+          </a:p>
+          <a:p>
+            <a:pPr marL="0" indent="0">
+              <a:buNone/>
+            </a:pPr>
+            <a:r>
+              <a:rPr lang="en-NZ" altLang="en-US" dirty="0" smtClean="0"/>
+              <a:t>The</a:t>
+            </a:r>
+            <a:r>
+              <a:rPr lang="en-NZ" altLang="en-US" baseline="0" dirty="0" smtClean="0"/>
+              <a:t> second feature is t</a:t>
+            </a:r>
+            <a:r>
+              <a:rPr lang="en-NZ" altLang="en-US" dirty="0" smtClean="0"/>
+              <a:t>he quality of the matchmaking, it answers</a:t>
+            </a:r>
+            <a:r>
+              <a:rPr lang="en-NZ" altLang="en-US" baseline="0" dirty="0" smtClean="0"/>
+              <a:t> h</a:t>
+            </a:r>
+            <a:r>
+              <a:rPr lang="en-NZ" altLang="x-none" sz="1200" dirty="0" smtClean="0"/>
+              <a:t>ow perfect does the provided inputs match the required outputs</a:t>
+            </a:r>
+          </a:p>
+          <a:p>
+            <a:pPr marL="171450" indent="-171450" eaLnBrk="1" hangingPunct="1">
+              <a:spcBef>
+                <a:spcPct val="0"/>
+              </a:spcBef>
+              <a:buFontTx/>
+              <a:buChar char="•"/>
+            </a:pPr>
+            <a:r>
+              <a:rPr lang="en-NZ" altLang="en-US" dirty="0" smtClean="0"/>
+              <a:t>On</a:t>
+            </a:r>
+            <a:r>
+              <a:rPr lang="en-NZ" altLang="en-US" baseline="0" dirty="0" smtClean="0"/>
+              <a:t>e component service from previous example</a:t>
+            </a:r>
+            <a:r>
+              <a:rPr lang="en-NZ" altLang="en-US" dirty="0" smtClean="0"/>
+              <a:t>, a </a:t>
+            </a:r>
+            <a:r>
+              <a:rPr lang="en-NZ" altLang="en-US" dirty="0" err="1" smtClean="0"/>
+              <a:t>generateMap</a:t>
+            </a:r>
+            <a:r>
+              <a:rPr lang="en-NZ" altLang="en-US" dirty="0" smtClean="0"/>
+              <a:t> service requires inputs </a:t>
+            </a:r>
+            <a:r>
+              <a:rPr lang="en-NZ" altLang="en-US" dirty="0" err="1" smtClean="0"/>
+              <a:t>MappedLocation</a:t>
+            </a:r>
+            <a:r>
+              <a:rPr lang="en-NZ" altLang="en-US" dirty="0" smtClean="0"/>
+              <a:t> and producing output </a:t>
+            </a:r>
+            <a:r>
+              <a:rPr lang="en-NZ" altLang="en-US" dirty="0" err="1" smtClean="0"/>
+              <a:t>StreetMap</a:t>
+            </a:r>
+            <a:r>
+              <a:rPr lang="en-NZ" altLang="en-US" dirty="0" smtClean="0"/>
+              <a:t>. However, </a:t>
+            </a:r>
+            <a:r>
+              <a:rPr lang="en-NZ" altLang="en-US" dirty="0" err="1" smtClean="0"/>
+              <a:t>MappedLocation</a:t>
+            </a:r>
+            <a:r>
+              <a:rPr lang="en-NZ" altLang="en-US" dirty="0" smtClean="0"/>
+              <a:t> is not provided, only </a:t>
+            </a:r>
+            <a:r>
+              <a:rPr lang="en-NZ" altLang="en-US" dirty="0" err="1" smtClean="0"/>
+              <a:t>ConferenceCity</a:t>
+            </a:r>
+            <a:r>
+              <a:rPr lang="en-NZ" altLang="en-US" dirty="0" smtClean="0"/>
+              <a:t> is provided satisfying the relationship here. We can see that </a:t>
+            </a:r>
+            <a:r>
+              <a:rPr lang="en-NZ" altLang="en-US" dirty="0" err="1" smtClean="0"/>
+              <a:t>ConferenceCity</a:t>
+            </a:r>
+            <a:r>
+              <a:rPr lang="en-NZ" altLang="en-US" dirty="0" smtClean="0"/>
+              <a:t> is less preferable compared to </a:t>
+            </a:r>
+            <a:r>
+              <a:rPr lang="en-NZ" altLang="en-US" dirty="0" err="1" smtClean="0"/>
+              <a:t>MappedLocation</a:t>
+            </a:r>
+            <a:r>
+              <a:rPr lang="en-NZ" altLang="en-US" dirty="0" smtClean="0"/>
+              <a:t>. Therefore, Semantic matchmaking quality between </a:t>
+            </a:r>
+            <a:r>
+              <a:rPr lang="en-NZ" altLang="en-US" dirty="0" err="1" smtClean="0"/>
+              <a:t>ConferenceCity</a:t>
+            </a:r>
+            <a:r>
+              <a:rPr lang="en-NZ" altLang="en-US" dirty="0" smtClean="0"/>
+              <a:t> and  </a:t>
+            </a:r>
+            <a:r>
+              <a:rPr lang="en-NZ" altLang="en-US" dirty="0" err="1" smtClean="0"/>
+              <a:t>MappedLocation</a:t>
+            </a:r>
+            <a:r>
+              <a:rPr lang="en-NZ" altLang="en-US" dirty="0" smtClean="0"/>
+              <a:t> is relatively lower. \end{itemize}</a:t>
+            </a:r>
+            <a:endParaRPr lang="en-NZ" altLang="en-US" dirty="0"/>
+          </a:p>
+        </p:txBody>
+      </p:sp>
+      <p:sp>
+        <p:nvSpPr>
+          <p:cNvPr id="20483" name="Slide Number Placeholder 3"/>
+          <p:cNvSpPr>
+            <a:spLocks noGrp="1"/>
+          </p:cNvSpPr>
+          <p:nvPr>
+            <p:ph type="sldNum" sz="quarter" idx="5"/>
+          </p:nvPr>
+        </p:nvSpPr>
+        <p:spPr bwMode="auto">
+          <a:noFill/>
+          <a:extLst>
+            <a:ext uri="{909E8E84-426E-40DD-AFC4-6F175D3DCCD1}">
+              <a14:hiddenFill xmlns:a14="http://schemas.microsoft.com/office/drawing/2010/main">
+                <a:solidFill>
+                  <a:srgbClr val="FFFFFF"/>
+                </a:solidFill>
+              </a14:hiddenFill>
+            </a:ext>
+            <a:ext uri="{91240B29-F687-4F45-9708-019B960494DF}">
+              <a14:hiddenLine xmlns:a14="http://schemas.microsoft.com/office/drawing/2010/main" w="9525">
+                <a:solidFill>
+                  <a:srgbClr val="000000"/>
+                </a:solidFill>
+                <a:miter lim="800000"/>
+                <a:headEnd/>
+                <a:tailEnd/>
+              </a14:hiddenLine>
+            </a:ext>
+          </a:extLst>
+        </p:spPr>
+        <p:txBody>
+          <a:bodyPr/>
+          <a:lstStyle>
+            <a:lvl1pPr>
+              <a:defRPr>
+                <a:solidFill>
+                  <a:schemeClr val="tx1"/>
+                </a:solidFill>
+                <a:latin typeface="Calibri" charset="0"/>
+              </a:defRPr>
+            </a:lvl1pPr>
+            <a:lvl2pPr marL="742950" indent="-285750">
+              <a:defRPr>
+                <a:solidFill>
+                  <a:schemeClr val="tx1"/>
+                </a:solidFill>
+                <a:latin typeface="Calibri" charset="0"/>
+              </a:defRPr>
+            </a:lvl2pPr>
+            <a:lvl3pPr marL="1143000" indent="-228600">
+              <a:defRPr>
+                <a:solidFill>
+                  <a:schemeClr val="tx1"/>
+                </a:solidFill>
+                <a:latin typeface="Calibri" charset="0"/>
+              </a:defRPr>
+            </a:lvl3pPr>
+            <a:lvl4pPr marL="1600200" indent="-228600">
+              <a:defRPr>
+                <a:solidFill>
+                  <a:schemeClr val="tx1"/>
+                </a:solidFill>
+                <a:latin typeface="Calibri" charset="0"/>
+              </a:defRPr>
+            </a:lvl4pPr>
+            <a:lvl5pPr marL="2057400" indent="-228600">
+              <a:defRPr>
+                <a:solidFill>
+                  <a:schemeClr val="tx1"/>
+                </a:solidFill>
+                <a:latin typeface="Calibri" charset="0"/>
+              </a:defRPr>
+            </a:lvl5pPr>
+            <a:lvl6pPr marL="2514600" indent="-228600" eaLnBrk="0" fontAlgn="base" hangingPunct="0">
+              <a:spcBef>
+                <a:spcPct val="0"/>
+              </a:spcBef>
+              <a:spcAft>
+                <a:spcPct val="0"/>
+              </a:spcAft>
+              <a:defRPr>
+                <a:solidFill>
+                  <a:schemeClr val="tx1"/>
+                </a:solidFill>
+                <a:latin typeface="Calibri" charset="0"/>
+              </a:defRPr>
+            </a:lvl6pPr>
+            <a:lvl7pPr marL="2971800" indent="-228600" eaLnBrk="0" fontAlgn="base" hangingPunct="0">
+              <a:spcBef>
+                <a:spcPct val="0"/>
+              </a:spcBef>
+              <a:spcAft>
+                <a:spcPct val="0"/>
+              </a:spcAft>
+              <a:defRPr>
+                <a:solidFill>
+                  <a:schemeClr val="tx1"/>
+                </a:solidFill>
+                <a:latin typeface="Calibri" charset="0"/>
+              </a:defRPr>
+            </a:lvl7pPr>
+            <a:lvl8pPr marL="3429000" indent="-228600" eaLnBrk="0" fontAlgn="base" hangingPunct="0">
+              <a:spcBef>
+                <a:spcPct val="0"/>
+              </a:spcBef>
+              <a:spcAft>
+                <a:spcPct val="0"/>
+              </a:spcAft>
+              <a:defRPr>
+                <a:solidFill>
+                  <a:schemeClr val="tx1"/>
+                </a:solidFill>
+                <a:latin typeface="Calibri" charset="0"/>
+              </a:defRPr>
+            </a:lvl8pPr>
+            <a:lvl9pPr marL="3886200" indent="-228600" eaLnBrk="0" fontAlgn="base" hangingPunct="0">
+              <a:spcBef>
+                <a:spcPct val="0"/>
+              </a:spcBef>
+              <a:spcAft>
+                <a:spcPct val="0"/>
+              </a:spcAft>
+              <a:defRPr>
+                <a:solidFill>
+                  <a:schemeClr val="tx1"/>
+                </a:solidFill>
+                <a:latin typeface="Calibri" charset="0"/>
+              </a:defRPr>
+            </a:lvl9pPr>
+          </a:lstStyle>
+          <a:p>
+            <a:fld id="{CD87E67D-D445-A74F-8C89-8CDC849ECFA0}" type="slidenum">
+              <a:rPr lang="en-NZ" altLang="en-US"/>
+              <a:pPr/>
+              <a:t>7</a:t>
+            </a:fld>
+            <a:endParaRPr lang="en-NZ" altLang="en-US"/>
+          </a:p>
+        </p:txBody>
+      </p:sp>
+    </p:spTree>
+    <p:extLst>
+      <p:ext uri="{BB962C8B-B14F-4D97-AF65-F5344CB8AC3E}">
+        <p14:creationId xmlns:p14="http://schemas.microsoft.com/office/powerpoint/2010/main" val="506781498"/>
+      </p:ext>
+    </p:extLst>
+  </p:cSld>
+  <p:clrMapOvr>
+    <a:masterClrMapping/>
+  </p:clrMapOvr>
+</p:notes>
 </file>
 
 <file path=ppt/slideLayouts/slideLayout1.xml><?xml version="1.0" encoding="utf-8"?>
@@ -11491,6 +12782,3581 @@
 </p:sld>
 </file>
 
+<file path=ppt/slides/slide5.xml><?xml version="1.0" encoding="utf-8"?>
+<p:sld xmlns:a="http://schemas.openxmlformats.org/drawingml/2006/main" xmlns:r="http://schemas.openxmlformats.org/officeDocument/2006/relationships" xmlns:p="http://schemas.openxmlformats.org/presentationml/2006/main">
+  <p:cSld>
+    <p:spTree>
+      <p:nvGrpSpPr>
+        <p:cNvPr id="1" name=""/>
+        <p:cNvGrpSpPr/>
+        <p:nvPr/>
+      </p:nvGrpSpPr>
+      <p:grpSpPr>
+        <a:xfrm>
+          <a:off x="0" y="0"/>
+          <a:ext cx="0" cy="0"/>
+          <a:chOff x="0" y="0"/>
+          <a:chExt cx="0" cy="0"/>
+        </a:xfrm>
+      </p:grpSpPr>
+      <p:sp>
+        <p:nvSpPr>
+          <p:cNvPr id="2" name="Title 1"/>
+          <p:cNvSpPr>
+            <a:spLocks noGrp="1"/>
+          </p:cNvSpPr>
+          <p:nvPr>
+            <p:ph type="title"/>
+          </p:nvPr>
+        </p:nvSpPr>
+        <p:spPr>
+          <a:xfrm>
+            <a:off x="0" y="274638"/>
+            <a:ext cx="8686800" cy="792162"/>
+          </a:xfrm>
+          <a:solidFill>
+            <a:schemeClr val="accent6">
+              <a:lumMod val="75000"/>
+              <a:alpha val="50000"/>
+            </a:schemeClr>
+          </a:solidFill>
+        </p:spPr>
+        <p:txBody>
+          <a:bodyPr rtlCol="0">
+            <a:normAutofit/>
+          </a:bodyPr>
+          <a:lstStyle/>
+          <a:p>
+            <a:pPr algn="l" eaLnBrk="1" fontAlgn="auto" hangingPunct="1">
+              <a:spcAft>
+                <a:spcPts val="0"/>
+              </a:spcAft>
+              <a:defRPr/>
+            </a:pPr>
+            <a:r>
+              <a:rPr lang="en-NZ" sz="3200" b="1" dirty="0" smtClean="0"/>
+              <a:t>	Web Service Composition</a:t>
+            </a:r>
+            <a:endParaRPr lang="en-NZ" sz="3200" b="1" dirty="0"/>
+          </a:p>
+        </p:txBody>
+      </p:sp>
+      <p:sp>
+        <p:nvSpPr>
+          <p:cNvPr id="10" name="Rounded Rectangle 9"/>
+          <p:cNvSpPr/>
+          <p:nvPr/>
+        </p:nvSpPr>
+        <p:spPr>
+          <a:xfrm>
+            <a:off x="267084" y="3504385"/>
+            <a:ext cx="1599733" cy="1006670"/>
+          </a:xfrm>
+          <a:prstGeom prst="roundRect">
+            <a:avLst/>
+          </a:prstGeom>
+          <a:solidFill>
+            <a:schemeClr val="bg1"/>
+          </a:solidFill>
+          <a:ln>
+            <a:solidFill>
+              <a:schemeClr val="accent6"/>
+            </a:solidFill>
+            <a:prstDash val="dash"/>
+          </a:ln>
+        </p:spPr>
+        <p:style>
+          <a:lnRef idx="2">
+            <a:schemeClr val="accent1">
+              <a:shade val="50000"/>
+            </a:schemeClr>
+          </a:lnRef>
+          <a:fillRef idx="1">
+            <a:schemeClr val="accent1"/>
+          </a:fillRef>
+          <a:effectRef idx="0">
+            <a:schemeClr val="accent1"/>
+          </a:effectRef>
+          <a:fontRef idx="minor">
+            <a:schemeClr val="lt1"/>
+          </a:fontRef>
+        </p:style>
+        <p:txBody>
+          <a:bodyPr rtlCol="0" anchor="ctr"/>
+          <a:lstStyle/>
+          <a:p>
+            <a:pPr algn="ctr"/>
+            <a:r>
+              <a:rPr lang="en-NZ" b="1" dirty="0">
+                <a:solidFill>
+                  <a:schemeClr val="tx1"/>
+                </a:solidFill>
+              </a:rPr>
+              <a:t>Input: </a:t>
+            </a:r>
+          </a:p>
+          <a:p>
+            <a:pPr algn="ctr"/>
+            <a:r>
+              <a:rPr lang="en-NZ" sz="1200" i="1" dirty="0" err="1">
+                <a:solidFill>
+                  <a:schemeClr val="accent6"/>
+                </a:solidFill>
+              </a:rPr>
+              <a:t>TravelDepartureDate</a:t>
+            </a:r>
+            <a:endParaRPr lang="en-NZ" sz="1200" i="1" dirty="0">
+              <a:solidFill>
+                <a:schemeClr val="accent6"/>
+              </a:solidFill>
+            </a:endParaRPr>
+          </a:p>
+          <a:p>
+            <a:pPr algn="ctr"/>
+            <a:r>
+              <a:rPr lang="en-NZ" sz="1200" i="1" dirty="0" err="1">
+                <a:solidFill>
+                  <a:schemeClr val="accent6"/>
+                </a:solidFill>
+              </a:rPr>
+              <a:t>TravelReturnDate</a:t>
+            </a:r>
+            <a:endParaRPr lang="en-NZ" sz="1200" i="1" dirty="0">
+              <a:solidFill>
+                <a:schemeClr val="accent6"/>
+              </a:solidFill>
+            </a:endParaRPr>
+          </a:p>
+          <a:p>
+            <a:pPr algn="ctr"/>
+            <a:r>
+              <a:rPr lang="en-NZ" sz="1200" i="1" dirty="0" err="1">
+                <a:solidFill>
+                  <a:schemeClr val="accent6"/>
+                </a:solidFill>
+              </a:rPr>
+              <a:t>HomeCity</a:t>
+            </a:r>
+            <a:endParaRPr lang="en-NZ" sz="1200" i="1" dirty="0">
+              <a:solidFill>
+                <a:schemeClr val="accent6"/>
+              </a:solidFill>
+            </a:endParaRPr>
+          </a:p>
+          <a:p>
+            <a:pPr algn="ctr"/>
+            <a:r>
+              <a:rPr lang="en-NZ" sz="1200" i="1" dirty="0" err="1">
+                <a:solidFill>
+                  <a:schemeClr val="accent6"/>
+                </a:solidFill>
+              </a:rPr>
+              <a:t>ConferenceCity</a:t>
+            </a:r>
+            <a:r>
+              <a:rPr lang="en-NZ" sz="1200" i="1" dirty="0">
+                <a:solidFill>
+                  <a:srgbClr val="C00000"/>
+                </a:solidFill>
+              </a:rPr>
+              <a:t> </a:t>
+            </a:r>
+          </a:p>
+        </p:txBody>
+      </p:sp>
+      <p:sp>
+        <p:nvSpPr>
+          <p:cNvPr id="12" name="Rounded Rectangle 11"/>
+          <p:cNvSpPr/>
+          <p:nvPr/>
+        </p:nvSpPr>
+        <p:spPr>
+          <a:xfrm>
+            <a:off x="2256442" y="2374286"/>
+            <a:ext cx="4572000" cy="3961981"/>
+          </a:xfrm>
+          <a:prstGeom prst="roundRect">
+            <a:avLst/>
+          </a:prstGeom>
+          <a:solidFill>
+            <a:schemeClr val="bg1"/>
+          </a:solidFill>
+          <a:ln>
+            <a:solidFill>
+              <a:schemeClr val="accent6"/>
+            </a:solidFill>
+            <a:prstDash val="dash"/>
+          </a:ln>
+        </p:spPr>
+        <p:style>
+          <a:lnRef idx="2">
+            <a:schemeClr val="accent1">
+              <a:shade val="50000"/>
+            </a:schemeClr>
+          </a:lnRef>
+          <a:fillRef idx="1">
+            <a:schemeClr val="accent1"/>
+          </a:fillRef>
+          <a:effectRef idx="0">
+            <a:schemeClr val="accent1"/>
+          </a:effectRef>
+          <a:fontRef idx="minor">
+            <a:schemeClr val="lt1"/>
+          </a:fontRef>
+        </p:style>
+        <p:txBody>
+          <a:bodyPr rtlCol="0" anchor="ctr"/>
+          <a:lstStyle/>
+          <a:p>
+            <a:pPr algn="ctr"/>
+            <a:endParaRPr lang="en-US"/>
+          </a:p>
+        </p:txBody>
+      </p:sp>
+      <p:sp>
+        <p:nvSpPr>
+          <p:cNvPr id="14" name="Rounded Rectangle 13"/>
+          <p:cNvSpPr/>
+          <p:nvPr/>
+        </p:nvSpPr>
+        <p:spPr>
+          <a:xfrm>
+            <a:off x="2549666" y="3639232"/>
+            <a:ext cx="1310186" cy="747215"/>
+          </a:xfrm>
+          <a:prstGeom prst="roundRect">
+            <a:avLst/>
+          </a:prstGeom>
+          <a:solidFill>
+            <a:schemeClr val="tx2">
+              <a:lumMod val="60000"/>
+              <a:lumOff val="40000"/>
+            </a:schemeClr>
+          </a:solidFill>
+          <a:ln>
+            <a:solidFill>
+              <a:schemeClr val="bg1"/>
+            </a:solidFill>
+          </a:ln>
+        </p:spPr>
+        <p:style>
+          <a:lnRef idx="2">
+            <a:schemeClr val="accent1">
+              <a:shade val="50000"/>
+            </a:schemeClr>
+          </a:lnRef>
+          <a:fillRef idx="1">
+            <a:schemeClr val="accent1"/>
+          </a:fillRef>
+          <a:effectRef idx="0">
+            <a:schemeClr val="accent1"/>
+          </a:effectRef>
+          <a:fontRef idx="minor">
+            <a:schemeClr val="lt1"/>
+          </a:fontRef>
+        </p:style>
+        <p:txBody>
+          <a:bodyPr rtlCol="0" anchor="ctr"/>
+          <a:lstStyle/>
+          <a:p>
+            <a:pPr algn="ctr"/>
+            <a:r>
+              <a:rPr lang="en-US" sz="1600" b="1" dirty="0"/>
+              <a:t>Flight Information </a:t>
+            </a:r>
+          </a:p>
+        </p:txBody>
+      </p:sp>
+      <p:sp>
+        <p:nvSpPr>
+          <p:cNvPr id="15" name="Rounded Rectangle 14"/>
+          <p:cNvSpPr/>
+          <p:nvPr/>
+        </p:nvSpPr>
+        <p:spPr>
+          <a:xfrm>
+            <a:off x="4700894" y="2892017"/>
+            <a:ext cx="1310186" cy="747215"/>
+          </a:xfrm>
+          <a:prstGeom prst="roundRect">
+            <a:avLst/>
+          </a:prstGeom>
+          <a:solidFill>
+            <a:schemeClr val="accent3">
+              <a:lumMod val="60000"/>
+              <a:lumOff val="40000"/>
+            </a:schemeClr>
+          </a:solidFill>
+          <a:ln>
+            <a:solidFill>
+              <a:schemeClr val="bg1"/>
+            </a:solidFill>
+          </a:ln>
+        </p:spPr>
+        <p:style>
+          <a:lnRef idx="2">
+            <a:schemeClr val="accent1">
+              <a:shade val="50000"/>
+            </a:schemeClr>
+          </a:lnRef>
+          <a:fillRef idx="1">
+            <a:schemeClr val="accent1"/>
+          </a:fillRef>
+          <a:effectRef idx="0">
+            <a:schemeClr val="accent1"/>
+          </a:effectRef>
+          <a:fontRef idx="minor">
+            <a:schemeClr val="lt1"/>
+          </a:fontRef>
+        </p:style>
+        <p:txBody>
+          <a:bodyPr rtlCol="0" anchor="ctr"/>
+          <a:lstStyle/>
+          <a:p>
+            <a:pPr algn="ctr"/>
+            <a:r>
+              <a:rPr lang="en-US" sz="1600" b="1" dirty="0"/>
+              <a:t>Hotel </a:t>
+            </a:r>
+            <a:r>
+              <a:rPr lang="en-US" sz="1600" b="1" dirty="0" smtClean="0"/>
+              <a:t>Reservation</a:t>
+            </a:r>
+            <a:endParaRPr lang="en-US" sz="1600" b="1" dirty="0"/>
+          </a:p>
+        </p:txBody>
+      </p:sp>
+      <p:sp>
+        <p:nvSpPr>
+          <p:cNvPr id="16" name="Rounded Rectangle 15"/>
+          <p:cNvSpPr/>
+          <p:nvPr/>
+        </p:nvSpPr>
+        <p:spPr>
+          <a:xfrm>
+            <a:off x="4700894" y="4470040"/>
+            <a:ext cx="1310186" cy="747215"/>
+          </a:xfrm>
+          <a:prstGeom prst="roundRect">
+            <a:avLst/>
+          </a:prstGeom>
+          <a:solidFill>
+            <a:schemeClr val="accent6"/>
+          </a:solidFill>
+          <a:ln>
+            <a:solidFill>
+              <a:schemeClr val="bg1"/>
+            </a:solidFill>
+          </a:ln>
+        </p:spPr>
+        <p:style>
+          <a:lnRef idx="2">
+            <a:schemeClr val="accent1">
+              <a:shade val="50000"/>
+            </a:schemeClr>
+          </a:lnRef>
+          <a:fillRef idx="1">
+            <a:schemeClr val="accent1"/>
+          </a:fillRef>
+          <a:effectRef idx="0">
+            <a:schemeClr val="accent1"/>
+          </a:effectRef>
+          <a:fontRef idx="minor">
+            <a:schemeClr val="lt1"/>
+          </a:fontRef>
+        </p:style>
+        <p:txBody>
+          <a:bodyPr rtlCol="0" anchor="ctr"/>
+          <a:lstStyle/>
+          <a:p>
+            <a:pPr algn="ctr"/>
+            <a:r>
+              <a:rPr lang="en-US" sz="1600" b="1" dirty="0"/>
+              <a:t>Bus Service</a:t>
+            </a:r>
+          </a:p>
+        </p:txBody>
+      </p:sp>
+      <p:sp>
+        <p:nvSpPr>
+          <p:cNvPr id="17" name="Rounded Rectangle 16"/>
+          <p:cNvSpPr/>
+          <p:nvPr/>
+        </p:nvSpPr>
+        <p:spPr>
+          <a:xfrm>
+            <a:off x="7239467" y="3539392"/>
+            <a:ext cx="1599733" cy="1006670"/>
+          </a:xfrm>
+          <a:prstGeom prst="roundRect">
+            <a:avLst/>
+          </a:prstGeom>
+          <a:solidFill>
+            <a:schemeClr val="bg1"/>
+          </a:solidFill>
+          <a:ln>
+            <a:solidFill>
+              <a:schemeClr val="accent6"/>
+            </a:solidFill>
+            <a:prstDash val="dash"/>
+          </a:ln>
+        </p:spPr>
+        <p:style>
+          <a:lnRef idx="2">
+            <a:schemeClr val="accent1">
+              <a:shade val="50000"/>
+            </a:schemeClr>
+          </a:lnRef>
+          <a:fillRef idx="1">
+            <a:schemeClr val="accent1"/>
+          </a:fillRef>
+          <a:effectRef idx="0">
+            <a:schemeClr val="accent1"/>
+          </a:effectRef>
+          <a:fontRef idx="minor">
+            <a:schemeClr val="lt1"/>
+          </a:fontRef>
+        </p:style>
+        <p:txBody>
+          <a:bodyPr rtlCol="0" anchor="ctr"/>
+          <a:lstStyle/>
+          <a:p>
+            <a:pPr algn="ctr"/>
+            <a:r>
+              <a:rPr lang="en-NZ" b="1" dirty="0">
+                <a:solidFill>
+                  <a:schemeClr val="tx1"/>
+                </a:solidFill>
+              </a:rPr>
+              <a:t>Output: </a:t>
+            </a:r>
+          </a:p>
+          <a:p>
+            <a:pPr algn="ctr"/>
+            <a:r>
+              <a:rPr lang="en-NZ" sz="1200" i="1" dirty="0" err="1">
+                <a:solidFill>
+                  <a:schemeClr val="accent6"/>
+                </a:solidFill>
+              </a:rPr>
+              <a:t>BusTicket</a:t>
+            </a:r>
+            <a:r>
+              <a:rPr lang="en-NZ" sz="1200" i="1" dirty="0">
+                <a:solidFill>
+                  <a:schemeClr val="accent6"/>
+                </a:solidFill>
+              </a:rPr>
+              <a:t>, </a:t>
+            </a:r>
+          </a:p>
+          <a:p>
+            <a:pPr algn="ctr"/>
+            <a:r>
+              <a:rPr lang="en-NZ" sz="1200" i="1" dirty="0" err="1">
+                <a:solidFill>
+                  <a:schemeClr val="accent6"/>
+                </a:solidFill>
+              </a:rPr>
+              <a:t>FlightTicket</a:t>
+            </a:r>
+            <a:r>
+              <a:rPr lang="en-NZ" sz="1200" i="1" dirty="0">
+                <a:solidFill>
+                  <a:schemeClr val="accent6"/>
+                </a:solidFill>
+              </a:rPr>
+              <a:t>, </a:t>
+            </a:r>
+            <a:r>
+              <a:rPr lang="en-NZ" sz="1200" i="1" dirty="0" err="1" smtClean="0">
+                <a:solidFill>
+                  <a:schemeClr val="accent6"/>
+                </a:solidFill>
+              </a:rPr>
+              <a:t>HotelReservation</a:t>
+            </a:r>
+            <a:endParaRPr lang="en-NZ" sz="1200" i="1" dirty="0" smtClean="0">
+              <a:solidFill>
+                <a:schemeClr val="accent6"/>
+              </a:solidFill>
+            </a:endParaRPr>
+          </a:p>
+          <a:p>
+            <a:pPr algn="ctr"/>
+            <a:r>
+              <a:rPr lang="en-NZ" sz="1200" i="1" dirty="0" err="1" smtClean="0">
+                <a:solidFill>
+                  <a:schemeClr val="accent6"/>
+                </a:solidFill>
+              </a:rPr>
+              <a:t>StreetMap</a:t>
+            </a:r>
+            <a:endParaRPr lang="en-NZ" sz="1200" i="1" dirty="0">
+              <a:solidFill>
+                <a:schemeClr val="accent6"/>
+              </a:solidFill>
+            </a:endParaRPr>
+          </a:p>
+        </p:txBody>
+      </p:sp>
+      <p:cxnSp>
+        <p:nvCxnSpPr>
+          <p:cNvPr id="18" name="Straight Arrow Connector 17"/>
+          <p:cNvCxnSpPr>
+            <a:stCxn id="21" idx="3"/>
+            <a:endCxn id="14" idx="1"/>
+          </p:cNvCxnSpPr>
+          <p:nvPr/>
+        </p:nvCxnSpPr>
+        <p:spPr>
+          <a:xfrm>
+            <a:off x="1866816" y="4007720"/>
+            <a:ext cx="682850" cy="5120"/>
+          </a:xfrm>
+          <a:prstGeom prst="straightConnector1">
+            <a:avLst/>
+          </a:prstGeom>
+          <a:ln w="28575" cmpd="sng">
+            <a:solidFill>
+              <a:schemeClr val="bg1">
+                <a:lumMod val="50000"/>
+              </a:schemeClr>
+            </a:solidFill>
+            <a:tailEnd type="triangle"/>
+          </a:ln>
+        </p:spPr>
+        <p:style>
+          <a:lnRef idx="3">
+            <a:schemeClr val="dk1"/>
+          </a:lnRef>
+          <a:fillRef idx="0">
+            <a:schemeClr val="dk1"/>
+          </a:fillRef>
+          <a:effectRef idx="2">
+            <a:schemeClr val="dk1"/>
+          </a:effectRef>
+          <a:fontRef idx="minor">
+            <a:schemeClr val="tx1"/>
+          </a:fontRef>
+        </p:style>
+      </p:cxnSp>
+      <p:cxnSp>
+        <p:nvCxnSpPr>
+          <p:cNvPr id="19" name="Straight Arrow Connector 18"/>
+          <p:cNvCxnSpPr>
+            <a:stCxn id="14" idx="3"/>
+            <a:endCxn id="15" idx="1"/>
+          </p:cNvCxnSpPr>
+          <p:nvPr/>
+        </p:nvCxnSpPr>
+        <p:spPr>
+          <a:xfrm flipV="1">
+            <a:off x="3859851" y="3265625"/>
+            <a:ext cx="841043" cy="747215"/>
+          </a:xfrm>
+          <a:prstGeom prst="straightConnector1">
+            <a:avLst/>
+          </a:prstGeom>
+          <a:ln w="28575" cmpd="sng">
+            <a:solidFill>
+              <a:schemeClr val="bg1">
+                <a:lumMod val="50000"/>
+              </a:schemeClr>
+            </a:solidFill>
+            <a:tailEnd type="triangle"/>
+          </a:ln>
+        </p:spPr>
+        <p:style>
+          <a:lnRef idx="1">
+            <a:schemeClr val="dk1"/>
+          </a:lnRef>
+          <a:fillRef idx="0">
+            <a:schemeClr val="dk1"/>
+          </a:fillRef>
+          <a:effectRef idx="0">
+            <a:schemeClr val="dk1"/>
+          </a:effectRef>
+          <a:fontRef idx="minor">
+            <a:schemeClr val="tx1"/>
+          </a:fontRef>
+        </p:style>
+      </p:cxnSp>
+      <p:cxnSp>
+        <p:nvCxnSpPr>
+          <p:cNvPr id="20" name="Straight Arrow Connector 19"/>
+          <p:cNvCxnSpPr>
+            <a:endCxn id="16" idx="1"/>
+          </p:cNvCxnSpPr>
+          <p:nvPr/>
+        </p:nvCxnSpPr>
+        <p:spPr>
+          <a:xfrm>
+            <a:off x="3859851" y="4007721"/>
+            <a:ext cx="841043" cy="835927"/>
+          </a:xfrm>
+          <a:prstGeom prst="straightConnector1">
+            <a:avLst/>
+          </a:prstGeom>
+          <a:ln w="28575" cmpd="sng">
+            <a:solidFill>
+              <a:schemeClr val="bg1">
+                <a:lumMod val="50000"/>
+              </a:schemeClr>
+            </a:solidFill>
+            <a:tailEnd type="triangle"/>
+          </a:ln>
+        </p:spPr>
+        <p:style>
+          <a:lnRef idx="1">
+            <a:schemeClr val="dk1"/>
+          </a:lnRef>
+          <a:fillRef idx="0">
+            <a:schemeClr val="dk1"/>
+          </a:fillRef>
+          <a:effectRef idx="0">
+            <a:schemeClr val="dk1"/>
+          </a:effectRef>
+          <a:fontRef idx="minor">
+            <a:schemeClr val="tx1"/>
+          </a:fontRef>
+        </p:style>
+      </p:cxnSp>
+      <p:cxnSp>
+        <p:nvCxnSpPr>
+          <p:cNvPr id="21" name="Straight Arrow Connector 20"/>
+          <p:cNvCxnSpPr>
+            <a:stCxn id="15" idx="3"/>
+            <a:endCxn id="22" idx="1"/>
+          </p:cNvCxnSpPr>
+          <p:nvPr/>
+        </p:nvCxnSpPr>
+        <p:spPr>
+          <a:xfrm>
+            <a:off x="6011080" y="3265625"/>
+            <a:ext cx="1228387" cy="777102"/>
+          </a:xfrm>
+          <a:prstGeom prst="straightConnector1">
+            <a:avLst/>
+          </a:prstGeom>
+          <a:ln w="28575" cmpd="sng">
+            <a:solidFill>
+              <a:schemeClr val="bg1">
+                <a:lumMod val="50000"/>
+              </a:schemeClr>
+            </a:solidFill>
+            <a:tailEnd type="triangle"/>
+          </a:ln>
+        </p:spPr>
+        <p:style>
+          <a:lnRef idx="1">
+            <a:schemeClr val="dk1"/>
+          </a:lnRef>
+          <a:fillRef idx="0">
+            <a:schemeClr val="dk1"/>
+          </a:fillRef>
+          <a:effectRef idx="0">
+            <a:schemeClr val="dk1"/>
+          </a:effectRef>
+          <a:fontRef idx="minor">
+            <a:schemeClr val="tx1"/>
+          </a:fontRef>
+        </p:style>
+      </p:cxnSp>
+      <p:cxnSp>
+        <p:nvCxnSpPr>
+          <p:cNvPr id="22" name="Straight Arrow Connector 21"/>
+          <p:cNvCxnSpPr>
+            <a:stCxn id="14" idx="3"/>
+            <a:endCxn id="22" idx="1"/>
+          </p:cNvCxnSpPr>
+          <p:nvPr/>
+        </p:nvCxnSpPr>
+        <p:spPr>
+          <a:xfrm>
+            <a:off x="3859852" y="4012840"/>
+            <a:ext cx="3379615" cy="29887"/>
+          </a:xfrm>
+          <a:prstGeom prst="straightConnector1">
+            <a:avLst/>
+          </a:prstGeom>
+          <a:ln w="28575" cmpd="sng">
+            <a:solidFill>
+              <a:schemeClr val="bg1">
+                <a:lumMod val="50000"/>
+              </a:schemeClr>
+            </a:solidFill>
+            <a:tailEnd type="triangle"/>
+          </a:ln>
+        </p:spPr>
+        <p:style>
+          <a:lnRef idx="1">
+            <a:schemeClr val="dk1"/>
+          </a:lnRef>
+          <a:fillRef idx="0">
+            <a:schemeClr val="dk1"/>
+          </a:fillRef>
+          <a:effectRef idx="0">
+            <a:schemeClr val="dk1"/>
+          </a:effectRef>
+          <a:fontRef idx="minor">
+            <a:schemeClr val="tx1"/>
+          </a:fontRef>
+        </p:style>
+      </p:cxnSp>
+      <p:cxnSp>
+        <p:nvCxnSpPr>
+          <p:cNvPr id="23" name="Straight Arrow Connector 22"/>
+          <p:cNvCxnSpPr>
+            <a:stCxn id="16" idx="3"/>
+            <a:endCxn id="22" idx="1"/>
+          </p:cNvCxnSpPr>
+          <p:nvPr/>
+        </p:nvCxnSpPr>
+        <p:spPr>
+          <a:xfrm flipV="1">
+            <a:off x="6011080" y="4042726"/>
+            <a:ext cx="1228387" cy="800921"/>
+          </a:xfrm>
+          <a:prstGeom prst="straightConnector1">
+            <a:avLst/>
+          </a:prstGeom>
+          <a:ln w="28575" cmpd="sng">
+            <a:solidFill>
+              <a:schemeClr val="bg1">
+                <a:lumMod val="50000"/>
+              </a:schemeClr>
+            </a:solidFill>
+            <a:tailEnd type="triangle"/>
+          </a:ln>
+        </p:spPr>
+        <p:style>
+          <a:lnRef idx="1">
+            <a:schemeClr val="dk1"/>
+          </a:lnRef>
+          <a:fillRef idx="0">
+            <a:schemeClr val="dk1"/>
+          </a:fillRef>
+          <a:effectRef idx="0">
+            <a:schemeClr val="dk1"/>
+          </a:effectRef>
+          <a:fontRef idx="minor">
+            <a:schemeClr val="tx1"/>
+          </a:fontRef>
+        </p:style>
+      </p:cxnSp>
+      <p:cxnSp>
+        <p:nvCxnSpPr>
+          <p:cNvPr id="24" name="Straight Arrow Connector 23"/>
+          <p:cNvCxnSpPr>
+            <a:endCxn id="15" idx="1"/>
+          </p:cNvCxnSpPr>
+          <p:nvPr/>
+        </p:nvCxnSpPr>
+        <p:spPr>
+          <a:xfrm flipV="1">
+            <a:off x="1866816" y="3265624"/>
+            <a:ext cx="2834078" cy="464915"/>
+          </a:xfrm>
+          <a:prstGeom prst="straightConnector1">
+            <a:avLst/>
+          </a:prstGeom>
+          <a:ln w="28575" cmpd="sng">
+            <a:solidFill>
+              <a:schemeClr val="bg1">
+                <a:lumMod val="50000"/>
+              </a:schemeClr>
+            </a:solidFill>
+            <a:tailEnd type="triangle"/>
+          </a:ln>
+        </p:spPr>
+        <p:style>
+          <a:lnRef idx="1">
+            <a:schemeClr val="dk1"/>
+          </a:lnRef>
+          <a:fillRef idx="0">
+            <a:schemeClr val="dk1"/>
+          </a:fillRef>
+          <a:effectRef idx="0">
+            <a:schemeClr val="dk1"/>
+          </a:effectRef>
+          <a:fontRef idx="minor">
+            <a:schemeClr val="tx1"/>
+          </a:fontRef>
+        </p:style>
+      </p:cxnSp>
+      <p:cxnSp>
+        <p:nvCxnSpPr>
+          <p:cNvPr id="25" name="Straight Arrow Connector 24"/>
+          <p:cNvCxnSpPr>
+            <a:endCxn id="16" idx="1"/>
+          </p:cNvCxnSpPr>
+          <p:nvPr/>
+        </p:nvCxnSpPr>
+        <p:spPr>
+          <a:xfrm>
+            <a:off x="1866816" y="4251600"/>
+            <a:ext cx="2834078" cy="592047"/>
+          </a:xfrm>
+          <a:prstGeom prst="straightConnector1">
+            <a:avLst/>
+          </a:prstGeom>
+          <a:ln w="28575" cmpd="sng">
+            <a:solidFill>
+              <a:schemeClr val="bg1">
+                <a:lumMod val="50000"/>
+              </a:schemeClr>
+            </a:solidFill>
+            <a:tailEnd type="triangle"/>
+          </a:ln>
+        </p:spPr>
+        <p:style>
+          <a:lnRef idx="1">
+            <a:schemeClr val="dk1"/>
+          </a:lnRef>
+          <a:fillRef idx="0">
+            <a:schemeClr val="dk1"/>
+          </a:fillRef>
+          <a:effectRef idx="0">
+            <a:schemeClr val="dk1"/>
+          </a:effectRef>
+          <a:fontRef idx="minor">
+            <a:schemeClr val="tx1"/>
+          </a:fontRef>
+        </p:style>
+      </p:cxnSp>
+      <p:sp>
+        <p:nvSpPr>
+          <p:cNvPr id="26" name="Rectangle 25"/>
+          <p:cNvSpPr/>
+          <p:nvPr/>
+        </p:nvSpPr>
+        <p:spPr>
+          <a:xfrm rot="18979406">
+            <a:off x="3744559" y="3496676"/>
+            <a:ext cx="824265" cy="253916"/>
+          </a:xfrm>
+          <a:prstGeom prst="rect">
+            <a:avLst/>
+          </a:prstGeom>
+        </p:spPr>
+        <p:txBody>
+          <a:bodyPr wrap="none">
+            <a:spAutoFit/>
+          </a:bodyPr>
+          <a:lstStyle/>
+          <a:p>
+            <a:r>
+              <a:rPr lang="en-NZ" sz="1050" b="1" dirty="0" err="1">
+                <a:solidFill>
+                  <a:schemeClr val="tx1">
+                    <a:lumMod val="65000"/>
+                    <a:lumOff val="35000"/>
+                  </a:schemeClr>
+                </a:solidFill>
+              </a:rPr>
+              <a:t>ArrivalDate</a:t>
+            </a:r>
+            <a:endParaRPr lang="en-US" sz="1050" b="1" dirty="0">
+              <a:solidFill>
+                <a:schemeClr val="tx1">
+                  <a:lumMod val="65000"/>
+                  <a:lumOff val="35000"/>
+                </a:schemeClr>
+              </a:solidFill>
+            </a:endParaRPr>
+          </a:p>
+        </p:txBody>
+      </p:sp>
+      <p:sp>
+        <p:nvSpPr>
+          <p:cNvPr id="27" name="Rectangle 26"/>
+          <p:cNvSpPr/>
+          <p:nvPr/>
+        </p:nvSpPr>
+        <p:spPr>
+          <a:xfrm rot="21031528">
+            <a:off x="2945676" y="3203715"/>
+            <a:ext cx="1035861" cy="253916"/>
+          </a:xfrm>
+          <a:prstGeom prst="rect">
+            <a:avLst/>
+          </a:prstGeom>
+        </p:spPr>
+        <p:txBody>
+          <a:bodyPr wrap="none">
+            <a:spAutoFit/>
+          </a:bodyPr>
+          <a:lstStyle/>
+          <a:p>
+            <a:r>
+              <a:rPr lang="en-NZ" sz="1050" b="1">
+                <a:solidFill>
+                  <a:schemeClr val="tx1">
+                    <a:lumMod val="65000"/>
+                    <a:lumOff val="35000"/>
+                  </a:schemeClr>
+                </a:solidFill>
+              </a:rPr>
+              <a:t>ConferenceCity</a:t>
+            </a:r>
+            <a:endParaRPr lang="en-US" sz="1050" b="1" dirty="0">
+              <a:solidFill>
+                <a:schemeClr val="tx1">
+                  <a:lumMod val="65000"/>
+                  <a:lumOff val="35000"/>
+                </a:schemeClr>
+              </a:solidFill>
+            </a:endParaRPr>
+          </a:p>
+        </p:txBody>
+      </p:sp>
+      <p:sp>
+        <p:nvSpPr>
+          <p:cNvPr id="28" name="Rectangle 27"/>
+          <p:cNvSpPr/>
+          <p:nvPr/>
+        </p:nvSpPr>
+        <p:spPr>
+          <a:xfrm rot="1973234">
+            <a:off x="6012423" y="3389965"/>
+            <a:ext cx="1156086" cy="253916"/>
+          </a:xfrm>
+          <a:prstGeom prst="rect">
+            <a:avLst/>
+          </a:prstGeom>
+        </p:spPr>
+        <p:txBody>
+          <a:bodyPr wrap="none">
+            <a:spAutoFit/>
+          </a:bodyPr>
+          <a:lstStyle/>
+          <a:p>
+            <a:r>
+              <a:rPr lang="en-NZ" sz="1050" b="1" dirty="0" err="1" smtClean="0">
+                <a:solidFill>
+                  <a:schemeClr val="tx1">
+                    <a:lumMod val="65000"/>
+                    <a:lumOff val="35000"/>
+                  </a:schemeClr>
+                </a:solidFill>
+              </a:rPr>
+              <a:t>HotelReservation</a:t>
+            </a:r>
+            <a:endParaRPr lang="en-US" sz="1050" b="1" dirty="0">
+              <a:solidFill>
+                <a:schemeClr val="tx1">
+                  <a:lumMod val="65000"/>
+                  <a:lumOff val="35000"/>
+                </a:schemeClr>
+              </a:solidFill>
+            </a:endParaRPr>
+          </a:p>
+        </p:txBody>
+      </p:sp>
+      <p:sp>
+        <p:nvSpPr>
+          <p:cNvPr id="4" name="TextBox 3"/>
+          <p:cNvSpPr txBox="1"/>
+          <p:nvPr/>
+        </p:nvSpPr>
+        <p:spPr>
+          <a:xfrm>
+            <a:off x="2711136" y="6336268"/>
+            <a:ext cx="4312206" cy="369332"/>
+          </a:xfrm>
+          <a:prstGeom prst="rect">
+            <a:avLst/>
+          </a:prstGeom>
+          <a:noFill/>
+        </p:spPr>
+        <p:txBody>
+          <a:bodyPr wrap="none" rtlCol="0">
+            <a:spAutoFit/>
+          </a:bodyPr>
+          <a:lstStyle/>
+          <a:p>
+            <a:r>
+              <a:rPr lang="en-US" dirty="0" smtClean="0"/>
+              <a:t>Fig.1 An </a:t>
+            </a:r>
+            <a:r>
+              <a:rPr lang="en-US" dirty="0"/>
+              <a:t>example of traveling agency service</a:t>
+            </a:r>
+          </a:p>
+        </p:txBody>
+      </p:sp>
+      <p:sp>
+        <p:nvSpPr>
+          <p:cNvPr id="5" name="TextBox 4"/>
+          <p:cNvSpPr txBox="1"/>
+          <p:nvPr/>
+        </p:nvSpPr>
+        <p:spPr>
+          <a:xfrm>
+            <a:off x="456266" y="1405501"/>
+            <a:ext cx="8230534" cy="830997"/>
+          </a:xfrm>
+          <a:prstGeom prst="rect">
+            <a:avLst/>
+          </a:prstGeom>
+          <a:noFill/>
+        </p:spPr>
+        <p:txBody>
+          <a:bodyPr wrap="square" rtlCol="0">
+            <a:spAutoFit/>
+          </a:bodyPr>
+          <a:lstStyle/>
+          <a:p>
+            <a:r>
+              <a:rPr lang="en-US" sz="2400" b="1" dirty="0" smtClean="0"/>
+              <a:t>Web service composition (WSC) </a:t>
+            </a:r>
+            <a:r>
+              <a:rPr lang="en-US" sz="2400" dirty="0" smtClean="0"/>
+              <a:t>: a </a:t>
+            </a:r>
+            <a:r>
+              <a:rPr lang="en-US" sz="2400" dirty="0"/>
+              <a:t>composition of web services to meet a more complex task.</a:t>
+            </a:r>
+          </a:p>
+        </p:txBody>
+      </p:sp>
+      <p:sp>
+        <p:nvSpPr>
+          <p:cNvPr id="29" name="Rounded Rectangle 28"/>
+          <p:cNvSpPr/>
+          <p:nvPr/>
+        </p:nvSpPr>
+        <p:spPr>
+          <a:xfrm>
+            <a:off x="4718256" y="5486400"/>
+            <a:ext cx="1292824" cy="749841"/>
+          </a:xfrm>
+          <a:prstGeom prst="roundRect">
+            <a:avLst/>
+          </a:prstGeom>
+          <a:solidFill>
+            <a:schemeClr val="accent5">
+              <a:lumMod val="75000"/>
+            </a:schemeClr>
+          </a:solidFill>
+          <a:ln>
+            <a:solidFill>
+              <a:schemeClr val="bg1"/>
+            </a:solidFill>
+          </a:ln>
+        </p:spPr>
+        <p:style>
+          <a:lnRef idx="2">
+            <a:schemeClr val="accent1">
+              <a:shade val="50000"/>
+            </a:schemeClr>
+          </a:lnRef>
+          <a:fillRef idx="1">
+            <a:schemeClr val="accent1"/>
+          </a:fillRef>
+          <a:effectRef idx="0">
+            <a:schemeClr val="accent1"/>
+          </a:effectRef>
+          <a:fontRef idx="minor">
+            <a:schemeClr val="lt1"/>
+          </a:fontRef>
+        </p:style>
+        <p:txBody>
+          <a:bodyPr rtlCol="0" anchor="ctr"/>
+          <a:lstStyle/>
+          <a:p>
+            <a:pPr algn="ctr"/>
+            <a:r>
+              <a:rPr lang="en-US" sz="1400" b="1" dirty="0"/>
+              <a:t>Generate Map </a:t>
+            </a:r>
+          </a:p>
+        </p:txBody>
+      </p:sp>
+      <p:cxnSp>
+        <p:nvCxnSpPr>
+          <p:cNvPr id="30" name="Straight Arrow Connector 29"/>
+          <p:cNvCxnSpPr>
+            <a:endCxn id="29" idx="1"/>
+          </p:cNvCxnSpPr>
+          <p:nvPr/>
+        </p:nvCxnSpPr>
+        <p:spPr>
+          <a:xfrm>
+            <a:off x="1866816" y="4470040"/>
+            <a:ext cx="2851440" cy="1391281"/>
+          </a:xfrm>
+          <a:prstGeom prst="straightConnector1">
+            <a:avLst/>
+          </a:prstGeom>
+          <a:ln w="28575" cmpd="sng">
+            <a:solidFill>
+              <a:schemeClr val="bg1">
+                <a:lumMod val="50000"/>
+              </a:schemeClr>
+            </a:solidFill>
+            <a:tailEnd type="triangle"/>
+          </a:ln>
+        </p:spPr>
+        <p:style>
+          <a:lnRef idx="1">
+            <a:schemeClr val="dk1"/>
+          </a:lnRef>
+          <a:fillRef idx="0">
+            <a:schemeClr val="dk1"/>
+          </a:fillRef>
+          <a:effectRef idx="0">
+            <a:schemeClr val="dk1"/>
+          </a:effectRef>
+          <a:fontRef idx="minor">
+            <a:schemeClr val="tx1"/>
+          </a:fontRef>
+        </p:style>
+      </p:cxnSp>
+      <p:cxnSp>
+        <p:nvCxnSpPr>
+          <p:cNvPr id="31" name="Straight Arrow Connector 30"/>
+          <p:cNvCxnSpPr>
+            <a:stCxn id="29" idx="3"/>
+            <a:endCxn id="17" idx="1"/>
+          </p:cNvCxnSpPr>
+          <p:nvPr/>
+        </p:nvCxnSpPr>
+        <p:spPr>
+          <a:xfrm flipV="1">
+            <a:off x="6011080" y="4042727"/>
+            <a:ext cx="1228387" cy="1818594"/>
+          </a:xfrm>
+          <a:prstGeom prst="straightConnector1">
+            <a:avLst/>
+          </a:prstGeom>
+          <a:ln w="28575" cmpd="sng">
+            <a:solidFill>
+              <a:schemeClr val="bg1">
+                <a:lumMod val="50000"/>
+              </a:schemeClr>
+            </a:solidFill>
+            <a:tailEnd type="triangle"/>
+          </a:ln>
+        </p:spPr>
+        <p:style>
+          <a:lnRef idx="1">
+            <a:schemeClr val="dk1"/>
+          </a:lnRef>
+          <a:fillRef idx="0">
+            <a:schemeClr val="dk1"/>
+          </a:fillRef>
+          <a:effectRef idx="0">
+            <a:schemeClr val="dk1"/>
+          </a:effectRef>
+          <a:fontRef idx="minor">
+            <a:schemeClr val="tx1"/>
+          </a:fontRef>
+        </p:style>
+      </p:cxnSp>
+    </p:spTree>
+    <p:extLst>
+      <p:ext uri="{BB962C8B-B14F-4D97-AF65-F5344CB8AC3E}">
+        <p14:creationId xmlns:p14="http://schemas.microsoft.com/office/powerpoint/2010/main" val="928398194"/>
+      </p:ext>
+    </p:extLst>
+  </p:cSld>
+  <p:clrMapOvr>
+    <a:masterClrMapping/>
+  </p:clrMapOvr>
+  <p:timing>
+    <p:tnLst>
+      <p:par>
+        <p:cTn id="1" dur="indefinite" restart="never" nodeType="tmRoot"/>
+      </p:par>
+    </p:tnLst>
+  </p:timing>
+</p:sld>
+</file>
+
+<file path=ppt/slides/slide6.xml><?xml version="1.0" encoding="utf-8"?>
+<p:sld xmlns:a="http://schemas.openxmlformats.org/drawingml/2006/main" xmlns:r="http://schemas.openxmlformats.org/officeDocument/2006/relationships" xmlns:p="http://schemas.openxmlformats.org/presentationml/2006/main">
+  <p:cSld>
+    <p:spTree>
+      <p:nvGrpSpPr>
+        <p:cNvPr id="1" name=""/>
+        <p:cNvGrpSpPr/>
+        <p:nvPr/>
+      </p:nvGrpSpPr>
+      <p:grpSpPr>
+        <a:xfrm>
+          <a:off x="0" y="0"/>
+          <a:ext cx="0" cy="0"/>
+          <a:chOff x="0" y="0"/>
+          <a:chExt cx="0" cy="0"/>
+        </a:xfrm>
+      </p:grpSpPr>
+      <p:sp>
+        <p:nvSpPr>
+          <p:cNvPr id="2" name="Title 1"/>
+          <p:cNvSpPr>
+            <a:spLocks noGrp="1"/>
+          </p:cNvSpPr>
+          <p:nvPr>
+            <p:ph type="title"/>
+          </p:nvPr>
+        </p:nvSpPr>
+        <p:spPr>
+          <a:xfrm>
+            <a:off x="0" y="274638"/>
+            <a:ext cx="8686800" cy="792162"/>
+          </a:xfrm>
+          <a:solidFill>
+            <a:schemeClr val="accent6">
+              <a:lumMod val="75000"/>
+              <a:alpha val="50000"/>
+            </a:schemeClr>
+          </a:solidFill>
+        </p:spPr>
+        <p:txBody>
+          <a:bodyPr rtlCol="0">
+            <a:normAutofit/>
+          </a:bodyPr>
+          <a:lstStyle/>
+          <a:p>
+            <a:pPr>
+              <a:defRPr/>
+            </a:pPr>
+            <a:r>
+              <a:rPr lang="en-NZ" sz="3200" b="1" dirty="0" smtClean="0"/>
+              <a:t>	Functional Properties </a:t>
+            </a:r>
+            <a:r>
+              <a:rPr lang="en-NZ" sz="3200" b="1" dirty="0"/>
+              <a:t>of </a:t>
+            </a:r>
+            <a:r>
+              <a:rPr lang="en-NZ" sz="3200" b="1" dirty="0" smtClean="0"/>
+              <a:t>WSC</a:t>
+            </a:r>
+            <a:endParaRPr lang="en-NZ" sz="3200" b="1" dirty="0"/>
+          </a:p>
+        </p:txBody>
+      </p:sp>
+      <p:sp>
+        <p:nvSpPr>
+          <p:cNvPr id="19458" name="Content Placeholder 2"/>
+          <p:cNvSpPr>
+            <a:spLocks noGrp="1"/>
+          </p:cNvSpPr>
+          <p:nvPr>
+            <p:ph idx="1"/>
+          </p:nvPr>
+        </p:nvSpPr>
+        <p:spPr>
+          <a:xfrm>
+            <a:off x="457200" y="1600200"/>
+            <a:ext cx="8229600" cy="4572000"/>
+          </a:xfrm>
+        </p:spPr>
+        <p:txBody>
+          <a:bodyPr>
+            <a:normAutofit/>
+          </a:bodyPr>
+          <a:lstStyle/>
+          <a:p>
+            <a:pPr marL="0" indent="0">
+              <a:buNone/>
+            </a:pPr>
+            <a:r>
+              <a:rPr lang="en-NZ" altLang="x-none" sz="2600" b="1" dirty="0"/>
+              <a:t>Valid </a:t>
+            </a:r>
+            <a:r>
+              <a:rPr lang="en-NZ" altLang="x-none" sz="2600" b="1" dirty="0" smtClean="0"/>
+              <a:t>functionalities</a:t>
+            </a:r>
+            <a:r>
+              <a:rPr lang="en-NZ" altLang="x-none" sz="2600" dirty="0" smtClean="0"/>
+              <a:t> </a:t>
+            </a:r>
+          </a:p>
+          <a:p>
+            <a:pPr marL="0" indent="0">
+              <a:buNone/>
+            </a:pPr>
+            <a:r>
+              <a:rPr lang="en-NZ" altLang="x-none" sz="2400" dirty="0" smtClean="0"/>
+              <a:t>Satisfaction </a:t>
+            </a:r>
+            <a:r>
+              <a:rPr lang="en-NZ" altLang="x-none" sz="2400" dirty="0"/>
+              <a:t>on the inputs of all involved </a:t>
+            </a:r>
+            <a:r>
+              <a:rPr lang="en-NZ" altLang="x-none" sz="2400" dirty="0" smtClean="0"/>
+              <a:t>services</a:t>
+            </a:r>
+          </a:p>
+          <a:p>
+            <a:pPr marL="0" indent="0">
+              <a:buNone/>
+            </a:pPr>
+            <a:r>
+              <a:rPr lang="en-NZ" altLang="x-none" sz="2400" dirty="0"/>
+              <a:t>Required outputs is a subset of output of all involved services</a:t>
+            </a:r>
+            <a:endParaRPr lang="en-NZ" altLang="x-none" sz="2400" dirty="0" smtClean="0"/>
+          </a:p>
+          <a:p>
+            <a:pPr marL="0" indent="0">
+              <a:buNone/>
+            </a:pPr>
+            <a:r>
+              <a:rPr lang="en-NZ" altLang="x-none" sz="2400" b="1" dirty="0"/>
+              <a:t>Semantic matchmaking </a:t>
+            </a:r>
+            <a:r>
+              <a:rPr lang="en-NZ" altLang="x-none" sz="2400" b="1" dirty="0" smtClean="0"/>
+              <a:t>quality</a:t>
+            </a:r>
+          </a:p>
+          <a:p>
+            <a:pPr marL="0" indent="0">
+              <a:buNone/>
+            </a:pPr>
+            <a:r>
+              <a:rPr lang="en-NZ" altLang="x-none" sz="2400" dirty="0" smtClean="0"/>
+              <a:t>How perfect does the provided inputs match the required outputs</a:t>
+            </a:r>
+          </a:p>
+        </p:txBody>
+      </p:sp>
+      <p:sp>
+        <p:nvSpPr>
+          <p:cNvPr id="19459" name="Slide Number Placeholder 3"/>
+          <p:cNvSpPr>
+            <a:spLocks noGrp="1"/>
+          </p:cNvSpPr>
+          <p:nvPr>
+            <p:ph type="sldNum" sz="quarter" idx="12"/>
+          </p:nvPr>
+        </p:nvSpPr>
+        <p:spPr bwMode="auto">
+          <a:xfrm>
+            <a:off x="6457950" y="5730875"/>
+            <a:ext cx="2057400" cy="365125"/>
+          </a:xfrm>
+          <a:noFill/>
+          <a:extLst>
+            <a:ext uri="{909E8E84-426E-40DD-AFC4-6F175D3DCCD1}">
+              <a14:hiddenFill xmlns:a14="http://schemas.microsoft.com/office/drawing/2010/main">
+                <a:solidFill>
+                  <a:srgbClr val="FFFFFF"/>
+                </a:solidFill>
+              </a14:hiddenFill>
+            </a:ext>
+            <a:ext uri="{91240B29-F687-4F45-9708-019B960494DF}">
+              <a14:hiddenLine xmlns:a14="http://schemas.microsoft.com/office/drawing/2010/main" w="9525">
+                <a:solidFill>
+                  <a:srgbClr val="000000"/>
+                </a:solidFill>
+                <a:miter lim="800000"/>
+                <a:headEnd/>
+                <a:tailEnd/>
+              </a14:hiddenLine>
+            </a:ext>
+          </a:extLst>
+        </p:spPr>
+        <p:txBody>
+          <a:bodyPr/>
+          <a:lstStyle>
+            <a:lvl1pPr>
+              <a:spcBef>
+                <a:spcPct val="20000"/>
+              </a:spcBef>
+              <a:buFont typeface="Arial" charset="0"/>
+              <a:buChar char="•"/>
+              <a:defRPr sz="3200">
+                <a:solidFill>
+                  <a:schemeClr val="tx1"/>
+                </a:solidFill>
+                <a:latin typeface="Calibri" charset="0"/>
+              </a:defRPr>
+            </a:lvl1pPr>
+            <a:lvl2pPr marL="742950" indent="-285750">
+              <a:spcBef>
+                <a:spcPct val="20000"/>
+              </a:spcBef>
+              <a:buFont typeface="Arial" charset="0"/>
+              <a:buChar char="–"/>
+              <a:defRPr sz="2800">
+                <a:solidFill>
+                  <a:schemeClr val="tx1"/>
+                </a:solidFill>
+                <a:latin typeface="Calibri" charset="0"/>
+              </a:defRPr>
+            </a:lvl2pPr>
+            <a:lvl3pPr marL="1143000" indent="-228600">
+              <a:spcBef>
+                <a:spcPct val="20000"/>
+              </a:spcBef>
+              <a:buFont typeface="Arial" charset="0"/>
+              <a:buChar char="•"/>
+              <a:defRPr sz="2400">
+                <a:solidFill>
+                  <a:schemeClr val="tx1"/>
+                </a:solidFill>
+                <a:latin typeface="Calibri" charset="0"/>
+              </a:defRPr>
+            </a:lvl3pPr>
+            <a:lvl4pPr marL="1600200" indent="-228600">
+              <a:spcBef>
+                <a:spcPct val="20000"/>
+              </a:spcBef>
+              <a:buFont typeface="Arial" charset="0"/>
+              <a:buChar char="–"/>
+              <a:defRPr sz="2000">
+                <a:solidFill>
+                  <a:schemeClr val="tx1"/>
+                </a:solidFill>
+                <a:latin typeface="Calibri" charset="0"/>
+              </a:defRPr>
+            </a:lvl4pPr>
+            <a:lvl5pPr marL="2057400" indent="-228600">
+              <a:spcBef>
+                <a:spcPct val="20000"/>
+              </a:spcBef>
+              <a:buFont typeface="Arial" charset="0"/>
+              <a:buChar char="»"/>
+              <a:defRPr sz="2000">
+                <a:solidFill>
+                  <a:schemeClr val="tx1"/>
+                </a:solidFill>
+                <a:latin typeface="Calibri" charset="0"/>
+              </a:defRPr>
+            </a:lvl5pPr>
+            <a:lvl6pPr marL="2514600" indent="-228600" eaLnBrk="0" fontAlgn="base" hangingPunct="0">
+              <a:spcBef>
+                <a:spcPct val="20000"/>
+              </a:spcBef>
+              <a:spcAft>
+                <a:spcPct val="0"/>
+              </a:spcAft>
+              <a:buFont typeface="Arial" charset="0"/>
+              <a:buChar char="»"/>
+              <a:defRPr sz="2000">
+                <a:solidFill>
+                  <a:schemeClr val="tx1"/>
+                </a:solidFill>
+                <a:latin typeface="Calibri" charset="0"/>
+              </a:defRPr>
+            </a:lvl6pPr>
+            <a:lvl7pPr marL="2971800" indent="-228600" eaLnBrk="0" fontAlgn="base" hangingPunct="0">
+              <a:spcBef>
+                <a:spcPct val="20000"/>
+              </a:spcBef>
+              <a:spcAft>
+                <a:spcPct val="0"/>
+              </a:spcAft>
+              <a:buFont typeface="Arial" charset="0"/>
+              <a:buChar char="»"/>
+              <a:defRPr sz="2000">
+                <a:solidFill>
+                  <a:schemeClr val="tx1"/>
+                </a:solidFill>
+                <a:latin typeface="Calibri" charset="0"/>
+              </a:defRPr>
+            </a:lvl7pPr>
+            <a:lvl8pPr marL="3429000" indent="-228600" eaLnBrk="0" fontAlgn="base" hangingPunct="0">
+              <a:spcBef>
+                <a:spcPct val="20000"/>
+              </a:spcBef>
+              <a:spcAft>
+                <a:spcPct val="0"/>
+              </a:spcAft>
+              <a:buFont typeface="Arial" charset="0"/>
+              <a:buChar char="»"/>
+              <a:defRPr sz="2000">
+                <a:solidFill>
+                  <a:schemeClr val="tx1"/>
+                </a:solidFill>
+                <a:latin typeface="Calibri" charset="0"/>
+              </a:defRPr>
+            </a:lvl8pPr>
+            <a:lvl9pPr marL="3886200" indent="-228600" eaLnBrk="0" fontAlgn="base" hangingPunct="0">
+              <a:spcBef>
+                <a:spcPct val="20000"/>
+              </a:spcBef>
+              <a:spcAft>
+                <a:spcPct val="0"/>
+              </a:spcAft>
+              <a:buFont typeface="Arial" charset="0"/>
+              <a:buChar char="»"/>
+              <a:defRPr sz="2000">
+                <a:solidFill>
+                  <a:schemeClr val="tx1"/>
+                </a:solidFill>
+                <a:latin typeface="Calibri" charset="0"/>
+              </a:defRPr>
+            </a:lvl9pPr>
+          </a:lstStyle>
+          <a:p>
+            <a:pPr>
+              <a:spcBef>
+                <a:spcPct val="0"/>
+              </a:spcBef>
+              <a:buFontTx/>
+              <a:buNone/>
+            </a:pPr>
+            <a:fld id="{46D07013-15E0-E04C-AB7F-D86A7C849A7E}" type="slidenum">
+              <a:rPr lang="en-US" altLang="en-US" sz="1600" b="1"/>
+              <a:pPr>
+                <a:spcBef>
+                  <a:spcPct val="0"/>
+                </a:spcBef>
+                <a:buFontTx/>
+                <a:buNone/>
+              </a:pPr>
+              <a:t>6</a:t>
+            </a:fld>
+            <a:endParaRPr lang="en-US" altLang="en-US" sz="1600" b="1" dirty="0"/>
+          </a:p>
+        </p:txBody>
+      </p:sp>
+      <p:sp>
+        <p:nvSpPr>
+          <p:cNvPr id="5" name="Rounded Rectangle 4"/>
+          <p:cNvSpPr/>
+          <p:nvPr/>
+        </p:nvSpPr>
+        <p:spPr>
+          <a:xfrm>
+            <a:off x="3124200" y="3870324"/>
+            <a:ext cx="3201778" cy="1017872"/>
+          </a:xfrm>
+          <a:prstGeom prst="roundRect">
+            <a:avLst/>
+          </a:prstGeom>
+          <a:solidFill>
+            <a:schemeClr val="bg1"/>
+          </a:solidFill>
+          <a:ln>
+            <a:solidFill>
+              <a:schemeClr val="accent6"/>
+            </a:solidFill>
+            <a:prstDash val="dash"/>
+          </a:ln>
+        </p:spPr>
+        <p:style>
+          <a:lnRef idx="2">
+            <a:schemeClr val="accent1">
+              <a:shade val="50000"/>
+            </a:schemeClr>
+          </a:lnRef>
+          <a:fillRef idx="1">
+            <a:schemeClr val="accent1"/>
+          </a:fillRef>
+          <a:effectRef idx="0">
+            <a:schemeClr val="accent1"/>
+          </a:effectRef>
+          <a:fontRef idx="minor">
+            <a:schemeClr val="lt1"/>
+          </a:fontRef>
+        </p:style>
+        <p:txBody>
+          <a:bodyPr rtlCol="0" anchor="ctr"/>
+          <a:lstStyle/>
+          <a:p>
+            <a:pPr algn="ctr"/>
+            <a:endParaRPr lang="en-US"/>
+          </a:p>
+        </p:txBody>
+      </p:sp>
+      <p:sp>
+        <p:nvSpPr>
+          <p:cNvPr id="6" name="Rounded Rectangle 5"/>
+          <p:cNvSpPr/>
+          <p:nvPr/>
+        </p:nvSpPr>
+        <p:spPr>
+          <a:xfrm>
+            <a:off x="4369264" y="4046972"/>
+            <a:ext cx="931623" cy="689626"/>
+          </a:xfrm>
+          <a:prstGeom prst="roundRect">
+            <a:avLst/>
+          </a:prstGeom>
+          <a:solidFill>
+            <a:schemeClr val="accent6"/>
+          </a:solidFill>
+          <a:ln>
+            <a:solidFill>
+              <a:schemeClr val="bg1"/>
+            </a:solidFill>
+          </a:ln>
+        </p:spPr>
+        <p:style>
+          <a:lnRef idx="2">
+            <a:schemeClr val="accent1">
+              <a:shade val="50000"/>
+            </a:schemeClr>
+          </a:lnRef>
+          <a:fillRef idx="1">
+            <a:schemeClr val="accent1"/>
+          </a:fillRef>
+          <a:effectRef idx="0">
+            <a:schemeClr val="accent1"/>
+          </a:effectRef>
+          <a:fontRef idx="minor">
+            <a:schemeClr val="lt1"/>
+          </a:fontRef>
+        </p:style>
+        <p:txBody>
+          <a:bodyPr rtlCol="0" anchor="ctr"/>
+          <a:lstStyle/>
+          <a:p>
+            <a:pPr algn="ctr"/>
+            <a:r>
+              <a:rPr lang="en-US" sz="1400" b="1" dirty="0"/>
+              <a:t>Generate Map </a:t>
+            </a:r>
+          </a:p>
+        </p:txBody>
+      </p:sp>
+      <p:cxnSp>
+        <p:nvCxnSpPr>
+          <p:cNvPr id="7" name="Straight Arrow Connector 6"/>
+          <p:cNvCxnSpPr>
+            <a:stCxn id="11" idx="3"/>
+            <a:endCxn id="7" idx="1"/>
+          </p:cNvCxnSpPr>
+          <p:nvPr/>
+        </p:nvCxnSpPr>
+        <p:spPr>
+          <a:xfrm>
+            <a:off x="2894251" y="4373550"/>
+            <a:ext cx="1475014" cy="18236"/>
+          </a:xfrm>
+          <a:prstGeom prst="straightConnector1">
+            <a:avLst/>
+          </a:prstGeom>
+          <a:ln w="28575" cmpd="sng">
+            <a:solidFill>
+              <a:schemeClr val="bg1">
+                <a:lumMod val="50000"/>
+              </a:schemeClr>
+            </a:solidFill>
+            <a:tailEnd type="triangle"/>
+          </a:ln>
+        </p:spPr>
+        <p:style>
+          <a:lnRef idx="3">
+            <a:schemeClr val="dk1"/>
+          </a:lnRef>
+          <a:fillRef idx="0">
+            <a:schemeClr val="dk1"/>
+          </a:fillRef>
+          <a:effectRef idx="2">
+            <a:schemeClr val="dk1"/>
+          </a:effectRef>
+          <a:fontRef idx="minor">
+            <a:schemeClr val="tx1"/>
+          </a:fontRef>
+        </p:style>
+      </p:cxnSp>
+      <p:cxnSp>
+        <p:nvCxnSpPr>
+          <p:cNvPr id="8" name="Straight Arrow Connector 7"/>
+          <p:cNvCxnSpPr>
+            <a:stCxn id="7" idx="3"/>
+            <a:endCxn id="12" idx="1"/>
+          </p:cNvCxnSpPr>
+          <p:nvPr/>
+        </p:nvCxnSpPr>
+        <p:spPr>
+          <a:xfrm>
+            <a:off x="5300887" y="4391785"/>
+            <a:ext cx="1245065" cy="0"/>
+          </a:xfrm>
+          <a:prstGeom prst="straightConnector1">
+            <a:avLst/>
+          </a:prstGeom>
+          <a:ln w="28575" cmpd="sng">
+            <a:solidFill>
+              <a:schemeClr val="bg1">
+                <a:lumMod val="50000"/>
+              </a:schemeClr>
+            </a:solidFill>
+            <a:tailEnd type="triangle"/>
+          </a:ln>
+        </p:spPr>
+        <p:style>
+          <a:lnRef idx="3">
+            <a:schemeClr val="dk1"/>
+          </a:lnRef>
+          <a:fillRef idx="0">
+            <a:schemeClr val="dk1"/>
+          </a:fillRef>
+          <a:effectRef idx="2">
+            <a:schemeClr val="dk1"/>
+          </a:effectRef>
+          <a:fontRef idx="minor">
+            <a:schemeClr val="tx1"/>
+          </a:fontRef>
+        </p:style>
+      </p:cxnSp>
+      <mc:AlternateContent xmlns:mc="http://schemas.openxmlformats.org/markup-compatibility/2006" xmlns:a14="http://schemas.microsoft.com/office/drawing/2010/main">
+        <mc:Choice Requires="a14">
+          <p:sp>
+            <p:nvSpPr>
+              <p:cNvPr id="9" name="TextBox 8"/>
+              <p:cNvSpPr txBox="1"/>
+              <p:nvPr/>
+            </p:nvSpPr>
+            <p:spPr>
+              <a:xfrm>
+                <a:off x="3114225" y="4065147"/>
+                <a:ext cx="1307388" cy="369332"/>
+              </a:xfrm>
+              <a:prstGeom prst="rect">
+                <a:avLst/>
+              </a:prstGeom>
+              <a:noFill/>
+              <a:ln>
+                <a:noFill/>
+              </a:ln>
+            </p:spPr>
+            <p:txBody>
+              <a:bodyPr wrap="square" rtlCol="0">
+                <a:spAutoFit/>
+              </a:bodyPr>
+              <a:lstStyle/>
+              <a:p>
+                <a14:m>
+                  <m:oMath xmlns:m="http://schemas.openxmlformats.org/officeDocument/2006/math">
+                    <m:r>
+                      <a:rPr lang="en-AU" sz="1050" i="1">
+                        <a:latin typeface="Cambria Math" charset="0"/>
+                        <a:ea typeface="Cambria Math" charset="0"/>
+                        <a:cs typeface="Cambria Math" charset="0"/>
+                      </a:rPr>
+                      <m:t>𝐼</m:t>
+                    </m:r>
+                    <m:r>
+                      <a:rPr lang="en-US" sz="1050" i="1">
+                        <a:latin typeface="Cambria Math" panose="02040503050406030204" pitchFamily="18" charset="0"/>
+                        <a:ea typeface="Cambria Math" charset="0"/>
+                        <a:cs typeface="Cambria Math" charset="0"/>
+                      </a:rPr>
+                      <m:t>:</m:t>
+                    </m:r>
+                  </m:oMath>
+                </a14:m>
+                <a:r>
+                  <a:rPr lang="en-US" dirty="0">
+                    <a:ea typeface="Cambria Math" charset="0"/>
+                    <a:cs typeface="Cambria Math" charset="0"/>
+                  </a:rPr>
+                  <a:t> </a:t>
+                </a:r>
+                <a14:m>
+                  <m:oMath xmlns:m="http://schemas.openxmlformats.org/officeDocument/2006/math">
+                    <m:r>
+                      <a:rPr lang="en-US" sz="900" b="1">
+                        <a:latin typeface="Cambria Math" panose="02040503050406030204" pitchFamily="18" charset="0"/>
+                        <a:ea typeface="Cambria Math" charset="0"/>
+                        <a:cs typeface="Cambria Math" charset="0"/>
+                      </a:rPr>
+                      <m:t>𝐌𝐚𝐩𝐩𝐞𝐝𝐋𝐨𝐜𝐚𝐭𝐢𝐨𝐧</m:t>
+                    </m:r>
+                  </m:oMath>
+                </a14:m>
+                <a:endParaRPr lang="en-US" b="1" dirty="0"/>
+              </a:p>
+            </p:txBody>
+          </p:sp>
+        </mc:Choice>
+        <mc:Fallback xmlns="">
+          <p:sp>
+            <p:nvSpPr>
+              <p:cNvPr id="9" name="TextBox 8"/>
+              <p:cNvSpPr txBox="1">
+                <a:spLocks noRot="1" noChangeAspect="1" noMove="1" noResize="1" noEditPoints="1" noAdjustHandles="1" noChangeArrowheads="1" noChangeShapeType="1" noTextEdit="1"/>
+              </p:cNvSpPr>
+              <p:nvPr/>
+            </p:nvSpPr>
+            <p:spPr>
+              <a:xfrm>
+                <a:off x="3114225" y="4065147"/>
+                <a:ext cx="1307388" cy="369332"/>
+              </a:xfrm>
+              <a:prstGeom prst="rect">
+                <a:avLst/>
+              </a:prstGeom>
+              <a:blipFill rotWithShape="0">
+                <a:blip r:embed="rId3"/>
+                <a:stretch>
+                  <a:fillRect/>
+                </a:stretch>
+              </a:blipFill>
+              <a:ln>
+                <a:noFill/>
+              </a:ln>
+            </p:spPr>
+            <p:txBody>
+              <a:bodyPr/>
+              <a:lstStyle/>
+              <a:p>
+                <a:r>
+                  <a:rPr lang="en-US">
+                    <a:noFill/>
+                  </a:rPr>
+                  <a:t> </a:t>
+                </a:r>
+              </a:p>
+            </p:txBody>
+          </p:sp>
+        </mc:Fallback>
+      </mc:AlternateContent>
+      <mc:AlternateContent xmlns:mc="http://schemas.openxmlformats.org/markup-compatibility/2006" xmlns:a14="http://schemas.microsoft.com/office/drawing/2010/main">
+        <mc:Choice Requires="a14">
+          <p:sp>
+            <p:nvSpPr>
+              <p:cNvPr id="10" name="TextBox 9"/>
+              <p:cNvSpPr txBox="1"/>
+              <p:nvPr/>
+            </p:nvSpPr>
+            <p:spPr>
+              <a:xfrm>
+                <a:off x="5221201" y="4178171"/>
+                <a:ext cx="974558" cy="230832"/>
+              </a:xfrm>
+              <a:prstGeom prst="rect">
+                <a:avLst/>
+              </a:prstGeom>
+              <a:noFill/>
+              <a:ln>
+                <a:noFill/>
+              </a:ln>
+            </p:spPr>
+            <p:txBody>
+              <a:bodyPr wrap="square" rtlCol="0">
+                <a:spAutoFit/>
+              </a:bodyPr>
+              <a:lstStyle/>
+              <a:p>
+                <a:pPr/>
+                <a14:m>
+                  <m:oMathPara xmlns:m="http://schemas.openxmlformats.org/officeDocument/2006/math">
+                    <m:oMathParaPr>
+                      <m:jc m:val="centerGroup"/>
+                    </m:oMathParaPr>
+                    <m:oMath xmlns:m="http://schemas.openxmlformats.org/officeDocument/2006/math">
+                      <m:r>
+                        <a:rPr lang="en-AU" sz="900" i="1">
+                          <a:latin typeface="Cambria Math" charset="0"/>
+                          <a:ea typeface="Cambria Math" charset="0"/>
+                          <a:cs typeface="Cambria Math" charset="0"/>
+                        </a:rPr>
+                        <m:t>𝑂</m:t>
+                      </m:r>
+                      <m:r>
+                        <a:rPr lang="en-US" sz="900" i="1">
+                          <a:latin typeface="Cambria Math" panose="02040503050406030204" pitchFamily="18" charset="0"/>
+                          <a:ea typeface="Cambria Math" charset="0"/>
+                          <a:cs typeface="Cambria Math" charset="0"/>
+                        </a:rPr>
+                        <m:t>:</m:t>
+                      </m:r>
+                      <m:r>
+                        <m:rPr>
+                          <m:nor/>
+                        </m:rPr>
+                        <a:rPr lang="en-US" sz="900" b="1" dirty="0"/>
+                        <m:t>StreetMap</m:t>
+                      </m:r>
+                    </m:oMath>
+                  </m:oMathPara>
+                </a14:m>
+                <a:endParaRPr lang="en-US" sz="900" b="1" dirty="0"/>
+              </a:p>
+            </p:txBody>
+          </p:sp>
+        </mc:Choice>
+        <mc:Fallback xmlns="">
+          <p:sp>
+            <p:nvSpPr>
+              <p:cNvPr id="10" name="TextBox 9"/>
+              <p:cNvSpPr txBox="1">
+                <a:spLocks noRot="1" noChangeAspect="1" noMove="1" noResize="1" noEditPoints="1" noAdjustHandles="1" noChangeArrowheads="1" noChangeShapeType="1" noTextEdit="1"/>
+              </p:cNvSpPr>
+              <p:nvPr/>
+            </p:nvSpPr>
+            <p:spPr>
+              <a:xfrm>
+                <a:off x="5221201" y="4178171"/>
+                <a:ext cx="974558" cy="230832"/>
+              </a:xfrm>
+              <a:prstGeom prst="rect">
+                <a:avLst/>
+              </a:prstGeom>
+              <a:blipFill rotWithShape="0">
+                <a:blip r:embed="rId4"/>
+                <a:stretch>
+                  <a:fillRect/>
+                </a:stretch>
+              </a:blipFill>
+              <a:ln>
+                <a:noFill/>
+              </a:ln>
+            </p:spPr>
+            <p:txBody>
+              <a:bodyPr/>
+              <a:lstStyle/>
+              <a:p>
+                <a:r>
+                  <a:rPr lang="en-US">
+                    <a:noFill/>
+                  </a:rPr>
+                  <a:t> </a:t>
+                </a:r>
+              </a:p>
+            </p:txBody>
+          </p:sp>
+        </mc:Fallback>
+      </mc:AlternateContent>
+      <p:sp>
+        <p:nvSpPr>
+          <p:cNvPr id="11" name="Rounded Rectangle 10"/>
+          <p:cNvSpPr/>
+          <p:nvPr/>
+        </p:nvSpPr>
+        <p:spPr>
+          <a:xfrm>
+            <a:off x="1829396" y="4152128"/>
+            <a:ext cx="1064855" cy="442844"/>
+          </a:xfrm>
+          <a:prstGeom prst="roundRect">
+            <a:avLst/>
+          </a:prstGeom>
+          <a:solidFill>
+            <a:schemeClr val="bg1"/>
+          </a:solidFill>
+          <a:ln>
+            <a:solidFill>
+              <a:schemeClr val="accent6"/>
+            </a:solidFill>
+            <a:prstDash val="dash"/>
+          </a:ln>
+        </p:spPr>
+        <p:style>
+          <a:lnRef idx="2">
+            <a:schemeClr val="accent1">
+              <a:shade val="50000"/>
+            </a:schemeClr>
+          </a:lnRef>
+          <a:fillRef idx="1">
+            <a:schemeClr val="accent1"/>
+          </a:fillRef>
+          <a:effectRef idx="0">
+            <a:schemeClr val="accent1"/>
+          </a:effectRef>
+          <a:fontRef idx="minor">
+            <a:schemeClr val="lt1"/>
+          </a:fontRef>
+        </p:style>
+        <p:txBody>
+          <a:bodyPr rtlCol="0" anchor="ctr"/>
+          <a:lstStyle/>
+          <a:p>
+            <a:pPr algn="ctr"/>
+            <a:r>
+              <a:rPr lang="en-NZ" sz="1050" b="1" dirty="0">
+                <a:solidFill>
+                  <a:schemeClr val="tx1"/>
+                </a:solidFill>
+              </a:rPr>
+              <a:t>Input: </a:t>
+            </a:r>
+          </a:p>
+          <a:p>
+            <a:pPr algn="ctr"/>
+            <a:r>
+              <a:rPr lang="en-NZ" sz="1050" i="1" dirty="0" err="1">
+                <a:solidFill>
+                  <a:schemeClr val="accent6"/>
+                </a:solidFill>
+              </a:rPr>
+              <a:t>ConferenceCity</a:t>
+            </a:r>
+            <a:r>
+              <a:rPr lang="en-NZ" sz="1050" i="1" dirty="0">
+                <a:solidFill>
+                  <a:schemeClr val="accent6"/>
+                </a:solidFill>
+              </a:rPr>
+              <a:t> </a:t>
+            </a:r>
+          </a:p>
+        </p:txBody>
+      </p:sp>
+      <p:sp>
+        <p:nvSpPr>
+          <p:cNvPr id="12" name="Rounded Rectangle 11"/>
+          <p:cNvSpPr/>
+          <p:nvPr/>
+        </p:nvSpPr>
+        <p:spPr>
+          <a:xfrm>
+            <a:off x="6545952" y="4188599"/>
+            <a:ext cx="978517" cy="406373"/>
+          </a:xfrm>
+          <a:prstGeom prst="roundRect">
+            <a:avLst/>
+          </a:prstGeom>
+          <a:solidFill>
+            <a:schemeClr val="bg1"/>
+          </a:solidFill>
+          <a:ln>
+            <a:solidFill>
+              <a:schemeClr val="accent6"/>
+            </a:solidFill>
+            <a:prstDash val="dash"/>
+          </a:ln>
+        </p:spPr>
+        <p:style>
+          <a:lnRef idx="2">
+            <a:schemeClr val="accent1">
+              <a:shade val="50000"/>
+            </a:schemeClr>
+          </a:lnRef>
+          <a:fillRef idx="1">
+            <a:schemeClr val="accent1"/>
+          </a:fillRef>
+          <a:effectRef idx="0">
+            <a:schemeClr val="accent1"/>
+          </a:effectRef>
+          <a:fontRef idx="minor">
+            <a:schemeClr val="lt1"/>
+          </a:fontRef>
+        </p:style>
+        <p:txBody>
+          <a:bodyPr rtlCol="0" anchor="ctr"/>
+          <a:lstStyle/>
+          <a:p>
+            <a:pPr algn="ctr"/>
+            <a:r>
+              <a:rPr lang="en-NZ" sz="1050" b="1" dirty="0">
+                <a:solidFill>
+                  <a:schemeClr val="tx1"/>
+                </a:solidFill>
+              </a:rPr>
+              <a:t>Output: </a:t>
+            </a:r>
+          </a:p>
+          <a:p>
+            <a:pPr algn="ctr"/>
+            <a:r>
+              <a:rPr lang="en-NZ" sz="1050" i="1" dirty="0" err="1">
+                <a:solidFill>
+                  <a:schemeClr val="accent6"/>
+                </a:solidFill>
+              </a:rPr>
+              <a:t>StreetMap</a:t>
+            </a:r>
+            <a:endParaRPr lang="en-NZ" sz="1050" i="1" dirty="0">
+              <a:solidFill>
+                <a:schemeClr val="accent6"/>
+              </a:solidFill>
+            </a:endParaRPr>
+          </a:p>
+        </p:txBody>
+      </p:sp>
+      <mc:AlternateContent xmlns:mc="http://schemas.openxmlformats.org/markup-compatibility/2006" xmlns:a14="http://schemas.microsoft.com/office/drawing/2010/main">
+        <mc:Choice Requires="a14">
+          <p:sp>
+            <p:nvSpPr>
+              <p:cNvPr id="14" name="TextBox 13"/>
+              <p:cNvSpPr txBox="1"/>
+              <p:nvPr/>
+            </p:nvSpPr>
+            <p:spPr>
+              <a:xfrm>
+                <a:off x="1763570" y="5064844"/>
+                <a:ext cx="6201987" cy="246221"/>
+              </a:xfrm>
+              <a:prstGeom prst="rect">
+                <a:avLst/>
+              </a:prstGeom>
+              <a:noFill/>
+              <a:ln>
+                <a:noFill/>
+              </a:ln>
+            </p:spPr>
+            <p:txBody>
+              <a:bodyPr wrap="square" rtlCol="0">
+                <a:spAutoFit/>
+              </a:bodyPr>
+              <a:lstStyle/>
+              <a:p>
+                <a:pPr/>
+                <a14:m>
+                  <m:oMathPara xmlns:m="http://schemas.openxmlformats.org/officeDocument/2006/math">
+                    <m:oMathParaPr>
+                      <m:jc m:val="centerGroup"/>
+                    </m:oMathParaPr>
+                    <m:oMath xmlns:m="http://schemas.openxmlformats.org/officeDocument/2006/math">
+                      <m:r>
+                        <a:rPr lang="en-US" sz="1000" b="1" i="0" smtClean="0">
+                          <a:latin typeface="Cambria Math" charset="0"/>
+                          <a:ea typeface="Cambria Math" charset="0"/>
+                          <a:cs typeface="Cambria Math" charset="0"/>
+                        </a:rPr>
+                        <m:t>𝐈𝐧𝐬𝐭𝐚𝐧𝐜𝐞</m:t>
+                      </m:r>
+                      <m:r>
+                        <a:rPr lang="en-US" sz="1000" b="1" i="0" smtClean="0">
+                          <a:latin typeface="Cambria Math" charset="0"/>
+                          <a:ea typeface="Cambria Math" charset="0"/>
+                          <a:cs typeface="Cambria Math" charset="0"/>
+                        </a:rPr>
+                        <m:t>−</m:t>
+                      </m:r>
+                      <m:r>
+                        <a:rPr lang="en-US" sz="1000" b="1" i="0" smtClean="0">
+                          <a:latin typeface="Cambria Math" charset="0"/>
+                          <a:ea typeface="Cambria Math" charset="0"/>
+                          <a:cs typeface="Cambria Math" charset="0"/>
+                        </a:rPr>
+                        <m:t>𝐨𝐟</m:t>
+                      </m:r>
+                      <m:r>
+                        <a:rPr lang="en-US" sz="1000" b="1" i="0" smtClean="0">
+                          <a:latin typeface="Cambria Math" charset="0"/>
+                          <a:ea typeface="Cambria Math" charset="0"/>
+                          <a:cs typeface="Cambria Math" charset="0"/>
+                        </a:rPr>
+                        <m:t> </m:t>
+                      </m:r>
+                      <m:d>
+                        <m:dPr>
+                          <m:ctrlPr>
+                            <a:rPr lang="en-US" sz="1000" b="1" i="1" smtClean="0">
+                              <a:latin typeface="Cambria Math" charset="0"/>
+                              <a:ea typeface="Cambria Math" charset="0"/>
+                              <a:cs typeface="Cambria Math" charset="0"/>
+                            </a:rPr>
+                          </m:ctrlPr>
+                        </m:dPr>
+                        <m:e>
+                          <m:r>
+                            <a:rPr lang="en-US" sz="1000" b="1">
+                              <a:latin typeface="Cambria Math" panose="02040503050406030204" pitchFamily="18" charset="0"/>
+                              <a:ea typeface="Cambria Math" charset="0"/>
+                              <a:cs typeface="Cambria Math" charset="0"/>
+                            </a:rPr>
+                            <m:t>𝐌𝐚𝐩𝐩𝐞𝐝𝐋𝐨𝐜𝐚𝐭𝐢𝐨𝐧</m:t>
+                          </m:r>
+                          <m:r>
+                            <a:rPr lang="en-US" sz="1000" b="1" i="0" smtClean="0">
+                              <a:latin typeface="Cambria Math" charset="0"/>
+                              <a:ea typeface="Cambria Math" charset="0"/>
+                              <a:cs typeface="Cambria Math" charset="0"/>
+                            </a:rPr>
+                            <m:t>, </m:t>
+                          </m:r>
+                          <m:r>
+                            <a:rPr lang="en-US" sz="1000" b="1" i="0" smtClean="0">
+                              <a:latin typeface="Cambria Math" charset="0"/>
+                              <a:ea typeface="Cambria Math" charset="0"/>
+                              <a:cs typeface="Cambria Math" charset="0"/>
+                            </a:rPr>
+                            <m:t>𝐋𝐨𝐜𝐚𝐭𝐢𝐨𝐧</m:t>
+                          </m:r>
+                        </m:e>
+                      </m:d>
+                      <m:r>
+                        <a:rPr lang="en-US" sz="1000" b="1">
+                          <a:latin typeface="Cambria Math" charset="0"/>
+                          <a:ea typeface="Cambria Math" charset="0"/>
+                          <a:cs typeface="Cambria Math" charset="0"/>
+                        </a:rPr>
+                        <m:t>,</m:t>
+                      </m:r>
+                      <m:r>
+                        <a:rPr lang="en-US" sz="1000" b="1">
+                          <a:latin typeface="Cambria Math" charset="0"/>
+                          <a:ea typeface="Cambria Math" charset="0"/>
+                          <a:cs typeface="Cambria Math" charset="0"/>
+                        </a:rPr>
+                        <m:t>𝐈𝐧𝐬𝐭𝐚𝐧𝐜𝐞</m:t>
+                      </m:r>
+                      <m:r>
+                        <a:rPr lang="en-US" sz="1000" b="1">
+                          <a:latin typeface="Cambria Math" charset="0"/>
+                          <a:ea typeface="Cambria Math" charset="0"/>
+                          <a:cs typeface="Cambria Math" charset="0"/>
+                        </a:rPr>
+                        <m:t>−</m:t>
+                      </m:r>
+                      <m:r>
+                        <a:rPr lang="en-US" sz="1000" b="1">
+                          <a:latin typeface="Cambria Math" charset="0"/>
+                          <a:ea typeface="Cambria Math" charset="0"/>
+                          <a:cs typeface="Cambria Math" charset="0"/>
+                        </a:rPr>
+                        <m:t>𝐨𝐟</m:t>
+                      </m:r>
+                      <m:r>
+                        <a:rPr lang="en-US" sz="1000" b="1">
+                          <a:latin typeface="Cambria Math" charset="0"/>
+                          <a:ea typeface="Cambria Math" charset="0"/>
+                          <a:cs typeface="Cambria Math" charset="0"/>
+                        </a:rPr>
+                        <m:t> </m:t>
+                      </m:r>
+                      <m:d>
+                        <m:dPr>
+                          <m:ctrlPr>
+                            <a:rPr lang="en-US" sz="1000" b="1" i="1">
+                              <a:latin typeface="Cambria Math" charset="0"/>
+                              <a:ea typeface="Cambria Math" charset="0"/>
+                              <a:cs typeface="Cambria Math" charset="0"/>
+                            </a:rPr>
+                          </m:ctrlPr>
+                        </m:dPr>
+                        <m:e>
+                          <m:r>
+                            <a:rPr lang="en-US" sz="1000" b="1" i="0" smtClean="0">
+                              <a:latin typeface="Cambria Math" charset="0"/>
+                              <a:ea typeface="Cambria Math" charset="0"/>
+                              <a:cs typeface="Cambria Math" charset="0"/>
+                            </a:rPr>
+                            <m:t>𝐂𝐨𝐧𝐟𝐞𝐫𝐞𝐧𝐜𝐞𝐂𝐢𝐭𝐲</m:t>
+                          </m:r>
+                          <m:r>
+                            <a:rPr lang="en-US" sz="1000" b="1">
+                              <a:latin typeface="Cambria Math" charset="0"/>
+                              <a:ea typeface="Cambria Math" charset="0"/>
+                              <a:cs typeface="Cambria Math" charset="0"/>
+                            </a:rPr>
+                            <m:t>, </m:t>
+                          </m:r>
+                          <m:r>
+                            <a:rPr lang="en-US" sz="1000" b="1" i="0" smtClean="0">
+                              <a:latin typeface="Cambria Math" charset="0"/>
+                              <a:ea typeface="Cambria Math" charset="0"/>
+                              <a:cs typeface="Cambria Math" charset="0"/>
+                            </a:rPr>
+                            <m:t>𝐂𝐢𝐭𝐲</m:t>
+                          </m:r>
+                        </m:e>
+                      </m:d>
+                      <m:r>
+                        <a:rPr lang="en-US" sz="1000" b="1" i="1" smtClean="0">
+                          <a:latin typeface="Cambria Math" charset="0"/>
+                          <a:ea typeface="Cambria Math" charset="0"/>
+                          <a:cs typeface="Cambria Math" charset="0"/>
+                        </a:rPr>
+                        <m:t> </m:t>
+                      </m:r>
+                      <m:r>
+                        <a:rPr lang="en-US" sz="1000" b="1" i="1" smtClean="0">
+                          <a:latin typeface="Cambria Math" charset="0"/>
+                          <a:ea typeface="Cambria Math" charset="0"/>
+                          <a:cs typeface="Cambria Math" charset="0"/>
+                        </a:rPr>
+                        <m:t>𝒂𝒏𝒅</m:t>
+                      </m:r>
+                      <m:r>
+                        <a:rPr lang="en-US" sz="1000" b="1" i="1" smtClean="0">
+                          <a:latin typeface="Cambria Math" charset="0"/>
+                          <a:ea typeface="Cambria Math" charset="0"/>
+                          <a:cs typeface="Cambria Math" charset="0"/>
+                        </a:rPr>
+                        <m:t> </m:t>
+                      </m:r>
+                      <m:r>
+                        <a:rPr lang="en-US" sz="1000" b="1" i="1" smtClean="0">
+                          <a:latin typeface="Cambria Math" charset="0"/>
+                          <a:ea typeface="Cambria Math" charset="0"/>
+                          <a:cs typeface="Cambria Math" charset="0"/>
+                        </a:rPr>
+                        <m:t>𝑪𝒊𝒕𝒚</m:t>
+                      </m:r>
+                      <m:r>
+                        <a:rPr lang="en-US" sz="1000" b="1" i="1" smtClean="0">
+                          <a:latin typeface="Cambria Math" charset="0"/>
+                          <a:ea typeface="Cambria Math" charset="0"/>
+                          <a:cs typeface="Cambria Math" charset="0"/>
+                        </a:rPr>
+                        <m:t> ⊑</m:t>
+                      </m:r>
+                      <m:r>
+                        <a:rPr lang="en-US" sz="1000" b="1" i="1" smtClean="0">
+                          <a:latin typeface="Cambria Math" charset="0"/>
+                          <a:ea typeface="Cambria Math" charset="0"/>
+                          <a:cs typeface="Cambria Math" charset="0"/>
+                        </a:rPr>
+                        <m:t>𝑳𝒐𝒄𝒂𝒕𝒊𝒐𝒏</m:t>
+                      </m:r>
+                    </m:oMath>
+                  </m:oMathPara>
+                </a14:m>
+                <a:endParaRPr lang="en-US" sz="1000" b="1" dirty="0"/>
+              </a:p>
+            </p:txBody>
+          </p:sp>
+        </mc:Choice>
+        <mc:Fallback xmlns="">
+          <p:sp>
+            <p:nvSpPr>
+              <p:cNvPr id="14" name="TextBox 13"/>
+              <p:cNvSpPr txBox="1">
+                <a:spLocks noRot="1" noChangeAspect="1" noMove="1" noResize="1" noEditPoints="1" noAdjustHandles="1" noChangeArrowheads="1" noChangeShapeType="1" noTextEdit="1"/>
+              </p:cNvSpPr>
+              <p:nvPr/>
+            </p:nvSpPr>
+            <p:spPr>
+              <a:xfrm>
+                <a:off x="1763570" y="5064844"/>
+                <a:ext cx="6201987" cy="246221"/>
+              </a:xfrm>
+              <a:prstGeom prst="rect">
+                <a:avLst/>
+              </a:prstGeom>
+              <a:blipFill rotWithShape="0">
+                <a:blip r:embed="rId5"/>
+                <a:stretch>
+                  <a:fillRect t="-72500" b="-95000"/>
+                </a:stretch>
+              </a:blipFill>
+              <a:ln>
+                <a:noFill/>
+              </a:ln>
+            </p:spPr>
+            <p:txBody>
+              <a:bodyPr/>
+              <a:lstStyle/>
+              <a:p>
+                <a:r>
+                  <a:rPr lang="en-US">
+                    <a:noFill/>
+                  </a:rPr>
+                  <a:t> </a:t>
+                </a:r>
+              </a:p>
+            </p:txBody>
+          </p:sp>
+        </mc:Fallback>
+      </mc:AlternateContent>
+      <p:sp>
+        <p:nvSpPr>
+          <p:cNvPr id="16" name="TextBox 15"/>
+          <p:cNvSpPr txBox="1"/>
+          <p:nvPr/>
+        </p:nvSpPr>
+        <p:spPr>
+          <a:xfrm>
+            <a:off x="1387474" y="5450382"/>
+            <a:ext cx="7020512" cy="369332"/>
+          </a:xfrm>
+          <a:prstGeom prst="rect">
+            <a:avLst/>
+          </a:prstGeom>
+          <a:noFill/>
+        </p:spPr>
+        <p:txBody>
+          <a:bodyPr wrap="none" rtlCol="0">
+            <a:spAutoFit/>
+          </a:bodyPr>
+          <a:lstStyle/>
+          <a:p>
+            <a:r>
+              <a:rPr lang="en-US" dirty="0" smtClean="0"/>
+              <a:t>Fig.2 An </a:t>
+            </a:r>
+            <a:r>
+              <a:rPr lang="en-US" dirty="0"/>
+              <a:t>example of </a:t>
+            </a:r>
+            <a:r>
+              <a:rPr lang="en-US" dirty="0" smtClean="0"/>
+              <a:t>one </a:t>
+            </a:r>
+            <a:r>
+              <a:rPr lang="en-US" dirty="0"/>
+              <a:t>component service from traveling agency service</a:t>
+            </a:r>
+          </a:p>
+        </p:txBody>
+      </p:sp>
+    </p:spTree>
+    <p:extLst>
+      <p:ext uri="{BB962C8B-B14F-4D97-AF65-F5344CB8AC3E}">
+        <p14:creationId xmlns:p14="http://schemas.microsoft.com/office/powerpoint/2010/main" val="2050568038"/>
+      </p:ext>
+    </p:extLst>
+  </p:cSld>
+  <p:clrMapOvr>
+    <a:masterClrMapping/>
+  </p:clrMapOvr>
+  <p:timing>
+    <p:tnLst>
+      <p:par>
+        <p:cTn id="1" dur="indefinite" restart="never" nodeType="tmRoot"/>
+      </p:par>
+    </p:tnLst>
+  </p:timing>
+</p:sld>
+</file>
+
+<file path=ppt/slides/slide7.xml><?xml version="1.0" encoding="utf-8"?>
+<p:sld xmlns:a="http://schemas.openxmlformats.org/drawingml/2006/main" xmlns:r="http://schemas.openxmlformats.org/officeDocument/2006/relationships" xmlns:p="http://schemas.openxmlformats.org/presentationml/2006/main">
+  <p:cSld>
+    <p:spTree>
+      <p:nvGrpSpPr>
+        <p:cNvPr id="1" name=""/>
+        <p:cNvGrpSpPr/>
+        <p:nvPr/>
+      </p:nvGrpSpPr>
+      <p:grpSpPr>
+        <a:xfrm>
+          <a:off x="0" y="0"/>
+          <a:ext cx="0" cy="0"/>
+          <a:chOff x="0" y="0"/>
+          <a:chExt cx="0" cy="0"/>
+        </a:xfrm>
+      </p:grpSpPr>
+      <p:sp>
+        <p:nvSpPr>
+          <p:cNvPr id="2" name="Title 1"/>
+          <p:cNvSpPr>
+            <a:spLocks noGrp="1"/>
+          </p:cNvSpPr>
+          <p:nvPr>
+            <p:ph type="title"/>
+          </p:nvPr>
+        </p:nvSpPr>
+        <p:spPr>
+          <a:xfrm>
+            <a:off x="0" y="274638"/>
+            <a:ext cx="8686800" cy="792162"/>
+          </a:xfrm>
+          <a:solidFill>
+            <a:schemeClr val="accent6">
+              <a:lumMod val="75000"/>
+              <a:alpha val="50000"/>
+            </a:schemeClr>
+          </a:solidFill>
+        </p:spPr>
+        <p:txBody>
+          <a:bodyPr rtlCol="0">
+            <a:normAutofit/>
+          </a:bodyPr>
+          <a:lstStyle/>
+          <a:p>
+            <a:pPr>
+              <a:defRPr/>
+            </a:pPr>
+            <a:r>
+              <a:rPr lang="en-NZ" sz="3200" b="1" dirty="0" smtClean="0"/>
+              <a:t>	Functional Properties </a:t>
+            </a:r>
+            <a:r>
+              <a:rPr lang="en-NZ" sz="3200" b="1" dirty="0"/>
+              <a:t>of </a:t>
+            </a:r>
+            <a:r>
+              <a:rPr lang="en-NZ" sz="3200" b="1" dirty="0" smtClean="0"/>
+              <a:t>WSC</a:t>
+            </a:r>
+            <a:endParaRPr lang="en-NZ" sz="3200" b="1" dirty="0"/>
+          </a:p>
+        </p:txBody>
+      </p:sp>
+      <p:sp>
+        <p:nvSpPr>
+          <p:cNvPr id="19459" name="Slide Number Placeholder 3"/>
+          <p:cNvSpPr>
+            <a:spLocks noGrp="1"/>
+          </p:cNvSpPr>
+          <p:nvPr>
+            <p:ph type="sldNum" sz="quarter" idx="12"/>
+          </p:nvPr>
+        </p:nvSpPr>
+        <p:spPr bwMode="auto">
+          <a:xfrm>
+            <a:off x="6457950" y="5730875"/>
+            <a:ext cx="2057400" cy="365125"/>
+          </a:xfrm>
+          <a:noFill/>
+          <a:extLst>
+            <a:ext uri="{909E8E84-426E-40DD-AFC4-6F175D3DCCD1}">
+              <a14:hiddenFill xmlns:a14="http://schemas.microsoft.com/office/drawing/2010/main">
+                <a:solidFill>
+                  <a:srgbClr val="FFFFFF"/>
+                </a:solidFill>
+              </a14:hiddenFill>
+            </a:ext>
+            <a:ext uri="{91240B29-F687-4F45-9708-019B960494DF}">
+              <a14:hiddenLine xmlns:a14="http://schemas.microsoft.com/office/drawing/2010/main" w="9525">
+                <a:solidFill>
+                  <a:srgbClr val="000000"/>
+                </a:solidFill>
+                <a:miter lim="800000"/>
+                <a:headEnd/>
+                <a:tailEnd/>
+              </a14:hiddenLine>
+            </a:ext>
+          </a:extLst>
+        </p:spPr>
+        <p:txBody>
+          <a:bodyPr/>
+          <a:lstStyle>
+            <a:lvl1pPr>
+              <a:spcBef>
+                <a:spcPct val="20000"/>
+              </a:spcBef>
+              <a:buFont typeface="Arial" charset="0"/>
+              <a:buChar char="•"/>
+              <a:defRPr sz="3200">
+                <a:solidFill>
+                  <a:schemeClr val="tx1"/>
+                </a:solidFill>
+                <a:latin typeface="Calibri" charset="0"/>
+              </a:defRPr>
+            </a:lvl1pPr>
+            <a:lvl2pPr marL="742950" indent="-285750">
+              <a:spcBef>
+                <a:spcPct val="20000"/>
+              </a:spcBef>
+              <a:buFont typeface="Arial" charset="0"/>
+              <a:buChar char="–"/>
+              <a:defRPr sz="2800">
+                <a:solidFill>
+                  <a:schemeClr val="tx1"/>
+                </a:solidFill>
+                <a:latin typeface="Calibri" charset="0"/>
+              </a:defRPr>
+            </a:lvl2pPr>
+            <a:lvl3pPr marL="1143000" indent="-228600">
+              <a:spcBef>
+                <a:spcPct val="20000"/>
+              </a:spcBef>
+              <a:buFont typeface="Arial" charset="0"/>
+              <a:buChar char="•"/>
+              <a:defRPr sz="2400">
+                <a:solidFill>
+                  <a:schemeClr val="tx1"/>
+                </a:solidFill>
+                <a:latin typeface="Calibri" charset="0"/>
+              </a:defRPr>
+            </a:lvl3pPr>
+            <a:lvl4pPr marL="1600200" indent="-228600">
+              <a:spcBef>
+                <a:spcPct val="20000"/>
+              </a:spcBef>
+              <a:buFont typeface="Arial" charset="0"/>
+              <a:buChar char="–"/>
+              <a:defRPr sz="2000">
+                <a:solidFill>
+                  <a:schemeClr val="tx1"/>
+                </a:solidFill>
+                <a:latin typeface="Calibri" charset="0"/>
+              </a:defRPr>
+            </a:lvl4pPr>
+            <a:lvl5pPr marL="2057400" indent="-228600">
+              <a:spcBef>
+                <a:spcPct val="20000"/>
+              </a:spcBef>
+              <a:buFont typeface="Arial" charset="0"/>
+              <a:buChar char="»"/>
+              <a:defRPr sz="2000">
+                <a:solidFill>
+                  <a:schemeClr val="tx1"/>
+                </a:solidFill>
+                <a:latin typeface="Calibri" charset="0"/>
+              </a:defRPr>
+            </a:lvl5pPr>
+            <a:lvl6pPr marL="2514600" indent="-228600" eaLnBrk="0" fontAlgn="base" hangingPunct="0">
+              <a:spcBef>
+                <a:spcPct val="20000"/>
+              </a:spcBef>
+              <a:spcAft>
+                <a:spcPct val="0"/>
+              </a:spcAft>
+              <a:buFont typeface="Arial" charset="0"/>
+              <a:buChar char="»"/>
+              <a:defRPr sz="2000">
+                <a:solidFill>
+                  <a:schemeClr val="tx1"/>
+                </a:solidFill>
+                <a:latin typeface="Calibri" charset="0"/>
+              </a:defRPr>
+            </a:lvl6pPr>
+            <a:lvl7pPr marL="2971800" indent="-228600" eaLnBrk="0" fontAlgn="base" hangingPunct="0">
+              <a:spcBef>
+                <a:spcPct val="20000"/>
+              </a:spcBef>
+              <a:spcAft>
+                <a:spcPct val="0"/>
+              </a:spcAft>
+              <a:buFont typeface="Arial" charset="0"/>
+              <a:buChar char="»"/>
+              <a:defRPr sz="2000">
+                <a:solidFill>
+                  <a:schemeClr val="tx1"/>
+                </a:solidFill>
+                <a:latin typeface="Calibri" charset="0"/>
+              </a:defRPr>
+            </a:lvl7pPr>
+            <a:lvl8pPr marL="3429000" indent="-228600" eaLnBrk="0" fontAlgn="base" hangingPunct="0">
+              <a:spcBef>
+                <a:spcPct val="20000"/>
+              </a:spcBef>
+              <a:spcAft>
+                <a:spcPct val="0"/>
+              </a:spcAft>
+              <a:buFont typeface="Arial" charset="0"/>
+              <a:buChar char="»"/>
+              <a:defRPr sz="2000">
+                <a:solidFill>
+                  <a:schemeClr val="tx1"/>
+                </a:solidFill>
+                <a:latin typeface="Calibri" charset="0"/>
+              </a:defRPr>
+            </a:lvl8pPr>
+            <a:lvl9pPr marL="3886200" indent="-228600" eaLnBrk="0" fontAlgn="base" hangingPunct="0">
+              <a:spcBef>
+                <a:spcPct val="20000"/>
+              </a:spcBef>
+              <a:spcAft>
+                <a:spcPct val="0"/>
+              </a:spcAft>
+              <a:buFont typeface="Arial" charset="0"/>
+              <a:buChar char="»"/>
+              <a:defRPr sz="2000">
+                <a:solidFill>
+                  <a:schemeClr val="tx1"/>
+                </a:solidFill>
+                <a:latin typeface="Calibri" charset="0"/>
+              </a:defRPr>
+            </a:lvl9pPr>
+          </a:lstStyle>
+          <a:p>
+            <a:pPr>
+              <a:spcBef>
+                <a:spcPct val="0"/>
+              </a:spcBef>
+              <a:buFontTx/>
+              <a:buNone/>
+            </a:pPr>
+            <a:fld id="{46D07013-15E0-E04C-AB7F-D86A7C849A7E}" type="slidenum">
+              <a:rPr lang="en-US" altLang="en-US" sz="1600" b="1"/>
+              <a:pPr>
+                <a:spcBef>
+                  <a:spcPct val="0"/>
+                </a:spcBef>
+                <a:buFontTx/>
+                <a:buNone/>
+              </a:pPr>
+              <a:t>7</a:t>
+            </a:fld>
+            <a:endParaRPr lang="en-US" altLang="en-US" sz="1600" b="1" dirty="0"/>
+          </a:p>
+        </p:txBody>
+      </p:sp>
+      <p:sp>
+        <p:nvSpPr>
+          <p:cNvPr id="5" name="Rounded Rectangle 4"/>
+          <p:cNvSpPr/>
+          <p:nvPr/>
+        </p:nvSpPr>
+        <p:spPr>
+          <a:xfrm>
+            <a:off x="3124200" y="3870324"/>
+            <a:ext cx="3201778" cy="1017872"/>
+          </a:xfrm>
+          <a:prstGeom prst="roundRect">
+            <a:avLst/>
+          </a:prstGeom>
+          <a:solidFill>
+            <a:schemeClr val="bg1"/>
+          </a:solidFill>
+          <a:ln>
+            <a:solidFill>
+              <a:schemeClr val="accent6"/>
+            </a:solidFill>
+            <a:prstDash val="dash"/>
+          </a:ln>
+        </p:spPr>
+        <p:style>
+          <a:lnRef idx="2">
+            <a:schemeClr val="accent1">
+              <a:shade val="50000"/>
+            </a:schemeClr>
+          </a:lnRef>
+          <a:fillRef idx="1">
+            <a:schemeClr val="accent1"/>
+          </a:fillRef>
+          <a:effectRef idx="0">
+            <a:schemeClr val="accent1"/>
+          </a:effectRef>
+          <a:fontRef idx="minor">
+            <a:schemeClr val="lt1"/>
+          </a:fontRef>
+        </p:style>
+        <p:txBody>
+          <a:bodyPr rtlCol="0" anchor="ctr"/>
+          <a:lstStyle/>
+          <a:p>
+            <a:pPr algn="ctr"/>
+            <a:endParaRPr lang="en-US"/>
+          </a:p>
+        </p:txBody>
+      </p:sp>
+      <p:sp>
+        <p:nvSpPr>
+          <p:cNvPr id="6" name="Rounded Rectangle 5"/>
+          <p:cNvSpPr/>
+          <p:nvPr/>
+        </p:nvSpPr>
+        <p:spPr>
+          <a:xfrm>
+            <a:off x="4369264" y="4046972"/>
+            <a:ext cx="931623" cy="689626"/>
+          </a:xfrm>
+          <a:prstGeom prst="roundRect">
+            <a:avLst/>
+          </a:prstGeom>
+          <a:solidFill>
+            <a:schemeClr val="accent5">
+              <a:lumMod val="75000"/>
+            </a:schemeClr>
+          </a:solidFill>
+          <a:ln>
+            <a:solidFill>
+              <a:schemeClr val="bg1"/>
+            </a:solidFill>
+          </a:ln>
+        </p:spPr>
+        <p:style>
+          <a:lnRef idx="2">
+            <a:schemeClr val="accent1">
+              <a:shade val="50000"/>
+            </a:schemeClr>
+          </a:lnRef>
+          <a:fillRef idx="1">
+            <a:schemeClr val="accent1"/>
+          </a:fillRef>
+          <a:effectRef idx="0">
+            <a:schemeClr val="accent1"/>
+          </a:effectRef>
+          <a:fontRef idx="minor">
+            <a:schemeClr val="lt1"/>
+          </a:fontRef>
+        </p:style>
+        <p:txBody>
+          <a:bodyPr rtlCol="0" anchor="ctr"/>
+          <a:lstStyle/>
+          <a:p>
+            <a:pPr algn="ctr"/>
+            <a:r>
+              <a:rPr lang="en-US" sz="1400" b="1" dirty="0"/>
+              <a:t>Generate Map </a:t>
+            </a:r>
+          </a:p>
+        </p:txBody>
+      </p:sp>
+      <p:cxnSp>
+        <p:nvCxnSpPr>
+          <p:cNvPr id="7" name="Straight Arrow Connector 6"/>
+          <p:cNvCxnSpPr>
+            <a:stCxn id="11" idx="3"/>
+            <a:endCxn id="7" idx="1"/>
+          </p:cNvCxnSpPr>
+          <p:nvPr/>
+        </p:nvCxnSpPr>
+        <p:spPr>
+          <a:xfrm>
+            <a:off x="2894251" y="4373550"/>
+            <a:ext cx="1475014" cy="18236"/>
+          </a:xfrm>
+          <a:prstGeom prst="straightConnector1">
+            <a:avLst/>
+          </a:prstGeom>
+          <a:ln w="28575" cmpd="sng">
+            <a:solidFill>
+              <a:schemeClr val="bg1">
+                <a:lumMod val="50000"/>
+              </a:schemeClr>
+            </a:solidFill>
+            <a:tailEnd type="triangle"/>
+          </a:ln>
+        </p:spPr>
+        <p:style>
+          <a:lnRef idx="3">
+            <a:schemeClr val="dk1"/>
+          </a:lnRef>
+          <a:fillRef idx="0">
+            <a:schemeClr val="dk1"/>
+          </a:fillRef>
+          <a:effectRef idx="2">
+            <a:schemeClr val="dk1"/>
+          </a:effectRef>
+          <a:fontRef idx="minor">
+            <a:schemeClr val="tx1"/>
+          </a:fontRef>
+        </p:style>
+      </p:cxnSp>
+      <p:cxnSp>
+        <p:nvCxnSpPr>
+          <p:cNvPr id="8" name="Straight Arrow Connector 7"/>
+          <p:cNvCxnSpPr>
+            <a:stCxn id="7" idx="3"/>
+            <a:endCxn id="12" idx="1"/>
+          </p:cNvCxnSpPr>
+          <p:nvPr/>
+        </p:nvCxnSpPr>
+        <p:spPr>
+          <a:xfrm>
+            <a:off x="5300887" y="4391785"/>
+            <a:ext cx="1245065" cy="0"/>
+          </a:xfrm>
+          <a:prstGeom prst="straightConnector1">
+            <a:avLst/>
+          </a:prstGeom>
+          <a:ln w="28575" cmpd="sng">
+            <a:solidFill>
+              <a:schemeClr val="bg1">
+                <a:lumMod val="50000"/>
+              </a:schemeClr>
+            </a:solidFill>
+            <a:tailEnd type="triangle"/>
+          </a:ln>
+        </p:spPr>
+        <p:style>
+          <a:lnRef idx="3">
+            <a:schemeClr val="dk1"/>
+          </a:lnRef>
+          <a:fillRef idx="0">
+            <a:schemeClr val="dk1"/>
+          </a:fillRef>
+          <a:effectRef idx="2">
+            <a:schemeClr val="dk1"/>
+          </a:effectRef>
+          <a:fontRef idx="minor">
+            <a:schemeClr val="tx1"/>
+          </a:fontRef>
+        </p:style>
+      </p:cxnSp>
+      <mc:AlternateContent xmlns:mc="http://schemas.openxmlformats.org/markup-compatibility/2006">
+        <mc:Choice xmlns:a14="http://schemas.microsoft.com/office/drawing/2010/main" Requires="a14">
+          <p:sp>
+            <p:nvSpPr>
+              <p:cNvPr id="9" name="TextBox 8"/>
+              <p:cNvSpPr txBox="1"/>
+              <p:nvPr/>
+            </p:nvSpPr>
+            <p:spPr>
+              <a:xfrm>
+                <a:off x="3114225" y="4065147"/>
+                <a:ext cx="1307388" cy="369332"/>
+              </a:xfrm>
+              <a:prstGeom prst="rect">
+                <a:avLst/>
+              </a:prstGeom>
+              <a:noFill/>
+              <a:ln>
+                <a:noFill/>
+              </a:ln>
+            </p:spPr>
+            <p:txBody>
+              <a:bodyPr wrap="square" rtlCol="0">
+                <a:spAutoFit/>
+              </a:bodyPr>
+              <a:lstStyle/>
+              <a:p>
+                <a14:m>
+                  <m:oMath xmlns:m="http://schemas.openxmlformats.org/officeDocument/2006/math">
+                    <m:r>
+                      <a:rPr lang="en-AU" sz="1050" i="1">
+                        <a:latin typeface="Cambria Math" charset="0"/>
+                        <a:ea typeface="Cambria Math" charset="0"/>
+                        <a:cs typeface="Cambria Math" charset="0"/>
+                      </a:rPr>
+                      <m:t>𝐼</m:t>
+                    </m:r>
+                    <m:r>
+                      <a:rPr lang="en-US" sz="1050" i="1">
+                        <a:latin typeface="Cambria Math" panose="02040503050406030204" pitchFamily="18" charset="0"/>
+                        <a:ea typeface="Cambria Math" charset="0"/>
+                        <a:cs typeface="Cambria Math" charset="0"/>
+                      </a:rPr>
+                      <m:t>:</m:t>
+                    </m:r>
+                  </m:oMath>
+                </a14:m>
+                <a:r>
+                  <a:rPr lang="en-US" dirty="0">
+                    <a:ea typeface="Cambria Math" charset="0"/>
+                    <a:cs typeface="Cambria Math" charset="0"/>
+                  </a:rPr>
+                  <a:t> </a:t>
+                </a:r>
+                <a14:m>
+                  <m:oMath xmlns:m="http://schemas.openxmlformats.org/officeDocument/2006/math">
+                    <m:r>
+                      <a:rPr lang="en-US" sz="900" b="1">
+                        <a:latin typeface="Cambria Math" panose="02040503050406030204" pitchFamily="18" charset="0"/>
+                        <a:ea typeface="Cambria Math" charset="0"/>
+                        <a:cs typeface="Cambria Math" charset="0"/>
+                      </a:rPr>
+                      <m:t>𝐌𝐚𝐩𝐩𝐞𝐝𝐋𝐨𝐜𝐚𝐭𝐢𝐨𝐧</m:t>
+                    </m:r>
+                  </m:oMath>
+                </a14:m>
+                <a:endParaRPr lang="en-US" b="1" dirty="0"/>
+              </a:p>
+            </p:txBody>
+          </p:sp>
+        </mc:Choice>
+        <mc:Fallback>
+          <p:sp>
+            <p:nvSpPr>
+              <p:cNvPr id="9" name="TextBox 8"/>
+              <p:cNvSpPr txBox="1">
+                <a:spLocks noRot="1" noChangeAspect="1" noMove="1" noResize="1" noEditPoints="1" noAdjustHandles="1" noChangeArrowheads="1" noChangeShapeType="1" noTextEdit="1"/>
+              </p:cNvSpPr>
+              <p:nvPr/>
+            </p:nvSpPr>
+            <p:spPr>
+              <a:xfrm>
+                <a:off x="3114225" y="4065147"/>
+                <a:ext cx="1307388" cy="369332"/>
+              </a:xfrm>
+              <a:prstGeom prst="rect">
+                <a:avLst/>
+              </a:prstGeom>
+              <a:blipFill rotWithShape="0">
+                <a:blip r:embed="rId3"/>
+                <a:stretch>
+                  <a:fillRect/>
+                </a:stretch>
+              </a:blipFill>
+              <a:ln>
+                <a:noFill/>
+              </a:ln>
+            </p:spPr>
+            <p:txBody>
+              <a:bodyPr/>
+              <a:lstStyle/>
+              <a:p>
+                <a:r>
+                  <a:rPr lang="en-US">
+                    <a:noFill/>
+                  </a:rPr>
+                  <a:t> </a:t>
+                </a:r>
+              </a:p>
+            </p:txBody>
+          </p:sp>
+        </mc:Fallback>
+      </mc:AlternateContent>
+      <mc:AlternateContent xmlns:mc="http://schemas.openxmlformats.org/markup-compatibility/2006">
+        <mc:Choice xmlns:a14="http://schemas.microsoft.com/office/drawing/2010/main" Requires="a14">
+          <p:sp>
+            <p:nvSpPr>
+              <p:cNvPr id="10" name="TextBox 9"/>
+              <p:cNvSpPr txBox="1"/>
+              <p:nvPr/>
+            </p:nvSpPr>
+            <p:spPr>
+              <a:xfrm>
+                <a:off x="5221201" y="4178171"/>
+                <a:ext cx="974558" cy="230832"/>
+              </a:xfrm>
+              <a:prstGeom prst="rect">
+                <a:avLst/>
+              </a:prstGeom>
+              <a:noFill/>
+              <a:ln>
+                <a:noFill/>
+              </a:ln>
+            </p:spPr>
+            <p:txBody>
+              <a:bodyPr wrap="square" rtlCol="0">
+                <a:spAutoFit/>
+              </a:bodyPr>
+              <a:lstStyle/>
+              <a:p>
+                <a:pPr/>
+                <a14:m>
+                  <m:oMathPara xmlns:m="http://schemas.openxmlformats.org/officeDocument/2006/math">
+                    <m:oMathParaPr>
+                      <m:jc m:val="centerGroup"/>
+                    </m:oMathParaPr>
+                    <m:oMath xmlns:m="http://schemas.openxmlformats.org/officeDocument/2006/math">
+                      <m:r>
+                        <a:rPr lang="en-AU" sz="900" i="1">
+                          <a:latin typeface="Cambria Math" charset="0"/>
+                          <a:ea typeface="Cambria Math" charset="0"/>
+                          <a:cs typeface="Cambria Math" charset="0"/>
+                        </a:rPr>
+                        <m:t>𝑂</m:t>
+                      </m:r>
+                      <m:r>
+                        <a:rPr lang="en-US" sz="900" i="1">
+                          <a:latin typeface="Cambria Math" panose="02040503050406030204" pitchFamily="18" charset="0"/>
+                          <a:ea typeface="Cambria Math" charset="0"/>
+                          <a:cs typeface="Cambria Math" charset="0"/>
+                        </a:rPr>
+                        <m:t>:</m:t>
+                      </m:r>
+                      <m:r>
+                        <m:rPr>
+                          <m:nor/>
+                        </m:rPr>
+                        <a:rPr lang="en-US" sz="900" b="1" dirty="0"/>
+                        <m:t>StreetMap</m:t>
+                      </m:r>
+                    </m:oMath>
+                  </m:oMathPara>
+                </a14:m>
+                <a:endParaRPr lang="en-US" sz="900" b="1" dirty="0"/>
+              </a:p>
+            </p:txBody>
+          </p:sp>
+        </mc:Choice>
+        <mc:Fallback>
+          <p:sp>
+            <p:nvSpPr>
+              <p:cNvPr id="10" name="TextBox 9"/>
+              <p:cNvSpPr txBox="1">
+                <a:spLocks noRot="1" noChangeAspect="1" noMove="1" noResize="1" noEditPoints="1" noAdjustHandles="1" noChangeArrowheads="1" noChangeShapeType="1" noTextEdit="1"/>
+              </p:cNvSpPr>
+              <p:nvPr/>
+            </p:nvSpPr>
+            <p:spPr>
+              <a:xfrm>
+                <a:off x="5221201" y="4178171"/>
+                <a:ext cx="974558" cy="230832"/>
+              </a:xfrm>
+              <a:prstGeom prst="rect">
+                <a:avLst/>
+              </a:prstGeom>
+              <a:blipFill rotWithShape="0">
+                <a:blip r:embed="rId4"/>
+                <a:stretch>
+                  <a:fillRect/>
+                </a:stretch>
+              </a:blipFill>
+              <a:ln>
+                <a:noFill/>
+              </a:ln>
+            </p:spPr>
+            <p:txBody>
+              <a:bodyPr/>
+              <a:lstStyle/>
+              <a:p>
+                <a:r>
+                  <a:rPr lang="en-US">
+                    <a:noFill/>
+                  </a:rPr>
+                  <a:t> </a:t>
+                </a:r>
+              </a:p>
+            </p:txBody>
+          </p:sp>
+        </mc:Fallback>
+      </mc:AlternateContent>
+      <p:sp>
+        <p:nvSpPr>
+          <p:cNvPr id="11" name="Rounded Rectangle 10"/>
+          <p:cNvSpPr/>
+          <p:nvPr/>
+        </p:nvSpPr>
+        <p:spPr>
+          <a:xfrm>
+            <a:off x="1829396" y="4152128"/>
+            <a:ext cx="1064855" cy="442844"/>
+          </a:xfrm>
+          <a:prstGeom prst="roundRect">
+            <a:avLst/>
+          </a:prstGeom>
+          <a:solidFill>
+            <a:schemeClr val="bg1"/>
+          </a:solidFill>
+          <a:ln>
+            <a:solidFill>
+              <a:schemeClr val="accent6"/>
+            </a:solidFill>
+            <a:prstDash val="dash"/>
+          </a:ln>
+        </p:spPr>
+        <p:style>
+          <a:lnRef idx="2">
+            <a:schemeClr val="accent1">
+              <a:shade val="50000"/>
+            </a:schemeClr>
+          </a:lnRef>
+          <a:fillRef idx="1">
+            <a:schemeClr val="accent1"/>
+          </a:fillRef>
+          <a:effectRef idx="0">
+            <a:schemeClr val="accent1"/>
+          </a:effectRef>
+          <a:fontRef idx="minor">
+            <a:schemeClr val="lt1"/>
+          </a:fontRef>
+        </p:style>
+        <p:txBody>
+          <a:bodyPr rtlCol="0" anchor="ctr"/>
+          <a:lstStyle/>
+          <a:p>
+            <a:pPr algn="ctr"/>
+            <a:r>
+              <a:rPr lang="en-NZ" sz="1050" b="1" dirty="0">
+                <a:solidFill>
+                  <a:schemeClr val="tx1"/>
+                </a:solidFill>
+              </a:rPr>
+              <a:t>Input: </a:t>
+            </a:r>
+          </a:p>
+          <a:p>
+            <a:pPr algn="ctr"/>
+            <a:r>
+              <a:rPr lang="en-NZ" sz="1050" i="1" dirty="0" err="1">
+                <a:solidFill>
+                  <a:schemeClr val="accent6"/>
+                </a:solidFill>
+              </a:rPr>
+              <a:t>ConferenceCity</a:t>
+            </a:r>
+            <a:r>
+              <a:rPr lang="en-NZ" sz="1050" i="1" dirty="0">
+                <a:solidFill>
+                  <a:schemeClr val="accent6"/>
+                </a:solidFill>
+              </a:rPr>
+              <a:t> </a:t>
+            </a:r>
+          </a:p>
+        </p:txBody>
+      </p:sp>
+      <p:sp>
+        <p:nvSpPr>
+          <p:cNvPr id="12" name="Rounded Rectangle 11"/>
+          <p:cNvSpPr/>
+          <p:nvPr/>
+        </p:nvSpPr>
+        <p:spPr>
+          <a:xfrm>
+            <a:off x="6545952" y="4188599"/>
+            <a:ext cx="978517" cy="406373"/>
+          </a:xfrm>
+          <a:prstGeom prst="roundRect">
+            <a:avLst/>
+          </a:prstGeom>
+          <a:solidFill>
+            <a:schemeClr val="bg1"/>
+          </a:solidFill>
+          <a:ln>
+            <a:solidFill>
+              <a:schemeClr val="accent6"/>
+            </a:solidFill>
+            <a:prstDash val="dash"/>
+          </a:ln>
+        </p:spPr>
+        <p:style>
+          <a:lnRef idx="2">
+            <a:schemeClr val="accent1">
+              <a:shade val="50000"/>
+            </a:schemeClr>
+          </a:lnRef>
+          <a:fillRef idx="1">
+            <a:schemeClr val="accent1"/>
+          </a:fillRef>
+          <a:effectRef idx="0">
+            <a:schemeClr val="accent1"/>
+          </a:effectRef>
+          <a:fontRef idx="minor">
+            <a:schemeClr val="lt1"/>
+          </a:fontRef>
+        </p:style>
+        <p:txBody>
+          <a:bodyPr rtlCol="0" anchor="ctr"/>
+          <a:lstStyle/>
+          <a:p>
+            <a:pPr algn="ctr"/>
+            <a:r>
+              <a:rPr lang="en-NZ" sz="1050" b="1" dirty="0">
+                <a:solidFill>
+                  <a:schemeClr val="tx1"/>
+                </a:solidFill>
+              </a:rPr>
+              <a:t>Output: </a:t>
+            </a:r>
+          </a:p>
+          <a:p>
+            <a:pPr algn="ctr"/>
+            <a:r>
+              <a:rPr lang="en-NZ" sz="1050" i="1" dirty="0" err="1">
+                <a:solidFill>
+                  <a:schemeClr val="accent6"/>
+                </a:solidFill>
+              </a:rPr>
+              <a:t>StreetMap</a:t>
+            </a:r>
+            <a:endParaRPr lang="en-NZ" sz="1050" i="1" dirty="0">
+              <a:solidFill>
+                <a:schemeClr val="accent6"/>
+              </a:solidFill>
+            </a:endParaRPr>
+          </a:p>
+        </p:txBody>
+      </p:sp>
+      <mc:AlternateContent xmlns:mc="http://schemas.openxmlformats.org/markup-compatibility/2006">
+        <mc:Choice xmlns:a14="http://schemas.microsoft.com/office/drawing/2010/main" Requires="a14">
+          <p:sp>
+            <p:nvSpPr>
+              <p:cNvPr id="14" name="TextBox 13"/>
+              <p:cNvSpPr txBox="1"/>
+              <p:nvPr/>
+            </p:nvSpPr>
+            <p:spPr>
+              <a:xfrm>
+                <a:off x="1412761" y="5563953"/>
+                <a:ext cx="6201987" cy="246221"/>
+              </a:xfrm>
+              <a:prstGeom prst="rect">
+                <a:avLst/>
+              </a:prstGeom>
+              <a:noFill/>
+              <a:ln>
+                <a:noFill/>
+              </a:ln>
+            </p:spPr>
+            <p:txBody>
+              <a:bodyPr wrap="square" rtlCol="0">
+                <a:spAutoFit/>
+              </a:bodyPr>
+              <a:lstStyle/>
+              <a:p>
+                <a:pPr/>
+                <a14:m>
+                  <m:oMathPara xmlns:m="http://schemas.openxmlformats.org/officeDocument/2006/math">
+                    <m:oMathParaPr>
+                      <m:jc m:val="centerGroup"/>
+                    </m:oMathParaPr>
+                    <m:oMath xmlns:m="http://schemas.openxmlformats.org/officeDocument/2006/math">
+                      <m:r>
+                        <a:rPr lang="en-US" sz="1000" b="1" i="0" smtClean="0">
+                          <a:latin typeface="Cambria Math" charset="0"/>
+                          <a:ea typeface="Cambria Math" charset="0"/>
+                          <a:cs typeface="Cambria Math" charset="0"/>
+                        </a:rPr>
+                        <m:t>𝐈𝐧𝐬𝐭𝐚𝐧𝐜𝐞</m:t>
+                      </m:r>
+                      <m:r>
+                        <a:rPr lang="en-US" sz="1000" b="1" i="0" smtClean="0">
+                          <a:latin typeface="Cambria Math" charset="0"/>
+                          <a:ea typeface="Cambria Math" charset="0"/>
+                          <a:cs typeface="Cambria Math" charset="0"/>
+                        </a:rPr>
+                        <m:t>−</m:t>
+                      </m:r>
+                      <m:r>
+                        <a:rPr lang="en-US" sz="1000" b="1" i="0" smtClean="0">
+                          <a:latin typeface="Cambria Math" charset="0"/>
+                          <a:ea typeface="Cambria Math" charset="0"/>
+                          <a:cs typeface="Cambria Math" charset="0"/>
+                        </a:rPr>
+                        <m:t>𝐨𝐟</m:t>
+                      </m:r>
+                      <m:r>
+                        <a:rPr lang="en-US" sz="1000" b="1" i="0" smtClean="0">
+                          <a:latin typeface="Cambria Math" charset="0"/>
+                          <a:ea typeface="Cambria Math" charset="0"/>
+                          <a:cs typeface="Cambria Math" charset="0"/>
+                        </a:rPr>
+                        <m:t> </m:t>
+                      </m:r>
+                      <m:d>
+                        <m:dPr>
+                          <m:ctrlPr>
+                            <a:rPr lang="en-US" sz="1000" b="1" i="1" smtClean="0">
+                              <a:latin typeface="Cambria Math" charset="0"/>
+                              <a:ea typeface="Cambria Math" charset="0"/>
+                              <a:cs typeface="Cambria Math" charset="0"/>
+                            </a:rPr>
+                          </m:ctrlPr>
+                        </m:dPr>
+                        <m:e>
+                          <m:r>
+                            <a:rPr lang="en-US" sz="1000" b="1">
+                              <a:latin typeface="Cambria Math" panose="02040503050406030204" pitchFamily="18" charset="0"/>
+                              <a:ea typeface="Cambria Math" charset="0"/>
+                              <a:cs typeface="Cambria Math" charset="0"/>
+                            </a:rPr>
+                            <m:t>𝐌𝐚𝐩𝐩𝐞𝐝𝐋𝐨𝐜𝐚𝐭𝐢𝐨𝐧</m:t>
+                          </m:r>
+                          <m:r>
+                            <a:rPr lang="en-US" sz="1000" b="1" i="0" smtClean="0">
+                              <a:latin typeface="Cambria Math" charset="0"/>
+                              <a:ea typeface="Cambria Math" charset="0"/>
+                              <a:cs typeface="Cambria Math" charset="0"/>
+                            </a:rPr>
+                            <m:t>, </m:t>
+                          </m:r>
+                          <m:r>
+                            <a:rPr lang="en-US" sz="1000" b="1" i="0" smtClean="0">
+                              <a:latin typeface="Cambria Math" charset="0"/>
+                              <a:ea typeface="Cambria Math" charset="0"/>
+                              <a:cs typeface="Cambria Math" charset="0"/>
+                            </a:rPr>
+                            <m:t>𝐋𝐨𝐜𝐚𝐭𝐢𝐨𝐧</m:t>
+                          </m:r>
+                        </m:e>
+                      </m:d>
+                      <m:r>
+                        <a:rPr lang="en-US" sz="1000" b="1">
+                          <a:latin typeface="Cambria Math" charset="0"/>
+                          <a:ea typeface="Cambria Math" charset="0"/>
+                          <a:cs typeface="Cambria Math" charset="0"/>
+                        </a:rPr>
+                        <m:t>,</m:t>
+                      </m:r>
+                      <m:r>
+                        <a:rPr lang="en-US" sz="1000" b="1">
+                          <a:latin typeface="Cambria Math" charset="0"/>
+                          <a:ea typeface="Cambria Math" charset="0"/>
+                          <a:cs typeface="Cambria Math" charset="0"/>
+                        </a:rPr>
+                        <m:t>𝐈𝐧𝐬𝐭𝐚𝐧𝐜𝐞</m:t>
+                      </m:r>
+                      <m:r>
+                        <a:rPr lang="en-US" sz="1000" b="1">
+                          <a:latin typeface="Cambria Math" charset="0"/>
+                          <a:ea typeface="Cambria Math" charset="0"/>
+                          <a:cs typeface="Cambria Math" charset="0"/>
+                        </a:rPr>
+                        <m:t>−</m:t>
+                      </m:r>
+                      <m:r>
+                        <a:rPr lang="en-US" sz="1000" b="1">
+                          <a:latin typeface="Cambria Math" charset="0"/>
+                          <a:ea typeface="Cambria Math" charset="0"/>
+                          <a:cs typeface="Cambria Math" charset="0"/>
+                        </a:rPr>
+                        <m:t>𝐨𝐟</m:t>
+                      </m:r>
+                      <m:r>
+                        <a:rPr lang="en-US" sz="1000" b="1">
+                          <a:latin typeface="Cambria Math" charset="0"/>
+                          <a:ea typeface="Cambria Math" charset="0"/>
+                          <a:cs typeface="Cambria Math" charset="0"/>
+                        </a:rPr>
+                        <m:t> </m:t>
+                      </m:r>
+                      <m:d>
+                        <m:dPr>
+                          <m:ctrlPr>
+                            <a:rPr lang="en-US" sz="1000" b="1" i="1">
+                              <a:latin typeface="Cambria Math" charset="0"/>
+                              <a:ea typeface="Cambria Math" charset="0"/>
+                              <a:cs typeface="Cambria Math" charset="0"/>
+                            </a:rPr>
+                          </m:ctrlPr>
+                        </m:dPr>
+                        <m:e>
+                          <m:r>
+                            <a:rPr lang="en-US" sz="1000" b="1" i="0" smtClean="0">
+                              <a:latin typeface="Cambria Math" charset="0"/>
+                              <a:ea typeface="Cambria Math" charset="0"/>
+                              <a:cs typeface="Cambria Math" charset="0"/>
+                            </a:rPr>
+                            <m:t>𝐂𝐨𝐧𝐟𝐞𝐫𝐞𝐧𝐜𝐞𝐂𝐢𝐭𝐲</m:t>
+                          </m:r>
+                          <m:r>
+                            <a:rPr lang="en-US" sz="1000" b="1">
+                              <a:latin typeface="Cambria Math" charset="0"/>
+                              <a:ea typeface="Cambria Math" charset="0"/>
+                              <a:cs typeface="Cambria Math" charset="0"/>
+                            </a:rPr>
+                            <m:t>, </m:t>
+                          </m:r>
+                          <m:r>
+                            <a:rPr lang="en-US" sz="1000" b="1" i="0" smtClean="0">
+                              <a:latin typeface="Cambria Math" charset="0"/>
+                              <a:ea typeface="Cambria Math" charset="0"/>
+                              <a:cs typeface="Cambria Math" charset="0"/>
+                            </a:rPr>
+                            <m:t>𝐂𝐢𝐭𝐲</m:t>
+                          </m:r>
+                        </m:e>
+                      </m:d>
+                      <m:r>
+                        <a:rPr lang="en-US" sz="1000" b="1" i="1" smtClean="0">
+                          <a:latin typeface="Cambria Math" charset="0"/>
+                          <a:ea typeface="Cambria Math" charset="0"/>
+                          <a:cs typeface="Cambria Math" charset="0"/>
+                        </a:rPr>
+                        <m:t> </m:t>
+                      </m:r>
+                      <m:r>
+                        <a:rPr lang="en-US" sz="1000" b="1" i="1" smtClean="0">
+                          <a:latin typeface="Cambria Math" charset="0"/>
+                          <a:ea typeface="Cambria Math" charset="0"/>
+                          <a:cs typeface="Cambria Math" charset="0"/>
+                        </a:rPr>
+                        <m:t>𝒂𝒏𝒅</m:t>
+                      </m:r>
+                      <m:r>
+                        <a:rPr lang="en-US" sz="1000" b="1" i="1" smtClean="0">
+                          <a:latin typeface="Cambria Math" charset="0"/>
+                          <a:ea typeface="Cambria Math" charset="0"/>
+                          <a:cs typeface="Cambria Math" charset="0"/>
+                        </a:rPr>
+                        <m:t> </m:t>
+                      </m:r>
+                      <m:r>
+                        <a:rPr lang="en-US" sz="1000" b="1" i="1" smtClean="0">
+                          <a:latin typeface="Cambria Math" charset="0"/>
+                          <a:ea typeface="Cambria Math" charset="0"/>
+                          <a:cs typeface="Cambria Math" charset="0"/>
+                        </a:rPr>
+                        <m:t>𝑪𝒊𝒕𝒚</m:t>
+                      </m:r>
+                      <m:r>
+                        <a:rPr lang="en-US" sz="1000" b="1" i="1" smtClean="0">
+                          <a:latin typeface="Cambria Math" charset="0"/>
+                          <a:ea typeface="Cambria Math" charset="0"/>
+                          <a:cs typeface="Cambria Math" charset="0"/>
+                        </a:rPr>
+                        <m:t> ⊑</m:t>
+                      </m:r>
+                      <m:r>
+                        <a:rPr lang="en-US" sz="1000" b="1" i="1" smtClean="0">
+                          <a:latin typeface="Cambria Math" charset="0"/>
+                          <a:ea typeface="Cambria Math" charset="0"/>
+                          <a:cs typeface="Cambria Math" charset="0"/>
+                        </a:rPr>
+                        <m:t>𝑳𝒐𝒄𝒂𝒕𝒊𝒐𝒏</m:t>
+                      </m:r>
+                    </m:oMath>
+                  </m:oMathPara>
+                </a14:m>
+                <a:endParaRPr lang="en-US" sz="1000" b="1" dirty="0"/>
+              </a:p>
+            </p:txBody>
+          </p:sp>
+        </mc:Choice>
+        <mc:Fallback>
+          <p:sp>
+            <p:nvSpPr>
+              <p:cNvPr id="14" name="TextBox 13"/>
+              <p:cNvSpPr txBox="1">
+                <a:spLocks noRot="1" noChangeAspect="1" noMove="1" noResize="1" noEditPoints="1" noAdjustHandles="1" noChangeArrowheads="1" noChangeShapeType="1" noTextEdit="1"/>
+              </p:cNvSpPr>
+              <p:nvPr/>
+            </p:nvSpPr>
+            <p:spPr>
+              <a:xfrm>
+                <a:off x="1412761" y="5563953"/>
+                <a:ext cx="6201987" cy="246221"/>
+              </a:xfrm>
+              <a:prstGeom prst="rect">
+                <a:avLst/>
+              </a:prstGeom>
+              <a:blipFill rotWithShape="0">
+                <a:blip r:embed="rId5"/>
+                <a:stretch>
+                  <a:fillRect t="-72500" b="-95000"/>
+                </a:stretch>
+              </a:blipFill>
+              <a:ln>
+                <a:noFill/>
+              </a:ln>
+            </p:spPr>
+            <p:txBody>
+              <a:bodyPr/>
+              <a:lstStyle/>
+              <a:p>
+                <a:r>
+                  <a:rPr lang="en-US">
+                    <a:noFill/>
+                  </a:rPr>
+                  <a:t> </a:t>
+                </a:r>
+              </a:p>
+            </p:txBody>
+          </p:sp>
+        </mc:Fallback>
+      </mc:AlternateContent>
+      <p:sp>
+        <p:nvSpPr>
+          <p:cNvPr id="16" name="TextBox 15"/>
+          <p:cNvSpPr txBox="1"/>
+          <p:nvPr/>
+        </p:nvSpPr>
+        <p:spPr>
+          <a:xfrm>
+            <a:off x="1354307" y="5996143"/>
+            <a:ext cx="7020512" cy="369332"/>
+          </a:xfrm>
+          <a:prstGeom prst="rect">
+            <a:avLst/>
+          </a:prstGeom>
+          <a:noFill/>
+        </p:spPr>
+        <p:txBody>
+          <a:bodyPr wrap="none" rtlCol="0">
+            <a:spAutoFit/>
+          </a:bodyPr>
+          <a:lstStyle/>
+          <a:p>
+            <a:r>
+              <a:rPr lang="en-US" dirty="0" smtClean="0"/>
+              <a:t>Fig.2 An </a:t>
+            </a:r>
+            <a:r>
+              <a:rPr lang="en-US" dirty="0"/>
+              <a:t>example of </a:t>
+            </a:r>
+            <a:r>
+              <a:rPr lang="en-US" dirty="0" smtClean="0"/>
+              <a:t>one </a:t>
+            </a:r>
+            <a:r>
+              <a:rPr lang="en-US" dirty="0"/>
+              <a:t>component service from traveling agency service</a:t>
+            </a:r>
+          </a:p>
+        </p:txBody>
+      </p:sp>
+    </p:spTree>
+    <p:extLst>
+      <p:ext uri="{BB962C8B-B14F-4D97-AF65-F5344CB8AC3E}">
+        <p14:creationId xmlns:p14="http://schemas.microsoft.com/office/powerpoint/2010/main" val="1500087154"/>
+      </p:ext>
+    </p:extLst>
+  </p:cSld>
+  <p:clrMapOvr>
+    <a:masterClrMapping/>
+  </p:clrMapOvr>
+  <p:timing>
+    <p:tnLst>
+      <p:par>
+        <p:cTn id="1" dur="indefinite" restart="never" nodeType="tmRoot"/>
+      </p:par>
+    </p:tnLst>
+  </p:timing>
+</p:sld>
+</file>
+
 <file path=ppt/theme/theme1.xml><?xml version="1.0" encoding="utf-8"?>
 <a:theme xmlns:a="http://schemas.openxmlformats.org/drawingml/2006/main" name="Office Theme">
   <a:themeElements>

--- a/FiguresPaper.pptx
+++ b/FiguresPaper.pptx
@@ -214,7 +214,7 @@
           <a:p>
             <a:fld id="{F28D62E0-191E-42FF-A98D-D06FD014851B}" type="datetimeFigureOut">
               <a:rPr lang="en-AU" smtClean="0"/>
-              <a:t>23/8/17</a:t>
+              <a:t>30/8/17</a:t>
             </a:fld>
             <a:endParaRPr lang="en-AU"/>
           </a:p>
@@ -1951,7 +1951,7 @@
           <a:p>
             <a:fld id="{D4351B45-279F-42A8-9B05-CE858E05D9F5}" type="datetimeFigureOut">
               <a:rPr lang="en-NZ" smtClean="0"/>
-              <a:t>23/08/17</a:t>
+              <a:t>30/08/17</a:t>
             </a:fld>
             <a:endParaRPr lang="en-NZ"/>
           </a:p>
@@ -2121,7 +2121,7 @@
           <a:p>
             <a:fld id="{D4351B45-279F-42A8-9B05-CE858E05D9F5}" type="datetimeFigureOut">
               <a:rPr lang="en-NZ" smtClean="0"/>
-              <a:t>23/08/17</a:t>
+              <a:t>30/08/17</a:t>
             </a:fld>
             <a:endParaRPr lang="en-NZ"/>
           </a:p>
@@ -2301,7 +2301,7 @@
           <a:p>
             <a:fld id="{D4351B45-279F-42A8-9B05-CE858E05D9F5}" type="datetimeFigureOut">
               <a:rPr lang="en-NZ" smtClean="0"/>
-              <a:t>23/08/17</a:t>
+              <a:t>30/08/17</a:t>
             </a:fld>
             <a:endParaRPr lang="en-NZ"/>
           </a:p>
@@ -2471,7 +2471,7 @@
           <a:p>
             <a:fld id="{D4351B45-279F-42A8-9B05-CE858E05D9F5}" type="datetimeFigureOut">
               <a:rPr lang="en-NZ" smtClean="0"/>
-              <a:t>23/08/17</a:t>
+              <a:t>30/08/17</a:t>
             </a:fld>
             <a:endParaRPr lang="en-NZ"/>
           </a:p>
@@ -2717,7 +2717,7 @@
           <a:p>
             <a:fld id="{D4351B45-279F-42A8-9B05-CE858E05D9F5}" type="datetimeFigureOut">
               <a:rPr lang="en-NZ" smtClean="0"/>
-              <a:t>23/08/17</a:t>
+              <a:t>30/08/17</a:t>
             </a:fld>
             <a:endParaRPr lang="en-NZ"/>
           </a:p>
@@ -3005,7 +3005,7 @@
           <a:p>
             <a:fld id="{D4351B45-279F-42A8-9B05-CE858E05D9F5}" type="datetimeFigureOut">
               <a:rPr lang="en-NZ" smtClean="0"/>
-              <a:t>23/08/17</a:t>
+              <a:t>30/08/17</a:t>
             </a:fld>
             <a:endParaRPr lang="en-NZ"/>
           </a:p>
@@ -3427,7 +3427,7 @@
           <a:p>
             <a:fld id="{D4351B45-279F-42A8-9B05-CE858E05D9F5}" type="datetimeFigureOut">
               <a:rPr lang="en-NZ" smtClean="0"/>
-              <a:t>23/08/17</a:t>
+              <a:t>30/08/17</a:t>
             </a:fld>
             <a:endParaRPr lang="en-NZ"/>
           </a:p>
@@ -3545,7 +3545,7 @@
           <a:p>
             <a:fld id="{D4351B45-279F-42A8-9B05-CE858E05D9F5}" type="datetimeFigureOut">
               <a:rPr lang="en-NZ" smtClean="0"/>
-              <a:t>23/08/17</a:t>
+              <a:t>30/08/17</a:t>
             </a:fld>
             <a:endParaRPr lang="en-NZ"/>
           </a:p>
@@ -3640,7 +3640,7 @@
           <a:p>
             <a:fld id="{D4351B45-279F-42A8-9B05-CE858E05D9F5}" type="datetimeFigureOut">
               <a:rPr lang="en-NZ" smtClean="0"/>
-              <a:t>23/08/17</a:t>
+              <a:t>30/08/17</a:t>
             </a:fld>
             <a:endParaRPr lang="en-NZ"/>
           </a:p>
@@ -3917,7 +3917,7 @@
           <a:p>
             <a:fld id="{D4351B45-279F-42A8-9B05-CE858E05D9F5}" type="datetimeFigureOut">
               <a:rPr lang="en-NZ" smtClean="0"/>
-              <a:t>23/08/17</a:t>
+              <a:t>30/08/17</a:t>
             </a:fld>
             <a:endParaRPr lang="en-NZ"/>
           </a:p>
@@ -4170,7 +4170,7 @@
           <a:p>
             <a:fld id="{D4351B45-279F-42A8-9B05-CE858E05D9F5}" type="datetimeFigureOut">
               <a:rPr lang="en-NZ" smtClean="0"/>
-              <a:t>23/08/17</a:t>
+              <a:t>30/08/17</a:t>
             </a:fld>
             <a:endParaRPr lang="en-NZ"/>
           </a:p>
@@ -4383,7 +4383,7 @@
           <a:p>
             <a:fld id="{D4351B45-279F-42A8-9B05-CE858E05D9F5}" type="datetimeFigureOut">
               <a:rPr lang="en-NZ" smtClean="0"/>
-              <a:t>23/08/17</a:t>
+              <a:t>30/08/17</a:t>
             </a:fld>
             <a:endParaRPr lang="en-NZ"/>
           </a:p>
@@ -9753,8 +9753,8 @@
           </p:txBody>
         </p:sp>
       </p:grpSp>
-      <mc:AlternateContent xmlns:mc="http://schemas.openxmlformats.org/markup-compatibility/2006">
-        <mc:Choice xmlns:a14="http://schemas.microsoft.com/office/drawing/2010/main" Requires="a14">
+      <mc:AlternateContent xmlns:mc="http://schemas.openxmlformats.org/markup-compatibility/2006" xmlns:a14="http://schemas.microsoft.com/office/drawing/2010/main">
+        <mc:Choice Requires="a14">
           <p:sp>
             <p:nvSpPr>
               <p:cNvPr id="16" name="TextBox 15"/>
@@ -9824,7 +9824,7 @@
             </p:txBody>
           </p:sp>
         </mc:Choice>
-        <mc:Fallback>
+        <mc:Fallback xmlns="">
           <p:sp>
             <p:nvSpPr>
               <p:cNvPr id="16" name="TextBox 15"/>
@@ -9863,8 +9863,8 @@
           </p:sp>
         </mc:Fallback>
       </mc:AlternateContent>
-      <mc:AlternateContent xmlns:mc="http://schemas.openxmlformats.org/markup-compatibility/2006">
-        <mc:Choice xmlns:a14="http://schemas.microsoft.com/office/drawing/2010/main" Requires="a14">
+      <mc:AlternateContent xmlns:mc="http://schemas.openxmlformats.org/markup-compatibility/2006" xmlns:a14="http://schemas.microsoft.com/office/drawing/2010/main">
+        <mc:Choice Requires="a14">
           <p:sp>
             <p:nvSpPr>
               <p:cNvPr id="17" name="TextBox 16"/>
@@ -9934,7 +9934,7 @@
             </p:txBody>
           </p:sp>
         </mc:Choice>
-        <mc:Fallback>
+        <mc:Fallback xmlns="">
           <p:sp>
             <p:nvSpPr>
               <p:cNvPr id="17" name="TextBox 16"/>
@@ -12495,8 +12495,8 @@
         </p:nvSpPr>
         <p:spPr>
           <a:xfrm>
-            <a:off x="2125628" y="323364"/>
-            <a:ext cx="2662396" cy="369332"/>
+            <a:off x="2222070" y="323364"/>
+            <a:ext cx="2469522" cy="369332"/>
           </a:xfrm>
           <a:prstGeom prst="rect">
             <a:avLst/>
@@ -12514,8 +12514,16 @@
               <a:t>Stage 1: </a:t>
             </a:r>
             <a:r>
-              <a:rPr lang="en-US" smtClean="0"/>
-              <a:t>Goal Specification</a:t>
+              <a:rPr lang="en-US" altLang="zh-CN" dirty="0" smtClean="0"/>
+              <a:t>Service</a:t>
+            </a:r>
+            <a:r>
+              <a:rPr lang="zh-CN" altLang="en-US" dirty="0" smtClean="0"/>
+              <a:t> </a:t>
+            </a:r>
+            <a:r>
+              <a:rPr lang="en-US" altLang="zh-CN" smtClean="0"/>
+              <a:t>Request</a:t>
             </a:r>
             <a:endParaRPr lang="en-US" dirty="0"/>
           </a:p>
@@ -15651,8 +15659,8 @@
           </a:fontRef>
         </p:style>
       </p:cxnSp>
-      <mc:AlternateContent xmlns:mc="http://schemas.openxmlformats.org/markup-compatibility/2006">
-        <mc:Choice xmlns:a14="http://schemas.microsoft.com/office/drawing/2010/main" Requires="a14">
+      <mc:AlternateContent xmlns:mc="http://schemas.openxmlformats.org/markup-compatibility/2006" xmlns:a14="http://schemas.microsoft.com/office/drawing/2010/main">
+        <mc:Choice Requires="a14">
           <p:sp>
             <p:nvSpPr>
               <p:cNvPr id="9" name="TextBox 8"/>
@@ -15722,7 +15730,7 @@
             </p:txBody>
           </p:sp>
         </mc:Choice>
-        <mc:Fallback>
+        <mc:Fallback xmlns="">
           <p:sp>
             <p:nvSpPr>
               <p:cNvPr id="9" name="TextBox 8"/>
@@ -15764,8 +15772,8 @@
           </p:sp>
         </mc:Fallback>
       </mc:AlternateContent>
-      <mc:AlternateContent xmlns:mc="http://schemas.openxmlformats.org/markup-compatibility/2006">
-        <mc:Choice xmlns:a14="http://schemas.microsoft.com/office/drawing/2010/main" Requires="a14">
+      <mc:AlternateContent xmlns:mc="http://schemas.openxmlformats.org/markup-compatibility/2006" xmlns:a14="http://schemas.microsoft.com/office/drawing/2010/main">
+        <mc:Choice Requires="a14">
           <p:sp>
             <p:nvSpPr>
               <p:cNvPr id="10" name="TextBox 9"/>
@@ -15829,7 +15837,7 @@
             </p:txBody>
           </p:sp>
         </mc:Choice>
-        <mc:Fallback>
+        <mc:Fallback xmlns="">
           <p:sp>
             <p:nvSpPr>
               <p:cNvPr id="10" name="TextBox 9"/>
@@ -16018,8 +16026,8 @@
           </a:p>
         </p:txBody>
       </p:sp>
-      <mc:AlternateContent xmlns:mc="http://schemas.openxmlformats.org/markup-compatibility/2006">
-        <mc:Choice xmlns:a14="http://schemas.microsoft.com/office/drawing/2010/main" Requires="a14">
+      <mc:AlternateContent xmlns:mc="http://schemas.openxmlformats.org/markup-compatibility/2006" xmlns:a14="http://schemas.microsoft.com/office/drawing/2010/main">
+        <mc:Choice Requires="a14">
           <p:sp>
             <p:nvSpPr>
               <p:cNvPr id="14" name="TextBox 13"/>
@@ -16254,7 +16262,7 @@
             </p:txBody>
           </p:sp>
         </mc:Choice>
-        <mc:Fallback>
+        <mc:Fallback xmlns="">
           <p:sp>
             <p:nvSpPr>
               <p:cNvPr id="14" name="TextBox 13"/>

--- a/FiguresPaper.pptx
+++ b/FiguresPaper.pptx
@@ -5,7 +5,7 @@
     <p:sldMasterId id="2147483648" r:id="rId1"/>
   </p:sldMasterIdLst>
   <p:notesMasterIdLst>
-    <p:notesMasterId r:id="rId9"/>
+    <p:notesMasterId r:id="rId10"/>
   </p:notesMasterIdLst>
   <p:sldIdLst>
     <p:sldId id="301" r:id="rId2"/>
@@ -15,6 +15,7 @@
     <p:sldId id="303" r:id="rId6"/>
     <p:sldId id="304" r:id="rId7"/>
     <p:sldId id="305" r:id="rId8"/>
+    <p:sldId id="306" r:id="rId9"/>
   </p:sldIdLst>
   <p:sldSz cx="9144000" cy="6858000" type="screen4x3"/>
   <p:notesSz cx="6858000" cy="9144000"/>
@@ -1761,6 +1762,90 @@
     <p:extLst>
       <p:ext uri="{BB962C8B-B14F-4D97-AF65-F5344CB8AC3E}">
         <p14:creationId xmlns:p14="http://schemas.microsoft.com/office/powerpoint/2010/main" val="506781498"/>
+      </p:ext>
+    </p:extLst>
+  </p:cSld>
+  <p:clrMapOvr>
+    <a:masterClrMapping/>
+  </p:clrMapOvr>
+</p:notes>
+</file>
+
+<file path=ppt/notesSlides/notesSlide4.xml><?xml version="1.0" encoding="utf-8"?>
+<p:notes xmlns:a="http://schemas.openxmlformats.org/drawingml/2006/main" xmlns:r="http://schemas.openxmlformats.org/officeDocument/2006/relationships" xmlns:p="http://schemas.openxmlformats.org/presentationml/2006/main">
+  <p:cSld>
+    <p:spTree>
+      <p:nvGrpSpPr>
+        <p:cNvPr id="1" name=""/>
+        <p:cNvGrpSpPr/>
+        <p:nvPr/>
+      </p:nvGrpSpPr>
+      <p:grpSpPr>
+        <a:xfrm>
+          <a:off x="0" y="0"/>
+          <a:ext cx="0" cy="0"/>
+          <a:chOff x="0" y="0"/>
+          <a:chExt cx="0" cy="0"/>
+        </a:xfrm>
+      </p:grpSpPr>
+      <p:sp>
+        <p:nvSpPr>
+          <p:cNvPr id="2" name="Slide Image Placeholder 1"/>
+          <p:cNvSpPr>
+            <a:spLocks noGrp="1" noRot="1" noChangeAspect="1"/>
+          </p:cNvSpPr>
+          <p:nvPr>
+            <p:ph type="sldImg"/>
+          </p:nvPr>
+        </p:nvSpPr>
+        <p:spPr/>
+      </p:sp>
+      <p:sp>
+        <p:nvSpPr>
+          <p:cNvPr id="3" name="Notes Placeholder 2"/>
+          <p:cNvSpPr>
+            <a:spLocks noGrp="1"/>
+          </p:cNvSpPr>
+          <p:nvPr>
+            <p:ph type="body" idx="1"/>
+          </p:nvPr>
+        </p:nvSpPr>
+        <p:spPr/>
+        <p:txBody>
+          <a:bodyPr/>
+          <a:lstStyle/>
+          <a:p>
+            <a:endParaRPr lang="en-US" dirty="0"/>
+          </a:p>
+        </p:txBody>
+      </p:sp>
+      <p:sp>
+        <p:nvSpPr>
+          <p:cNvPr id="4" name="Slide Number Placeholder 3"/>
+          <p:cNvSpPr>
+            <a:spLocks noGrp="1"/>
+          </p:cNvSpPr>
+          <p:nvPr>
+            <p:ph type="sldNum" sz="quarter" idx="10"/>
+          </p:nvPr>
+        </p:nvSpPr>
+        <p:spPr/>
+        <p:txBody>
+          <a:bodyPr/>
+          <a:lstStyle/>
+          <a:p>
+            <a:fld id="{22309BDE-4FA1-499D-8424-2B54D3E2E225}" type="slidenum">
+              <a:rPr lang="en-AU" smtClean="0"/>
+              <a:t>8</a:t>
+            </a:fld>
+            <a:endParaRPr lang="en-AU"/>
+          </a:p>
+        </p:txBody>
+      </p:sp>
+    </p:spTree>
+    <p:extLst>
+      <p:ext uri="{BB962C8B-B14F-4D97-AF65-F5344CB8AC3E}">
+        <p14:creationId xmlns:p14="http://schemas.microsoft.com/office/powerpoint/2010/main" val="703318400"/>
       </p:ext>
     </p:extLst>
   </p:cSld>
@@ -16365,6 +16450,7189 @@
 </p:sld>
 </file>
 
+<file path=ppt/slides/slide8.xml><?xml version="1.0" encoding="utf-8"?>
+<p:sld xmlns:a="http://schemas.openxmlformats.org/drawingml/2006/main" xmlns:r="http://schemas.openxmlformats.org/officeDocument/2006/relationships" xmlns:p="http://schemas.openxmlformats.org/presentationml/2006/main">
+  <p:cSld>
+    <p:spTree>
+      <p:nvGrpSpPr>
+        <p:cNvPr id="1" name=""/>
+        <p:cNvGrpSpPr/>
+        <p:nvPr/>
+      </p:nvGrpSpPr>
+      <p:grpSpPr>
+        <a:xfrm>
+          <a:off x="0" y="0"/>
+          <a:ext cx="0" cy="0"/>
+          <a:chOff x="0" y="0"/>
+          <a:chExt cx="0" cy="0"/>
+        </a:xfrm>
+      </p:grpSpPr>
+      <p:sp>
+        <p:nvSpPr>
+          <p:cNvPr id="5" name="Oval 4"/>
+          <p:cNvSpPr/>
+          <p:nvPr/>
+        </p:nvSpPr>
+        <p:spPr>
+          <a:xfrm>
+            <a:off x="6673019" y="4725144"/>
+            <a:ext cx="864096" cy="432048"/>
+          </a:xfrm>
+          <a:prstGeom prst="ellipse">
+            <a:avLst/>
+          </a:prstGeom>
+          <a:solidFill>
+            <a:schemeClr val="bg1"/>
+          </a:solidFill>
+          <a:ln w="6350">
+            <a:solidFill>
+              <a:schemeClr val="tx1"/>
+            </a:solidFill>
+          </a:ln>
+        </p:spPr>
+        <p:style>
+          <a:lnRef idx="2">
+            <a:schemeClr val="accent1">
+              <a:shade val="50000"/>
+            </a:schemeClr>
+          </a:lnRef>
+          <a:fillRef idx="1">
+            <a:schemeClr val="accent1"/>
+          </a:fillRef>
+          <a:effectRef idx="0">
+            <a:schemeClr val="accent1"/>
+          </a:effectRef>
+          <a:fontRef idx="minor">
+            <a:schemeClr val="lt1"/>
+          </a:fontRef>
+        </p:style>
+        <p:txBody>
+          <a:bodyPr rtlCol="0" anchor="ctr"/>
+          <a:lstStyle/>
+          <a:p>
+            <a:pPr algn="ctr"/>
+            <a:endParaRPr lang="en-NZ" sz="1600" dirty="0">
+              <a:ln>
+                <a:solidFill>
+                  <a:schemeClr val="tx1"/>
+                </a:solidFill>
+              </a:ln>
+              <a:solidFill>
+                <a:schemeClr val="tx1"/>
+              </a:solidFill>
+            </a:endParaRPr>
+          </a:p>
+        </p:txBody>
+      </p:sp>
+      <p:sp>
+        <p:nvSpPr>
+          <p:cNvPr id="7" name="Oval 6"/>
+          <p:cNvSpPr/>
+          <p:nvPr/>
+        </p:nvSpPr>
+        <p:spPr>
+          <a:xfrm>
+            <a:off x="6168963" y="8541568"/>
+            <a:ext cx="864096" cy="432048"/>
+          </a:xfrm>
+          <a:prstGeom prst="ellipse">
+            <a:avLst/>
+          </a:prstGeom>
+          <a:solidFill>
+            <a:schemeClr val="bg1"/>
+          </a:solidFill>
+          <a:ln w="6350">
+            <a:solidFill>
+              <a:schemeClr val="tx1"/>
+            </a:solidFill>
+          </a:ln>
+        </p:spPr>
+        <p:style>
+          <a:lnRef idx="2">
+            <a:schemeClr val="accent1">
+              <a:shade val="50000"/>
+            </a:schemeClr>
+          </a:lnRef>
+          <a:fillRef idx="1">
+            <a:schemeClr val="accent1"/>
+          </a:fillRef>
+          <a:effectRef idx="0">
+            <a:schemeClr val="accent1"/>
+          </a:effectRef>
+          <a:fontRef idx="minor">
+            <a:schemeClr val="lt1"/>
+          </a:fontRef>
+        </p:style>
+        <p:txBody>
+          <a:bodyPr rtlCol="0" anchor="ctr"/>
+          <a:lstStyle/>
+          <a:p>
+            <a:pPr algn="ctr"/>
+            <a:endParaRPr lang="en-NZ" sz="1600" dirty="0">
+              <a:ln>
+                <a:solidFill>
+                  <a:schemeClr val="tx1"/>
+                </a:solidFill>
+              </a:ln>
+              <a:solidFill>
+                <a:schemeClr val="tx1"/>
+              </a:solidFill>
+            </a:endParaRPr>
+          </a:p>
+        </p:txBody>
+      </p:sp>
+      <p:sp>
+        <p:nvSpPr>
+          <p:cNvPr id="8" name="Oval 7"/>
+          <p:cNvSpPr/>
+          <p:nvPr/>
+        </p:nvSpPr>
+        <p:spPr>
+          <a:xfrm>
+            <a:off x="2982608" y="6021288"/>
+            <a:ext cx="1616024" cy="432048"/>
+          </a:xfrm>
+          <a:prstGeom prst="ellipse">
+            <a:avLst/>
+          </a:prstGeom>
+          <a:solidFill>
+            <a:schemeClr val="bg1"/>
+          </a:solidFill>
+          <a:ln w="6350">
+            <a:solidFill>
+              <a:schemeClr val="tx1"/>
+            </a:solidFill>
+          </a:ln>
+        </p:spPr>
+        <p:style>
+          <a:lnRef idx="2">
+            <a:schemeClr val="accent1">
+              <a:shade val="50000"/>
+            </a:schemeClr>
+          </a:lnRef>
+          <a:fillRef idx="1">
+            <a:schemeClr val="accent1"/>
+          </a:fillRef>
+          <a:effectRef idx="0">
+            <a:schemeClr val="accent1"/>
+          </a:effectRef>
+          <a:fontRef idx="minor">
+            <a:schemeClr val="lt1"/>
+          </a:fontRef>
+        </p:style>
+        <p:txBody>
+          <a:bodyPr rtlCol="0" anchor="ctr"/>
+          <a:lstStyle/>
+          <a:p>
+            <a:pPr algn="ctr"/>
+            <a:endParaRPr lang="en-NZ" sz="1600" dirty="0">
+              <a:ln>
+                <a:solidFill>
+                  <a:schemeClr val="tx1"/>
+                </a:solidFill>
+              </a:ln>
+              <a:solidFill>
+                <a:schemeClr val="tx1"/>
+              </a:solidFill>
+            </a:endParaRPr>
+          </a:p>
+        </p:txBody>
+      </p:sp>
+      <p:cxnSp>
+        <p:nvCxnSpPr>
+          <p:cNvPr id="14" name="Straight Arrow Connector 13"/>
+          <p:cNvCxnSpPr>
+            <a:stCxn id="5" idx="4"/>
+            <a:endCxn id="8" idx="0"/>
+          </p:cNvCxnSpPr>
+          <p:nvPr/>
+        </p:nvCxnSpPr>
+        <p:spPr>
+          <a:xfrm flipH="1">
+            <a:off x="3790620" y="5157192"/>
+            <a:ext cx="3314447" cy="864096"/>
+          </a:xfrm>
+          <a:prstGeom prst="straightConnector1">
+            <a:avLst/>
+          </a:prstGeom>
+          <a:ln>
+            <a:solidFill>
+              <a:schemeClr val="tx1"/>
+            </a:solidFill>
+            <a:tailEnd type="arrow"/>
+          </a:ln>
+        </p:spPr>
+        <p:style>
+          <a:lnRef idx="1">
+            <a:schemeClr val="accent1"/>
+          </a:lnRef>
+          <a:fillRef idx="0">
+            <a:schemeClr val="accent1"/>
+          </a:fillRef>
+          <a:effectRef idx="0">
+            <a:schemeClr val="accent1"/>
+          </a:effectRef>
+          <a:fontRef idx="minor">
+            <a:schemeClr val="tx1"/>
+          </a:fontRef>
+        </p:style>
+      </p:cxnSp>
+      <p:cxnSp>
+        <p:nvCxnSpPr>
+          <p:cNvPr id="20" name="Straight Arrow Connector 19"/>
+          <p:cNvCxnSpPr>
+            <a:stCxn id="8" idx="4"/>
+            <a:endCxn id="98" idx="0"/>
+          </p:cNvCxnSpPr>
+          <p:nvPr/>
+        </p:nvCxnSpPr>
+        <p:spPr>
+          <a:xfrm>
+            <a:off x="3790620" y="6453336"/>
+            <a:ext cx="2915913" cy="576064"/>
+          </a:xfrm>
+          <a:prstGeom prst="straightConnector1">
+            <a:avLst/>
+          </a:prstGeom>
+          <a:ln>
+            <a:solidFill>
+              <a:schemeClr val="tx1"/>
+            </a:solidFill>
+            <a:tailEnd type="arrow"/>
+          </a:ln>
+        </p:spPr>
+        <p:style>
+          <a:lnRef idx="1">
+            <a:schemeClr val="accent1"/>
+          </a:lnRef>
+          <a:fillRef idx="0">
+            <a:schemeClr val="accent1"/>
+          </a:fillRef>
+          <a:effectRef idx="0">
+            <a:schemeClr val="accent1"/>
+          </a:effectRef>
+          <a:fontRef idx="minor">
+            <a:schemeClr val="tx1"/>
+          </a:fontRef>
+        </p:style>
+      </p:cxnSp>
+      <p:sp>
+        <p:nvSpPr>
+          <p:cNvPr id="36" name="Rectangle 35"/>
+          <p:cNvSpPr/>
+          <p:nvPr/>
+        </p:nvSpPr>
+        <p:spPr>
+          <a:xfrm>
+            <a:off x="6857953" y="4797152"/>
+            <a:ext cx="535146" cy="307777"/>
+          </a:xfrm>
+          <a:prstGeom prst="rect">
+            <a:avLst/>
+          </a:prstGeom>
+        </p:spPr>
+        <p:txBody>
+          <a:bodyPr wrap="none">
+            <a:spAutoFit/>
+          </a:bodyPr>
+          <a:lstStyle/>
+          <a:p>
+            <a:r>
+              <a:rPr lang="nn-NO" sz="1400" dirty="0"/>
+              <a:t>Start</a:t>
+            </a:r>
+            <a:endParaRPr lang="nn-NO" sz="1200" dirty="0"/>
+          </a:p>
+        </p:txBody>
+      </p:sp>
+      <p:sp>
+        <p:nvSpPr>
+          <p:cNvPr id="37" name="Rectangle 36"/>
+          <p:cNvSpPr/>
+          <p:nvPr/>
+        </p:nvSpPr>
+        <p:spPr>
+          <a:xfrm>
+            <a:off x="3000611" y="6065454"/>
+            <a:ext cx="1404552" cy="307777"/>
+          </a:xfrm>
+          <a:prstGeom prst="rect">
+            <a:avLst/>
+          </a:prstGeom>
+        </p:spPr>
+        <p:txBody>
+          <a:bodyPr wrap="none">
+            <a:spAutoFit/>
+          </a:bodyPr>
+          <a:lstStyle/>
+          <a:p>
+            <a:r>
+              <a:rPr lang="tr-TR" sz="1400" dirty="0"/>
+              <a:t>serv2124625285</a:t>
+            </a:r>
+            <a:endParaRPr lang="nn-NO" sz="1400" dirty="0"/>
+          </a:p>
+        </p:txBody>
+      </p:sp>
+      <p:sp>
+        <p:nvSpPr>
+          <p:cNvPr id="45" name="Rectangle 44"/>
+          <p:cNvSpPr/>
+          <p:nvPr/>
+        </p:nvSpPr>
+        <p:spPr>
+          <a:xfrm>
+            <a:off x="6406475" y="8624609"/>
+            <a:ext cx="461986" cy="307777"/>
+          </a:xfrm>
+          <a:prstGeom prst="rect">
+            <a:avLst/>
+          </a:prstGeom>
+        </p:spPr>
+        <p:txBody>
+          <a:bodyPr wrap="none">
+            <a:spAutoFit/>
+          </a:bodyPr>
+          <a:lstStyle/>
+          <a:p>
+            <a:r>
+              <a:rPr lang="nn-NO" sz="1400" dirty="0" smtClean="0">
+                <a:solidFill>
+                  <a:schemeClr val="accent3">
+                    <a:lumMod val="75000"/>
+                  </a:schemeClr>
+                </a:solidFill>
+              </a:rPr>
+              <a:t>End</a:t>
+            </a:r>
+            <a:endParaRPr lang="nn-NO" sz="1200" dirty="0">
+              <a:solidFill>
+                <a:schemeClr val="accent3">
+                  <a:lumMod val="75000"/>
+                </a:schemeClr>
+              </a:solidFill>
+            </a:endParaRPr>
+          </a:p>
+        </p:txBody>
+      </p:sp>
+      <p:sp>
+        <p:nvSpPr>
+          <p:cNvPr id="73" name="Oval 72"/>
+          <p:cNvSpPr/>
+          <p:nvPr/>
+        </p:nvSpPr>
+        <p:spPr>
+          <a:xfrm>
+            <a:off x="2273090" y="5445224"/>
+            <a:ext cx="1447601" cy="432048"/>
+          </a:xfrm>
+          <a:prstGeom prst="ellipse">
+            <a:avLst/>
+          </a:prstGeom>
+          <a:solidFill>
+            <a:schemeClr val="bg1"/>
+          </a:solidFill>
+          <a:ln w="6350">
+            <a:solidFill>
+              <a:schemeClr val="tx1"/>
+            </a:solidFill>
+          </a:ln>
+        </p:spPr>
+        <p:style>
+          <a:lnRef idx="2">
+            <a:schemeClr val="accent1">
+              <a:shade val="50000"/>
+            </a:schemeClr>
+          </a:lnRef>
+          <a:fillRef idx="1">
+            <a:schemeClr val="accent1"/>
+          </a:fillRef>
+          <a:effectRef idx="0">
+            <a:schemeClr val="accent1"/>
+          </a:effectRef>
+          <a:fontRef idx="minor">
+            <a:schemeClr val="lt1"/>
+          </a:fontRef>
+        </p:style>
+        <p:txBody>
+          <a:bodyPr rtlCol="0" anchor="ctr"/>
+          <a:lstStyle/>
+          <a:p>
+            <a:pPr algn="ctr"/>
+            <a:endParaRPr lang="en-NZ" sz="1600" dirty="0">
+              <a:ln>
+                <a:solidFill>
+                  <a:schemeClr val="tx1"/>
+                </a:solidFill>
+              </a:ln>
+              <a:solidFill>
+                <a:schemeClr val="tx1"/>
+              </a:solidFill>
+            </a:endParaRPr>
+          </a:p>
+        </p:txBody>
+      </p:sp>
+      <p:sp>
+        <p:nvSpPr>
+          <p:cNvPr id="75" name="Rectangle 74"/>
+          <p:cNvSpPr/>
+          <p:nvPr/>
+        </p:nvSpPr>
+        <p:spPr>
+          <a:xfrm>
+            <a:off x="2267744" y="5517232"/>
+            <a:ext cx="1404552" cy="307777"/>
+          </a:xfrm>
+          <a:prstGeom prst="rect">
+            <a:avLst/>
+          </a:prstGeom>
+        </p:spPr>
+        <p:txBody>
+          <a:bodyPr wrap="none">
+            <a:spAutoFit/>
+          </a:bodyPr>
+          <a:lstStyle/>
+          <a:p>
+            <a:r>
+              <a:rPr lang="is-IS" sz="1400" dirty="0"/>
+              <a:t>serv1779102626</a:t>
+            </a:r>
+            <a:endParaRPr lang="nn-NO" sz="1400" dirty="0"/>
+          </a:p>
+        </p:txBody>
+      </p:sp>
+      <p:cxnSp>
+        <p:nvCxnSpPr>
+          <p:cNvPr id="17" name="Straight Arrow Connector 16"/>
+          <p:cNvCxnSpPr>
+            <a:stCxn id="5" idx="4"/>
+            <a:endCxn id="73" idx="0"/>
+          </p:cNvCxnSpPr>
+          <p:nvPr/>
+        </p:nvCxnSpPr>
+        <p:spPr>
+          <a:xfrm flipH="1">
+            <a:off x="2996891" y="5157192"/>
+            <a:ext cx="4108176" cy="288032"/>
+          </a:xfrm>
+          <a:prstGeom prst="straightConnector1">
+            <a:avLst/>
+          </a:prstGeom>
+          <a:ln>
+            <a:solidFill>
+              <a:schemeClr val="tx1"/>
+            </a:solidFill>
+            <a:tailEnd type="triangle"/>
+          </a:ln>
+        </p:spPr>
+        <p:style>
+          <a:lnRef idx="1">
+            <a:schemeClr val="accent1"/>
+          </a:lnRef>
+          <a:fillRef idx="0">
+            <a:schemeClr val="accent1"/>
+          </a:fillRef>
+          <a:effectRef idx="0">
+            <a:schemeClr val="accent1"/>
+          </a:effectRef>
+          <a:fontRef idx="minor">
+            <a:schemeClr val="tx1"/>
+          </a:fontRef>
+        </p:style>
+      </p:cxnSp>
+      <p:sp>
+        <p:nvSpPr>
+          <p:cNvPr id="76" name="Oval 75"/>
+          <p:cNvSpPr/>
+          <p:nvPr/>
+        </p:nvSpPr>
+        <p:spPr>
+          <a:xfrm>
+            <a:off x="1308027" y="6093296"/>
+            <a:ext cx="1642390" cy="432048"/>
+          </a:xfrm>
+          <a:prstGeom prst="ellipse">
+            <a:avLst/>
+          </a:prstGeom>
+          <a:solidFill>
+            <a:schemeClr val="bg1"/>
+          </a:solidFill>
+          <a:ln w="6350">
+            <a:solidFill>
+              <a:schemeClr val="tx1"/>
+            </a:solidFill>
+          </a:ln>
+        </p:spPr>
+        <p:style>
+          <a:lnRef idx="2">
+            <a:schemeClr val="accent1">
+              <a:shade val="50000"/>
+            </a:schemeClr>
+          </a:lnRef>
+          <a:fillRef idx="1">
+            <a:schemeClr val="accent1"/>
+          </a:fillRef>
+          <a:effectRef idx="0">
+            <a:schemeClr val="accent1"/>
+          </a:effectRef>
+          <a:fontRef idx="minor">
+            <a:schemeClr val="lt1"/>
+          </a:fontRef>
+        </p:style>
+        <p:txBody>
+          <a:bodyPr rtlCol="0" anchor="ctr"/>
+          <a:lstStyle/>
+          <a:p>
+            <a:pPr algn="ctr"/>
+            <a:endParaRPr lang="en-NZ" sz="1600" dirty="0">
+              <a:ln>
+                <a:solidFill>
+                  <a:schemeClr val="tx1"/>
+                </a:solidFill>
+              </a:ln>
+              <a:solidFill>
+                <a:schemeClr val="tx1"/>
+              </a:solidFill>
+            </a:endParaRPr>
+          </a:p>
+        </p:txBody>
+      </p:sp>
+      <p:sp>
+        <p:nvSpPr>
+          <p:cNvPr id="77" name="Rectangle 76"/>
+          <p:cNvSpPr/>
+          <p:nvPr/>
+        </p:nvSpPr>
+        <p:spPr>
+          <a:xfrm>
+            <a:off x="1308027" y="6141519"/>
+            <a:ext cx="1404552" cy="307777"/>
+          </a:xfrm>
+          <a:prstGeom prst="rect">
+            <a:avLst/>
+          </a:prstGeom>
+        </p:spPr>
+        <p:txBody>
+          <a:bodyPr wrap="none">
+            <a:spAutoFit/>
+          </a:bodyPr>
+          <a:lstStyle/>
+          <a:p>
+            <a:r>
+              <a:rPr lang="is-IS" sz="1400" dirty="0"/>
+              <a:t>serv1086418840</a:t>
+            </a:r>
+            <a:endParaRPr lang="nn-NO" sz="1400" dirty="0"/>
+          </a:p>
+        </p:txBody>
+      </p:sp>
+      <p:sp>
+        <p:nvSpPr>
+          <p:cNvPr id="78" name="Oval 77"/>
+          <p:cNvSpPr/>
+          <p:nvPr/>
+        </p:nvSpPr>
+        <p:spPr>
+          <a:xfrm>
+            <a:off x="4908427" y="5661248"/>
+            <a:ext cx="1571830" cy="432048"/>
+          </a:xfrm>
+          <a:prstGeom prst="ellipse">
+            <a:avLst/>
+          </a:prstGeom>
+          <a:solidFill>
+            <a:schemeClr val="bg1"/>
+          </a:solidFill>
+          <a:ln w="6350">
+            <a:solidFill>
+              <a:schemeClr val="tx1"/>
+            </a:solidFill>
+          </a:ln>
+        </p:spPr>
+        <p:style>
+          <a:lnRef idx="2">
+            <a:schemeClr val="accent1">
+              <a:shade val="50000"/>
+            </a:schemeClr>
+          </a:lnRef>
+          <a:fillRef idx="1">
+            <a:schemeClr val="accent1"/>
+          </a:fillRef>
+          <a:effectRef idx="0">
+            <a:schemeClr val="accent1"/>
+          </a:effectRef>
+          <a:fontRef idx="minor">
+            <a:schemeClr val="lt1"/>
+          </a:fontRef>
+        </p:style>
+        <p:txBody>
+          <a:bodyPr rtlCol="0" anchor="ctr"/>
+          <a:lstStyle/>
+          <a:p>
+            <a:pPr algn="ctr"/>
+            <a:endParaRPr lang="en-NZ" sz="1600" dirty="0">
+              <a:ln>
+                <a:solidFill>
+                  <a:schemeClr val="tx1"/>
+                </a:solidFill>
+              </a:ln>
+              <a:solidFill>
+                <a:schemeClr val="tx1"/>
+              </a:solidFill>
+            </a:endParaRPr>
+          </a:p>
+        </p:txBody>
+      </p:sp>
+      <p:sp>
+        <p:nvSpPr>
+          <p:cNvPr id="79" name="Rectangle 78"/>
+          <p:cNvSpPr/>
+          <p:nvPr/>
+        </p:nvSpPr>
+        <p:spPr>
+          <a:xfrm>
+            <a:off x="4908427" y="5733256"/>
+            <a:ext cx="1404552" cy="307777"/>
+          </a:xfrm>
+          <a:prstGeom prst="rect">
+            <a:avLst/>
+          </a:prstGeom>
+        </p:spPr>
+        <p:txBody>
+          <a:bodyPr wrap="none">
+            <a:spAutoFit/>
+          </a:bodyPr>
+          <a:lstStyle/>
+          <a:p>
+            <a:r>
+              <a:rPr lang="is-IS" sz="1400" dirty="0"/>
+              <a:t>serv1570805927</a:t>
+            </a:r>
+            <a:endParaRPr lang="nn-NO" sz="1400" dirty="0"/>
+          </a:p>
+        </p:txBody>
+      </p:sp>
+      <p:sp>
+        <p:nvSpPr>
+          <p:cNvPr id="80" name="Oval 79"/>
+          <p:cNvSpPr/>
+          <p:nvPr/>
+        </p:nvSpPr>
+        <p:spPr>
+          <a:xfrm>
+            <a:off x="6096954" y="6093296"/>
+            <a:ext cx="1437497" cy="432048"/>
+          </a:xfrm>
+          <a:prstGeom prst="ellipse">
+            <a:avLst/>
+          </a:prstGeom>
+          <a:solidFill>
+            <a:schemeClr val="bg1"/>
+          </a:solidFill>
+          <a:ln w="6350">
+            <a:solidFill>
+              <a:schemeClr val="tx1"/>
+            </a:solidFill>
+          </a:ln>
+        </p:spPr>
+        <p:style>
+          <a:lnRef idx="2">
+            <a:schemeClr val="accent1">
+              <a:shade val="50000"/>
+            </a:schemeClr>
+          </a:lnRef>
+          <a:fillRef idx="1">
+            <a:schemeClr val="accent1"/>
+          </a:fillRef>
+          <a:effectRef idx="0">
+            <a:schemeClr val="accent1"/>
+          </a:effectRef>
+          <a:fontRef idx="minor">
+            <a:schemeClr val="lt1"/>
+          </a:fontRef>
+        </p:style>
+        <p:txBody>
+          <a:bodyPr rtlCol="0" anchor="ctr"/>
+          <a:lstStyle/>
+          <a:p>
+            <a:pPr algn="ctr"/>
+            <a:endParaRPr lang="en-NZ" sz="1600" dirty="0">
+              <a:ln>
+                <a:solidFill>
+                  <a:schemeClr val="tx1"/>
+                </a:solidFill>
+              </a:ln>
+              <a:solidFill>
+                <a:schemeClr val="tx1"/>
+              </a:solidFill>
+            </a:endParaRPr>
+          </a:p>
+        </p:txBody>
+      </p:sp>
+      <p:sp>
+        <p:nvSpPr>
+          <p:cNvPr id="81" name="Rectangle 80"/>
+          <p:cNvSpPr/>
+          <p:nvPr/>
+        </p:nvSpPr>
+        <p:spPr>
+          <a:xfrm>
+            <a:off x="6163984" y="6165304"/>
+            <a:ext cx="1313180" cy="307777"/>
+          </a:xfrm>
+          <a:prstGeom prst="rect">
+            <a:avLst/>
+          </a:prstGeom>
+        </p:spPr>
+        <p:txBody>
+          <a:bodyPr wrap="none">
+            <a:spAutoFit/>
+          </a:bodyPr>
+          <a:lstStyle/>
+          <a:p>
+            <a:r>
+              <a:rPr lang="is-IS" sz="1400" dirty="0"/>
+              <a:t>serv669825442</a:t>
+            </a:r>
+            <a:endParaRPr lang="nn-NO" sz="1400" dirty="0"/>
+          </a:p>
+        </p:txBody>
+      </p:sp>
+      <p:sp>
+        <p:nvSpPr>
+          <p:cNvPr id="82" name="Oval 81"/>
+          <p:cNvSpPr/>
+          <p:nvPr/>
+        </p:nvSpPr>
+        <p:spPr>
+          <a:xfrm>
+            <a:off x="8780615" y="5606214"/>
+            <a:ext cx="1539456" cy="432048"/>
+          </a:xfrm>
+          <a:prstGeom prst="ellipse">
+            <a:avLst/>
+          </a:prstGeom>
+          <a:solidFill>
+            <a:schemeClr val="bg1"/>
+          </a:solidFill>
+          <a:ln w="6350">
+            <a:solidFill>
+              <a:schemeClr val="tx1"/>
+            </a:solidFill>
+          </a:ln>
+        </p:spPr>
+        <p:style>
+          <a:lnRef idx="2">
+            <a:schemeClr val="accent1">
+              <a:shade val="50000"/>
+            </a:schemeClr>
+          </a:lnRef>
+          <a:fillRef idx="1">
+            <a:schemeClr val="accent1"/>
+          </a:fillRef>
+          <a:effectRef idx="0">
+            <a:schemeClr val="accent1"/>
+          </a:effectRef>
+          <a:fontRef idx="minor">
+            <a:schemeClr val="lt1"/>
+          </a:fontRef>
+        </p:style>
+        <p:txBody>
+          <a:bodyPr rtlCol="0" anchor="ctr"/>
+          <a:lstStyle/>
+          <a:p>
+            <a:pPr algn="ctr"/>
+            <a:endParaRPr lang="en-NZ" sz="1600" dirty="0">
+              <a:ln>
+                <a:solidFill>
+                  <a:schemeClr val="tx1"/>
+                </a:solidFill>
+              </a:ln>
+              <a:solidFill>
+                <a:schemeClr val="tx1"/>
+              </a:solidFill>
+            </a:endParaRPr>
+          </a:p>
+        </p:txBody>
+      </p:sp>
+      <p:sp>
+        <p:nvSpPr>
+          <p:cNvPr id="83" name="Rectangle 82"/>
+          <p:cNvSpPr/>
+          <p:nvPr/>
+        </p:nvSpPr>
+        <p:spPr>
+          <a:xfrm>
+            <a:off x="8780615" y="5678222"/>
+            <a:ext cx="1313180" cy="307777"/>
+          </a:xfrm>
+          <a:prstGeom prst="rect">
+            <a:avLst/>
+          </a:prstGeom>
+        </p:spPr>
+        <p:txBody>
+          <a:bodyPr wrap="none">
+            <a:spAutoFit/>
+          </a:bodyPr>
+          <a:lstStyle/>
+          <a:p>
+            <a:r>
+              <a:rPr lang="da-DK" sz="1400" dirty="0"/>
+              <a:t>serv254870550</a:t>
+            </a:r>
+            <a:endParaRPr lang="nn-NO" sz="1400" dirty="0"/>
+          </a:p>
+        </p:txBody>
+      </p:sp>
+      <p:cxnSp>
+        <p:nvCxnSpPr>
+          <p:cNvPr id="87" name="Straight Arrow Connector 86"/>
+          <p:cNvCxnSpPr>
+            <a:stCxn id="5" idx="4"/>
+            <a:endCxn id="78" idx="0"/>
+          </p:cNvCxnSpPr>
+          <p:nvPr/>
+        </p:nvCxnSpPr>
+        <p:spPr>
+          <a:xfrm flipH="1">
+            <a:off x="5694342" y="5157192"/>
+            <a:ext cx="1410725" cy="504056"/>
+          </a:xfrm>
+          <a:prstGeom prst="straightConnector1">
+            <a:avLst/>
+          </a:prstGeom>
+          <a:ln>
+            <a:solidFill>
+              <a:schemeClr val="tx1"/>
+            </a:solidFill>
+            <a:tailEnd type="triangle"/>
+          </a:ln>
+        </p:spPr>
+        <p:style>
+          <a:lnRef idx="1">
+            <a:schemeClr val="accent1"/>
+          </a:lnRef>
+          <a:fillRef idx="0">
+            <a:schemeClr val="accent1"/>
+          </a:fillRef>
+          <a:effectRef idx="0">
+            <a:schemeClr val="accent1"/>
+          </a:effectRef>
+          <a:fontRef idx="minor">
+            <a:schemeClr val="tx1"/>
+          </a:fontRef>
+        </p:style>
+      </p:cxnSp>
+      <p:cxnSp>
+        <p:nvCxnSpPr>
+          <p:cNvPr id="89" name="Straight Arrow Connector 88"/>
+          <p:cNvCxnSpPr>
+            <a:stCxn id="5" idx="4"/>
+            <a:endCxn id="80" idx="0"/>
+          </p:cNvCxnSpPr>
+          <p:nvPr/>
+        </p:nvCxnSpPr>
+        <p:spPr>
+          <a:xfrm flipH="1">
+            <a:off x="6815703" y="5157192"/>
+            <a:ext cx="289364" cy="936104"/>
+          </a:xfrm>
+          <a:prstGeom prst="straightConnector1">
+            <a:avLst/>
+          </a:prstGeom>
+          <a:ln>
+            <a:solidFill>
+              <a:schemeClr val="tx1"/>
+            </a:solidFill>
+            <a:tailEnd type="triangle"/>
+          </a:ln>
+        </p:spPr>
+        <p:style>
+          <a:lnRef idx="1">
+            <a:schemeClr val="accent1"/>
+          </a:lnRef>
+          <a:fillRef idx="0">
+            <a:schemeClr val="accent1"/>
+          </a:fillRef>
+          <a:effectRef idx="0">
+            <a:schemeClr val="accent1"/>
+          </a:effectRef>
+          <a:fontRef idx="minor">
+            <a:schemeClr val="tx1"/>
+          </a:fontRef>
+        </p:style>
+      </p:cxnSp>
+      <p:cxnSp>
+        <p:nvCxnSpPr>
+          <p:cNvPr id="91" name="Straight Arrow Connector 90"/>
+          <p:cNvCxnSpPr>
+            <a:stCxn id="5" idx="4"/>
+            <a:endCxn id="82" idx="0"/>
+          </p:cNvCxnSpPr>
+          <p:nvPr/>
+        </p:nvCxnSpPr>
+        <p:spPr>
+          <a:xfrm>
+            <a:off x="7105067" y="5157192"/>
+            <a:ext cx="2445276" cy="449022"/>
+          </a:xfrm>
+          <a:prstGeom prst="straightConnector1">
+            <a:avLst/>
+          </a:prstGeom>
+          <a:ln>
+            <a:solidFill>
+              <a:schemeClr val="tx1"/>
+            </a:solidFill>
+            <a:tailEnd type="triangle"/>
+          </a:ln>
+        </p:spPr>
+        <p:style>
+          <a:lnRef idx="1">
+            <a:schemeClr val="accent1"/>
+          </a:lnRef>
+          <a:fillRef idx="0">
+            <a:schemeClr val="accent1"/>
+          </a:fillRef>
+          <a:effectRef idx="0">
+            <a:schemeClr val="accent1"/>
+          </a:effectRef>
+          <a:fontRef idx="minor">
+            <a:schemeClr val="tx1"/>
+          </a:fontRef>
+        </p:style>
+      </p:cxnSp>
+      <p:cxnSp>
+        <p:nvCxnSpPr>
+          <p:cNvPr id="93" name="Straight Arrow Connector 92"/>
+          <p:cNvCxnSpPr>
+            <a:stCxn id="73" idx="4"/>
+            <a:endCxn id="76" idx="0"/>
+          </p:cNvCxnSpPr>
+          <p:nvPr/>
+        </p:nvCxnSpPr>
+        <p:spPr>
+          <a:xfrm flipH="1">
+            <a:off x="2129222" y="5877272"/>
+            <a:ext cx="867669" cy="216024"/>
+          </a:xfrm>
+          <a:prstGeom prst="straightConnector1">
+            <a:avLst/>
+          </a:prstGeom>
+          <a:ln>
+            <a:solidFill>
+              <a:schemeClr val="tx1"/>
+            </a:solidFill>
+            <a:tailEnd type="triangle"/>
+          </a:ln>
+        </p:spPr>
+        <p:style>
+          <a:lnRef idx="1">
+            <a:schemeClr val="accent1"/>
+          </a:lnRef>
+          <a:fillRef idx="0">
+            <a:schemeClr val="accent1"/>
+          </a:fillRef>
+          <a:effectRef idx="0">
+            <a:schemeClr val="accent1"/>
+          </a:effectRef>
+          <a:fontRef idx="minor">
+            <a:schemeClr val="tx1"/>
+          </a:fontRef>
+        </p:style>
+      </p:cxnSp>
+      <p:sp>
+        <p:nvSpPr>
+          <p:cNvPr id="94" name="Oval 93"/>
+          <p:cNvSpPr/>
+          <p:nvPr/>
+        </p:nvSpPr>
+        <p:spPr>
+          <a:xfrm>
+            <a:off x="7321090" y="7389440"/>
+            <a:ext cx="1513949" cy="504056"/>
+          </a:xfrm>
+          <a:prstGeom prst="ellipse">
+            <a:avLst/>
+          </a:prstGeom>
+          <a:solidFill>
+            <a:schemeClr val="bg1"/>
+          </a:solidFill>
+          <a:ln w="6350">
+            <a:solidFill>
+              <a:schemeClr val="tx1"/>
+            </a:solidFill>
+          </a:ln>
+        </p:spPr>
+        <p:style>
+          <a:lnRef idx="2">
+            <a:schemeClr val="accent1">
+              <a:shade val="50000"/>
+            </a:schemeClr>
+          </a:lnRef>
+          <a:fillRef idx="1">
+            <a:schemeClr val="accent1"/>
+          </a:fillRef>
+          <a:effectRef idx="0">
+            <a:schemeClr val="accent1"/>
+          </a:effectRef>
+          <a:fontRef idx="minor">
+            <a:schemeClr val="lt1"/>
+          </a:fontRef>
+        </p:style>
+        <p:txBody>
+          <a:bodyPr rtlCol="0" anchor="ctr"/>
+          <a:lstStyle/>
+          <a:p>
+            <a:pPr algn="ctr"/>
+            <a:endParaRPr lang="en-NZ" sz="1600" dirty="0">
+              <a:ln>
+                <a:solidFill>
+                  <a:schemeClr val="tx1"/>
+                </a:solidFill>
+              </a:ln>
+              <a:solidFill>
+                <a:schemeClr val="tx1"/>
+              </a:solidFill>
+            </a:endParaRPr>
+          </a:p>
+        </p:txBody>
+      </p:sp>
+      <p:sp>
+        <p:nvSpPr>
+          <p:cNvPr id="95" name="Rectangle 94"/>
+          <p:cNvSpPr/>
+          <p:nvPr/>
+        </p:nvSpPr>
+        <p:spPr>
+          <a:xfrm>
+            <a:off x="7321091" y="7490764"/>
+            <a:ext cx="1404552" cy="307777"/>
+          </a:xfrm>
+          <a:prstGeom prst="rect">
+            <a:avLst/>
+          </a:prstGeom>
+        </p:spPr>
+        <p:txBody>
+          <a:bodyPr wrap="none">
+            <a:spAutoFit/>
+          </a:bodyPr>
+          <a:lstStyle/>
+          <a:p>
+            <a:r>
+              <a:rPr lang="is-IS" sz="1400" dirty="0"/>
+              <a:t>serv1016986607</a:t>
+            </a:r>
+            <a:endParaRPr lang="nn-NO" sz="1400" dirty="0"/>
+          </a:p>
+        </p:txBody>
+      </p:sp>
+      <p:sp>
+        <p:nvSpPr>
+          <p:cNvPr id="96" name="Oval 95"/>
+          <p:cNvSpPr/>
+          <p:nvPr/>
+        </p:nvSpPr>
+        <p:spPr>
+          <a:xfrm>
+            <a:off x="7218934" y="5661248"/>
+            <a:ext cx="1472617" cy="432048"/>
+          </a:xfrm>
+          <a:prstGeom prst="ellipse">
+            <a:avLst/>
+          </a:prstGeom>
+          <a:solidFill>
+            <a:schemeClr val="bg1"/>
+          </a:solidFill>
+          <a:ln w="6350">
+            <a:solidFill>
+              <a:schemeClr val="tx1"/>
+            </a:solidFill>
+          </a:ln>
+        </p:spPr>
+        <p:style>
+          <a:lnRef idx="2">
+            <a:schemeClr val="accent1">
+              <a:shade val="50000"/>
+            </a:schemeClr>
+          </a:lnRef>
+          <a:fillRef idx="1">
+            <a:schemeClr val="accent1"/>
+          </a:fillRef>
+          <a:effectRef idx="0">
+            <a:schemeClr val="accent1"/>
+          </a:effectRef>
+          <a:fontRef idx="minor">
+            <a:schemeClr val="lt1"/>
+          </a:fontRef>
+        </p:style>
+        <p:txBody>
+          <a:bodyPr rtlCol="0" anchor="ctr"/>
+          <a:lstStyle/>
+          <a:p>
+            <a:pPr algn="ctr"/>
+            <a:endParaRPr lang="en-NZ" sz="1600" dirty="0">
+              <a:ln>
+                <a:solidFill>
+                  <a:schemeClr val="tx1"/>
+                </a:solidFill>
+              </a:ln>
+              <a:solidFill>
+                <a:schemeClr val="tx1"/>
+              </a:solidFill>
+            </a:endParaRPr>
+          </a:p>
+        </p:txBody>
+      </p:sp>
+      <p:sp>
+        <p:nvSpPr>
+          <p:cNvPr id="97" name="Rectangle 96"/>
+          <p:cNvSpPr/>
+          <p:nvPr/>
+        </p:nvSpPr>
+        <p:spPr>
+          <a:xfrm>
+            <a:off x="7232046" y="5715087"/>
+            <a:ext cx="1313180" cy="307777"/>
+          </a:xfrm>
+          <a:prstGeom prst="rect">
+            <a:avLst/>
+          </a:prstGeom>
+        </p:spPr>
+        <p:txBody>
+          <a:bodyPr wrap="none">
+            <a:spAutoFit/>
+          </a:bodyPr>
+          <a:lstStyle/>
+          <a:p>
+            <a:r>
+              <a:rPr lang="is-IS" sz="1400" dirty="0">
+                <a:solidFill>
+                  <a:srgbClr val="FF0000"/>
+                </a:solidFill>
+              </a:rPr>
+              <a:t>serv739257675</a:t>
+            </a:r>
+            <a:endParaRPr lang="nn-NO" sz="1400" dirty="0">
+              <a:solidFill>
+                <a:srgbClr val="FF0000"/>
+              </a:solidFill>
+            </a:endParaRPr>
+          </a:p>
+        </p:txBody>
+      </p:sp>
+      <p:sp>
+        <p:nvSpPr>
+          <p:cNvPr id="98" name="Oval 97"/>
+          <p:cNvSpPr/>
+          <p:nvPr/>
+        </p:nvSpPr>
+        <p:spPr>
+          <a:xfrm>
+            <a:off x="5935902" y="7029400"/>
+            <a:ext cx="1541261" cy="432048"/>
+          </a:xfrm>
+          <a:prstGeom prst="ellipse">
+            <a:avLst/>
+          </a:prstGeom>
+          <a:solidFill>
+            <a:schemeClr val="bg1"/>
+          </a:solidFill>
+          <a:ln w="6350">
+            <a:solidFill>
+              <a:schemeClr val="tx1"/>
+            </a:solidFill>
+          </a:ln>
+        </p:spPr>
+        <p:style>
+          <a:lnRef idx="2">
+            <a:schemeClr val="accent1">
+              <a:shade val="50000"/>
+            </a:schemeClr>
+          </a:lnRef>
+          <a:fillRef idx="1">
+            <a:schemeClr val="accent1"/>
+          </a:fillRef>
+          <a:effectRef idx="0">
+            <a:schemeClr val="accent1"/>
+          </a:effectRef>
+          <a:fontRef idx="minor">
+            <a:schemeClr val="lt1"/>
+          </a:fontRef>
+        </p:style>
+        <p:txBody>
+          <a:bodyPr rtlCol="0" anchor="ctr"/>
+          <a:lstStyle/>
+          <a:p>
+            <a:pPr algn="ctr"/>
+            <a:endParaRPr lang="en-NZ" sz="1600" dirty="0">
+              <a:ln>
+                <a:solidFill>
+                  <a:schemeClr val="tx1"/>
+                </a:solidFill>
+              </a:ln>
+              <a:solidFill>
+                <a:schemeClr val="tx1"/>
+              </a:solidFill>
+            </a:endParaRPr>
+          </a:p>
+        </p:txBody>
+      </p:sp>
+      <p:sp>
+        <p:nvSpPr>
+          <p:cNvPr id="99" name="Rectangle 98"/>
+          <p:cNvSpPr/>
+          <p:nvPr/>
+        </p:nvSpPr>
+        <p:spPr>
+          <a:xfrm>
+            <a:off x="6007911" y="7101408"/>
+            <a:ext cx="1313180" cy="307777"/>
+          </a:xfrm>
+          <a:prstGeom prst="rect">
+            <a:avLst/>
+          </a:prstGeom>
+        </p:spPr>
+        <p:txBody>
+          <a:bodyPr wrap="none">
+            <a:spAutoFit/>
+          </a:bodyPr>
+          <a:lstStyle/>
+          <a:p>
+            <a:r>
+              <a:rPr lang="fi-FI" sz="1400" dirty="0">
+                <a:solidFill>
+                  <a:srgbClr val="FF0000"/>
+                </a:solidFill>
+              </a:rPr>
+              <a:t>serv878122141</a:t>
+            </a:r>
+            <a:endParaRPr lang="nn-NO" sz="1400" dirty="0">
+              <a:solidFill>
+                <a:srgbClr val="FF0000"/>
+              </a:solidFill>
+            </a:endParaRPr>
+          </a:p>
+        </p:txBody>
+      </p:sp>
+      <p:cxnSp>
+        <p:nvCxnSpPr>
+          <p:cNvPr id="101" name="Straight Arrow Connector 100"/>
+          <p:cNvCxnSpPr>
+            <a:stCxn id="82" idx="4"/>
+            <a:endCxn id="94" idx="0"/>
+          </p:cNvCxnSpPr>
+          <p:nvPr/>
+        </p:nvCxnSpPr>
+        <p:spPr>
+          <a:xfrm flipH="1">
+            <a:off x="8078065" y="6038262"/>
+            <a:ext cx="1472278" cy="1351178"/>
+          </a:xfrm>
+          <a:prstGeom prst="straightConnector1">
+            <a:avLst/>
+          </a:prstGeom>
+          <a:ln>
+            <a:solidFill>
+              <a:schemeClr val="tx1"/>
+            </a:solidFill>
+            <a:tailEnd type="triangle"/>
+          </a:ln>
+        </p:spPr>
+        <p:style>
+          <a:lnRef idx="1">
+            <a:schemeClr val="accent1"/>
+          </a:lnRef>
+          <a:fillRef idx="0">
+            <a:schemeClr val="accent1"/>
+          </a:fillRef>
+          <a:effectRef idx="0">
+            <a:schemeClr val="accent1"/>
+          </a:effectRef>
+          <a:fontRef idx="minor">
+            <a:schemeClr val="tx1"/>
+          </a:fontRef>
+        </p:style>
+      </p:cxnSp>
+      <p:cxnSp>
+        <p:nvCxnSpPr>
+          <p:cNvPr id="103" name="Straight Arrow Connector 102"/>
+          <p:cNvCxnSpPr>
+            <a:stCxn id="5" idx="4"/>
+            <a:endCxn id="96" idx="0"/>
+          </p:cNvCxnSpPr>
+          <p:nvPr/>
+        </p:nvCxnSpPr>
+        <p:spPr>
+          <a:xfrm>
+            <a:off x="7105067" y="5157192"/>
+            <a:ext cx="850176" cy="504056"/>
+          </a:xfrm>
+          <a:prstGeom prst="straightConnector1">
+            <a:avLst/>
+          </a:prstGeom>
+          <a:ln>
+            <a:solidFill>
+              <a:schemeClr val="tx1"/>
+            </a:solidFill>
+            <a:tailEnd type="triangle"/>
+          </a:ln>
+        </p:spPr>
+        <p:style>
+          <a:lnRef idx="1">
+            <a:schemeClr val="accent1"/>
+          </a:lnRef>
+          <a:fillRef idx="0">
+            <a:schemeClr val="accent1"/>
+          </a:fillRef>
+          <a:effectRef idx="0">
+            <a:schemeClr val="accent1"/>
+          </a:effectRef>
+          <a:fontRef idx="minor">
+            <a:schemeClr val="tx1"/>
+          </a:fontRef>
+        </p:style>
+      </p:cxnSp>
+      <p:cxnSp>
+        <p:nvCxnSpPr>
+          <p:cNvPr id="105" name="Straight Arrow Connector 104"/>
+          <p:cNvCxnSpPr>
+            <a:stCxn id="80" idx="4"/>
+            <a:endCxn id="98" idx="0"/>
+          </p:cNvCxnSpPr>
+          <p:nvPr/>
+        </p:nvCxnSpPr>
+        <p:spPr>
+          <a:xfrm flipH="1">
+            <a:off x="6706533" y="6525344"/>
+            <a:ext cx="109170" cy="504056"/>
+          </a:xfrm>
+          <a:prstGeom prst="straightConnector1">
+            <a:avLst/>
+          </a:prstGeom>
+          <a:ln>
+            <a:solidFill>
+              <a:schemeClr val="tx1"/>
+            </a:solidFill>
+            <a:tailEnd type="triangle"/>
+          </a:ln>
+        </p:spPr>
+        <p:style>
+          <a:lnRef idx="1">
+            <a:schemeClr val="accent1"/>
+          </a:lnRef>
+          <a:fillRef idx="0">
+            <a:schemeClr val="accent1"/>
+          </a:fillRef>
+          <a:effectRef idx="0">
+            <a:schemeClr val="accent1"/>
+          </a:effectRef>
+          <a:fontRef idx="minor">
+            <a:schemeClr val="tx1"/>
+          </a:fontRef>
+        </p:style>
+      </p:cxnSp>
+      <p:cxnSp>
+        <p:nvCxnSpPr>
+          <p:cNvPr id="110" name="Straight Arrow Connector 109"/>
+          <p:cNvCxnSpPr>
+            <a:stCxn id="96" idx="4"/>
+            <a:endCxn id="98" idx="0"/>
+          </p:cNvCxnSpPr>
+          <p:nvPr/>
+        </p:nvCxnSpPr>
+        <p:spPr>
+          <a:xfrm flipH="1">
+            <a:off x="6706533" y="6093296"/>
+            <a:ext cx="1248710" cy="936104"/>
+          </a:xfrm>
+          <a:prstGeom prst="straightConnector1">
+            <a:avLst/>
+          </a:prstGeom>
+          <a:ln>
+            <a:solidFill>
+              <a:schemeClr val="tx1"/>
+            </a:solidFill>
+            <a:tailEnd type="triangle"/>
+          </a:ln>
+        </p:spPr>
+        <p:style>
+          <a:lnRef idx="1">
+            <a:schemeClr val="accent1"/>
+          </a:lnRef>
+          <a:fillRef idx="0">
+            <a:schemeClr val="accent1"/>
+          </a:fillRef>
+          <a:effectRef idx="0">
+            <a:schemeClr val="accent1"/>
+          </a:effectRef>
+          <a:fontRef idx="minor">
+            <a:schemeClr val="tx1"/>
+          </a:fontRef>
+        </p:style>
+      </p:cxnSp>
+      <p:cxnSp>
+        <p:nvCxnSpPr>
+          <p:cNvPr id="112" name="Straight Arrow Connector 111"/>
+          <p:cNvCxnSpPr>
+            <a:stCxn id="78" idx="4"/>
+            <a:endCxn id="98" idx="0"/>
+          </p:cNvCxnSpPr>
+          <p:nvPr/>
+        </p:nvCxnSpPr>
+        <p:spPr>
+          <a:xfrm>
+            <a:off x="5694342" y="6093296"/>
+            <a:ext cx="1012191" cy="936104"/>
+          </a:xfrm>
+          <a:prstGeom prst="straightConnector1">
+            <a:avLst/>
+          </a:prstGeom>
+          <a:ln>
+            <a:solidFill>
+              <a:schemeClr val="tx1"/>
+            </a:solidFill>
+            <a:tailEnd type="triangle"/>
+          </a:ln>
+        </p:spPr>
+        <p:style>
+          <a:lnRef idx="1">
+            <a:schemeClr val="accent1"/>
+          </a:lnRef>
+          <a:fillRef idx="0">
+            <a:schemeClr val="accent1"/>
+          </a:fillRef>
+          <a:effectRef idx="0">
+            <a:schemeClr val="accent1"/>
+          </a:effectRef>
+          <a:fontRef idx="minor">
+            <a:schemeClr val="tx1"/>
+          </a:fontRef>
+        </p:style>
+      </p:cxnSp>
+      <p:sp>
+        <p:nvSpPr>
+          <p:cNvPr id="113" name="Oval 112"/>
+          <p:cNvSpPr/>
+          <p:nvPr/>
+        </p:nvSpPr>
+        <p:spPr>
+          <a:xfrm>
+            <a:off x="5952939" y="7749480"/>
+            <a:ext cx="1409134" cy="432048"/>
+          </a:xfrm>
+          <a:prstGeom prst="ellipse">
+            <a:avLst/>
+          </a:prstGeom>
+          <a:solidFill>
+            <a:schemeClr val="bg1"/>
+          </a:solidFill>
+          <a:ln w="6350">
+            <a:solidFill>
+              <a:schemeClr val="tx1"/>
+            </a:solidFill>
+          </a:ln>
+        </p:spPr>
+        <p:style>
+          <a:lnRef idx="2">
+            <a:schemeClr val="accent1">
+              <a:shade val="50000"/>
+            </a:schemeClr>
+          </a:lnRef>
+          <a:fillRef idx="1">
+            <a:schemeClr val="accent1"/>
+          </a:fillRef>
+          <a:effectRef idx="0">
+            <a:schemeClr val="accent1"/>
+          </a:effectRef>
+          <a:fontRef idx="minor">
+            <a:schemeClr val="lt1"/>
+          </a:fontRef>
+        </p:style>
+        <p:txBody>
+          <a:bodyPr rtlCol="0" anchor="ctr"/>
+          <a:lstStyle/>
+          <a:p>
+            <a:pPr algn="ctr"/>
+            <a:endParaRPr lang="en-NZ" sz="1600" dirty="0">
+              <a:ln>
+                <a:solidFill>
+                  <a:schemeClr val="tx1"/>
+                </a:solidFill>
+              </a:ln>
+              <a:solidFill>
+                <a:schemeClr val="tx1"/>
+              </a:solidFill>
+            </a:endParaRPr>
+          </a:p>
+        </p:txBody>
+      </p:sp>
+      <p:sp>
+        <p:nvSpPr>
+          <p:cNvPr id="114" name="Rectangle 113"/>
+          <p:cNvSpPr/>
+          <p:nvPr/>
+        </p:nvSpPr>
+        <p:spPr>
+          <a:xfrm>
+            <a:off x="5988547" y="7821488"/>
+            <a:ext cx="1313180" cy="307777"/>
+          </a:xfrm>
+          <a:prstGeom prst="rect">
+            <a:avLst/>
+          </a:prstGeom>
+        </p:spPr>
+        <p:txBody>
+          <a:bodyPr wrap="none">
+            <a:spAutoFit/>
+          </a:bodyPr>
+          <a:lstStyle/>
+          <a:p>
+            <a:r>
+              <a:rPr lang="cs-CZ" sz="1400" dirty="0">
+                <a:solidFill>
+                  <a:srgbClr val="FF0000"/>
+                </a:solidFill>
+              </a:rPr>
+              <a:t>serv947554374</a:t>
+            </a:r>
+            <a:endParaRPr lang="nn-NO" sz="1400" dirty="0">
+              <a:solidFill>
+                <a:srgbClr val="FF0000"/>
+              </a:solidFill>
+            </a:endParaRPr>
+          </a:p>
+        </p:txBody>
+      </p:sp>
+      <p:cxnSp>
+        <p:nvCxnSpPr>
+          <p:cNvPr id="116" name="Straight Arrow Connector 115"/>
+          <p:cNvCxnSpPr>
+            <a:stCxn id="94" idx="4"/>
+            <a:endCxn id="7" idx="0"/>
+          </p:cNvCxnSpPr>
+          <p:nvPr/>
+        </p:nvCxnSpPr>
+        <p:spPr>
+          <a:xfrm flipH="1">
+            <a:off x="6601011" y="7893496"/>
+            <a:ext cx="1477054" cy="648072"/>
+          </a:xfrm>
+          <a:prstGeom prst="straightConnector1">
+            <a:avLst/>
+          </a:prstGeom>
+          <a:ln>
+            <a:solidFill>
+              <a:schemeClr val="tx1"/>
+            </a:solidFill>
+            <a:tailEnd type="triangle"/>
+          </a:ln>
+        </p:spPr>
+        <p:style>
+          <a:lnRef idx="1">
+            <a:schemeClr val="accent1"/>
+          </a:lnRef>
+          <a:fillRef idx="0">
+            <a:schemeClr val="accent1"/>
+          </a:fillRef>
+          <a:effectRef idx="0">
+            <a:schemeClr val="accent1"/>
+          </a:effectRef>
+          <a:fontRef idx="minor">
+            <a:schemeClr val="tx1"/>
+          </a:fontRef>
+        </p:style>
+      </p:cxnSp>
+      <p:cxnSp>
+        <p:nvCxnSpPr>
+          <p:cNvPr id="118" name="Straight Arrow Connector 117"/>
+          <p:cNvCxnSpPr>
+            <a:stCxn id="98" idx="4"/>
+            <a:endCxn id="113" idx="0"/>
+          </p:cNvCxnSpPr>
+          <p:nvPr/>
+        </p:nvCxnSpPr>
+        <p:spPr>
+          <a:xfrm flipH="1">
+            <a:off x="6657506" y="7461448"/>
+            <a:ext cx="49027" cy="288032"/>
+          </a:xfrm>
+          <a:prstGeom prst="straightConnector1">
+            <a:avLst/>
+          </a:prstGeom>
+          <a:ln>
+            <a:solidFill>
+              <a:schemeClr val="tx1"/>
+            </a:solidFill>
+            <a:tailEnd type="triangle"/>
+          </a:ln>
+        </p:spPr>
+        <p:style>
+          <a:lnRef idx="1">
+            <a:schemeClr val="accent1"/>
+          </a:lnRef>
+          <a:fillRef idx="0">
+            <a:schemeClr val="accent1"/>
+          </a:fillRef>
+          <a:effectRef idx="0">
+            <a:schemeClr val="accent1"/>
+          </a:effectRef>
+          <a:fontRef idx="minor">
+            <a:schemeClr val="tx1"/>
+          </a:fontRef>
+        </p:style>
+      </p:cxnSp>
+      <p:cxnSp>
+        <p:nvCxnSpPr>
+          <p:cNvPr id="120" name="Straight Arrow Connector 119"/>
+          <p:cNvCxnSpPr>
+            <a:stCxn id="113" idx="4"/>
+            <a:endCxn id="7" idx="0"/>
+          </p:cNvCxnSpPr>
+          <p:nvPr/>
+        </p:nvCxnSpPr>
+        <p:spPr>
+          <a:xfrm flipH="1">
+            <a:off x="6601011" y="8181528"/>
+            <a:ext cx="56495" cy="360040"/>
+          </a:xfrm>
+          <a:prstGeom prst="straightConnector1">
+            <a:avLst/>
+          </a:prstGeom>
+          <a:ln>
+            <a:solidFill>
+              <a:schemeClr val="tx1"/>
+            </a:solidFill>
+            <a:tailEnd type="triangle"/>
+          </a:ln>
+        </p:spPr>
+        <p:style>
+          <a:lnRef idx="1">
+            <a:schemeClr val="accent1"/>
+          </a:lnRef>
+          <a:fillRef idx="0">
+            <a:schemeClr val="accent1"/>
+          </a:fillRef>
+          <a:effectRef idx="0">
+            <a:schemeClr val="accent1"/>
+          </a:effectRef>
+          <a:fontRef idx="minor">
+            <a:schemeClr val="tx1"/>
+          </a:fontRef>
+        </p:style>
+      </p:cxnSp>
+      <p:cxnSp>
+        <p:nvCxnSpPr>
+          <p:cNvPr id="122" name="Straight Arrow Connector 121"/>
+          <p:cNvCxnSpPr>
+            <a:stCxn id="76" idx="4"/>
+            <a:endCxn id="7" idx="0"/>
+          </p:cNvCxnSpPr>
+          <p:nvPr/>
+        </p:nvCxnSpPr>
+        <p:spPr>
+          <a:xfrm>
+            <a:off x="2129222" y="6525344"/>
+            <a:ext cx="4471789" cy="2016224"/>
+          </a:xfrm>
+          <a:prstGeom prst="straightConnector1">
+            <a:avLst/>
+          </a:prstGeom>
+          <a:ln>
+            <a:solidFill>
+              <a:schemeClr val="tx1"/>
+            </a:solidFill>
+            <a:tailEnd type="triangle"/>
+          </a:ln>
+        </p:spPr>
+        <p:style>
+          <a:lnRef idx="1">
+            <a:schemeClr val="accent1"/>
+          </a:lnRef>
+          <a:fillRef idx="0">
+            <a:schemeClr val="accent1"/>
+          </a:fillRef>
+          <a:effectRef idx="0">
+            <a:schemeClr val="accent1"/>
+          </a:effectRef>
+          <a:fontRef idx="minor">
+            <a:schemeClr val="tx1"/>
+          </a:fontRef>
+        </p:style>
+      </p:cxnSp>
+      <p:sp>
+        <p:nvSpPr>
+          <p:cNvPr id="262" name="Oval 261"/>
+          <p:cNvSpPr/>
+          <p:nvPr/>
+        </p:nvSpPr>
+        <p:spPr>
+          <a:xfrm>
+            <a:off x="6673019" y="-87090"/>
+            <a:ext cx="864096" cy="432048"/>
+          </a:xfrm>
+          <a:prstGeom prst="ellipse">
+            <a:avLst/>
+          </a:prstGeom>
+          <a:solidFill>
+            <a:schemeClr val="bg1"/>
+          </a:solidFill>
+          <a:ln w="6350">
+            <a:solidFill>
+              <a:schemeClr val="tx1"/>
+            </a:solidFill>
+          </a:ln>
+        </p:spPr>
+        <p:style>
+          <a:lnRef idx="2">
+            <a:schemeClr val="accent1">
+              <a:shade val="50000"/>
+            </a:schemeClr>
+          </a:lnRef>
+          <a:fillRef idx="1">
+            <a:schemeClr val="accent1"/>
+          </a:fillRef>
+          <a:effectRef idx="0">
+            <a:schemeClr val="accent1"/>
+          </a:effectRef>
+          <a:fontRef idx="minor">
+            <a:schemeClr val="lt1"/>
+          </a:fontRef>
+        </p:style>
+        <p:txBody>
+          <a:bodyPr rtlCol="0" anchor="ctr"/>
+          <a:lstStyle/>
+          <a:p>
+            <a:pPr algn="ctr"/>
+            <a:endParaRPr lang="en-NZ" sz="1600" dirty="0">
+              <a:ln>
+                <a:solidFill>
+                  <a:schemeClr val="tx1"/>
+                </a:solidFill>
+              </a:ln>
+              <a:solidFill>
+                <a:schemeClr val="tx1"/>
+              </a:solidFill>
+            </a:endParaRPr>
+          </a:p>
+        </p:txBody>
+      </p:sp>
+      <p:sp>
+        <p:nvSpPr>
+          <p:cNvPr id="263" name="Oval 262"/>
+          <p:cNvSpPr/>
+          <p:nvPr/>
+        </p:nvSpPr>
+        <p:spPr>
+          <a:xfrm>
+            <a:off x="6199741" y="3720728"/>
+            <a:ext cx="864096" cy="432048"/>
+          </a:xfrm>
+          <a:prstGeom prst="ellipse">
+            <a:avLst/>
+          </a:prstGeom>
+          <a:solidFill>
+            <a:schemeClr val="bg1"/>
+          </a:solidFill>
+          <a:ln w="6350">
+            <a:solidFill>
+              <a:schemeClr val="tx1"/>
+            </a:solidFill>
+          </a:ln>
+        </p:spPr>
+        <p:style>
+          <a:lnRef idx="2">
+            <a:schemeClr val="accent1">
+              <a:shade val="50000"/>
+            </a:schemeClr>
+          </a:lnRef>
+          <a:fillRef idx="1">
+            <a:schemeClr val="accent1"/>
+          </a:fillRef>
+          <a:effectRef idx="0">
+            <a:schemeClr val="accent1"/>
+          </a:effectRef>
+          <a:fontRef idx="minor">
+            <a:schemeClr val="lt1"/>
+          </a:fontRef>
+        </p:style>
+        <p:txBody>
+          <a:bodyPr rtlCol="0" anchor="ctr"/>
+          <a:lstStyle/>
+          <a:p>
+            <a:pPr algn="ctr"/>
+            <a:endParaRPr lang="en-NZ" sz="1600" dirty="0">
+              <a:ln>
+                <a:solidFill>
+                  <a:schemeClr val="tx1"/>
+                </a:solidFill>
+              </a:ln>
+              <a:solidFill>
+                <a:srgbClr val="00B050"/>
+              </a:solidFill>
+            </a:endParaRPr>
+          </a:p>
+        </p:txBody>
+      </p:sp>
+      <p:sp>
+        <p:nvSpPr>
+          <p:cNvPr id="264" name="Oval 263"/>
+          <p:cNvSpPr/>
+          <p:nvPr/>
+        </p:nvSpPr>
+        <p:spPr>
+          <a:xfrm>
+            <a:off x="2982608" y="1209054"/>
+            <a:ext cx="1616024" cy="432048"/>
+          </a:xfrm>
+          <a:prstGeom prst="ellipse">
+            <a:avLst/>
+          </a:prstGeom>
+          <a:solidFill>
+            <a:schemeClr val="bg1"/>
+          </a:solidFill>
+          <a:ln w="6350">
+            <a:solidFill>
+              <a:schemeClr val="tx1"/>
+            </a:solidFill>
+          </a:ln>
+        </p:spPr>
+        <p:style>
+          <a:lnRef idx="2">
+            <a:schemeClr val="accent1">
+              <a:shade val="50000"/>
+            </a:schemeClr>
+          </a:lnRef>
+          <a:fillRef idx="1">
+            <a:schemeClr val="accent1"/>
+          </a:fillRef>
+          <a:effectRef idx="0">
+            <a:schemeClr val="accent1"/>
+          </a:effectRef>
+          <a:fontRef idx="minor">
+            <a:schemeClr val="lt1"/>
+          </a:fontRef>
+        </p:style>
+        <p:txBody>
+          <a:bodyPr rtlCol="0" anchor="ctr"/>
+          <a:lstStyle/>
+          <a:p>
+            <a:pPr algn="ctr"/>
+            <a:endParaRPr lang="en-NZ" sz="1600" dirty="0">
+              <a:ln>
+                <a:solidFill>
+                  <a:schemeClr val="tx1"/>
+                </a:solidFill>
+              </a:ln>
+              <a:solidFill>
+                <a:schemeClr val="tx1"/>
+              </a:solidFill>
+            </a:endParaRPr>
+          </a:p>
+        </p:txBody>
+      </p:sp>
+      <p:cxnSp>
+        <p:nvCxnSpPr>
+          <p:cNvPr id="265" name="Straight Arrow Connector 264"/>
+          <p:cNvCxnSpPr>
+            <a:stCxn id="265" idx="4"/>
+            <a:endCxn id="268" idx="0"/>
+          </p:cNvCxnSpPr>
+          <p:nvPr/>
+        </p:nvCxnSpPr>
+        <p:spPr>
+          <a:xfrm flipH="1">
+            <a:off x="3675488" y="344958"/>
+            <a:ext cx="3429579" cy="864096"/>
+          </a:xfrm>
+          <a:prstGeom prst="straightConnector1">
+            <a:avLst/>
+          </a:prstGeom>
+          <a:ln>
+            <a:solidFill>
+              <a:schemeClr val="tx1"/>
+            </a:solidFill>
+            <a:tailEnd type="arrow"/>
+          </a:ln>
+        </p:spPr>
+        <p:style>
+          <a:lnRef idx="1">
+            <a:schemeClr val="accent1"/>
+          </a:lnRef>
+          <a:fillRef idx="0">
+            <a:schemeClr val="accent1"/>
+          </a:fillRef>
+          <a:effectRef idx="0">
+            <a:schemeClr val="accent1"/>
+          </a:effectRef>
+          <a:fontRef idx="minor">
+            <a:schemeClr val="tx1"/>
+          </a:fontRef>
+        </p:style>
+      </p:cxnSp>
+      <p:cxnSp>
+        <p:nvCxnSpPr>
+          <p:cNvPr id="266" name="Straight Arrow Connector 265"/>
+          <p:cNvCxnSpPr>
+            <a:stCxn id="268" idx="4"/>
+          </p:cNvCxnSpPr>
+          <p:nvPr/>
+        </p:nvCxnSpPr>
+        <p:spPr>
+          <a:xfrm>
+            <a:off x="3675488" y="1641102"/>
+            <a:ext cx="2953009" cy="576064"/>
+          </a:xfrm>
+          <a:prstGeom prst="straightConnector1">
+            <a:avLst/>
+          </a:prstGeom>
+          <a:ln>
+            <a:solidFill>
+              <a:schemeClr val="tx1"/>
+            </a:solidFill>
+            <a:tailEnd type="arrow"/>
+          </a:ln>
+        </p:spPr>
+        <p:style>
+          <a:lnRef idx="1">
+            <a:schemeClr val="accent1"/>
+          </a:lnRef>
+          <a:fillRef idx="0">
+            <a:schemeClr val="accent1"/>
+          </a:fillRef>
+          <a:effectRef idx="0">
+            <a:schemeClr val="accent1"/>
+          </a:effectRef>
+          <a:fontRef idx="minor">
+            <a:schemeClr val="tx1"/>
+          </a:fontRef>
+        </p:style>
+      </p:cxnSp>
+      <p:sp>
+        <p:nvSpPr>
+          <p:cNvPr id="267" name="Rectangle 266"/>
+          <p:cNvSpPr/>
+          <p:nvPr/>
+        </p:nvSpPr>
+        <p:spPr>
+          <a:xfrm>
+            <a:off x="6857953" y="-15082"/>
+            <a:ext cx="535146" cy="307777"/>
+          </a:xfrm>
+          <a:prstGeom prst="rect">
+            <a:avLst/>
+          </a:prstGeom>
+        </p:spPr>
+        <p:txBody>
+          <a:bodyPr wrap="none">
+            <a:spAutoFit/>
+          </a:bodyPr>
+          <a:lstStyle/>
+          <a:p>
+            <a:r>
+              <a:rPr lang="nn-NO" sz="1400" dirty="0"/>
+              <a:t>Start</a:t>
+            </a:r>
+            <a:endParaRPr lang="nn-NO" sz="1200" dirty="0"/>
+          </a:p>
+        </p:txBody>
+      </p:sp>
+      <p:sp>
+        <p:nvSpPr>
+          <p:cNvPr id="268" name="Rectangle 267"/>
+          <p:cNvSpPr/>
+          <p:nvPr/>
+        </p:nvSpPr>
+        <p:spPr>
+          <a:xfrm>
+            <a:off x="3000611" y="1253220"/>
+            <a:ext cx="1404552" cy="307777"/>
+          </a:xfrm>
+          <a:prstGeom prst="rect">
+            <a:avLst/>
+          </a:prstGeom>
+        </p:spPr>
+        <p:txBody>
+          <a:bodyPr wrap="none">
+            <a:spAutoFit/>
+          </a:bodyPr>
+          <a:lstStyle/>
+          <a:p>
+            <a:r>
+              <a:rPr lang="tr-TR" sz="1400" dirty="0"/>
+              <a:t>serv2124625285</a:t>
+            </a:r>
+            <a:endParaRPr lang="nn-NO" sz="1400" dirty="0"/>
+          </a:p>
+        </p:txBody>
+      </p:sp>
+      <p:sp>
+        <p:nvSpPr>
+          <p:cNvPr id="269" name="Rectangle 268"/>
+          <p:cNvSpPr/>
+          <p:nvPr/>
+        </p:nvSpPr>
+        <p:spPr>
+          <a:xfrm>
+            <a:off x="6406475" y="3768186"/>
+            <a:ext cx="461986" cy="307777"/>
+          </a:xfrm>
+          <a:prstGeom prst="rect">
+            <a:avLst/>
+          </a:prstGeom>
+        </p:spPr>
+        <p:txBody>
+          <a:bodyPr wrap="none">
+            <a:spAutoFit/>
+          </a:bodyPr>
+          <a:lstStyle/>
+          <a:p>
+            <a:r>
+              <a:rPr lang="nn-NO" sz="1400" b="1" dirty="0" smtClean="0">
+                <a:solidFill>
+                  <a:schemeClr val="accent3">
+                    <a:lumMod val="75000"/>
+                  </a:schemeClr>
+                </a:solidFill>
+              </a:rPr>
+              <a:t>End</a:t>
+            </a:r>
+            <a:endParaRPr lang="nn-NO" sz="1200" b="1" dirty="0">
+              <a:solidFill>
+                <a:schemeClr val="accent3">
+                  <a:lumMod val="75000"/>
+                </a:schemeClr>
+              </a:solidFill>
+            </a:endParaRPr>
+          </a:p>
+        </p:txBody>
+      </p:sp>
+      <p:sp>
+        <p:nvSpPr>
+          <p:cNvPr id="270" name="Oval 269"/>
+          <p:cNvSpPr/>
+          <p:nvPr/>
+        </p:nvSpPr>
+        <p:spPr>
+          <a:xfrm>
+            <a:off x="2273090" y="632990"/>
+            <a:ext cx="1775510" cy="432048"/>
+          </a:xfrm>
+          <a:prstGeom prst="ellipse">
+            <a:avLst/>
+          </a:prstGeom>
+          <a:solidFill>
+            <a:schemeClr val="bg1"/>
+          </a:solidFill>
+          <a:ln w="6350">
+            <a:solidFill>
+              <a:schemeClr val="tx1"/>
+            </a:solidFill>
+          </a:ln>
+        </p:spPr>
+        <p:style>
+          <a:lnRef idx="2">
+            <a:schemeClr val="accent1">
+              <a:shade val="50000"/>
+            </a:schemeClr>
+          </a:lnRef>
+          <a:fillRef idx="1">
+            <a:schemeClr val="accent1"/>
+          </a:fillRef>
+          <a:effectRef idx="0">
+            <a:schemeClr val="accent1"/>
+          </a:effectRef>
+          <a:fontRef idx="minor">
+            <a:schemeClr val="lt1"/>
+          </a:fontRef>
+        </p:style>
+        <p:txBody>
+          <a:bodyPr rtlCol="0" anchor="ctr"/>
+          <a:lstStyle/>
+          <a:p>
+            <a:pPr algn="ctr"/>
+            <a:endParaRPr lang="en-NZ" sz="1600" dirty="0">
+              <a:ln>
+                <a:solidFill>
+                  <a:schemeClr val="tx1"/>
+                </a:solidFill>
+              </a:ln>
+              <a:solidFill>
+                <a:schemeClr val="tx1"/>
+              </a:solidFill>
+            </a:endParaRPr>
+          </a:p>
+        </p:txBody>
+      </p:sp>
+      <p:sp>
+        <p:nvSpPr>
+          <p:cNvPr id="271" name="Rectangle 270"/>
+          <p:cNvSpPr/>
+          <p:nvPr/>
+        </p:nvSpPr>
+        <p:spPr>
+          <a:xfrm>
+            <a:off x="2308698" y="704998"/>
+            <a:ext cx="1404552" cy="307777"/>
+          </a:xfrm>
+          <a:prstGeom prst="rect">
+            <a:avLst/>
+          </a:prstGeom>
+        </p:spPr>
+        <p:txBody>
+          <a:bodyPr wrap="none">
+            <a:spAutoFit/>
+          </a:bodyPr>
+          <a:lstStyle/>
+          <a:p>
+            <a:r>
+              <a:rPr lang="is-IS" sz="1400" dirty="0"/>
+              <a:t>serv1779102626</a:t>
+            </a:r>
+            <a:endParaRPr lang="nn-NO" sz="1400" dirty="0"/>
+          </a:p>
+        </p:txBody>
+      </p:sp>
+      <p:cxnSp>
+        <p:nvCxnSpPr>
+          <p:cNvPr id="272" name="Straight Arrow Connector 271"/>
+          <p:cNvCxnSpPr>
+            <a:stCxn id="265" idx="4"/>
+          </p:cNvCxnSpPr>
+          <p:nvPr/>
+        </p:nvCxnSpPr>
+        <p:spPr>
+          <a:xfrm flipH="1">
+            <a:off x="2996891" y="344958"/>
+            <a:ext cx="4108176" cy="288032"/>
+          </a:xfrm>
+          <a:prstGeom prst="straightConnector1">
+            <a:avLst/>
+          </a:prstGeom>
+          <a:ln>
+            <a:solidFill>
+              <a:schemeClr val="tx1"/>
+            </a:solidFill>
+            <a:tailEnd type="triangle"/>
+          </a:ln>
+        </p:spPr>
+        <p:style>
+          <a:lnRef idx="1">
+            <a:schemeClr val="accent1"/>
+          </a:lnRef>
+          <a:fillRef idx="0">
+            <a:schemeClr val="accent1"/>
+          </a:fillRef>
+          <a:effectRef idx="0">
+            <a:schemeClr val="accent1"/>
+          </a:effectRef>
+          <a:fontRef idx="minor">
+            <a:schemeClr val="tx1"/>
+          </a:fontRef>
+        </p:style>
+      </p:cxnSp>
+      <p:sp>
+        <p:nvSpPr>
+          <p:cNvPr id="273" name="Oval 272"/>
+          <p:cNvSpPr/>
+          <p:nvPr/>
+        </p:nvSpPr>
+        <p:spPr>
+          <a:xfrm>
+            <a:off x="1308027" y="1281062"/>
+            <a:ext cx="1545838" cy="432048"/>
+          </a:xfrm>
+          <a:prstGeom prst="ellipse">
+            <a:avLst/>
+          </a:prstGeom>
+          <a:solidFill>
+            <a:schemeClr val="bg1"/>
+          </a:solidFill>
+          <a:ln w="6350">
+            <a:solidFill>
+              <a:schemeClr val="tx1"/>
+            </a:solidFill>
+          </a:ln>
+        </p:spPr>
+        <p:style>
+          <a:lnRef idx="2">
+            <a:schemeClr val="accent1">
+              <a:shade val="50000"/>
+            </a:schemeClr>
+          </a:lnRef>
+          <a:fillRef idx="1">
+            <a:schemeClr val="accent1"/>
+          </a:fillRef>
+          <a:effectRef idx="0">
+            <a:schemeClr val="accent1"/>
+          </a:effectRef>
+          <a:fontRef idx="minor">
+            <a:schemeClr val="lt1"/>
+          </a:fontRef>
+        </p:style>
+        <p:txBody>
+          <a:bodyPr rtlCol="0" anchor="ctr"/>
+          <a:lstStyle/>
+          <a:p>
+            <a:pPr algn="ctr"/>
+            <a:endParaRPr lang="en-NZ" sz="1600" dirty="0">
+              <a:ln>
+                <a:solidFill>
+                  <a:schemeClr val="tx1"/>
+                </a:solidFill>
+              </a:ln>
+              <a:solidFill>
+                <a:schemeClr val="tx1"/>
+              </a:solidFill>
+            </a:endParaRPr>
+          </a:p>
+        </p:txBody>
+      </p:sp>
+      <p:sp>
+        <p:nvSpPr>
+          <p:cNvPr id="274" name="Rectangle 273"/>
+          <p:cNvSpPr/>
+          <p:nvPr/>
+        </p:nvSpPr>
+        <p:spPr>
+          <a:xfrm>
+            <a:off x="1308027" y="1329285"/>
+            <a:ext cx="1404552" cy="307777"/>
+          </a:xfrm>
+          <a:prstGeom prst="rect">
+            <a:avLst/>
+          </a:prstGeom>
+        </p:spPr>
+        <p:txBody>
+          <a:bodyPr wrap="none">
+            <a:spAutoFit/>
+          </a:bodyPr>
+          <a:lstStyle/>
+          <a:p>
+            <a:r>
+              <a:rPr lang="is-IS" sz="1400" dirty="0"/>
+              <a:t>serv1086418840</a:t>
+            </a:r>
+            <a:endParaRPr lang="nn-NO" sz="1400" dirty="0"/>
+          </a:p>
+        </p:txBody>
+      </p:sp>
+      <p:sp>
+        <p:nvSpPr>
+          <p:cNvPr id="275" name="Oval 274"/>
+          <p:cNvSpPr/>
+          <p:nvPr/>
+        </p:nvSpPr>
+        <p:spPr>
+          <a:xfrm>
+            <a:off x="4908427" y="849014"/>
+            <a:ext cx="1498048" cy="432048"/>
+          </a:xfrm>
+          <a:prstGeom prst="ellipse">
+            <a:avLst/>
+          </a:prstGeom>
+          <a:solidFill>
+            <a:schemeClr val="bg1"/>
+          </a:solidFill>
+          <a:ln w="6350">
+            <a:solidFill>
+              <a:schemeClr val="tx1"/>
+            </a:solidFill>
+          </a:ln>
+        </p:spPr>
+        <p:style>
+          <a:lnRef idx="2">
+            <a:schemeClr val="accent1">
+              <a:shade val="50000"/>
+            </a:schemeClr>
+          </a:lnRef>
+          <a:fillRef idx="1">
+            <a:schemeClr val="accent1"/>
+          </a:fillRef>
+          <a:effectRef idx="0">
+            <a:schemeClr val="accent1"/>
+          </a:effectRef>
+          <a:fontRef idx="minor">
+            <a:schemeClr val="lt1"/>
+          </a:fontRef>
+        </p:style>
+        <p:txBody>
+          <a:bodyPr rtlCol="0" anchor="ctr"/>
+          <a:lstStyle/>
+          <a:p>
+            <a:pPr algn="ctr"/>
+            <a:endParaRPr lang="en-NZ" sz="1600" dirty="0">
+              <a:ln>
+                <a:solidFill>
+                  <a:schemeClr val="tx1"/>
+                </a:solidFill>
+              </a:ln>
+              <a:solidFill>
+                <a:schemeClr val="tx1"/>
+              </a:solidFill>
+            </a:endParaRPr>
+          </a:p>
+        </p:txBody>
+      </p:sp>
+      <p:sp>
+        <p:nvSpPr>
+          <p:cNvPr id="276" name="Rectangle 275"/>
+          <p:cNvSpPr/>
+          <p:nvPr/>
+        </p:nvSpPr>
+        <p:spPr>
+          <a:xfrm>
+            <a:off x="4908427" y="921022"/>
+            <a:ext cx="1404552" cy="307777"/>
+          </a:xfrm>
+          <a:prstGeom prst="rect">
+            <a:avLst/>
+          </a:prstGeom>
+        </p:spPr>
+        <p:txBody>
+          <a:bodyPr wrap="none">
+            <a:spAutoFit/>
+          </a:bodyPr>
+          <a:lstStyle/>
+          <a:p>
+            <a:r>
+              <a:rPr lang="is-IS" sz="1400" dirty="0"/>
+              <a:t>serv1570805927</a:t>
+            </a:r>
+            <a:endParaRPr lang="nn-NO" sz="1400" dirty="0"/>
+          </a:p>
+        </p:txBody>
+      </p:sp>
+      <p:sp>
+        <p:nvSpPr>
+          <p:cNvPr id="277" name="Oval 276"/>
+          <p:cNvSpPr/>
+          <p:nvPr/>
+        </p:nvSpPr>
+        <p:spPr>
+          <a:xfrm>
+            <a:off x="6096954" y="1281062"/>
+            <a:ext cx="1391369" cy="432048"/>
+          </a:xfrm>
+          <a:prstGeom prst="ellipse">
+            <a:avLst/>
+          </a:prstGeom>
+          <a:solidFill>
+            <a:schemeClr val="bg1"/>
+          </a:solidFill>
+          <a:ln w="6350">
+            <a:solidFill>
+              <a:schemeClr val="tx1"/>
+            </a:solidFill>
+          </a:ln>
+        </p:spPr>
+        <p:style>
+          <a:lnRef idx="2">
+            <a:schemeClr val="accent1">
+              <a:shade val="50000"/>
+            </a:schemeClr>
+          </a:lnRef>
+          <a:fillRef idx="1">
+            <a:schemeClr val="accent1"/>
+          </a:fillRef>
+          <a:effectRef idx="0">
+            <a:schemeClr val="accent1"/>
+          </a:effectRef>
+          <a:fontRef idx="minor">
+            <a:schemeClr val="lt1"/>
+          </a:fontRef>
+        </p:style>
+        <p:txBody>
+          <a:bodyPr rtlCol="0" anchor="ctr"/>
+          <a:lstStyle/>
+          <a:p>
+            <a:pPr algn="ctr"/>
+            <a:endParaRPr lang="en-NZ" sz="1600" dirty="0">
+              <a:ln>
+                <a:solidFill>
+                  <a:schemeClr val="tx1"/>
+                </a:solidFill>
+              </a:ln>
+              <a:solidFill>
+                <a:schemeClr val="tx1"/>
+              </a:solidFill>
+            </a:endParaRPr>
+          </a:p>
+        </p:txBody>
+      </p:sp>
+      <p:sp>
+        <p:nvSpPr>
+          <p:cNvPr id="278" name="Rectangle 277"/>
+          <p:cNvSpPr/>
+          <p:nvPr/>
+        </p:nvSpPr>
+        <p:spPr>
+          <a:xfrm>
+            <a:off x="6163984" y="1353070"/>
+            <a:ext cx="1313180" cy="307777"/>
+          </a:xfrm>
+          <a:prstGeom prst="rect">
+            <a:avLst/>
+          </a:prstGeom>
+        </p:spPr>
+        <p:txBody>
+          <a:bodyPr wrap="none">
+            <a:spAutoFit/>
+          </a:bodyPr>
+          <a:lstStyle/>
+          <a:p>
+            <a:r>
+              <a:rPr lang="is-IS" sz="1400" dirty="0"/>
+              <a:t>serv669825442</a:t>
+            </a:r>
+            <a:endParaRPr lang="nn-NO" sz="1400" dirty="0"/>
+          </a:p>
+        </p:txBody>
+      </p:sp>
+      <p:sp>
+        <p:nvSpPr>
+          <p:cNvPr id="279" name="Oval 278"/>
+          <p:cNvSpPr/>
+          <p:nvPr/>
+        </p:nvSpPr>
+        <p:spPr>
+          <a:xfrm>
+            <a:off x="8600198" y="1209054"/>
+            <a:ext cx="1425045" cy="432048"/>
+          </a:xfrm>
+          <a:prstGeom prst="ellipse">
+            <a:avLst/>
+          </a:prstGeom>
+          <a:solidFill>
+            <a:schemeClr val="bg1"/>
+          </a:solidFill>
+          <a:ln w="6350">
+            <a:solidFill>
+              <a:schemeClr val="tx1"/>
+            </a:solidFill>
+          </a:ln>
+        </p:spPr>
+        <p:style>
+          <a:lnRef idx="2">
+            <a:schemeClr val="accent1">
+              <a:shade val="50000"/>
+            </a:schemeClr>
+          </a:lnRef>
+          <a:fillRef idx="1">
+            <a:schemeClr val="accent1"/>
+          </a:fillRef>
+          <a:effectRef idx="0">
+            <a:schemeClr val="accent1"/>
+          </a:effectRef>
+          <a:fontRef idx="minor">
+            <a:schemeClr val="lt1"/>
+          </a:fontRef>
+        </p:style>
+        <p:txBody>
+          <a:bodyPr rtlCol="0" anchor="ctr"/>
+          <a:lstStyle/>
+          <a:p>
+            <a:pPr algn="ctr"/>
+            <a:endParaRPr lang="en-NZ" sz="1600" dirty="0">
+              <a:ln>
+                <a:solidFill>
+                  <a:schemeClr val="tx1"/>
+                </a:solidFill>
+              </a:ln>
+              <a:solidFill>
+                <a:schemeClr val="tx1"/>
+              </a:solidFill>
+            </a:endParaRPr>
+          </a:p>
+        </p:txBody>
+      </p:sp>
+      <p:sp>
+        <p:nvSpPr>
+          <p:cNvPr id="280" name="Rectangle 279"/>
+          <p:cNvSpPr/>
+          <p:nvPr/>
+        </p:nvSpPr>
+        <p:spPr>
+          <a:xfrm>
+            <a:off x="8600199" y="1281062"/>
+            <a:ext cx="1313180" cy="307777"/>
+          </a:xfrm>
+          <a:prstGeom prst="rect">
+            <a:avLst/>
+          </a:prstGeom>
+        </p:spPr>
+        <p:txBody>
+          <a:bodyPr wrap="none">
+            <a:spAutoFit/>
+          </a:bodyPr>
+          <a:lstStyle/>
+          <a:p>
+            <a:r>
+              <a:rPr lang="da-DK" sz="1400" dirty="0"/>
+              <a:t>serv254870550</a:t>
+            </a:r>
+            <a:endParaRPr lang="nn-NO" sz="1400" dirty="0"/>
+          </a:p>
+        </p:txBody>
+      </p:sp>
+      <p:cxnSp>
+        <p:nvCxnSpPr>
+          <p:cNvPr id="281" name="Straight Arrow Connector 280"/>
+          <p:cNvCxnSpPr>
+            <a:stCxn id="265" idx="4"/>
+          </p:cNvCxnSpPr>
+          <p:nvPr/>
+        </p:nvCxnSpPr>
+        <p:spPr>
+          <a:xfrm flipH="1">
+            <a:off x="5585606" y="344958"/>
+            <a:ext cx="1519461" cy="504056"/>
+          </a:xfrm>
+          <a:prstGeom prst="straightConnector1">
+            <a:avLst/>
+          </a:prstGeom>
+          <a:ln>
+            <a:solidFill>
+              <a:schemeClr val="tx1"/>
+            </a:solidFill>
+            <a:tailEnd type="triangle"/>
+          </a:ln>
+        </p:spPr>
+        <p:style>
+          <a:lnRef idx="1">
+            <a:schemeClr val="accent1"/>
+          </a:lnRef>
+          <a:fillRef idx="0">
+            <a:schemeClr val="accent1"/>
+          </a:fillRef>
+          <a:effectRef idx="0">
+            <a:schemeClr val="accent1"/>
+          </a:effectRef>
+          <a:fontRef idx="minor">
+            <a:schemeClr val="tx1"/>
+          </a:fontRef>
+        </p:style>
+      </p:cxnSp>
+      <p:cxnSp>
+        <p:nvCxnSpPr>
+          <p:cNvPr id="282" name="Straight Arrow Connector 281"/>
+          <p:cNvCxnSpPr>
+            <a:stCxn id="265" idx="4"/>
+          </p:cNvCxnSpPr>
+          <p:nvPr/>
+        </p:nvCxnSpPr>
+        <p:spPr>
+          <a:xfrm flipH="1">
+            <a:off x="6765140" y="344958"/>
+            <a:ext cx="339927" cy="936104"/>
+          </a:xfrm>
+          <a:prstGeom prst="straightConnector1">
+            <a:avLst/>
+          </a:prstGeom>
+          <a:ln>
+            <a:solidFill>
+              <a:schemeClr val="tx1"/>
+            </a:solidFill>
+            <a:tailEnd type="triangle"/>
+          </a:ln>
+        </p:spPr>
+        <p:style>
+          <a:lnRef idx="1">
+            <a:schemeClr val="accent1"/>
+          </a:lnRef>
+          <a:fillRef idx="0">
+            <a:schemeClr val="accent1"/>
+          </a:fillRef>
+          <a:effectRef idx="0">
+            <a:schemeClr val="accent1"/>
+          </a:effectRef>
+          <a:fontRef idx="minor">
+            <a:schemeClr val="tx1"/>
+          </a:fontRef>
+        </p:style>
+      </p:cxnSp>
+      <p:cxnSp>
+        <p:nvCxnSpPr>
+          <p:cNvPr id="284" name="Straight Arrow Connector 283"/>
+          <p:cNvCxnSpPr/>
+          <p:nvPr/>
+        </p:nvCxnSpPr>
+        <p:spPr>
+          <a:xfrm flipH="1">
+            <a:off x="2010303" y="1065038"/>
+            <a:ext cx="986588" cy="216024"/>
+          </a:xfrm>
+          <a:prstGeom prst="straightConnector1">
+            <a:avLst/>
+          </a:prstGeom>
+          <a:ln>
+            <a:solidFill>
+              <a:schemeClr val="tx1"/>
+            </a:solidFill>
+            <a:tailEnd type="triangle"/>
+          </a:ln>
+        </p:spPr>
+        <p:style>
+          <a:lnRef idx="1">
+            <a:schemeClr val="accent1"/>
+          </a:lnRef>
+          <a:fillRef idx="0">
+            <a:schemeClr val="accent1"/>
+          </a:fillRef>
+          <a:effectRef idx="0">
+            <a:schemeClr val="accent1"/>
+          </a:effectRef>
+          <a:fontRef idx="minor">
+            <a:schemeClr val="tx1"/>
+          </a:fontRef>
+        </p:style>
+      </p:cxnSp>
+      <p:sp>
+        <p:nvSpPr>
+          <p:cNvPr id="285" name="Oval 284"/>
+          <p:cNvSpPr/>
+          <p:nvPr/>
+        </p:nvSpPr>
+        <p:spPr>
+          <a:xfrm>
+            <a:off x="7321091" y="2488224"/>
+            <a:ext cx="1513948" cy="478995"/>
+          </a:xfrm>
+          <a:prstGeom prst="ellipse">
+            <a:avLst/>
+          </a:prstGeom>
+          <a:solidFill>
+            <a:schemeClr val="bg1"/>
+          </a:solidFill>
+          <a:ln w="6350">
+            <a:solidFill>
+              <a:schemeClr val="tx1"/>
+            </a:solidFill>
+          </a:ln>
+        </p:spPr>
+        <p:style>
+          <a:lnRef idx="2">
+            <a:schemeClr val="accent1">
+              <a:shade val="50000"/>
+            </a:schemeClr>
+          </a:lnRef>
+          <a:fillRef idx="1">
+            <a:schemeClr val="accent1"/>
+          </a:fillRef>
+          <a:effectRef idx="0">
+            <a:schemeClr val="accent1"/>
+          </a:effectRef>
+          <a:fontRef idx="minor">
+            <a:schemeClr val="lt1"/>
+          </a:fontRef>
+        </p:style>
+        <p:txBody>
+          <a:bodyPr rtlCol="0" anchor="ctr"/>
+          <a:lstStyle/>
+          <a:p>
+            <a:pPr algn="ctr"/>
+            <a:endParaRPr lang="en-NZ" sz="1600" dirty="0">
+              <a:ln>
+                <a:solidFill>
+                  <a:schemeClr val="tx1"/>
+                </a:solidFill>
+              </a:ln>
+              <a:solidFill>
+                <a:schemeClr val="tx1"/>
+              </a:solidFill>
+            </a:endParaRPr>
+          </a:p>
+        </p:txBody>
+      </p:sp>
+      <p:sp>
+        <p:nvSpPr>
+          <p:cNvPr id="286" name="Rectangle 285"/>
+          <p:cNvSpPr/>
+          <p:nvPr/>
+        </p:nvSpPr>
+        <p:spPr>
+          <a:xfrm>
+            <a:off x="7321091" y="2606522"/>
+            <a:ext cx="1404552" cy="307777"/>
+          </a:xfrm>
+          <a:prstGeom prst="rect">
+            <a:avLst/>
+          </a:prstGeom>
+        </p:spPr>
+        <p:txBody>
+          <a:bodyPr wrap="none">
+            <a:spAutoFit/>
+          </a:bodyPr>
+          <a:lstStyle/>
+          <a:p>
+            <a:r>
+              <a:rPr lang="is-IS" sz="1400" dirty="0"/>
+              <a:t>serv1016986607</a:t>
+            </a:r>
+            <a:endParaRPr lang="nn-NO" sz="1400" dirty="0"/>
+          </a:p>
+        </p:txBody>
+      </p:sp>
+      <p:sp>
+        <p:nvSpPr>
+          <p:cNvPr id="287" name="Oval 286"/>
+          <p:cNvSpPr/>
+          <p:nvPr/>
+        </p:nvSpPr>
+        <p:spPr>
+          <a:xfrm>
+            <a:off x="7218935" y="849014"/>
+            <a:ext cx="1326292" cy="432048"/>
+          </a:xfrm>
+          <a:prstGeom prst="ellipse">
+            <a:avLst/>
+          </a:prstGeom>
+          <a:solidFill>
+            <a:schemeClr val="bg1"/>
+          </a:solidFill>
+          <a:ln w="6350">
+            <a:solidFill>
+              <a:schemeClr val="tx1"/>
+            </a:solidFill>
+          </a:ln>
+        </p:spPr>
+        <p:style>
+          <a:lnRef idx="2">
+            <a:schemeClr val="accent1">
+              <a:shade val="50000"/>
+            </a:schemeClr>
+          </a:lnRef>
+          <a:fillRef idx="1">
+            <a:schemeClr val="accent1"/>
+          </a:fillRef>
+          <a:effectRef idx="0">
+            <a:schemeClr val="accent1"/>
+          </a:effectRef>
+          <a:fontRef idx="minor">
+            <a:schemeClr val="lt1"/>
+          </a:fontRef>
+        </p:style>
+        <p:txBody>
+          <a:bodyPr rtlCol="0" anchor="ctr"/>
+          <a:lstStyle/>
+          <a:p>
+            <a:pPr algn="ctr"/>
+            <a:endParaRPr lang="en-NZ" sz="1600" dirty="0">
+              <a:ln>
+                <a:solidFill>
+                  <a:schemeClr val="tx1"/>
+                </a:solidFill>
+              </a:ln>
+              <a:solidFill>
+                <a:schemeClr val="tx1"/>
+              </a:solidFill>
+            </a:endParaRPr>
+          </a:p>
+        </p:txBody>
+      </p:sp>
+      <p:sp>
+        <p:nvSpPr>
+          <p:cNvPr id="288" name="Rectangle 287"/>
+          <p:cNvSpPr/>
+          <p:nvPr/>
+        </p:nvSpPr>
+        <p:spPr>
+          <a:xfrm>
+            <a:off x="7232046" y="902853"/>
+            <a:ext cx="1221809" cy="523220"/>
+          </a:xfrm>
+          <a:prstGeom prst="rect">
+            <a:avLst/>
+          </a:prstGeom>
+        </p:spPr>
+        <p:txBody>
+          <a:bodyPr wrap="none">
+            <a:spAutoFit/>
+          </a:bodyPr>
+          <a:lstStyle/>
+          <a:p>
+            <a:r>
+              <a:rPr lang="is-IS" sz="1400" dirty="0"/>
+              <a:t>serv46573851</a:t>
+            </a:r>
+            <a:endParaRPr lang="nn-NO" sz="1400" dirty="0"/>
+          </a:p>
+          <a:p>
+            <a:endParaRPr lang="nn-NO" sz="1400" dirty="0"/>
+          </a:p>
+        </p:txBody>
+      </p:sp>
+      <p:sp>
+        <p:nvSpPr>
+          <p:cNvPr id="289" name="Oval 288"/>
+          <p:cNvSpPr/>
+          <p:nvPr/>
+        </p:nvSpPr>
+        <p:spPr>
+          <a:xfrm>
+            <a:off x="5935903" y="2217166"/>
+            <a:ext cx="1385188" cy="432048"/>
+          </a:xfrm>
+          <a:prstGeom prst="ellipse">
+            <a:avLst/>
+          </a:prstGeom>
+          <a:solidFill>
+            <a:schemeClr val="bg1"/>
+          </a:solidFill>
+          <a:ln w="6350">
+            <a:solidFill>
+              <a:schemeClr val="tx1"/>
+            </a:solidFill>
+          </a:ln>
+        </p:spPr>
+        <p:style>
+          <a:lnRef idx="2">
+            <a:schemeClr val="accent1">
+              <a:shade val="50000"/>
+            </a:schemeClr>
+          </a:lnRef>
+          <a:fillRef idx="1">
+            <a:schemeClr val="accent1"/>
+          </a:fillRef>
+          <a:effectRef idx="0">
+            <a:schemeClr val="accent1"/>
+          </a:effectRef>
+          <a:fontRef idx="minor">
+            <a:schemeClr val="lt1"/>
+          </a:fontRef>
+        </p:style>
+        <p:txBody>
+          <a:bodyPr rtlCol="0" anchor="ctr"/>
+          <a:lstStyle/>
+          <a:p>
+            <a:pPr algn="ctr"/>
+            <a:endParaRPr lang="en-NZ" sz="1600" dirty="0">
+              <a:ln>
+                <a:solidFill>
+                  <a:schemeClr val="tx1"/>
+                </a:solidFill>
+              </a:ln>
+              <a:solidFill>
+                <a:schemeClr val="tx1"/>
+              </a:solidFill>
+            </a:endParaRPr>
+          </a:p>
+        </p:txBody>
+      </p:sp>
+      <p:sp>
+        <p:nvSpPr>
+          <p:cNvPr id="290" name="Rectangle 289"/>
+          <p:cNvSpPr/>
+          <p:nvPr/>
+        </p:nvSpPr>
+        <p:spPr>
+          <a:xfrm>
+            <a:off x="5940152" y="2289174"/>
+            <a:ext cx="1313180" cy="307777"/>
+          </a:xfrm>
+          <a:prstGeom prst="rect">
+            <a:avLst/>
+          </a:prstGeom>
+        </p:spPr>
+        <p:txBody>
+          <a:bodyPr wrap="none">
+            <a:spAutoFit/>
+          </a:bodyPr>
+          <a:lstStyle/>
+          <a:p>
+            <a:r>
+              <a:rPr lang="cs-CZ" sz="1400" dirty="0"/>
+              <a:t>serv185438317</a:t>
+            </a:r>
+            <a:endParaRPr lang="nn-NO" sz="1400" dirty="0"/>
+          </a:p>
+        </p:txBody>
+      </p:sp>
+      <p:cxnSp>
+        <p:nvCxnSpPr>
+          <p:cNvPr id="292" name="Straight Arrow Connector 291"/>
+          <p:cNvCxnSpPr>
+            <a:stCxn id="265" idx="4"/>
+          </p:cNvCxnSpPr>
+          <p:nvPr/>
+        </p:nvCxnSpPr>
+        <p:spPr>
+          <a:xfrm>
+            <a:off x="7105067" y="344958"/>
+            <a:ext cx="777014" cy="504056"/>
+          </a:xfrm>
+          <a:prstGeom prst="straightConnector1">
+            <a:avLst/>
+          </a:prstGeom>
+          <a:ln>
+            <a:solidFill>
+              <a:schemeClr val="tx1"/>
+            </a:solidFill>
+            <a:tailEnd type="triangle"/>
+          </a:ln>
+        </p:spPr>
+        <p:style>
+          <a:lnRef idx="1">
+            <a:schemeClr val="accent1"/>
+          </a:lnRef>
+          <a:fillRef idx="0">
+            <a:schemeClr val="accent1"/>
+          </a:fillRef>
+          <a:effectRef idx="0">
+            <a:schemeClr val="accent1"/>
+          </a:effectRef>
+          <a:fontRef idx="minor">
+            <a:schemeClr val="tx1"/>
+          </a:fontRef>
+        </p:style>
+      </p:cxnSp>
+      <p:cxnSp>
+        <p:nvCxnSpPr>
+          <p:cNvPr id="293" name="Straight Arrow Connector 292"/>
+          <p:cNvCxnSpPr/>
+          <p:nvPr/>
+        </p:nvCxnSpPr>
+        <p:spPr>
+          <a:xfrm flipH="1">
+            <a:off x="6628497" y="1713110"/>
+            <a:ext cx="136643" cy="504056"/>
+          </a:xfrm>
+          <a:prstGeom prst="straightConnector1">
+            <a:avLst/>
+          </a:prstGeom>
+          <a:ln>
+            <a:solidFill>
+              <a:schemeClr val="tx1"/>
+            </a:solidFill>
+            <a:tailEnd type="triangle"/>
+          </a:ln>
+        </p:spPr>
+        <p:style>
+          <a:lnRef idx="1">
+            <a:schemeClr val="accent1"/>
+          </a:lnRef>
+          <a:fillRef idx="0">
+            <a:schemeClr val="accent1"/>
+          </a:fillRef>
+          <a:effectRef idx="0">
+            <a:schemeClr val="accent1"/>
+          </a:effectRef>
+          <a:fontRef idx="minor">
+            <a:schemeClr val="tx1"/>
+          </a:fontRef>
+        </p:style>
+      </p:cxnSp>
+      <p:cxnSp>
+        <p:nvCxnSpPr>
+          <p:cNvPr id="294" name="Straight Arrow Connector 293"/>
+          <p:cNvCxnSpPr/>
+          <p:nvPr/>
+        </p:nvCxnSpPr>
+        <p:spPr>
+          <a:xfrm flipH="1">
+            <a:off x="6628497" y="1281062"/>
+            <a:ext cx="1253584" cy="936104"/>
+          </a:xfrm>
+          <a:prstGeom prst="straightConnector1">
+            <a:avLst/>
+          </a:prstGeom>
+          <a:ln>
+            <a:solidFill>
+              <a:schemeClr val="tx1"/>
+            </a:solidFill>
+            <a:tailEnd type="triangle"/>
+          </a:ln>
+        </p:spPr>
+        <p:style>
+          <a:lnRef idx="1">
+            <a:schemeClr val="accent1"/>
+          </a:lnRef>
+          <a:fillRef idx="0">
+            <a:schemeClr val="accent1"/>
+          </a:fillRef>
+          <a:effectRef idx="0">
+            <a:schemeClr val="accent1"/>
+          </a:effectRef>
+          <a:fontRef idx="minor">
+            <a:schemeClr val="tx1"/>
+          </a:fontRef>
+        </p:style>
+      </p:cxnSp>
+      <p:cxnSp>
+        <p:nvCxnSpPr>
+          <p:cNvPr id="295" name="Straight Arrow Connector 294"/>
+          <p:cNvCxnSpPr/>
+          <p:nvPr/>
+        </p:nvCxnSpPr>
+        <p:spPr>
+          <a:xfrm>
+            <a:off x="5585606" y="1281062"/>
+            <a:ext cx="1042891" cy="936104"/>
+          </a:xfrm>
+          <a:prstGeom prst="straightConnector1">
+            <a:avLst/>
+          </a:prstGeom>
+          <a:ln>
+            <a:solidFill>
+              <a:schemeClr val="tx1"/>
+            </a:solidFill>
+            <a:tailEnd type="triangle"/>
+          </a:ln>
+        </p:spPr>
+        <p:style>
+          <a:lnRef idx="1">
+            <a:schemeClr val="accent1"/>
+          </a:lnRef>
+          <a:fillRef idx="0">
+            <a:schemeClr val="accent1"/>
+          </a:fillRef>
+          <a:effectRef idx="0">
+            <a:schemeClr val="accent1"/>
+          </a:effectRef>
+          <a:fontRef idx="minor">
+            <a:schemeClr val="tx1"/>
+          </a:fontRef>
+        </p:style>
+      </p:cxnSp>
+      <p:sp>
+        <p:nvSpPr>
+          <p:cNvPr id="296" name="Oval 295"/>
+          <p:cNvSpPr/>
+          <p:nvPr/>
+        </p:nvSpPr>
+        <p:spPr>
+          <a:xfrm>
+            <a:off x="5952938" y="2937246"/>
+            <a:ext cx="1524225" cy="432048"/>
+          </a:xfrm>
+          <a:prstGeom prst="ellipse">
+            <a:avLst/>
+          </a:prstGeom>
+          <a:solidFill>
+            <a:schemeClr val="bg1"/>
+          </a:solidFill>
+          <a:ln w="6350">
+            <a:solidFill>
+              <a:schemeClr val="tx1"/>
+            </a:solidFill>
+          </a:ln>
+        </p:spPr>
+        <p:style>
+          <a:lnRef idx="2">
+            <a:schemeClr val="accent1">
+              <a:shade val="50000"/>
+            </a:schemeClr>
+          </a:lnRef>
+          <a:fillRef idx="1">
+            <a:schemeClr val="accent1"/>
+          </a:fillRef>
+          <a:effectRef idx="0">
+            <a:schemeClr val="accent1"/>
+          </a:effectRef>
+          <a:fontRef idx="minor">
+            <a:schemeClr val="lt1"/>
+          </a:fontRef>
+        </p:style>
+        <p:txBody>
+          <a:bodyPr rtlCol="0" anchor="ctr"/>
+          <a:lstStyle/>
+          <a:p>
+            <a:pPr algn="ctr"/>
+            <a:endParaRPr lang="en-NZ" sz="1600" dirty="0">
+              <a:ln>
+                <a:solidFill>
+                  <a:schemeClr val="tx1"/>
+                </a:solidFill>
+              </a:ln>
+              <a:solidFill>
+                <a:schemeClr val="tx1"/>
+              </a:solidFill>
+            </a:endParaRPr>
+          </a:p>
+        </p:txBody>
+      </p:sp>
+      <p:sp>
+        <p:nvSpPr>
+          <p:cNvPr id="297" name="Rectangle 296"/>
+          <p:cNvSpPr/>
+          <p:nvPr/>
+        </p:nvSpPr>
+        <p:spPr>
+          <a:xfrm>
+            <a:off x="5940152" y="3009254"/>
+            <a:ext cx="1404552" cy="307777"/>
+          </a:xfrm>
+          <a:prstGeom prst="rect">
+            <a:avLst/>
+          </a:prstGeom>
+        </p:spPr>
+        <p:txBody>
+          <a:bodyPr wrap="none">
+            <a:spAutoFit/>
+          </a:bodyPr>
+          <a:lstStyle/>
+          <a:p>
+            <a:r>
+              <a:rPr lang="is-IS" sz="1400" dirty="0">
+                <a:solidFill>
+                  <a:srgbClr val="374ADD"/>
+                </a:solidFill>
+              </a:rPr>
+              <a:t>serv1640238160</a:t>
+            </a:r>
+            <a:endParaRPr lang="nn-NO" sz="1400" dirty="0">
+              <a:solidFill>
+                <a:srgbClr val="374ADD"/>
+              </a:solidFill>
+            </a:endParaRPr>
+          </a:p>
+        </p:txBody>
+      </p:sp>
+      <p:cxnSp>
+        <p:nvCxnSpPr>
+          <p:cNvPr id="299" name="Straight Arrow Connector 298"/>
+          <p:cNvCxnSpPr/>
+          <p:nvPr/>
+        </p:nvCxnSpPr>
+        <p:spPr>
+          <a:xfrm flipH="1">
+            <a:off x="6627333" y="2649214"/>
+            <a:ext cx="1164" cy="288032"/>
+          </a:xfrm>
+          <a:prstGeom prst="straightConnector1">
+            <a:avLst/>
+          </a:prstGeom>
+          <a:ln>
+            <a:solidFill>
+              <a:schemeClr val="tx1"/>
+            </a:solidFill>
+            <a:tailEnd type="triangle"/>
+          </a:ln>
+        </p:spPr>
+        <p:style>
+          <a:lnRef idx="1">
+            <a:schemeClr val="accent1"/>
+          </a:lnRef>
+          <a:fillRef idx="0">
+            <a:schemeClr val="accent1"/>
+          </a:fillRef>
+          <a:effectRef idx="0">
+            <a:schemeClr val="accent1"/>
+          </a:effectRef>
+          <a:fontRef idx="minor">
+            <a:schemeClr val="tx1"/>
+          </a:fontRef>
+        </p:style>
+      </p:cxnSp>
+      <p:cxnSp>
+        <p:nvCxnSpPr>
+          <p:cNvPr id="300" name="Straight Arrow Connector 299"/>
+          <p:cNvCxnSpPr>
+            <a:endCxn id="267" idx="0"/>
+          </p:cNvCxnSpPr>
+          <p:nvPr/>
+        </p:nvCxnSpPr>
+        <p:spPr>
+          <a:xfrm flipH="1">
+            <a:off x="6601011" y="3369294"/>
+            <a:ext cx="26322" cy="360040"/>
+          </a:xfrm>
+          <a:prstGeom prst="straightConnector1">
+            <a:avLst/>
+          </a:prstGeom>
+          <a:ln>
+            <a:solidFill>
+              <a:schemeClr val="tx1"/>
+            </a:solidFill>
+            <a:tailEnd type="triangle"/>
+          </a:ln>
+        </p:spPr>
+        <p:style>
+          <a:lnRef idx="1">
+            <a:schemeClr val="accent1"/>
+          </a:lnRef>
+          <a:fillRef idx="0">
+            <a:schemeClr val="accent1"/>
+          </a:fillRef>
+          <a:effectRef idx="0">
+            <a:schemeClr val="accent1"/>
+          </a:effectRef>
+          <a:fontRef idx="minor">
+            <a:schemeClr val="tx1"/>
+          </a:fontRef>
+        </p:style>
+      </p:cxnSp>
+      <p:cxnSp>
+        <p:nvCxnSpPr>
+          <p:cNvPr id="301" name="Straight Arrow Connector 300"/>
+          <p:cNvCxnSpPr>
+            <a:endCxn id="267" idx="0"/>
+          </p:cNvCxnSpPr>
+          <p:nvPr/>
+        </p:nvCxnSpPr>
+        <p:spPr>
+          <a:xfrm>
+            <a:off x="2010303" y="1713110"/>
+            <a:ext cx="4590708" cy="2016224"/>
+          </a:xfrm>
+          <a:prstGeom prst="straightConnector1">
+            <a:avLst/>
+          </a:prstGeom>
+          <a:ln>
+            <a:solidFill>
+              <a:schemeClr val="tx1"/>
+            </a:solidFill>
+            <a:tailEnd type="triangle"/>
+          </a:ln>
+        </p:spPr>
+        <p:style>
+          <a:lnRef idx="1">
+            <a:schemeClr val="accent1"/>
+          </a:lnRef>
+          <a:fillRef idx="0">
+            <a:schemeClr val="accent1"/>
+          </a:fillRef>
+          <a:effectRef idx="0">
+            <a:schemeClr val="accent1"/>
+          </a:effectRef>
+          <a:fontRef idx="minor">
+            <a:schemeClr val="tx1"/>
+          </a:fontRef>
+        </p:style>
+      </p:cxnSp>
+      <p:cxnSp>
+        <p:nvCxnSpPr>
+          <p:cNvPr id="313" name="Straight Arrow Connector 312"/>
+          <p:cNvCxnSpPr>
+            <a:stCxn id="262" idx="4"/>
+            <a:endCxn id="279" idx="0"/>
+          </p:cNvCxnSpPr>
+          <p:nvPr/>
+        </p:nvCxnSpPr>
+        <p:spPr>
+          <a:xfrm>
+            <a:off x="7105067" y="344958"/>
+            <a:ext cx="2207654" cy="864096"/>
+          </a:xfrm>
+          <a:prstGeom prst="straightConnector1">
+            <a:avLst/>
+          </a:prstGeom>
+          <a:ln>
+            <a:solidFill>
+              <a:schemeClr val="tx1"/>
+            </a:solidFill>
+            <a:tailEnd type="triangle"/>
+          </a:ln>
+        </p:spPr>
+        <p:style>
+          <a:lnRef idx="1">
+            <a:schemeClr val="accent1"/>
+          </a:lnRef>
+          <a:fillRef idx="0">
+            <a:schemeClr val="accent1"/>
+          </a:fillRef>
+          <a:effectRef idx="0">
+            <a:schemeClr val="accent1"/>
+          </a:effectRef>
+          <a:fontRef idx="minor">
+            <a:schemeClr val="tx1"/>
+          </a:fontRef>
+        </p:style>
+      </p:cxnSp>
+      <p:cxnSp>
+        <p:nvCxnSpPr>
+          <p:cNvPr id="316" name="Straight Arrow Connector 315"/>
+          <p:cNvCxnSpPr>
+            <a:stCxn id="279" idx="4"/>
+            <a:endCxn id="285" idx="0"/>
+          </p:cNvCxnSpPr>
+          <p:nvPr/>
+        </p:nvCxnSpPr>
+        <p:spPr>
+          <a:xfrm flipH="1">
+            <a:off x="8078065" y="1641102"/>
+            <a:ext cx="1234656" cy="847122"/>
+          </a:xfrm>
+          <a:prstGeom prst="straightConnector1">
+            <a:avLst/>
+          </a:prstGeom>
+          <a:ln>
+            <a:solidFill>
+              <a:schemeClr val="tx1"/>
+            </a:solidFill>
+            <a:tailEnd type="triangle"/>
+          </a:ln>
+        </p:spPr>
+        <p:style>
+          <a:lnRef idx="1">
+            <a:schemeClr val="accent1"/>
+          </a:lnRef>
+          <a:fillRef idx="0">
+            <a:schemeClr val="accent1"/>
+          </a:fillRef>
+          <a:effectRef idx="0">
+            <a:schemeClr val="accent1"/>
+          </a:effectRef>
+          <a:fontRef idx="minor">
+            <a:schemeClr val="tx1"/>
+          </a:fontRef>
+        </p:style>
+      </p:cxnSp>
+      <p:cxnSp>
+        <p:nvCxnSpPr>
+          <p:cNvPr id="319" name="Straight Arrow Connector 318"/>
+          <p:cNvCxnSpPr>
+            <a:stCxn id="285" idx="4"/>
+          </p:cNvCxnSpPr>
+          <p:nvPr/>
+        </p:nvCxnSpPr>
+        <p:spPr>
+          <a:xfrm flipH="1">
+            <a:off x="6601011" y="2967219"/>
+            <a:ext cx="1477054" cy="762115"/>
+          </a:xfrm>
+          <a:prstGeom prst="straightConnector1">
+            <a:avLst/>
+          </a:prstGeom>
+          <a:ln>
+            <a:solidFill>
+              <a:schemeClr val="tx1"/>
+            </a:solidFill>
+            <a:tailEnd type="triangle"/>
+          </a:ln>
+        </p:spPr>
+        <p:style>
+          <a:lnRef idx="1">
+            <a:schemeClr val="accent1"/>
+          </a:lnRef>
+          <a:fillRef idx="0">
+            <a:schemeClr val="accent1"/>
+          </a:fillRef>
+          <a:effectRef idx="0">
+            <a:schemeClr val="accent1"/>
+          </a:effectRef>
+          <a:fontRef idx="minor">
+            <a:schemeClr val="tx1"/>
+          </a:fontRef>
+        </p:style>
+      </p:cxnSp>
+      <p:sp>
+        <p:nvSpPr>
+          <p:cNvPr id="320" name="TextBox 319"/>
+          <p:cNvSpPr txBox="1"/>
+          <p:nvPr/>
+        </p:nvSpPr>
+        <p:spPr>
+          <a:xfrm>
+            <a:off x="7087222" y="5295959"/>
+            <a:ext cx="706582" cy="338554"/>
+          </a:xfrm>
+          <a:prstGeom prst="rect">
+            <a:avLst/>
+          </a:prstGeom>
+          <a:noFill/>
+        </p:spPr>
+        <p:txBody>
+          <a:bodyPr wrap="square" rtlCol="0">
+            <a:spAutoFit/>
+          </a:bodyPr>
+          <a:lstStyle/>
+          <a:p>
+            <a:r>
+              <a:rPr lang="en-US" sz="1600" smtClean="0">
+                <a:solidFill>
+                  <a:srgbClr val="FF0000"/>
+                </a:solidFill>
+              </a:rPr>
+              <a:t>link</a:t>
+            </a:r>
+            <a:r>
+              <a:rPr lang="en-US" sz="1600" smtClean="0">
+                <a:solidFill>
+                  <a:srgbClr val="FF0000"/>
+                </a:solidFill>
+              </a:rPr>
+              <a:t>1</a:t>
+            </a:r>
+            <a:endParaRPr lang="en-NZ" sz="1600" dirty="0">
+              <a:solidFill>
+                <a:srgbClr val="FF0000"/>
+              </a:solidFill>
+            </a:endParaRPr>
+          </a:p>
+        </p:txBody>
+      </p:sp>
+      <p:sp>
+        <p:nvSpPr>
+          <p:cNvPr id="321" name="TextBox 320"/>
+          <p:cNvSpPr txBox="1"/>
+          <p:nvPr/>
+        </p:nvSpPr>
+        <p:spPr>
+          <a:xfrm>
+            <a:off x="7261388" y="6546830"/>
+            <a:ext cx="622980" cy="338554"/>
+          </a:xfrm>
+          <a:prstGeom prst="rect">
+            <a:avLst/>
+          </a:prstGeom>
+          <a:noFill/>
+        </p:spPr>
+        <p:txBody>
+          <a:bodyPr wrap="square" rtlCol="0">
+            <a:spAutoFit/>
+          </a:bodyPr>
+          <a:lstStyle/>
+          <a:p>
+            <a:r>
+              <a:rPr lang="en-US" sz="1600" smtClean="0">
+                <a:solidFill>
+                  <a:srgbClr val="FF0000"/>
+                </a:solidFill>
+              </a:rPr>
+              <a:t>link</a:t>
+            </a:r>
+            <a:r>
+              <a:rPr lang="en-US" sz="1600" smtClean="0">
+                <a:solidFill>
+                  <a:srgbClr val="FF0000"/>
+                </a:solidFill>
+              </a:rPr>
+              <a:t>2</a:t>
+            </a:r>
+            <a:endParaRPr lang="en-NZ" sz="1600" dirty="0">
+              <a:solidFill>
+                <a:srgbClr val="FF0000"/>
+              </a:solidFill>
+            </a:endParaRPr>
+          </a:p>
+        </p:txBody>
+      </p:sp>
+      <p:sp>
+        <p:nvSpPr>
+          <p:cNvPr id="322" name="TextBox 321"/>
+          <p:cNvSpPr txBox="1"/>
+          <p:nvPr/>
+        </p:nvSpPr>
+        <p:spPr>
+          <a:xfrm>
+            <a:off x="6677090" y="7420861"/>
+            <a:ext cx="856568" cy="338554"/>
+          </a:xfrm>
+          <a:prstGeom prst="rect">
+            <a:avLst/>
+          </a:prstGeom>
+          <a:noFill/>
+        </p:spPr>
+        <p:txBody>
+          <a:bodyPr wrap="square" rtlCol="0">
+            <a:spAutoFit/>
+          </a:bodyPr>
+          <a:lstStyle/>
+          <a:p>
+            <a:r>
+              <a:rPr lang="en-US" sz="1600" smtClean="0">
+                <a:solidFill>
+                  <a:srgbClr val="FF0000"/>
+                </a:solidFill>
+              </a:rPr>
+              <a:t>link</a:t>
+            </a:r>
+            <a:r>
+              <a:rPr lang="en-US" sz="1600" smtClean="0">
+                <a:solidFill>
+                  <a:srgbClr val="FF0000"/>
+                </a:solidFill>
+              </a:rPr>
+              <a:t>3</a:t>
+            </a:r>
+            <a:endParaRPr lang="en-NZ" sz="1600" dirty="0">
+              <a:solidFill>
+                <a:srgbClr val="FF0000"/>
+              </a:solidFill>
+            </a:endParaRPr>
+          </a:p>
+        </p:txBody>
+      </p:sp>
+      <p:sp>
+        <p:nvSpPr>
+          <p:cNvPr id="323" name="TextBox 322"/>
+          <p:cNvSpPr txBox="1"/>
+          <p:nvPr/>
+        </p:nvSpPr>
+        <p:spPr>
+          <a:xfrm>
+            <a:off x="6585515" y="8165134"/>
+            <a:ext cx="685055" cy="338554"/>
+          </a:xfrm>
+          <a:prstGeom prst="rect">
+            <a:avLst/>
+          </a:prstGeom>
+          <a:noFill/>
+        </p:spPr>
+        <p:txBody>
+          <a:bodyPr wrap="square" rtlCol="0">
+            <a:spAutoFit/>
+          </a:bodyPr>
+          <a:lstStyle/>
+          <a:p>
+            <a:r>
+              <a:rPr lang="en-US" sz="1600" dirty="0" smtClean="0">
+                <a:solidFill>
+                  <a:srgbClr val="FF0000"/>
+                </a:solidFill>
+              </a:rPr>
+              <a:t>link</a:t>
+            </a:r>
+            <a:r>
+              <a:rPr lang="en-US" sz="1600" dirty="0" smtClean="0">
+                <a:solidFill>
+                  <a:srgbClr val="FF0000"/>
+                </a:solidFill>
+              </a:rPr>
+              <a:t>4</a:t>
+            </a:r>
+            <a:endParaRPr lang="en-NZ" sz="1600" dirty="0">
+              <a:solidFill>
+                <a:srgbClr val="FF0000"/>
+              </a:solidFill>
+            </a:endParaRPr>
+          </a:p>
+        </p:txBody>
+      </p:sp>
+      <p:sp>
+        <p:nvSpPr>
+          <p:cNvPr id="324" name="TextBox 323"/>
+          <p:cNvSpPr txBox="1"/>
+          <p:nvPr/>
+        </p:nvSpPr>
+        <p:spPr>
+          <a:xfrm>
+            <a:off x="7092280" y="501203"/>
+            <a:ext cx="813414" cy="338554"/>
+          </a:xfrm>
+          <a:prstGeom prst="rect">
+            <a:avLst/>
+          </a:prstGeom>
+          <a:noFill/>
+        </p:spPr>
+        <p:txBody>
+          <a:bodyPr wrap="square" rtlCol="0">
+            <a:spAutoFit/>
+          </a:bodyPr>
+          <a:lstStyle/>
+          <a:p>
+            <a:r>
+              <a:rPr lang="en-US" sz="1600" smtClean="0"/>
+              <a:t>link</a:t>
+            </a:r>
+            <a:r>
+              <a:rPr lang="en-US" sz="1600" smtClean="0"/>
+              <a:t>1</a:t>
+            </a:r>
+            <a:endParaRPr lang="en-NZ" sz="1600" dirty="0"/>
+          </a:p>
+        </p:txBody>
+      </p:sp>
+      <p:sp>
+        <p:nvSpPr>
+          <p:cNvPr id="325" name="TextBox 324"/>
+          <p:cNvSpPr txBox="1"/>
+          <p:nvPr/>
+        </p:nvSpPr>
+        <p:spPr>
+          <a:xfrm>
+            <a:off x="7239220" y="1626588"/>
+            <a:ext cx="613413" cy="338554"/>
+          </a:xfrm>
+          <a:prstGeom prst="rect">
+            <a:avLst/>
+          </a:prstGeom>
+          <a:noFill/>
+        </p:spPr>
+        <p:txBody>
+          <a:bodyPr wrap="square" rtlCol="0">
+            <a:spAutoFit/>
+          </a:bodyPr>
+          <a:lstStyle/>
+          <a:p>
+            <a:r>
+              <a:rPr lang="en-US" sz="1600" smtClean="0"/>
+              <a:t>link</a:t>
+            </a:r>
+            <a:r>
+              <a:rPr lang="en-US" sz="1600" smtClean="0"/>
+              <a:t>2</a:t>
+            </a:r>
+            <a:endParaRPr lang="en-NZ" sz="1600" dirty="0"/>
+          </a:p>
+        </p:txBody>
+      </p:sp>
+      <p:sp>
+        <p:nvSpPr>
+          <p:cNvPr id="326" name="TextBox 325"/>
+          <p:cNvSpPr txBox="1"/>
+          <p:nvPr/>
+        </p:nvSpPr>
+        <p:spPr>
+          <a:xfrm>
+            <a:off x="6631788" y="2618437"/>
+            <a:ext cx="773117" cy="338554"/>
+          </a:xfrm>
+          <a:prstGeom prst="rect">
+            <a:avLst/>
+          </a:prstGeom>
+          <a:noFill/>
+        </p:spPr>
+        <p:txBody>
+          <a:bodyPr wrap="square" rtlCol="0">
+            <a:spAutoFit/>
+          </a:bodyPr>
+          <a:lstStyle/>
+          <a:p>
+            <a:r>
+              <a:rPr lang="en-US" sz="1600" dirty="0" smtClean="0"/>
+              <a:t>link3</a:t>
+            </a:r>
+            <a:endParaRPr lang="en-NZ" sz="1600" dirty="0"/>
+          </a:p>
+        </p:txBody>
+      </p:sp>
+      <p:sp>
+        <p:nvSpPr>
+          <p:cNvPr id="327" name="TextBox 326"/>
+          <p:cNvSpPr txBox="1"/>
+          <p:nvPr/>
+        </p:nvSpPr>
+        <p:spPr>
+          <a:xfrm>
+            <a:off x="6516216" y="3356992"/>
+            <a:ext cx="628001" cy="338554"/>
+          </a:xfrm>
+          <a:prstGeom prst="rect">
+            <a:avLst/>
+          </a:prstGeom>
+          <a:noFill/>
+        </p:spPr>
+        <p:txBody>
+          <a:bodyPr wrap="square" rtlCol="0">
+            <a:spAutoFit/>
+          </a:bodyPr>
+          <a:lstStyle/>
+          <a:p>
+            <a:r>
+              <a:rPr lang="en-US" sz="1600" smtClean="0"/>
+              <a:t>link</a:t>
+            </a:r>
+            <a:r>
+              <a:rPr lang="en-US" sz="1600" smtClean="0"/>
+              <a:t>4</a:t>
+            </a:r>
+            <a:endParaRPr lang="en-NZ" sz="1600" dirty="0"/>
+          </a:p>
+        </p:txBody>
+      </p:sp>
+      <mc:AlternateContent xmlns:mc="http://schemas.openxmlformats.org/markup-compatibility/2006">
+        <mc:Choice xmlns:a14="http://schemas.microsoft.com/office/drawing/2010/main" Requires="a14">
+          <p:sp>
+            <p:nvSpPr>
+              <p:cNvPr id="2" name="TextBox 1"/>
+              <p:cNvSpPr txBox="1"/>
+              <p:nvPr/>
+            </p:nvSpPr>
+            <p:spPr>
+              <a:xfrm>
+                <a:off x="1307835" y="-55732"/>
+                <a:ext cx="1121537" cy="369332"/>
+              </a:xfrm>
+              <a:prstGeom prst="rect">
+                <a:avLst/>
+              </a:prstGeom>
+              <a:noFill/>
+            </p:spPr>
+            <p:txBody>
+              <a:bodyPr wrap="square" rtlCol="0">
+                <a:spAutoFit/>
+              </a:bodyPr>
+              <a:lstStyle/>
+              <a:p>
+                <a:r>
+                  <a:rPr lang="en-US" dirty="0" smtClean="0"/>
+                  <a:t>(1)   </a:t>
+                </a:r>
+                <a14:m>
+                  <m:oMath xmlns:m="http://schemas.openxmlformats.org/officeDocument/2006/math">
+                    <m:sSub>
+                      <m:sSubPr>
+                        <m:ctrlPr>
+                          <a:rPr lang="en-US" i="1" smtClean="0">
+                            <a:latin typeface="Cambria Math" charset="0"/>
+                          </a:rPr>
+                        </m:ctrlPr>
+                      </m:sSubPr>
+                      <m:e>
+                        <m:r>
+                          <a:rPr lang="en-AU" b="0" i="1" smtClean="0">
+                            <a:latin typeface="Cambria Math" charset="0"/>
+                          </a:rPr>
+                          <m:t>𝑊𝐺</m:t>
+                        </m:r>
+                      </m:e>
+                      <m:sub>
+                        <m:r>
+                          <a:rPr lang="en-AU" b="0" i="1" smtClean="0">
+                            <a:latin typeface="Cambria Math" charset="0"/>
+                          </a:rPr>
+                          <m:t>1</m:t>
+                        </m:r>
+                      </m:sub>
+                    </m:sSub>
+                  </m:oMath>
+                </a14:m>
+                <a:endParaRPr lang="en-US" dirty="0"/>
+              </a:p>
+            </p:txBody>
+          </p:sp>
+        </mc:Choice>
+        <mc:Fallback>
+          <p:sp>
+            <p:nvSpPr>
+              <p:cNvPr id="2" name="TextBox 1"/>
+              <p:cNvSpPr txBox="1">
+                <a:spLocks noRot="1" noChangeAspect="1" noMove="1" noResize="1" noEditPoints="1" noAdjustHandles="1" noChangeArrowheads="1" noChangeShapeType="1" noTextEdit="1"/>
+              </p:cNvSpPr>
+              <p:nvPr/>
+            </p:nvSpPr>
+            <p:spPr>
+              <a:xfrm>
+                <a:off x="1307835" y="-55732"/>
+                <a:ext cx="1121537" cy="369332"/>
+              </a:xfrm>
+              <a:prstGeom prst="rect">
+                <a:avLst/>
+              </a:prstGeom>
+              <a:blipFill rotWithShape="0">
+                <a:blip r:embed="rId3"/>
+                <a:stretch>
+                  <a:fillRect l="-4891" t="-10000" b="-26667"/>
+                </a:stretch>
+              </a:blipFill>
+            </p:spPr>
+            <p:txBody>
+              <a:bodyPr/>
+              <a:lstStyle/>
+              <a:p>
+                <a:r>
+                  <a:rPr lang="en-US">
+                    <a:noFill/>
+                  </a:rPr>
+                  <a:t> </a:t>
+                </a:r>
+              </a:p>
+            </p:txBody>
+          </p:sp>
+        </mc:Fallback>
+      </mc:AlternateContent>
+      <mc:AlternateContent xmlns:mc="http://schemas.openxmlformats.org/markup-compatibility/2006">
+        <mc:Choice xmlns:a14="http://schemas.microsoft.com/office/drawing/2010/main" Requires="a14">
+          <p:sp>
+            <p:nvSpPr>
+              <p:cNvPr id="92" name="TextBox 91"/>
+              <p:cNvSpPr txBox="1"/>
+              <p:nvPr/>
+            </p:nvSpPr>
+            <p:spPr>
+              <a:xfrm>
+                <a:off x="1307835" y="4204695"/>
+                <a:ext cx="1121537" cy="369332"/>
+              </a:xfrm>
+              <a:prstGeom prst="rect">
+                <a:avLst/>
+              </a:prstGeom>
+              <a:noFill/>
+            </p:spPr>
+            <p:txBody>
+              <a:bodyPr wrap="square" rtlCol="0">
+                <a:spAutoFit/>
+              </a:bodyPr>
+              <a:lstStyle/>
+              <a:p>
+                <a:r>
+                  <a:rPr lang="en-US" dirty="0" smtClean="0"/>
+                  <a:t>(2)   </a:t>
+                </a:r>
+                <a14:m>
+                  <m:oMath xmlns:m="http://schemas.openxmlformats.org/officeDocument/2006/math">
+                    <m:sSub>
+                      <m:sSubPr>
+                        <m:ctrlPr>
+                          <a:rPr lang="en-US" i="1">
+                            <a:latin typeface="Cambria Math" charset="0"/>
+                          </a:rPr>
+                        </m:ctrlPr>
+                      </m:sSubPr>
+                      <m:e>
+                        <m:r>
+                          <a:rPr lang="en-AU" i="1">
+                            <a:latin typeface="Cambria Math" charset="0"/>
+                          </a:rPr>
+                          <m:t>𝑊𝐺</m:t>
+                        </m:r>
+                      </m:e>
+                      <m:sub>
+                        <m:r>
+                          <a:rPr lang="en-AU" b="0" i="1" smtClean="0">
+                            <a:latin typeface="Cambria Math" charset="0"/>
+                          </a:rPr>
+                          <m:t>2</m:t>
+                        </m:r>
+                      </m:sub>
+                    </m:sSub>
+                  </m:oMath>
+                </a14:m>
+                <a:endParaRPr lang="en-US" dirty="0"/>
+              </a:p>
+            </p:txBody>
+          </p:sp>
+        </mc:Choice>
+        <mc:Fallback>
+          <p:sp>
+            <p:nvSpPr>
+              <p:cNvPr id="92" name="TextBox 91"/>
+              <p:cNvSpPr txBox="1">
+                <a:spLocks noRot="1" noChangeAspect="1" noMove="1" noResize="1" noEditPoints="1" noAdjustHandles="1" noChangeArrowheads="1" noChangeShapeType="1" noTextEdit="1"/>
+              </p:cNvSpPr>
+              <p:nvPr/>
+            </p:nvSpPr>
+            <p:spPr>
+              <a:xfrm>
+                <a:off x="1307835" y="4204695"/>
+                <a:ext cx="1121537" cy="369332"/>
+              </a:xfrm>
+              <a:prstGeom prst="rect">
+                <a:avLst/>
+              </a:prstGeom>
+              <a:blipFill rotWithShape="0">
+                <a:blip r:embed="rId4"/>
+                <a:stretch>
+                  <a:fillRect l="-4891" t="-10000" b="-26667"/>
+                </a:stretch>
+              </a:blipFill>
+            </p:spPr>
+            <p:txBody>
+              <a:bodyPr/>
+              <a:lstStyle/>
+              <a:p>
+                <a:r>
+                  <a:rPr lang="en-US">
+                    <a:noFill/>
+                  </a:rPr>
+                  <a:t> </a:t>
+                </a:r>
+              </a:p>
+            </p:txBody>
+          </p:sp>
+        </mc:Fallback>
+      </mc:AlternateContent>
+      <p:sp>
+        <p:nvSpPr>
+          <p:cNvPr id="100" name="TextBox 99"/>
+          <p:cNvSpPr txBox="1"/>
+          <p:nvPr/>
+        </p:nvSpPr>
+        <p:spPr>
+          <a:xfrm>
+            <a:off x="9596716" y="-24374"/>
+            <a:ext cx="1121537" cy="369332"/>
+          </a:xfrm>
+          <a:prstGeom prst="rect">
+            <a:avLst/>
+          </a:prstGeom>
+          <a:noFill/>
+        </p:spPr>
+        <p:txBody>
+          <a:bodyPr wrap="square" rtlCol="0">
+            <a:spAutoFit/>
+          </a:bodyPr>
+          <a:lstStyle/>
+          <a:p>
+            <a:r>
+              <a:rPr lang="en-US" dirty="0" smtClean="0"/>
+              <a:t>(3)</a:t>
+            </a:r>
+            <a:endParaRPr lang="en-US" dirty="0"/>
+          </a:p>
+        </p:txBody>
+      </p:sp>
+      <mc:AlternateContent xmlns:mc="http://schemas.openxmlformats.org/markup-compatibility/2006">
+        <mc:Choice xmlns:a14="http://schemas.microsoft.com/office/drawing/2010/main" Requires="a14">
+          <p:graphicFrame>
+            <p:nvGraphicFramePr>
+              <p:cNvPr id="102" name="Table 101"/>
+              <p:cNvGraphicFramePr>
+                <a:graphicFrameLocks noGrp="1"/>
+              </p:cNvGraphicFramePr>
+              <p:nvPr>
+                <p:extLst>
+                  <p:ext uri="{D42A27DB-BD31-4B8C-83A1-F6EECF244321}">
+                    <p14:modId xmlns:p14="http://schemas.microsoft.com/office/powerpoint/2010/main" val="268254077"/>
+                  </p:ext>
+                </p:extLst>
+              </p:nvPr>
+            </p:nvGraphicFramePr>
+            <p:xfrm>
+              <a:off x="10116616" y="64802"/>
+              <a:ext cx="5082860" cy="3802086"/>
+            </p:xfrm>
+            <a:graphic>
+              <a:graphicData uri="http://schemas.openxmlformats.org/drawingml/2006/table">
+                <a:tbl>
+                  <a:tblPr firstRow="1" bandRow="1">
+                    <a:tableStyleId>{5940675A-B579-460E-94D1-54222C63F5DA}</a:tableStyleId>
+                  </a:tblPr>
+                  <a:tblGrid>
+                    <a:gridCol w="1152128"/>
+                    <a:gridCol w="1368152"/>
+                    <a:gridCol w="1296144"/>
+                    <a:gridCol w="1266436"/>
+                  </a:tblGrid>
+                  <a:tr h="557010">
+                    <a:tc>
+                      <a:txBody>
+                        <a:bodyPr/>
+                        <a:lstStyle/>
+                        <a:p>
+                          <a:pPr algn="ctr"/>
+                          <a:endParaRPr lang="en-US" dirty="0"/>
+                        </a:p>
+                      </a:txBody>
+                      <a:tcPr/>
+                    </a:tc>
+                    <a:tc>
+                      <a:txBody>
+                        <a:bodyPr/>
+                        <a:lstStyle/>
+                        <a:p>
+                          <a:pPr algn="ctr"/>
+                          <a14:m>
+                            <m:oMathPara xmlns:m="http://schemas.openxmlformats.org/officeDocument/2006/math">
+                              <m:oMathParaPr>
+                                <m:jc m:val="centerGroup"/>
+                              </m:oMathParaPr>
+                              <m:oMath xmlns:m="http://schemas.openxmlformats.org/officeDocument/2006/math">
+                                <m:sSub>
+                                  <m:sSubPr>
+                                    <m:ctrlPr>
+                                      <a:rPr lang="en-US" sz="2000" i="1" smtClean="0">
+                                        <a:latin typeface="Cambria Math" charset="0"/>
+                                      </a:rPr>
+                                    </m:ctrlPr>
+                                  </m:sSubPr>
+                                  <m:e>
+                                    <m:r>
+                                      <a:rPr lang="en-AU" sz="2000" i="1" smtClean="0">
+                                        <a:latin typeface="Cambria Math" charset="0"/>
+                                        <a:ea typeface="Cambria Math" charset="0"/>
+                                        <a:cs typeface="Cambria Math" charset="0"/>
+                                      </a:rPr>
+                                      <m:t>𝒢</m:t>
+                                    </m:r>
+                                  </m:e>
+                                  <m:sub>
+                                    <m:r>
+                                      <a:rPr lang="en-AU" sz="2000" b="0" i="1" smtClean="0">
+                                        <a:latin typeface="Cambria Math" charset="0"/>
+                                      </a:rPr>
+                                      <m:t>1</m:t>
+                                    </m:r>
+                                  </m:sub>
+                                </m:sSub>
+                              </m:oMath>
+                            </m:oMathPara>
+                          </a14:m>
+                          <a:endParaRPr lang="en-US" sz="2000" dirty="0"/>
+                        </a:p>
+                      </a:txBody>
+                      <a:tcPr/>
+                    </a:tc>
+                    <a:tc>
+                      <a:txBody>
+                        <a:bodyPr/>
+                        <a:lstStyle/>
+                        <a:p>
+                          <a:pPr algn="ctr"/>
+                          <a14:m>
+                            <m:oMathPara xmlns:m="http://schemas.openxmlformats.org/officeDocument/2006/math">
+                              <m:oMathParaPr>
+                                <m:jc m:val="centerGroup"/>
+                              </m:oMathParaPr>
+                              <m:oMath xmlns:m="http://schemas.openxmlformats.org/officeDocument/2006/math">
+                                <m:sSub>
+                                  <m:sSubPr>
+                                    <m:ctrlPr>
+                                      <a:rPr lang="en-US" sz="2000" i="1" smtClean="0">
+                                        <a:latin typeface="Cambria Math" charset="0"/>
+                                      </a:rPr>
+                                    </m:ctrlPr>
+                                  </m:sSubPr>
+                                  <m:e>
+                                    <m:r>
+                                      <a:rPr lang="en-AU" sz="2000" i="1" smtClean="0">
+                                        <a:latin typeface="Cambria Math" charset="0"/>
+                                        <a:ea typeface="Cambria Math" charset="0"/>
+                                        <a:cs typeface="Cambria Math" charset="0"/>
+                                      </a:rPr>
+                                      <m:t>𝒢</m:t>
+                                    </m:r>
+                                  </m:e>
+                                  <m:sub>
+                                    <m:r>
+                                      <a:rPr lang="en-AU" sz="2000" b="0" i="1" smtClean="0">
+                                        <a:latin typeface="Cambria Math" charset="0"/>
+                                      </a:rPr>
+                                      <m:t>2</m:t>
+                                    </m:r>
+                                  </m:sub>
+                                </m:sSub>
+                              </m:oMath>
+                            </m:oMathPara>
+                          </a14:m>
+                          <a:endParaRPr lang="en-US" sz="2000" dirty="0"/>
+                        </a:p>
+                      </a:txBody>
+                      <a:tcPr/>
+                    </a:tc>
+                    <a:tc>
+                      <a:txBody>
+                        <a:bodyPr/>
+                        <a:lstStyle/>
+                        <a:p>
+                          <a:pPr algn="ctr"/>
+                          <a:r>
+                            <a:rPr lang="en-US" sz="2000" dirty="0" smtClean="0"/>
+                            <a:t>𝚫Q</a:t>
+                          </a:r>
+                          <a:endParaRPr lang="en-US" sz="2000" dirty="0"/>
+                        </a:p>
+                      </a:txBody>
+                      <a:tcPr/>
+                    </a:tc>
+                  </a:tr>
+                  <a:tr h="540846">
+                    <a:tc>
+                      <a:txBody>
+                        <a:bodyPr/>
+                        <a:lstStyle/>
+                        <a:p>
+                          <a:pPr marL="0" marR="0" indent="0" algn="ctr" defTabSz="914400" rtl="0" eaLnBrk="1" fontAlgn="auto" latinLnBrk="0" hangingPunct="1">
+                            <a:lnSpc>
+                              <a:spcPct val="100000"/>
+                            </a:lnSpc>
+                            <a:spcBef>
+                              <a:spcPts val="0"/>
+                            </a:spcBef>
+                            <a:spcAft>
+                              <a:spcPts val="0"/>
+                            </a:spcAft>
+                            <a:buClrTx/>
+                            <a:buSzTx/>
+                            <a:buFontTx/>
+                            <a:buNone/>
+                            <a:tabLst/>
+                            <a:defRPr/>
+                          </a:pPr>
+                          <a14:m>
+                            <m:oMathPara xmlns:m="http://schemas.openxmlformats.org/officeDocument/2006/math">
+                              <m:oMathParaPr>
+                                <m:jc m:val="centerGroup"/>
+                              </m:oMathParaPr>
+                              <m:oMath xmlns:m="http://schemas.openxmlformats.org/officeDocument/2006/math">
+                                <m:r>
+                                  <a:rPr lang="en-US" sz="2400" b="0" i="1" smtClean="0">
+                                    <a:latin typeface="Cambria Math" charset="0"/>
+                                  </a:rPr>
+                                  <m:t>𝑆𝑀</m:t>
+                                </m:r>
+                              </m:oMath>
+                            </m:oMathPara>
+                          </a14:m>
+                          <a:endParaRPr lang="en-US" sz="2400" dirty="0"/>
+                        </a:p>
+                      </a:txBody>
+                      <a:tcPr/>
+                    </a:tc>
+                    <a:tc>
+                      <a:txBody>
+                        <a:bodyPr/>
+                        <a:lstStyle/>
+                        <a:p>
+                          <a:pPr algn="ctr"/>
+                          <a:r>
+                            <a:rPr lang="en-US" sz="2000" dirty="0" smtClean="0"/>
+                            <a:t>0.6679</a:t>
+                          </a:r>
+                          <a:endParaRPr lang="en-US" sz="2000" dirty="0"/>
+                        </a:p>
+                      </a:txBody>
+                      <a:tcPr/>
+                    </a:tc>
+                    <a:tc>
+                      <a:txBody>
+                        <a:bodyPr/>
+                        <a:lstStyle/>
+                        <a:p>
+                          <a:pPr algn="ctr"/>
+                          <a:r>
+                            <a:rPr lang="en-US" sz="2000" dirty="0" smtClean="0"/>
+                            <a:t>0.8143</a:t>
+                          </a:r>
+                          <a:endParaRPr lang="en-US" sz="2000" dirty="0"/>
+                        </a:p>
+                      </a:txBody>
+                      <a:tcPr/>
+                    </a:tc>
+                    <a:tc>
+                      <a:txBody>
+                        <a:bodyPr/>
+                        <a:lstStyle/>
+                        <a:p>
+                          <a:pPr algn="ctr"/>
+                          <a:r>
+                            <a:rPr lang="en-US" sz="2000" dirty="0" smtClean="0"/>
+                            <a:t>+0.1467</a:t>
+                          </a:r>
+                          <a:endParaRPr lang="en-US" sz="2000" dirty="0"/>
+                        </a:p>
+                      </a:txBody>
+                      <a:tcPr/>
+                    </a:tc>
+                  </a:tr>
+                  <a:tr h="540846">
+                    <a:tc>
+                      <a:txBody>
+                        <a:bodyPr/>
+                        <a:lstStyle/>
+                        <a:p>
+                          <a:pPr algn="ctr"/>
+                          <a14:m>
+                            <m:oMathPara xmlns:m="http://schemas.openxmlformats.org/officeDocument/2006/math">
+                              <m:oMathParaPr>
+                                <m:jc m:val="centerGroup"/>
+                              </m:oMathParaPr>
+                              <m:oMath xmlns:m="http://schemas.openxmlformats.org/officeDocument/2006/math">
+                                <m:r>
+                                  <a:rPr lang="en-AU" sz="2400" b="0" i="1" smtClean="0">
+                                    <a:latin typeface="Cambria Math" charset="0"/>
+                                  </a:rPr>
+                                  <m:t>𝑄𝑜𝑆</m:t>
+                                </m:r>
+                              </m:oMath>
+                            </m:oMathPara>
+                          </a14:m>
+                          <a:endParaRPr lang="en-US" sz="2400" dirty="0"/>
+                        </a:p>
+                      </a:txBody>
+                      <a:tcPr/>
+                    </a:tc>
+                    <a:tc>
+                      <a:txBody>
+                        <a:bodyPr/>
+                        <a:lstStyle/>
+                        <a:p>
+                          <a:pPr algn="ctr"/>
+                          <a:r>
+                            <a:rPr lang="en-US" sz="2000" dirty="0" smtClean="0"/>
+                            <a:t>0.4949</a:t>
+                          </a:r>
+                          <a:endParaRPr lang="en-US" sz="2000" dirty="0"/>
+                        </a:p>
+                      </a:txBody>
+                      <a:tcPr/>
+                    </a:tc>
+                    <a:tc>
+                      <a:txBody>
+                        <a:bodyPr/>
+                        <a:lstStyle/>
+                        <a:p>
+                          <a:pPr algn="ctr"/>
+                          <a:r>
+                            <a:rPr lang="en-US" sz="2000" dirty="0" smtClean="0"/>
+                            <a:t>0.4915</a:t>
+                          </a:r>
+                          <a:endParaRPr lang="en-US" sz="2000" dirty="0"/>
+                        </a:p>
+                      </a:txBody>
+                      <a:tcPr/>
+                    </a:tc>
+                    <a:tc>
+                      <a:txBody>
+                        <a:bodyPr/>
+                        <a:lstStyle/>
+                        <a:p>
+                          <a:pPr algn="ctr"/>
+                          <a:r>
+                            <a:rPr lang="en-US" sz="2000" dirty="0" smtClean="0"/>
+                            <a:t>-0.0034</a:t>
+                          </a:r>
+                          <a:endParaRPr lang="en-US" sz="2000" dirty="0"/>
+                        </a:p>
+                      </a:txBody>
+                      <a:tcPr/>
+                    </a:tc>
+                  </a:tr>
+                  <a:tr h="540846">
+                    <a:tc>
+                      <a:txBody>
+                        <a:bodyPr/>
+                        <a:lstStyle/>
+                        <a:p>
+                          <a:pPr algn="ctr"/>
+                          <a14:m>
+                            <m:oMathPara xmlns:m="http://schemas.openxmlformats.org/officeDocument/2006/math">
+                              <m:oMathParaPr>
+                                <m:jc m:val="centerGroup"/>
+                              </m:oMathParaPr>
+                              <m:oMath xmlns:m="http://schemas.openxmlformats.org/officeDocument/2006/math">
+                                <m:sSub>
+                                  <m:sSubPr>
+                                    <m:ctrlPr>
+                                      <a:rPr lang="en-US" sz="2400" i="1" smtClean="0">
+                                        <a:latin typeface="Cambria Math" charset="0"/>
+                                      </a:rPr>
+                                    </m:ctrlPr>
+                                  </m:sSubPr>
+                                  <m:e>
+                                    <m:r>
+                                      <a:rPr lang="en-US" sz="2400" b="0" i="1" smtClean="0">
+                                        <a:latin typeface="Cambria Math" charset="0"/>
+                                      </a:rPr>
+                                      <m:t>𝑠𝑚</m:t>
+                                    </m:r>
+                                  </m:e>
+                                  <m:sub>
+                                    <m:sSub>
+                                      <m:sSubPr>
+                                        <m:ctrlPr>
+                                          <a:rPr lang="en-US" sz="2400" i="1" smtClean="0">
+                                            <a:latin typeface="Cambria Math" charset="0"/>
+                                          </a:rPr>
+                                        </m:ctrlPr>
+                                      </m:sSubPr>
+                                      <m:e>
+                                        <m:r>
+                                          <a:rPr lang="en-US" sz="2400" b="0" i="1" smtClean="0">
+                                            <a:latin typeface="Cambria Math" charset="0"/>
+                                          </a:rPr>
+                                          <m:t>𝑙𝑖𝑛𝑘</m:t>
+                                        </m:r>
+                                      </m:e>
+                                      <m:sub>
+                                        <m:r>
+                                          <a:rPr lang="en-AU" sz="2400" smtClean="0">
+                                            <a:latin typeface="Cambria Math" charset="0"/>
+                                          </a:rPr>
+                                          <m:t>1</m:t>
+                                        </m:r>
+                                      </m:sub>
+                                    </m:sSub>
+                                  </m:sub>
+                                </m:sSub>
+                              </m:oMath>
+                            </m:oMathPara>
+                          </a14:m>
+                          <a:endParaRPr lang="en-US" sz="2400" dirty="0"/>
+                        </a:p>
+                      </a:txBody>
+                      <a:tcPr/>
+                    </a:tc>
+                    <a:tc>
+                      <a:txBody>
+                        <a:bodyPr/>
+                        <a:lstStyle/>
+                        <a:p>
+                          <a:pPr algn="ctr"/>
+                          <a:r>
+                            <a:rPr lang="en-US" sz="2000" dirty="0" smtClean="0"/>
+                            <a:t>1</a:t>
+                          </a:r>
+                          <a:endParaRPr lang="en-US" sz="2000" dirty="0"/>
+                        </a:p>
+                      </a:txBody>
+                      <a:tcPr/>
+                    </a:tc>
+                    <a:tc>
+                      <a:txBody>
+                        <a:bodyPr/>
+                        <a:lstStyle/>
+                        <a:p>
+                          <a:pPr algn="ctr"/>
+                          <a:r>
+                            <a:rPr lang="en-US" sz="2000" dirty="0" smtClean="0"/>
+                            <a:t>1</a:t>
+                          </a:r>
+                          <a:endParaRPr lang="en-US" sz="2000" dirty="0"/>
+                        </a:p>
+                      </a:txBody>
+                      <a:tcPr/>
+                    </a:tc>
+                    <a:tc>
+                      <a:txBody>
+                        <a:bodyPr/>
+                        <a:lstStyle/>
+                        <a:p>
+                          <a:pPr algn="ctr"/>
+                          <a:r>
+                            <a:rPr lang="en-US" sz="2000" dirty="0" smtClean="0"/>
+                            <a:t>0</a:t>
+                          </a:r>
+                          <a:endParaRPr lang="en-US" sz="2000" dirty="0"/>
+                        </a:p>
+                      </a:txBody>
+                      <a:tcPr/>
+                    </a:tc>
+                  </a:tr>
+                  <a:tr h="540846">
+                    <a:tc>
+                      <a:txBody>
+                        <a:bodyPr/>
+                        <a:lstStyle/>
+                        <a:p>
+                          <a:pPr algn="ctr"/>
+                          <a14:m>
+                            <m:oMathPara xmlns:m="http://schemas.openxmlformats.org/officeDocument/2006/math">
+                              <m:oMathParaPr>
+                                <m:jc m:val="centerGroup"/>
+                              </m:oMathParaPr>
+                              <m:oMath xmlns:m="http://schemas.openxmlformats.org/officeDocument/2006/math">
+                                <m:sSub>
+                                  <m:sSubPr>
+                                    <m:ctrlPr>
+                                      <a:rPr lang="en-US" sz="2400" i="1" smtClean="0">
+                                        <a:latin typeface="Cambria Math" charset="0"/>
+                                      </a:rPr>
+                                    </m:ctrlPr>
+                                  </m:sSubPr>
+                                  <m:e>
+                                    <m:r>
+                                      <a:rPr lang="en-US" sz="2400" b="0" i="1" smtClean="0">
+                                        <a:latin typeface="Cambria Math" charset="0"/>
+                                      </a:rPr>
+                                      <m:t>𝑠𝑚</m:t>
+                                    </m:r>
+                                  </m:e>
+                                  <m:sub>
+                                    <m:sSub>
+                                      <m:sSubPr>
+                                        <m:ctrlPr>
+                                          <a:rPr lang="en-US" sz="2400" i="1" smtClean="0">
+                                            <a:latin typeface="Cambria Math" charset="0"/>
+                                          </a:rPr>
+                                        </m:ctrlPr>
+                                      </m:sSubPr>
+                                      <m:e>
+                                        <m:r>
+                                          <a:rPr lang="en-US" sz="2400" b="0" i="1" smtClean="0">
+                                            <a:latin typeface="Cambria Math" charset="0"/>
+                                          </a:rPr>
+                                          <m:t>𝑙𝑖𝑛𝑘</m:t>
+                                        </m:r>
+                                      </m:e>
+                                      <m:sub>
+                                        <m:r>
+                                          <a:rPr lang="en-AU" sz="2400" b="0" i="0" smtClean="0">
+                                            <a:latin typeface="Cambria Math" charset="0"/>
+                                          </a:rPr>
+                                          <m:t>2</m:t>
+                                        </m:r>
+                                      </m:sub>
+                                    </m:sSub>
+                                  </m:sub>
+                                </m:sSub>
+                              </m:oMath>
+                            </m:oMathPara>
+                          </a14:m>
+                          <a:endParaRPr lang="en-US" sz="2400" dirty="0"/>
+                        </a:p>
+                      </a:txBody>
+                      <a:tcPr/>
+                    </a:tc>
+                    <a:tc>
+                      <a:txBody>
+                        <a:bodyPr/>
+                        <a:lstStyle/>
+                        <a:p>
+                          <a:pPr algn="ctr"/>
+                          <a:r>
+                            <a:rPr lang="en-US" sz="2000" dirty="0" smtClean="0"/>
+                            <a:t>0.8366</a:t>
+                          </a:r>
+                          <a:endParaRPr lang="en-US" sz="2000" dirty="0"/>
+                        </a:p>
+                      </a:txBody>
+                      <a:tcPr/>
+                    </a:tc>
+                    <a:tc>
+                      <a:txBody>
+                        <a:bodyPr/>
+                        <a:lstStyle/>
+                        <a:p>
+                          <a:pPr algn="ctr"/>
+                          <a:r>
+                            <a:rPr lang="en-US" sz="2000" dirty="0" smtClean="0"/>
+                            <a:t>0.9399</a:t>
+                          </a:r>
+                          <a:endParaRPr lang="en-US" sz="2000" dirty="0"/>
+                        </a:p>
+                      </a:txBody>
+                      <a:tcPr/>
+                    </a:tc>
+                    <a:tc>
+                      <a:txBody>
+                        <a:bodyPr/>
+                        <a:lstStyle/>
+                        <a:p>
+                          <a:pPr algn="ctr"/>
+                          <a:r>
+                            <a:rPr lang="en-US" sz="2000" dirty="0" smtClean="0"/>
+                            <a:t>+0.1033</a:t>
+                          </a:r>
+                          <a:endParaRPr lang="en-US" sz="2000" dirty="0"/>
+                        </a:p>
+                      </a:txBody>
+                      <a:tcPr/>
+                    </a:tc>
+                  </a:tr>
+                  <a:tr h="540846">
+                    <a:tc>
+                      <a:txBody>
+                        <a:bodyPr/>
+                        <a:lstStyle/>
+                        <a:p>
+                          <a:pPr algn="ctr"/>
+                          <a14:m>
+                            <m:oMathPara xmlns:m="http://schemas.openxmlformats.org/officeDocument/2006/math">
+                              <m:oMathParaPr>
+                                <m:jc m:val="centerGroup"/>
+                              </m:oMathParaPr>
+                              <m:oMath xmlns:m="http://schemas.openxmlformats.org/officeDocument/2006/math">
+                                <m:sSub>
+                                  <m:sSubPr>
+                                    <m:ctrlPr>
+                                      <a:rPr lang="en-US" sz="2400" i="1" smtClean="0">
+                                        <a:latin typeface="Cambria Math" charset="0"/>
+                                      </a:rPr>
+                                    </m:ctrlPr>
+                                  </m:sSubPr>
+                                  <m:e>
+                                    <m:r>
+                                      <a:rPr lang="en-US" sz="2400" b="0" i="1" smtClean="0">
+                                        <a:latin typeface="Cambria Math" charset="0"/>
+                                      </a:rPr>
+                                      <m:t>𝑠𝑚</m:t>
+                                    </m:r>
+                                  </m:e>
+                                  <m:sub>
+                                    <m:sSub>
+                                      <m:sSubPr>
+                                        <m:ctrlPr>
+                                          <a:rPr lang="en-US" sz="2400" i="1" smtClean="0">
+                                            <a:latin typeface="Cambria Math" charset="0"/>
+                                          </a:rPr>
+                                        </m:ctrlPr>
+                                      </m:sSubPr>
+                                      <m:e>
+                                        <m:r>
+                                          <a:rPr lang="en-US" sz="2400" b="0" i="1" smtClean="0">
+                                            <a:latin typeface="Cambria Math" charset="0"/>
+                                          </a:rPr>
+                                          <m:t>𝑙𝑖𝑛𝑘</m:t>
+                                        </m:r>
+                                      </m:e>
+                                      <m:sub>
+                                        <m:r>
+                                          <a:rPr lang="en-AU" sz="2400" b="0" i="0" smtClean="0">
+                                            <a:latin typeface="Cambria Math" charset="0"/>
+                                          </a:rPr>
+                                          <m:t>3</m:t>
+                                        </m:r>
+                                      </m:sub>
+                                    </m:sSub>
+                                  </m:sub>
+                                </m:sSub>
+                              </m:oMath>
+                            </m:oMathPara>
+                          </a14:m>
+                          <a:endParaRPr lang="en-US" sz="2400" dirty="0"/>
+                        </a:p>
+                      </a:txBody>
+                      <a:tcPr/>
+                    </a:tc>
+                    <a:tc>
+                      <a:txBody>
+                        <a:bodyPr/>
+                        <a:lstStyle/>
+                        <a:p>
+                          <a:pPr algn="ctr"/>
+                          <a:r>
+                            <a:rPr lang="en-US" sz="2000" dirty="0" smtClean="0"/>
+                            <a:t>0.7865</a:t>
+                          </a:r>
+                          <a:endParaRPr lang="en-US" sz="2000" dirty="0"/>
+                        </a:p>
+                      </a:txBody>
+                      <a:tcPr/>
+                    </a:tc>
+                    <a:tc>
+                      <a:txBody>
+                        <a:bodyPr/>
+                        <a:lstStyle/>
+                        <a:p>
+                          <a:pPr algn="ctr"/>
+                          <a:r>
+                            <a:rPr lang="en-US" sz="2000" dirty="0" smtClean="0"/>
+                            <a:t>0.8971</a:t>
+                          </a:r>
+                          <a:endParaRPr lang="en-US" sz="2000" dirty="0"/>
+                        </a:p>
+                      </a:txBody>
+                      <a:tcPr/>
+                    </a:tc>
+                    <a:tc>
+                      <a:txBody>
+                        <a:bodyPr/>
+                        <a:lstStyle/>
+                        <a:p>
+                          <a:pPr algn="ctr"/>
+                          <a:r>
+                            <a:rPr lang="en-US" sz="2000" dirty="0" smtClean="0"/>
+                            <a:t>+0.1106</a:t>
+                          </a:r>
+                          <a:endParaRPr lang="en-US" sz="2000" dirty="0"/>
+                        </a:p>
+                      </a:txBody>
+                      <a:tcPr/>
+                    </a:tc>
+                  </a:tr>
+                  <a:tr h="540846">
+                    <a:tc>
+                      <a:txBody>
+                        <a:bodyPr/>
+                        <a:lstStyle/>
+                        <a:p>
+                          <a:pPr algn="ctr"/>
+                          <a14:m>
+                            <m:oMathPara xmlns:m="http://schemas.openxmlformats.org/officeDocument/2006/math">
+                              <m:oMathParaPr>
+                                <m:jc m:val="centerGroup"/>
+                              </m:oMathParaPr>
+                              <m:oMath xmlns:m="http://schemas.openxmlformats.org/officeDocument/2006/math">
+                                <m:sSub>
+                                  <m:sSubPr>
+                                    <m:ctrlPr>
+                                      <a:rPr lang="en-US" sz="2400" i="1" smtClean="0">
+                                        <a:latin typeface="Cambria Math" charset="0"/>
+                                      </a:rPr>
+                                    </m:ctrlPr>
+                                  </m:sSubPr>
+                                  <m:e>
+                                    <m:r>
+                                      <a:rPr lang="en-US" sz="2400" b="0" i="1" smtClean="0">
+                                        <a:latin typeface="Cambria Math" charset="0"/>
+                                      </a:rPr>
+                                      <m:t>𝑠𝑚</m:t>
+                                    </m:r>
+                                  </m:e>
+                                  <m:sub>
+                                    <m:sSub>
+                                      <m:sSubPr>
+                                        <m:ctrlPr>
+                                          <a:rPr lang="en-US" sz="2400" i="1" smtClean="0">
+                                            <a:latin typeface="Cambria Math" charset="0"/>
+                                          </a:rPr>
+                                        </m:ctrlPr>
+                                      </m:sSubPr>
+                                      <m:e>
+                                        <m:r>
+                                          <a:rPr lang="en-US" sz="2400" b="0" i="1" smtClean="0">
+                                            <a:latin typeface="Cambria Math" charset="0"/>
+                                          </a:rPr>
+                                          <m:t>𝑙𝑖𝑛𝑘</m:t>
+                                        </m:r>
+                                      </m:e>
+                                      <m:sub>
+                                        <m:r>
+                                          <a:rPr lang="en-US" sz="2400" b="0" i="0" smtClean="0">
+                                            <a:latin typeface="Cambria Math" charset="0"/>
+                                          </a:rPr>
+                                          <m:t>4</m:t>
+                                        </m:r>
+                                      </m:sub>
+                                    </m:sSub>
+                                  </m:sub>
+                                </m:sSub>
+                              </m:oMath>
+                            </m:oMathPara>
+                          </a14:m>
+                          <a:endParaRPr lang="en-US" sz="2400" dirty="0"/>
+                        </a:p>
+                      </a:txBody>
+                      <a:tcPr/>
+                    </a:tc>
+                    <a:tc>
+                      <a:txBody>
+                        <a:bodyPr/>
+                        <a:lstStyle/>
+                        <a:p>
+                          <a:pPr algn="ctr"/>
+                          <a:r>
+                            <a:rPr lang="en-US" sz="2000" dirty="0" smtClean="0"/>
+                            <a:t>0.8295</a:t>
+                          </a:r>
+                          <a:endParaRPr lang="en-US" sz="2000" dirty="0"/>
+                        </a:p>
+                      </a:txBody>
+                      <a:tcPr/>
+                    </a:tc>
+                    <a:tc>
+                      <a:txBody>
+                        <a:bodyPr/>
+                        <a:lstStyle/>
+                        <a:p>
+                          <a:pPr algn="ctr"/>
+                          <a:r>
+                            <a:rPr lang="en-US" sz="2000" dirty="0" smtClean="0"/>
+                            <a:t>0.8959</a:t>
+                          </a:r>
+                          <a:endParaRPr lang="en-US" sz="2000" dirty="0"/>
+                        </a:p>
+                      </a:txBody>
+                      <a:tcPr/>
+                    </a:tc>
+                    <a:tc>
+                      <a:txBody>
+                        <a:bodyPr/>
+                        <a:lstStyle/>
+                        <a:p>
+                          <a:pPr algn="ctr"/>
+                          <a:r>
+                            <a:rPr lang="en-US" sz="2000" dirty="0" smtClean="0"/>
+                            <a:t>+0.0664</a:t>
+                          </a:r>
+                          <a:endParaRPr lang="en-US" sz="2000" dirty="0"/>
+                        </a:p>
+                      </a:txBody>
+                      <a:tcPr/>
+                    </a:tc>
+                  </a:tr>
+                </a:tbl>
+              </a:graphicData>
+            </a:graphic>
+          </p:graphicFrame>
+        </mc:Choice>
+        <mc:Fallback>
+          <p:graphicFrame>
+            <p:nvGraphicFramePr>
+              <p:cNvPr id="102" name="Table 101"/>
+              <p:cNvGraphicFramePr>
+                <a:graphicFrameLocks noGrp="1"/>
+              </p:cNvGraphicFramePr>
+              <p:nvPr>
+                <p:extLst>
+                  <p:ext uri="{D42A27DB-BD31-4B8C-83A1-F6EECF244321}">
+                    <p14:modId xmlns:p14="http://schemas.microsoft.com/office/powerpoint/2010/main" val="268254077"/>
+                  </p:ext>
+                </p:extLst>
+              </p:nvPr>
+            </p:nvGraphicFramePr>
+            <p:xfrm>
+              <a:off x="10116616" y="64802"/>
+              <a:ext cx="5082860" cy="3802086"/>
+            </p:xfrm>
+            <a:graphic>
+              <a:graphicData uri="http://schemas.openxmlformats.org/drawingml/2006/table">
+                <a:tbl>
+                  <a:tblPr firstRow="1" bandRow="1">
+                    <a:tableStyleId>{5940675A-B579-460E-94D1-54222C63F5DA}</a:tableStyleId>
+                  </a:tblPr>
+                  <a:tblGrid>
+                    <a:gridCol w="1152128"/>
+                    <a:gridCol w="1368152"/>
+                    <a:gridCol w="1296144"/>
+                    <a:gridCol w="1266436"/>
+                  </a:tblGrid>
+                  <a:tr h="557010">
+                    <a:tc>
+                      <a:txBody>
+                        <a:bodyPr/>
+                        <a:lstStyle/>
+                        <a:p>
+                          <a:pPr algn="ctr"/>
+                          <a:endParaRPr lang="en-US" dirty="0"/>
+                        </a:p>
+                      </a:txBody>
+                      <a:tcPr/>
+                    </a:tc>
+                    <a:tc>
+                      <a:txBody>
+                        <a:bodyPr/>
+                        <a:lstStyle/>
+                        <a:p>
+                          <a:endParaRPr lang="en-US"/>
+                        </a:p>
+                      </a:txBody>
+                      <a:tcPr>
+                        <a:blipFill rotWithShape="0">
+                          <a:blip r:embed="rId5"/>
+                          <a:stretch>
+                            <a:fillRect l="-84444" t="-7609" r="-188000" b="-581522"/>
+                          </a:stretch>
+                        </a:blipFill>
+                      </a:tcPr>
+                    </a:tc>
+                    <a:tc>
+                      <a:txBody>
+                        <a:bodyPr/>
+                        <a:lstStyle/>
+                        <a:p>
+                          <a:endParaRPr lang="en-US"/>
+                        </a:p>
+                      </a:txBody>
+                      <a:tcPr>
+                        <a:blipFill rotWithShape="0">
+                          <a:blip r:embed="rId5"/>
+                          <a:stretch>
+                            <a:fillRect l="-194836" t="-7609" r="-98592" b="-581522"/>
+                          </a:stretch>
+                        </a:blipFill>
+                      </a:tcPr>
+                    </a:tc>
+                    <a:tc>
+                      <a:txBody>
+                        <a:bodyPr/>
+                        <a:lstStyle/>
+                        <a:p>
+                          <a:pPr algn="ctr"/>
+                          <a:r>
+                            <a:rPr lang="en-US" sz="2000" dirty="0" smtClean="0"/>
+                            <a:t>𝚫Q</a:t>
+                          </a:r>
+                          <a:endParaRPr lang="en-US" sz="2000" dirty="0"/>
+                        </a:p>
+                      </a:txBody>
+                      <a:tcPr/>
+                    </a:tc>
+                  </a:tr>
+                  <a:tr h="540846">
+                    <a:tc>
+                      <a:txBody>
+                        <a:bodyPr/>
+                        <a:lstStyle/>
+                        <a:p>
+                          <a:endParaRPr lang="en-US"/>
+                        </a:p>
+                      </a:txBody>
+                      <a:tcPr>
+                        <a:blipFill rotWithShape="0">
+                          <a:blip r:embed="rId5"/>
+                          <a:stretch>
+                            <a:fillRect l="-529" t="-112500" r="-342857" b="-507955"/>
+                          </a:stretch>
+                        </a:blipFill>
+                      </a:tcPr>
+                    </a:tc>
+                    <a:tc>
+                      <a:txBody>
+                        <a:bodyPr/>
+                        <a:lstStyle/>
+                        <a:p>
+                          <a:pPr algn="ctr"/>
+                          <a:r>
+                            <a:rPr lang="en-US" sz="2000" dirty="0" smtClean="0"/>
+                            <a:t>0.6679</a:t>
+                          </a:r>
+                          <a:endParaRPr lang="en-US" sz="2000" dirty="0"/>
+                        </a:p>
+                      </a:txBody>
+                      <a:tcPr/>
+                    </a:tc>
+                    <a:tc>
+                      <a:txBody>
+                        <a:bodyPr/>
+                        <a:lstStyle/>
+                        <a:p>
+                          <a:pPr algn="ctr"/>
+                          <a:r>
+                            <a:rPr lang="en-US" sz="2000" dirty="0" smtClean="0"/>
+                            <a:t>0.8143</a:t>
+                          </a:r>
+                          <a:endParaRPr lang="en-US" sz="2000" dirty="0"/>
+                        </a:p>
+                      </a:txBody>
+                      <a:tcPr/>
+                    </a:tc>
+                    <a:tc>
+                      <a:txBody>
+                        <a:bodyPr/>
+                        <a:lstStyle/>
+                        <a:p>
+                          <a:pPr algn="ctr"/>
+                          <a:r>
+                            <a:rPr lang="en-US" sz="2000" dirty="0" smtClean="0"/>
+                            <a:t>+0.1467</a:t>
+                          </a:r>
+                          <a:endParaRPr lang="en-US" sz="2000" dirty="0"/>
+                        </a:p>
+                      </a:txBody>
+                      <a:tcPr/>
+                    </a:tc>
+                  </a:tr>
+                  <a:tr h="540846">
+                    <a:tc>
+                      <a:txBody>
+                        <a:bodyPr/>
+                        <a:lstStyle/>
+                        <a:p>
+                          <a:endParaRPr lang="en-US"/>
+                        </a:p>
+                      </a:txBody>
+                      <a:tcPr>
+                        <a:blipFill rotWithShape="0">
+                          <a:blip r:embed="rId5"/>
+                          <a:stretch>
+                            <a:fillRect l="-529" t="-210112" r="-342857" b="-402247"/>
+                          </a:stretch>
+                        </a:blipFill>
+                      </a:tcPr>
+                    </a:tc>
+                    <a:tc>
+                      <a:txBody>
+                        <a:bodyPr/>
+                        <a:lstStyle/>
+                        <a:p>
+                          <a:pPr algn="ctr"/>
+                          <a:r>
+                            <a:rPr lang="en-US" sz="2000" dirty="0" smtClean="0"/>
+                            <a:t>0.4949</a:t>
+                          </a:r>
+                          <a:endParaRPr lang="en-US" sz="2000" dirty="0"/>
+                        </a:p>
+                      </a:txBody>
+                      <a:tcPr/>
+                    </a:tc>
+                    <a:tc>
+                      <a:txBody>
+                        <a:bodyPr/>
+                        <a:lstStyle/>
+                        <a:p>
+                          <a:pPr algn="ctr"/>
+                          <a:r>
+                            <a:rPr lang="en-US" sz="2000" dirty="0" smtClean="0"/>
+                            <a:t>0.4915</a:t>
+                          </a:r>
+                          <a:endParaRPr lang="en-US" sz="2000" dirty="0"/>
+                        </a:p>
+                      </a:txBody>
+                      <a:tcPr/>
+                    </a:tc>
+                    <a:tc>
+                      <a:txBody>
+                        <a:bodyPr/>
+                        <a:lstStyle/>
+                        <a:p>
+                          <a:pPr algn="ctr"/>
+                          <a:r>
+                            <a:rPr lang="en-US" sz="2000" dirty="0" smtClean="0"/>
+                            <a:t>-0.0034</a:t>
+                          </a:r>
+                          <a:endParaRPr lang="en-US" sz="2000" dirty="0"/>
+                        </a:p>
+                      </a:txBody>
+                      <a:tcPr/>
+                    </a:tc>
+                  </a:tr>
+                  <a:tr h="540846">
+                    <a:tc>
+                      <a:txBody>
+                        <a:bodyPr/>
+                        <a:lstStyle/>
+                        <a:p>
+                          <a:endParaRPr lang="en-US"/>
+                        </a:p>
+                      </a:txBody>
+                      <a:tcPr>
+                        <a:blipFill rotWithShape="0">
+                          <a:blip r:embed="rId5"/>
+                          <a:stretch>
+                            <a:fillRect l="-529" t="-310112" r="-342857" b="-302247"/>
+                          </a:stretch>
+                        </a:blipFill>
+                      </a:tcPr>
+                    </a:tc>
+                    <a:tc>
+                      <a:txBody>
+                        <a:bodyPr/>
+                        <a:lstStyle/>
+                        <a:p>
+                          <a:pPr algn="ctr"/>
+                          <a:r>
+                            <a:rPr lang="en-US" sz="2000" dirty="0" smtClean="0"/>
+                            <a:t>1</a:t>
+                          </a:r>
+                          <a:endParaRPr lang="en-US" sz="2000" dirty="0"/>
+                        </a:p>
+                      </a:txBody>
+                      <a:tcPr/>
+                    </a:tc>
+                    <a:tc>
+                      <a:txBody>
+                        <a:bodyPr/>
+                        <a:lstStyle/>
+                        <a:p>
+                          <a:pPr algn="ctr"/>
+                          <a:r>
+                            <a:rPr lang="en-US" sz="2000" dirty="0" smtClean="0"/>
+                            <a:t>1</a:t>
+                          </a:r>
+                          <a:endParaRPr lang="en-US" sz="2000" dirty="0"/>
+                        </a:p>
+                      </a:txBody>
+                      <a:tcPr/>
+                    </a:tc>
+                    <a:tc>
+                      <a:txBody>
+                        <a:bodyPr/>
+                        <a:lstStyle/>
+                        <a:p>
+                          <a:pPr algn="ctr"/>
+                          <a:r>
+                            <a:rPr lang="en-US" sz="2000" dirty="0" smtClean="0"/>
+                            <a:t>0</a:t>
+                          </a:r>
+                          <a:endParaRPr lang="en-US" sz="2000" dirty="0"/>
+                        </a:p>
+                      </a:txBody>
+                      <a:tcPr/>
+                    </a:tc>
+                  </a:tr>
+                  <a:tr h="540846">
+                    <a:tc>
+                      <a:txBody>
+                        <a:bodyPr/>
+                        <a:lstStyle/>
+                        <a:p>
+                          <a:endParaRPr lang="en-US"/>
+                        </a:p>
+                      </a:txBody>
+                      <a:tcPr>
+                        <a:blipFill rotWithShape="0">
+                          <a:blip r:embed="rId5"/>
+                          <a:stretch>
+                            <a:fillRect l="-529" t="-410112" r="-342857" b="-202247"/>
+                          </a:stretch>
+                        </a:blipFill>
+                      </a:tcPr>
+                    </a:tc>
+                    <a:tc>
+                      <a:txBody>
+                        <a:bodyPr/>
+                        <a:lstStyle/>
+                        <a:p>
+                          <a:pPr algn="ctr"/>
+                          <a:r>
+                            <a:rPr lang="en-US" sz="2000" dirty="0" smtClean="0"/>
+                            <a:t>0.8366</a:t>
+                          </a:r>
+                          <a:endParaRPr lang="en-US" sz="2000" dirty="0"/>
+                        </a:p>
+                      </a:txBody>
+                      <a:tcPr/>
+                    </a:tc>
+                    <a:tc>
+                      <a:txBody>
+                        <a:bodyPr/>
+                        <a:lstStyle/>
+                        <a:p>
+                          <a:pPr algn="ctr"/>
+                          <a:r>
+                            <a:rPr lang="en-US" sz="2000" dirty="0" smtClean="0"/>
+                            <a:t>0.9399</a:t>
+                          </a:r>
+                          <a:endParaRPr lang="en-US" sz="2000" dirty="0"/>
+                        </a:p>
+                      </a:txBody>
+                      <a:tcPr/>
+                    </a:tc>
+                    <a:tc>
+                      <a:txBody>
+                        <a:bodyPr/>
+                        <a:lstStyle/>
+                        <a:p>
+                          <a:pPr algn="ctr"/>
+                          <a:r>
+                            <a:rPr lang="en-US" sz="2000" dirty="0" smtClean="0"/>
+                            <a:t>+0.1033</a:t>
+                          </a:r>
+                          <a:endParaRPr lang="en-US" sz="2000" dirty="0"/>
+                        </a:p>
+                      </a:txBody>
+                      <a:tcPr/>
+                    </a:tc>
+                  </a:tr>
+                  <a:tr h="540846">
+                    <a:tc>
+                      <a:txBody>
+                        <a:bodyPr/>
+                        <a:lstStyle/>
+                        <a:p>
+                          <a:endParaRPr lang="en-US"/>
+                        </a:p>
+                      </a:txBody>
+                      <a:tcPr>
+                        <a:blipFill rotWithShape="0">
+                          <a:blip r:embed="rId5"/>
+                          <a:stretch>
+                            <a:fillRect l="-529" t="-510112" r="-342857" b="-102247"/>
+                          </a:stretch>
+                        </a:blipFill>
+                      </a:tcPr>
+                    </a:tc>
+                    <a:tc>
+                      <a:txBody>
+                        <a:bodyPr/>
+                        <a:lstStyle/>
+                        <a:p>
+                          <a:pPr algn="ctr"/>
+                          <a:r>
+                            <a:rPr lang="en-US" sz="2000" dirty="0" smtClean="0"/>
+                            <a:t>0.7865</a:t>
+                          </a:r>
+                          <a:endParaRPr lang="en-US" sz="2000" dirty="0"/>
+                        </a:p>
+                      </a:txBody>
+                      <a:tcPr/>
+                    </a:tc>
+                    <a:tc>
+                      <a:txBody>
+                        <a:bodyPr/>
+                        <a:lstStyle/>
+                        <a:p>
+                          <a:pPr algn="ctr"/>
+                          <a:r>
+                            <a:rPr lang="en-US" sz="2000" dirty="0" smtClean="0"/>
+                            <a:t>0.8971</a:t>
+                          </a:r>
+                          <a:endParaRPr lang="en-US" sz="2000" dirty="0"/>
+                        </a:p>
+                      </a:txBody>
+                      <a:tcPr/>
+                    </a:tc>
+                    <a:tc>
+                      <a:txBody>
+                        <a:bodyPr/>
+                        <a:lstStyle/>
+                        <a:p>
+                          <a:pPr algn="ctr"/>
+                          <a:r>
+                            <a:rPr lang="en-US" sz="2000" dirty="0" smtClean="0"/>
+                            <a:t>+0.1106</a:t>
+                          </a:r>
+                          <a:endParaRPr lang="en-US" sz="2000" dirty="0"/>
+                        </a:p>
+                      </a:txBody>
+                      <a:tcPr/>
+                    </a:tc>
+                  </a:tr>
+                  <a:tr h="540846">
+                    <a:tc>
+                      <a:txBody>
+                        <a:bodyPr/>
+                        <a:lstStyle/>
+                        <a:p>
+                          <a:endParaRPr lang="en-US"/>
+                        </a:p>
+                      </a:txBody>
+                      <a:tcPr>
+                        <a:blipFill rotWithShape="0">
+                          <a:blip r:embed="rId5"/>
+                          <a:stretch>
+                            <a:fillRect l="-529" t="-610112" r="-342857" b="-2247"/>
+                          </a:stretch>
+                        </a:blipFill>
+                      </a:tcPr>
+                    </a:tc>
+                    <a:tc>
+                      <a:txBody>
+                        <a:bodyPr/>
+                        <a:lstStyle/>
+                        <a:p>
+                          <a:pPr algn="ctr"/>
+                          <a:r>
+                            <a:rPr lang="en-US" sz="2000" dirty="0" smtClean="0"/>
+                            <a:t>0.8295</a:t>
+                          </a:r>
+                          <a:endParaRPr lang="en-US" sz="2000" dirty="0"/>
+                        </a:p>
+                      </a:txBody>
+                      <a:tcPr/>
+                    </a:tc>
+                    <a:tc>
+                      <a:txBody>
+                        <a:bodyPr/>
+                        <a:lstStyle/>
+                        <a:p>
+                          <a:pPr algn="ctr"/>
+                          <a:r>
+                            <a:rPr lang="en-US" sz="2000" dirty="0" smtClean="0"/>
+                            <a:t>0.8959</a:t>
+                          </a:r>
+                          <a:endParaRPr lang="en-US" sz="2000" dirty="0"/>
+                        </a:p>
+                      </a:txBody>
+                      <a:tcPr/>
+                    </a:tc>
+                    <a:tc>
+                      <a:txBody>
+                        <a:bodyPr/>
+                        <a:lstStyle/>
+                        <a:p>
+                          <a:pPr algn="ctr"/>
+                          <a:r>
+                            <a:rPr lang="en-US" sz="2000" dirty="0" smtClean="0"/>
+                            <a:t>+0.0664</a:t>
+                          </a:r>
+                          <a:endParaRPr lang="en-US" sz="2000" dirty="0"/>
+                        </a:p>
+                      </a:txBody>
+                      <a:tcPr/>
+                    </a:tc>
+                  </a:tr>
+                </a:tbl>
+              </a:graphicData>
+            </a:graphic>
+          </p:graphicFrame>
+        </mc:Fallback>
+      </mc:AlternateContent>
+      <mc:AlternateContent xmlns:mc="http://schemas.openxmlformats.org/markup-compatibility/2006">
+        <mc:Choice xmlns:a14="http://schemas.microsoft.com/office/drawing/2010/main" Requires="a14">
+          <p:sp>
+            <p:nvSpPr>
+              <p:cNvPr id="104" name="Rectangle 103"/>
+              <p:cNvSpPr/>
+              <p:nvPr/>
+            </p:nvSpPr>
+            <p:spPr>
+              <a:xfrm>
+                <a:off x="11758725" y="5216403"/>
+                <a:ext cx="1774845" cy="369332"/>
+              </a:xfrm>
+              <a:prstGeom prst="rect">
+                <a:avLst/>
+              </a:prstGeom>
+            </p:spPr>
+            <p:txBody>
+              <a:bodyPr wrap="none">
+                <a:spAutoFit/>
+              </a:bodyPr>
+              <a:lstStyle/>
+              <a:p>
+                <a:pPr/>
+                <a14:m>
+                  <m:oMathPara xmlns:m="http://schemas.openxmlformats.org/officeDocument/2006/math">
+                    <m:oMathParaPr>
+                      <m:jc m:val="centerGroup"/>
+                    </m:oMathParaPr>
+                    <m:oMath xmlns:m="http://schemas.openxmlformats.org/officeDocument/2006/math">
+                      <m:r>
+                        <m:rPr>
+                          <m:nor/>
+                        </m:rPr>
+                        <a:rPr lang="en-NZ" dirty="0" smtClean="0">
+                          <a:solidFill>
+                            <a:schemeClr val="accent3">
+                              <a:lumMod val="75000"/>
+                            </a:schemeClr>
+                          </a:solidFill>
+                        </a:rPr>
+                        <m:t>Con</m:t>
+                      </m:r>
+                      <m:r>
+                        <m:rPr>
+                          <m:nor/>
+                        </m:rPr>
+                        <a:rPr lang="en-NZ" dirty="0" smtClean="0">
+                          <a:solidFill>
+                            <a:schemeClr val="accent3">
+                              <a:lumMod val="75000"/>
+                            </a:schemeClr>
+                          </a:solidFill>
+                        </a:rPr>
+                        <m:t>2113572083</m:t>
+                      </m:r>
+                    </m:oMath>
+                  </m:oMathPara>
+                </a14:m>
+                <a:endParaRPr lang="en-NZ" dirty="0">
+                  <a:solidFill>
+                    <a:schemeClr val="accent3">
+                      <a:lumMod val="75000"/>
+                    </a:schemeClr>
+                  </a:solidFill>
+                </a:endParaRPr>
+              </a:p>
+            </p:txBody>
+          </p:sp>
+        </mc:Choice>
+        <mc:Fallback>
+          <p:sp>
+            <p:nvSpPr>
+              <p:cNvPr id="104" name="Rectangle 103"/>
+              <p:cNvSpPr>
+                <a:spLocks noRot="1" noChangeAspect="1" noMove="1" noResize="1" noEditPoints="1" noAdjustHandles="1" noChangeArrowheads="1" noChangeShapeType="1" noTextEdit="1"/>
+              </p:cNvSpPr>
+              <p:nvPr/>
+            </p:nvSpPr>
+            <p:spPr>
+              <a:xfrm>
+                <a:off x="11758725" y="5216403"/>
+                <a:ext cx="1774845" cy="369332"/>
+              </a:xfrm>
+              <a:prstGeom prst="rect">
+                <a:avLst/>
+              </a:prstGeom>
+              <a:blipFill rotWithShape="0">
+                <a:blip r:embed="rId6"/>
+                <a:stretch>
+                  <a:fillRect/>
+                </a:stretch>
+              </a:blipFill>
+            </p:spPr>
+            <p:txBody>
+              <a:bodyPr/>
+              <a:lstStyle/>
+              <a:p>
+                <a:r>
+                  <a:rPr lang="en-US">
+                    <a:noFill/>
+                  </a:rPr>
+                  <a:t> </a:t>
+                </a:r>
+              </a:p>
+            </p:txBody>
+          </p:sp>
+        </mc:Fallback>
+      </mc:AlternateContent>
+      <mc:AlternateContent xmlns:mc="http://schemas.openxmlformats.org/markup-compatibility/2006">
+        <mc:Choice xmlns:a14="http://schemas.microsoft.com/office/drawing/2010/main" Requires="a14">
+          <p:sp>
+            <p:nvSpPr>
+              <p:cNvPr id="106" name="Rectangle 105"/>
+              <p:cNvSpPr/>
+              <p:nvPr/>
+            </p:nvSpPr>
+            <p:spPr>
+              <a:xfrm>
+                <a:off x="10763069" y="6188511"/>
+                <a:ext cx="1657826" cy="369332"/>
+              </a:xfrm>
+              <a:prstGeom prst="rect">
+                <a:avLst/>
+              </a:prstGeom>
+            </p:spPr>
+            <p:txBody>
+              <a:bodyPr wrap="none">
+                <a:spAutoFit/>
+              </a:bodyPr>
+              <a:lstStyle/>
+              <a:p>
+                <a:pPr/>
+                <a14:m>
+                  <m:oMathPara xmlns:m="http://schemas.openxmlformats.org/officeDocument/2006/math">
+                    <m:oMathParaPr>
+                      <m:jc m:val="centerGroup"/>
+                    </m:oMathParaPr>
+                    <m:oMath xmlns:m="http://schemas.openxmlformats.org/officeDocument/2006/math">
+                      <m:r>
+                        <m:rPr>
+                          <m:nor/>
+                        </m:rPr>
+                        <a:rPr lang="en-NZ" dirty="0" smtClean="0">
+                          <a:solidFill>
+                            <a:schemeClr val="tx1"/>
+                          </a:solidFill>
+                        </a:rPr>
+                        <m:t>Con</m:t>
+                      </m:r>
+                      <m:r>
+                        <m:rPr>
+                          <m:nor/>
+                        </m:rPr>
+                        <a:rPr lang="en-US" b="0" i="0" dirty="0" smtClean="0">
+                          <a:solidFill>
+                            <a:schemeClr val="tx1"/>
+                          </a:solidFill>
+                        </a:rPr>
+                        <m:t>865430433</m:t>
+                      </m:r>
+                    </m:oMath>
+                  </m:oMathPara>
+                </a14:m>
+                <a:endParaRPr lang="en-NZ" dirty="0">
+                  <a:solidFill>
+                    <a:schemeClr val="tx1"/>
+                  </a:solidFill>
+                </a:endParaRPr>
+              </a:p>
+            </p:txBody>
+          </p:sp>
+        </mc:Choice>
+        <mc:Fallback>
+          <p:sp>
+            <p:nvSpPr>
+              <p:cNvPr id="106" name="Rectangle 105"/>
+              <p:cNvSpPr>
+                <a:spLocks noRot="1" noChangeAspect="1" noMove="1" noResize="1" noEditPoints="1" noAdjustHandles="1" noChangeArrowheads="1" noChangeShapeType="1" noTextEdit="1"/>
+              </p:cNvSpPr>
+              <p:nvPr/>
+            </p:nvSpPr>
+            <p:spPr>
+              <a:xfrm>
+                <a:off x="10763069" y="6188511"/>
+                <a:ext cx="1657826" cy="369332"/>
+              </a:xfrm>
+              <a:prstGeom prst="rect">
+                <a:avLst/>
+              </a:prstGeom>
+              <a:blipFill rotWithShape="0">
+                <a:blip r:embed="rId7"/>
+                <a:stretch>
+                  <a:fillRect/>
+                </a:stretch>
+              </a:blipFill>
+            </p:spPr>
+            <p:txBody>
+              <a:bodyPr/>
+              <a:lstStyle/>
+              <a:p>
+                <a:r>
+                  <a:rPr lang="en-US">
+                    <a:noFill/>
+                  </a:rPr>
+                  <a:t> </a:t>
+                </a:r>
+              </a:p>
+            </p:txBody>
+          </p:sp>
+        </mc:Fallback>
+      </mc:AlternateContent>
+      <mc:AlternateContent xmlns:mc="http://schemas.openxmlformats.org/markup-compatibility/2006">
+        <mc:Choice xmlns:a14="http://schemas.microsoft.com/office/drawing/2010/main" Requires="a14">
+          <p:sp>
+            <p:nvSpPr>
+              <p:cNvPr id="107" name="Rectangle 106"/>
+              <p:cNvSpPr/>
+              <p:nvPr/>
+            </p:nvSpPr>
+            <p:spPr>
+              <a:xfrm>
+                <a:off x="12950606" y="6188511"/>
+                <a:ext cx="1657826" cy="369332"/>
+              </a:xfrm>
+              <a:prstGeom prst="rect">
+                <a:avLst/>
+              </a:prstGeom>
+            </p:spPr>
+            <p:txBody>
+              <a:bodyPr wrap="none">
+                <a:spAutoFit/>
+              </a:bodyPr>
+              <a:lstStyle/>
+              <a:p>
+                <a:pPr/>
+                <a14:m>
+                  <m:oMathPara xmlns:m="http://schemas.openxmlformats.org/officeDocument/2006/math">
+                    <m:oMathParaPr>
+                      <m:jc m:val="centerGroup"/>
+                    </m:oMathParaPr>
+                    <m:oMath xmlns:m="http://schemas.openxmlformats.org/officeDocument/2006/math">
+                      <m:r>
+                        <m:rPr>
+                          <m:nor/>
+                        </m:rPr>
+                        <a:rPr lang="en-NZ" dirty="0" smtClean="0">
+                          <a:solidFill>
+                            <a:schemeClr val="tx1"/>
+                          </a:solidFill>
+                        </a:rPr>
+                        <m:t>Con</m:t>
+                      </m:r>
+                      <m:r>
+                        <m:rPr>
+                          <m:nor/>
+                        </m:rPr>
+                        <a:rPr lang="en-US" b="0" i="0" dirty="0" smtClean="0">
+                          <a:solidFill>
+                            <a:schemeClr val="tx1"/>
+                          </a:solidFill>
+                        </a:rPr>
+                        <m:t>933224122</m:t>
+                      </m:r>
+                    </m:oMath>
+                  </m:oMathPara>
+                </a14:m>
+                <a:endParaRPr lang="en-NZ" dirty="0">
+                  <a:solidFill>
+                    <a:schemeClr val="tx1"/>
+                  </a:solidFill>
+                </a:endParaRPr>
+              </a:p>
+            </p:txBody>
+          </p:sp>
+        </mc:Choice>
+        <mc:Fallback>
+          <p:sp>
+            <p:nvSpPr>
+              <p:cNvPr id="107" name="Rectangle 106"/>
+              <p:cNvSpPr>
+                <a:spLocks noRot="1" noChangeAspect="1" noMove="1" noResize="1" noEditPoints="1" noAdjustHandles="1" noChangeArrowheads="1" noChangeShapeType="1" noTextEdit="1"/>
+              </p:cNvSpPr>
+              <p:nvPr/>
+            </p:nvSpPr>
+            <p:spPr>
+              <a:xfrm>
+                <a:off x="12950606" y="6188511"/>
+                <a:ext cx="1657826" cy="369332"/>
+              </a:xfrm>
+              <a:prstGeom prst="rect">
+                <a:avLst/>
+              </a:prstGeom>
+              <a:blipFill rotWithShape="0">
+                <a:blip r:embed="rId8"/>
+                <a:stretch>
+                  <a:fillRect/>
+                </a:stretch>
+              </a:blipFill>
+            </p:spPr>
+            <p:txBody>
+              <a:bodyPr/>
+              <a:lstStyle/>
+              <a:p>
+                <a:r>
+                  <a:rPr lang="en-US">
+                    <a:noFill/>
+                  </a:rPr>
+                  <a:t> </a:t>
+                </a:r>
+              </a:p>
+            </p:txBody>
+          </p:sp>
+        </mc:Fallback>
+      </mc:AlternateContent>
+      <mc:AlternateContent xmlns:mc="http://schemas.openxmlformats.org/markup-compatibility/2006">
+        <mc:Choice xmlns:a14="http://schemas.microsoft.com/office/drawing/2010/main" Requires="a14">
+          <p:sp>
+            <p:nvSpPr>
+              <p:cNvPr id="108" name="Rectangle 107"/>
+              <p:cNvSpPr/>
+              <p:nvPr/>
+            </p:nvSpPr>
+            <p:spPr>
+              <a:xfrm>
+                <a:off x="10454300" y="7160619"/>
+                <a:ext cx="1657826" cy="369332"/>
+              </a:xfrm>
+              <a:prstGeom prst="rect">
+                <a:avLst/>
+              </a:prstGeom>
+            </p:spPr>
+            <p:txBody>
+              <a:bodyPr wrap="none">
+                <a:spAutoFit/>
+              </a:bodyPr>
+              <a:lstStyle/>
+              <a:p>
+                <a:pPr/>
+                <a14:m>
+                  <m:oMathPara xmlns:m="http://schemas.openxmlformats.org/officeDocument/2006/math">
+                    <m:oMathParaPr>
+                      <m:jc m:val="centerGroup"/>
+                    </m:oMathParaPr>
+                    <m:oMath xmlns:m="http://schemas.openxmlformats.org/officeDocument/2006/math">
+                      <m:r>
+                        <m:rPr>
+                          <m:nor/>
+                        </m:rPr>
+                        <a:rPr lang="en-NZ" dirty="0" smtClean="0">
+                          <a:solidFill>
+                            <a:srgbClr val="FF0000"/>
+                          </a:solidFill>
+                        </a:rPr>
+                        <m:t>Con</m:t>
+                      </m:r>
+                      <m:r>
+                        <m:rPr>
+                          <m:nor/>
+                        </m:rPr>
+                        <a:rPr lang="en-US" b="0" i="0" dirty="0" smtClean="0">
+                          <a:solidFill>
+                            <a:srgbClr val="FF0000"/>
+                          </a:solidFill>
+                        </a:rPr>
+                        <m:t>103314376</m:t>
+                      </m:r>
+                    </m:oMath>
+                  </m:oMathPara>
+                </a14:m>
+                <a:endParaRPr lang="en-NZ" dirty="0">
+                  <a:solidFill>
+                    <a:srgbClr val="FF0000"/>
+                  </a:solidFill>
+                </a:endParaRPr>
+              </a:p>
+            </p:txBody>
+          </p:sp>
+        </mc:Choice>
+        <mc:Fallback>
+          <p:sp>
+            <p:nvSpPr>
+              <p:cNvPr id="108" name="Rectangle 107"/>
+              <p:cNvSpPr>
+                <a:spLocks noRot="1" noChangeAspect="1" noMove="1" noResize="1" noEditPoints="1" noAdjustHandles="1" noChangeArrowheads="1" noChangeShapeType="1" noTextEdit="1"/>
+              </p:cNvSpPr>
+              <p:nvPr/>
+            </p:nvSpPr>
+            <p:spPr>
+              <a:xfrm>
+                <a:off x="10454300" y="7160619"/>
+                <a:ext cx="1657826" cy="369332"/>
+              </a:xfrm>
+              <a:prstGeom prst="rect">
+                <a:avLst/>
+              </a:prstGeom>
+              <a:blipFill rotWithShape="0">
+                <a:blip r:embed="rId9"/>
+                <a:stretch>
+                  <a:fillRect/>
+                </a:stretch>
+              </a:blipFill>
+            </p:spPr>
+            <p:txBody>
+              <a:bodyPr/>
+              <a:lstStyle/>
+              <a:p>
+                <a:r>
+                  <a:rPr lang="en-US">
+                    <a:noFill/>
+                  </a:rPr>
+                  <a:t> </a:t>
+                </a:r>
+              </a:p>
+            </p:txBody>
+          </p:sp>
+        </mc:Fallback>
+      </mc:AlternateContent>
+      <mc:AlternateContent xmlns:mc="http://schemas.openxmlformats.org/markup-compatibility/2006">
+        <mc:Choice xmlns:a14="http://schemas.microsoft.com/office/drawing/2010/main" Requires="a14">
+          <p:sp>
+            <p:nvSpPr>
+              <p:cNvPr id="109" name="Rectangle 108"/>
+              <p:cNvSpPr/>
+              <p:nvPr/>
+            </p:nvSpPr>
+            <p:spPr>
+              <a:xfrm>
+                <a:off x="12950606" y="7061899"/>
+                <a:ext cx="1774845" cy="369332"/>
+              </a:xfrm>
+              <a:prstGeom prst="rect">
+                <a:avLst/>
+              </a:prstGeom>
+            </p:spPr>
+            <p:txBody>
+              <a:bodyPr wrap="none">
+                <a:spAutoFit/>
+              </a:bodyPr>
+              <a:lstStyle/>
+              <a:p>
+                <a:pPr/>
+                <a14:m>
+                  <m:oMathPara xmlns:m="http://schemas.openxmlformats.org/officeDocument/2006/math">
+                    <m:oMathParaPr>
+                      <m:jc m:val="centerGroup"/>
+                    </m:oMathParaPr>
+                    <m:oMath xmlns:m="http://schemas.openxmlformats.org/officeDocument/2006/math">
+                      <m:r>
+                        <m:rPr>
+                          <m:nor/>
+                        </m:rPr>
+                        <a:rPr lang="en-NZ" dirty="0" smtClean="0">
+                          <a:solidFill>
+                            <a:schemeClr val="tx1"/>
+                          </a:solidFill>
+                        </a:rPr>
+                        <m:t>Con</m:t>
+                      </m:r>
+                      <m:r>
+                        <m:rPr>
+                          <m:nor/>
+                        </m:rPr>
+                        <a:rPr lang="en-US" b="0" i="0" dirty="0" smtClean="0">
+                          <a:solidFill>
+                            <a:schemeClr val="tx1"/>
+                          </a:solidFill>
+                        </a:rPr>
+                        <m:t>1277108237</m:t>
+                      </m:r>
+                    </m:oMath>
+                  </m:oMathPara>
+                </a14:m>
+                <a:endParaRPr lang="en-NZ" dirty="0">
+                  <a:solidFill>
+                    <a:schemeClr val="tx1"/>
+                  </a:solidFill>
+                </a:endParaRPr>
+              </a:p>
+            </p:txBody>
+          </p:sp>
+        </mc:Choice>
+        <mc:Fallback>
+          <p:sp>
+            <p:nvSpPr>
+              <p:cNvPr id="109" name="Rectangle 108"/>
+              <p:cNvSpPr>
+                <a:spLocks noRot="1" noChangeAspect="1" noMove="1" noResize="1" noEditPoints="1" noAdjustHandles="1" noChangeArrowheads="1" noChangeShapeType="1" noTextEdit="1"/>
+              </p:cNvSpPr>
+              <p:nvPr/>
+            </p:nvSpPr>
+            <p:spPr>
+              <a:xfrm>
+                <a:off x="12950606" y="7061899"/>
+                <a:ext cx="1774845" cy="369332"/>
+              </a:xfrm>
+              <a:prstGeom prst="rect">
+                <a:avLst/>
+              </a:prstGeom>
+              <a:blipFill rotWithShape="0">
+                <a:blip r:embed="rId10"/>
+                <a:stretch>
+                  <a:fillRect/>
+                </a:stretch>
+              </a:blipFill>
+            </p:spPr>
+            <p:txBody>
+              <a:bodyPr/>
+              <a:lstStyle/>
+              <a:p>
+                <a:r>
+                  <a:rPr lang="en-US">
+                    <a:noFill/>
+                  </a:rPr>
+                  <a:t> </a:t>
+                </a:r>
+              </a:p>
+            </p:txBody>
+          </p:sp>
+        </mc:Fallback>
+      </mc:AlternateContent>
+      <mc:AlternateContent xmlns:mc="http://schemas.openxmlformats.org/markup-compatibility/2006">
+        <mc:Choice xmlns:a14="http://schemas.microsoft.com/office/drawing/2010/main" Requires="a14">
+          <p:sp>
+            <p:nvSpPr>
+              <p:cNvPr id="111" name="Rectangle 110"/>
+              <p:cNvSpPr/>
+              <p:nvPr/>
+            </p:nvSpPr>
+            <p:spPr>
+              <a:xfrm>
+                <a:off x="12977055" y="7935287"/>
+                <a:ext cx="1721946" cy="369332"/>
+              </a:xfrm>
+              <a:prstGeom prst="rect">
+                <a:avLst/>
+              </a:prstGeom>
+            </p:spPr>
+            <p:txBody>
+              <a:bodyPr wrap="none">
+                <a:spAutoFit/>
+              </a:bodyPr>
+              <a:lstStyle/>
+              <a:p>
+                <a14:m>
+                  <m:oMath xmlns:m="http://schemas.openxmlformats.org/officeDocument/2006/math">
+                    <m:r>
+                      <m:rPr>
+                        <m:nor/>
+                      </m:rPr>
+                      <a:rPr lang="en-NZ" dirty="0" smtClean="0">
+                        <a:solidFill>
+                          <a:srgbClr val="374ADD"/>
+                        </a:solidFill>
+                      </a:rPr>
+                      <m:t>Con</m:t>
+                    </m:r>
+                    <m:r>
+                      <m:rPr>
+                        <m:nor/>
+                      </m:rPr>
+                      <a:rPr lang="en-NZ" dirty="0" smtClean="0">
+                        <a:solidFill>
+                          <a:srgbClr val="374ADD"/>
+                        </a:solidFill>
+                      </a:rPr>
+                      <m:t>2</m:t>
+                    </m:r>
+                    <m:r>
+                      <m:rPr>
+                        <m:nor/>
+                      </m:rPr>
+                      <a:rPr lang="en-US" b="0" i="0" dirty="0" smtClean="0">
+                        <a:solidFill>
+                          <a:srgbClr val="374ADD"/>
+                        </a:solidFill>
+                      </a:rPr>
+                      <m:t>037585</m:t>
+                    </m:r>
+                  </m:oMath>
+                </a14:m>
+                <a:r>
+                  <a:rPr lang="en-NZ" dirty="0" smtClean="0">
+                    <a:solidFill>
+                      <a:srgbClr val="374ADD"/>
+                    </a:solidFill>
+                  </a:rPr>
+                  <a:t>750</a:t>
+                </a:r>
+                <a:endParaRPr lang="en-NZ" dirty="0">
+                  <a:solidFill>
+                    <a:srgbClr val="374ADD"/>
+                  </a:solidFill>
+                </a:endParaRPr>
+              </a:p>
+            </p:txBody>
+          </p:sp>
+        </mc:Choice>
+        <mc:Fallback>
+          <p:sp>
+            <p:nvSpPr>
+              <p:cNvPr id="111" name="Rectangle 110"/>
+              <p:cNvSpPr>
+                <a:spLocks noRot="1" noChangeAspect="1" noMove="1" noResize="1" noEditPoints="1" noAdjustHandles="1" noChangeArrowheads="1" noChangeShapeType="1" noTextEdit="1"/>
+              </p:cNvSpPr>
+              <p:nvPr/>
+            </p:nvSpPr>
+            <p:spPr>
+              <a:xfrm>
+                <a:off x="12977055" y="7935287"/>
+                <a:ext cx="1721946" cy="369332"/>
+              </a:xfrm>
+              <a:prstGeom prst="rect">
+                <a:avLst/>
+              </a:prstGeom>
+              <a:blipFill rotWithShape="0">
+                <a:blip r:embed="rId11"/>
+                <a:stretch>
+                  <a:fillRect t="-10000" r="-2128" b="-26667"/>
+                </a:stretch>
+              </a:blipFill>
+            </p:spPr>
+            <p:txBody>
+              <a:bodyPr/>
+              <a:lstStyle/>
+              <a:p>
+                <a:r>
+                  <a:rPr lang="en-US">
+                    <a:noFill/>
+                  </a:rPr>
+                  <a:t> </a:t>
+                </a:r>
+              </a:p>
+            </p:txBody>
+          </p:sp>
+        </mc:Fallback>
+      </mc:AlternateContent>
+      <mc:AlternateContent xmlns:mc="http://schemas.openxmlformats.org/markup-compatibility/2006">
+        <mc:Choice xmlns:a14="http://schemas.microsoft.com/office/drawing/2010/main" Requires="a14">
+          <p:sp>
+            <p:nvSpPr>
+              <p:cNvPr id="115" name="Rectangle 114"/>
+              <p:cNvSpPr/>
+              <p:nvPr/>
+            </p:nvSpPr>
+            <p:spPr>
+              <a:xfrm>
+                <a:off x="11758725" y="4051554"/>
+                <a:ext cx="1774845" cy="369332"/>
+              </a:xfrm>
+              <a:prstGeom prst="rect">
+                <a:avLst/>
+              </a:prstGeom>
+            </p:spPr>
+            <p:txBody>
+              <a:bodyPr wrap="none">
+                <a:spAutoFit/>
+              </a:bodyPr>
+              <a:lstStyle/>
+              <a:p>
+                <a:pPr/>
+                <a14:m>
+                  <m:oMathPara xmlns:m="http://schemas.openxmlformats.org/officeDocument/2006/math">
+                    <m:oMathParaPr>
+                      <m:jc m:val="centerGroup"/>
+                    </m:oMathParaPr>
+                    <m:oMath xmlns:m="http://schemas.openxmlformats.org/officeDocument/2006/math">
+                      <m:r>
+                        <m:rPr>
+                          <m:nor/>
+                        </m:rPr>
+                        <a:rPr lang="en-NZ" dirty="0" smtClean="0">
+                          <a:solidFill>
+                            <a:schemeClr val="tx1"/>
+                          </a:solidFill>
+                        </a:rPr>
+                        <m:t>Con</m:t>
+                      </m:r>
+                      <m:r>
+                        <m:rPr>
+                          <m:nor/>
+                        </m:rPr>
+                        <a:rPr lang="en-US" b="0" i="0" dirty="0" smtClean="0">
+                          <a:solidFill>
+                            <a:schemeClr val="tx1"/>
+                          </a:solidFill>
+                        </a:rPr>
+                        <m:t>1140910860</m:t>
+                      </m:r>
+                    </m:oMath>
+                  </m:oMathPara>
+                </a14:m>
+                <a:endParaRPr lang="en-NZ" dirty="0">
+                  <a:solidFill>
+                    <a:schemeClr val="tx1"/>
+                  </a:solidFill>
+                </a:endParaRPr>
+              </a:p>
+            </p:txBody>
+          </p:sp>
+        </mc:Choice>
+        <mc:Fallback>
+          <p:sp>
+            <p:nvSpPr>
+              <p:cNvPr id="115" name="Rectangle 114"/>
+              <p:cNvSpPr>
+                <a:spLocks noRot="1" noChangeAspect="1" noMove="1" noResize="1" noEditPoints="1" noAdjustHandles="1" noChangeArrowheads="1" noChangeShapeType="1" noTextEdit="1"/>
+              </p:cNvSpPr>
+              <p:nvPr/>
+            </p:nvSpPr>
+            <p:spPr>
+              <a:xfrm>
+                <a:off x="11758725" y="4051554"/>
+                <a:ext cx="1774845" cy="369332"/>
+              </a:xfrm>
+              <a:prstGeom prst="rect">
+                <a:avLst/>
+              </a:prstGeom>
+              <a:blipFill rotWithShape="0">
+                <a:blip r:embed="rId12"/>
+                <a:stretch>
+                  <a:fillRect/>
+                </a:stretch>
+              </a:blipFill>
+            </p:spPr>
+            <p:txBody>
+              <a:bodyPr/>
+              <a:lstStyle/>
+              <a:p>
+                <a:r>
+                  <a:rPr lang="en-US">
+                    <a:noFill/>
+                  </a:rPr>
+                  <a:t> </a:t>
+                </a:r>
+              </a:p>
+            </p:txBody>
+          </p:sp>
+        </mc:Fallback>
+      </mc:AlternateContent>
+      <p:sp>
+        <p:nvSpPr>
+          <p:cNvPr id="117" name="Oval 116"/>
+          <p:cNvSpPr/>
+          <p:nvPr/>
+        </p:nvSpPr>
+        <p:spPr>
+          <a:xfrm>
+            <a:off x="12636441" y="4568331"/>
+            <a:ext cx="45720" cy="45719"/>
+          </a:xfrm>
+          <a:prstGeom prst="ellipse">
+            <a:avLst/>
+          </a:prstGeom>
+          <a:solidFill>
+            <a:schemeClr val="tx1"/>
+          </a:solidFill>
+          <a:ln>
+            <a:solidFill>
+              <a:schemeClr val="tx1"/>
+            </a:solidFill>
+          </a:ln>
+        </p:spPr>
+        <p:style>
+          <a:lnRef idx="2">
+            <a:schemeClr val="accent1">
+              <a:shade val="50000"/>
+            </a:schemeClr>
+          </a:lnRef>
+          <a:fillRef idx="1">
+            <a:schemeClr val="accent1"/>
+          </a:fillRef>
+          <a:effectRef idx="0">
+            <a:schemeClr val="accent1"/>
+          </a:effectRef>
+          <a:fontRef idx="minor">
+            <a:schemeClr val="lt1"/>
+          </a:fontRef>
+        </p:style>
+        <p:txBody>
+          <a:bodyPr rtlCol="0" anchor="ctr"/>
+          <a:lstStyle/>
+          <a:p>
+            <a:pPr algn="ctr"/>
+            <a:endParaRPr lang="en-NZ" dirty="0"/>
+          </a:p>
+        </p:txBody>
+      </p:sp>
+      <p:sp>
+        <p:nvSpPr>
+          <p:cNvPr id="119" name="Oval 118"/>
+          <p:cNvSpPr/>
+          <p:nvPr/>
+        </p:nvSpPr>
+        <p:spPr>
+          <a:xfrm>
+            <a:off x="12635277" y="4761495"/>
+            <a:ext cx="45720" cy="45719"/>
+          </a:xfrm>
+          <a:prstGeom prst="ellipse">
+            <a:avLst/>
+          </a:prstGeom>
+          <a:solidFill>
+            <a:schemeClr val="tx1"/>
+          </a:solidFill>
+          <a:ln>
+            <a:solidFill>
+              <a:schemeClr val="tx1"/>
+            </a:solidFill>
+          </a:ln>
+        </p:spPr>
+        <p:style>
+          <a:lnRef idx="2">
+            <a:schemeClr val="accent1">
+              <a:shade val="50000"/>
+            </a:schemeClr>
+          </a:lnRef>
+          <a:fillRef idx="1">
+            <a:schemeClr val="accent1"/>
+          </a:fillRef>
+          <a:effectRef idx="0">
+            <a:schemeClr val="accent1"/>
+          </a:effectRef>
+          <a:fontRef idx="minor">
+            <a:schemeClr val="lt1"/>
+          </a:fontRef>
+        </p:style>
+        <p:txBody>
+          <a:bodyPr rtlCol="0" anchor="ctr"/>
+          <a:lstStyle/>
+          <a:p>
+            <a:pPr algn="ctr"/>
+            <a:endParaRPr lang="en-NZ" dirty="0"/>
+          </a:p>
+        </p:txBody>
+      </p:sp>
+      <p:sp>
+        <p:nvSpPr>
+          <p:cNvPr id="121" name="Oval 120"/>
+          <p:cNvSpPr/>
+          <p:nvPr/>
+        </p:nvSpPr>
+        <p:spPr>
+          <a:xfrm>
+            <a:off x="12635277" y="4946587"/>
+            <a:ext cx="45720" cy="45719"/>
+          </a:xfrm>
+          <a:prstGeom prst="ellipse">
+            <a:avLst/>
+          </a:prstGeom>
+          <a:solidFill>
+            <a:schemeClr val="tx1"/>
+          </a:solidFill>
+          <a:ln>
+            <a:solidFill>
+              <a:schemeClr val="tx1"/>
+            </a:solidFill>
+          </a:ln>
+        </p:spPr>
+        <p:style>
+          <a:lnRef idx="2">
+            <a:schemeClr val="accent1">
+              <a:shade val="50000"/>
+            </a:schemeClr>
+          </a:lnRef>
+          <a:fillRef idx="1">
+            <a:schemeClr val="accent1"/>
+          </a:fillRef>
+          <a:effectRef idx="0">
+            <a:schemeClr val="accent1"/>
+          </a:effectRef>
+          <a:fontRef idx="minor">
+            <a:schemeClr val="lt1"/>
+          </a:fontRef>
+        </p:style>
+        <p:txBody>
+          <a:bodyPr rtlCol="0" anchor="ctr"/>
+          <a:lstStyle/>
+          <a:p>
+            <a:pPr algn="ctr"/>
+            <a:endParaRPr lang="en-NZ" dirty="0"/>
+          </a:p>
+        </p:txBody>
+      </p:sp>
+      <p:cxnSp>
+        <p:nvCxnSpPr>
+          <p:cNvPr id="123" name="Straight Connector 122"/>
+          <p:cNvCxnSpPr>
+            <a:endCxn id="106" idx="0"/>
+          </p:cNvCxnSpPr>
+          <p:nvPr/>
+        </p:nvCxnSpPr>
+        <p:spPr>
+          <a:xfrm flipH="1">
+            <a:off x="11591982" y="5567881"/>
+            <a:ext cx="1048829" cy="620630"/>
+          </a:xfrm>
+          <a:prstGeom prst="line">
+            <a:avLst/>
+          </a:prstGeom>
+          <a:ln>
+            <a:solidFill>
+              <a:schemeClr val="tx1"/>
+            </a:solidFill>
+          </a:ln>
+        </p:spPr>
+        <p:style>
+          <a:lnRef idx="1">
+            <a:schemeClr val="accent1"/>
+          </a:lnRef>
+          <a:fillRef idx="0">
+            <a:schemeClr val="accent1"/>
+          </a:fillRef>
+          <a:effectRef idx="0">
+            <a:schemeClr val="accent1"/>
+          </a:effectRef>
+          <a:fontRef idx="minor">
+            <a:schemeClr val="tx1"/>
+          </a:fontRef>
+        </p:style>
+      </p:cxnSp>
+      <p:cxnSp>
+        <p:nvCxnSpPr>
+          <p:cNvPr id="124" name="Straight Connector 123"/>
+          <p:cNvCxnSpPr>
+            <a:stCxn id="130" idx="2"/>
+            <a:endCxn id="132" idx="0"/>
+          </p:cNvCxnSpPr>
+          <p:nvPr/>
+        </p:nvCxnSpPr>
+        <p:spPr>
+          <a:xfrm flipH="1">
+            <a:off x="11283213" y="6557843"/>
+            <a:ext cx="308769" cy="602776"/>
+          </a:xfrm>
+          <a:prstGeom prst="line">
+            <a:avLst/>
+          </a:prstGeom>
+          <a:ln>
+            <a:solidFill>
+              <a:schemeClr val="tx1"/>
+            </a:solidFill>
+          </a:ln>
+        </p:spPr>
+        <p:style>
+          <a:lnRef idx="1">
+            <a:schemeClr val="accent1"/>
+          </a:lnRef>
+          <a:fillRef idx="0">
+            <a:schemeClr val="accent1"/>
+          </a:fillRef>
+          <a:effectRef idx="0">
+            <a:schemeClr val="accent1"/>
+          </a:effectRef>
+          <a:fontRef idx="minor">
+            <a:schemeClr val="tx1"/>
+          </a:fontRef>
+        </p:style>
+      </p:cxnSp>
+      <p:cxnSp>
+        <p:nvCxnSpPr>
+          <p:cNvPr id="126" name="Straight Connector 125"/>
+          <p:cNvCxnSpPr>
+            <a:stCxn id="131" idx="2"/>
+            <a:endCxn id="133" idx="0"/>
+          </p:cNvCxnSpPr>
+          <p:nvPr/>
+        </p:nvCxnSpPr>
+        <p:spPr>
+          <a:xfrm>
+            <a:off x="13779519" y="6557843"/>
+            <a:ext cx="58510" cy="504056"/>
+          </a:xfrm>
+          <a:prstGeom prst="line">
+            <a:avLst/>
+          </a:prstGeom>
+          <a:ln>
+            <a:solidFill>
+              <a:schemeClr val="tx1"/>
+            </a:solidFill>
+          </a:ln>
+        </p:spPr>
+        <p:style>
+          <a:lnRef idx="1">
+            <a:schemeClr val="accent1"/>
+          </a:lnRef>
+          <a:fillRef idx="0">
+            <a:schemeClr val="accent1"/>
+          </a:fillRef>
+          <a:effectRef idx="0">
+            <a:schemeClr val="accent1"/>
+          </a:effectRef>
+          <a:fontRef idx="minor">
+            <a:schemeClr val="tx1"/>
+          </a:fontRef>
+        </p:style>
+      </p:cxnSp>
+      <p:cxnSp>
+        <p:nvCxnSpPr>
+          <p:cNvPr id="127" name="Straight Connector 126"/>
+          <p:cNvCxnSpPr>
+            <a:stCxn id="133" idx="2"/>
+            <a:endCxn id="134" idx="0"/>
+          </p:cNvCxnSpPr>
+          <p:nvPr/>
+        </p:nvCxnSpPr>
+        <p:spPr>
+          <a:xfrm flipH="1">
+            <a:off x="13838028" y="7431231"/>
+            <a:ext cx="1" cy="504056"/>
+          </a:xfrm>
+          <a:prstGeom prst="line">
+            <a:avLst/>
+          </a:prstGeom>
+          <a:ln>
+            <a:solidFill>
+              <a:schemeClr val="tx1"/>
+            </a:solidFill>
+          </a:ln>
+        </p:spPr>
+        <p:style>
+          <a:lnRef idx="1">
+            <a:schemeClr val="accent1"/>
+          </a:lnRef>
+          <a:fillRef idx="0">
+            <a:schemeClr val="accent1"/>
+          </a:fillRef>
+          <a:effectRef idx="0">
+            <a:schemeClr val="accent1"/>
+          </a:effectRef>
+          <a:fontRef idx="minor">
+            <a:schemeClr val="tx1"/>
+          </a:fontRef>
+        </p:style>
+      </p:cxnSp>
+      <mc:AlternateContent xmlns:mc="http://schemas.openxmlformats.org/markup-compatibility/2006">
+        <mc:Choice xmlns:a14="http://schemas.microsoft.com/office/drawing/2010/main" Requires="a14">
+          <p:sp>
+            <p:nvSpPr>
+              <p:cNvPr id="128" name="Rectangle 127"/>
+              <p:cNvSpPr/>
+              <p:nvPr/>
+            </p:nvSpPr>
+            <p:spPr>
+              <a:xfrm>
+                <a:off x="9981955" y="8032866"/>
+                <a:ext cx="2013372" cy="369332"/>
+              </a:xfrm>
+              <a:prstGeom prst="rect">
+                <a:avLst/>
+              </a:prstGeom>
+            </p:spPr>
+            <p:txBody>
+              <a:bodyPr wrap="none">
+                <a:spAutoFit/>
+              </a:bodyPr>
+              <a:lstStyle/>
+              <a:p>
+                <a:pPr/>
+                <a14:m>
+                  <m:oMathPara xmlns:m="http://schemas.openxmlformats.org/officeDocument/2006/math">
+                    <m:oMathParaPr>
+                      <m:jc m:val="centerGroup"/>
+                    </m:oMathParaPr>
+                    <m:oMath xmlns:m="http://schemas.openxmlformats.org/officeDocument/2006/math">
+                      <m:r>
+                        <a:rPr lang="en-AU" b="0" i="1" smtClean="0">
+                          <a:solidFill>
+                            <a:srgbClr val="FF0000"/>
+                          </a:solidFill>
+                          <a:latin typeface="Cambria Math" charset="0"/>
+                        </a:rPr>
+                        <m:t>𝑆</m:t>
+                      </m:r>
+                      <m:r>
+                        <a:rPr lang="en-AU" b="0" i="1" smtClean="0">
+                          <a:solidFill>
+                            <a:srgbClr val="FF0000"/>
+                          </a:solidFill>
+                          <a:latin typeface="Cambria Math" charset="0"/>
+                        </a:rPr>
+                        <m:t>: </m:t>
+                      </m:r>
+                      <m:r>
+                        <a:rPr lang="en-US" b="0" i="1" smtClean="0">
+                          <a:solidFill>
+                            <a:srgbClr val="FF0000"/>
+                          </a:solidFill>
+                          <a:latin typeface="Cambria Math" charset="0"/>
+                        </a:rPr>
+                        <m:t>𝑆𝑒𝑟</m:t>
+                      </m:r>
+                      <m:r>
+                        <a:rPr lang="en-US" i="1">
+                          <a:solidFill>
+                            <a:srgbClr val="FF0000"/>
+                          </a:solidFill>
+                          <a:latin typeface="Cambria Math" charset="0"/>
+                        </a:rPr>
+                        <m:t>947554374</m:t>
+                      </m:r>
+                    </m:oMath>
+                  </m:oMathPara>
+                </a14:m>
+                <a:endParaRPr lang="en-NZ" dirty="0">
+                  <a:solidFill>
+                    <a:srgbClr val="FF0000"/>
+                  </a:solidFill>
+                </a:endParaRPr>
+              </a:p>
+            </p:txBody>
+          </p:sp>
+        </mc:Choice>
+        <mc:Fallback>
+          <p:sp>
+            <p:nvSpPr>
+              <p:cNvPr id="128" name="Rectangle 127"/>
+              <p:cNvSpPr>
+                <a:spLocks noRot="1" noChangeAspect="1" noMove="1" noResize="1" noEditPoints="1" noAdjustHandles="1" noChangeArrowheads="1" noChangeShapeType="1" noTextEdit="1"/>
+              </p:cNvSpPr>
+              <p:nvPr/>
+            </p:nvSpPr>
+            <p:spPr>
+              <a:xfrm>
+                <a:off x="9981955" y="8032866"/>
+                <a:ext cx="2013372" cy="369332"/>
+              </a:xfrm>
+              <a:prstGeom prst="rect">
+                <a:avLst/>
+              </a:prstGeom>
+              <a:blipFill rotWithShape="0">
+                <a:blip r:embed="rId13"/>
+                <a:stretch>
+                  <a:fillRect t="-98333" b="-123333"/>
+                </a:stretch>
+              </a:blipFill>
+            </p:spPr>
+            <p:txBody>
+              <a:bodyPr/>
+              <a:lstStyle/>
+              <a:p>
+                <a:r>
+                  <a:rPr lang="en-US">
+                    <a:noFill/>
+                  </a:rPr>
+                  <a:t> </a:t>
+                </a:r>
+              </a:p>
+            </p:txBody>
+          </p:sp>
+        </mc:Fallback>
+      </mc:AlternateContent>
+      <mc:AlternateContent xmlns:mc="http://schemas.openxmlformats.org/markup-compatibility/2006">
+        <mc:Choice xmlns:a14="http://schemas.microsoft.com/office/drawing/2010/main" Requires="a14">
+          <p:sp>
+            <p:nvSpPr>
+              <p:cNvPr id="130" name="Rectangle 129"/>
+              <p:cNvSpPr/>
+              <p:nvPr/>
+            </p:nvSpPr>
+            <p:spPr>
+              <a:xfrm>
+                <a:off x="9947011" y="7750621"/>
+                <a:ext cx="2141099" cy="369332"/>
+              </a:xfrm>
+              <a:prstGeom prst="rect">
+                <a:avLst/>
+              </a:prstGeom>
+            </p:spPr>
+            <p:txBody>
+              <a:bodyPr wrap="none">
+                <a:spAutoFit/>
+              </a:bodyPr>
+              <a:lstStyle/>
+              <a:p>
+                <a:pPr/>
+                <a14:m>
+                  <m:oMathPara xmlns:m="http://schemas.openxmlformats.org/officeDocument/2006/math">
+                    <m:oMathParaPr>
+                      <m:jc m:val="centerGroup"/>
+                    </m:oMathParaPr>
+                    <m:oMath xmlns:m="http://schemas.openxmlformats.org/officeDocument/2006/math">
+                      <m:sSub>
+                        <m:sSubPr>
+                          <m:ctrlPr>
+                            <a:rPr lang="en-US" b="0" i="1" smtClean="0">
+                              <a:solidFill>
+                                <a:srgbClr val="FF0000"/>
+                              </a:solidFill>
+                              <a:latin typeface="Cambria Math" charset="0"/>
+                            </a:rPr>
+                          </m:ctrlPr>
+                        </m:sSubPr>
+                        <m:e>
+                          <m:r>
+                            <a:rPr lang="en-AU" b="0" i="1" smtClean="0">
+                              <a:solidFill>
+                                <a:srgbClr val="FF0000"/>
+                              </a:solidFill>
+                              <a:latin typeface="Cambria Math" charset="0"/>
+                            </a:rPr>
+                            <m:t>𝑂</m:t>
+                          </m:r>
+                        </m:e>
+                        <m:sub>
+                          <m:r>
+                            <a:rPr lang="en-AU" b="0" i="1" smtClean="0">
+                              <a:solidFill>
+                                <a:srgbClr val="FF0000"/>
+                              </a:solidFill>
+                              <a:latin typeface="Cambria Math" charset="0"/>
+                            </a:rPr>
+                            <m:t>𝑠</m:t>
+                          </m:r>
+                        </m:sub>
+                      </m:sSub>
+                      <m:r>
+                        <a:rPr lang="en-US" b="0" i="1" smtClean="0">
+                          <a:solidFill>
+                            <a:srgbClr val="FF0000"/>
+                          </a:solidFill>
+                          <a:latin typeface="Cambria Math" charset="0"/>
+                        </a:rPr>
+                        <m:t>:</m:t>
+                      </m:r>
+                      <m:r>
+                        <a:rPr lang="en-US" b="0" i="1" smtClean="0">
+                          <a:solidFill>
+                            <a:srgbClr val="FF0000"/>
+                          </a:solidFill>
+                          <a:latin typeface="Cambria Math" charset="0"/>
+                        </a:rPr>
+                        <m:t>𝐼𝑛𝑠𝑡</m:t>
+                      </m:r>
+                      <m:r>
+                        <a:rPr lang="en-US" b="0" i="1" smtClean="0">
+                          <a:solidFill>
+                            <a:srgbClr val="FF0000"/>
+                          </a:solidFill>
+                          <a:latin typeface="Cambria Math" charset="0"/>
+                        </a:rPr>
+                        <m:t>795998200</m:t>
+                      </m:r>
+                    </m:oMath>
+                  </m:oMathPara>
+                </a14:m>
+                <a:endParaRPr lang="en-NZ" dirty="0">
+                  <a:solidFill>
+                    <a:srgbClr val="FF0000"/>
+                  </a:solidFill>
+                </a:endParaRPr>
+              </a:p>
+            </p:txBody>
+          </p:sp>
+        </mc:Choice>
+        <mc:Fallback>
+          <p:sp>
+            <p:nvSpPr>
+              <p:cNvPr id="130" name="Rectangle 129"/>
+              <p:cNvSpPr>
+                <a:spLocks noRot="1" noChangeAspect="1" noMove="1" noResize="1" noEditPoints="1" noAdjustHandles="1" noChangeArrowheads="1" noChangeShapeType="1" noTextEdit="1"/>
+              </p:cNvSpPr>
+              <p:nvPr/>
+            </p:nvSpPr>
+            <p:spPr>
+              <a:xfrm>
+                <a:off x="9947011" y="7750621"/>
+                <a:ext cx="2141099" cy="369332"/>
+              </a:xfrm>
+              <a:prstGeom prst="rect">
+                <a:avLst/>
+              </a:prstGeom>
+              <a:blipFill rotWithShape="0">
+                <a:blip r:embed="rId14"/>
+                <a:stretch>
+                  <a:fillRect/>
+                </a:stretch>
+              </a:blipFill>
+            </p:spPr>
+            <p:txBody>
+              <a:bodyPr/>
+              <a:lstStyle/>
+              <a:p>
+                <a:r>
+                  <a:rPr lang="en-US">
+                    <a:noFill/>
+                  </a:rPr>
+                  <a:t> </a:t>
+                </a:r>
+              </a:p>
+            </p:txBody>
+          </p:sp>
+        </mc:Fallback>
+      </mc:AlternateContent>
+      <mc:AlternateContent xmlns:mc="http://schemas.openxmlformats.org/markup-compatibility/2006">
+        <mc:Choice xmlns:a14="http://schemas.microsoft.com/office/drawing/2010/main" Requires="a14">
+          <p:sp>
+            <p:nvSpPr>
+              <p:cNvPr id="131" name="Rectangle 130"/>
+              <p:cNvSpPr/>
+              <p:nvPr/>
+            </p:nvSpPr>
+            <p:spPr>
+              <a:xfrm>
+                <a:off x="13355357" y="8594675"/>
+                <a:ext cx="2285369" cy="369332"/>
+              </a:xfrm>
+              <a:prstGeom prst="rect">
+                <a:avLst/>
+              </a:prstGeom>
+            </p:spPr>
+            <p:txBody>
+              <a:bodyPr wrap="none">
+                <a:spAutoFit/>
+              </a:bodyPr>
+              <a:lstStyle/>
+              <a:p>
+                <a:pPr/>
+                <a14:m>
+                  <m:oMathPara xmlns:m="http://schemas.openxmlformats.org/officeDocument/2006/math">
+                    <m:oMathParaPr>
+                      <m:jc m:val="centerGroup"/>
+                    </m:oMathParaPr>
+                    <m:oMath xmlns:m="http://schemas.openxmlformats.org/officeDocument/2006/math">
+                      <m:sSub>
+                        <m:sSubPr>
+                          <m:ctrlPr>
+                            <a:rPr lang="en-US" b="0" i="1" smtClean="0">
+                              <a:solidFill>
+                                <a:srgbClr val="374ADD"/>
+                              </a:solidFill>
+                              <a:latin typeface="Cambria Math" charset="0"/>
+                            </a:rPr>
+                          </m:ctrlPr>
+                        </m:sSubPr>
+                        <m:e>
+                          <m:r>
+                            <a:rPr lang="en-AU" b="0" i="1" smtClean="0">
+                              <a:solidFill>
+                                <a:srgbClr val="374ADD"/>
+                              </a:solidFill>
+                              <a:latin typeface="Cambria Math" charset="0"/>
+                            </a:rPr>
+                            <m:t>𝑂</m:t>
+                          </m:r>
+                        </m:e>
+                        <m:sub>
+                          <m:r>
+                            <a:rPr lang="en-AU" b="0" i="1" smtClean="0">
+                              <a:solidFill>
+                                <a:srgbClr val="374ADD"/>
+                              </a:solidFill>
+                              <a:latin typeface="Cambria Math" charset="0"/>
+                            </a:rPr>
+                            <m:t>𝑠</m:t>
+                          </m:r>
+                          <m:r>
+                            <a:rPr lang="en-AU" b="0" i="1" smtClean="0">
+                              <a:solidFill>
+                                <a:srgbClr val="374ADD"/>
+                              </a:solidFill>
+                              <a:latin typeface="Cambria Math" charset="0"/>
+                            </a:rPr>
+                            <m:t>:</m:t>
+                          </m:r>
+                        </m:sub>
+                      </m:sSub>
+                      <m:r>
+                        <a:rPr lang="en-AU" b="0" i="1" smtClean="0">
+                          <a:solidFill>
+                            <a:srgbClr val="374ADD"/>
+                          </a:solidFill>
+                          <a:latin typeface="Cambria Math" charset="0"/>
+                        </a:rPr>
+                        <m:t>:</m:t>
+                      </m:r>
+                      <m:r>
+                        <a:rPr lang="en-US" b="0" i="1" smtClean="0">
+                          <a:solidFill>
+                            <a:srgbClr val="374ADD"/>
+                          </a:solidFill>
+                          <a:latin typeface="Cambria Math" charset="0"/>
+                        </a:rPr>
+                        <m:t>𝐼𝑛𝑠𝑡</m:t>
+                      </m:r>
+                      <m:r>
+                        <a:rPr lang="en-US" b="0" i="1" smtClean="0">
+                          <a:solidFill>
+                            <a:srgbClr val="374ADD"/>
+                          </a:solidFill>
+                          <a:latin typeface="Cambria Math" charset="0"/>
+                        </a:rPr>
+                        <m:t>582785907</m:t>
+                      </m:r>
+                    </m:oMath>
+                  </m:oMathPara>
+                </a14:m>
+                <a:endParaRPr lang="en-NZ" dirty="0">
+                  <a:solidFill>
+                    <a:srgbClr val="374ADD"/>
+                  </a:solidFill>
+                </a:endParaRPr>
+              </a:p>
+            </p:txBody>
+          </p:sp>
+        </mc:Choice>
+        <mc:Fallback>
+          <p:sp>
+            <p:nvSpPr>
+              <p:cNvPr id="131" name="Rectangle 130"/>
+              <p:cNvSpPr>
+                <a:spLocks noRot="1" noChangeAspect="1" noMove="1" noResize="1" noEditPoints="1" noAdjustHandles="1" noChangeArrowheads="1" noChangeShapeType="1" noTextEdit="1"/>
+              </p:cNvSpPr>
+              <p:nvPr/>
+            </p:nvSpPr>
+            <p:spPr>
+              <a:xfrm>
+                <a:off x="13355357" y="8594675"/>
+                <a:ext cx="2285369" cy="369332"/>
+              </a:xfrm>
+              <a:prstGeom prst="rect">
+                <a:avLst/>
+              </a:prstGeom>
+              <a:blipFill rotWithShape="0">
+                <a:blip r:embed="rId15"/>
+                <a:stretch>
+                  <a:fillRect/>
+                </a:stretch>
+              </a:blipFill>
+            </p:spPr>
+            <p:txBody>
+              <a:bodyPr/>
+              <a:lstStyle/>
+              <a:p>
+                <a:r>
+                  <a:rPr lang="en-US">
+                    <a:noFill/>
+                  </a:rPr>
+                  <a:t> </a:t>
+                </a:r>
+              </a:p>
+            </p:txBody>
+          </p:sp>
+        </mc:Fallback>
+      </mc:AlternateContent>
+      <p:cxnSp>
+        <p:nvCxnSpPr>
+          <p:cNvPr id="132" name="Straight Arrow Connector 131"/>
+          <p:cNvCxnSpPr>
+            <a:endCxn id="132" idx="2"/>
+          </p:cNvCxnSpPr>
+          <p:nvPr/>
+        </p:nvCxnSpPr>
+        <p:spPr>
+          <a:xfrm flipV="1">
+            <a:off x="10983128" y="7529951"/>
+            <a:ext cx="300085" cy="220670"/>
+          </a:xfrm>
+          <a:prstGeom prst="straightConnector1">
+            <a:avLst/>
+          </a:prstGeom>
+          <a:ln>
+            <a:tailEnd type="triangle"/>
+          </a:ln>
+        </p:spPr>
+        <p:style>
+          <a:lnRef idx="1">
+            <a:schemeClr val="accent1"/>
+          </a:lnRef>
+          <a:fillRef idx="0">
+            <a:schemeClr val="accent1"/>
+          </a:fillRef>
+          <a:effectRef idx="0">
+            <a:schemeClr val="accent1"/>
+          </a:effectRef>
+          <a:fontRef idx="minor">
+            <a:schemeClr val="tx1"/>
+          </a:fontRef>
+        </p:style>
+      </p:cxnSp>
+      <p:cxnSp>
+        <p:nvCxnSpPr>
+          <p:cNvPr id="133" name="Straight Arrow Connector 132"/>
+          <p:cNvCxnSpPr>
+            <a:endCxn id="134" idx="2"/>
+          </p:cNvCxnSpPr>
+          <p:nvPr/>
+        </p:nvCxnSpPr>
+        <p:spPr>
+          <a:xfrm flipH="1" flipV="1">
+            <a:off x="13838028" y="8304619"/>
+            <a:ext cx="553446" cy="290056"/>
+          </a:xfrm>
+          <a:prstGeom prst="straightConnector1">
+            <a:avLst/>
+          </a:prstGeom>
+          <a:ln>
+            <a:tailEnd type="triangle"/>
+          </a:ln>
+        </p:spPr>
+        <p:style>
+          <a:lnRef idx="1">
+            <a:schemeClr val="accent1"/>
+          </a:lnRef>
+          <a:fillRef idx="0">
+            <a:schemeClr val="accent1"/>
+          </a:fillRef>
+          <a:effectRef idx="0">
+            <a:schemeClr val="accent1"/>
+          </a:effectRef>
+          <a:fontRef idx="minor">
+            <a:schemeClr val="tx1"/>
+          </a:fontRef>
+        </p:style>
+      </p:cxnSp>
+      <mc:AlternateContent xmlns:mc="http://schemas.openxmlformats.org/markup-compatibility/2006">
+        <mc:Choice xmlns:a14="http://schemas.microsoft.com/office/drawing/2010/main" Requires="a14">
+          <p:sp>
+            <p:nvSpPr>
+              <p:cNvPr id="134" name="Rectangle 133"/>
+              <p:cNvSpPr/>
+              <p:nvPr/>
+            </p:nvSpPr>
+            <p:spPr>
+              <a:xfrm>
+                <a:off x="13212833" y="5634513"/>
+                <a:ext cx="2112758" cy="369332"/>
+              </a:xfrm>
+              <a:prstGeom prst="rect">
+                <a:avLst/>
+              </a:prstGeom>
+            </p:spPr>
+            <p:txBody>
+              <a:bodyPr wrap="none">
+                <a:spAutoFit/>
+              </a:bodyPr>
+              <a:lstStyle/>
+              <a:p>
+                <a:pPr/>
+                <a14:m>
+                  <m:oMathPara xmlns:m="http://schemas.openxmlformats.org/officeDocument/2006/math">
+                    <m:oMathParaPr>
+                      <m:jc m:val="centerGroup"/>
+                    </m:oMathParaPr>
+                    <m:oMath xmlns:m="http://schemas.openxmlformats.org/officeDocument/2006/math">
+                      <m:sSub>
+                        <m:sSubPr>
+                          <m:ctrlPr>
+                            <a:rPr lang="en-US" b="0" i="1" smtClean="0">
+                              <a:solidFill>
+                                <a:schemeClr val="accent3">
+                                  <a:lumMod val="75000"/>
+                                </a:schemeClr>
+                              </a:solidFill>
+                              <a:latin typeface="Cambria Math" charset="0"/>
+                            </a:rPr>
+                          </m:ctrlPr>
+                        </m:sSubPr>
+                        <m:e>
+                          <m:r>
+                            <a:rPr lang="en-US" b="0" i="1" smtClean="0">
+                              <a:solidFill>
+                                <a:schemeClr val="accent3">
+                                  <a:lumMod val="75000"/>
+                                </a:schemeClr>
+                              </a:solidFill>
+                              <a:latin typeface="Cambria Math" charset="0"/>
+                            </a:rPr>
+                            <m:t>𝐼</m:t>
+                          </m:r>
+                        </m:e>
+                        <m:sub>
+                          <m:r>
+                            <a:rPr lang="en-US" b="0" i="1" smtClean="0">
+                              <a:solidFill>
+                                <a:schemeClr val="accent3">
+                                  <a:lumMod val="75000"/>
+                                </a:schemeClr>
+                              </a:solidFill>
+                              <a:latin typeface="Cambria Math" charset="0"/>
+                            </a:rPr>
+                            <m:t>𝑠</m:t>
+                          </m:r>
+                        </m:sub>
+                      </m:sSub>
+                      <m:r>
+                        <a:rPr lang="en-US" b="0" i="1" smtClean="0">
+                          <a:solidFill>
+                            <a:schemeClr val="accent3">
+                              <a:lumMod val="75000"/>
+                            </a:schemeClr>
+                          </a:solidFill>
+                          <a:latin typeface="Cambria Math" charset="0"/>
+                        </a:rPr>
+                        <m:t>:</m:t>
+                      </m:r>
+                      <m:r>
+                        <a:rPr lang="en-US" b="0" i="1" smtClean="0">
+                          <a:solidFill>
+                            <a:schemeClr val="accent3">
+                              <a:lumMod val="75000"/>
+                            </a:schemeClr>
+                          </a:solidFill>
+                          <a:latin typeface="Cambria Math" charset="0"/>
+                        </a:rPr>
+                        <m:t>𝐼𝑛𝑠𝑡</m:t>
+                      </m:r>
+                      <m:r>
+                        <a:rPr lang="en-US" b="0" i="1" smtClean="0">
+                          <a:solidFill>
+                            <a:schemeClr val="accent3">
+                              <a:lumMod val="75000"/>
+                            </a:schemeClr>
+                          </a:solidFill>
+                          <a:latin typeface="Cambria Math" charset="0"/>
+                        </a:rPr>
+                        <m:t>658772240</m:t>
+                      </m:r>
+                    </m:oMath>
+                  </m:oMathPara>
+                </a14:m>
+                <a:endParaRPr lang="en-NZ" dirty="0">
+                  <a:solidFill>
+                    <a:schemeClr val="accent3">
+                      <a:lumMod val="75000"/>
+                    </a:schemeClr>
+                  </a:solidFill>
+                </a:endParaRPr>
+              </a:p>
+            </p:txBody>
+          </p:sp>
+        </mc:Choice>
+        <mc:Fallback>
+          <p:sp>
+            <p:nvSpPr>
+              <p:cNvPr id="134" name="Rectangle 133"/>
+              <p:cNvSpPr>
+                <a:spLocks noRot="1" noChangeAspect="1" noMove="1" noResize="1" noEditPoints="1" noAdjustHandles="1" noChangeArrowheads="1" noChangeShapeType="1" noTextEdit="1"/>
+              </p:cNvSpPr>
+              <p:nvPr/>
+            </p:nvSpPr>
+            <p:spPr>
+              <a:xfrm>
+                <a:off x="13212833" y="5634513"/>
+                <a:ext cx="2112758" cy="369332"/>
+              </a:xfrm>
+              <a:prstGeom prst="rect">
+                <a:avLst/>
+              </a:prstGeom>
+              <a:blipFill rotWithShape="0">
+                <a:blip r:embed="rId16"/>
+                <a:stretch>
+                  <a:fillRect/>
+                </a:stretch>
+              </a:blipFill>
+            </p:spPr>
+            <p:txBody>
+              <a:bodyPr/>
+              <a:lstStyle/>
+              <a:p>
+                <a:r>
+                  <a:rPr lang="en-US">
+                    <a:noFill/>
+                  </a:rPr>
+                  <a:t> </a:t>
+                </a:r>
+              </a:p>
+            </p:txBody>
+          </p:sp>
+        </mc:Fallback>
+      </mc:AlternateContent>
+      <p:cxnSp>
+        <p:nvCxnSpPr>
+          <p:cNvPr id="135" name="Straight Arrow Connector 134"/>
+          <p:cNvCxnSpPr>
+            <a:endCxn id="115" idx="3"/>
+          </p:cNvCxnSpPr>
+          <p:nvPr/>
+        </p:nvCxnSpPr>
+        <p:spPr>
+          <a:xfrm flipH="1" flipV="1">
+            <a:off x="13533570" y="5401069"/>
+            <a:ext cx="682551" cy="233444"/>
+          </a:xfrm>
+          <a:prstGeom prst="straightConnector1">
+            <a:avLst/>
+          </a:prstGeom>
+          <a:ln>
+            <a:tailEnd type="triangle"/>
+          </a:ln>
+        </p:spPr>
+        <p:style>
+          <a:lnRef idx="1">
+            <a:schemeClr val="accent1"/>
+          </a:lnRef>
+          <a:fillRef idx="0">
+            <a:schemeClr val="accent1"/>
+          </a:fillRef>
+          <a:effectRef idx="0">
+            <a:schemeClr val="accent1"/>
+          </a:effectRef>
+          <a:fontRef idx="minor">
+            <a:schemeClr val="tx1"/>
+          </a:fontRef>
+        </p:style>
+      </p:cxnSp>
+      <p:sp>
+        <p:nvSpPr>
+          <p:cNvPr id="136" name="TextBox 135"/>
+          <p:cNvSpPr txBox="1"/>
+          <p:nvPr/>
+        </p:nvSpPr>
+        <p:spPr>
+          <a:xfrm>
+            <a:off x="9596716" y="4273170"/>
+            <a:ext cx="1121537" cy="369332"/>
+          </a:xfrm>
+          <a:prstGeom prst="rect">
+            <a:avLst/>
+          </a:prstGeom>
+          <a:noFill/>
+        </p:spPr>
+        <p:txBody>
+          <a:bodyPr wrap="square" rtlCol="0">
+            <a:spAutoFit/>
+          </a:bodyPr>
+          <a:lstStyle/>
+          <a:p>
+            <a:r>
+              <a:rPr lang="en-US" dirty="0" smtClean="0"/>
+              <a:t>(4)</a:t>
+            </a:r>
+            <a:endParaRPr lang="en-US" dirty="0"/>
+          </a:p>
+        </p:txBody>
+      </p:sp>
+      <mc:AlternateContent xmlns:mc="http://schemas.openxmlformats.org/markup-compatibility/2006">
+        <mc:Choice xmlns:a14="http://schemas.microsoft.com/office/drawing/2010/main" Requires="a14">
+          <p:sp>
+            <p:nvSpPr>
+              <p:cNvPr id="137" name="Rectangle 136"/>
+              <p:cNvSpPr/>
+              <p:nvPr/>
+            </p:nvSpPr>
+            <p:spPr>
+              <a:xfrm>
+                <a:off x="13355357" y="8850778"/>
+                <a:ext cx="1978106" cy="369332"/>
+              </a:xfrm>
+              <a:prstGeom prst="rect">
+                <a:avLst/>
+              </a:prstGeom>
+            </p:spPr>
+            <p:txBody>
+              <a:bodyPr wrap="none">
+                <a:spAutoFit/>
+              </a:bodyPr>
+              <a:lstStyle/>
+              <a:p>
+                <a:pPr/>
+                <a14:m>
+                  <m:oMathPara xmlns:m="http://schemas.openxmlformats.org/officeDocument/2006/math">
+                    <m:oMathParaPr>
+                      <m:jc m:val="centerGroup"/>
+                    </m:oMathParaPr>
+                    <m:oMath xmlns:m="http://schemas.openxmlformats.org/officeDocument/2006/math">
+                      <m:r>
+                        <a:rPr lang="en-AU" b="0" i="1" smtClean="0">
+                          <a:solidFill>
+                            <a:srgbClr val="374ADD"/>
+                          </a:solidFill>
+                          <a:latin typeface="Cambria Math" charset="0"/>
+                        </a:rPr>
+                        <m:t>𝑆</m:t>
+                      </m:r>
+                      <m:r>
+                        <a:rPr lang="en-AU" b="0" i="1" smtClean="0">
+                          <a:solidFill>
+                            <a:srgbClr val="374ADD"/>
+                          </a:solidFill>
+                          <a:latin typeface="Cambria Math" charset="0"/>
+                        </a:rPr>
+                        <m:t>:</m:t>
+                      </m:r>
+                      <m:r>
+                        <a:rPr lang="en-US" b="0" i="1" smtClean="0">
+                          <a:solidFill>
+                            <a:srgbClr val="374ADD"/>
+                          </a:solidFill>
+                          <a:latin typeface="Cambria Math" charset="0"/>
+                        </a:rPr>
+                        <m:t>𝑆𝑒𝑟</m:t>
+                      </m:r>
+                      <m:r>
+                        <m:rPr>
+                          <m:nor/>
+                        </m:rPr>
+                        <a:rPr lang="is-IS" dirty="0">
+                          <a:solidFill>
+                            <a:srgbClr val="374ADD"/>
+                          </a:solidFill>
+                        </a:rPr>
+                        <m:t>1640238160</m:t>
+                      </m:r>
+                    </m:oMath>
+                  </m:oMathPara>
+                </a14:m>
+                <a:endParaRPr lang="en-NZ" dirty="0">
+                  <a:solidFill>
+                    <a:srgbClr val="374ADD"/>
+                  </a:solidFill>
+                </a:endParaRPr>
+              </a:p>
+            </p:txBody>
+          </p:sp>
+        </mc:Choice>
+        <mc:Fallback>
+          <p:sp>
+            <p:nvSpPr>
+              <p:cNvPr id="137" name="Rectangle 136"/>
+              <p:cNvSpPr>
+                <a:spLocks noRot="1" noChangeAspect="1" noMove="1" noResize="1" noEditPoints="1" noAdjustHandles="1" noChangeArrowheads="1" noChangeShapeType="1" noTextEdit="1"/>
+              </p:cNvSpPr>
+              <p:nvPr/>
+            </p:nvSpPr>
+            <p:spPr>
+              <a:xfrm>
+                <a:off x="13355357" y="8850778"/>
+                <a:ext cx="1978106" cy="369332"/>
+              </a:xfrm>
+              <a:prstGeom prst="rect">
+                <a:avLst/>
+              </a:prstGeom>
+              <a:blipFill rotWithShape="0">
+                <a:blip r:embed="rId17"/>
+                <a:stretch>
+                  <a:fillRect/>
+                </a:stretch>
+              </a:blipFill>
+            </p:spPr>
+            <p:txBody>
+              <a:bodyPr/>
+              <a:lstStyle/>
+              <a:p>
+                <a:r>
+                  <a:rPr lang="en-US">
+                    <a:noFill/>
+                  </a:rPr>
+                  <a:t> </a:t>
+                </a:r>
+              </a:p>
+            </p:txBody>
+          </p:sp>
+        </mc:Fallback>
+      </mc:AlternateContent>
+      <p:cxnSp>
+        <p:nvCxnSpPr>
+          <p:cNvPr id="125" name="Straight Connector 124"/>
+          <p:cNvCxnSpPr>
+            <a:stCxn id="107" idx="0"/>
+            <a:endCxn id="104" idx="2"/>
+          </p:cNvCxnSpPr>
+          <p:nvPr/>
+        </p:nvCxnSpPr>
+        <p:spPr>
+          <a:xfrm flipH="1" flipV="1">
+            <a:off x="12646148" y="5585735"/>
+            <a:ext cx="1133371" cy="602776"/>
+          </a:xfrm>
+          <a:prstGeom prst="line">
+            <a:avLst/>
+          </a:prstGeom>
+          <a:ln>
+            <a:solidFill>
+              <a:schemeClr val="tx1"/>
+            </a:solidFill>
+          </a:ln>
+        </p:spPr>
+        <p:style>
+          <a:lnRef idx="1">
+            <a:schemeClr val="accent1"/>
+          </a:lnRef>
+          <a:fillRef idx="0">
+            <a:schemeClr val="accent1"/>
+          </a:fillRef>
+          <a:effectRef idx="0">
+            <a:schemeClr val="accent1"/>
+          </a:effectRef>
+          <a:fontRef idx="minor">
+            <a:schemeClr val="tx1"/>
+          </a:fontRef>
+        </p:style>
+      </p:cxnSp>
+      <mc:AlternateContent xmlns:mc="http://schemas.openxmlformats.org/markup-compatibility/2006">
+        <mc:Choice xmlns:a14="http://schemas.microsoft.com/office/drawing/2010/main" Requires="a14">
+          <p:sp>
+            <p:nvSpPr>
+              <p:cNvPr id="138" name="Rectangle 137"/>
+              <p:cNvSpPr/>
+              <p:nvPr/>
+            </p:nvSpPr>
+            <p:spPr>
+              <a:xfrm>
+                <a:off x="14385206" y="5907592"/>
+                <a:ext cx="880946" cy="369332"/>
+              </a:xfrm>
+              <a:prstGeom prst="rect">
+                <a:avLst/>
+              </a:prstGeom>
+            </p:spPr>
+            <p:txBody>
+              <a:bodyPr wrap="none">
+                <a:spAutoFit/>
+              </a:bodyPr>
+              <a:lstStyle/>
+              <a:p>
+                <a:pPr/>
+                <a14:m>
+                  <m:oMathPara xmlns:m="http://schemas.openxmlformats.org/officeDocument/2006/math">
+                    <m:oMathParaPr>
+                      <m:jc m:val="centerGroup"/>
+                    </m:oMathParaPr>
+                    <m:oMath xmlns:m="http://schemas.openxmlformats.org/officeDocument/2006/math">
+                      <m:r>
+                        <a:rPr lang="en-AU" b="0" i="1" smtClean="0">
+                          <a:solidFill>
+                            <a:schemeClr val="accent3">
+                              <a:lumMod val="75000"/>
+                            </a:schemeClr>
+                          </a:solidFill>
+                          <a:latin typeface="Cambria Math" charset="0"/>
+                        </a:rPr>
+                        <m:t>𝑆</m:t>
+                      </m:r>
+                      <m:r>
+                        <a:rPr lang="en-AU" b="0" i="1" smtClean="0">
+                          <a:solidFill>
+                            <a:schemeClr val="accent3">
+                              <a:lumMod val="75000"/>
+                            </a:schemeClr>
+                          </a:solidFill>
+                          <a:latin typeface="Cambria Math" charset="0"/>
+                        </a:rPr>
+                        <m:t>:</m:t>
+                      </m:r>
+                      <m:r>
+                        <a:rPr lang="en-US" b="0" i="1" smtClean="0">
+                          <a:solidFill>
+                            <a:schemeClr val="accent3">
+                              <a:lumMod val="75000"/>
+                            </a:schemeClr>
+                          </a:solidFill>
+                          <a:latin typeface="Cambria Math" charset="0"/>
+                        </a:rPr>
+                        <m:t>𝐸𝑛𝑑</m:t>
+                      </m:r>
+                    </m:oMath>
+                  </m:oMathPara>
+                </a14:m>
+                <a:endParaRPr lang="en-NZ" dirty="0">
+                  <a:solidFill>
+                    <a:schemeClr val="accent3">
+                      <a:lumMod val="75000"/>
+                    </a:schemeClr>
+                  </a:solidFill>
+                </a:endParaRPr>
+              </a:p>
+            </p:txBody>
+          </p:sp>
+        </mc:Choice>
+        <mc:Fallback>
+          <p:sp>
+            <p:nvSpPr>
+              <p:cNvPr id="138" name="Rectangle 137"/>
+              <p:cNvSpPr>
+                <a:spLocks noRot="1" noChangeAspect="1" noMove="1" noResize="1" noEditPoints="1" noAdjustHandles="1" noChangeArrowheads="1" noChangeShapeType="1" noTextEdit="1"/>
+              </p:cNvSpPr>
+              <p:nvPr/>
+            </p:nvSpPr>
+            <p:spPr>
+              <a:xfrm>
+                <a:off x="14385206" y="5907592"/>
+                <a:ext cx="880946" cy="369332"/>
+              </a:xfrm>
+              <a:prstGeom prst="rect">
+                <a:avLst/>
+              </a:prstGeom>
+              <a:blipFill rotWithShape="0">
+                <a:blip r:embed="rId18"/>
+                <a:stretch>
+                  <a:fillRect/>
+                </a:stretch>
+              </a:blipFill>
+            </p:spPr>
+            <p:txBody>
+              <a:bodyPr/>
+              <a:lstStyle/>
+              <a:p>
+                <a:r>
+                  <a:rPr lang="en-US">
+                    <a:noFill/>
+                  </a:rPr>
+                  <a:t> </a:t>
+                </a:r>
+              </a:p>
+            </p:txBody>
+          </p:sp>
+        </mc:Fallback>
+      </mc:AlternateContent>
+    </p:spTree>
+    <p:extLst>
+      <p:ext uri="{BB962C8B-B14F-4D97-AF65-F5344CB8AC3E}">
+        <p14:creationId xmlns:p14="http://schemas.microsoft.com/office/powerpoint/2010/main" val="939941276"/>
+      </p:ext>
+    </p:extLst>
+  </p:cSld>
+  <p:clrMapOvr>
+    <a:masterClrMapping/>
+  </p:clrMapOvr>
+</p:sld>
+</file>
+
 <file path=ppt/theme/theme1.xml><?xml version="1.0" encoding="utf-8"?>
 <a:theme xmlns:a="http://schemas.openxmlformats.org/drawingml/2006/main" name="Office Theme">
   <a:themeElements>

--- a/FiguresPaper.pptx
+++ b/FiguresPaper.pptx
@@ -5,7 +5,7 @@
     <p:sldMasterId id="2147483648" r:id="rId1"/>
   </p:sldMasterIdLst>
   <p:notesMasterIdLst>
-    <p:notesMasterId r:id="rId10"/>
+    <p:notesMasterId r:id="rId9"/>
   </p:notesMasterIdLst>
   <p:sldIdLst>
     <p:sldId id="301" r:id="rId2"/>
@@ -13,9 +13,8 @@
     <p:sldId id="302" r:id="rId4"/>
     <p:sldId id="298" r:id="rId5"/>
     <p:sldId id="303" r:id="rId6"/>
-    <p:sldId id="304" r:id="rId7"/>
-    <p:sldId id="305" r:id="rId8"/>
-    <p:sldId id="306" r:id="rId9"/>
+    <p:sldId id="305" r:id="rId7"/>
+    <p:sldId id="306" r:id="rId8"/>
   </p:sldIdLst>
   <p:sldSz cx="9144000" cy="6858000" type="screen4x3"/>
   <p:notesSz cx="6858000" cy="9144000"/>
@@ -215,7 +214,7 @@
           <a:p>
             <a:fld id="{F28D62E0-191E-42FF-A98D-D06FD014851B}" type="datetimeFigureOut">
               <a:rPr lang="en-AU" smtClean="0"/>
-              <a:t>30/8/17</a:t>
+              <a:t>5/9/17</a:t>
             </a:fld>
             <a:endParaRPr lang="en-AU"/>
           </a:p>
@@ -1327,7 +1326,7 @@
     </p:spTree>
     <p:extLst>
       <p:ext uri="{BB962C8B-B14F-4D97-AF65-F5344CB8AC3E}">
-        <p14:creationId xmlns:p14="http://schemas.microsoft.com/office/powerpoint/2010/main" val="1079447610"/>
+        <p14:creationId xmlns:p14="http://schemas.microsoft.com/office/powerpoint/2010/main" val="506781498"/>
       </p:ext>
     </p:extLst>
   </p:cSld>
@@ -1338,440 +1337,6 @@
 </file>
 
 <file path=ppt/notesSlides/notesSlide3.xml><?xml version="1.0" encoding="utf-8"?>
-<p:notes xmlns:a="http://schemas.openxmlformats.org/drawingml/2006/main" xmlns:r="http://schemas.openxmlformats.org/officeDocument/2006/relationships" xmlns:p="http://schemas.openxmlformats.org/presentationml/2006/main">
-  <p:cSld>
-    <p:spTree>
-      <p:nvGrpSpPr>
-        <p:cNvPr id="1" name=""/>
-        <p:cNvGrpSpPr/>
-        <p:nvPr/>
-      </p:nvGrpSpPr>
-      <p:grpSpPr>
-        <a:xfrm>
-          <a:off x="0" y="0"/>
-          <a:ext cx="0" cy="0"/>
-          <a:chOff x="0" y="0"/>
-          <a:chExt cx="0" cy="0"/>
-        </a:xfrm>
-      </p:grpSpPr>
-      <p:sp>
-        <p:nvSpPr>
-          <p:cNvPr id="20481" name="Slide Image Placeholder 1"/>
-          <p:cNvSpPr>
-            <a:spLocks noGrp="1" noRot="1" noChangeAspect="1" noTextEdit="1"/>
-          </p:cNvSpPr>
-          <p:nvPr>
-            <p:ph type="sldImg"/>
-          </p:nvPr>
-        </p:nvSpPr>
-        <p:spPr bwMode="auto">
-          <a:noFill/>
-          <a:ln>
-            <a:solidFill>
-              <a:srgbClr val="000000"/>
-            </a:solidFill>
-            <a:miter lim="800000"/>
-            <a:headEnd/>
-            <a:tailEnd/>
-          </a:ln>
-          <a:extLst>
-            <a:ext uri="{909E8E84-426E-40DD-AFC4-6F175D3DCCD1}">
-              <a14:hiddenFill xmlns:a14="http://schemas.microsoft.com/office/drawing/2010/main">
-                <a:solidFill>
-                  <a:srgbClr val="FFFFFF"/>
-                </a:solidFill>
-              </a14:hiddenFill>
-            </a:ext>
-            <a:ext uri="{FAA26D3D-D897-4be2-8F04-BA451C77F1D7}">
-              <ma14:placeholderFlag xmlns:ma14="http://schemas.microsoft.com/office/mac/drawingml/2011/main" val="1"/>
-            </a:ext>
-          </a:extLst>
-        </p:spPr>
-      </p:sp>
-      <p:sp>
-        <p:nvSpPr>
-          <p:cNvPr id="20482" name="Notes Placeholder 2"/>
-          <p:cNvSpPr>
-            <a:spLocks noGrp="1"/>
-          </p:cNvSpPr>
-          <p:nvPr>
-            <p:ph type="body" idx="1"/>
-          </p:nvPr>
-        </p:nvSpPr>
-        <p:spPr bwMode="auto">
-          <a:noFill/>
-          <a:extLst>
-            <a:ext uri="{909E8E84-426E-40DD-AFC4-6F175D3DCCD1}">
-              <a14:hiddenFill xmlns:a14="http://schemas.microsoft.com/office/drawing/2010/main">
-                <a:solidFill>
-                  <a:srgbClr val="FFFFFF"/>
-                </a:solidFill>
-              </a14:hiddenFill>
-            </a:ext>
-            <a:ext uri="{91240B29-F687-4F45-9708-019B960494DF}">
-              <a14:hiddenLine xmlns:a14="http://schemas.microsoft.com/office/drawing/2010/main" w="9525">
-                <a:solidFill>
-                  <a:srgbClr val="000000"/>
-                </a:solidFill>
-                <a:miter lim="800000"/>
-                <a:headEnd/>
-                <a:tailEnd/>
-              </a14:hiddenLine>
-            </a:ext>
-          </a:extLst>
-        </p:spPr>
-        <p:txBody>
-          <a:bodyPr/>
-          <a:lstStyle/>
-          <a:p>
-            <a:pPr marL="171450" indent="-171450" eaLnBrk="1" hangingPunct="1">
-              <a:spcBef>
-                <a:spcPct val="0"/>
-              </a:spcBef>
-              <a:buFontTx/>
-              <a:buChar char="•"/>
-            </a:pPr>
-            <a:r>
-              <a:rPr lang="en-NZ" altLang="en-US" dirty="0" smtClean="0"/>
-              <a:t>From the</a:t>
-            </a:r>
-            <a:r>
-              <a:rPr lang="en-NZ" altLang="en-US" baseline="0" dirty="0" smtClean="0"/>
-              <a:t> previous example, two features are addressed in its functional properties.</a:t>
-            </a:r>
-            <a:endParaRPr lang="en-NZ" altLang="en-US" dirty="0" smtClean="0"/>
-          </a:p>
-          <a:p>
-            <a:pPr marL="171450" indent="-171450" eaLnBrk="1" hangingPunct="1">
-              <a:spcBef>
-                <a:spcPct val="0"/>
-              </a:spcBef>
-              <a:buFontTx/>
-              <a:buChar char="•"/>
-            </a:pPr>
-            <a:r>
-              <a:rPr lang="en-NZ" altLang="en-US" baseline="0" dirty="0" smtClean="0"/>
-              <a:t>O</a:t>
-            </a:r>
-            <a:r>
-              <a:rPr lang="en-NZ" altLang="en-US" dirty="0" smtClean="0"/>
-              <a:t>ne is the Valid functionalities, another is Semantic matchmaking quality.</a:t>
-            </a:r>
-          </a:p>
-          <a:p>
-            <a:pPr marL="171450" indent="-171450" eaLnBrk="1" hangingPunct="1">
-              <a:spcBef>
-                <a:spcPct val="0"/>
-              </a:spcBef>
-              <a:buFontTx/>
-              <a:buChar char="•"/>
-            </a:pPr>
-            <a:r>
-              <a:rPr lang="en-NZ" altLang="en-US" dirty="0" smtClean="0"/>
-              <a:t>In the first feature, all inputs of involved services must be satisfied for</a:t>
-            </a:r>
-            <a:r>
-              <a:rPr lang="en-NZ" altLang="en-US" baseline="0" dirty="0" smtClean="0"/>
-              <a:t> the </a:t>
-            </a:r>
-            <a:r>
-              <a:rPr lang="en-NZ" altLang="en-US" dirty="0" smtClean="0"/>
-              <a:t>execution</a:t>
-            </a:r>
-            <a:r>
-              <a:rPr lang="en-NZ" altLang="en-US" baseline="0" dirty="0" smtClean="0"/>
-              <a:t> of </a:t>
-            </a:r>
-            <a:r>
-              <a:rPr lang="en-NZ" altLang="en-US" dirty="0" smtClean="0"/>
-              <a:t>service composition.</a:t>
-            </a:r>
-            <a:r>
-              <a:rPr lang="en-NZ" altLang="en-US" baseline="0" dirty="0" smtClean="0"/>
-              <a:t> Meanwhile,  </a:t>
-            </a:r>
-            <a:r>
-              <a:rPr lang="en-NZ" altLang="en-US" dirty="0" smtClean="0"/>
-              <a:t>the required outputs of service composition is a a subset of outputs of all involved web services</a:t>
-            </a:r>
-          </a:p>
-          <a:p>
-            <a:pPr marL="0" indent="0">
-              <a:buNone/>
-            </a:pPr>
-            <a:r>
-              <a:rPr lang="en-NZ" altLang="en-US" dirty="0" smtClean="0"/>
-              <a:t>The</a:t>
-            </a:r>
-            <a:r>
-              <a:rPr lang="en-NZ" altLang="en-US" baseline="0" dirty="0" smtClean="0"/>
-              <a:t> second feature is t</a:t>
-            </a:r>
-            <a:r>
-              <a:rPr lang="en-NZ" altLang="en-US" dirty="0" smtClean="0"/>
-              <a:t>he quality of the matchmaking, it answers</a:t>
-            </a:r>
-            <a:r>
-              <a:rPr lang="en-NZ" altLang="en-US" baseline="0" dirty="0" smtClean="0"/>
-              <a:t> h</a:t>
-            </a:r>
-            <a:r>
-              <a:rPr lang="en-NZ" altLang="x-none" sz="1200" dirty="0" smtClean="0"/>
-              <a:t>ow perfect does the provided inputs match the required outputs</a:t>
-            </a:r>
-          </a:p>
-          <a:p>
-            <a:pPr marL="171450" indent="-171450" eaLnBrk="1" hangingPunct="1">
-              <a:spcBef>
-                <a:spcPct val="0"/>
-              </a:spcBef>
-              <a:buFontTx/>
-              <a:buChar char="•"/>
-            </a:pPr>
-            <a:r>
-              <a:rPr lang="en-NZ" altLang="en-US" dirty="0" smtClean="0"/>
-              <a:t>On</a:t>
-            </a:r>
-            <a:r>
-              <a:rPr lang="en-NZ" altLang="en-US" baseline="0" dirty="0" smtClean="0"/>
-              <a:t>e component service from previous example</a:t>
-            </a:r>
-            <a:r>
-              <a:rPr lang="en-NZ" altLang="en-US" dirty="0" smtClean="0"/>
-              <a:t>, a </a:t>
-            </a:r>
-            <a:r>
-              <a:rPr lang="en-NZ" altLang="en-US" dirty="0" err="1" smtClean="0"/>
-              <a:t>generateMap</a:t>
-            </a:r>
-            <a:r>
-              <a:rPr lang="en-NZ" altLang="en-US" dirty="0" smtClean="0"/>
-              <a:t> service requires inputs </a:t>
-            </a:r>
-            <a:r>
-              <a:rPr lang="en-NZ" altLang="en-US" dirty="0" err="1" smtClean="0"/>
-              <a:t>MappedLocation</a:t>
-            </a:r>
-            <a:r>
-              <a:rPr lang="en-NZ" altLang="en-US" dirty="0" smtClean="0"/>
-              <a:t> and producing output </a:t>
-            </a:r>
-            <a:r>
-              <a:rPr lang="en-NZ" altLang="en-US" dirty="0" err="1" smtClean="0"/>
-              <a:t>StreetMap</a:t>
-            </a:r>
-            <a:r>
-              <a:rPr lang="en-NZ" altLang="en-US" dirty="0" smtClean="0"/>
-              <a:t>. However, </a:t>
-            </a:r>
-            <a:r>
-              <a:rPr lang="en-NZ" altLang="en-US" dirty="0" err="1" smtClean="0"/>
-              <a:t>MappedLocation</a:t>
-            </a:r>
-            <a:r>
-              <a:rPr lang="en-NZ" altLang="en-US" dirty="0" smtClean="0"/>
-              <a:t> is not provided, only </a:t>
-            </a:r>
-            <a:r>
-              <a:rPr lang="en-NZ" altLang="en-US" dirty="0" err="1" smtClean="0"/>
-              <a:t>ConferenceCity</a:t>
-            </a:r>
-            <a:r>
-              <a:rPr lang="en-NZ" altLang="en-US" dirty="0" smtClean="0"/>
-              <a:t> is provided satisfying the relationship here. We can see that </a:t>
-            </a:r>
-            <a:r>
-              <a:rPr lang="en-NZ" altLang="en-US" dirty="0" err="1" smtClean="0"/>
-              <a:t>ConferenceCity</a:t>
-            </a:r>
-            <a:r>
-              <a:rPr lang="en-NZ" altLang="en-US" dirty="0" smtClean="0"/>
-              <a:t> is less preferable compared to </a:t>
-            </a:r>
-            <a:r>
-              <a:rPr lang="en-NZ" altLang="en-US" dirty="0" err="1" smtClean="0"/>
-              <a:t>MappedLocation</a:t>
-            </a:r>
-            <a:r>
-              <a:rPr lang="en-NZ" altLang="en-US" dirty="0" smtClean="0"/>
-              <a:t>. Therefore, Semantic matchmaking quality between </a:t>
-            </a:r>
-            <a:r>
-              <a:rPr lang="en-NZ" altLang="en-US" dirty="0" err="1" smtClean="0"/>
-              <a:t>ConferenceCity</a:t>
-            </a:r>
-            <a:r>
-              <a:rPr lang="en-NZ" altLang="en-US" dirty="0" smtClean="0"/>
-              <a:t> and  </a:t>
-            </a:r>
-            <a:r>
-              <a:rPr lang="en-NZ" altLang="en-US" dirty="0" err="1" smtClean="0"/>
-              <a:t>MappedLocation</a:t>
-            </a:r>
-            <a:r>
-              <a:rPr lang="en-NZ" altLang="en-US" dirty="0" smtClean="0"/>
-              <a:t> is relatively lower. \end{itemize}</a:t>
-            </a:r>
-            <a:endParaRPr lang="en-NZ" altLang="en-US" dirty="0"/>
-          </a:p>
-        </p:txBody>
-      </p:sp>
-      <p:sp>
-        <p:nvSpPr>
-          <p:cNvPr id="20483" name="Slide Number Placeholder 3"/>
-          <p:cNvSpPr>
-            <a:spLocks noGrp="1"/>
-          </p:cNvSpPr>
-          <p:nvPr>
-            <p:ph type="sldNum" sz="quarter" idx="5"/>
-          </p:nvPr>
-        </p:nvSpPr>
-        <p:spPr bwMode="auto">
-          <a:noFill/>
-          <a:extLst>
-            <a:ext uri="{909E8E84-426E-40DD-AFC4-6F175D3DCCD1}">
-              <a14:hiddenFill xmlns:a14="http://schemas.microsoft.com/office/drawing/2010/main">
-                <a:solidFill>
-                  <a:srgbClr val="FFFFFF"/>
-                </a:solidFill>
-              </a14:hiddenFill>
-            </a:ext>
-            <a:ext uri="{91240B29-F687-4F45-9708-019B960494DF}">
-              <a14:hiddenLine xmlns:a14="http://schemas.microsoft.com/office/drawing/2010/main" w="9525">
-                <a:solidFill>
-                  <a:srgbClr val="000000"/>
-                </a:solidFill>
-                <a:miter lim="800000"/>
-                <a:headEnd/>
-                <a:tailEnd/>
-              </a14:hiddenLine>
-            </a:ext>
-          </a:extLst>
-        </p:spPr>
-        <p:txBody>
-          <a:bodyPr/>
-          <a:lstStyle>
-            <a:lvl1pPr>
-              <a:defRPr>
-                <a:solidFill>
-                  <a:schemeClr val="tx1"/>
-                </a:solidFill>
-                <a:latin typeface="Calibri" charset="0"/>
-              </a:defRPr>
-            </a:lvl1pPr>
-            <a:lvl2pPr marL="742950" indent="-285750">
-              <a:defRPr>
-                <a:solidFill>
-                  <a:schemeClr val="tx1"/>
-                </a:solidFill>
-                <a:latin typeface="Calibri" charset="0"/>
-              </a:defRPr>
-            </a:lvl2pPr>
-            <a:lvl3pPr marL="1143000" indent="-228600">
-              <a:defRPr>
-                <a:solidFill>
-                  <a:schemeClr val="tx1"/>
-                </a:solidFill>
-                <a:latin typeface="Calibri" charset="0"/>
-              </a:defRPr>
-            </a:lvl3pPr>
-            <a:lvl4pPr marL="1600200" indent="-228600">
-              <a:defRPr>
-                <a:solidFill>
-                  <a:schemeClr val="tx1"/>
-                </a:solidFill>
-                <a:latin typeface="Calibri" charset="0"/>
-              </a:defRPr>
-            </a:lvl4pPr>
-            <a:lvl5pPr marL="2057400" indent="-228600">
-              <a:defRPr>
-                <a:solidFill>
-                  <a:schemeClr val="tx1"/>
-                </a:solidFill>
-                <a:latin typeface="Calibri" charset="0"/>
-              </a:defRPr>
-            </a:lvl5pPr>
-            <a:lvl6pPr marL="2514600" indent="-228600" eaLnBrk="0" fontAlgn="base" hangingPunct="0">
-              <a:spcBef>
-                <a:spcPct val="0"/>
-              </a:spcBef>
-              <a:spcAft>
-                <a:spcPct val="0"/>
-              </a:spcAft>
-              <a:defRPr>
-                <a:solidFill>
-                  <a:schemeClr val="tx1"/>
-                </a:solidFill>
-                <a:latin typeface="Calibri" charset="0"/>
-              </a:defRPr>
-            </a:lvl6pPr>
-            <a:lvl7pPr marL="2971800" indent="-228600" eaLnBrk="0" fontAlgn="base" hangingPunct="0">
-              <a:spcBef>
-                <a:spcPct val="0"/>
-              </a:spcBef>
-              <a:spcAft>
-                <a:spcPct val="0"/>
-              </a:spcAft>
-              <a:defRPr>
-                <a:solidFill>
-                  <a:schemeClr val="tx1"/>
-                </a:solidFill>
-                <a:latin typeface="Calibri" charset="0"/>
-              </a:defRPr>
-            </a:lvl7pPr>
-            <a:lvl8pPr marL="3429000" indent="-228600" eaLnBrk="0" fontAlgn="base" hangingPunct="0">
-              <a:spcBef>
-                <a:spcPct val="0"/>
-              </a:spcBef>
-              <a:spcAft>
-                <a:spcPct val="0"/>
-              </a:spcAft>
-              <a:defRPr>
-                <a:solidFill>
-                  <a:schemeClr val="tx1"/>
-                </a:solidFill>
-                <a:latin typeface="Calibri" charset="0"/>
-              </a:defRPr>
-            </a:lvl8pPr>
-            <a:lvl9pPr marL="3886200" indent="-228600" eaLnBrk="0" fontAlgn="base" hangingPunct="0">
-              <a:spcBef>
-                <a:spcPct val="0"/>
-              </a:spcBef>
-              <a:spcAft>
-                <a:spcPct val="0"/>
-              </a:spcAft>
-              <a:defRPr>
-                <a:solidFill>
-                  <a:schemeClr val="tx1"/>
-                </a:solidFill>
-                <a:latin typeface="Calibri" charset="0"/>
-              </a:defRPr>
-            </a:lvl9pPr>
-          </a:lstStyle>
-          <a:p>
-            <a:fld id="{CD87E67D-D445-A74F-8C89-8CDC849ECFA0}" type="slidenum">
-              <a:rPr lang="en-NZ" altLang="en-US"/>
-              <a:pPr/>
-              <a:t>7</a:t>
-            </a:fld>
-            <a:endParaRPr lang="en-NZ" altLang="en-US"/>
-          </a:p>
-        </p:txBody>
-      </p:sp>
-    </p:spTree>
-    <p:extLst>
-      <p:ext uri="{BB962C8B-B14F-4D97-AF65-F5344CB8AC3E}">
-        <p14:creationId xmlns:p14="http://schemas.microsoft.com/office/powerpoint/2010/main" val="506781498"/>
-      </p:ext>
-    </p:extLst>
-  </p:cSld>
-  <p:clrMapOvr>
-    <a:masterClrMapping/>
-  </p:clrMapOvr>
-</p:notes>
-</file>
-
-<file path=ppt/notesSlides/notesSlide4.xml><?xml version="1.0" encoding="utf-8"?>
 <p:notes xmlns:a="http://schemas.openxmlformats.org/drawingml/2006/main" xmlns:r="http://schemas.openxmlformats.org/officeDocument/2006/relationships" xmlns:p="http://schemas.openxmlformats.org/presentationml/2006/main">
   <p:cSld>
     <p:spTree>
@@ -1836,7 +1401,7 @@
           <a:p>
             <a:fld id="{22309BDE-4FA1-499D-8424-2B54D3E2E225}" type="slidenum">
               <a:rPr lang="en-AU" smtClean="0"/>
-              <a:t>8</a:t>
+              <a:t>7</a:t>
             </a:fld>
             <a:endParaRPr lang="en-AU"/>
           </a:p>
@@ -2036,7 +1601,7 @@
           <a:p>
             <a:fld id="{D4351B45-279F-42A8-9B05-CE858E05D9F5}" type="datetimeFigureOut">
               <a:rPr lang="en-NZ" smtClean="0"/>
-              <a:t>30/08/17</a:t>
+              <a:t>5/09/17</a:t>
             </a:fld>
             <a:endParaRPr lang="en-NZ"/>
           </a:p>
@@ -2206,7 +1771,7 @@
           <a:p>
             <a:fld id="{D4351B45-279F-42A8-9B05-CE858E05D9F5}" type="datetimeFigureOut">
               <a:rPr lang="en-NZ" smtClean="0"/>
-              <a:t>30/08/17</a:t>
+              <a:t>5/09/17</a:t>
             </a:fld>
             <a:endParaRPr lang="en-NZ"/>
           </a:p>
@@ -2386,7 +1951,7 @@
           <a:p>
             <a:fld id="{D4351B45-279F-42A8-9B05-CE858E05D9F5}" type="datetimeFigureOut">
               <a:rPr lang="en-NZ" smtClean="0"/>
-              <a:t>30/08/17</a:t>
+              <a:t>5/09/17</a:t>
             </a:fld>
             <a:endParaRPr lang="en-NZ"/>
           </a:p>
@@ -2556,7 +2121,7 @@
           <a:p>
             <a:fld id="{D4351B45-279F-42A8-9B05-CE858E05D9F5}" type="datetimeFigureOut">
               <a:rPr lang="en-NZ" smtClean="0"/>
-              <a:t>30/08/17</a:t>
+              <a:t>5/09/17</a:t>
             </a:fld>
             <a:endParaRPr lang="en-NZ"/>
           </a:p>
@@ -2802,7 +2367,7 @@
           <a:p>
             <a:fld id="{D4351B45-279F-42A8-9B05-CE858E05D9F5}" type="datetimeFigureOut">
               <a:rPr lang="en-NZ" smtClean="0"/>
-              <a:t>30/08/17</a:t>
+              <a:t>5/09/17</a:t>
             </a:fld>
             <a:endParaRPr lang="en-NZ"/>
           </a:p>
@@ -3090,7 +2655,7 @@
           <a:p>
             <a:fld id="{D4351B45-279F-42A8-9B05-CE858E05D9F5}" type="datetimeFigureOut">
               <a:rPr lang="en-NZ" smtClean="0"/>
-              <a:t>30/08/17</a:t>
+              <a:t>5/09/17</a:t>
             </a:fld>
             <a:endParaRPr lang="en-NZ"/>
           </a:p>
@@ -3512,7 +3077,7 @@
           <a:p>
             <a:fld id="{D4351B45-279F-42A8-9B05-CE858E05D9F5}" type="datetimeFigureOut">
               <a:rPr lang="en-NZ" smtClean="0"/>
-              <a:t>30/08/17</a:t>
+              <a:t>5/09/17</a:t>
             </a:fld>
             <a:endParaRPr lang="en-NZ"/>
           </a:p>
@@ -3630,7 +3195,7 @@
           <a:p>
             <a:fld id="{D4351B45-279F-42A8-9B05-CE858E05D9F5}" type="datetimeFigureOut">
               <a:rPr lang="en-NZ" smtClean="0"/>
-              <a:t>30/08/17</a:t>
+              <a:t>5/09/17</a:t>
             </a:fld>
             <a:endParaRPr lang="en-NZ"/>
           </a:p>
@@ -3725,7 +3290,7 @@
           <a:p>
             <a:fld id="{D4351B45-279F-42A8-9B05-CE858E05D9F5}" type="datetimeFigureOut">
               <a:rPr lang="en-NZ" smtClean="0"/>
-              <a:t>30/08/17</a:t>
+              <a:t>5/09/17</a:t>
             </a:fld>
             <a:endParaRPr lang="en-NZ"/>
           </a:p>
@@ -4002,7 +3567,7 @@
           <a:p>
             <a:fld id="{D4351B45-279F-42A8-9B05-CE858E05D9F5}" type="datetimeFigureOut">
               <a:rPr lang="en-NZ" smtClean="0"/>
-              <a:t>30/08/17</a:t>
+              <a:t>5/09/17</a:t>
             </a:fld>
             <a:endParaRPr lang="en-NZ"/>
           </a:p>
@@ -4255,7 +3820,7 @@
           <a:p>
             <a:fld id="{D4351B45-279F-42A8-9B05-CE858E05D9F5}" type="datetimeFigureOut">
               <a:rPr lang="en-NZ" smtClean="0"/>
-              <a:t>30/08/17</a:t>
+              <a:t>5/09/17</a:t>
             </a:fld>
             <a:endParaRPr lang="en-NZ"/>
           </a:p>
@@ -4468,7 +4033,7 @@
           <a:p>
             <a:fld id="{D4351B45-279F-42A8-9B05-CE858E05D9F5}" type="datetimeFigureOut">
               <a:rPr lang="en-NZ" smtClean="0"/>
-              <a:t>30/08/17</a:t>
+              <a:t>5/09/17</a:t>
             </a:fld>
             <a:endParaRPr lang="en-NZ"/>
           </a:p>
@@ -12894,48 +12459,6 @@
       </p:grpSpPr>
       <p:sp>
         <p:nvSpPr>
-          <p:cNvPr id="2" name="Title 1"/>
-          <p:cNvSpPr>
-            <a:spLocks noGrp="1"/>
-          </p:cNvSpPr>
-          <p:nvPr>
-            <p:ph type="title"/>
-          </p:nvPr>
-        </p:nvSpPr>
-        <p:spPr>
-          <a:xfrm>
-            <a:off x="0" y="274638"/>
-            <a:ext cx="8686800" cy="792162"/>
-          </a:xfrm>
-          <a:solidFill>
-            <a:schemeClr val="accent6">
-              <a:lumMod val="75000"/>
-              <a:alpha val="50000"/>
-            </a:schemeClr>
-          </a:solidFill>
-        </p:spPr>
-        <p:txBody>
-          <a:bodyPr rtlCol="0">
-            <a:normAutofit/>
-          </a:bodyPr>
-          <a:lstStyle/>
-          <a:p>
-            <a:pPr algn="l" eaLnBrk="1" fontAlgn="auto" hangingPunct="1">
-              <a:spcAft>
-                <a:spcPts val="0"/>
-              </a:spcAft>
-              <a:defRPr/>
-            </a:pPr>
-            <a:r>
-              <a:rPr lang="en-NZ" sz="3200" b="1" dirty="0" smtClean="0"/>
-              <a:t>	Web Service Composition</a:t>
-            </a:r>
-            <a:endParaRPr lang="en-NZ" sz="3200" b="1" dirty="0"/>
-          </a:p>
-        </p:txBody>
-      </p:sp>
-      <p:sp>
-        <p:nvSpPr>
           <p:cNvPr id="10" name="Rounded Rectangle 9"/>
           <p:cNvSpPr/>
           <p:nvPr/>
@@ -13155,8 +12678,13 @@
             <a:pPr algn="ctr"/>
             <a:r>
               <a:rPr lang="en-US" sz="1600" b="1" dirty="0"/>
-              <a:t>Flight Information </a:t>
+              <a:t>Flight </a:t>
             </a:r>
+            <a:r>
+              <a:rPr lang="en-US" sz="1600" b="1" dirty="0" smtClean="0"/>
+              <a:t>Booking</a:t>
+            </a:r>
+            <a:endParaRPr lang="en-US" sz="1600" b="1" dirty="0"/>
           </a:p>
         </p:txBody>
       </p:sp>
@@ -13264,9 +12792,10 @@
           <a:p>
             <a:pPr algn="ctr"/>
             <a:r>
-              <a:rPr lang="en-US" sz="1600" b="1" dirty="0"/>
-              <a:t>Bus Service</a:t>
+              <a:rPr lang="en-US" sz="1600" b="1" dirty="0" err="1" smtClean="0"/>
+              <a:t>BusService</a:t>
             </a:r>
+            <a:endParaRPr lang="en-US" sz="1600" b="1" dirty="0"/>
           </a:p>
         </p:txBody>
       </p:sp>
@@ -13849,76 +13378,6 @@
       </p:sp>
       <p:sp>
         <p:nvSpPr>
-          <p:cNvPr id="4" name="TextBox 3"/>
-          <p:cNvSpPr txBox="1"/>
-          <p:nvPr/>
-        </p:nvSpPr>
-        <p:spPr>
-          <a:xfrm>
-            <a:off x="2711136" y="6336268"/>
-            <a:ext cx="4312206" cy="369332"/>
-          </a:xfrm>
-          <a:prstGeom prst="rect">
-            <a:avLst/>
-          </a:prstGeom>
-          <a:noFill/>
-        </p:spPr>
-        <p:txBody>
-          <a:bodyPr wrap="none" rtlCol="0">
-            <a:spAutoFit/>
-          </a:bodyPr>
-          <a:lstStyle/>
-          <a:p>
-            <a:r>
-              <a:rPr lang="en-US" dirty="0" smtClean="0"/>
-              <a:t>Fig.1 An </a:t>
-            </a:r>
-            <a:r>
-              <a:rPr lang="en-US" dirty="0"/>
-              <a:t>example of traveling agency service</a:t>
-            </a:r>
-          </a:p>
-        </p:txBody>
-      </p:sp>
-      <p:sp>
-        <p:nvSpPr>
-          <p:cNvPr id="5" name="TextBox 4"/>
-          <p:cNvSpPr txBox="1"/>
-          <p:nvPr/>
-        </p:nvSpPr>
-        <p:spPr>
-          <a:xfrm>
-            <a:off x="456266" y="1405501"/>
-            <a:ext cx="8230534" cy="830997"/>
-          </a:xfrm>
-          <a:prstGeom prst="rect">
-            <a:avLst/>
-          </a:prstGeom>
-          <a:noFill/>
-        </p:spPr>
-        <p:txBody>
-          <a:bodyPr wrap="square" rtlCol="0">
-            <a:spAutoFit/>
-          </a:bodyPr>
-          <a:lstStyle/>
-          <a:p>
-            <a:r>
-              <a:rPr lang="en-US" sz="2400" b="1" dirty="0" smtClean="0"/>
-              <a:t>Web service composition (WSC) </a:t>
-            </a:r>
-            <a:r>
-              <a:rPr lang="en-US" sz="2400" dirty="0" smtClean="0"/>
-              <a:t>: a </a:t>
-            </a:r>
-            <a:r>
-              <a:rPr lang="en-US" sz="2400" dirty="0"/>
-              <a:t>composition of web services to meet a more complex task.</a:t>
-            </a:r>
-          </a:p>
-        </p:txBody>
-      </p:sp>
-      <p:sp>
-        <p:nvSpPr>
           <p:cNvPr id="29" name="Rounded Rectangle 28"/>
           <p:cNvSpPr/>
           <p:nvPr/>
@@ -13965,8 +13424,13 @@
             <a:pPr algn="ctr"/>
             <a:r>
               <a:rPr lang="en-US" sz="1400" b="1" dirty="0"/>
-              <a:t>Generate Map </a:t>
+              <a:t>Map </a:t>
             </a:r>
+            <a:r>
+              <a:rPr lang="en-US" sz="1400" b="1" dirty="0" smtClean="0"/>
+              <a:t>Generation </a:t>
+            </a:r>
+            <a:endParaRPr lang="en-US" sz="1400" b="1" dirty="0"/>
           </a:p>
         </p:txBody>
       </p:sp>
@@ -14090,334 +13554,6 @@
       </p:grpSpPr>
       <p:sp>
         <p:nvSpPr>
-          <p:cNvPr id="2" name="Title 1"/>
-          <p:cNvSpPr>
-            <a:spLocks noGrp="1"/>
-          </p:cNvSpPr>
-          <p:nvPr>
-            <p:ph type="title"/>
-          </p:nvPr>
-        </p:nvSpPr>
-        <p:spPr>
-          <a:xfrm>
-            <a:off x="0" y="274638"/>
-            <a:ext cx="8686800" cy="792162"/>
-          </a:xfrm>
-          <a:solidFill>
-            <a:schemeClr val="accent6">
-              <a:lumMod val="75000"/>
-              <a:alpha val="50000"/>
-            </a:schemeClr>
-          </a:solidFill>
-        </p:spPr>
-        <p:txBody>
-          <a:bodyPr rtlCol="0">
-            <a:normAutofit/>
-          </a:bodyPr>
-          <a:lstStyle/>
-          <a:p>
-            <a:pPr>
-              <a:defRPr/>
-            </a:pPr>
-            <a:r>
-              <a:rPr lang="en-NZ" sz="3200" b="1" dirty="0" smtClean="0"/>
-              <a:t>	Functional Properties </a:t>
-            </a:r>
-            <a:r>
-              <a:rPr lang="en-NZ" sz="3200" b="1" dirty="0"/>
-              <a:t>of </a:t>
-            </a:r>
-            <a:r>
-              <a:rPr lang="en-NZ" sz="3200" b="1" dirty="0" smtClean="0"/>
-              <a:t>WSC</a:t>
-            </a:r>
-            <a:endParaRPr lang="en-NZ" sz="3200" b="1" dirty="0"/>
-          </a:p>
-        </p:txBody>
-      </p:sp>
-      <p:sp>
-        <p:nvSpPr>
-          <p:cNvPr id="19458" name="Content Placeholder 2"/>
-          <p:cNvSpPr>
-            <a:spLocks noGrp="1"/>
-          </p:cNvSpPr>
-          <p:nvPr>
-            <p:ph idx="1"/>
-          </p:nvPr>
-        </p:nvSpPr>
-        <p:spPr>
-          <a:xfrm>
-            <a:off x="457200" y="1600200"/>
-            <a:ext cx="8229600" cy="4572000"/>
-          </a:xfrm>
-        </p:spPr>
-        <p:txBody>
-          <a:bodyPr>
-            <a:normAutofit/>
-          </a:bodyPr>
-          <a:lstStyle/>
-          <a:p>
-            <a:pPr marL="0" indent="0">
-              <a:buNone/>
-            </a:pPr>
-            <a:r>
-              <a:rPr lang="en-NZ" altLang="x-none" sz="2600" b="1" dirty="0"/>
-              <a:t>Valid </a:t>
-            </a:r>
-            <a:r>
-              <a:rPr lang="en-NZ" altLang="x-none" sz="2600" b="1" dirty="0" smtClean="0"/>
-              <a:t>functionalities</a:t>
-            </a:r>
-            <a:r>
-              <a:rPr lang="en-NZ" altLang="x-none" sz="2600" dirty="0" smtClean="0"/>
-              <a:t> </a:t>
-            </a:r>
-          </a:p>
-          <a:p>
-            <a:pPr marL="0" indent="0">
-              <a:buNone/>
-            </a:pPr>
-            <a:r>
-              <a:rPr lang="en-NZ" altLang="x-none" sz="2400" dirty="0" smtClean="0"/>
-              <a:t>Satisfaction </a:t>
-            </a:r>
-            <a:r>
-              <a:rPr lang="en-NZ" altLang="x-none" sz="2400" dirty="0"/>
-              <a:t>on the inputs of all involved </a:t>
-            </a:r>
-            <a:r>
-              <a:rPr lang="en-NZ" altLang="x-none" sz="2400" dirty="0" smtClean="0"/>
-              <a:t>services</a:t>
-            </a:r>
-          </a:p>
-          <a:p>
-            <a:pPr marL="0" indent="0">
-              <a:buNone/>
-            </a:pPr>
-            <a:r>
-              <a:rPr lang="en-NZ" altLang="x-none" sz="2400" dirty="0"/>
-              <a:t>Required outputs is a subset of output of all involved services</a:t>
-            </a:r>
-            <a:endParaRPr lang="en-NZ" altLang="x-none" sz="2400" dirty="0" smtClean="0"/>
-          </a:p>
-          <a:p>
-            <a:pPr marL="0" indent="0">
-              <a:buNone/>
-            </a:pPr>
-            <a:r>
-              <a:rPr lang="en-NZ" altLang="x-none" sz="2400" b="1" dirty="0"/>
-              <a:t>Semantic matchmaking </a:t>
-            </a:r>
-            <a:r>
-              <a:rPr lang="en-NZ" altLang="x-none" sz="2400" b="1" dirty="0" smtClean="0"/>
-              <a:t>quality</a:t>
-            </a:r>
-          </a:p>
-          <a:p>
-            <a:pPr marL="0" indent="0">
-              <a:buNone/>
-            </a:pPr>
-            <a:r>
-              <a:rPr lang="en-NZ" altLang="x-none" sz="2400" dirty="0" smtClean="0"/>
-              <a:t>How perfect does the provided inputs match the required outputs</a:t>
-            </a:r>
-          </a:p>
-        </p:txBody>
-      </p:sp>
-      <p:sp>
-        <p:nvSpPr>
-          <p:cNvPr id="19459" name="Slide Number Placeholder 3"/>
-          <p:cNvSpPr>
-            <a:spLocks noGrp="1"/>
-          </p:cNvSpPr>
-          <p:nvPr>
-            <p:ph type="sldNum" sz="quarter" idx="12"/>
-          </p:nvPr>
-        </p:nvSpPr>
-        <p:spPr bwMode="auto">
-          <a:xfrm>
-            <a:off x="6457950" y="5730875"/>
-            <a:ext cx="2057400" cy="365125"/>
-          </a:xfrm>
-          <a:noFill/>
-          <a:extLst>
-            <a:ext uri="{909E8E84-426E-40DD-AFC4-6F175D3DCCD1}">
-              <a14:hiddenFill xmlns:a14="http://schemas.microsoft.com/office/drawing/2010/main">
-                <a:solidFill>
-                  <a:srgbClr val="FFFFFF"/>
-                </a:solidFill>
-              </a14:hiddenFill>
-            </a:ext>
-            <a:ext uri="{91240B29-F687-4F45-9708-019B960494DF}">
-              <a14:hiddenLine xmlns:a14="http://schemas.microsoft.com/office/drawing/2010/main" w="9525">
-                <a:solidFill>
-                  <a:srgbClr val="000000"/>
-                </a:solidFill>
-                <a:miter lim="800000"/>
-                <a:headEnd/>
-                <a:tailEnd/>
-              </a14:hiddenLine>
-            </a:ext>
-          </a:extLst>
-        </p:spPr>
-        <p:txBody>
-          <a:bodyPr/>
-          <a:lstStyle>
-            <a:lvl1pPr>
-              <a:spcBef>
-                <a:spcPct val="20000"/>
-              </a:spcBef>
-              <a:buFont typeface="Arial" charset="0"/>
-              <a:buChar char="•"/>
-              <a:defRPr sz="3200">
-                <a:solidFill>
-                  <a:schemeClr val="tx1"/>
-                </a:solidFill>
-                <a:latin typeface="Calibri" charset="0"/>
-              </a:defRPr>
-            </a:lvl1pPr>
-            <a:lvl2pPr marL="742950" indent="-285750">
-              <a:spcBef>
-                <a:spcPct val="20000"/>
-              </a:spcBef>
-              <a:buFont typeface="Arial" charset="0"/>
-              <a:buChar char="–"/>
-              <a:defRPr sz="2800">
-                <a:solidFill>
-                  <a:schemeClr val="tx1"/>
-                </a:solidFill>
-                <a:latin typeface="Calibri" charset="0"/>
-              </a:defRPr>
-            </a:lvl2pPr>
-            <a:lvl3pPr marL="1143000" indent="-228600">
-              <a:spcBef>
-                <a:spcPct val="20000"/>
-              </a:spcBef>
-              <a:buFont typeface="Arial" charset="0"/>
-              <a:buChar char="•"/>
-              <a:defRPr sz="2400">
-                <a:solidFill>
-                  <a:schemeClr val="tx1"/>
-                </a:solidFill>
-                <a:latin typeface="Calibri" charset="0"/>
-              </a:defRPr>
-            </a:lvl3pPr>
-            <a:lvl4pPr marL="1600200" indent="-228600">
-              <a:spcBef>
-                <a:spcPct val="20000"/>
-              </a:spcBef>
-              <a:buFont typeface="Arial" charset="0"/>
-              <a:buChar char="–"/>
-              <a:defRPr sz="2000">
-                <a:solidFill>
-                  <a:schemeClr val="tx1"/>
-                </a:solidFill>
-                <a:latin typeface="Calibri" charset="0"/>
-              </a:defRPr>
-            </a:lvl4pPr>
-            <a:lvl5pPr marL="2057400" indent="-228600">
-              <a:spcBef>
-                <a:spcPct val="20000"/>
-              </a:spcBef>
-              <a:buFont typeface="Arial" charset="0"/>
-              <a:buChar char="»"/>
-              <a:defRPr sz="2000">
-                <a:solidFill>
-                  <a:schemeClr val="tx1"/>
-                </a:solidFill>
-                <a:latin typeface="Calibri" charset="0"/>
-              </a:defRPr>
-            </a:lvl5pPr>
-            <a:lvl6pPr marL="2514600" indent="-228600" eaLnBrk="0" fontAlgn="base" hangingPunct="0">
-              <a:spcBef>
-                <a:spcPct val="20000"/>
-              </a:spcBef>
-              <a:spcAft>
-                <a:spcPct val="0"/>
-              </a:spcAft>
-              <a:buFont typeface="Arial" charset="0"/>
-              <a:buChar char="»"/>
-              <a:defRPr sz="2000">
-                <a:solidFill>
-                  <a:schemeClr val="tx1"/>
-                </a:solidFill>
-                <a:latin typeface="Calibri" charset="0"/>
-              </a:defRPr>
-            </a:lvl6pPr>
-            <a:lvl7pPr marL="2971800" indent="-228600" eaLnBrk="0" fontAlgn="base" hangingPunct="0">
-              <a:spcBef>
-                <a:spcPct val="20000"/>
-              </a:spcBef>
-              <a:spcAft>
-                <a:spcPct val="0"/>
-              </a:spcAft>
-              <a:buFont typeface="Arial" charset="0"/>
-              <a:buChar char="»"/>
-              <a:defRPr sz="2000">
-                <a:solidFill>
-                  <a:schemeClr val="tx1"/>
-                </a:solidFill>
-                <a:latin typeface="Calibri" charset="0"/>
-              </a:defRPr>
-            </a:lvl7pPr>
-            <a:lvl8pPr marL="3429000" indent="-228600" eaLnBrk="0" fontAlgn="base" hangingPunct="0">
-              <a:spcBef>
-                <a:spcPct val="20000"/>
-              </a:spcBef>
-              <a:spcAft>
-                <a:spcPct val="0"/>
-              </a:spcAft>
-              <a:buFont typeface="Arial" charset="0"/>
-              <a:buChar char="»"/>
-              <a:defRPr sz="2000">
-                <a:solidFill>
-                  <a:schemeClr val="tx1"/>
-                </a:solidFill>
-                <a:latin typeface="Calibri" charset="0"/>
-              </a:defRPr>
-            </a:lvl8pPr>
-            <a:lvl9pPr marL="3886200" indent="-228600" eaLnBrk="0" fontAlgn="base" hangingPunct="0">
-              <a:spcBef>
-                <a:spcPct val="20000"/>
-              </a:spcBef>
-              <a:spcAft>
-                <a:spcPct val="0"/>
-              </a:spcAft>
-              <a:buFont typeface="Arial" charset="0"/>
-              <a:buChar char="»"/>
-              <a:defRPr sz="2000">
-                <a:solidFill>
-                  <a:schemeClr val="tx1"/>
-                </a:solidFill>
-                <a:latin typeface="Calibri" charset="0"/>
-              </a:defRPr>
-            </a:lvl9pPr>
-          </a:lstStyle>
-          <a:p>
-            <a:pPr>
-              <a:spcBef>
-                <a:spcPct val="0"/>
-              </a:spcBef>
-              <a:buFontTx/>
-              <a:buNone/>
-            </a:pPr>
-            <a:fld id="{46D07013-15E0-E04C-AB7F-D86A7C849A7E}" type="slidenum">
-              <a:rPr lang="en-US" altLang="en-US" sz="1600" b="1"/>
-              <a:pPr>
-                <a:spcBef>
-                  <a:spcPct val="0"/>
-                </a:spcBef>
-                <a:buFontTx/>
-                <a:buNone/>
-              </a:pPr>
-              <a:t>6</a:t>
-            </a:fld>
-            <a:endParaRPr lang="en-US" altLang="en-US" sz="1600" b="1" dirty="0"/>
-          </a:p>
-        </p:txBody>
-      </p:sp>
-      <p:sp>
-        <p:nvSpPr>
           <p:cNvPr id="5" name="Rounded Rectangle 4"/>
           <p:cNvSpPr/>
           <p:nvPr/>
@@ -14480,7 +13616,9 @@
             <a:avLst/>
           </a:prstGeom>
           <a:solidFill>
-            <a:schemeClr val="accent6"/>
+            <a:schemeClr val="accent5">
+              <a:lumMod val="75000"/>
+            </a:schemeClr>
           </a:solidFill>
           <a:ln>
             <a:solidFill>
@@ -14510,9 +13648,14 @@
           <a:p>
             <a:pPr algn="ctr"/>
             <a:r>
-              <a:rPr lang="en-US" sz="1400" b="1" dirty="0"/>
-              <a:t>Generate Map </a:t>
+              <a:rPr lang="en-US" sz="1100" b="1" dirty="0"/>
+              <a:t>Map </a:t>
             </a:r>
+            <a:r>
+              <a:rPr lang="en-US" sz="1100" b="1" dirty="0" smtClean="0"/>
+              <a:t>Generation </a:t>
+            </a:r>
+            <a:endParaRPr lang="en-US" sz="1100" b="1" dirty="0"/>
           </a:p>
         </p:txBody>
       </p:sp>
@@ -14598,8 +13741,8 @@
           </a:fontRef>
         </p:style>
       </p:cxnSp>
-      <mc:AlternateContent xmlns:mc="http://schemas.openxmlformats.org/markup-compatibility/2006" xmlns:a14="http://schemas.microsoft.com/office/drawing/2010/main">
-        <mc:Choice Requires="a14">
+      <mc:AlternateContent xmlns:mc="http://schemas.openxmlformats.org/markup-compatibility/2006">
+        <mc:Choice xmlns:a14="http://schemas.microsoft.com/office/drawing/2010/main" Requires="a14">
           <p:sp>
             <p:nvSpPr>
               <p:cNvPr id="9" name="TextBox 8"/>
@@ -14669,7 +13812,7 @@
             </p:txBody>
           </p:sp>
         </mc:Choice>
-        <mc:Fallback xmlns="">
+        <mc:Fallback>
           <p:sp>
             <p:nvSpPr>
               <p:cNvPr id="9" name="TextBox 8"/>
@@ -14711,8 +13854,8 @@
           </p:sp>
         </mc:Fallback>
       </mc:AlternateContent>
-      <mc:AlternateContent xmlns:mc="http://schemas.openxmlformats.org/markup-compatibility/2006" xmlns:a14="http://schemas.microsoft.com/office/drawing/2010/main">
-        <mc:Choice Requires="a14">
+      <mc:AlternateContent xmlns:mc="http://schemas.openxmlformats.org/markup-compatibility/2006">
+        <mc:Choice xmlns:a14="http://schemas.microsoft.com/office/drawing/2010/main" Requires="a14">
           <p:sp>
             <p:nvSpPr>
               <p:cNvPr id="10" name="TextBox 9"/>
@@ -14776,7 +13919,7 @@
             </p:txBody>
           </p:sp>
         </mc:Choice>
-        <mc:Fallback xmlns="">
+        <mc:Fallback>
           <p:sp>
             <p:nvSpPr>
               <p:cNvPr id="10" name="TextBox 9"/>
@@ -14965,329 +14108,10 @@
           </a:p>
         </p:txBody>
       </p:sp>
-      <mc:AlternateContent xmlns:mc="http://schemas.openxmlformats.org/markup-compatibility/2006" xmlns:a14="http://schemas.microsoft.com/office/drawing/2010/main">
-        <mc:Choice Requires="a14">
-          <p:sp>
-            <p:nvSpPr>
-              <p:cNvPr id="14" name="TextBox 13"/>
-              <p:cNvSpPr txBox="1"/>
-              <p:nvPr/>
-            </p:nvSpPr>
-            <p:spPr>
-              <a:xfrm>
-                <a:off x="1763570" y="5064844"/>
-                <a:ext cx="6201987" cy="246221"/>
-              </a:xfrm>
-              <a:prstGeom prst="rect">
-                <a:avLst/>
-              </a:prstGeom>
-              <a:noFill/>
-              <a:ln>
-                <a:noFill/>
-              </a:ln>
-            </p:spPr>
-            <p:txBody>
-              <a:bodyPr wrap="square" rtlCol="0">
-                <a:spAutoFit/>
-              </a:bodyPr>
-              <a:lstStyle/>
-              <a:p>
-                <a:pPr/>
-                <a14:m>
-                  <m:oMathPara xmlns:m="http://schemas.openxmlformats.org/officeDocument/2006/math">
-                    <m:oMathParaPr>
-                      <m:jc m:val="centerGroup"/>
-                    </m:oMathParaPr>
-                    <m:oMath xmlns:m="http://schemas.openxmlformats.org/officeDocument/2006/math">
-                      <m:r>
-                        <a:rPr lang="en-US" sz="1000" b="1" i="0" smtClean="0">
-                          <a:latin typeface="Cambria Math" charset="0"/>
-                          <a:ea typeface="Cambria Math" charset="0"/>
-                          <a:cs typeface="Cambria Math" charset="0"/>
-                        </a:rPr>
-                        <m:t>𝐈𝐧𝐬𝐭𝐚𝐧𝐜𝐞</m:t>
-                      </m:r>
-                      <m:r>
-                        <a:rPr lang="en-US" sz="1000" b="1" i="0" smtClean="0">
-                          <a:latin typeface="Cambria Math" charset="0"/>
-                          <a:ea typeface="Cambria Math" charset="0"/>
-                          <a:cs typeface="Cambria Math" charset="0"/>
-                        </a:rPr>
-                        <m:t>−</m:t>
-                      </m:r>
-                      <m:r>
-                        <a:rPr lang="en-US" sz="1000" b="1" i="0" smtClean="0">
-                          <a:latin typeface="Cambria Math" charset="0"/>
-                          <a:ea typeface="Cambria Math" charset="0"/>
-                          <a:cs typeface="Cambria Math" charset="0"/>
-                        </a:rPr>
-                        <m:t>𝐨𝐟</m:t>
-                      </m:r>
-                      <m:r>
-                        <a:rPr lang="en-US" sz="1000" b="1" i="0" smtClean="0">
-                          <a:latin typeface="Cambria Math" charset="0"/>
-                          <a:ea typeface="Cambria Math" charset="0"/>
-                          <a:cs typeface="Cambria Math" charset="0"/>
-                        </a:rPr>
-                        <m:t> </m:t>
-                      </m:r>
-                      <m:d>
-                        <m:dPr>
-                          <m:ctrlPr>
-                            <a:rPr lang="en-US" sz="1000" b="1" i="1" smtClean="0">
-                              <a:latin typeface="Cambria Math" charset="0"/>
-                              <a:ea typeface="Cambria Math" charset="0"/>
-                              <a:cs typeface="Cambria Math" charset="0"/>
-                            </a:rPr>
-                          </m:ctrlPr>
-                        </m:dPr>
-                        <m:e>
-                          <m:r>
-                            <a:rPr lang="en-US" sz="1000" b="1">
-                              <a:latin typeface="Cambria Math" panose="02040503050406030204" pitchFamily="18" charset="0"/>
-                              <a:ea typeface="Cambria Math" charset="0"/>
-                              <a:cs typeface="Cambria Math" charset="0"/>
-                            </a:rPr>
-                            <m:t>𝐌𝐚𝐩𝐩𝐞𝐝𝐋𝐨𝐜𝐚𝐭𝐢𝐨𝐧</m:t>
-                          </m:r>
-                          <m:r>
-                            <a:rPr lang="en-US" sz="1000" b="1" i="0" smtClean="0">
-                              <a:latin typeface="Cambria Math" charset="0"/>
-                              <a:ea typeface="Cambria Math" charset="0"/>
-                              <a:cs typeface="Cambria Math" charset="0"/>
-                            </a:rPr>
-                            <m:t>, </m:t>
-                          </m:r>
-                          <m:r>
-                            <a:rPr lang="en-US" sz="1000" b="1" i="0" smtClean="0">
-                              <a:latin typeface="Cambria Math" charset="0"/>
-                              <a:ea typeface="Cambria Math" charset="0"/>
-                              <a:cs typeface="Cambria Math" charset="0"/>
-                            </a:rPr>
-                            <m:t>𝐋𝐨𝐜𝐚𝐭𝐢𝐨𝐧</m:t>
-                          </m:r>
-                        </m:e>
-                      </m:d>
-                      <m:r>
-                        <a:rPr lang="en-US" sz="1000" b="1">
-                          <a:latin typeface="Cambria Math" charset="0"/>
-                          <a:ea typeface="Cambria Math" charset="0"/>
-                          <a:cs typeface="Cambria Math" charset="0"/>
-                        </a:rPr>
-                        <m:t>,</m:t>
-                      </m:r>
-                      <m:r>
-                        <a:rPr lang="en-US" sz="1000" b="1">
-                          <a:latin typeface="Cambria Math" charset="0"/>
-                          <a:ea typeface="Cambria Math" charset="0"/>
-                          <a:cs typeface="Cambria Math" charset="0"/>
-                        </a:rPr>
-                        <m:t>𝐈𝐧𝐬𝐭𝐚𝐧𝐜𝐞</m:t>
-                      </m:r>
-                      <m:r>
-                        <a:rPr lang="en-US" sz="1000" b="1">
-                          <a:latin typeface="Cambria Math" charset="0"/>
-                          <a:ea typeface="Cambria Math" charset="0"/>
-                          <a:cs typeface="Cambria Math" charset="0"/>
-                        </a:rPr>
-                        <m:t>−</m:t>
-                      </m:r>
-                      <m:r>
-                        <a:rPr lang="en-US" sz="1000" b="1">
-                          <a:latin typeface="Cambria Math" charset="0"/>
-                          <a:ea typeface="Cambria Math" charset="0"/>
-                          <a:cs typeface="Cambria Math" charset="0"/>
-                        </a:rPr>
-                        <m:t>𝐨𝐟</m:t>
-                      </m:r>
-                      <m:r>
-                        <a:rPr lang="en-US" sz="1000" b="1">
-                          <a:latin typeface="Cambria Math" charset="0"/>
-                          <a:ea typeface="Cambria Math" charset="0"/>
-                          <a:cs typeface="Cambria Math" charset="0"/>
-                        </a:rPr>
-                        <m:t> </m:t>
-                      </m:r>
-                      <m:d>
-                        <m:dPr>
-                          <m:ctrlPr>
-                            <a:rPr lang="en-US" sz="1000" b="1" i="1">
-                              <a:latin typeface="Cambria Math" charset="0"/>
-                              <a:ea typeface="Cambria Math" charset="0"/>
-                              <a:cs typeface="Cambria Math" charset="0"/>
-                            </a:rPr>
-                          </m:ctrlPr>
-                        </m:dPr>
-                        <m:e>
-                          <m:r>
-                            <a:rPr lang="en-US" sz="1000" b="1" i="0" smtClean="0">
-                              <a:latin typeface="Cambria Math" charset="0"/>
-                              <a:ea typeface="Cambria Math" charset="0"/>
-                              <a:cs typeface="Cambria Math" charset="0"/>
-                            </a:rPr>
-                            <m:t>𝐂𝐨𝐧𝐟𝐞𝐫𝐞𝐧𝐜𝐞𝐂𝐢𝐭𝐲</m:t>
-                          </m:r>
-                          <m:r>
-                            <a:rPr lang="en-US" sz="1000" b="1">
-                              <a:latin typeface="Cambria Math" charset="0"/>
-                              <a:ea typeface="Cambria Math" charset="0"/>
-                              <a:cs typeface="Cambria Math" charset="0"/>
-                            </a:rPr>
-                            <m:t>, </m:t>
-                          </m:r>
-                          <m:r>
-                            <a:rPr lang="en-US" sz="1000" b="1" i="0" smtClean="0">
-                              <a:latin typeface="Cambria Math" charset="0"/>
-                              <a:ea typeface="Cambria Math" charset="0"/>
-                              <a:cs typeface="Cambria Math" charset="0"/>
-                            </a:rPr>
-                            <m:t>𝐂𝐢𝐭𝐲</m:t>
-                          </m:r>
-                        </m:e>
-                      </m:d>
-                      <m:r>
-                        <a:rPr lang="en-US" sz="1000" b="1" i="1" smtClean="0">
-                          <a:latin typeface="Cambria Math" charset="0"/>
-                          <a:ea typeface="Cambria Math" charset="0"/>
-                          <a:cs typeface="Cambria Math" charset="0"/>
-                        </a:rPr>
-                        <m:t> </m:t>
-                      </m:r>
-                      <m:r>
-                        <a:rPr lang="en-US" sz="1000" b="1" i="1" smtClean="0">
-                          <a:latin typeface="Cambria Math" charset="0"/>
-                          <a:ea typeface="Cambria Math" charset="0"/>
-                          <a:cs typeface="Cambria Math" charset="0"/>
-                        </a:rPr>
-                        <m:t>𝒂𝒏𝒅</m:t>
-                      </m:r>
-                      <m:r>
-                        <a:rPr lang="en-US" sz="1000" b="1" i="1" smtClean="0">
-                          <a:latin typeface="Cambria Math" charset="0"/>
-                          <a:ea typeface="Cambria Math" charset="0"/>
-                          <a:cs typeface="Cambria Math" charset="0"/>
-                        </a:rPr>
-                        <m:t> </m:t>
-                      </m:r>
-                      <m:r>
-                        <a:rPr lang="en-US" sz="1000" b="1" i="1" smtClean="0">
-                          <a:latin typeface="Cambria Math" charset="0"/>
-                          <a:ea typeface="Cambria Math" charset="0"/>
-                          <a:cs typeface="Cambria Math" charset="0"/>
-                        </a:rPr>
-                        <m:t>𝑪𝒊𝒕𝒚</m:t>
-                      </m:r>
-                      <m:r>
-                        <a:rPr lang="en-US" sz="1000" b="1" i="1" smtClean="0">
-                          <a:latin typeface="Cambria Math" charset="0"/>
-                          <a:ea typeface="Cambria Math" charset="0"/>
-                          <a:cs typeface="Cambria Math" charset="0"/>
-                        </a:rPr>
-                        <m:t> ⊑</m:t>
-                      </m:r>
-                      <m:r>
-                        <a:rPr lang="en-US" sz="1000" b="1" i="1" smtClean="0">
-                          <a:latin typeface="Cambria Math" charset="0"/>
-                          <a:ea typeface="Cambria Math" charset="0"/>
-                          <a:cs typeface="Cambria Math" charset="0"/>
-                        </a:rPr>
-                        <m:t>𝑳𝒐𝒄𝒂𝒕𝒊𝒐𝒏</m:t>
-                      </m:r>
-                    </m:oMath>
-                  </m:oMathPara>
-                </a14:m>
-                <a:endParaRPr lang="en-US" sz="1000" b="1" dirty="0"/>
-              </a:p>
-            </p:txBody>
-          </p:sp>
-        </mc:Choice>
-        <mc:Fallback xmlns="">
-          <p:sp>
-            <p:nvSpPr>
-              <p:cNvPr id="14" name="TextBox 13"/>
-              <p:cNvSpPr txBox="1">
-                <a:spLocks noRot="1" noChangeAspect="1" noMove="1" noResize="1" noEditPoints="1" noAdjustHandles="1" noChangeArrowheads="1" noChangeShapeType="1" noTextEdit="1"/>
-              </p:cNvSpPr>
-              <p:nvPr/>
-            </p:nvSpPr>
-            <p:spPr>
-              <a:xfrm>
-                <a:off x="1763570" y="5064844"/>
-                <a:ext cx="6201987" cy="246221"/>
-              </a:xfrm>
-              <a:prstGeom prst="rect">
-                <a:avLst/>
-              </a:prstGeom>
-              <a:blipFill rotWithShape="0">
-                <a:blip r:embed="rId5"/>
-                <a:stretch>
-                  <a:fillRect t="-72500" b="-95000"/>
-                </a:stretch>
-              </a:blipFill>
-              <a:ln>
-                <a:noFill/>
-              </a:ln>
-            </p:spPr>
-            <p:txBody>
-              <a:bodyPr/>
-              <a:lstStyle/>
-              <a:p>
-                <a:r>
-                  <a:rPr lang="en-US">
-                    <a:noFill/>
-                  </a:rPr>
-                  <a:t> </a:t>
-                </a:r>
-              </a:p>
-            </p:txBody>
-          </p:sp>
-        </mc:Fallback>
-      </mc:AlternateContent>
-      <p:sp>
-        <p:nvSpPr>
-          <p:cNvPr id="16" name="TextBox 15"/>
-          <p:cNvSpPr txBox="1"/>
-          <p:nvPr/>
-        </p:nvSpPr>
-        <p:spPr>
-          <a:xfrm>
-            <a:off x="1387474" y="5450382"/>
-            <a:ext cx="7020512" cy="369332"/>
-          </a:xfrm>
-          <a:prstGeom prst="rect">
-            <a:avLst/>
-          </a:prstGeom>
-          <a:noFill/>
-        </p:spPr>
-        <p:txBody>
-          <a:bodyPr wrap="none" rtlCol="0">
-            <a:spAutoFit/>
-          </a:bodyPr>
-          <a:lstStyle/>
-          <a:p>
-            <a:r>
-              <a:rPr lang="en-US" dirty="0" smtClean="0"/>
-              <a:t>Fig.2 An </a:t>
-            </a:r>
-            <a:r>
-              <a:rPr lang="en-US" dirty="0"/>
-              <a:t>example of </a:t>
-            </a:r>
-            <a:r>
-              <a:rPr lang="en-US" dirty="0" smtClean="0"/>
-              <a:t>one </a:t>
-            </a:r>
-            <a:r>
-              <a:rPr lang="en-US" dirty="0"/>
-              <a:t>component service from traveling agency service</a:t>
-            </a:r>
-          </a:p>
-        </p:txBody>
-      </p:sp>
     </p:spTree>
     <p:extLst>
       <p:ext uri="{BB962C8B-B14F-4D97-AF65-F5344CB8AC3E}">
-        <p14:creationId xmlns:p14="http://schemas.microsoft.com/office/powerpoint/2010/main" val="2050568038"/>
+        <p14:creationId xmlns:p14="http://schemas.microsoft.com/office/powerpoint/2010/main" val="1500087154"/>
       </p:ext>
     </p:extLst>
   </p:cSld>
@@ -15323,1152 +14147,6 @@
       </p:grpSpPr>
       <p:sp>
         <p:nvSpPr>
-          <p:cNvPr id="2" name="Title 1"/>
-          <p:cNvSpPr>
-            <a:spLocks noGrp="1"/>
-          </p:cNvSpPr>
-          <p:nvPr>
-            <p:ph type="title"/>
-          </p:nvPr>
-        </p:nvSpPr>
-        <p:spPr>
-          <a:xfrm>
-            <a:off x="0" y="274638"/>
-            <a:ext cx="8686800" cy="792162"/>
-          </a:xfrm>
-          <a:solidFill>
-            <a:schemeClr val="accent6">
-              <a:lumMod val="75000"/>
-              <a:alpha val="50000"/>
-            </a:schemeClr>
-          </a:solidFill>
-        </p:spPr>
-        <p:txBody>
-          <a:bodyPr rtlCol="0">
-            <a:normAutofit/>
-          </a:bodyPr>
-          <a:lstStyle/>
-          <a:p>
-            <a:pPr>
-              <a:defRPr/>
-            </a:pPr>
-            <a:r>
-              <a:rPr lang="en-NZ" sz="3200" b="1" dirty="0" smtClean="0"/>
-              <a:t>	Functional Properties </a:t>
-            </a:r>
-            <a:r>
-              <a:rPr lang="en-NZ" sz="3200" b="1" dirty="0"/>
-              <a:t>of </a:t>
-            </a:r>
-            <a:r>
-              <a:rPr lang="en-NZ" sz="3200" b="1" dirty="0" smtClean="0"/>
-              <a:t>WSC</a:t>
-            </a:r>
-            <a:endParaRPr lang="en-NZ" sz="3200" b="1" dirty="0"/>
-          </a:p>
-        </p:txBody>
-      </p:sp>
-      <p:sp>
-        <p:nvSpPr>
-          <p:cNvPr id="19459" name="Slide Number Placeholder 3"/>
-          <p:cNvSpPr>
-            <a:spLocks noGrp="1"/>
-          </p:cNvSpPr>
-          <p:nvPr>
-            <p:ph type="sldNum" sz="quarter" idx="12"/>
-          </p:nvPr>
-        </p:nvSpPr>
-        <p:spPr bwMode="auto">
-          <a:xfrm>
-            <a:off x="6457950" y="5730875"/>
-            <a:ext cx="2057400" cy="365125"/>
-          </a:xfrm>
-          <a:noFill/>
-          <a:extLst>
-            <a:ext uri="{909E8E84-426E-40DD-AFC4-6F175D3DCCD1}">
-              <a14:hiddenFill xmlns:a14="http://schemas.microsoft.com/office/drawing/2010/main">
-                <a:solidFill>
-                  <a:srgbClr val="FFFFFF"/>
-                </a:solidFill>
-              </a14:hiddenFill>
-            </a:ext>
-            <a:ext uri="{91240B29-F687-4F45-9708-019B960494DF}">
-              <a14:hiddenLine xmlns:a14="http://schemas.microsoft.com/office/drawing/2010/main" w="9525">
-                <a:solidFill>
-                  <a:srgbClr val="000000"/>
-                </a:solidFill>
-                <a:miter lim="800000"/>
-                <a:headEnd/>
-                <a:tailEnd/>
-              </a14:hiddenLine>
-            </a:ext>
-          </a:extLst>
-        </p:spPr>
-        <p:txBody>
-          <a:bodyPr/>
-          <a:lstStyle>
-            <a:lvl1pPr>
-              <a:spcBef>
-                <a:spcPct val="20000"/>
-              </a:spcBef>
-              <a:buFont typeface="Arial" charset="0"/>
-              <a:buChar char="•"/>
-              <a:defRPr sz="3200">
-                <a:solidFill>
-                  <a:schemeClr val="tx1"/>
-                </a:solidFill>
-                <a:latin typeface="Calibri" charset="0"/>
-              </a:defRPr>
-            </a:lvl1pPr>
-            <a:lvl2pPr marL="742950" indent="-285750">
-              <a:spcBef>
-                <a:spcPct val="20000"/>
-              </a:spcBef>
-              <a:buFont typeface="Arial" charset="0"/>
-              <a:buChar char="–"/>
-              <a:defRPr sz="2800">
-                <a:solidFill>
-                  <a:schemeClr val="tx1"/>
-                </a:solidFill>
-                <a:latin typeface="Calibri" charset="0"/>
-              </a:defRPr>
-            </a:lvl2pPr>
-            <a:lvl3pPr marL="1143000" indent="-228600">
-              <a:spcBef>
-                <a:spcPct val="20000"/>
-              </a:spcBef>
-              <a:buFont typeface="Arial" charset="0"/>
-              <a:buChar char="•"/>
-              <a:defRPr sz="2400">
-                <a:solidFill>
-                  <a:schemeClr val="tx1"/>
-                </a:solidFill>
-                <a:latin typeface="Calibri" charset="0"/>
-              </a:defRPr>
-            </a:lvl3pPr>
-            <a:lvl4pPr marL="1600200" indent="-228600">
-              <a:spcBef>
-                <a:spcPct val="20000"/>
-              </a:spcBef>
-              <a:buFont typeface="Arial" charset="0"/>
-              <a:buChar char="–"/>
-              <a:defRPr sz="2000">
-                <a:solidFill>
-                  <a:schemeClr val="tx1"/>
-                </a:solidFill>
-                <a:latin typeface="Calibri" charset="0"/>
-              </a:defRPr>
-            </a:lvl4pPr>
-            <a:lvl5pPr marL="2057400" indent="-228600">
-              <a:spcBef>
-                <a:spcPct val="20000"/>
-              </a:spcBef>
-              <a:buFont typeface="Arial" charset="0"/>
-              <a:buChar char="»"/>
-              <a:defRPr sz="2000">
-                <a:solidFill>
-                  <a:schemeClr val="tx1"/>
-                </a:solidFill>
-                <a:latin typeface="Calibri" charset="0"/>
-              </a:defRPr>
-            </a:lvl5pPr>
-            <a:lvl6pPr marL="2514600" indent="-228600" eaLnBrk="0" fontAlgn="base" hangingPunct="0">
-              <a:spcBef>
-                <a:spcPct val="20000"/>
-              </a:spcBef>
-              <a:spcAft>
-                <a:spcPct val="0"/>
-              </a:spcAft>
-              <a:buFont typeface="Arial" charset="0"/>
-              <a:buChar char="»"/>
-              <a:defRPr sz="2000">
-                <a:solidFill>
-                  <a:schemeClr val="tx1"/>
-                </a:solidFill>
-                <a:latin typeface="Calibri" charset="0"/>
-              </a:defRPr>
-            </a:lvl6pPr>
-            <a:lvl7pPr marL="2971800" indent="-228600" eaLnBrk="0" fontAlgn="base" hangingPunct="0">
-              <a:spcBef>
-                <a:spcPct val="20000"/>
-              </a:spcBef>
-              <a:spcAft>
-                <a:spcPct val="0"/>
-              </a:spcAft>
-              <a:buFont typeface="Arial" charset="0"/>
-              <a:buChar char="»"/>
-              <a:defRPr sz="2000">
-                <a:solidFill>
-                  <a:schemeClr val="tx1"/>
-                </a:solidFill>
-                <a:latin typeface="Calibri" charset="0"/>
-              </a:defRPr>
-            </a:lvl7pPr>
-            <a:lvl8pPr marL="3429000" indent="-228600" eaLnBrk="0" fontAlgn="base" hangingPunct="0">
-              <a:spcBef>
-                <a:spcPct val="20000"/>
-              </a:spcBef>
-              <a:spcAft>
-                <a:spcPct val="0"/>
-              </a:spcAft>
-              <a:buFont typeface="Arial" charset="0"/>
-              <a:buChar char="»"/>
-              <a:defRPr sz="2000">
-                <a:solidFill>
-                  <a:schemeClr val="tx1"/>
-                </a:solidFill>
-                <a:latin typeface="Calibri" charset="0"/>
-              </a:defRPr>
-            </a:lvl8pPr>
-            <a:lvl9pPr marL="3886200" indent="-228600" eaLnBrk="0" fontAlgn="base" hangingPunct="0">
-              <a:spcBef>
-                <a:spcPct val="20000"/>
-              </a:spcBef>
-              <a:spcAft>
-                <a:spcPct val="0"/>
-              </a:spcAft>
-              <a:buFont typeface="Arial" charset="0"/>
-              <a:buChar char="»"/>
-              <a:defRPr sz="2000">
-                <a:solidFill>
-                  <a:schemeClr val="tx1"/>
-                </a:solidFill>
-                <a:latin typeface="Calibri" charset="0"/>
-              </a:defRPr>
-            </a:lvl9pPr>
-          </a:lstStyle>
-          <a:p>
-            <a:pPr>
-              <a:spcBef>
-                <a:spcPct val="0"/>
-              </a:spcBef>
-              <a:buFontTx/>
-              <a:buNone/>
-            </a:pPr>
-            <a:fld id="{46D07013-15E0-E04C-AB7F-D86A7C849A7E}" type="slidenum">
-              <a:rPr lang="en-US" altLang="en-US" sz="1600" b="1"/>
-              <a:pPr>
-                <a:spcBef>
-                  <a:spcPct val="0"/>
-                </a:spcBef>
-                <a:buFontTx/>
-                <a:buNone/>
-              </a:pPr>
-              <a:t>7</a:t>
-            </a:fld>
-            <a:endParaRPr lang="en-US" altLang="en-US" sz="1600" b="1" dirty="0"/>
-          </a:p>
-        </p:txBody>
-      </p:sp>
-      <p:sp>
-        <p:nvSpPr>
-          <p:cNvPr id="5" name="Rounded Rectangle 4"/>
-          <p:cNvSpPr/>
-          <p:nvPr/>
-        </p:nvSpPr>
-        <p:spPr>
-          <a:xfrm>
-            <a:off x="3124200" y="3870324"/>
-            <a:ext cx="3201778" cy="1017872"/>
-          </a:xfrm>
-          <a:prstGeom prst="roundRect">
-            <a:avLst/>
-          </a:prstGeom>
-          <a:solidFill>
-            <a:schemeClr val="bg1"/>
-          </a:solidFill>
-          <a:ln>
-            <a:solidFill>
-              <a:schemeClr val="accent6"/>
-            </a:solidFill>
-            <a:prstDash val="dash"/>
-          </a:ln>
-        </p:spPr>
-        <p:style>
-          <a:lnRef idx="2">
-            <a:schemeClr val="accent1">
-              <a:shade val="50000"/>
-            </a:schemeClr>
-          </a:lnRef>
-          <a:fillRef idx="1">
-            <a:schemeClr val="accent1"/>
-          </a:fillRef>
-          <a:effectRef idx="0">
-            <a:schemeClr val="accent1"/>
-          </a:effectRef>
-          <a:fontRef idx="minor">
-            <a:schemeClr val="lt1"/>
-          </a:fontRef>
-        </p:style>
-        <p:txBody>
-          <a:bodyPr rtlCol="0" anchor="ctr"/>
-          <a:lstStyle/>
-          <a:p>
-            <a:pPr algn="ctr"/>
-            <a:endParaRPr lang="en-US"/>
-          </a:p>
-        </p:txBody>
-      </p:sp>
-      <p:sp>
-        <p:nvSpPr>
-          <p:cNvPr id="6" name="Rounded Rectangle 5"/>
-          <p:cNvSpPr/>
-          <p:nvPr/>
-        </p:nvSpPr>
-        <p:spPr>
-          <a:xfrm>
-            <a:off x="4369264" y="4046972"/>
-            <a:ext cx="931623" cy="689626"/>
-          </a:xfrm>
-          <a:prstGeom prst="roundRect">
-            <a:avLst/>
-          </a:prstGeom>
-          <a:solidFill>
-            <a:schemeClr val="accent5">
-              <a:lumMod val="75000"/>
-            </a:schemeClr>
-          </a:solidFill>
-          <a:ln>
-            <a:solidFill>
-              <a:schemeClr val="bg1"/>
-            </a:solidFill>
-          </a:ln>
-        </p:spPr>
-        <p:style>
-          <a:lnRef idx="2">
-            <a:schemeClr val="accent1">
-              <a:shade val="50000"/>
-            </a:schemeClr>
-          </a:lnRef>
-          <a:fillRef idx="1">
-            <a:schemeClr val="accent1"/>
-          </a:fillRef>
-          <a:effectRef idx="0">
-            <a:schemeClr val="accent1"/>
-          </a:effectRef>
-          <a:fontRef idx="minor">
-            <a:schemeClr val="lt1"/>
-          </a:fontRef>
-        </p:style>
-        <p:txBody>
-          <a:bodyPr rtlCol="0" anchor="ctr"/>
-          <a:lstStyle/>
-          <a:p>
-            <a:pPr algn="ctr"/>
-            <a:r>
-              <a:rPr lang="en-US" sz="1400" b="1" dirty="0"/>
-              <a:t>Generate Map </a:t>
-            </a:r>
-          </a:p>
-        </p:txBody>
-      </p:sp>
-      <p:cxnSp>
-        <p:nvCxnSpPr>
-          <p:cNvPr id="7" name="Straight Arrow Connector 6"/>
-          <p:cNvCxnSpPr>
-            <a:stCxn id="11" idx="3"/>
-            <a:endCxn id="7" idx="1"/>
-          </p:cNvCxnSpPr>
-          <p:nvPr/>
-        </p:nvCxnSpPr>
-        <p:spPr>
-          <a:xfrm>
-            <a:off x="2894251" y="4373550"/>
-            <a:ext cx="1475014" cy="18236"/>
-          </a:xfrm>
-          <a:prstGeom prst="straightConnector1">
-            <a:avLst/>
-          </a:prstGeom>
-          <a:ln w="28575" cmpd="sng">
-            <a:solidFill>
-              <a:schemeClr val="bg1">
-                <a:lumMod val="50000"/>
-              </a:schemeClr>
-            </a:solidFill>
-            <a:tailEnd type="triangle"/>
-          </a:ln>
-        </p:spPr>
-        <p:style>
-          <a:lnRef idx="3">
-            <a:schemeClr val="dk1"/>
-          </a:lnRef>
-          <a:fillRef idx="0">
-            <a:schemeClr val="dk1"/>
-          </a:fillRef>
-          <a:effectRef idx="2">
-            <a:schemeClr val="dk1"/>
-          </a:effectRef>
-          <a:fontRef idx="minor">
-            <a:schemeClr val="tx1"/>
-          </a:fontRef>
-        </p:style>
-      </p:cxnSp>
-      <p:cxnSp>
-        <p:nvCxnSpPr>
-          <p:cNvPr id="8" name="Straight Arrow Connector 7"/>
-          <p:cNvCxnSpPr>
-            <a:stCxn id="7" idx="3"/>
-            <a:endCxn id="12" idx="1"/>
-          </p:cNvCxnSpPr>
-          <p:nvPr/>
-        </p:nvCxnSpPr>
-        <p:spPr>
-          <a:xfrm>
-            <a:off x="5300887" y="4391785"/>
-            <a:ext cx="1245065" cy="0"/>
-          </a:xfrm>
-          <a:prstGeom prst="straightConnector1">
-            <a:avLst/>
-          </a:prstGeom>
-          <a:ln w="28575" cmpd="sng">
-            <a:solidFill>
-              <a:schemeClr val="bg1">
-                <a:lumMod val="50000"/>
-              </a:schemeClr>
-            </a:solidFill>
-            <a:tailEnd type="triangle"/>
-          </a:ln>
-        </p:spPr>
-        <p:style>
-          <a:lnRef idx="3">
-            <a:schemeClr val="dk1"/>
-          </a:lnRef>
-          <a:fillRef idx="0">
-            <a:schemeClr val="dk1"/>
-          </a:fillRef>
-          <a:effectRef idx="2">
-            <a:schemeClr val="dk1"/>
-          </a:effectRef>
-          <a:fontRef idx="minor">
-            <a:schemeClr val="tx1"/>
-          </a:fontRef>
-        </p:style>
-      </p:cxnSp>
-      <mc:AlternateContent xmlns:mc="http://schemas.openxmlformats.org/markup-compatibility/2006" xmlns:a14="http://schemas.microsoft.com/office/drawing/2010/main">
-        <mc:Choice Requires="a14">
-          <p:sp>
-            <p:nvSpPr>
-              <p:cNvPr id="9" name="TextBox 8"/>
-              <p:cNvSpPr txBox="1"/>
-              <p:nvPr/>
-            </p:nvSpPr>
-            <p:spPr>
-              <a:xfrm>
-                <a:off x="3114225" y="4065147"/>
-                <a:ext cx="1307388" cy="369332"/>
-              </a:xfrm>
-              <a:prstGeom prst="rect">
-                <a:avLst/>
-              </a:prstGeom>
-              <a:noFill/>
-              <a:ln>
-                <a:noFill/>
-              </a:ln>
-            </p:spPr>
-            <p:txBody>
-              <a:bodyPr wrap="square" rtlCol="0">
-                <a:spAutoFit/>
-              </a:bodyPr>
-              <a:lstStyle/>
-              <a:p>
-                <a14:m>
-                  <m:oMath xmlns:m="http://schemas.openxmlformats.org/officeDocument/2006/math">
-                    <m:r>
-                      <a:rPr lang="en-AU" sz="1050" i="1">
-                        <a:latin typeface="Cambria Math" charset="0"/>
-                        <a:ea typeface="Cambria Math" charset="0"/>
-                        <a:cs typeface="Cambria Math" charset="0"/>
-                      </a:rPr>
-                      <m:t>𝐼</m:t>
-                    </m:r>
-                    <m:r>
-                      <a:rPr lang="en-US" sz="1050" i="1">
-                        <a:latin typeface="Cambria Math" panose="02040503050406030204" pitchFamily="18" charset="0"/>
-                        <a:ea typeface="Cambria Math" charset="0"/>
-                        <a:cs typeface="Cambria Math" charset="0"/>
-                      </a:rPr>
-                      <m:t>:</m:t>
-                    </m:r>
-                  </m:oMath>
-                </a14:m>
-                <a:r>
-                  <a:rPr lang="en-US" dirty="0">
-                    <a:ea typeface="Cambria Math" charset="0"/>
-                    <a:cs typeface="Cambria Math" charset="0"/>
-                  </a:rPr>
-                  <a:t> </a:t>
-                </a:r>
-                <a14:m>
-                  <m:oMath xmlns:m="http://schemas.openxmlformats.org/officeDocument/2006/math">
-                    <m:r>
-                      <a:rPr lang="en-US" sz="900" b="1">
-                        <a:latin typeface="Cambria Math" panose="02040503050406030204" pitchFamily="18" charset="0"/>
-                        <a:ea typeface="Cambria Math" charset="0"/>
-                        <a:cs typeface="Cambria Math" charset="0"/>
-                      </a:rPr>
-                      <m:t>𝐌𝐚𝐩𝐩𝐞𝐝𝐋𝐨𝐜𝐚𝐭𝐢𝐨𝐧</m:t>
-                    </m:r>
-                  </m:oMath>
-                </a14:m>
-                <a:endParaRPr lang="en-US" b="1" dirty="0"/>
-              </a:p>
-            </p:txBody>
-          </p:sp>
-        </mc:Choice>
-        <mc:Fallback xmlns="">
-          <p:sp>
-            <p:nvSpPr>
-              <p:cNvPr id="9" name="TextBox 8"/>
-              <p:cNvSpPr txBox="1">
-                <a:spLocks noRot="1" noChangeAspect="1" noMove="1" noResize="1" noEditPoints="1" noAdjustHandles="1" noChangeArrowheads="1" noChangeShapeType="1" noTextEdit="1"/>
-              </p:cNvSpPr>
-              <p:nvPr/>
-            </p:nvSpPr>
-            <p:spPr>
-              <a:xfrm>
-                <a:off x="3114225" y="4065147"/>
-                <a:ext cx="1307388" cy="369332"/>
-              </a:xfrm>
-              <a:prstGeom prst="rect">
-                <a:avLst/>
-              </a:prstGeom>
-              <a:blipFill rotWithShape="0">
-                <a:blip r:embed="rId3"/>
-                <a:stretch>
-                  <a:fillRect/>
-                </a:stretch>
-              </a:blipFill>
-              <a:ln>
-                <a:noFill/>
-              </a:ln>
-            </p:spPr>
-            <p:txBody>
-              <a:bodyPr/>
-              <a:lstStyle/>
-              <a:p>
-                <a:r>
-                  <a:rPr lang="en-US">
-                    <a:noFill/>
-                  </a:rPr>
-                  <a:t> </a:t>
-                </a:r>
-              </a:p>
-            </p:txBody>
-          </p:sp>
-        </mc:Fallback>
-      </mc:AlternateContent>
-      <mc:AlternateContent xmlns:mc="http://schemas.openxmlformats.org/markup-compatibility/2006" xmlns:a14="http://schemas.microsoft.com/office/drawing/2010/main">
-        <mc:Choice Requires="a14">
-          <p:sp>
-            <p:nvSpPr>
-              <p:cNvPr id="10" name="TextBox 9"/>
-              <p:cNvSpPr txBox="1"/>
-              <p:nvPr/>
-            </p:nvSpPr>
-            <p:spPr>
-              <a:xfrm>
-                <a:off x="5221201" y="4178171"/>
-                <a:ext cx="974558" cy="230832"/>
-              </a:xfrm>
-              <a:prstGeom prst="rect">
-                <a:avLst/>
-              </a:prstGeom>
-              <a:noFill/>
-              <a:ln>
-                <a:noFill/>
-              </a:ln>
-            </p:spPr>
-            <p:txBody>
-              <a:bodyPr wrap="square" rtlCol="0">
-                <a:spAutoFit/>
-              </a:bodyPr>
-              <a:lstStyle/>
-              <a:p>
-                <a:pPr/>
-                <a14:m>
-                  <m:oMathPara xmlns:m="http://schemas.openxmlformats.org/officeDocument/2006/math">
-                    <m:oMathParaPr>
-                      <m:jc m:val="centerGroup"/>
-                    </m:oMathParaPr>
-                    <m:oMath xmlns:m="http://schemas.openxmlformats.org/officeDocument/2006/math">
-                      <m:r>
-                        <a:rPr lang="en-AU" sz="900" i="1">
-                          <a:latin typeface="Cambria Math" charset="0"/>
-                          <a:ea typeface="Cambria Math" charset="0"/>
-                          <a:cs typeface="Cambria Math" charset="0"/>
-                        </a:rPr>
-                        <m:t>𝑂</m:t>
-                      </m:r>
-                      <m:r>
-                        <a:rPr lang="en-US" sz="900" i="1">
-                          <a:latin typeface="Cambria Math" panose="02040503050406030204" pitchFamily="18" charset="0"/>
-                          <a:ea typeface="Cambria Math" charset="0"/>
-                          <a:cs typeface="Cambria Math" charset="0"/>
-                        </a:rPr>
-                        <m:t>:</m:t>
-                      </m:r>
-                      <m:r>
-                        <m:rPr>
-                          <m:nor/>
-                        </m:rPr>
-                        <a:rPr lang="en-US" sz="900" b="1" dirty="0"/>
-                        <m:t>StreetMap</m:t>
-                      </m:r>
-                    </m:oMath>
-                  </m:oMathPara>
-                </a14:m>
-                <a:endParaRPr lang="en-US" sz="900" b="1" dirty="0"/>
-              </a:p>
-            </p:txBody>
-          </p:sp>
-        </mc:Choice>
-        <mc:Fallback xmlns="">
-          <p:sp>
-            <p:nvSpPr>
-              <p:cNvPr id="10" name="TextBox 9"/>
-              <p:cNvSpPr txBox="1">
-                <a:spLocks noRot="1" noChangeAspect="1" noMove="1" noResize="1" noEditPoints="1" noAdjustHandles="1" noChangeArrowheads="1" noChangeShapeType="1" noTextEdit="1"/>
-              </p:cNvSpPr>
-              <p:nvPr/>
-            </p:nvSpPr>
-            <p:spPr>
-              <a:xfrm>
-                <a:off x="5221201" y="4178171"/>
-                <a:ext cx="974558" cy="230832"/>
-              </a:xfrm>
-              <a:prstGeom prst="rect">
-                <a:avLst/>
-              </a:prstGeom>
-              <a:blipFill rotWithShape="0">
-                <a:blip r:embed="rId4"/>
-                <a:stretch>
-                  <a:fillRect/>
-                </a:stretch>
-              </a:blipFill>
-              <a:ln>
-                <a:noFill/>
-              </a:ln>
-            </p:spPr>
-            <p:txBody>
-              <a:bodyPr/>
-              <a:lstStyle/>
-              <a:p>
-                <a:r>
-                  <a:rPr lang="en-US">
-                    <a:noFill/>
-                  </a:rPr>
-                  <a:t> </a:t>
-                </a:r>
-              </a:p>
-            </p:txBody>
-          </p:sp>
-        </mc:Fallback>
-      </mc:AlternateContent>
-      <p:sp>
-        <p:nvSpPr>
-          <p:cNvPr id="11" name="Rounded Rectangle 10"/>
-          <p:cNvSpPr/>
-          <p:nvPr/>
-        </p:nvSpPr>
-        <p:spPr>
-          <a:xfrm>
-            <a:off x="1829396" y="4152128"/>
-            <a:ext cx="1064855" cy="442844"/>
-          </a:xfrm>
-          <a:prstGeom prst="roundRect">
-            <a:avLst/>
-          </a:prstGeom>
-          <a:solidFill>
-            <a:schemeClr val="bg1"/>
-          </a:solidFill>
-          <a:ln>
-            <a:solidFill>
-              <a:schemeClr val="accent6"/>
-            </a:solidFill>
-            <a:prstDash val="dash"/>
-          </a:ln>
-        </p:spPr>
-        <p:style>
-          <a:lnRef idx="2">
-            <a:schemeClr val="accent1">
-              <a:shade val="50000"/>
-            </a:schemeClr>
-          </a:lnRef>
-          <a:fillRef idx="1">
-            <a:schemeClr val="accent1"/>
-          </a:fillRef>
-          <a:effectRef idx="0">
-            <a:schemeClr val="accent1"/>
-          </a:effectRef>
-          <a:fontRef idx="minor">
-            <a:schemeClr val="lt1"/>
-          </a:fontRef>
-        </p:style>
-        <p:txBody>
-          <a:bodyPr rtlCol="0" anchor="ctr"/>
-          <a:lstStyle/>
-          <a:p>
-            <a:pPr algn="ctr"/>
-            <a:r>
-              <a:rPr lang="en-NZ" sz="1050" b="1" dirty="0">
-                <a:solidFill>
-                  <a:schemeClr val="tx1"/>
-                </a:solidFill>
-              </a:rPr>
-              <a:t>Input: </a:t>
-            </a:r>
-          </a:p>
-          <a:p>
-            <a:pPr algn="ctr"/>
-            <a:r>
-              <a:rPr lang="en-NZ" sz="1050" i="1" dirty="0" err="1">
-                <a:solidFill>
-                  <a:schemeClr val="accent6"/>
-                </a:solidFill>
-              </a:rPr>
-              <a:t>ConferenceCity</a:t>
-            </a:r>
-            <a:r>
-              <a:rPr lang="en-NZ" sz="1050" i="1" dirty="0">
-                <a:solidFill>
-                  <a:schemeClr val="accent6"/>
-                </a:solidFill>
-              </a:rPr>
-              <a:t> </a:t>
-            </a:r>
-          </a:p>
-        </p:txBody>
-      </p:sp>
-      <p:sp>
-        <p:nvSpPr>
-          <p:cNvPr id="12" name="Rounded Rectangle 11"/>
-          <p:cNvSpPr/>
-          <p:nvPr/>
-        </p:nvSpPr>
-        <p:spPr>
-          <a:xfrm>
-            <a:off x="6545952" y="4188599"/>
-            <a:ext cx="978517" cy="406373"/>
-          </a:xfrm>
-          <a:prstGeom prst="roundRect">
-            <a:avLst/>
-          </a:prstGeom>
-          <a:solidFill>
-            <a:schemeClr val="bg1"/>
-          </a:solidFill>
-          <a:ln>
-            <a:solidFill>
-              <a:schemeClr val="accent6"/>
-            </a:solidFill>
-            <a:prstDash val="dash"/>
-          </a:ln>
-        </p:spPr>
-        <p:style>
-          <a:lnRef idx="2">
-            <a:schemeClr val="accent1">
-              <a:shade val="50000"/>
-            </a:schemeClr>
-          </a:lnRef>
-          <a:fillRef idx="1">
-            <a:schemeClr val="accent1"/>
-          </a:fillRef>
-          <a:effectRef idx="0">
-            <a:schemeClr val="accent1"/>
-          </a:effectRef>
-          <a:fontRef idx="minor">
-            <a:schemeClr val="lt1"/>
-          </a:fontRef>
-        </p:style>
-        <p:txBody>
-          <a:bodyPr rtlCol="0" anchor="ctr"/>
-          <a:lstStyle/>
-          <a:p>
-            <a:pPr algn="ctr"/>
-            <a:r>
-              <a:rPr lang="en-NZ" sz="1050" b="1" dirty="0">
-                <a:solidFill>
-                  <a:schemeClr val="tx1"/>
-                </a:solidFill>
-              </a:rPr>
-              <a:t>Output: </a:t>
-            </a:r>
-          </a:p>
-          <a:p>
-            <a:pPr algn="ctr"/>
-            <a:r>
-              <a:rPr lang="en-NZ" sz="1050" i="1" dirty="0" err="1">
-                <a:solidFill>
-                  <a:schemeClr val="accent6"/>
-                </a:solidFill>
-              </a:rPr>
-              <a:t>StreetMap</a:t>
-            </a:r>
-            <a:endParaRPr lang="en-NZ" sz="1050" i="1" dirty="0">
-              <a:solidFill>
-                <a:schemeClr val="accent6"/>
-              </a:solidFill>
-            </a:endParaRPr>
-          </a:p>
-        </p:txBody>
-      </p:sp>
-      <mc:AlternateContent xmlns:mc="http://schemas.openxmlformats.org/markup-compatibility/2006" xmlns:a14="http://schemas.microsoft.com/office/drawing/2010/main">
-        <mc:Choice Requires="a14">
-          <p:sp>
-            <p:nvSpPr>
-              <p:cNvPr id="14" name="TextBox 13"/>
-              <p:cNvSpPr txBox="1"/>
-              <p:nvPr/>
-            </p:nvSpPr>
-            <p:spPr>
-              <a:xfrm>
-                <a:off x="1412761" y="5563953"/>
-                <a:ext cx="6201987" cy="246221"/>
-              </a:xfrm>
-              <a:prstGeom prst="rect">
-                <a:avLst/>
-              </a:prstGeom>
-              <a:noFill/>
-              <a:ln>
-                <a:noFill/>
-              </a:ln>
-            </p:spPr>
-            <p:txBody>
-              <a:bodyPr wrap="square" rtlCol="0">
-                <a:spAutoFit/>
-              </a:bodyPr>
-              <a:lstStyle/>
-              <a:p>
-                <a:pPr/>
-                <a14:m>
-                  <m:oMathPara xmlns:m="http://schemas.openxmlformats.org/officeDocument/2006/math">
-                    <m:oMathParaPr>
-                      <m:jc m:val="centerGroup"/>
-                    </m:oMathParaPr>
-                    <m:oMath xmlns:m="http://schemas.openxmlformats.org/officeDocument/2006/math">
-                      <m:r>
-                        <a:rPr lang="en-US" sz="1000" b="1" i="0" smtClean="0">
-                          <a:latin typeface="Cambria Math" charset="0"/>
-                          <a:ea typeface="Cambria Math" charset="0"/>
-                          <a:cs typeface="Cambria Math" charset="0"/>
-                        </a:rPr>
-                        <m:t>𝐈𝐧𝐬𝐭𝐚𝐧𝐜𝐞</m:t>
-                      </m:r>
-                      <m:r>
-                        <a:rPr lang="en-US" sz="1000" b="1" i="0" smtClean="0">
-                          <a:latin typeface="Cambria Math" charset="0"/>
-                          <a:ea typeface="Cambria Math" charset="0"/>
-                          <a:cs typeface="Cambria Math" charset="0"/>
-                        </a:rPr>
-                        <m:t>−</m:t>
-                      </m:r>
-                      <m:r>
-                        <a:rPr lang="en-US" sz="1000" b="1" i="0" smtClean="0">
-                          <a:latin typeface="Cambria Math" charset="0"/>
-                          <a:ea typeface="Cambria Math" charset="0"/>
-                          <a:cs typeface="Cambria Math" charset="0"/>
-                        </a:rPr>
-                        <m:t>𝐨𝐟</m:t>
-                      </m:r>
-                      <m:r>
-                        <a:rPr lang="en-US" sz="1000" b="1" i="0" smtClean="0">
-                          <a:latin typeface="Cambria Math" charset="0"/>
-                          <a:ea typeface="Cambria Math" charset="0"/>
-                          <a:cs typeface="Cambria Math" charset="0"/>
-                        </a:rPr>
-                        <m:t> </m:t>
-                      </m:r>
-                      <m:d>
-                        <m:dPr>
-                          <m:ctrlPr>
-                            <a:rPr lang="en-US" sz="1000" b="1" i="1" smtClean="0">
-                              <a:latin typeface="Cambria Math" charset="0"/>
-                              <a:ea typeface="Cambria Math" charset="0"/>
-                              <a:cs typeface="Cambria Math" charset="0"/>
-                            </a:rPr>
-                          </m:ctrlPr>
-                        </m:dPr>
-                        <m:e>
-                          <m:r>
-                            <a:rPr lang="en-US" sz="1000" b="1">
-                              <a:latin typeface="Cambria Math" panose="02040503050406030204" pitchFamily="18" charset="0"/>
-                              <a:ea typeface="Cambria Math" charset="0"/>
-                              <a:cs typeface="Cambria Math" charset="0"/>
-                            </a:rPr>
-                            <m:t>𝐌𝐚𝐩𝐩𝐞𝐝𝐋𝐨𝐜𝐚𝐭𝐢𝐨𝐧</m:t>
-                          </m:r>
-                          <m:r>
-                            <a:rPr lang="en-US" sz="1000" b="1" i="0" smtClean="0">
-                              <a:latin typeface="Cambria Math" charset="0"/>
-                              <a:ea typeface="Cambria Math" charset="0"/>
-                              <a:cs typeface="Cambria Math" charset="0"/>
-                            </a:rPr>
-                            <m:t>, </m:t>
-                          </m:r>
-                          <m:r>
-                            <a:rPr lang="en-US" sz="1000" b="1" i="0" smtClean="0">
-                              <a:latin typeface="Cambria Math" charset="0"/>
-                              <a:ea typeface="Cambria Math" charset="0"/>
-                              <a:cs typeface="Cambria Math" charset="0"/>
-                            </a:rPr>
-                            <m:t>𝐋𝐨𝐜𝐚𝐭𝐢𝐨𝐧</m:t>
-                          </m:r>
-                        </m:e>
-                      </m:d>
-                      <m:r>
-                        <a:rPr lang="en-US" sz="1000" b="1">
-                          <a:latin typeface="Cambria Math" charset="0"/>
-                          <a:ea typeface="Cambria Math" charset="0"/>
-                          <a:cs typeface="Cambria Math" charset="0"/>
-                        </a:rPr>
-                        <m:t>,</m:t>
-                      </m:r>
-                      <m:r>
-                        <a:rPr lang="en-US" sz="1000" b="1">
-                          <a:latin typeface="Cambria Math" charset="0"/>
-                          <a:ea typeface="Cambria Math" charset="0"/>
-                          <a:cs typeface="Cambria Math" charset="0"/>
-                        </a:rPr>
-                        <m:t>𝐈𝐧𝐬𝐭𝐚𝐧𝐜𝐞</m:t>
-                      </m:r>
-                      <m:r>
-                        <a:rPr lang="en-US" sz="1000" b="1">
-                          <a:latin typeface="Cambria Math" charset="0"/>
-                          <a:ea typeface="Cambria Math" charset="0"/>
-                          <a:cs typeface="Cambria Math" charset="0"/>
-                        </a:rPr>
-                        <m:t>−</m:t>
-                      </m:r>
-                      <m:r>
-                        <a:rPr lang="en-US" sz="1000" b="1">
-                          <a:latin typeface="Cambria Math" charset="0"/>
-                          <a:ea typeface="Cambria Math" charset="0"/>
-                          <a:cs typeface="Cambria Math" charset="0"/>
-                        </a:rPr>
-                        <m:t>𝐨𝐟</m:t>
-                      </m:r>
-                      <m:r>
-                        <a:rPr lang="en-US" sz="1000" b="1">
-                          <a:latin typeface="Cambria Math" charset="0"/>
-                          <a:ea typeface="Cambria Math" charset="0"/>
-                          <a:cs typeface="Cambria Math" charset="0"/>
-                        </a:rPr>
-                        <m:t> </m:t>
-                      </m:r>
-                      <m:d>
-                        <m:dPr>
-                          <m:ctrlPr>
-                            <a:rPr lang="en-US" sz="1000" b="1" i="1">
-                              <a:latin typeface="Cambria Math" charset="0"/>
-                              <a:ea typeface="Cambria Math" charset="0"/>
-                              <a:cs typeface="Cambria Math" charset="0"/>
-                            </a:rPr>
-                          </m:ctrlPr>
-                        </m:dPr>
-                        <m:e>
-                          <m:r>
-                            <a:rPr lang="en-US" sz="1000" b="1" i="0" smtClean="0">
-                              <a:latin typeface="Cambria Math" charset="0"/>
-                              <a:ea typeface="Cambria Math" charset="0"/>
-                              <a:cs typeface="Cambria Math" charset="0"/>
-                            </a:rPr>
-                            <m:t>𝐂𝐨𝐧𝐟𝐞𝐫𝐞𝐧𝐜𝐞𝐂𝐢𝐭𝐲</m:t>
-                          </m:r>
-                          <m:r>
-                            <a:rPr lang="en-US" sz="1000" b="1">
-                              <a:latin typeface="Cambria Math" charset="0"/>
-                              <a:ea typeface="Cambria Math" charset="0"/>
-                              <a:cs typeface="Cambria Math" charset="0"/>
-                            </a:rPr>
-                            <m:t>, </m:t>
-                          </m:r>
-                          <m:r>
-                            <a:rPr lang="en-US" sz="1000" b="1" i="0" smtClean="0">
-                              <a:latin typeface="Cambria Math" charset="0"/>
-                              <a:ea typeface="Cambria Math" charset="0"/>
-                              <a:cs typeface="Cambria Math" charset="0"/>
-                            </a:rPr>
-                            <m:t>𝐂𝐢𝐭𝐲</m:t>
-                          </m:r>
-                        </m:e>
-                      </m:d>
-                      <m:r>
-                        <a:rPr lang="en-US" sz="1000" b="1" i="1" smtClean="0">
-                          <a:latin typeface="Cambria Math" charset="0"/>
-                          <a:ea typeface="Cambria Math" charset="0"/>
-                          <a:cs typeface="Cambria Math" charset="0"/>
-                        </a:rPr>
-                        <m:t> </m:t>
-                      </m:r>
-                      <m:r>
-                        <a:rPr lang="en-US" sz="1000" b="1" i="1" smtClean="0">
-                          <a:latin typeface="Cambria Math" charset="0"/>
-                          <a:ea typeface="Cambria Math" charset="0"/>
-                          <a:cs typeface="Cambria Math" charset="0"/>
-                        </a:rPr>
-                        <m:t>𝒂𝒏𝒅</m:t>
-                      </m:r>
-                      <m:r>
-                        <a:rPr lang="en-US" sz="1000" b="1" i="1" smtClean="0">
-                          <a:latin typeface="Cambria Math" charset="0"/>
-                          <a:ea typeface="Cambria Math" charset="0"/>
-                          <a:cs typeface="Cambria Math" charset="0"/>
-                        </a:rPr>
-                        <m:t> </m:t>
-                      </m:r>
-                      <m:r>
-                        <a:rPr lang="en-US" sz="1000" b="1" i="1" smtClean="0">
-                          <a:latin typeface="Cambria Math" charset="0"/>
-                          <a:ea typeface="Cambria Math" charset="0"/>
-                          <a:cs typeface="Cambria Math" charset="0"/>
-                        </a:rPr>
-                        <m:t>𝑪𝒊𝒕𝒚</m:t>
-                      </m:r>
-                      <m:r>
-                        <a:rPr lang="en-US" sz="1000" b="1" i="1" smtClean="0">
-                          <a:latin typeface="Cambria Math" charset="0"/>
-                          <a:ea typeface="Cambria Math" charset="0"/>
-                          <a:cs typeface="Cambria Math" charset="0"/>
-                        </a:rPr>
-                        <m:t> ⊑</m:t>
-                      </m:r>
-                      <m:r>
-                        <a:rPr lang="en-US" sz="1000" b="1" i="1" smtClean="0">
-                          <a:latin typeface="Cambria Math" charset="0"/>
-                          <a:ea typeface="Cambria Math" charset="0"/>
-                          <a:cs typeface="Cambria Math" charset="0"/>
-                        </a:rPr>
-                        <m:t>𝑳𝒐𝒄𝒂𝒕𝒊𝒐𝒏</m:t>
-                      </m:r>
-                    </m:oMath>
-                  </m:oMathPara>
-                </a14:m>
-                <a:endParaRPr lang="en-US" sz="1000" b="1" dirty="0"/>
-              </a:p>
-            </p:txBody>
-          </p:sp>
-        </mc:Choice>
-        <mc:Fallback xmlns="">
-          <p:sp>
-            <p:nvSpPr>
-              <p:cNvPr id="14" name="TextBox 13"/>
-              <p:cNvSpPr txBox="1">
-                <a:spLocks noRot="1" noChangeAspect="1" noMove="1" noResize="1" noEditPoints="1" noAdjustHandles="1" noChangeArrowheads="1" noChangeShapeType="1" noTextEdit="1"/>
-              </p:cNvSpPr>
-              <p:nvPr/>
-            </p:nvSpPr>
-            <p:spPr>
-              <a:xfrm>
-                <a:off x="1412761" y="5563953"/>
-                <a:ext cx="6201987" cy="246221"/>
-              </a:xfrm>
-              <a:prstGeom prst="rect">
-                <a:avLst/>
-              </a:prstGeom>
-              <a:blipFill rotWithShape="0">
-                <a:blip r:embed="rId5"/>
-                <a:stretch>
-                  <a:fillRect t="-72500" b="-95000"/>
-                </a:stretch>
-              </a:blipFill>
-              <a:ln>
-                <a:noFill/>
-              </a:ln>
-            </p:spPr>
-            <p:txBody>
-              <a:bodyPr/>
-              <a:lstStyle/>
-              <a:p>
-                <a:r>
-                  <a:rPr lang="en-US">
-                    <a:noFill/>
-                  </a:rPr>
-                  <a:t> </a:t>
-                </a:r>
-              </a:p>
-            </p:txBody>
-          </p:sp>
-        </mc:Fallback>
-      </mc:AlternateContent>
-      <p:sp>
-        <p:nvSpPr>
-          <p:cNvPr id="16" name="TextBox 15"/>
-          <p:cNvSpPr txBox="1"/>
-          <p:nvPr/>
-        </p:nvSpPr>
-        <p:spPr>
-          <a:xfrm>
-            <a:off x="1354307" y="5996143"/>
-            <a:ext cx="7020512" cy="369332"/>
-          </a:xfrm>
-          <a:prstGeom prst="rect">
-            <a:avLst/>
-          </a:prstGeom>
-          <a:noFill/>
-        </p:spPr>
-        <p:txBody>
-          <a:bodyPr wrap="none" rtlCol="0">
-            <a:spAutoFit/>
-          </a:bodyPr>
-          <a:lstStyle/>
-          <a:p>
-            <a:r>
-              <a:rPr lang="en-US" dirty="0" smtClean="0"/>
-              <a:t>Fig.2 An </a:t>
-            </a:r>
-            <a:r>
-              <a:rPr lang="en-US" dirty="0"/>
-              <a:t>example of </a:t>
-            </a:r>
-            <a:r>
-              <a:rPr lang="en-US" dirty="0" smtClean="0"/>
-              <a:t>one </a:t>
-            </a:r>
-            <a:r>
-              <a:rPr lang="en-US" dirty="0"/>
-              <a:t>component service from traveling agency service</a:t>
-            </a:r>
-          </a:p>
-        </p:txBody>
-      </p:sp>
-    </p:spTree>
-    <p:extLst>
-      <p:ext uri="{BB962C8B-B14F-4D97-AF65-F5344CB8AC3E}">
-        <p14:creationId xmlns:p14="http://schemas.microsoft.com/office/powerpoint/2010/main" val="1500087154"/>
-      </p:ext>
-    </p:extLst>
-  </p:cSld>
-  <p:clrMapOvr>
-    <a:masterClrMapping/>
-  </p:clrMapOvr>
-  <p:timing>
-    <p:tnLst>
-      <p:par>
-        <p:cTn id="1" dur="indefinite" restart="never" nodeType="tmRoot"/>
-      </p:par>
-    </p:tnLst>
-  </p:timing>
-</p:sld>
-</file>
-
-<file path=ppt/slides/slide8.xml><?xml version="1.0" encoding="utf-8"?>
-<p:sld xmlns:a="http://schemas.openxmlformats.org/drawingml/2006/main" xmlns:r="http://schemas.openxmlformats.org/officeDocument/2006/relationships" xmlns:p="http://schemas.openxmlformats.org/presentationml/2006/main">
-  <p:cSld>
-    <p:spTree>
-      <p:nvGrpSpPr>
-        <p:cNvPr id="1" name=""/>
-        <p:cNvGrpSpPr/>
-        <p:nvPr/>
-      </p:nvGrpSpPr>
-      <p:grpSpPr>
-        <a:xfrm>
-          <a:off x="0" y="0"/>
-          <a:ext cx="0" cy="0"/>
-          <a:chOff x="0" y="0"/>
-          <a:chExt cx="0" cy="0"/>
-        </a:xfrm>
-      </p:grpSpPr>
-      <p:sp>
-        <p:nvSpPr>
           <p:cNvPr id="5" name="Oval 4"/>
           <p:cNvSpPr/>
           <p:nvPr/>
@@ -19843,15 +17521,7 @@
                   <a:srgbClr val="FF0000"/>
                 </a:solidFill>
               </a:rPr>
-              <a:t>link</a:t>
-            </a:r>
-            <a:r>
-              <a:rPr lang="en-US" sz="1600" smtClean="0">
-                <a:solidFill>
-                  <a:srgbClr val="FF0000"/>
-                </a:solidFill>
-              </a:rPr>
-              <a:t>1</a:t>
+              <a:t>link1</a:t>
             </a:r>
             <a:endParaRPr lang="en-NZ" sz="1600" dirty="0">
               <a:solidFill>
@@ -19889,15 +17559,7 @@
                   <a:srgbClr val="FF0000"/>
                 </a:solidFill>
               </a:rPr>
-              <a:t>link</a:t>
-            </a:r>
-            <a:r>
-              <a:rPr lang="en-US" sz="1600" smtClean="0">
-                <a:solidFill>
-                  <a:srgbClr val="FF0000"/>
-                </a:solidFill>
-              </a:rPr>
-              <a:t>2</a:t>
+              <a:t>link2</a:t>
             </a:r>
             <a:endParaRPr lang="en-NZ" sz="1600" dirty="0">
               <a:solidFill>
@@ -19935,15 +17597,7 @@
                   <a:srgbClr val="FF0000"/>
                 </a:solidFill>
               </a:rPr>
-              <a:t>link</a:t>
-            </a:r>
-            <a:r>
-              <a:rPr lang="en-US" sz="1600" smtClean="0">
-                <a:solidFill>
-                  <a:srgbClr val="FF0000"/>
-                </a:solidFill>
-              </a:rPr>
-              <a:t>3</a:t>
+              <a:t>link3</a:t>
             </a:r>
             <a:endParaRPr lang="en-NZ" sz="1600" dirty="0">
               <a:solidFill>
@@ -19981,15 +17635,7 @@
                   <a:srgbClr val="FF0000"/>
                 </a:solidFill>
               </a:rPr>
-              <a:t>link</a:t>
-            </a:r>
-            <a:r>
-              <a:rPr lang="en-US" sz="1600" dirty="0" smtClean="0">
-                <a:solidFill>
-                  <a:srgbClr val="FF0000"/>
-                </a:solidFill>
-              </a:rPr>
-              <a:t>4</a:t>
+              <a:t>link4</a:t>
             </a:r>
             <a:endParaRPr lang="en-NZ" sz="1600" dirty="0">
               <a:solidFill>
@@ -20023,11 +17669,7 @@
           <a:p>
             <a:r>
               <a:rPr lang="en-US" sz="1600" smtClean="0"/>
-              <a:t>link</a:t>
-            </a:r>
-            <a:r>
-              <a:rPr lang="en-US" sz="1600" smtClean="0"/>
-              <a:t>1</a:t>
+              <a:t>link1</a:t>
             </a:r>
             <a:endParaRPr lang="en-NZ" sz="1600" dirty="0"/>
           </a:p>
@@ -20057,11 +17699,7 @@
           <a:p>
             <a:r>
               <a:rPr lang="en-US" sz="1600" smtClean="0"/>
-              <a:t>link</a:t>
-            </a:r>
-            <a:r>
-              <a:rPr lang="en-US" sz="1600" smtClean="0"/>
-              <a:t>2</a:t>
+              <a:t>link2</a:t>
             </a:r>
             <a:endParaRPr lang="en-NZ" sz="1600" dirty="0"/>
           </a:p>
@@ -20121,18 +17759,14 @@
           <a:p>
             <a:r>
               <a:rPr lang="en-US" sz="1600" smtClean="0"/>
-              <a:t>link</a:t>
-            </a:r>
-            <a:r>
-              <a:rPr lang="en-US" sz="1600" smtClean="0"/>
-              <a:t>4</a:t>
+              <a:t>link4</a:t>
             </a:r>
             <a:endParaRPr lang="en-NZ" sz="1600" dirty="0"/>
           </a:p>
         </p:txBody>
       </p:sp>
-      <mc:AlternateContent xmlns:mc="http://schemas.openxmlformats.org/markup-compatibility/2006">
-        <mc:Choice xmlns:a14="http://schemas.microsoft.com/office/drawing/2010/main" Requires="a14">
+      <mc:AlternateContent xmlns:mc="http://schemas.openxmlformats.org/markup-compatibility/2006" xmlns:a14="http://schemas.microsoft.com/office/drawing/2010/main">
+        <mc:Choice Requires="a14">
           <p:sp>
             <p:nvSpPr>
               <p:cNvPr id="2" name="TextBox 1"/>
@@ -20193,7 +17827,7 @@
             </p:txBody>
           </p:sp>
         </mc:Choice>
-        <mc:Fallback>
+        <mc:Fallback xmlns="">
           <p:sp>
             <p:nvSpPr>
               <p:cNvPr id="2" name="TextBox 1"/>
@@ -20232,8 +17866,8 @@
           </p:sp>
         </mc:Fallback>
       </mc:AlternateContent>
-      <mc:AlternateContent xmlns:mc="http://schemas.openxmlformats.org/markup-compatibility/2006">
-        <mc:Choice xmlns:a14="http://schemas.microsoft.com/office/drawing/2010/main" Requires="a14">
+      <mc:AlternateContent xmlns:mc="http://schemas.openxmlformats.org/markup-compatibility/2006" xmlns:a14="http://schemas.microsoft.com/office/drawing/2010/main">
+        <mc:Choice Requires="a14">
           <p:sp>
             <p:nvSpPr>
               <p:cNvPr id="92" name="TextBox 91"/>
@@ -20294,7 +17928,7 @@
             </p:txBody>
           </p:sp>
         </mc:Choice>
-        <mc:Fallback>
+        <mc:Fallback xmlns="">
           <p:sp>
             <p:nvSpPr>
               <p:cNvPr id="92" name="TextBox 91"/>
@@ -20363,8 +17997,8 @@
           </a:p>
         </p:txBody>
       </p:sp>
-      <mc:AlternateContent xmlns:mc="http://schemas.openxmlformats.org/markup-compatibility/2006">
-        <mc:Choice xmlns:a14="http://schemas.microsoft.com/office/drawing/2010/main" Requires="a14">
+      <mc:AlternateContent xmlns:mc="http://schemas.openxmlformats.org/markup-compatibility/2006" xmlns:a14="http://schemas.microsoft.com/office/drawing/2010/main">
+        <mc:Choice Requires="a14">
           <p:graphicFrame>
             <p:nvGraphicFramePr>
               <p:cNvPr id="102" name="Table 101"/>
@@ -21128,7 +18762,7 @@
             </a:graphic>
           </p:graphicFrame>
         </mc:Choice>
-        <mc:Fallback>
+        <mc:Fallback xmlns="">
           <p:graphicFrame>
             <p:nvGraphicFramePr>
               <p:cNvPr id="102" name="Table 101"/>
@@ -21611,8 +19245,8 @@
           </p:graphicFrame>
         </mc:Fallback>
       </mc:AlternateContent>
-      <mc:AlternateContent xmlns:mc="http://schemas.openxmlformats.org/markup-compatibility/2006">
-        <mc:Choice xmlns:a14="http://schemas.microsoft.com/office/drawing/2010/main" Requires="a14">
+      <mc:AlternateContent xmlns:mc="http://schemas.openxmlformats.org/markup-compatibility/2006" xmlns:a14="http://schemas.microsoft.com/office/drawing/2010/main">
+        <mc:Choice Requires="a14">
           <p:sp>
             <p:nvSpPr>
               <p:cNvPr id="104" name="Rectangle 103"/>
@@ -21681,7 +19315,7 @@
             </p:txBody>
           </p:sp>
         </mc:Choice>
-        <mc:Fallback>
+        <mc:Fallback xmlns="">
           <p:sp>
             <p:nvSpPr>
               <p:cNvPr id="104" name="Rectangle 103"/>
@@ -21720,8 +19354,8 @@
           </p:sp>
         </mc:Fallback>
       </mc:AlternateContent>
-      <mc:AlternateContent xmlns:mc="http://schemas.openxmlformats.org/markup-compatibility/2006">
-        <mc:Choice xmlns:a14="http://schemas.microsoft.com/office/drawing/2010/main" Requires="a14">
+      <mc:AlternateContent xmlns:mc="http://schemas.openxmlformats.org/markup-compatibility/2006" xmlns:a14="http://schemas.microsoft.com/office/drawing/2010/main">
+        <mc:Choice Requires="a14">
           <p:sp>
             <p:nvSpPr>
               <p:cNvPr id="106" name="Rectangle 105"/>
@@ -21784,7 +19418,7 @@
             </p:txBody>
           </p:sp>
         </mc:Choice>
-        <mc:Fallback>
+        <mc:Fallback xmlns="">
           <p:sp>
             <p:nvSpPr>
               <p:cNvPr id="106" name="Rectangle 105"/>
@@ -21823,8 +19457,8 @@
           </p:sp>
         </mc:Fallback>
       </mc:AlternateContent>
-      <mc:AlternateContent xmlns:mc="http://schemas.openxmlformats.org/markup-compatibility/2006">
-        <mc:Choice xmlns:a14="http://schemas.microsoft.com/office/drawing/2010/main" Requires="a14">
+      <mc:AlternateContent xmlns:mc="http://schemas.openxmlformats.org/markup-compatibility/2006" xmlns:a14="http://schemas.microsoft.com/office/drawing/2010/main">
+        <mc:Choice Requires="a14">
           <p:sp>
             <p:nvSpPr>
               <p:cNvPr id="107" name="Rectangle 106"/>
@@ -21887,7 +19521,7 @@
             </p:txBody>
           </p:sp>
         </mc:Choice>
-        <mc:Fallback>
+        <mc:Fallback xmlns="">
           <p:sp>
             <p:nvSpPr>
               <p:cNvPr id="107" name="Rectangle 106"/>
@@ -21926,8 +19560,8 @@
           </p:sp>
         </mc:Fallback>
       </mc:AlternateContent>
-      <mc:AlternateContent xmlns:mc="http://schemas.openxmlformats.org/markup-compatibility/2006">
-        <mc:Choice xmlns:a14="http://schemas.microsoft.com/office/drawing/2010/main" Requires="a14">
+      <mc:AlternateContent xmlns:mc="http://schemas.openxmlformats.org/markup-compatibility/2006" xmlns:a14="http://schemas.microsoft.com/office/drawing/2010/main">
+        <mc:Choice Requires="a14">
           <p:sp>
             <p:nvSpPr>
               <p:cNvPr id="108" name="Rectangle 107"/>
@@ -21990,7 +19624,7 @@
             </p:txBody>
           </p:sp>
         </mc:Choice>
-        <mc:Fallback>
+        <mc:Fallback xmlns="">
           <p:sp>
             <p:nvSpPr>
               <p:cNvPr id="108" name="Rectangle 107"/>
@@ -22029,8 +19663,8 @@
           </p:sp>
         </mc:Fallback>
       </mc:AlternateContent>
-      <mc:AlternateContent xmlns:mc="http://schemas.openxmlformats.org/markup-compatibility/2006">
-        <mc:Choice xmlns:a14="http://schemas.microsoft.com/office/drawing/2010/main" Requires="a14">
+      <mc:AlternateContent xmlns:mc="http://schemas.openxmlformats.org/markup-compatibility/2006" xmlns:a14="http://schemas.microsoft.com/office/drawing/2010/main">
+        <mc:Choice Requires="a14">
           <p:sp>
             <p:nvSpPr>
               <p:cNvPr id="109" name="Rectangle 108"/>
@@ -22093,7 +19727,7 @@
             </p:txBody>
           </p:sp>
         </mc:Choice>
-        <mc:Fallback>
+        <mc:Fallback xmlns="">
           <p:sp>
             <p:nvSpPr>
               <p:cNvPr id="109" name="Rectangle 108"/>
@@ -22132,8 +19766,8 @@
           </p:sp>
         </mc:Fallback>
       </mc:AlternateContent>
-      <mc:AlternateContent xmlns:mc="http://schemas.openxmlformats.org/markup-compatibility/2006">
-        <mc:Choice xmlns:a14="http://schemas.microsoft.com/office/drawing/2010/main" Requires="a14">
+      <mc:AlternateContent xmlns:mc="http://schemas.openxmlformats.org/markup-compatibility/2006" xmlns:a14="http://schemas.microsoft.com/office/drawing/2010/main">
+        <mc:Choice Requires="a14">
           <p:sp>
             <p:nvSpPr>
               <p:cNvPr id="111" name="Rectangle 110"/>
@@ -22209,7 +19843,7 @@
             </p:txBody>
           </p:sp>
         </mc:Choice>
-        <mc:Fallback>
+        <mc:Fallback xmlns="">
           <p:sp>
             <p:nvSpPr>
               <p:cNvPr id="111" name="Rectangle 110"/>
@@ -22248,8 +19882,8 @@
           </p:sp>
         </mc:Fallback>
       </mc:AlternateContent>
-      <mc:AlternateContent xmlns:mc="http://schemas.openxmlformats.org/markup-compatibility/2006">
-        <mc:Choice xmlns:a14="http://schemas.microsoft.com/office/drawing/2010/main" Requires="a14">
+      <mc:AlternateContent xmlns:mc="http://schemas.openxmlformats.org/markup-compatibility/2006" xmlns:a14="http://schemas.microsoft.com/office/drawing/2010/main">
+        <mc:Choice Requires="a14">
           <p:sp>
             <p:nvSpPr>
               <p:cNvPr id="115" name="Rectangle 114"/>
@@ -22312,7 +19946,7 @@
             </p:txBody>
           </p:sp>
         </mc:Choice>
-        <mc:Fallback>
+        <mc:Fallback xmlns="">
           <p:sp>
             <p:nvSpPr>
               <p:cNvPr id="115" name="Rectangle 114"/>
@@ -22646,8 +20280,8 @@
           </a:fontRef>
         </p:style>
       </p:cxnSp>
-      <mc:AlternateContent xmlns:mc="http://schemas.openxmlformats.org/markup-compatibility/2006">
-        <mc:Choice xmlns:a14="http://schemas.microsoft.com/office/drawing/2010/main" Requires="a14">
+      <mc:AlternateContent xmlns:mc="http://schemas.openxmlformats.org/markup-compatibility/2006" xmlns:a14="http://schemas.microsoft.com/office/drawing/2010/main">
+        <mc:Choice Requires="a14">
           <p:sp>
             <p:nvSpPr>
               <p:cNvPr id="128" name="Rectangle 127"/>
@@ -22724,7 +20358,7 @@
             </p:txBody>
           </p:sp>
         </mc:Choice>
-        <mc:Fallback>
+        <mc:Fallback xmlns="">
           <p:sp>
             <p:nvSpPr>
               <p:cNvPr id="128" name="Rectangle 127"/>
@@ -22763,8 +20397,8 @@
           </p:sp>
         </mc:Fallback>
       </mc:AlternateContent>
-      <mc:AlternateContent xmlns:mc="http://schemas.openxmlformats.org/markup-compatibility/2006">
-        <mc:Choice xmlns:a14="http://schemas.microsoft.com/office/drawing/2010/main" Requires="a14">
+      <mc:AlternateContent xmlns:mc="http://schemas.openxmlformats.org/markup-compatibility/2006" xmlns:a14="http://schemas.microsoft.com/office/drawing/2010/main">
+        <mc:Choice Requires="a14">
           <p:sp>
             <p:nvSpPr>
               <p:cNvPr id="130" name="Rectangle 129"/>
@@ -22866,7 +20500,7 @@
             </p:txBody>
           </p:sp>
         </mc:Choice>
-        <mc:Fallback>
+        <mc:Fallback xmlns="">
           <p:sp>
             <p:nvSpPr>
               <p:cNvPr id="130" name="Rectangle 129"/>
@@ -22905,8 +20539,8 @@
           </p:sp>
         </mc:Fallback>
       </mc:AlternateContent>
-      <mc:AlternateContent xmlns:mc="http://schemas.openxmlformats.org/markup-compatibility/2006">
-        <mc:Choice xmlns:a14="http://schemas.microsoft.com/office/drawing/2010/main" Requires="a14">
+      <mc:AlternateContent xmlns:mc="http://schemas.openxmlformats.org/markup-compatibility/2006" xmlns:a14="http://schemas.microsoft.com/office/drawing/2010/main">
+        <mc:Choice Requires="a14">
           <p:sp>
             <p:nvSpPr>
               <p:cNvPr id="131" name="Rectangle 130"/>
@@ -23017,7 +20651,7 @@
             </p:txBody>
           </p:sp>
         </mc:Choice>
-        <mc:Fallback>
+        <mc:Fallback xmlns="">
           <p:sp>
             <p:nvSpPr>
               <p:cNvPr id="131" name="Rectangle 130"/>
@@ -23126,8 +20760,8 @@
           </a:fontRef>
         </p:style>
       </p:cxnSp>
-      <mc:AlternateContent xmlns:mc="http://schemas.openxmlformats.org/markup-compatibility/2006">
-        <mc:Choice xmlns:a14="http://schemas.microsoft.com/office/drawing/2010/main" Requires="a14">
+      <mc:AlternateContent xmlns:mc="http://schemas.openxmlformats.org/markup-compatibility/2006" xmlns:a14="http://schemas.microsoft.com/office/drawing/2010/main">
+        <mc:Choice Requires="a14">
           <p:sp>
             <p:nvSpPr>
               <p:cNvPr id="134" name="Rectangle 133"/>
@@ -23243,7 +20877,7 @@
             </p:txBody>
           </p:sp>
         </mc:Choice>
-        <mc:Fallback>
+        <mc:Fallback xmlns="">
           <p:sp>
             <p:nvSpPr>
               <p:cNvPr id="134" name="Rectangle 133"/>
@@ -23347,8 +20981,8 @@
           </a:p>
         </p:txBody>
       </p:sp>
-      <mc:AlternateContent xmlns:mc="http://schemas.openxmlformats.org/markup-compatibility/2006">
-        <mc:Choice xmlns:a14="http://schemas.microsoft.com/office/drawing/2010/main" Requires="a14">
+      <mc:AlternateContent xmlns:mc="http://schemas.openxmlformats.org/markup-compatibility/2006" xmlns:a14="http://schemas.microsoft.com/office/drawing/2010/main">
+        <mc:Choice Requires="a14">
           <p:sp>
             <p:nvSpPr>
               <p:cNvPr id="137" name="Rectangle 136"/>
@@ -23427,7 +21061,7 @@
             </p:txBody>
           </p:sp>
         </mc:Choice>
-        <mc:Fallback>
+        <mc:Fallback xmlns="">
           <p:sp>
             <p:nvSpPr>
               <p:cNvPr id="137" name="Rectangle 136"/>
@@ -23504,8 +21138,8 @@
           </a:fontRef>
         </p:style>
       </p:cxnSp>
-      <mc:AlternateContent xmlns:mc="http://schemas.openxmlformats.org/markup-compatibility/2006">
-        <mc:Choice xmlns:a14="http://schemas.microsoft.com/office/drawing/2010/main" Requires="a14">
+      <mc:AlternateContent xmlns:mc="http://schemas.openxmlformats.org/markup-compatibility/2006" xmlns:a14="http://schemas.microsoft.com/office/drawing/2010/main">
+        <mc:Choice Requires="a14">
           <p:sp>
             <p:nvSpPr>
               <p:cNvPr id="138" name="Rectangle 137"/>
@@ -23581,7 +21215,7 @@
             </p:txBody>
           </p:sp>
         </mc:Choice>
-        <mc:Fallback>
+        <mc:Fallback xmlns="">
           <p:sp>
             <p:nvSpPr>
               <p:cNvPr id="138" name="Rectangle 137"/>
